--- a/Project_Management/Báo cáo khóa luận/Presentation.pptx
+++ b/Project_Management/Báo cáo khóa luận/Presentation.pptx
@@ -228,7 +228,7 @@
                 <a:latin typeface="Segoe UI" pitchFamily="34" charset="0"/>
               </a:rPr>
               <a:pPr/>
-              <a:t>16/12/2011</a:t>
+              <a:t>17/12/2011</a:t>
             </a:fld>
             <a:endParaRPr lang="en-US">
               <a:latin typeface="Segoe UI" pitchFamily="34" charset="0"/>
@@ -346,7 +346,7 @@
     </p:spTree>
     <p:extLst>
       <p:ext uri="{BB962C8B-B14F-4D97-AF65-F5344CB8AC3E}">
-        <p14:creationId xmlns:p14="http://schemas.microsoft.com/office/powerpoint/2010/main" xmlns="" val="4144106037"/>
+        <p14:creationId xmlns="" xmlns:p14="http://schemas.microsoft.com/office/powerpoint/2010/main" val="4144106037"/>
       </p:ext>
     </p:extLst>
   </p:cSld>
@@ -445,7 +445,7 @@
             <a:fld id="{7C3FBCD4-166E-446F-AF18-7D4A0CF9AEF6}" type="datetimeFigureOut">
               <a:rPr lang="en-US" smtClean="0"/>
               <a:pPr/>
-              <a:t>16/12/2011</a:t>
+              <a:t>17/12/2011</a:t>
             </a:fld>
             <a:endParaRPr lang="en-US"/>
           </a:p>
@@ -656,7 +656,7 @@
     </p:spTree>
     <p:extLst>
       <p:ext uri="{BB962C8B-B14F-4D97-AF65-F5344CB8AC3E}">
-        <p14:creationId xmlns:p14="http://schemas.microsoft.com/office/powerpoint/2010/main" xmlns="" val="2509398179"/>
+        <p14:creationId xmlns="" xmlns:p14="http://schemas.microsoft.com/office/powerpoint/2010/main" val="2509398179"/>
       </p:ext>
     </p:extLst>
   </p:cSld>
@@ -869,7 +869,7 @@
     </p:spTree>
     <p:extLst>
       <p:ext uri="{BB962C8B-B14F-4D97-AF65-F5344CB8AC3E}">
-        <p14:creationId xmlns:p14="http://schemas.microsoft.com/office/powerpoint/2010/main" xmlns="" val="2845516244"/>
+        <p14:creationId xmlns="" xmlns:p14="http://schemas.microsoft.com/office/powerpoint/2010/main" val="2845516244"/>
       </p:ext>
     </p:extLst>
   </p:cSld>
@@ -925,504 +925,6 @@
           </a:bodyPr>
           <a:lstStyle/>
           <a:p>
-            <a:pPr rtl="0"/>
-            <a:r>
-              <a:rPr lang="en-NZ" sz="900" b="1" kern="1200" smtClean="0">
-                <a:solidFill>
-                  <a:schemeClr val="tx1"/>
-                </a:solidFill>
-                <a:effectLst/>
-                <a:latin typeface="Segoe UI" pitchFamily="34" charset="0"/>
-                <a:ea typeface="Arial" pitchFamily="-106" charset="0"/>
-                <a:cs typeface="Arial" charset="0"/>
-              </a:rPr>
-              <a:t>Slide Objective</a:t>
-            </a:r>
-            <a:endParaRPr lang="en-NZ" sz="900" kern="1200" smtClean="0">
-              <a:solidFill>
-                <a:schemeClr val="tx1"/>
-              </a:solidFill>
-              <a:effectLst/>
-              <a:latin typeface="Segoe UI" pitchFamily="34" charset="0"/>
-              <a:ea typeface="Arial" pitchFamily="-106" charset="0"/>
-              <a:cs typeface="Arial" charset="0"/>
-            </a:endParaRPr>
-          </a:p>
-          <a:p>
-            <a:pPr rtl="0"/>
-            <a:r>
-              <a:rPr lang="en-NZ" sz="900" kern="1200" smtClean="0">
-                <a:solidFill>
-                  <a:schemeClr val="tx1"/>
-                </a:solidFill>
-                <a:effectLst/>
-                <a:latin typeface="Segoe UI" pitchFamily="34" charset="0"/>
-                <a:ea typeface="Arial" pitchFamily="-106" charset="0"/>
-                <a:cs typeface="Arial" charset="0"/>
-              </a:rPr>
-              <a:t>Introduce the important of ASP.NET in Windows Azure applications</a:t>
-            </a:r>
-          </a:p>
-          <a:p>
-            <a:pPr rtl="0"/>
-            <a:r>
-              <a:rPr lang="en-NZ" sz="900" kern="1200" smtClean="0">
-                <a:solidFill>
-                  <a:schemeClr val="tx1"/>
-                </a:solidFill>
-                <a:effectLst/>
-                <a:latin typeface="Segoe UI" pitchFamily="34" charset="0"/>
-                <a:ea typeface="Arial" pitchFamily="-106" charset="0"/>
-                <a:cs typeface="Arial" charset="0"/>
-              </a:rPr>
-              <a:t>Introduce the topics to be covered in this session</a:t>
-            </a:r>
-          </a:p>
-          <a:p>
-            <a:pPr rtl="0"/>
-            <a:endParaRPr lang="en-NZ" sz="900" kern="1200" smtClean="0">
-              <a:solidFill>
-                <a:schemeClr val="tx1"/>
-              </a:solidFill>
-              <a:effectLst/>
-              <a:latin typeface="Segoe UI" pitchFamily="34" charset="0"/>
-              <a:ea typeface="Arial" pitchFamily="-106" charset="0"/>
-              <a:cs typeface="Arial" charset="0"/>
-            </a:endParaRPr>
-          </a:p>
-          <a:p>
-            <a:pPr rtl="0"/>
-            <a:r>
-              <a:rPr lang="en-NZ" sz="900" b="1" kern="1200" smtClean="0">
-                <a:solidFill>
-                  <a:schemeClr val="tx1"/>
-                </a:solidFill>
-                <a:effectLst/>
-                <a:latin typeface="Segoe UI" pitchFamily="34" charset="0"/>
-                <a:ea typeface="Arial" pitchFamily="-106" charset="0"/>
-                <a:cs typeface="Arial" charset="0"/>
-              </a:rPr>
-              <a:t>Speaking Notes</a:t>
-            </a:r>
-            <a:endParaRPr lang="en-NZ" sz="900" kern="1200" smtClean="0">
-              <a:solidFill>
-                <a:schemeClr val="tx1"/>
-              </a:solidFill>
-              <a:effectLst/>
-              <a:latin typeface="Segoe UI" pitchFamily="34" charset="0"/>
-              <a:ea typeface="Arial" pitchFamily="-106" charset="0"/>
-              <a:cs typeface="Arial" charset="0"/>
-            </a:endParaRPr>
-          </a:p>
-          <a:p>
-            <a:pPr marL="171450" indent="-171450" rtl="0">
-              <a:buFont typeface="Arial" pitchFamily="34" charset="0"/>
-              <a:buChar char="•"/>
-            </a:pPr>
-            <a:r>
-              <a:rPr lang="en-NZ" sz="900" kern="1200" smtClean="0">
-                <a:solidFill>
-                  <a:schemeClr val="tx1"/>
-                </a:solidFill>
-                <a:effectLst/>
-                <a:latin typeface="Segoe UI" pitchFamily="34" charset="0"/>
-                <a:ea typeface="Arial" pitchFamily="-106" charset="0"/>
-                <a:cs typeface="Arial" charset="0"/>
-              </a:rPr>
-              <a:t>Windows Azure can run a very broad variety of application types</a:t>
-            </a:r>
-          </a:p>
-          <a:p>
-            <a:pPr marL="171450" indent="-171450" rtl="0">
-              <a:buFont typeface="Arial" pitchFamily="34" charset="0"/>
-              <a:buChar char="•"/>
-            </a:pPr>
-            <a:r>
-              <a:rPr lang="en-NZ" sz="900" kern="1200" smtClean="0">
-                <a:solidFill>
-                  <a:schemeClr val="tx1"/>
-                </a:solidFill>
-                <a:effectLst/>
-                <a:latin typeface="Segoe UI" pitchFamily="34" charset="0"/>
-                <a:ea typeface="Arial" pitchFamily="-106" charset="0"/>
-                <a:cs typeface="Arial" charset="0"/>
-              </a:rPr>
-              <a:t>ASP.NET Applications will be a very common type of application</a:t>
-            </a:r>
-          </a:p>
-          <a:p>
-            <a:pPr marL="171450" indent="-171450" rtl="0">
-              <a:buFont typeface="Arial" pitchFamily="34" charset="0"/>
-              <a:buChar char="•"/>
-            </a:pPr>
-            <a:endParaRPr lang="en-NZ" sz="900" kern="1200" smtClean="0">
-              <a:solidFill>
-                <a:schemeClr val="tx1"/>
-              </a:solidFill>
-              <a:effectLst/>
-              <a:latin typeface="Segoe UI" pitchFamily="34" charset="0"/>
-              <a:ea typeface="Arial" pitchFamily="-106" charset="0"/>
-              <a:cs typeface="Arial" charset="0"/>
-            </a:endParaRPr>
-          </a:p>
-          <a:p>
-            <a:pPr marL="171450" indent="-171450" rtl="0">
-              <a:buFont typeface="Arial" pitchFamily="34" charset="0"/>
-              <a:buChar char="•"/>
-            </a:pPr>
-            <a:r>
-              <a:rPr lang="en-NZ" sz="900" kern="1200" smtClean="0">
-                <a:solidFill>
-                  <a:schemeClr val="tx1"/>
-                </a:solidFill>
-                <a:effectLst/>
-                <a:latin typeface="Segoe UI" pitchFamily="34" charset="0"/>
-                <a:ea typeface="Arial" pitchFamily="-106" charset="0"/>
-                <a:cs typeface="Arial" charset="0"/>
-              </a:rPr>
-              <a:t>Windows Azure supports ASP.NET very</a:t>
-            </a:r>
-            <a:r>
-              <a:rPr lang="en-NZ" sz="900" kern="1200" baseline="0" smtClean="0">
-                <a:solidFill>
-                  <a:schemeClr val="tx1"/>
-                </a:solidFill>
-                <a:effectLst/>
-                <a:latin typeface="Segoe UI" pitchFamily="34" charset="0"/>
-                <a:ea typeface="Arial" pitchFamily="-106" charset="0"/>
-                <a:cs typeface="Arial" charset="0"/>
-              </a:rPr>
-              <a:t> well</a:t>
-            </a:r>
-          </a:p>
-          <a:p>
-            <a:pPr marL="628650" lvl="1" indent="-171450" rtl="0">
-              <a:buFont typeface="Arial" pitchFamily="34" charset="0"/>
-              <a:buChar char="•"/>
-            </a:pPr>
-            <a:r>
-              <a:rPr lang="en-NZ" sz="900" kern="1200" baseline="0" smtClean="0">
-                <a:solidFill>
-                  <a:schemeClr val="tx1"/>
-                </a:solidFill>
-                <a:effectLst/>
-                <a:latin typeface="Segoe UI" pitchFamily="34" charset="0"/>
-                <a:ea typeface="Arial" pitchFamily="-106" charset="0"/>
-                <a:cs typeface="Arial" charset="0"/>
-              </a:rPr>
-              <a:t>Core ASP.NET (</a:t>
-            </a:r>
-            <a:r>
-              <a:rPr lang="en-NZ" sz="900" kern="1200" baseline="0" err="1" smtClean="0">
-                <a:solidFill>
-                  <a:schemeClr val="tx1"/>
-                </a:solidFill>
-                <a:effectLst/>
-                <a:latin typeface="Segoe UI" pitchFamily="34" charset="0"/>
-                <a:ea typeface="Arial" pitchFamily="-106" charset="0"/>
-                <a:cs typeface="Arial" charset="0"/>
-              </a:rPr>
-              <a:t>HttpModules</a:t>
-            </a:r>
-            <a:r>
-              <a:rPr lang="en-NZ" sz="900" kern="1200" baseline="0" smtClean="0">
-                <a:solidFill>
-                  <a:schemeClr val="tx1"/>
-                </a:solidFill>
-                <a:effectLst/>
-                <a:latin typeface="Segoe UI" pitchFamily="34" charset="0"/>
-                <a:ea typeface="Arial" pitchFamily="-106" charset="0"/>
-                <a:cs typeface="Arial" charset="0"/>
-              </a:rPr>
-              <a:t>/</a:t>
-            </a:r>
-            <a:r>
-              <a:rPr lang="en-NZ" sz="900" kern="1200" baseline="0" err="1" smtClean="0">
-                <a:solidFill>
-                  <a:schemeClr val="tx1"/>
-                </a:solidFill>
-                <a:effectLst/>
-                <a:latin typeface="Segoe UI" pitchFamily="34" charset="0"/>
-                <a:ea typeface="Arial" pitchFamily="-106" charset="0"/>
-                <a:cs typeface="Arial" charset="0"/>
-              </a:rPr>
-              <a:t>HttpHandlers</a:t>
-            </a:r>
-            <a:r>
-              <a:rPr lang="en-NZ" sz="900" kern="1200" baseline="0" smtClean="0">
-                <a:solidFill>
-                  <a:schemeClr val="tx1"/>
-                </a:solidFill>
-                <a:effectLst/>
-                <a:latin typeface="Segoe UI" pitchFamily="34" charset="0"/>
-                <a:ea typeface="Arial" pitchFamily="-106" charset="0"/>
-                <a:cs typeface="Arial" charset="0"/>
-              </a:rPr>
-              <a:t>)</a:t>
-            </a:r>
-          </a:p>
-          <a:p>
-            <a:pPr marL="628650" lvl="1" indent="-171450" rtl="0">
-              <a:buFont typeface="Arial" pitchFamily="34" charset="0"/>
-              <a:buChar char="•"/>
-            </a:pPr>
-            <a:r>
-              <a:rPr lang="en-NZ" sz="900" kern="1200" baseline="0" smtClean="0">
-                <a:solidFill>
-                  <a:schemeClr val="tx1"/>
-                </a:solidFill>
-                <a:effectLst/>
-                <a:latin typeface="Segoe UI" pitchFamily="34" charset="0"/>
-                <a:ea typeface="Arial" pitchFamily="-106" charset="0"/>
-                <a:cs typeface="Arial" charset="0"/>
-              </a:rPr>
-              <a:t>Web Forms</a:t>
-            </a:r>
-          </a:p>
-          <a:p>
-            <a:pPr marL="628650" lvl="1" indent="-171450" rtl="0">
-              <a:buFont typeface="Arial" pitchFamily="34" charset="0"/>
-              <a:buChar char="•"/>
-            </a:pPr>
-            <a:r>
-              <a:rPr lang="en-NZ" sz="900" kern="1200" baseline="0" smtClean="0">
-                <a:solidFill>
-                  <a:schemeClr val="tx1"/>
-                </a:solidFill>
-                <a:effectLst/>
-                <a:latin typeface="Segoe UI" pitchFamily="34" charset="0"/>
-                <a:ea typeface="Arial" pitchFamily="-106" charset="0"/>
-                <a:cs typeface="Arial" charset="0"/>
-              </a:rPr>
-              <a:t>MVC</a:t>
-            </a:r>
-          </a:p>
-          <a:p>
-            <a:pPr marL="171450" lvl="0" indent="-171450" rtl="0">
-              <a:buFont typeface="Arial" pitchFamily="34" charset="0"/>
-              <a:buChar char="•"/>
-            </a:pPr>
-            <a:r>
-              <a:rPr lang="en-NZ" sz="900" kern="1200" baseline="0" smtClean="0">
-                <a:solidFill>
-                  <a:schemeClr val="tx1"/>
-                </a:solidFill>
-                <a:effectLst/>
-                <a:latin typeface="Segoe UI" pitchFamily="34" charset="0"/>
-                <a:ea typeface="Arial" pitchFamily="-106" charset="0"/>
-                <a:cs typeface="Arial" charset="0"/>
-              </a:rPr>
-              <a:t>Because of the stateless nature of Windows Azure web roles important things to consider around </a:t>
-            </a:r>
-          </a:p>
-          <a:p>
-            <a:pPr marL="628650" lvl="1" indent="-171450" rtl="0">
-              <a:buFont typeface="Arial" pitchFamily="34" charset="0"/>
-              <a:buChar char="•"/>
-            </a:pPr>
-            <a:r>
-              <a:rPr lang="en-NZ" sz="900" kern="1200" baseline="0" smtClean="0">
-                <a:solidFill>
-                  <a:schemeClr val="tx1"/>
-                </a:solidFill>
-                <a:effectLst/>
-                <a:latin typeface="Segoe UI" pitchFamily="34" charset="0"/>
-                <a:ea typeface="Arial" pitchFamily="-106" charset="0"/>
-                <a:cs typeface="Arial" charset="0"/>
-              </a:rPr>
-              <a:t>Session State</a:t>
-            </a:r>
-          </a:p>
-          <a:p>
-            <a:pPr marL="628650" lvl="1" indent="-171450" rtl="0">
-              <a:buFont typeface="Arial" pitchFamily="34" charset="0"/>
-              <a:buChar char="•"/>
-            </a:pPr>
-            <a:r>
-              <a:rPr lang="en-NZ" sz="900" kern="1200" baseline="0" smtClean="0">
-                <a:solidFill>
-                  <a:schemeClr val="tx1"/>
-                </a:solidFill>
-                <a:effectLst/>
-                <a:latin typeface="Segoe UI" pitchFamily="34" charset="0"/>
-                <a:ea typeface="Arial" pitchFamily="-106" charset="0"/>
-                <a:cs typeface="Arial" charset="0"/>
-              </a:rPr>
-              <a:t>AJAX calls</a:t>
-            </a:r>
-          </a:p>
-          <a:p>
-            <a:pPr marL="171450" lvl="0" indent="-171450" rtl="0">
-              <a:buFont typeface="Arial" pitchFamily="34" charset="0"/>
-              <a:buChar char="•"/>
-            </a:pPr>
-            <a:r>
-              <a:rPr lang="en-NZ" sz="900" kern="1200" baseline="0" smtClean="0">
-                <a:solidFill>
-                  <a:schemeClr val="tx1"/>
-                </a:solidFill>
-                <a:effectLst/>
-                <a:latin typeface="Segoe UI" pitchFamily="34" charset="0"/>
-                <a:ea typeface="Arial" pitchFamily="-106" charset="0"/>
-                <a:cs typeface="Arial" charset="0"/>
-              </a:rPr>
-              <a:t>Will discuss configuring DNS for Windows Azure</a:t>
-            </a:r>
-          </a:p>
-          <a:p>
-            <a:pPr marL="171450" lvl="0" indent="-171450" rtl="0">
-              <a:buFont typeface="Arial" pitchFamily="34" charset="0"/>
-              <a:buChar char="•"/>
-            </a:pPr>
-            <a:r>
-              <a:rPr lang="en-NZ" sz="900" kern="1200" baseline="0" smtClean="0">
-                <a:solidFill>
-                  <a:schemeClr val="tx1"/>
-                </a:solidFill>
-                <a:effectLst/>
-                <a:latin typeface="Segoe UI" pitchFamily="34" charset="0"/>
-                <a:ea typeface="Arial" pitchFamily="-106" charset="0"/>
-                <a:cs typeface="Arial" charset="0"/>
-              </a:rPr>
-              <a:t>Will discuss some advanced features for Windows Azure</a:t>
-            </a:r>
-          </a:p>
-          <a:p>
-            <a:pPr marL="171450" lvl="0" indent="-171450" rtl="0">
-              <a:buFont typeface="Arial" pitchFamily="34" charset="0"/>
-              <a:buChar char="•"/>
-            </a:pPr>
-            <a:r>
-              <a:rPr lang="en-NZ" sz="900" kern="1200" baseline="0" smtClean="0">
-                <a:solidFill>
-                  <a:schemeClr val="tx1"/>
-                </a:solidFill>
-                <a:effectLst/>
-                <a:latin typeface="Segoe UI" pitchFamily="34" charset="0"/>
-                <a:ea typeface="Arial" pitchFamily="-106" charset="0"/>
-                <a:cs typeface="Arial" charset="0"/>
-              </a:rPr>
-              <a:t>Both very much suited to </a:t>
-            </a:r>
-            <a:r>
-              <a:rPr lang="en-NZ" sz="900" kern="1200" baseline="0" err="1" smtClean="0">
-                <a:solidFill>
-                  <a:schemeClr val="tx1"/>
-                </a:solidFill>
-                <a:effectLst/>
-                <a:latin typeface="Segoe UI" pitchFamily="34" charset="0"/>
-                <a:ea typeface="Arial" pitchFamily="-106" charset="0"/>
-                <a:cs typeface="Arial" charset="0"/>
-              </a:rPr>
-              <a:t>SaaS</a:t>
-            </a:r>
-            <a:r>
-              <a:rPr lang="en-NZ" sz="900" kern="1200" baseline="0" smtClean="0">
-                <a:solidFill>
-                  <a:schemeClr val="tx1"/>
-                </a:solidFill>
-                <a:effectLst/>
-                <a:latin typeface="Segoe UI" pitchFamily="34" charset="0"/>
-                <a:ea typeface="Arial" pitchFamily="-106" charset="0"/>
-                <a:cs typeface="Arial" charset="0"/>
-              </a:rPr>
-              <a:t> types of applications</a:t>
-            </a:r>
-          </a:p>
-          <a:p>
-            <a:pPr marL="171450" lvl="0" indent="-171450" rtl="0">
-              <a:buFont typeface="Arial" pitchFamily="34" charset="0"/>
-              <a:buChar char="•"/>
-            </a:pPr>
-            <a:endParaRPr lang="en-NZ" sz="900" kern="1200" baseline="0" smtClean="0">
-              <a:solidFill>
-                <a:schemeClr val="tx1"/>
-              </a:solidFill>
-              <a:effectLst/>
-              <a:latin typeface="Segoe UI" pitchFamily="34" charset="0"/>
-              <a:ea typeface="Arial" pitchFamily="-106" charset="0"/>
-              <a:cs typeface="Arial" charset="0"/>
-            </a:endParaRPr>
-          </a:p>
-          <a:p>
-            <a:pPr marL="171450" lvl="0" indent="-171450" rtl="0">
-              <a:buFont typeface="Arial" pitchFamily="34" charset="0"/>
-              <a:buChar char="•"/>
-            </a:pPr>
-            <a:r>
-              <a:rPr lang="en-NZ" sz="900" kern="1200" baseline="0" smtClean="0">
-                <a:solidFill>
-                  <a:schemeClr val="tx1"/>
-                </a:solidFill>
-                <a:effectLst/>
-                <a:latin typeface="Segoe UI" pitchFamily="34" charset="0"/>
-                <a:ea typeface="Arial" pitchFamily="-106" charset="0"/>
-                <a:cs typeface="Arial" charset="0"/>
-              </a:rPr>
-              <a:t>Finally touch on some Windows Azure common challenges</a:t>
-            </a:r>
-          </a:p>
-          <a:p>
-            <a:pPr marL="0" lvl="0" indent="0" rtl="0">
-              <a:buFont typeface="Arial" pitchFamily="34" charset="0"/>
-              <a:buNone/>
-            </a:pPr>
-            <a:endParaRPr lang="en-NZ" sz="900" kern="1200" smtClean="0">
-              <a:solidFill>
-                <a:schemeClr val="tx1"/>
-              </a:solidFill>
-              <a:effectLst/>
-              <a:latin typeface="Segoe UI" pitchFamily="34" charset="0"/>
-              <a:ea typeface="Arial" pitchFamily="-106" charset="0"/>
-              <a:cs typeface="Arial" charset="0"/>
-            </a:endParaRPr>
-          </a:p>
-          <a:p>
-            <a:pPr rtl="0"/>
-            <a:r>
-              <a:rPr lang="en-NZ" sz="900" b="1" kern="1200" smtClean="0">
-                <a:solidFill>
-                  <a:schemeClr val="tx1"/>
-                </a:solidFill>
-                <a:effectLst/>
-                <a:latin typeface="Segoe UI" pitchFamily="34" charset="0"/>
-                <a:ea typeface="Arial" pitchFamily="-106" charset="0"/>
-                <a:cs typeface="Arial" charset="0"/>
-              </a:rPr>
-              <a:t>Notes</a:t>
-            </a:r>
-          </a:p>
-          <a:p>
-            <a:pPr rtl="0"/>
-            <a:r>
-              <a:rPr lang="en-NZ" sz="900" b="0" kern="1200" smtClean="0">
-                <a:solidFill>
-                  <a:schemeClr val="tx1"/>
-                </a:solidFill>
-                <a:effectLst/>
-                <a:latin typeface="Segoe UI" pitchFamily="34" charset="0"/>
-                <a:ea typeface="Arial" pitchFamily="-106" charset="0"/>
-                <a:cs typeface="Arial" charset="0"/>
-              </a:rPr>
-              <a:t>Some notes on Migration http://msdn.microsoft.com/en-us/windowsazure/ff356857.aspx</a:t>
-            </a:r>
-          </a:p>
-          <a:p>
-            <a:pPr rtl="0"/>
-            <a:r>
-              <a:rPr lang="en-NZ" sz="900" b="0" kern="1200" smtClean="0">
-                <a:solidFill>
-                  <a:schemeClr val="tx1"/>
-                </a:solidFill>
-                <a:effectLst/>
-                <a:latin typeface="Segoe UI" pitchFamily="34" charset="0"/>
-                <a:ea typeface="Arial" pitchFamily="-106" charset="0"/>
-                <a:cs typeface="Arial" charset="0"/>
-              </a:rPr>
-              <a:t>Azure Architecture guidance http://msdn.microsoft.com/en-us/library/ff728592.aspx </a:t>
-            </a:r>
-          </a:p>
-          <a:p>
             <a:endParaRPr lang="en-US"/>
           </a:p>
         </p:txBody>
@@ -1454,7 +956,7 @@
     </p:spTree>
     <p:extLst>
       <p:ext uri="{BB962C8B-B14F-4D97-AF65-F5344CB8AC3E}">
-        <p14:creationId xmlns:p14="http://schemas.microsoft.com/office/powerpoint/2010/main" xmlns="" val="4039217810"/>
+        <p14:creationId xmlns="" xmlns:p14="http://schemas.microsoft.com/office/powerpoint/2010/main" val="4039217810"/>
       </p:ext>
     </p:extLst>
   </p:cSld>
@@ -1539,7 +1041,7 @@
     </p:spTree>
     <p:extLst>
       <p:ext uri="{BB962C8B-B14F-4D97-AF65-F5344CB8AC3E}">
-        <p14:creationId xmlns:p14="http://schemas.microsoft.com/office/powerpoint/2010/main" xmlns="" val="2804445639"/>
+        <p14:creationId xmlns="" xmlns:p14="http://schemas.microsoft.com/office/powerpoint/2010/main" val="2804445639"/>
       </p:ext>
     </p:extLst>
   </p:cSld>
@@ -1593,378 +1095,6 @@
           <a:bodyPr/>
           <a:lstStyle/>
           <a:p>
-            <a:pPr rtl="0"/>
-            <a:r>
-              <a:rPr lang="en-NZ" sz="900" b="1" kern="1200" smtClean="0">
-                <a:solidFill>
-                  <a:schemeClr val="tx1"/>
-                </a:solidFill>
-                <a:effectLst/>
-                <a:latin typeface="Segoe UI" pitchFamily="34" charset="0"/>
-                <a:ea typeface="Arial" pitchFamily="-106" charset="0"/>
-                <a:cs typeface="Arial" charset="0"/>
-              </a:rPr>
-              <a:t>Slide Objective</a:t>
-            </a:r>
-            <a:endParaRPr lang="en-NZ" sz="900" kern="1200" smtClean="0">
-              <a:solidFill>
-                <a:schemeClr val="tx1"/>
-              </a:solidFill>
-              <a:effectLst/>
-              <a:latin typeface="Segoe UI" pitchFamily="34" charset="0"/>
-              <a:ea typeface="Arial" pitchFamily="-106" charset="0"/>
-              <a:cs typeface="Arial" charset="0"/>
-            </a:endParaRPr>
-          </a:p>
-          <a:p>
-            <a:pPr rtl="0"/>
-            <a:r>
-              <a:rPr lang="en-NZ" sz="900" kern="1200" smtClean="0">
-                <a:solidFill>
-                  <a:schemeClr val="tx1"/>
-                </a:solidFill>
-                <a:effectLst/>
-                <a:latin typeface="Segoe UI" pitchFamily="34" charset="0"/>
-                <a:ea typeface="Arial" pitchFamily="-106" charset="0"/>
-                <a:cs typeface="Arial" charset="0"/>
-              </a:rPr>
-              <a:t>Introduce the simple ASP.NET templates for Windows Azure</a:t>
-            </a:r>
-          </a:p>
-          <a:p>
-            <a:pPr rtl="0"/>
-            <a:endParaRPr lang="en-NZ" sz="900" kern="1200" smtClean="0">
-              <a:solidFill>
-                <a:schemeClr val="tx1"/>
-              </a:solidFill>
-              <a:effectLst/>
-              <a:latin typeface="Segoe UI" pitchFamily="34" charset="0"/>
-              <a:ea typeface="Arial" pitchFamily="-106" charset="0"/>
-              <a:cs typeface="Arial" charset="0"/>
-            </a:endParaRPr>
-          </a:p>
-          <a:p>
-            <a:pPr rtl="0"/>
-            <a:r>
-              <a:rPr lang="en-NZ" sz="900" b="1" kern="1200" smtClean="0">
-                <a:solidFill>
-                  <a:schemeClr val="tx1"/>
-                </a:solidFill>
-                <a:effectLst/>
-                <a:latin typeface="Segoe UI" pitchFamily="34" charset="0"/>
-                <a:ea typeface="Arial" pitchFamily="-106" charset="0"/>
-                <a:cs typeface="Arial" charset="0"/>
-              </a:rPr>
-              <a:t>Speaking Notes</a:t>
-            </a:r>
-            <a:endParaRPr lang="en-NZ" sz="900" kern="1200" smtClean="0">
-              <a:solidFill>
-                <a:schemeClr val="tx1"/>
-              </a:solidFill>
-              <a:effectLst/>
-              <a:latin typeface="Segoe UI" pitchFamily="34" charset="0"/>
-              <a:ea typeface="Arial" pitchFamily="-106" charset="0"/>
-              <a:cs typeface="Arial" charset="0"/>
-            </a:endParaRPr>
-          </a:p>
-          <a:p>
-            <a:pPr marL="171450" indent="-171450" rtl="0">
-              <a:buFont typeface="Arial" pitchFamily="34" charset="0"/>
-              <a:buChar char="•"/>
-            </a:pPr>
-            <a:r>
-              <a:rPr lang="en-NZ" sz="900" kern="1200" smtClean="0">
-                <a:solidFill>
-                  <a:schemeClr val="tx1"/>
-                </a:solidFill>
-                <a:effectLst/>
-                <a:latin typeface="Segoe UI" pitchFamily="34" charset="0"/>
-                <a:ea typeface="Arial" pitchFamily="-106" charset="0"/>
-                <a:cs typeface="Arial" charset="0"/>
-              </a:rPr>
-              <a:t>Visual Studio Tools for Windows Azure include templates</a:t>
-            </a:r>
-          </a:p>
-          <a:p>
-            <a:pPr marL="628650" lvl="1" indent="-171450" rtl="0">
-              <a:buFont typeface="Arial" pitchFamily="34" charset="0"/>
-              <a:buChar char="•"/>
-            </a:pPr>
-            <a:r>
-              <a:rPr lang="en-NZ" sz="900" kern="1200" smtClean="0">
-                <a:solidFill>
-                  <a:schemeClr val="tx1"/>
-                </a:solidFill>
-                <a:effectLst/>
-                <a:latin typeface="Segoe UI" pitchFamily="34" charset="0"/>
-                <a:ea typeface="Arial" pitchFamily="-106" charset="0"/>
-                <a:cs typeface="Arial" charset="0"/>
-              </a:rPr>
-              <a:t>Web Forms</a:t>
-            </a:r>
-            <a:r>
-              <a:rPr lang="en-NZ" sz="900" kern="1200" baseline="0" smtClean="0">
-                <a:solidFill>
-                  <a:schemeClr val="tx1"/>
-                </a:solidFill>
-                <a:effectLst/>
-                <a:latin typeface="Segoe UI" pitchFamily="34" charset="0"/>
-                <a:ea typeface="Arial" pitchFamily="-106" charset="0"/>
-                <a:cs typeface="Arial" charset="0"/>
-              </a:rPr>
-              <a:t> and MVC preconfigured web roles</a:t>
-            </a:r>
-          </a:p>
-          <a:p>
-            <a:pPr marL="171450" lvl="0" indent="-171450" rtl="0">
-              <a:buFont typeface="Arial" pitchFamily="34" charset="0"/>
-              <a:buChar char="•"/>
-            </a:pPr>
-            <a:r>
-              <a:rPr lang="en-NZ" sz="900" kern="1200" baseline="0" smtClean="0">
-                <a:solidFill>
-                  <a:schemeClr val="tx1"/>
-                </a:solidFill>
-                <a:effectLst/>
-                <a:latin typeface="Segoe UI" pitchFamily="34" charset="0"/>
-                <a:ea typeface="Arial" pitchFamily="-106" charset="0"/>
-                <a:cs typeface="Arial" charset="0"/>
-              </a:rPr>
-              <a:t>Both </a:t>
-            </a:r>
-            <a:r>
-              <a:rPr lang="en-NZ" sz="900" kern="1200" baseline="0" err="1" smtClean="0">
-                <a:solidFill>
-                  <a:schemeClr val="tx1"/>
-                </a:solidFill>
-                <a:effectLst/>
-                <a:latin typeface="Segoe UI" pitchFamily="34" charset="0"/>
-                <a:ea typeface="Arial" pitchFamily="-106" charset="0"/>
-                <a:cs typeface="Arial" charset="0"/>
-              </a:rPr>
-              <a:t>VB.Net</a:t>
-            </a:r>
-            <a:r>
-              <a:rPr lang="en-NZ" sz="900" kern="1200" baseline="0" smtClean="0">
-                <a:solidFill>
-                  <a:schemeClr val="tx1"/>
-                </a:solidFill>
-                <a:effectLst/>
-                <a:latin typeface="Segoe UI" pitchFamily="34" charset="0"/>
-                <a:ea typeface="Arial" pitchFamily="-106" charset="0"/>
-                <a:cs typeface="Arial" charset="0"/>
-              </a:rPr>
-              <a:t> and C# supported</a:t>
-            </a:r>
-          </a:p>
-          <a:p>
-            <a:pPr marL="171450" lvl="0" indent="-171450" rtl="0">
-              <a:buFont typeface="Arial" pitchFamily="34" charset="0"/>
-              <a:buChar char="•"/>
-            </a:pPr>
-            <a:endParaRPr lang="en-NZ" sz="900" kern="1200" baseline="0" smtClean="0">
-              <a:solidFill>
-                <a:schemeClr val="tx1"/>
-              </a:solidFill>
-              <a:effectLst/>
-              <a:latin typeface="Segoe UI" pitchFamily="34" charset="0"/>
-              <a:ea typeface="Arial" pitchFamily="-106" charset="0"/>
-              <a:cs typeface="Arial" charset="0"/>
-            </a:endParaRPr>
-          </a:p>
-          <a:p>
-            <a:pPr marL="171450" lvl="0" indent="-171450" rtl="0">
-              <a:buFont typeface="Arial" pitchFamily="34" charset="0"/>
-              <a:buChar char="•"/>
-            </a:pPr>
-            <a:r>
-              <a:rPr lang="en-NZ" sz="900" kern="1200" baseline="0" smtClean="0">
-                <a:solidFill>
-                  <a:schemeClr val="tx1"/>
-                </a:solidFill>
-                <a:effectLst/>
-                <a:latin typeface="Segoe UI" pitchFamily="34" charset="0"/>
-                <a:ea typeface="Arial" pitchFamily="-106" charset="0"/>
-                <a:cs typeface="Arial" charset="0"/>
-              </a:rPr>
-              <a:t>Basic Asp.NET web role is equivalent to a new Web project- i.e. very simple and bare bones</a:t>
-            </a:r>
-          </a:p>
-          <a:p>
-            <a:pPr marL="171450" lvl="0" indent="-171450" rtl="0">
-              <a:buFont typeface="Arial" pitchFamily="34" charset="0"/>
-              <a:buChar char="•"/>
-            </a:pPr>
-            <a:endParaRPr lang="en-NZ" sz="900" kern="1200" baseline="0" smtClean="0">
-              <a:solidFill>
-                <a:schemeClr val="tx1"/>
-              </a:solidFill>
-              <a:effectLst/>
-              <a:latin typeface="Segoe UI" pitchFamily="34" charset="0"/>
-              <a:ea typeface="Arial" pitchFamily="-106" charset="0"/>
-              <a:cs typeface="Arial" charset="0"/>
-            </a:endParaRPr>
-          </a:p>
-          <a:p>
-            <a:pPr marL="171450" lvl="0" indent="-171450" rtl="0">
-              <a:buFont typeface="Arial" pitchFamily="34" charset="0"/>
-              <a:buChar char="•"/>
-            </a:pPr>
-            <a:r>
-              <a:rPr lang="en-NZ" sz="900" kern="1200" baseline="0" smtClean="0">
-                <a:solidFill>
-                  <a:schemeClr val="tx1"/>
-                </a:solidFill>
-                <a:effectLst/>
-                <a:latin typeface="Segoe UI" pitchFamily="34" charset="0"/>
-                <a:ea typeface="Arial" pitchFamily="-106" charset="0"/>
-                <a:cs typeface="Arial" charset="0"/>
-              </a:rPr>
-              <a:t>ASP.NET MVC template includes significant amount of existing code including </a:t>
-            </a:r>
-          </a:p>
-          <a:p>
-            <a:pPr marL="628650" lvl="1" indent="-171450" rtl="0">
-              <a:buFont typeface="Arial" pitchFamily="34" charset="0"/>
-              <a:buChar char="•"/>
-            </a:pPr>
-            <a:r>
-              <a:rPr lang="en-NZ" sz="900" kern="1200" baseline="0" smtClean="0">
-                <a:solidFill>
-                  <a:schemeClr val="tx1"/>
-                </a:solidFill>
-                <a:effectLst/>
-                <a:latin typeface="Segoe UI" pitchFamily="34" charset="0"/>
-                <a:ea typeface="Arial" pitchFamily="-106" charset="0"/>
-                <a:cs typeface="Arial" charset="0"/>
-              </a:rPr>
-              <a:t>Account model</a:t>
-            </a:r>
-          </a:p>
-          <a:p>
-            <a:pPr marL="628650" lvl="1" indent="-171450" rtl="0">
-              <a:buFont typeface="Arial" pitchFamily="34" charset="0"/>
-              <a:buChar char="•"/>
-            </a:pPr>
-            <a:r>
-              <a:rPr lang="en-NZ" sz="900" kern="1200" smtClean="0">
-                <a:solidFill>
-                  <a:schemeClr val="tx1"/>
-                </a:solidFill>
-                <a:effectLst/>
-                <a:latin typeface="Segoe UI" pitchFamily="34" charset="0"/>
-                <a:ea typeface="Arial" pitchFamily="-106" charset="0"/>
-                <a:cs typeface="Arial" charset="0"/>
-              </a:rPr>
-              <a:t>Account and Home Views</a:t>
-            </a:r>
-          </a:p>
-          <a:p>
-            <a:pPr marL="628650" lvl="1" indent="-171450" rtl="0">
-              <a:buFont typeface="Arial" pitchFamily="34" charset="0"/>
-              <a:buChar char="•"/>
-            </a:pPr>
-            <a:r>
-              <a:rPr lang="en-NZ" sz="900" kern="1200" smtClean="0">
-                <a:solidFill>
-                  <a:schemeClr val="tx1"/>
-                </a:solidFill>
-                <a:effectLst/>
-                <a:latin typeface="Segoe UI" pitchFamily="34" charset="0"/>
-                <a:ea typeface="Arial" pitchFamily="-106" charset="0"/>
-                <a:cs typeface="Arial" charset="0"/>
-              </a:rPr>
-              <a:t>Error pages and error handling</a:t>
-            </a:r>
-          </a:p>
-          <a:p>
-            <a:pPr marL="628650" lvl="1" indent="-171450" rtl="0">
-              <a:buFont typeface="Arial" pitchFamily="34" charset="0"/>
-              <a:buChar char="•"/>
-            </a:pPr>
-            <a:r>
-              <a:rPr lang="en-NZ" sz="900" kern="1200" smtClean="0">
-                <a:solidFill>
-                  <a:schemeClr val="tx1"/>
-                </a:solidFill>
-                <a:effectLst/>
-                <a:latin typeface="Segoe UI" pitchFamily="34" charset="0"/>
-                <a:ea typeface="Arial" pitchFamily="-106" charset="0"/>
-                <a:cs typeface="Arial" charset="0"/>
-              </a:rPr>
-              <a:t>Account and Home controllers</a:t>
-            </a:r>
-          </a:p>
-          <a:p>
-            <a:pPr marL="171450" lvl="0" indent="-171450" rtl="0">
-              <a:buFont typeface="Arial" pitchFamily="34" charset="0"/>
-              <a:buChar char="•"/>
-            </a:pPr>
-            <a:r>
-              <a:rPr lang="en-NZ" sz="900" kern="1200" smtClean="0">
-                <a:solidFill>
-                  <a:schemeClr val="tx1"/>
-                </a:solidFill>
-                <a:effectLst/>
-                <a:latin typeface="Segoe UI" pitchFamily="34" charset="0"/>
-                <a:ea typeface="Arial" pitchFamily="-106" charset="0"/>
-                <a:cs typeface="Arial" charset="0"/>
-              </a:rPr>
-              <a:t>Equivalent to creating a new MVC 2 Web Application (rather than an empty MVC site)</a:t>
-            </a:r>
-          </a:p>
-          <a:p>
-            <a:pPr marL="628650" lvl="1" indent="-171450" rtl="0">
-              <a:buFont typeface="Arial" pitchFamily="34" charset="0"/>
-              <a:buChar char="•"/>
-            </a:pPr>
-            <a:endParaRPr lang="en-NZ" sz="900" kern="1200" smtClean="0">
-              <a:solidFill>
-                <a:schemeClr val="tx1"/>
-              </a:solidFill>
-              <a:effectLst/>
-              <a:latin typeface="Segoe UI" pitchFamily="34" charset="0"/>
-              <a:ea typeface="Arial" pitchFamily="-106" charset="0"/>
-              <a:cs typeface="Arial" charset="0"/>
-            </a:endParaRPr>
-          </a:p>
-          <a:p>
-            <a:pPr rtl="0"/>
-            <a:endParaRPr lang="en-NZ" sz="900" kern="1200" smtClean="0">
-              <a:solidFill>
-                <a:schemeClr val="tx1"/>
-              </a:solidFill>
-              <a:effectLst/>
-              <a:latin typeface="Segoe UI" pitchFamily="34" charset="0"/>
-              <a:ea typeface="Arial" pitchFamily="-106" charset="0"/>
-              <a:cs typeface="Arial" charset="0"/>
-            </a:endParaRPr>
-          </a:p>
-          <a:p>
-            <a:pPr rtl="0"/>
-            <a:r>
-              <a:rPr lang="en-NZ" sz="900" b="1" kern="1200" smtClean="0">
-                <a:solidFill>
-                  <a:schemeClr val="tx1"/>
-                </a:solidFill>
-                <a:effectLst/>
-                <a:latin typeface="Segoe UI" pitchFamily="34" charset="0"/>
-                <a:ea typeface="Arial" pitchFamily="-106" charset="0"/>
-                <a:cs typeface="Arial" charset="0"/>
-              </a:rPr>
-              <a:t>Notes</a:t>
-            </a:r>
-          </a:p>
-          <a:p>
-            <a:endParaRPr lang="en-US" smtClean="0"/>
-          </a:p>
-          <a:p>
-            <a:endParaRPr lang="en-US" smtClean="0"/>
-          </a:p>
-          <a:p>
-            <a:endParaRPr lang="en-US" smtClean="0"/>
-          </a:p>
-          <a:p>
             <a:endParaRPr lang="en-US"/>
           </a:p>
         </p:txBody>
@@ -1996,7 +1126,7 @@
     </p:spTree>
     <p:extLst>
       <p:ext uri="{BB962C8B-B14F-4D97-AF65-F5344CB8AC3E}">
-        <p14:creationId xmlns:p14="http://schemas.microsoft.com/office/powerpoint/2010/main" xmlns="" val="1595051432"/>
+        <p14:creationId xmlns="" xmlns:p14="http://schemas.microsoft.com/office/powerpoint/2010/main" val="1595051432"/>
       </p:ext>
     </p:extLst>
   </p:cSld>
@@ -2052,413 +1182,6 @@
           </a:bodyPr>
           <a:lstStyle/>
           <a:p>
-            <a:pPr rtl="0"/>
-            <a:r>
-              <a:rPr lang="en-NZ" sz="900" b="1" kern="1200" smtClean="0">
-                <a:solidFill>
-                  <a:schemeClr val="tx1"/>
-                </a:solidFill>
-                <a:effectLst/>
-                <a:latin typeface="Segoe UI" pitchFamily="34" charset="0"/>
-                <a:ea typeface="Arial" pitchFamily="-106" charset="0"/>
-                <a:cs typeface="Arial" charset="0"/>
-              </a:rPr>
-              <a:t>Slide Objective</a:t>
-            </a:r>
-            <a:endParaRPr lang="en-NZ" sz="900" kern="1200" smtClean="0">
-              <a:solidFill>
-                <a:schemeClr val="tx1"/>
-              </a:solidFill>
-              <a:effectLst/>
-              <a:latin typeface="Segoe UI" pitchFamily="34" charset="0"/>
-              <a:ea typeface="Arial" pitchFamily="-106" charset="0"/>
-              <a:cs typeface="Arial" charset="0"/>
-            </a:endParaRPr>
-          </a:p>
-          <a:p>
-            <a:pPr rtl="0"/>
-            <a:r>
-              <a:rPr lang="en-NZ" sz="900" kern="1200" smtClean="0">
-                <a:solidFill>
-                  <a:schemeClr val="tx1"/>
-                </a:solidFill>
-                <a:effectLst/>
-                <a:latin typeface="Segoe UI" pitchFamily="34" charset="0"/>
-                <a:ea typeface="Arial" pitchFamily="-106" charset="0"/>
-                <a:cs typeface="Arial" charset="0"/>
-              </a:rPr>
-              <a:t>Reinforce the need to think about statelessness when working</a:t>
-            </a:r>
-            <a:r>
-              <a:rPr lang="en-NZ" sz="900" kern="1200" baseline="0" smtClean="0">
-                <a:solidFill>
-                  <a:schemeClr val="tx1"/>
-                </a:solidFill>
-                <a:effectLst/>
-                <a:latin typeface="Segoe UI" pitchFamily="34" charset="0"/>
-                <a:ea typeface="Arial" pitchFamily="-106" charset="0"/>
-                <a:cs typeface="Arial" charset="0"/>
-              </a:rPr>
-              <a:t> with AJAX</a:t>
-            </a:r>
-            <a:endParaRPr lang="en-NZ" sz="900" kern="1200" smtClean="0">
-              <a:solidFill>
-                <a:schemeClr val="tx1"/>
-              </a:solidFill>
-              <a:effectLst/>
-              <a:latin typeface="Segoe UI" pitchFamily="34" charset="0"/>
-              <a:ea typeface="Arial" pitchFamily="-106" charset="0"/>
-              <a:cs typeface="Arial" charset="0"/>
-            </a:endParaRPr>
-          </a:p>
-          <a:p>
-            <a:pPr rtl="0"/>
-            <a:endParaRPr lang="en-NZ" sz="900" kern="1200" smtClean="0">
-              <a:solidFill>
-                <a:schemeClr val="tx1"/>
-              </a:solidFill>
-              <a:effectLst/>
-              <a:latin typeface="Segoe UI" pitchFamily="34" charset="0"/>
-              <a:ea typeface="Arial" pitchFamily="-106" charset="0"/>
-              <a:cs typeface="Arial" charset="0"/>
-            </a:endParaRPr>
-          </a:p>
-          <a:p>
-            <a:pPr rtl="0"/>
-            <a:r>
-              <a:rPr lang="en-NZ" sz="900" b="1" kern="1200" smtClean="0">
-                <a:solidFill>
-                  <a:schemeClr val="tx1"/>
-                </a:solidFill>
-                <a:effectLst/>
-                <a:latin typeface="Segoe UI" pitchFamily="34" charset="0"/>
-                <a:ea typeface="Arial" pitchFamily="-106" charset="0"/>
-                <a:cs typeface="Arial" charset="0"/>
-              </a:rPr>
-              <a:t>Speaking Notes</a:t>
-            </a:r>
-            <a:endParaRPr lang="en-NZ" sz="900" b="0" kern="1200" smtClean="0">
-              <a:solidFill>
-                <a:schemeClr val="tx1"/>
-              </a:solidFill>
-              <a:effectLst/>
-              <a:latin typeface="Segoe UI" pitchFamily="34" charset="0"/>
-              <a:ea typeface="Arial" pitchFamily="-106" charset="0"/>
-              <a:cs typeface="Arial" charset="0"/>
-            </a:endParaRPr>
-          </a:p>
-          <a:p>
-            <a:pPr marL="171450" indent="-171450" rtl="0">
-              <a:buFont typeface="Arial" pitchFamily="34" charset="0"/>
-              <a:buChar char="•"/>
-            </a:pPr>
-            <a:r>
-              <a:rPr lang="en-NZ" sz="900" kern="1200" smtClean="0">
-                <a:solidFill>
-                  <a:schemeClr val="tx1"/>
-                </a:solidFill>
-                <a:effectLst/>
-                <a:latin typeface="Segoe UI" pitchFamily="34" charset="0"/>
-                <a:ea typeface="Arial" pitchFamily="-106" charset="0"/>
-                <a:cs typeface="Arial" charset="0"/>
-              </a:rPr>
-              <a:t>AJAX requests</a:t>
-            </a:r>
-            <a:r>
-              <a:rPr lang="en-NZ" sz="900" kern="1200" baseline="0" smtClean="0">
-                <a:solidFill>
-                  <a:schemeClr val="tx1"/>
-                </a:solidFill>
-                <a:effectLst/>
-                <a:latin typeface="Segoe UI" pitchFamily="34" charset="0"/>
-                <a:ea typeface="Arial" pitchFamily="-106" charset="0"/>
-                <a:cs typeface="Arial" charset="0"/>
-              </a:rPr>
-              <a:t> (e.g. </a:t>
-            </a:r>
-            <a:r>
-              <a:rPr lang="en-NZ" sz="900" kern="1200" baseline="0" err="1" smtClean="0">
-                <a:solidFill>
-                  <a:schemeClr val="tx1"/>
-                </a:solidFill>
-                <a:effectLst/>
-                <a:latin typeface="Segoe UI" pitchFamily="34" charset="0"/>
-                <a:ea typeface="Arial" pitchFamily="-106" charset="0"/>
-                <a:cs typeface="Arial" charset="0"/>
-              </a:rPr>
-              <a:t>JQuery</a:t>
-            </a:r>
-            <a:r>
-              <a:rPr lang="en-NZ" sz="900" kern="1200" baseline="0" smtClean="0">
-                <a:solidFill>
-                  <a:schemeClr val="tx1"/>
-                </a:solidFill>
-                <a:effectLst/>
-                <a:latin typeface="Segoe UI" pitchFamily="34" charset="0"/>
-                <a:ea typeface="Arial" pitchFamily="-106" charset="0"/>
-                <a:cs typeface="Arial" charset="0"/>
-              </a:rPr>
-              <a:t> calls to the server) may not go back to the instance that originally served the page</a:t>
-            </a:r>
-          </a:p>
-          <a:p>
-            <a:pPr marL="171450" indent="-171450" rtl="0">
-              <a:buFont typeface="Arial" pitchFamily="34" charset="0"/>
-              <a:buChar char="•"/>
-            </a:pPr>
-            <a:r>
-              <a:rPr lang="en-NZ" sz="900" kern="1200" baseline="0" smtClean="0">
-                <a:solidFill>
-                  <a:schemeClr val="tx1"/>
-                </a:solidFill>
-                <a:effectLst/>
-                <a:latin typeface="Segoe UI" pitchFamily="34" charset="0"/>
-                <a:ea typeface="Arial" pitchFamily="-106" charset="0"/>
-                <a:cs typeface="Arial" charset="0"/>
-              </a:rPr>
-              <a:t>Can’t leave ‘nuggets’ of state inside a web role with the intention of fetching it via APAX later</a:t>
-            </a:r>
-          </a:p>
-          <a:p>
-            <a:pPr marL="628650" lvl="1" indent="-171450" rtl="0">
-              <a:buFont typeface="Arial" pitchFamily="34" charset="0"/>
-              <a:buChar char="•"/>
-            </a:pPr>
-            <a:r>
-              <a:rPr lang="en-NZ" sz="900" kern="1200" baseline="0" smtClean="0">
-                <a:solidFill>
-                  <a:schemeClr val="tx1"/>
-                </a:solidFill>
-                <a:effectLst/>
-                <a:latin typeface="Segoe UI" pitchFamily="34" charset="0"/>
-                <a:ea typeface="Arial" pitchFamily="-106" charset="0"/>
-                <a:cs typeface="Arial" charset="0"/>
-              </a:rPr>
-              <a:t>Can push the state back into storage</a:t>
-            </a:r>
-          </a:p>
-          <a:p>
-            <a:pPr marL="628650" lvl="1" indent="-171450" rtl="0">
-              <a:buFont typeface="Arial" pitchFamily="34" charset="0"/>
-              <a:buChar char="•"/>
-            </a:pPr>
-            <a:r>
-              <a:rPr lang="en-NZ" sz="900" kern="1200" baseline="0" smtClean="0">
-                <a:solidFill>
-                  <a:schemeClr val="tx1"/>
-                </a:solidFill>
-                <a:effectLst/>
-                <a:latin typeface="Segoe UI" pitchFamily="34" charset="0"/>
-                <a:ea typeface="Arial" pitchFamily="-106" charset="0"/>
-                <a:cs typeface="Arial" charset="0"/>
-              </a:rPr>
-              <a:t>Either store it up direct out of storage (e.g. grab an XML block using a Shared Access Signature)</a:t>
-            </a:r>
-          </a:p>
-          <a:p>
-            <a:pPr marL="1085850" lvl="2" indent="-171450" rtl="0">
-              <a:buFont typeface="Arial" pitchFamily="34" charset="0"/>
-              <a:buChar char="•"/>
-            </a:pPr>
-            <a:r>
-              <a:rPr lang="en-NZ" sz="900" kern="1200" baseline="0" smtClean="0">
-                <a:solidFill>
-                  <a:schemeClr val="tx1"/>
-                </a:solidFill>
-                <a:effectLst/>
-                <a:latin typeface="Segoe UI" pitchFamily="34" charset="0"/>
-                <a:ea typeface="Arial" pitchFamily="-106" charset="0"/>
-                <a:cs typeface="Arial" charset="0"/>
-              </a:rPr>
-              <a:t>May be better to use a Data Island in the original document in this case though</a:t>
-            </a:r>
-          </a:p>
-          <a:p>
-            <a:pPr marL="628650" lvl="1" indent="-171450" rtl="0">
-              <a:buFont typeface="Arial" pitchFamily="34" charset="0"/>
-              <a:buChar char="•"/>
-            </a:pPr>
-            <a:r>
-              <a:rPr lang="en-NZ" sz="900" kern="1200" baseline="0" smtClean="0">
-                <a:solidFill>
-                  <a:schemeClr val="tx1"/>
-                </a:solidFill>
-                <a:effectLst/>
-                <a:latin typeface="Segoe UI" pitchFamily="34" charset="0"/>
-                <a:ea typeface="Arial" pitchFamily="-106" charset="0"/>
-                <a:cs typeface="Arial" charset="0"/>
-              </a:rPr>
-              <a:t>Push it into storage and re-fetch in web role when AJAX call arrives</a:t>
-            </a:r>
-          </a:p>
-          <a:p>
-            <a:pPr marL="628650" lvl="1" indent="-171450" rtl="0">
-              <a:buFont typeface="Arial" pitchFamily="34" charset="0"/>
-              <a:buChar char="•"/>
-            </a:pPr>
-            <a:endParaRPr lang="en-NZ" sz="900" kern="1200" baseline="0" smtClean="0">
-              <a:solidFill>
-                <a:schemeClr val="tx1"/>
-              </a:solidFill>
-              <a:effectLst/>
-              <a:latin typeface="Segoe UI" pitchFamily="34" charset="0"/>
-              <a:ea typeface="Arial" pitchFamily="-106" charset="0"/>
-              <a:cs typeface="Arial" charset="0"/>
-            </a:endParaRPr>
-          </a:p>
-          <a:p>
-            <a:pPr marL="171450" lvl="0" indent="-171450" rtl="0">
-              <a:buFont typeface="Arial" pitchFamily="34" charset="0"/>
-              <a:buChar char="•"/>
-            </a:pPr>
-            <a:r>
-              <a:rPr lang="en-NZ" sz="900" kern="1200" baseline="0" smtClean="0">
-                <a:solidFill>
-                  <a:schemeClr val="tx1"/>
-                </a:solidFill>
-                <a:effectLst/>
-                <a:latin typeface="Segoe UI" pitchFamily="34" charset="0"/>
-                <a:ea typeface="Arial" pitchFamily="-106" charset="0"/>
-                <a:cs typeface="Arial" charset="0"/>
-              </a:rPr>
-              <a:t>ASP.NET Ajax requires a common machine key in web farm environments. </a:t>
-            </a:r>
-          </a:p>
-          <a:p>
-            <a:pPr marL="628650" lvl="1" indent="-171450" rtl="0">
-              <a:buFont typeface="Arial" pitchFamily="34" charset="0"/>
-              <a:buChar char="•"/>
-            </a:pPr>
-            <a:r>
-              <a:rPr lang="en-NZ" sz="900" kern="1200" baseline="0" smtClean="0">
-                <a:solidFill>
-                  <a:schemeClr val="tx1"/>
-                </a:solidFill>
-                <a:effectLst/>
-                <a:latin typeface="Segoe UI" pitchFamily="34" charset="0"/>
-                <a:ea typeface="Arial" pitchFamily="-106" charset="0"/>
-                <a:cs typeface="Arial" charset="0"/>
-              </a:rPr>
-              <a:t>Windows Azure is pre-configured for this- all the instances in a role will have the exact same machine key</a:t>
-            </a:r>
-          </a:p>
-          <a:p>
-            <a:pPr marL="628650" lvl="1" indent="-171450" rtl="0">
-              <a:buFont typeface="Arial" pitchFamily="34" charset="0"/>
-              <a:buChar char="•"/>
-            </a:pPr>
-            <a:r>
-              <a:rPr lang="en-NZ" sz="900" kern="1200" baseline="0" smtClean="0">
-                <a:solidFill>
-                  <a:schemeClr val="tx1"/>
-                </a:solidFill>
-                <a:effectLst/>
-                <a:latin typeface="Segoe UI" pitchFamily="34" charset="0"/>
-                <a:ea typeface="Arial" pitchFamily="-106" charset="0"/>
-                <a:cs typeface="Arial" charset="0"/>
-              </a:rPr>
-              <a:t>Can modify the machine key if you need to from code</a:t>
-            </a:r>
-          </a:p>
-          <a:p>
-            <a:pPr marL="171450" indent="-171450" rtl="0">
-              <a:buFont typeface="Arial" pitchFamily="34" charset="0"/>
-              <a:buChar char="•"/>
-            </a:pPr>
-            <a:endParaRPr lang="en-NZ" sz="900" kern="1200" baseline="0" smtClean="0">
-              <a:solidFill>
-                <a:schemeClr val="tx1"/>
-              </a:solidFill>
-              <a:effectLst/>
-              <a:latin typeface="Segoe UI" pitchFamily="34" charset="0"/>
-              <a:ea typeface="Arial" pitchFamily="-106" charset="0"/>
-              <a:cs typeface="Arial" charset="0"/>
-            </a:endParaRPr>
-          </a:p>
-          <a:p>
-            <a:pPr marL="171450" indent="-171450" rtl="0">
-              <a:buFont typeface="Arial" pitchFamily="34" charset="0"/>
-              <a:buChar char="•"/>
-            </a:pPr>
-            <a:r>
-              <a:rPr lang="en-NZ" sz="900" kern="1200" smtClean="0">
-                <a:solidFill>
-                  <a:schemeClr val="tx1"/>
-                </a:solidFill>
-                <a:effectLst/>
-                <a:latin typeface="Segoe UI" pitchFamily="34" charset="0"/>
-                <a:ea typeface="Arial" pitchFamily="-106" charset="0"/>
-                <a:cs typeface="Arial" charset="0"/>
-              </a:rPr>
-              <a:t>There is NO support for sticky sessions. </a:t>
-            </a:r>
-            <a:br>
-              <a:rPr lang="en-NZ" sz="900" kern="1200" smtClean="0">
-                <a:solidFill>
-                  <a:schemeClr val="tx1"/>
-                </a:solidFill>
-                <a:effectLst/>
-                <a:latin typeface="Segoe UI" pitchFamily="34" charset="0"/>
-                <a:ea typeface="Arial" pitchFamily="-106" charset="0"/>
-                <a:cs typeface="Arial" charset="0"/>
-              </a:rPr>
-            </a:br>
-            <a:endParaRPr lang="en-NZ" sz="900" kern="1200" smtClean="0">
-              <a:solidFill>
-                <a:schemeClr val="tx1"/>
-              </a:solidFill>
-              <a:effectLst/>
-              <a:latin typeface="Segoe UI" pitchFamily="34" charset="0"/>
-              <a:ea typeface="Arial" pitchFamily="-106" charset="0"/>
-              <a:cs typeface="Arial" charset="0"/>
-            </a:endParaRPr>
-          </a:p>
-          <a:p>
-            <a:pPr rtl="0"/>
-            <a:r>
-              <a:rPr lang="en-NZ" sz="900" b="1" kern="1200" smtClean="0">
-                <a:solidFill>
-                  <a:schemeClr val="tx1"/>
-                </a:solidFill>
-                <a:effectLst/>
-                <a:latin typeface="Segoe UI" pitchFamily="34" charset="0"/>
-                <a:ea typeface="Arial" pitchFamily="-106" charset="0"/>
-                <a:cs typeface="Arial" charset="0"/>
-              </a:rPr>
-              <a:t>Notes</a:t>
-            </a:r>
-          </a:p>
-          <a:p>
-            <a:r>
-              <a:rPr lang="en-US" smtClean="0"/>
-              <a:t>http://wiki.asp.net/page.aspx/1248/aspnet-and-load-balancing/ </a:t>
-            </a:r>
-          </a:p>
-          <a:p>
-            <a:endParaRPr lang="en-US" smtClean="0"/>
-          </a:p>
-          <a:p>
-            <a:r>
-              <a:rPr lang="en-US" smtClean="0"/>
-              <a:t>Changing machine key in code</a:t>
-            </a:r>
-          </a:p>
-          <a:p>
-            <a:r>
-              <a:rPr lang="en-US" smtClean="0"/>
-              <a:t>http://social.msdn.microsoft.com/Forums/en-US/windowsazure/thread/a6f00720-3aad-40c8-ac31-c585bc0c3b67 </a:t>
-            </a:r>
-          </a:p>
-          <a:p>
-            <a:endParaRPr lang="en-US" smtClean="0"/>
-          </a:p>
-          <a:p>
-            <a:endParaRPr lang="en-US" smtClean="0"/>
-          </a:p>
-          <a:p>
-            <a:endParaRPr lang="en-US" smtClean="0"/>
-          </a:p>
-          <a:p>
             <a:endParaRPr lang="en-US"/>
           </a:p>
         </p:txBody>
@@ -2490,7 +1213,7 @@
     </p:spTree>
     <p:extLst>
       <p:ext uri="{BB962C8B-B14F-4D97-AF65-F5344CB8AC3E}">
-        <p14:creationId xmlns:p14="http://schemas.microsoft.com/office/powerpoint/2010/main" xmlns="" val="4231630105"/>
+        <p14:creationId xmlns="" xmlns:p14="http://schemas.microsoft.com/office/powerpoint/2010/main" val="4231630105"/>
       </p:ext>
     </p:extLst>
   </p:cSld>
@@ -2544,326 +1267,6 @@
           <a:bodyPr/>
           <a:lstStyle/>
           <a:p>
-            <a:pPr rtl="0"/>
-            <a:r>
-              <a:rPr lang="en-NZ" sz="900" b="1" kern="1200" smtClean="0">
-                <a:solidFill>
-                  <a:schemeClr val="tx1"/>
-                </a:solidFill>
-                <a:effectLst/>
-                <a:latin typeface="Segoe UI" pitchFamily="34" charset="0"/>
-                <a:ea typeface="Arial" pitchFamily="-106" charset="0"/>
-                <a:cs typeface="Arial" charset="0"/>
-              </a:rPr>
-              <a:t>Slide Objective</a:t>
-            </a:r>
-            <a:endParaRPr lang="en-NZ" sz="900" kern="1200" smtClean="0">
-              <a:solidFill>
-                <a:schemeClr val="tx1"/>
-              </a:solidFill>
-              <a:effectLst/>
-              <a:latin typeface="Segoe UI" pitchFamily="34" charset="0"/>
-              <a:ea typeface="Arial" pitchFamily="-106" charset="0"/>
-              <a:cs typeface="Arial" charset="0"/>
-            </a:endParaRPr>
-          </a:p>
-          <a:p>
-            <a:pPr rtl="0"/>
-            <a:r>
-              <a:rPr lang="en-NZ" sz="900" kern="1200" smtClean="0">
-                <a:solidFill>
-                  <a:schemeClr val="tx1"/>
-                </a:solidFill>
-                <a:effectLst/>
-                <a:latin typeface="Segoe UI" pitchFamily="34" charset="0"/>
-                <a:ea typeface="Arial" pitchFamily="-106" charset="0"/>
-                <a:cs typeface="Arial" charset="0"/>
-              </a:rPr>
-              <a:t>Explains</a:t>
-            </a:r>
-            <a:r>
-              <a:rPr lang="en-NZ" sz="900" kern="1200" baseline="0" smtClean="0">
-                <a:solidFill>
-                  <a:schemeClr val="tx1"/>
-                </a:solidFill>
-                <a:effectLst/>
-                <a:latin typeface="Segoe UI" pitchFamily="34" charset="0"/>
-                <a:ea typeface="Arial" pitchFamily="-106" charset="0"/>
-                <a:cs typeface="Arial" charset="0"/>
-              </a:rPr>
-              <a:t> the operation of Session state in Windows Azure multi instance roles</a:t>
-            </a:r>
-            <a:endParaRPr lang="en-NZ" sz="900" kern="1200" smtClean="0">
-              <a:solidFill>
-                <a:schemeClr val="tx1"/>
-              </a:solidFill>
-              <a:effectLst/>
-              <a:latin typeface="Segoe UI" pitchFamily="34" charset="0"/>
-              <a:ea typeface="Arial" pitchFamily="-106" charset="0"/>
-              <a:cs typeface="Arial" charset="0"/>
-            </a:endParaRPr>
-          </a:p>
-          <a:p>
-            <a:pPr rtl="0"/>
-            <a:endParaRPr lang="en-NZ" sz="900" kern="1200" smtClean="0">
-              <a:solidFill>
-                <a:schemeClr val="tx1"/>
-              </a:solidFill>
-              <a:effectLst/>
-              <a:latin typeface="Segoe UI" pitchFamily="34" charset="0"/>
-              <a:ea typeface="Arial" pitchFamily="-106" charset="0"/>
-              <a:cs typeface="Arial" charset="0"/>
-            </a:endParaRPr>
-          </a:p>
-          <a:p>
-            <a:pPr rtl="0"/>
-            <a:r>
-              <a:rPr lang="en-NZ" sz="900" b="1" kern="1200" smtClean="0">
-                <a:solidFill>
-                  <a:schemeClr val="tx1"/>
-                </a:solidFill>
-                <a:effectLst/>
-                <a:latin typeface="Segoe UI" pitchFamily="34" charset="0"/>
-                <a:ea typeface="Arial" pitchFamily="-106" charset="0"/>
-                <a:cs typeface="Arial" charset="0"/>
-              </a:rPr>
-              <a:t>Speaking Notes</a:t>
-            </a:r>
-            <a:endParaRPr lang="en-NZ" sz="900" b="0" kern="1200" smtClean="0">
-              <a:solidFill>
-                <a:schemeClr val="tx1"/>
-              </a:solidFill>
-              <a:effectLst/>
-              <a:latin typeface="Segoe UI" pitchFamily="34" charset="0"/>
-              <a:ea typeface="Arial" pitchFamily="-106" charset="0"/>
-              <a:cs typeface="Arial" charset="0"/>
-            </a:endParaRPr>
-          </a:p>
-          <a:p>
-            <a:pPr marL="171450" indent="-171450" rtl="0">
-              <a:buFont typeface="Arial" pitchFamily="34" charset="0"/>
-              <a:buChar char="•"/>
-            </a:pPr>
-            <a:r>
-              <a:rPr lang="en-NZ" sz="900" kern="1200" smtClean="0">
-                <a:solidFill>
-                  <a:schemeClr val="tx1"/>
-                </a:solidFill>
-                <a:effectLst/>
-                <a:latin typeface="Segoe UI" pitchFamily="34" charset="0"/>
-                <a:ea typeface="Arial" pitchFamily="-106" charset="0"/>
-                <a:cs typeface="Arial" charset="0"/>
-              </a:rPr>
-              <a:t>Must move session state off the Web Role</a:t>
-            </a:r>
-            <a:r>
-              <a:rPr lang="en-NZ" sz="900" kern="1200" baseline="0" smtClean="0">
-                <a:solidFill>
-                  <a:schemeClr val="tx1"/>
-                </a:solidFill>
-                <a:effectLst/>
-                <a:latin typeface="Segoe UI" pitchFamily="34" charset="0"/>
-                <a:ea typeface="Arial" pitchFamily="-106" charset="0"/>
-                <a:cs typeface="Arial" charset="0"/>
-              </a:rPr>
-              <a:t> instances </a:t>
-            </a:r>
-          </a:p>
-          <a:p>
-            <a:pPr marL="171450" indent="-171450" rtl="0">
-              <a:buFont typeface="Arial" pitchFamily="34" charset="0"/>
-              <a:buChar char="•"/>
-            </a:pPr>
-            <a:endParaRPr lang="en-NZ" sz="900" kern="1200" baseline="0" smtClean="0">
-              <a:solidFill>
-                <a:schemeClr val="tx1"/>
-              </a:solidFill>
-              <a:effectLst/>
-              <a:latin typeface="Segoe UI" pitchFamily="34" charset="0"/>
-              <a:ea typeface="Arial" pitchFamily="-106" charset="0"/>
-              <a:cs typeface="Arial" charset="0"/>
-            </a:endParaRPr>
-          </a:p>
-          <a:p>
-            <a:pPr marL="171450" indent="-171450" rtl="0">
-              <a:buFont typeface="Arial" pitchFamily="34" charset="0"/>
-              <a:buChar char="•"/>
-            </a:pPr>
-            <a:r>
-              <a:rPr lang="en-NZ" sz="900" kern="1200" smtClean="0">
-                <a:solidFill>
-                  <a:schemeClr val="tx1"/>
-                </a:solidFill>
-                <a:effectLst/>
-                <a:latin typeface="Segoe UI" pitchFamily="34" charset="0"/>
-                <a:ea typeface="Arial" pitchFamily="-106" charset="0"/>
-                <a:cs typeface="Arial" charset="0"/>
-              </a:rPr>
-              <a:t>In this animation</a:t>
-            </a:r>
-          </a:p>
-          <a:p>
-            <a:pPr marL="628650" lvl="1" indent="-171450" rtl="0">
-              <a:buFont typeface="Arial" pitchFamily="34" charset="0"/>
-              <a:buChar char="•"/>
-            </a:pPr>
-            <a:r>
-              <a:rPr lang="en-NZ" sz="900" kern="1200" smtClean="0">
-                <a:solidFill>
-                  <a:schemeClr val="tx1"/>
-                </a:solidFill>
-                <a:effectLst/>
-                <a:latin typeface="Segoe UI" pitchFamily="34" charset="0"/>
-                <a:ea typeface="Arial" pitchFamily="-106" charset="0"/>
-                <a:cs typeface="Arial" charset="0"/>
-              </a:rPr>
-              <a:t>First</a:t>
-            </a:r>
-            <a:r>
-              <a:rPr lang="en-NZ" sz="900" kern="1200" baseline="0" smtClean="0">
-                <a:solidFill>
-                  <a:schemeClr val="tx1"/>
-                </a:solidFill>
-                <a:effectLst/>
-                <a:latin typeface="Segoe UI" pitchFamily="34" charset="0"/>
-                <a:ea typeface="Arial" pitchFamily="-106" charset="0"/>
-                <a:cs typeface="Arial" charset="0"/>
-              </a:rPr>
-              <a:t> request hits one instance</a:t>
-            </a:r>
-          </a:p>
-          <a:p>
-            <a:pPr marL="628650" lvl="1" indent="-171450" rtl="0">
-              <a:buFont typeface="Arial" pitchFamily="34" charset="0"/>
-              <a:buChar char="•"/>
-            </a:pPr>
-            <a:r>
-              <a:rPr lang="en-NZ" sz="900" kern="1200" baseline="0" smtClean="0">
-                <a:solidFill>
-                  <a:schemeClr val="tx1"/>
-                </a:solidFill>
-                <a:effectLst/>
-                <a:latin typeface="Segoe UI" pitchFamily="34" charset="0"/>
-                <a:ea typeface="Arial" pitchFamily="-106" charset="0"/>
-                <a:cs typeface="Arial" charset="0"/>
-              </a:rPr>
-              <a:t>Subsequent request hits another instance</a:t>
-            </a:r>
-          </a:p>
-          <a:p>
-            <a:pPr marL="171450" lvl="0" indent="-171450" rtl="0">
-              <a:buFont typeface="Arial" pitchFamily="34" charset="0"/>
-              <a:buChar char="•"/>
-            </a:pPr>
-            <a:r>
-              <a:rPr lang="en-NZ" sz="900" kern="1200" baseline="0" smtClean="0">
-                <a:solidFill>
-                  <a:schemeClr val="tx1"/>
-                </a:solidFill>
-                <a:effectLst/>
-                <a:latin typeface="Segoe UI" pitchFamily="34" charset="0"/>
-                <a:ea typeface="Arial" pitchFamily="-106" charset="0"/>
-                <a:cs typeface="Arial" charset="0"/>
-              </a:rPr>
-              <a:t>At the end of the animation the value of Foo is hard to determine.</a:t>
-            </a:r>
-          </a:p>
-          <a:p>
-            <a:pPr marL="628650" lvl="1" indent="-171450" rtl="0">
-              <a:buFont typeface="Arial" pitchFamily="34" charset="0"/>
-              <a:buChar char="•"/>
-            </a:pPr>
-            <a:r>
-              <a:rPr lang="en-NZ" sz="900" kern="1200" baseline="0" smtClean="0">
-                <a:solidFill>
-                  <a:schemeClr val="tx1"/>
-                </a:solidFill>
-                <a:effectLst/>
-                <a:latin typeface="Segoe UI" pitchFamily="34" charset="0"/>
-                <a:ea typeface="Arial" pitchFamily="-106" charset="0"/>
-                <a:cs typeface="Arial" charset="0"/>
-              </a:rPr>
-              <a:t>Is it 1, 2 or null?</a:t>
-            </a:r>
-          </a:p>
-          <a:p>
-            <a:pPr marL="628650" lvl="1" indent="-171450" rtl="0">
-              <a:buFont typeface="Arial" pitchFamily="34" charset="0"/>
-              <a:buChar char="•"/>
-            </a:pPr>
-            <a:r>
-              <a:rPr lang="en-NZ" sz="900" kern="1200" baseline="0" smtClean="0">
-                <a:solidFill>
-                  <a:schemeClr val="tx1"/>
-                </a:solidFill>
-                <a:effectLst/>
-                <a:latin typeface="Segoe UI" pitchFamily="34" charset="0"/>
-                <a:ea typeface="Arial" pitchFamily="-106" charset="0"/>
-                <a:cs typeface="Arial" charset="0"/>
-              </a:rPr>
-              <a:t>Will depend on which server the LB routes our request to</a:t>
-            </a:r>
-            <a:r>
-              <a:rPr lang="en-NZ" sz="900" kern="1200" smtClean="0">
-                <a:solidFill>
-                  <a:schemeClr val="tx1"/>
-                </a:solidFill>
-                <a:effectLst/>
-                <a:latin typeface="Segoe UI" pitchFamily="34" charset="0"/>
-                <a:ea typeface="Arial" pitchFamily="-106" charset="0"/>
-                <a:cs typeface="Arial" charset="0"/>
-              </a:rPr>
-              <a:t/>
-            </a:r>
-            <a:br>
-              <a:rPr lang="en-NZ" sz="900" kern="1200" smtClean="0">
-                <a:solidFill>
-                  <a:schemeClr val="tx1"/>
-                </a:solidFill>
-                <a:effectLst/>
-                <a:latin typeface="Segoe UI" pitchFamily="34" charset="0"/>
-                <a:ea typeface="Arial" pitchFamily="-106" charset="0"/>
-                <a:cs typeface="Arial" charset="0"/>
-              </a:rPr>
-            </a:br>
-            <a:endParaRPr lang="en-NZ" sz="900" kern="1200" smtClean="0">
-              <a:solidFill>
-                <a:schemeClr val="tx1"/>
-              </a:solidFill>
-              <a:effectLst/>
-              <a:latin typeface="Segoe UI" pitchFamily="34" charset="0"/>
-              <a:ea typeface="Arial" pitchFamily="-106" charset="0"/>
-              <a:cs typeface="Arial" charset="0"/>
-            </a:endParaRPr>
-          </a:p>
-          <a:p>
-            <a:pPr rtl="0"/>
-            <a:r>
-              <a:rPr lang="en-NZ" sz="900" b="1" kern="1200" smtClean="0">
-                <a:solidFill>
-                  <a:schemeClr val="tx1"/>
-                </a:solidFill>
-                <a:effectLst/>
-                <a:latin typeface="Segoe UI" pitchFamily="34" charset="0"/>
-                <a:ea typeface="Arial" pitchFamily="-106" charset="0"/>
-                <a:cs typeface="Arial" charset="0"/>
-              </a:rPr>
-              <a:t>Notes</a:t>
-            </a:r>
-          </a:p>
-          <a:p>
-            <a:endParaRPr lang="en-US" smtClean="0"/>
-          </a:p>
-          <a:p>
-            <a:endParaRPr lang="en-US" smtClean="0"/>
-          </a:p>
-          <a:p>
-            <a:endParaRPr lang="en-US" smtClean="0"/>
-          </a:p>
-          <a:p>
-            <a:endParaRPr lang="en-US" smtClean="0"/>
-          </a:p>
-          <a:p>
             <a:endParaRPr lang="en-US"/>
           </a:p>
         </p:txBody>
@@ -2895,7 +1298,7 @@
     </p:spTree>
     <p:extLst>
       <p:ext uri="{BB962C8B-B14F-4D97-AF65-F5344CB8AC3E}">
-        <p14:creationId xmlns:p14="http://schemas.microsoft.com/office/powerpoint/2010/main" xmlns="" val="3062717443"/>
+        <p14:creationId xmlns="" xmlns:p14="http://schemas.microsoft.com/office/powerpoint/2010/main" val="3062717443"/>
       </p:ext>
     </p:extLst>
   </p:cSld>
@@ -2949,379 +1352,6 @@
           <a:bodyPr/>
           <a:lstStyle/>
           <a:p>
-            <a:pPr rtl="0"/>
-            <a:r>
-              <a:rPr lang="en-NZ" sz="900" b="1" kern="1200" smtClean="0">
-                <a:solidFill>
-                  <a:schemeClr val="tx1"/>
-                </a:solidFill>
-                <a:effectLst/>
-                <a:latin typeface="Segoe UI" pitchFamily="34" charset="0"/>
-                <a:ea typeface="Arial" pitchFamily="-106" charset="0"/>
-                <a:cs typeface="Arial" charset="0"/>
-              </a:rPr>
-              <a:t>Slide Objective</a:t>
-            </a:r>
-            <a:endParaRPr lang="en-NZ" sz="900" kern="1200" smtClean="0">
-              <a:solidFill>
-                <a:schemeClr val="tx1"/>
-              </a:solidFill>
-              <a:effectLst/>
-              <a:latin typeface="Segoe UI" pitchFamily="34" charset="0"/>
-              <a:ea typeface="Arial" pitchFamily="-106" charset="0"/>
-              <a:cs typeface="Arial" charset="0"/>
-            </a:endParaRPr>
-          </a:p>
-          <a:p>
-            <a:pPr rtl="0"/>
-            <a:r>
-              <a:rPr lang="en-NZ" sz="900" kern="1200" smtClean="0">
-                <a:solidFill>
-                  <a:schemeClr val="tx1"/>
-                </a:solidFill>
-                <a:effectLst/>
-                <a:latin typeface="Segoe UI" pitchFamily="34" charset="0"/>
-                <a:ea typeface="Arial" pitchFamily="-106" charset="0"/>
-                <a:cs typeface="Arial" charset="0"/>
-              </a:rPr>
-              <a:t>Recap on statelessness</a:t>
-            </a:r>
-          </a:p>
-          <a:p>
-            <a:pPr rtl="0"/>
-            <a:r>
-              <a:rPr lang="en-NZ" sz="900" kern="1200" smtClean="0">
-                <a:solidFill>
-                  <a:schemeClr val="tx1"/>
-                </a:solidFill>
-                <a:effectLst/>
-                <a:latin typeface="Segoe UI" pitchFamily="34" charset="0"/>
-                <a:ea typeface="Arial" pitchFamily="-106" charset="0"/>
-                <a:cs typeface="Arial" charset="0"/>
-              </a:rPr>
-              <a:t>Reinforces</a:t>
-            </a:r>
-            <a:r>
-              <a:rPr lang="en-NZ" sz="900" kern="1200" baseline="0" smtClean="0">
-                <a:solidFill>
-                  <a:schemeClr val="tx1"/>
-                </a:solidFill>
-                <a:effectLst/>
-                <a:latin typeface="Segoe UI" pitchFamily="34" charset="0"/>
-                <a:ea typeface="Arial" pitchFamily="-106" charset="0"/>
-                <a:cs typeface="Arial" charset="0"/>
-              </a:rPr>
-              <a:t> nature of stateless servers in the context of web requests</a:t>
-            </a:r>
-            <a:endParaRPr lang="en-NZ" sz="900" kern="1200" smtClean="0">
-              <a:solidFill>
-                <a:schemeClr val="tx1"/>
-              </a:solidFill>
-              <a:effectLst/>
-              <a:latin typeface="Segoe UI" pitchFamily="34" charset="0"/>
-              <a:ea typeface="Arial" pitchFamily="-106" charset="0"/>
-              <a:cs typeface="Arial" charset="0"/>
-            </a:endParaRPr>
-          </a:p>
-          <a:p>
-            <a:pPr rtl="0"/>
-            <a:endParaRPr lang="en-NZ" sz="900" kern="1200" smtClean="0">
-              <a:solidFill>
-                <a:schemeClr val="tx1"/>
-              </a:solidFill>
-              <a:effectLst/>
-              <a:latin typeface="Segoe UI" pitchFamily="34" charset="0"/>
-              <a:ea typeface="Arial" pitchFamily="-106" charset="0"/>
-              <a:cs typeface="Arial" charset="0"/>
-            </a:endParaRPr>
-          </a:p>
-          <a:p>
-            <a:pPr rtl="0"/>
-            <a:r>
-              <a:rPr lang="en-NZ" sz="900" b="1" kern="1200" smtClean="0">
-                <a:solidFill>
-                  <a:schemeClr val="tx1"/>
-                </a:solidFill>
-                <a:effectLst/>
-                <a:latin typeface="Segoe UI" pitchFamily="34" charset="0"/>
-                <a:ea typeface="Arial" pitchFamily="-106" charset="0"/>
-                <a:cs typeface="Arial" charset="0"/>
-              </a:rPr>
-              <a:t>Speaking Notes</a:t>
-            </a:r>
-            <a:endParaRPr lang="en-NZ" sz="900" kern="1200" smtClean="0">
-              <a:solidFill>
-                <a:schemeClr val="tx1"/>
-              </a:solidFill>
-              <a:effectLst/>
-              <a:latin typeface="Segoe UI" pitchFamily="34" charset="0"/>
-              <a:ea typeface="Arial" pitchFamily="-106" charset="0"/>
-              <a:cs typeface="Arial" charset="0"/>
-            </a:endParaRPr>
-          </a:p>
-          <a:p>
-            <a:pPr marL="171450" lvl="0" indent="-171450" rtl="0">
-              <a:buFont typeface="Arial" pitchFamily="34" charset="0"/>
-              <a:buChar char="•"/>
-            </a:pPr>
-            <a:r>
-              <a:rPr lang="en-NZ" sz="900" kern="1200" smtClean="0">
-                <a:solidFill>
-                  <a:schemeClr val="tx1"/>
-                </a:solidFill>
-                <a:effectLst/>
-                <a:latin typeface="Segoe UI" pitchFamily="34" charset="0"/>
-                <a:ea typeface="Arial" pitchFamily="-106" charset="0"/>
-                <a:cs typeface="Arial" charset="0"/>
-              </a:rPr>
-              <a:t>Windows</a:t>
-            </a:r>
-            <a:r>
-              <a:rPr lang="en-NZ" sz="900" kern="1200" baseline="0" smtClean="0">
-                <a:solidFill>
-                  <a:schemeClr val="tx1"/>
-                </a:solidFill>
-                <a:effectLst/>
-                <a:latin typeface="Segoe UI" pitchFamily="34" charset="0"/>
-                <a:ea typeface="Arial" pitchFamily="-106" charset="0"/>
-                <a:cs typeface="Arial" charset="0"/>
-              </a:rPr>
-              <a:t> Azure uses load balancers that round robin requests to each instance</a:t>
-            </a:r>
-          </a:p>
-          <a:p>
-            <a:pPr marL="171450" lvl="0" indent="-171450" rtl="0">
-              <a:buFont typeface="Arial" pitchFamily="34" charset="0"/>
-              <a:buChar char="•"/>
-            </a:pPr>
-            <a:r>
-              <a:rPr lang="en-NZ" sz="900" kern="1200" smtClean="0">
-                <a:solidFill>
-                  <a:schemeClr val="tx1"/>
-                </a:solidFill>
-                <a:effectLst/>
-                <a:latin typeface="Segoe UI" pitchFamily="34" charset="0"/>
-                <a:ea typeface="Arial" pitchFamily="-106" charset="0"/>
-                <a:cs typeface="Arial" charset="0"/>
-              </a:rPr>
-              <a:t>When running in Windows Azure with multiple instances there is no guarantee that subsequent requests will hit the same instance</a:t>
-            </a:r>
-          </a:p>
-          <a:p>
-            <a:pPr marL="171450" lvl="0" indent="-171450" rtl="0">
-              <a:buFont typeface="Arial" pitchFamily="34" charset="0"/>
-              <a:buChar char="•"/>
-            </a:pPr>
-            <a:endParaRPr lang="en-NZ" sz="900" kern="1200" smtClean="0">
-              <a:solidFill>
-                <a:schemeClr val="tx1"/>
-              </a:solidFill>
-              <a:effectLst/>
-              <a:latin typeface="Segoe UI" pitchFamily="34" charset="0"/>
-              <a:ea typeface="Arial" pitchFamily="-106" charset="0"/>
-              <a:cs typeface="Arial" charset="0"/>
-            </a:endParaRPr>
-          </a:p>
-          <a:p>
-            <a:pPr marL="171450" lvl="0" indent="-171450" rtl="0">
-              <a:buFont typeface="Arial" pitchFamily="34" charset="0"/>
-              <a:buChar char="•"/>
-            </a:pPr>
-            <a:r>
-              <a:rPr lang="en-NZ" sz="900" kern="1200" smtClean="0">
-                <a:solidFill>
-                  <a:schemeClr val="tx1"/>
-                </a:solidFill>
-                <a:effectLst/>
-                <a:latin typeface="Segoe UI" pitchFamily="34" charset="0"/>
-                <a:ea typeface="Arial" pitchFamily="-106" charset="0"/>
-                <a:cs typeface="Arial" charset="0"/>
-              </a:rPr>
-              <a:t>Some</a:t>
-            </a:r>
-            <a:r>
-              <a:rPr lang="en-NZ" sz="900" kern="1200" baseline="0" smtClean="0">
-                <a:solidFill>
-                  <a:schemeClr val="tx1"/>
-                </a:solidFill>
-                <a:effectLst/>
-                <a:latin typeface="Segoe UI" pitchFamily="34" charset="0"/>
-                <a:ea typeface="Arial" pitchFamily="-106" charset="0"/>
-                <a:cs typeface="Arial" charset="0"/>
-              </a:rPr>
-              <a:t> things to remember here</a:t>
-            </a:r>
-          </a:p>
-          <a:p>
-            <a:pPr marL="628650" lvl="1" indent="-171450" rtl="0">
-              <a:buFont typeface="Arial" pitchFamily="34" charset="0"/>
-              <a:buChar char="•"/>
-            </a:pPr>
-            <a:r>
-              <a:rPr lang="en-NZ" sz="900" kern="1200" baseline="0" smtClean="0">
-                <a:solidFill>
-                  <a:schemeClr val="tx1"/>
-                </a:solidFill>
-                <a:effectLst/>
-                <a:latin typeface="Segoe UI" pitchFamily="34" charset="0"/>
-                <a:ea typeface="Arial" pitchFamily="-106" charset="0"/>
-                <a:cs typeface="Arial" charset="0"/>
-              </a:rPr>
-              <a:t>Subsequent requests may not always be obvious</a:t>
-            </a:r>
-            <a:br>
-              <a:rPr lang="en-NZ" sz="900" kern="1200" baseline="0" smtClean="0">
-                <a:solidFill>
-                  <a:schemeClr val="tx1"/>
-                </a:solidFill>
-                <a:effectLst/>
-                <a:latin typeface="Segoe UI" pitchFamily="34" charset="0"/>
-                <a:ea typeface="Arial" pitchFamily="-106" charset="0"/>
-                <a:cs typeface="Arial" charset="0"/>
-              </a:rPr>
-            </a:br>
-            <a:r>
-              <a:rPr lang="en-NZ" sz="900" kern="1200" baseline="0" smtClean="0">
-                <a:solidFill>
-                  <a:schemeClr val="tx1"/>
-                </a:solidFill>
-                <a:effectLst/>
-                <a:latin typeface="Segoe UI" pitchFamily="34" charset="0"/>
-                <a:ea typeface="Arial" pitchFamily="-106" charset="0"/>
-                <a:cs typeface="Arial" charset="0"/>
-              </a:rPr>
-              <a:t>e.g. Think of an ASP.NET page that includes an image </a:t>
-            </a:r>
-            <a:r>
-              <a:rPr lang="en-NZ" sz="900" kern="1200" baseline="0" err="1" smtClean="0">
-                <a:solidFill>
-                  <a:schemeClr val="tx1"/>
-                </a:solidFill>
-                <a:effectLst/>
-                <a:latin typeface="Segoe UI" pitchFamily="34" charset="0"/>
-                <a:ea typeface="Arial" pitchFamily="-106" charset="0"/>
-                <a:cs typeface="Arial" charset="0"/>
-              </a:rPr>
-              <a:t>url</a:t>
-            </a:r>
-            <a:r>
-              <a:rPr lang="en-NZ" sz="900" kern="1200" baseline="0" smtClean="0">
-                <a:solidFill>
-                  <a:schemeClr val="tx1"/>
-                </a:solidFill>
-                <a:effectLst/>
-                <a:latin typeface="Segoe UI" pitchFamily="34" charset="0"/>
-                <a:ea typeface="Arial" pitchFamily="-106" charset="0"/>
-                <a:cs typeface="Arial" charset="0"/>
-              </a:rPr>
-              <a:t> that is served by an HTTP Handler</a:t>
-            </a:r>
-            <a:br>
-              <a:rPr lang="en-NZ" sz="900" kern="1200" baseline="0" smtClean="0">
-                <a:solidFill>
-                  <a:schemeClr val="tx1"/>
-                </a:solidFill>
-                <a:effectLst/>
-                <a:latin typeface="Segoe UI" pitchFamily="34" charset="0"/>
-                <a:ea typeface="Arial" pitchFamily="-106" charset="0"/>
-                <a:cs typeface="Arial" charset="0"/>
-              </a:rPr>
-            </a:br>
-            <a:r>
-              <a:rPr lang="en-NZ" sz="900" kern="1200" baseline="0" smtClean="0">
-                <a:solidFill>
-                  <a:schemeClr val="tx1"/>
-                </a:solidFill>
-                <a:effectLst/>
-                <a:latin typeface="Segoe UI" pitchFamily="34" charset="0"/>
-                <a:ea typeface="Arial" pitchFamily="-106" charset="0"/>
-                <a:cs typeface="Arial" charset="0"/>
-              </a:rPr>
-              <a:t>Can’t assume that the image will be loaded form the same instances that served the original ASP.NET page</a:t>
-            </a:r>
-          </a:p>
-          <a:p>
-            <a:pPr marL="628650" lvl="1" indent="-171450" rtl="0">
-              <a:buFont typeface="Arial" pitchFamily="34" charset="0"/>
-              <a:buChar char="•"/>
-            </a:pPr>
-            <a:endParaRPr lang="en-NZ" sz="900" kern="1200" baseline="0" smtClean="0">
-              <a:solidFill>
-                <a:schemeClr val="tx1"/>
-              </a:solidFill>
-              <a:effectLst/>
-              <a:latin typeface="Segoe UI" pitchFamily="34" charset="0"/>
-              <a:ea typeface="Arial" pitchFamily="-106" charset="0"/>
-              <a:cs typeface="Arial" charset="0"/>
-            </a:endParaRPr>
-          </a:p>
-          <a:p>
-            <a:pPr marL="171450" lvl="0" indent="-171450" rtl="0">
-              <a:buFont typeface="Arial" pitchFamily="34" charset="0"/>
-              <a:buChar char="•"/>
-            </a:pPr>
-            <a:r>
-              <a:rPr lang="en-NZ" sz="900" kern="1200" baseline="0" smtClean="0">
-                <a:solidFill>
-                  <a:schemeClr val="tx1"/>
-                </a:solidFill>
-                <a:effectLst/>
-                <a:latin typeface="Segoe UI" pitchFamily="34" charset="0"/>
-                <a:ea typeface="Arial" pitchFamily="-106" charset="0"/>
-                <a:cs typeface="Arial" charset="0"/>
-              </a:rPr>
-              <a:t>Which leads on to talking about AJAX…</a:t>
-            </a:r>
-            <a:endParaRPr lang="en-NZ" sz="900" kern="1200" smtClean="0">
-              <a:solidFill>
-                <a:schemeClr val="tx1"/>
-              </a:solidFill>
-              <a:effectLst/>
-              <a:latin typeface="Segoe UI" pitchFamily="34" charset="0"/>
-              <a:ea typeface="Arial" pitchFamily="-106" charset="0"/>
-              <a:cs typeface="Arial" charset="0"/>
-            </a:endParaRPr>
-          </a:p>
-          <a:p>
-            <a:pPr rtl="0"/>
-            <a:endParaRPr lang="en-NZ" sz="900" kern="1200" smtClean="0">
-              <a:solidFill>
-                <a:schemeClr val="tx1"/>
-              </a:solidFill>
-              <a:effectLst/>
-              <a:latin typeface="Segoe UI" pitchFamily="34" charset="0"/>
-              <a:ea typeface="Arial" pitchFamily="-106" charset="0"/>
-              <a:cs typeface="Arial" charset="0"/>
-            </a:endParaRPr>
-          </a:p>
-          <a:p>
-            <a:pPr rtl="0"/>
-            <a:r>
-              <a:rPr lang="en-NZ" sz="900" b="1" kern="1200" smtClean="0">
-                <a:solidFill>
-                  <a:schemeClr val="tx1"/>
-                </a:solidFill>
-                <a:effectLst/>
-                <a:latin typeface="Segoe UI" pitchFamily="34" charset="0"/>
-                <a:ea typeface="Arial" pitchFamily="-106" charset="0"/>
-                <a:cs typeface="Arial" charset="0"/>
-              </a:rPr>
-              <a:t>Notes</a:t>
-            </a:r>
-          </a:p>
-          <a:p>
-            <a:endParaRPr lang="en-US" smtClean="0"/>
-          </a:p>
-          <a:p>
-            <a:endParaRPr lang="en-US" smtClean="0"/>
-          </a:p>
-          <a:p>
-            <a:endParaRPr lang="en-US" smtClean="0"/>
-          </a:p>
-          <a:p>
-            <a:endParaRPr lang="en-US" smtClean="0"/>
-          </a:p>
-          <a:p>
             <a:endParaRPr lang="en-US"/>
           </a:p>
         </p:txBody>
@@ -3353,7 +1383,7 @@
     </p:spTree>
     <p:extLst>
       <p:ext uri="{BB962C8B-B14F-4D97-AF65-F5344CB8AC3E}">
-        <p14:creationId xmlns:p14="http://schemas.microsoft.com/office/powerpoint/2010/main" xmlns="" val="46531105"/>
+        <p14:creationId xmlns="" xmlns:p14="http://schemas.microsoft.com/office/powerpoint/2010/main" val="46531105"/>
       </p:ext>
     </p:extLst>
   </p:cSld>
@@ -3409,658 +1439,6 @@
           </a:bodyPr>
           <a:lstStyle/>
           <a:p>
-            <a:pPr rtl="0"/>
-            <a:r>
-              <a:rPr lang="en-NZ" sz="900" b="1" kern="1200" smtClean="0">
-                <a:solidFill>
-                  <a:schemeClr val="tx1"/>
-                </a:solidFill>
-                <a:effectLst/>
-                <a:latin typeface="Segoe UI" pitchFamily="34" charset="0"/>
-                <a:ea typeface="Arial" pitchFamily="-106" charset="0"/>
-                <a:cs typeface="Arial" charset="0"/>
-              </a:rPr>
-              <a:t>Slide Objective</a:t>
-            </a:r>
-            <a:endParaRPr lang="en-NZ" sz="900" kern="1200" smtClean="0">
-              <a:solidFill>
-                <a:schemeClr val="tx1"/>
-              </a:solidFill>
-              <a:effectLst/>
-              <a:latin typeface="Segoe UI" pitchFamily="34" charset="0"/>
-              <a:ea typeface="Arial" pitchFamily="-106" charset="0"/>
-              <a:cs typeface="Arial" charset="0"/>
-            </a:endParaRPr>
-          </a:p>
-          <a:p>
-            <a:pPr rtl="0"/>
-            <a:r>
-              <a:rPr lang="en-NZ" sz="900" kern="1200" smtClean="0">
-                <a:solidFill>
-                  <a:schemeClr val="tx1"/>
-                </a:solidFill>
-                <a:effectLst/>
-                <a:latin typeface="Segoe UI" pitchFamily="34" charset="0"/>
-                <a:ea typeface="Arial" pitchFamily="-106" charset="0"/>
-                <a:cs typeface="Arial" charset="0"/>
-              </a:rPr>
-              <a:t>Explains</a:t>
-            </a:r>
-            <a:r>
-              <a:rPr lang="en-NZ" sz="900" kern="1200" baseline="0" smtClean="0">
-                <a:solidFill>
-                  <a:schemeClr val="tx1"/>
-                </a:solidFill>
-                <a:effectLst/>
-                <a:latin typeface="Segoe UI" pitchFamily="34" charset="0"/>
-                <a:ea typeface="Arial" pitchFamily="-106" charset="0"/>
-                <a:cs typeface="Arial" charset="0"/>
-              </a:rPr>
-              <a:t> the implementation of Session state in Windows Azure multi instance roles</a:t>
-            </a:r>
-            <a:endParaRPr lang="en-NZ" sz="900" kern="1200" smtClean="0">
-              <a:solidFill>
-                <a:schemeClr val="tx1"/>
-              </a:solidFill>
-              <a:effectLst/>
-              <a:latin typeface="Segoe UI" pitchFamily="34" charset="0"/>
-              <a:ea typeface="Arial" pitchFamily="-106" charset="0"/>
-              <a:cs typeface="Arial" charset="0"/>
-            </a:endParaRPr>
-          </a:p>
-          <a:p>
-            <a:pPr rtl="0"/>
-            <a:endParaRPr lang="en-NZ" sz="900" kern="1200" smtClean="0">
-              <a:solidFill>
-                <a:schemeClr val="tx1"/>
-              </a:solidFill>
-              <a:effectLst/>
-              <a:latin typeface="Segoe UI" pitchFamily="34" charset="0"/>
-              <a:ea typeface="Arial" pitchFamily="-106" charset="0"/>
-              <a:cs typeface="Arial" charset="0"/>
-            </a:endParaRPr>
-          </a:p>
-          <a:p>
-            <a:pPr rtl="0"/>
-            <a:r>
-              <a:rPr lang="en-NZ" sz="900" b="1" kern="1200" smtClean="0">
-                <a:solidFill>
-                  <a:schemeClr val="tx1"/>
-                </a:solidFill>
-                <a:effectLst/>
-                <a:latin typeface="Segoe UI" pitchFamily="34" charset="0"/>
-                <a:ea typeface="Arial" pitchFamily="-106" charset="0"/>
-                <a:cs typeface="Arial" charset="0"/>
-              </a:rPr>
-              <a:t>Speaking Notes</a:t>
-            </a:r>
-            <a:endParaRPr lang="en-NZ" sz="900" b="0" kern="1200" smtClean="0">
-              <a:solidFill>
-                <a:schemeClr val="tx1"/>
-              </a:solidFill>
-              <a:effectLst/>
-              <a:latin typeface="Segoe UI" pitchFamily="34" charset="0"/>
-              <a:ea typeface="Arial" pitchFamily="-106" charset="0"/>
-              <a:cs typeface="Arial" charset="0"/>
-            </a:endParaRPr>
-          </a:p>
-          <a:p>
-            <a:pPr marL="171450" indent="-171450" rtl="0">
-              <a:buFont typeface="Arial" pitchFamily="34" charset="0"/>
-              <a:buChar char="•"/>
-            </a:pPr>
-            <a:r>
-              <a:rPr lang="en-NZ" sz="900" kern="1200" smtClean="0">
-                <a:solidFill>
-                  <a:schemeClr val="tx1"/>
-                </a:solidFill>
-                <a:effectLst/>
-                <a:latin typeface="Segoe UI" pitchFamily="34" charset="0"/>
-                <a:ea typeface="Arial" pitchFamily="-106" charset="0"/>
-                <a:cs typeface="Arial" charset="0"/>
-              </a:rPr>
-              <a:t>Must move session state off the Web Role</a:t>
-            </a:r>
-            <a:r>
-              <a:rPr lang="en-NZ" sz="900" kern="1200" baseline="0" smtClean="0">
-                <a:solidFill>
-                  <a:schemeClr val="tx1"/>
-                </a:solidFill>
-                <a:effectLst/>
-                <a:latin typeface="Segoe UI" pitchFamily="34" charset="0"/>
-                <a:ea typeface="Arial" pitchFamily="-106" charset="0"/>
-                <a:cs typeface="Arial" charset="0"/>
-              </a:rPr>
-              <a:t> instances </a:t>
-            </a:r>
-          </a:p>
-          <a:p>
-            <a:pPr marL="171450" indent="-171450" rtl="0">
-              <a:buFont typeface="Arial" pitchFamily="34" charset="0"/>
-              <a:buChar char="•"/>
-            </a:pPr>
-            <a:r>
-              <a:rPr lang="en-NZ" sz="900" kern="1200" baseline="0" smtClean="0">
-                <a:solidFill>
-                  <a:schemeClr val="tx1"/>
-                </a:solidFill>
-                <a:effectLst/>
-                <a:latin typeface="Segoe UI" pitchFamily="34" charset="0"/>
-                <a:ea typeface="Arial" pitchFamily="-106" charset="0"/>
-                <a:cs typeface="Arial" charset="0"/>
-              </a:rPr>
-              <a:t>Move it into storage of some sort</a:t>
-            </a:r>
-          </a:p>
-          <a:p>
-            <a:pPr marL="171450" indent="-171450" rtl="0">
-              <a:buFont typeface="Arial" pitchFamily="34" charset="0"/>
-              <a:buChar char="•"/>
-            </a:pPr>
-            <a:r>
-              <a:rPr lang="en-NZ" sz="900" kern="1200" baseline="0" smtClean="0">
-                <a:solidFill>
-                  <a:schemeClr val="tx1"/>
-                </a:solidFill>
-                <a:effectLst/>
-                <a:latin typeface="Segoe UI" pitchFamily="34" charset="0"/>
-                <a:ea typeface="Arial" pitchFamily="-106" charset="0"/>
-                <a:cs typeface="Arial" charset="0"/>
-              </a:rPr>
-              <a:t>Windows Azure </a:t>
-            </a:r>
-            <a:r>
-              <a:rPr lang="en-NZ" sz="900" kern="1200" baseline="0" err="1" smtClean="0">
-                <a:solidFill>
-                  <a:schemeClr val="tx1"/>
-                </a:solidFill>
-                <a:effectLst/>
-                <a:latin typeface="Segoe UI" pitchFamily="34" charset="0"/>
-                <a:ea typeface="Arial" pitchFamily="-106" charset="0"/>
-                <a:cs typeface="Arial" charset="0"/>
-              </a:rPr>
-              <a:t>AppFabrich</a:t>
-            </a:r>
-            <a:r>
-              <a:rPr lang="en-NZ" sz="900" kern="1200" baseline="0" smtClean="0">
-                <a:solidFill>
-                  <a:schemeClr val="tx1"/>
-                </a:solidFill>
-                <a:effectLst/>
-                <a:latin typeface="Segoe UI" pitchFamily="34" charset="0"/>
-                <a:ea typeface="Arial" pitchFamily="-106" charset="0"/>
-                <a:cs typeface="Arial" charset="0"/>
-              </a:rPr>
-              <a:t> caching is the obvious choice</a:t>
-            </a:r>
-          </a:p>
-          <a:p>
-            <a:pPr marL="455375" lvl="1" indent="-171450" rtl="0">
-              <a:buFont typeface="Arial" pitchFamily="34" charset="0"/>
-              <a:buChar char="•"/>
-            </a:pPr>
-            <a:r>
-              <a:rPr lang="en-NZ" sz="900" kern="1200" baseline="0" smtClean="0">
-                <a:solidFill>
-                  <a:schemeClr val="tx1"/>
-                </a:solidFill>
-                <a:effectLst/>
-                <a:latin typeface="Segoe UI" pitchFamily="34" charset="0"/>
-                <a:ea typeface="Arial" pitchFamily="-106" charset="0"/>
-                <a:cs typeface="Arial" charset="0"/>
-              </a:rPr>
-              <a:t>Distributed, in-memory caching running in Windows Azure</a:t>
-            </a:r>
-          </a:p>
-          <a:p>
-            <a:pPr marL="171450" indent="-171450" rtl="0">
-              <a:buFont typeface="Arial" pitchFamily="34" charset="0"/>
-              <a:buChar char="•"/>
-            </a:pPr>
-            <a:r>
-              <a:rPr lang="en-NZ" sz="900" kern="1200" baseline="0" smtClean="0">
-                <a:solidFill>
-                  <a:schemeClr val="tx1"/>
-                </a:solidFill>
-                <a:effectLst/>
-                <a:latin typeface="Segoe UI" pitchFamily="34" charset="0"/>
-                <a:ea typeface="Arial" pitchFamily="-106" charset="0"/>
-                <a:cs typeface="Arial" charset="0"/>
-              </a:rPr>
-              <a:t>SQL Azure and Windows Azure storage are </a:t>
-            </a:r>
-            <a:r>
-              <a:rPr lang="en-NZ" sz="900" kern="1200" baseline="0" err="1" smtClean="0">
-                <a:solidFill>
-                  <a:schemeClr val="tx1"/>
-                </a:solidFill>
-                <a:effectLst/>
-                <a:latin typeface="Segoe UI" pitchFamily="34" charset="0"/>
-                <a:ea typeface="Arial" pitchFamily="-106" charset="0"/>
-                <a:cs typeface="Arial" charset="0"/>
-              </a:rPr>
-              <a:t>are</a:t>
-            </a:r>
-            <a:r>
-              <a:rPr lang="en-NZ" sz="900" kern="1200" baseline="0" smtClean="0">
-                <a:solidFill>
-                  <a:schemeClr val="tx1"/>
-                </a:solidFill>
-                <a:effectLst/>
-                <a:latin typeface="Segoe UI" pitchFamily="34" charset="0"/>
-                <a:ea typeface="Arial" pitchFamily="-106" charset="0"/>
-                <a:cs typeface="Arial" charset="0"/>
-              </a:rPr>
-              <a:t> additional examples</a:t>
-            </a:r>
-          </a:p>
-          <a:p>
-            <a:pPr marL="628650" lvl="1" indent="-171450" rtl="0">
-              <a:buFont typeface="Arial" pitchFamily="34" charset="0"/>
-              <a:buChar char="•"/>
-            </a:pPr>
-            <a:r>
-              <a:rPr lang="en-NZ" sz="900" kern="1200" baseline="0" smtClean="0">
-                <a:solidFill>
-                  <a:schemeClr val="tx1"/>
-                </a:solidFill>
-                <a:effectLst/>
-                <a:latin typeface="Segoe UI" pitchFamily="34" charset="0"/>
-                <a:ea typeface="Arial" pitchFamily="-106" charset="0"/>
-                <a:cs typeface="Arial" charset="0"/>
-              </a:rPr>
-              <a:t>Which is best will depend on the nature of the application load (due to the transaction charge for Windows Azure Storage)</a:t>
-            </a:r>
-          </a:p>
-          <a:p>
-            <a:pPr marL="628650" lvl="1" indent="-171450" rtl="0">
-              <a:buFont typeface="Arial" pitchFamily="34" charset="0"/>
-              <a:buChar char="•"/>
-            </a:pPr>
-            <a:r>
-              <a:rPr lang="en-NZ" sz="900" kern="1200" baseline="0" smtClean="0">
-                <a:solidFill>
-                  <a:schemeClr val="tx1"/>
-                </a:solidFill>
-                <a:effectLst/>
-                <a:latin typeface="Segoe UI" pitchFamily="34" charset="0"/>
-                <a:ea typeface="Arial" pitchFamily="-106" charset="0"/>
-                <a:cs typeface="Arial" charset="0"/>
-              </a:rPr>
-              <a:t>SQL Server.</a:t>
-            </a:r>
-          </a:p>
-          <a:p>
-            <a:pPr marL="628650" lvl="1" indent="-171450" rtl="0">
-              <a:buFont typeface="Arial" pitchFamily="34" charset="0"/>
-              <a:buChar char="•"/>
-            </a:pPr>
-            <a:r>
-              <a:rPr lang="en-NZ" sz="900" kern="1200" baseline="0" smtClean="0">
-                <a:solidFill>
-                  <a:schemeClr val="tx1"/>
-                </a:solidFill>
-                <a:effectLst/>
-                <a:latin typeface="Segoe UI" pitchFamily="34" charset="0"/>
-                <a:ea typeface="Arial" pitchFamily="-106" charset="0"/>
-                <a:cs typeface="Arial" charset="0"/>
-              </a:rPr>
-              <a:t>Will need to implement your own session </a:t>
-            </a:r>
-            <a:r>
-              <a:rPr lang="en-NZ" sz="900" kern="1200" baseline="0" err="1" smtClean="0">
-                <a:solidFill>
-                  <a:schemeClr val="tx1"/>
-                </a:solidFill>
-                <a:effectLst/>
-                <a:latin typeface="Segoe UI" pitchFamily="34" charset="0"/>
-                <a:ea typeface="Arial" pitchFamily="-106" charset="0"/>
-                <a:cs typeface="Arial" charset="0"/>
-              </a:rPr>
-              <a:t>cleanup</a:t>
-            </a:r>
-            <a:r>
-              <a:rPr lang="en-NZ" sz="900" kern="1200" baseline="0" smtClean="0">
-                <a:solidFill>
-                  <a:schemeClr val="tx1"/>
-                </a:solidFill>
-                <a:effectLst/>
-                <a:latin typeface="Segoe UI" pitchFamily="34" charset="0"/>
-                <a:ea typeface="Arial" pitchFamily="-106" charset="0"/>
-                <a:cs typeface="Arial" charset="0"/>
-              </a:rPr>
-              <a:t> code for SQL Azure which means you will probably need a custom session state provider</a:t>
-            </a:r>
-          </a:p>
-          <a:p>
-            <a:pPr marL="171450" lvl="0" indent="-171450" rtl="0">
-              <a:buFont typeface="Arial" pitchFamily="34" charset="0"/>
-              <a:buChar char="•"/>
-            </a:pPr>
-            <a:r>
-              <a:rPr lang="en-NZ" sz="900" kern="1200" baseline="0" smtClean="0">
-                <a:solidFill>
-                  <a:schemeClr val="tx1"/>
-                </a:solidFill>
-                <a:effectLst/>
-                <a:latin typeface="Segoe UI" pitchFamily="34" charset="0"/>
-                <a:ea typeface="Arial" pitchFamily="-106" charset="0"/>
-                <a:cs typeface="Arial" charset="0"/>
-              </a:rPr>
-              <a:t>The Windows Azure Storage Provider is SAMPLE CODE ONLY. It should not be relied on for production apps without significant modification</a:t>
-            </a:r>
-          </a:p>
-          <a:p>
-            <a:pPr marL="171450" indent="-171450" rtl="0">
-              <a:buFont typeface="Arial" pitchFamily="34" charset="0"/>
-              <a:buChar char="•"/>
-            </a:pPr>
-            <a:r>
-              <a:rPr lang="en-NZ" sz="900" kern="1200" smtClean="0">
-                <a:solidFill>
-                  <a:schemeClr val="tx1"/>
-                </a:solidFill>
-                <a:effectLst/>
-                <a:latin typeface="Segoe UI" pitchFamily="34" charset="0"/>
-                <a:ea typeface="Arial" pitchFamily="-106" charset="0"/>
-                <a:cs typeface="Arial" charset="0"/>
-              </a:rPr>
-              <a:t>Another</a:t>
-            </a:r>
-            <a:r>
-              <a:rPr lang="en-NZ" sz="900" kern="1200" baseline="0" smtClean="0">
-                <a:solidFill>
-                  <a:schemeClr val="tx1"/>
-                </a:solidFill>
-                <a:effectLst/>
-                <a:latin typeface="Segoe UI" pitchFamily="34" charset="0"/>
-                <a:ea typeface="Arial" pitchFamily="-106" charset="0"/>
-                <a:cs typeface="Arial" charset="0"/>
-              </a:rPr>
-              <a:t> option is to push the state to the client.</a:t>
-            </a:r>
-          </a:p>
-          <a:p>
-            <a:pPr marL="171450" indent="-171450" rtl="0">
-              <a:buFont typeface="Arial" pitchFamily="34" charset="0"/>
-              <a:buChar char="•"/>
-            </a:pPr>
-            <a:r>
-              <a:rPr lang="en-NZ" sz="900" kern="1200" baseline="0" smtClean="0">
-                <a:solidFill>
-                  <a:schemeClr val="tx1"/>
-                </a:solidFill>
-                <a:effectLst/>
-                <a:latin typeface="Segoe UI" pitchFamily="34" charset="0"/>
-                <a:ea typeface="Arial" pitchFamily="-106" charset="0"/>
-                <a:cs typeface="Arial" charset="0"/>
-              </a:rPr>
-              <a:t>Could potentially write a custom session state provider that always persists the state to a cookie</a:t>
-            </a:r>
-          </a:p>
-          <a:p>
-            <a:pPr marL="455375" lvl="1" indent="-171450" rtl="0">
-              <a:buFont typeface="Arial" pitchFamily="34" charset="0"/>
-              <a:buChar char="•"/>
-            </a:pPr>
-            <a:r>
-              <a:rPr lang="en-NZ" sz="900" kern="1200" baseline="0" smtClean="0">
-                <a:solidFill>
-                  <a:schemeClr val="tx1"/>
-                </a:solidFill>
-                <a:effectLst/>
-                <a:latin typeface="Segoe UI" pitchFamily="34" charset="0"/>
-                <a:ea typeface="Arial" pitchFamily="-106" charset="0"/>
-                <a:cs typeface="Arial" charset="0"/>
-              </a:rPr>
-              <a:t>This WILL have performance impact</a:t>
-            </a:r>
-          </a:p>
-          <a:p>
-            <a:pPr marL="171450" marR="0" lvl="0" indent="-171450" algn="l" defTabSz="1218937" rtl="0" eaLnBrk="1" fontAlgn="auto" latinLnBrk="0" hangingPunct="1">
-              <a:lnSpc>
-                <a:spcPct val="90000"/>
-              </a:lnSpc>
-              <a:spcBef>
-                <a:spcPts val="0"/>
-              </a:spcBef>
-              <a:spcAft>
-                <a:spcPts val="444"/>
-              </a:spcAft>
-              <a:buClrTx/>
-              <a:buSzTx/>
-              <a:buFont typeface="Arial" pitchFamily="34" charset="0"/>
-              <a:buChar char="•"/>
-              <a:tabLst/>
-              <a:defRPr/>
-            </a:pPr>
-            <a:r>
-              <a:rPr lang="en-NZ" sz="900" kern="1200" baseline="0" smtClean="0">
-                <a:solidFill>
-                  <a:schemeClr val="tx1"/>
-                </a:solidFill>
-                <a:effectLst/>
-                <a:latin typeface="Segoe UI" pitchFamily="34" charset="0"/>
-                <a:ea typeface="Arial" pitchFamily="-106" charset="0"/>
-                <a:cs typeface="Arial" charset="0"/>
-              </a:rPr>
-              <a:t>Could also use a custom or 3</a:t>
-            </a:r>
-            <a:r>
-              <a:rPr lang="en-NZ" sz="900" kern="1200" baseline="30000" smtClean="0">
-                <a:solidFill>
-                  <a:schemeClr val="tx1"/>
-                </a:solidFill>
-                <a:effectLst/>
-                <a:latin typeface="Segoe UI" pitchFamily="34" charset="0"/>
-                <a:ea typeface="Arial" pitchFamily="-106" charset="0"/>
-                <a:cs typeface="Arial" charset="0"/>
-              </a:rPr>
-              <a:t>rd</a:t>
-            </a:r>
-            <a:r>
-              <a:rPr lang="en-NZ" sz="900" kern="1200" baseline="0" smtClean="0">
-                <a:solidFill>
-                  <a:schemeClr val="tx1"/>
-                </a:solidFill>
-                <a:effectLst/>
-                <a:latin typeface="Segoe UI" pitchFamily="34" charset="0"/>
-                <a:ea typeface="Arial" pitchFamily="-106" charset="0"/>
-                <a:cs typeface="Arial" charset="0"/>
-              </a:rPr>
-              <a:t> party distributed cache to store session state in a shared everything (fully replicated) configuration (e.g. </a:t>
-            </a:r>
-            <a:r>
-              <a:rPr lang="en-NZ" sz="900" kern="1200" baseline="0" err="1" smtClean="0">
-                <a:solidFill>
-                  <a:schemeClr val="tx1"/>
-                </a:solidFill>
-                <a:effectLst/>
-                <a:latin typeface="Segoe UI" pitchFamily="34" charset="0"/>
-                <a:ea typeface="Arial" pitchFamily="-106" charset="0"/>
-                <a:cs typeface="Arial" charset="0"/>
-              </a:rPr>
-              <a:t>memcached</a:t>
-            </a:r>
-            <a:r>
-              <a:rPr lang="en-NZ" sz="900" kern="1200" baseline="0" smtClean="0">
-                <a:solidFill>
-                  <a:schemeClr val="tx1"/>
-                </a:solidFill>
-                <a:effectLst/>
-                <a:latin typeface="Segoe UI" pitchFamily="34" charset="0"/>
-                <a:ea typeface="Arial" pitchFamily="-106" charset="0"/>
-                <a:cs typeface="Arial" charset="0"/>
-              </a:rPr>
-              <a:t>)</a:t>
-            </a:r>
-          </a:p>
-          <a:p>
-            <a:pPr marL="0" lvl="0" indent="0" rtl="0">
-              <a:buFont typeface="Arial" pitchFamily="34" charset="0"/>
-              <a:buNone/>
-            </a:pPr>
-            <a:endParaRPr lang="en-NZ" sz="900" kern="1200" smtClean="0">
-              <a:solidFill>
-                <a:schemeClr val="tx1"/>
-              </a:solidFill>
-              <a:effectLst/>
-              <a:latin typeface="Segoe UI" pitchFamily="34" charset="0"/>
-              <a:ea typeface="Arial" pitchFamily="-106" charset="0"/>
-              <a:cs typeface="Arial" charset="0"/>
-            </a:endParaRPr>
-          </a:p>
-          <a:p>
-            <a:pPr rtl="0"/>
-            <a:r>
-              <a:rPr lang="en-NZ" sz="900" b="1" kern="1200" smtClean="0">
-                <a:solidFill>
-                  <a:schemeClr val="tx1"/>
-                </a:solidFill>
-                <a:effectLst/>
-                <a:latin typeface="Segoe UI" pitchFamily="34" charset="0"/>
-                <a:ea typeface="Arial" pitchFamily="-106" charset="0"/>
-                <a:cs typeface="Arial" charset="0"/>
-              </a:rPr>
-              <a:t>Notes</a:t>
-            </a:r>
-          </a:p>
-          <a:p>
-            <a:pPr rtl="0"/>
-            <a:r>
-              <a:rPr lang="en-NZ" sz="900" b="0" kern="1200" smtClean="0">
-                <a:solidFill>
-                  <a:schemeClr val="tx1"/>
-                </a:solidFill>
-                <a:effectLst/>
-                <a:latin typeface="Segoe UI" pitchFamily="34" charset="0"/>
-                <a:ea typeface="Arial" pitchFamily="-106" charset="0"/>
-                <a:cs typeface="Arial" charset="0"/>
-              </a:rPr>
-              <a:t>3</a:t>
-            </a:r>
-            <a:r>
-              <a:rPr lang="en-NZ" sz="900" b="0" kern="1200" baseline="30000" smtClean="0">
-                <a:solidFill>
-                  <a:schemeClr val="tx1"/>
-                </a:solidFill>
-                <a:effectLst/>
-                <a:latin typeface="Segoe UI" pitchFamily="34" charset="0"/>
-                <a:ea typeface="Arial" pitchFamily="-106" charset="0"/>
-                <a:cs typeface="Arial" charset="0"/>
-              </a:rPr>
-              <a:t>rd</a:t>
-            </a:r>
-            <a:r>
-              <a:rPr lang="en-NZ" sz="900" b="0" kern="1200" smtClean="0">
-                <a:solidFill>
-                  <a:schemeClr val="tx1"/>
-                </a:solidFill>
-                <a:effectLst/>
-                <a:latin typeface="Segoe UI" pitchFamily="34" charset="0"/>
-                <a:ea typeface="Arial" pitchFamily="-106" charset="0"/>
-                <a:cs typeface="Arial" charset="0"/>
-              </a:rPr>
-              <a:t> party </a:t>
-            </a:r>
-            <a:r>
-              <a:rPr lang="en-NZ" sz="900" b="0" kern="1200" err="1" smtClean="0">
-                <a:solidFill>
-                  <a:schemeClr val="tx1"/>
-                </a:solidFill>
-                <a:effectLst/>
-                <a:latin typeface="Segoe UI" pitchFamily="34" charset="0"/>
-                <a:ea typeface="Arial" pitchFamily="-106" charset="0"/>
-                <a:cs typeface="Arial" charset="0"/>
-              </a:rPr>
-              <a:t>Sql</a:t>
-            </a:r>
-            <a:r>
-              <a:rPr lang="en-NZ" sz="900" b="0" kern="1200" smtClean="0">
-                <a:solidFill>
-                  <a:schemeClr val="tx1"/>
-                </a:solidFill>
-                <a:effectLst/>
-                <a:latin typeface="Segoe UI" pitchFamily="34" charset="0"/>
-                <a:ea typeface="Arial" pitchFamily="-106" charset="0"/>
-                <a:cs typeface="Arial" charset="0"/>
-              </a:rPr>
-              <a:t> Azure session state provider</a:t>
-            </a:r>
-          </a:p>
-          <a:p>
-            <a:pPr rtl="0"/>
-            <a:r>
-              <a:rPr lang="en-NZ" sz="900" b="0" kern="1200" smtClean="0">
-                <a:solidFill>
-                  <a:schemeClr val="tx1"/>
-                </a:solidFill>
-                <a:effectLst/>
-                <a:latin typeface="Segoe UI" pitchFamily="34" charset="0"/>
-                <a:ea typeface="Arial" pitchFamily="-106" charset="0"/>
-                <a:cs typeface="Arial" charset="0"/>
-              </a:rPr>
-              <a:t>http://azuresqlsession.codeplex.com/wikipage?title=Home&amp;ProjectName=azuresqlsession</a:t>
-            </a:r>
-          </a:p>
-          <a:p>
-            <a:pPr rtl="0"/>
-            <a:r>
-              <a:rPr lang="en-NZ" sz="900" b="0" kern="1200" smtClean="0">
-                <a:solidFill>
-                  <a:schemeClr val="tx1"/>
-                </a:solidFill>
-                <a:effectLst/>
-                <a:latin typeface="Segoe UI" pitchFamily="34" charset="0"/>
-                <a:ea typeface="Arial" pitchFamily="-106" charset="0"/>
-                <a:cs typeface="Arial" charset="0"/>
-              </a:rPr>
-              <a:t>Cookie size performance</a:t>
-            </a:r>
-            <a:r>
-              <a:rPr lang="en-NZ" sz="900" b="0" kern="1200" baseline="0" smtClean="0">
-                <a:solidFill>
-                  <a:schemeClr val="tx1"/>
-                </a:solidFill>
-                <a:effectLst/>
-                <a:latin typeface="Segoe UI" pitchFamily="34" charset="0"/>
-                <a:ea typeface="Arial" pitchFamily="-106" charset="0"/>
-                <a:cs typeface="Arial" charset="0"/>
-              </a:rPr>
-              <a:t> impact</a:t>
-            </a:r>
-          </a:p>
-          <a:p>
-            <a:pPr rtl="0"/>
-            <a:r>
-              <a:rPr lang="en-NZ" sz="900" b="0" kern="1200" smtClean="0">
-                <a:solidFill>
-                  <a:schemeClr val="tx1"/>
-                </a:solidFill>
-                <a:effectLst/>
-                <a:latin typeface="Segoe UI" pitchFamily="34" charset="0"/>
-                <a:ea typeface="Arial" pitchFamily="-106" charset="0"/>
-                <a:cs typeface="Arial" charset="0"/>
-              </a:rPr>
-              <a:t>http://www.yuiblog.com/blog/2007/03/01/performance-research-part-3/ </a:t>
-            </a:r>
-          </a:p>
-          <a:p>
-            <a:r>
-              <a:rPr lang="en-US" smtClean="0"/>
-              <a:t>http://blogs.msdn.com/b/eugeniop/archive/2010/06/05/windows-azure-architecture-guide-part-2-managing-sessions.aspx</a:t>
-            </a:r>
-          </a:p>
-          <a:p>
-            <a:endParaRPr lang="en-US" smtClean="0"/>
-          </a:p>
-          <a:p>
-            <a:endParaRPr lang="en-US" smtClean="0"/>
-          </a:p>
-          <a:p>
-            <a:endParaRPr lang="en-US" smtClean="0"/>
-          </a:p>
-          <a:p>
             <a:endParaRPr lang="en-US"/>
           </a:p>
         </p:txBody>
@@ -4092,7 +1470,7 @@
     </p:spTree>
     <p:extLst>
       <p:ext uri="{BB962C8B-B14F-4D97-AF65-F5344CB8AC3E}">
-        <p14:creationId xmlns:p14="http://schemas.microsoft.com/office/powerpoint/2010/main" xmlns="" val="1646760294"/>
+        <p14:creationId xmlns="" xmlns:p14="http://schemas.microsoft.com/office/powerpoint/2010/main" val="1646760294"/>
       </p:ext>
     </p:extLst>
   </p:cSld>
@@ -4177,7 +1555,7 @@
     </p:spTree>
     <p:extLst>
       <p:ext uri="{BB962C8B-B14F-4D97-AF65-F5344CB8AC3E}">
-        <p14:creationId xmlns:p14="http://schemas.microsoft.com/office/powerpoint/2010/main" xmlns="" val="3834132863"/>
+        <p14:creationId xmlns="" xmlns:p14="http://schemas.microsoft.com/office/powerpoint/2010/main" val="3834132863"/>
       </p:ext>
     </p:extLst>
   </p:cSld>
@@ -4197,7 +1575,7 @@
             <a:lum/>
             <a:extLst>
               <a:ext uri="{28A0092B-C50C-407E-A947-70E740481C1C}">
-                <a14:useLocalDpi xmlns:a14="http://schemas.microsoft.com/office/drawing/2010/main" xmlns="" val="0"/>
+                <a14:useLocalDpi xmlns="" xmlns:a14="http://schemas.microsoft.com/office/drawing/2010/main" val="0"/>
               </a:ext>
             </a:extLst>
           </a:blip>
@@ -4405,7 +1783,7 @@
     </p:spTree>
     <p:extLst>
       <p:ext uri="{BB962C8B-B14F-4D97-AF65-F5344CB8AC3E}">
-        <p14:creationId xmlns:p14="http://schemas.microsoft.com/office/powerpoint/2010/main" xmlns="" val="3247851305"/>
+        <p14:creationId xmlns="" xmlns:p14="http://schemas.microsoft.com/office/powerpoint/2010/main" val="3247851305"/>
       </p:ext>
     </p:extLst>
   </p:cSld>
@@ -4556,7 +1934,7 @@
     </p:spTree>
     <p:extLst>
       <p:ext uri="{BB962C8B-B14F-4D97-AF65-F5344CB8AC3E}">
-        <p14:creationId xmlns:p14="http://schemas.microsoft.com/office/powerpoint/2010/main" xmlns="" val="1020099824"/>
+        <p14:creationId xmlns="" xmlns:p14="http://schemas.microsoft.com/office/powerpoint/2010/main" val="1020099824"/>
       </p:ext>
     </p:extLst>
   </p:cSld>
@@ -4822,7 +2200,7 @@
     </p:spTree>
     <p:extLst>
       <p:ext uri="{BB962C8B-B14F-4D97-AF65-F5344CB8AC3E}">
-        <p14:creationId xmlns:p14="http://schemas.microsoft.com/office/powerpoint/2010/main" xmlns="" val="3061710331"/>
+        <p14:creationId xmlns="" xmlns:p14="http://schemas.microsoft.com/office/powerpoint/2010/main" val="3061710331"/>
       </p:ext>
     </p:extLst>
   </p:cSld>
@@ -4891,7 +2269,7 @@
     </p:spTree>
     <p:extLst>
       <p:ext uri="{BB962C8B-B14F-4D97-AF65-F5344CB8AC3E}">
-        <p14:creationId xmlns:p14="http://schemas.microsoft.com/office/powerpoint/2010/main" xmlns="" val="1815284288"/>
+        <p14:creationId xmlns="" xmlns:p14="http://schemas.microsoft.com/office/powerpoint/2010/main" val="1815284288"/>
       </p:ext>
     </p:extLst>
   </p:cSld>
@@ -4965,7 +2343,7 @@
     </p:spTree>
     <p:extLst>
       <p:ext uri="{BB962C8B-B14F-4D97-AF65-F5344CB8AC3E}">
-        <p14:creationId xmlns:p14="http://schemas.microsoft.com/office/powerpoint/2010/main" xmlns="" val="2909031574"/>
+        <p14:creationId xmlns="" xmlns:p14="http://schemas.microsoft.com/office/powerpoint/2010/main" val="2909031574"/>
       </p:ext>
     </p:extLst>
   </p:cSld>
@@ -5254,7 +2632,7 @@
     </p:spTree>
     <p:extLst>
       <p:ext uri="{BB962C8B-B14F-4D97-AF65-F5344CB8AC3E}">
-        <p14:creationId xmlns:p14="http://schemas.microsoft.com/office/powerpoint/2010/main" xmlns="" val="517179932"/>
+        <p14:creationId xmlns="" xmlns:p14="http://schemas.microsoft.com/office/powerpoint/2010/main" val="517179932"/>
       </p:ext>
     </p:extLst>
   </p:cSld>
@@ -5294,7 +2672,7 @@
     </p:spTree>
     <p:extLst>
       <p:ext uri="{BB962C8B-B14F-4D97-AF65-F5344CB8AC3E}">
-        <p14:creationId xmlns:p14="http://schemas.microsoft.com/office/powerpoint/2010/main" xmlns="" val="1461056470"/>
+        <p14:creationId xmlns="" xmlns:p14="http://schemas.microsoft.com/office/powerpoint/2010/main" val="1461056470"/>
       </p:ext>
     </p:extLst>
   </p:cSld>
@@ -5737,7 +3115,7 @@
     </p:spTree>
     <p:extLst>
       <p:ext uri="{BB962C8B-B14F-4D97-AF65-F5344CB8AC3E}">
-        <p14:creationId xmlns:p14="http://schemas.microsoft.com/office/powerpoint/2010/main" xmlns="" val="3842700467"/>
+        <p14:creationId xmlns="" xmlns:p14="http://schemas.microsoft.com/office/powerpoint/2010/main" val="3842700467"/>
       </p:ext>
     </p:extLst>
   </p:cSld>
@@ -5766,7 +3144,7 @@
           <a:blip r:embed="rId11">
             <a:extLst>
               <a:ext uri="{28A0092B-C50C-407E-A947-70E740481C1C}">
-                <a14:useLocalDpi xmlns:a14="http://schemas.microsoft.com/office/drawing/2010/main" xmlns="" val="0"/>
+                <a14:useLocalDpi xmlns="" xmlns:a14="http://schemas.microsoft.com/office/drawing/2010/main" val="0"/>
               </a:ext>
             </a:extLst>
           </a:blip>
@@ -5890,7 +3268,7 @@
     </p:spTree>
     <p:extLst>
       <p:ext uri="{BB962C8B-B14F-4D97-AF65-F5344CB8AC3E}">
-        <p14:creationId xmlns:p14="http://schemas.microsoft.com/office/powerpoint/2010/main" xmlns="" val="1605506760"/>
+        <p14:creationId xmlns="" xmlns:p14="http://schemas.microsoft.com/office/powerpoint/2010/main" val="1605506760"/>
       </p:ext>
     </p:extLst>
   </p:cSld>
@@ -6301,11 +3679,7 @@
             </a:br>
             <a:r>
               <a:rPr smtClean="0"/>
-              <a:t> </a:t>
-            </a:r>
-            <a:r>
-              <a:rPr smtClean="0"/>
-              <a:t>        ứng dụng Điện toán đám mây</a:t>
+              <a:t>         ứng dụng Điện toán đám mây</a:t>
             </a:r>
             <a:endParaRPr lang="en-US"/>
           </a:p>
@@ -6434,7 +3808,7 @@
           <a:blip r:embed="rId3">
             <a:extLst>
               <a:ext uri="{28A0092B-C50C-407E-A947-70E740481C1C}">
-                <a14:useLocalDpi xmlns:a14="http://schemas.microsoft.com/office/drawing/2010/main" xmlns="" val="0"/>
+                <a14:useLocalDpi xmlns="" xmlns:a14="http://schemas.microsoft.com/office/drawing/2010/main" val="0"/>
               </a:ext>
             </a:extLst>
           </a:blip>
@@ -6454,7 +3828,7 @@
           <a:noFill/>
           <a:extLst>
             <a:ext uri="{909E8E84-426E-40DD-AFC4-6F175D3DCCD1}">
-              <a14:hiddenFill xmlns:a14="http://schemas.microsoft.com/office/drawing/2010/main" xmlns="">
+              <a14:hiddenFill xmlns="" xmlns:a14="http://schemas.microsoft.com/office/drawing/2010/main">
                 <a:solidFill>
                   <a:srgbClr val="FFFFFF"/>
                 </a:solidFill>
@@ -6466,7 +3840,7 @@
     </p:spTree>
     <p:extLst>
       <p:ext uri="{BB962C8B-B14F-4D97-AF65-F5344CB8AC3E}">
-        <p14:creationId xmlns:p14="http://schemas.microsoft.com/office/powerpoint/2010/main" xmlns="" val="3137854148"/>
+        <p14:creationId xmlns="" xmlns:p14="http://schemas.microsoft.com/office/powerpoint/2010/main" val="3137854148"/>
       </p:ext>
     </p:extLst>
   </p:cSld>
@@ -6474,7 +3848,7 @@
     <a:masterClrMapping/>
   </p:clrMapOvr>
   <mc:AlternateContent xmlns:mc="http://schemas.openxmlformats.org/markup-compatibility/2006">
-    <mc:Choice xmlns:p14="http://schemas.microsoft.com/office/powerpoint/2010/main" xmlns="" Requires="p14">
+    <mc:Choice xmlns="" xmlns:p14="http://schemas.microsoft.com/office/powerpoint/2010/main" Requires="p14">
       <p:transition spd="med" p14:dur="700">
         <p:fade/>
       </p:transition>
@@ -6596,7 +3970,7 @@
     </p:spTree>
     <p:extLst>
       <p:ext uri="{BB962C8B-B14F-4D97-AF65-F5344CB8AC3E}">
-        <p14:creationId xmlns:p14="http://schemas.microsoft.com/office/powerpoint/2010/main" xmlns="" val="213739299"/>
+        <p14:creationId xmlns="" xmlns:p14="http://schemas.microsoft.com/office/powerpoint/2010/main" val="213739299"/>
       </p:ext>
     </p:extLst>
   </p:cSld>
@@ -6906,19 +4280,7 @@
           <a:p>
             <a:r>
               <a:rPr lang="en-US" sz="3200" smtClean="0"/>
-              <a:t>Windows Azure Fabric chứa một một nhóm các máy, tất </a:t>
-            </a:r>
-            <a:r>
-              <a:rPr lang="en-US" sz="3200" smtClean="0"/>
-              <a:t>cả </a:t>
-            </a:r>
-            <a:r>
-              <a:rPr lang="en-US" sz="3200" smtClean="0"/>
-              <a:t>chúng </a:t>
-            </a:r>
-            <a:r>
-              <a:rPr lang="en-US" sz="3200" smtClean="0"/>
-              <a:t>được quản lý bởi một phần mềm gọi là </a:t>
+              <a:t>Windows Azure Fabric chứa một một nhóm các máy, tất cả chúng được quản lý bởi một phần mềm gọi là </a:t>
             </a:r>
             <a:r>
               <a:rPr lang="en-US" sz="3200" i="1" smtClean="0"/>
@@ -7052,15 +4414,7 @@
           <a:p>
             <a:r>
               <a:rPr lang="vi-VN" sz="3200" smtClean="0"/>
-              <a:t>SQL </a:t>
-            </a:r>
-            <a:r>
-              <a:rPr lang="vi-VN" sz="3200" smtClean="0"/>
-              <a:t>Azure sử dụng ngôn ngữ TSQL để tạo cơ sở dữ liệu và thao tác dữ liệu</a:t>
-            </a:r>
-            <a:r>
-              <a:rPr lang="vi-VN" sz="3200" smtClean="0"/>
-              <a:t>. </a:t>
+              <a:t>SQL Azure sử dụng ngôn ngữ TSQL để tạo cơ sở dữ liệu và thao tác dữ liệu. </a:t>
             </a:r>
             <a:endParaRPr lang="en-US" sz="3200" dirty="0" err="1" smtClean="0">
               <a:gradFill>
@@ -7171,113 +4525,50 @@
             <a:pPr lvl="0"/>
             <a:r>
               <a:rPr lang="en-US" smtClean="0"/>
-              <a:t>Quản lí thông tin </a:t>
-            </a:r>
-            <a:r>
-              <a:rPr lang="en-US" smtClean="0"/>
-              <a:t>học </a:t>
-            </a:r>
-            <a:r>
-              <a:rPr lang="en-US" smtClean="0"/>
-              <a:t>sinh</a:t>
-            </a:r>
-            <a:endParaRPr lang="en-US" smtClean="0"/>
+              <a:t>Quản lí thông tin học sinh</a:t>
+            </a:r>
           </a:p>
           <a:p>
             <a:pPr lvl="0"/>
             <a:r>
               <a:rPr lang="en-US" smtClean="0"/>
-              <a:t>Quản lí </a:t>
-            </a:r>
-            <a:r>
-              <a:rPr lang="en-US" smtClean="0"/>
-              <a:t>lớp </a:t>
-            </a:r>
-            <a:r>
-              <a:rPr lang="en-US" smtClean="0"/>
-              <a:t>học</a:t>
-            </a:r>
-            <a:endParaRPr lang="en-US" smtClean="0"/>
+              <a:t>Quản lí lớp học</a:t>
+            </a:r>
           </a:p>
           <a:p>
             <a:pPr lvl="0"/>
             <a:r>
               <a:rPr lang="en-US" smtClean="0"/>
-              <a:t>Quản lí lời nhắn khẩn đến </a:t>
-            </a:r>
-            <a:r>
-              <a:rPr lang="en-US" smtClean="0"/>
-              <a:t>phụ </a:t>
-            </a:r>
-            <a:r>
-              <a:rPr lang="en-US" smtClean="0"/>
-              <a:t>huynh</a:t>
-            </a:r>
-            <a:endParaRPr lang="en-US" smtClean="0"/>
+              <a:t>Quản lí lời nhắn khẩn đến phụ huynh</a:t>
+            </a:r>
           </a:p>
           <a:p>
             <a:pPr lvl="0"/>
             <a:r>
               <a:rPr lang="en-US" smtClean="0"/>
-              <a:t>Phụ huynh </a:t>
-            </a:r>
-            <a:r>
-              <a:rPr lang="en-US" smtClean="0"/>
-              <a:t>góp </a:t>
-            </a:r>
-            <a:r>
-              <a:rPr lang="en-US" smtClean="0"/>
-              <a:t>ý</a:t>
-            </a:r>
-            <a:endParaRPr lang="en-US" smtClean="0"/>
+              <a:t>Phụ huynh góp ý</a:t>
+            </a:r>
           </a:p>
           <a:p>
             <a:pPr lvl="0"/>
             <a:r>
               <a:rPr lang="en-US" smtClean="0"/>
-              <a:t>Quản lí </a:t>
-            </a:r>
-            <a:r>
-              <a:rPr lang="en-US" smtClean="0"/>
-              <a:t>danh </a:t>
-            </a:r>
-            <a:r>
-              <a:rPr lang="en-US" smtClean="0"/>
-              <a:t>mục</a:t>
-            </a:r>
-            <a:endParaRPr lang="en-US" smtClean="0"/>
+              <a:t>Quản lí danh mục</a:t>
+            </a:r>
           </a:p>
           <a:p>
             <a:pPr lvl="0"/>
             <a:r>
               <a:rPr lang="en-US" smtClean="0"/>
-              <a:t>Quản lí </a:t>
-            </a:r>
-            <a:r>
-              <a:rPr lang="en-US" smtClean="0"/>
-              <a:t>người </a:t>
-            </a:r>
-            <a:r>
-              <a:rPr lang="en-US" smtClean="0"/>
-              <a:t>dùng</a:t>
-            </a:r>
-            <a:endParaRPr lang="en-US" smtClean="0"/>
+              <a:t>Quản lí người dùng</a:t>
+            </a:r>
           </a:p>
           <a:p>
             <a:pPr lvl="0"/>
             <a:r>
               <a:rPr lang="en-US" smtClean="0"/>
-              <a:t>Báo cáo </a:t>
-            </a:r>
-            <a:r>
-              <a:rPr lang="en-US" smtClean="0"/>
-              <a:t>thống </a:t>
-            </a:r>
-            <a:r>
-              <a:rPr lang="en-US" smtClean="0"/>
-              <a:t>kê</a:t>
-            </a:r>
-            <a:endParaRPr lang="en-US" smtClean="0"/>
+              <a:t>Báo cáo thống kê</a:t>
+            </a:r>
           </a:p>
           <a:p>
             <a:pPr>
@@ -7390,7 +4681,7 @@
     </p:spTree>
     <p:extLst>
       <p:ext uri="{BB962C8B-B14F-4D97-AF65-F5344CB8AC3E}">
-        <p14:creationId xmlns:p14="http://schemas.microsoft.com/office/powerpoint/2010/main" xmlns="" val="1953245266"/>
+        <p14:creationId xmlns="" xmlns:p14="http://schemas.microsoft.com/office/powerpoint/2010/main" val="1953245266"/>
       </p:ext>
     </p:extLst>
   </p:cSld>
@@ -7398,7 +4689,7 @@
     <a:masterClrMapping/>
   </p:clrMapOvr>
   <mc:AlternateContent xmlns:mc="http://schemas.openxmlformats.org/markup-compatibility/2006">
-    <mc:Choice xmlns:p14="http://schemas.microsoft.com/office/powerpoint/2010/main" xmlns="" Requires="p14">
+    <mc:Choice xmlns="" xmlns:p14="http://schemas.microsoft.com/office/powerpoint/2010/main" Requires="p14">
       <p:transition spd="med" p14:dur="700">
         <p:fade/>
       </p:transition>
@@ -7483,7 +4774,6 @@
               <a:rPr lang="en-US" sz="2800" smtClean="0"/>
               <a:t>Tìm hiểu về điện toán đám mây</a:t>
             </a:r>
-            <a:endParaRPr lang="en-US" sz="2800" smtClean="0"/>
           </a:p>
           <a:p>
             <a:pPr lvl="1"/>
@@ -7491,7 +4781,6 @@
               <a:rPr lang="en-US" sz="2400" smtClean="0"/>
               <a:t>Kiến trúc tổng quan</a:t>
             </a:r>
-            <a:endParaRPr lang="en-US" sz="2400" smtClean="0"/>
           </a:p>
           <a:p>
             <a:pPr lvl="1"/>
@@ -7499,7 +4788,6 @@
               <a:rPr lang="en-US" sz="2400" smtClean="0"/>
               <a:t>Lợi ích mà điện toán đám mây mang lại</a:t>
             </a:r>
-            <a:endParaRPr lang="en-US" sz="2400" smtClean="0"/>
           </a:p>
           <a:p>
             <a:pPr lvl="1"/>
@@ -7507,7 +4795,6 @@
               <a:rPr lang="en-US" sz="2400" smtClean="0"/>
               <a:t>Cách thức vận hành</a:t>
             </a:r>
-            <a:endParaRPr lang="en-US" sz="2400" smtClean="0"/>
           </a:p>
           <a:p>
             <a:pPr lvl="1"/>
@@ -7521,21 +4808,19 @@
               <a:rPr lang="en-US" sz="2800" smtClean="0"/>
               <a:t>Tìm hiểu các dịch vụ của điện toán đám mây</a:t>
             </a:r>
-            <a:endParaRPr lang="en-US" sz="2800" smtClean="0"/>
           </a:p>
           <a:p>
             <a:r>
               <a:rPr lang="en-US" sz="2800" smtClean="0"/>
               <a:t>Triển khai ứng dụng sổ liên lạc điện tử trên nền Windows Azure</a:t>
             </a:r>
-            <a:endParaRPr lang="en-US" sz="2800" smtClean="0"/>
           </a:p>
         </p:txBody>
       </p:sp>
     </p:spTree>
     <p:extLst>
       <p:ext uri="{BB962C8B-B14F-4D97-AF65-F5344CB8AC3E}">
-        <p14:creationId xmlns:p14="http://schemas.microsoft.com/office/powerpoint/2010/main" xmlns="" val="105799648"/>
+        <p14:creationId xmlns="" xmlns:p14="http://schemas.microsoft.com/office/powerpoint/2010/main" val="105799648"/>
       </p:ext>
     </p:extLst>
   </p:cSld>
@@ -7543,7 +4828,7 @@
     <a:masterClrMapping/>
   </p:clrMapOvr>
   <mc:AlternateContent xmlns:mc="http://schemas.openxmlformats.org/markup-compatibility/2006">
-    <mc:Choice xmlns:p14="http://schemas.microsoft.com/office/powerpoint/2010/main" xmlns="" Requires="p14">
+    <mc:Choice xmlns="" xmlns:p14="http://schemas.microsoft.com/office/powerpoint/2010/main" Requires="p14">
       <p:transition spd="med" p14:dur="700">
         <p:fade/>
       </p:transition>
@@ -7619,7 +4904,7 @@
     </p:spTree>
     <p:extLst>
       <p:ext uri="{BB962C8B-B14F-4D97-AF65-F5344CB8AC3E}">
-        <p14:creationId xmlns:p14="http://schemas.microsoft.com/office/powerpoint/2010/main" xmlns="" val="1914767878"/>
+        <p14:creationId xmlns="" xmlns:p14="http://schemas.microsoft.com/office/powerpoint/2010/main" val="1914767878"/>
       </p:ext>
     </p:extLst>
   </p:cSld>
@@ -7703,7 +4988,6 @@
               <a:rPr lang="en-US" sz="3000" smtClean="0"/>
               <a:t>Một số khái niệm điện toán đám mây  :</a:t>
             </a:r>
-            <a:endParaRPr lang="en-US" sz="3000" smtClean="0"/>
           </a:p>
           <a:p>
             <a:pPr lvl="1"/>
@@ -7760,7 +5044,7 @@
     </p:spTree>
     <p:extLst>
       <p:ext uri="{BB962C8B-B14F-4D97-AF65-F5344CB8AC3E}">
-        <p14:creationId xmlns:p14="http://schemas.microsoft.com/office/powerpoint/2010/main" xmlns="" val="621892126"/>
+        <p14:creationId xmlns="" xmlns:p14="http://schemas.microsoft.com/office/powerpoint/2010/main" val="621892126"/>
       </p:ext>
     </p:extLst>
   </p:cSld>
@@ -7869,75 +5153,35 @@
             <a:pPr lvl="0"/>
             <a:r>
               <a:rPr lang="en-US" smtClean="0"/>
-              <a:t>Tiết kiệm và giảm </a:t>
-            </a:r>
-            <a:r>
-              <a:rPr lang="en-US" smtClean="0"/>
-              <a:t>chi </a:t>
-            </a:r>
-            <a:r>
-              <a:rPr lang="en-US" smtClean="0"/>
-              <a:t>phí</a:t>
+              <a:t>Tiết kiệm và giảm chi phí</a:t>
             </a:r>
           </a:p>
           <a:p>
             <a:pPr lvl="0"/>
             <a:r>
               <a:rPr lang="en-US" smtClean="0"/>
-              <a:t>Tốc độ xử </a:t>
-            </a:r>
-            <a:r>
-              <a:rPr lang="en-US" smtClean="0"/>
-              <a:t>lý </a:t>
-            </a:r>
-            <a:r>
-              <a:rPr lang="en-US" smtClean="0"/>
-              <a:t>nhanh</a:t>
+              <a:t>Tốc độ xử lý nhanh</a:t>
             </a:r>
           </a:p>
           <a:p>
             <a:pPr lvl="0"/>
             <a:r>
               <a:rPr lang="en-US" smtClean="0"/>
-              <a:t>Đa </a:t>
-            </a:r>
-            <a:r>
-              <a:rPr lang="en-US" smtClean="0"/>
-              <a:t>phương </a:t>
-            </a:r>
-            <a:r>
-              <a:rPr lang="en-US" smtClean="0"/>
-              <a:t>tiện</a:t>
+              <a:t>Đa phương tiện</a:t>
             </a:r>
           </a:p>
           <a:p>
             <a:pPr lvl="0"/>
             <a:r>
               <a:rPr lang="en-US" smtClean="0"/>
-              <a:t>Tính </a:t>
-            </a:r>
-            <a:r>
-              <a:rPr lang="en-US" smtClean="0"/>
-              <a:t>co </a:t>
-            </a:r>
-            <a:r>
-              <a:rPr lang="en-US" smtClean="0"/>
-              <a:t>giãn</a:t>
+              <a:t>Tính co giãn</a:t>
             </a:r>
           </a:p>
           <a:p>
             <a:pPr lvl="0"/>
             <a:r>
               <a:rPr lang="en-US" smtClean="0"/>
-              <a:t>Bảo trì và </a:t>
-            </a:r>
-            <a:r>
-              <a:rPr lang="en-US" smtClean="0"/>
-              <a:t>sửa </a:t>
-            </a:r>
-            <a:r>
-              <a:rPr lang="en-US" smtClean="0"/>
-              <a:t>chữa</a:t>
+              <a:t>Bảo trì và sửa chữa</a:t>
             </a:r>
           </a:p>
           <a:p>
@@ -7953,7 +5197,7 @@
     </p:spTree>
     <p:extLst>
       <p:ext uri="{BB962C8B-B14F-4D97-AF65-F5344CB8AC3E}">
-        <p14:creationId xmlns:p14="http://schemas.microsoft.com/office/powerpoint/2010/main" xmlns="" val="2925076787"/>
+        <p14:creationId xmlns="" xmlns:p14="http://schemas.microsoft.com/office/powerpoint/2010/main" val="2925076787"/>
       </p:ext>
     </p:extLst>
   </p:cSld>
@@ -8015,182 +5259,6 @@
       </p:sp>
       <p:sp>
         <p:nvSpPr>
-          <p:cNvPr id="32" name="Rectangle 31"/>
-          <p:cNvSpPr/>
-          <p:nvPr/>
-        </p:nvSpPr>
-        <p:spPr>
-          <a:xfrm>
-            <a:off x="2081212" y="5772089"/>
-            <a:ext cx="3327400" cy="621907"/>
-          </a:xfrm>
-          <a:prstGeom prst="rect">
-            <a:avLst/>
-          </a:prstGeom>
-          <a:gradFill>
-            <a:gsLst>
-              <a:gs pos="0">
-                <a:srgbClr val="FFFFFF">
-                  <a:alpha val="93000"/>
-                </a:srgbClr>
-              </a:gs>
-              <a:gs pos="100000">
-                <a:srgbClr val="FFFFFF">
-                  <a:alpha val="0"/>
-                </a:srgbClr>
-              </a:gs>
-            </a:gsLst>
-            <a:path path="circle">
-              <a:fillToRect l="50000" t="50000" r="50000" b="50000"/>
-            </a:path>
-          </a:gradFill>
-        </p:spPr>
-        <p:txBody>
-          <a:bodyPr wrap="square" lIns="0" tIns="0" rIns="0" bIns="0" rtlCol="0" anchor="ctr">
-            <a:noAutofit/>
-          </a:bodyPr>
-          <a:lstStyle/>
-          <a:p>
-            <a:pPr algn="ctr">
-              <a:lnSpc>
-                <a:spcPct val="80000"/>
-              </a:lnSpc>
-            </a:pPr>
-            <a:r>
-              <a:rPr lang="en-US" b="1" smtClean="0">
-                <a:gradFill>
-                  <a:gsLst>
-                    <a:gs pos="0">
-                      <a:srgbClr val="000000">
-                        <a:alpha val="86000"/>
-                      </a:srgbClr>
-                    </a:gs>
-                    <a:gs pos="100000">
-                      <a:srgbClr val="000000">
-                        <a:alpha val="68000"/>
-                      </a:srgbClr>
-                    </a:gs>
-                  </a:gsLst>
-                  <a:lin ang="5400000" scaled="1"/>
-                </a:gradFill>
-                <a:effectLst>
-                  <a:outerShdw blurRad="381000" sx="102000" sy="102000" algn="ctr" rotWithShape="0">
-                    <a:srgbClr val="FFFFFF">
-                      <a:alpha val="40000"/>
-                    </a:srgbClr>
-                  </a:outerShdw>
-                </a:effectLst>
-                <a:latin typeface="Segoe Condensed" pitchFamily="34" charset="0"/>
-              </a:rPr>
-              <a:t>SQL Azure</a:t>
-            </a:r>
-          </a:p>
-        </p:txBody>
-      </p:sp>
-      <p:sp>
-        <p:nvSpPr>
-          <p:cNvPr id="33" name="Rectangle 32"/>
-          <p:cNvSpPr/>
-          <p:nvPr/>
-        </p:nvSpPr>
-        <p:spPr>
-          <a:xfrm>
-            <a:off x="6591843" y="5784396"/>
-            <a:ext cx="3312569" cy="616404"/>
-          </a:xfrm>
-          <a:prstGeom prst="rect">
-            <a:avLst/>
-          </a:prstGeom>
-          <a:gradFill>
-            <a:gsLst>
-              <a:gs pos="0">
-                <a:srgbClr val="FFFFFF">
-                  <a:alpha val="93000"/>
-                </a:srgbClr>
-              </a:gs>
-              <a:gs pos="100000">
-                <a:srgbClr val="FFFFFF">
-                  <a:alpha val="0"/>
-                </a:srgbClr>
-              </a:gs>
-            </a:gsLst>
-            <a:path path="circle">
-              <a:fillToRect l="50000" t="50000" r="50000" b="50000"/>
-            </a:path>
-          </a:gradFill>
-        </p:spPr>
-        <p:txBody>
-          <a:bodyPr wrap="square" lIns="0" tIns="0" rIns="0" bIns="0" rtlCol="0" anchor="ctr">
-            <a:noAutofit/>
-          </a:bodyPr>
-          <a:lstStyle/>
-          <a:p>
-            <a:pPr algn="ctr">
-              <a:lnSpc>
-                <a:spcPct val="80000"/>
-              </a:lnSpc>
-            </a:pPr>
-            <a:r>
-              <a:rPr lang="en-US" b="1" smtClean="0">
-                <a:gradFill>
-                  <a:gsLst>
-                    <a:gs pos="0">
-                      <a:srgbClr val="000000">
-                        <a:alpha val="86000"/>
-                      </a:srgbClr>
-                    </a:gs>
-                    <a:gs pos="100000">
-                      <a:srgbClr val="000000">
-                        <a:alpha val="68000"/>
-                      </a:srgbClr>
-                    </a:gs>
-                  </a:gsLst>
-                  <a:lin ang="5400000" scaled="1"/>
-                </a:gradFill>
-                <a:effectLst>
-                  <a:outerShdw blurRad="381000" sx="102000" sy="102000" algn="ctr" rotWithShape="0">
-                    <a:srgbClr val="FFFFFF">
-                      <a:alpha val="40000"/>
-                    </a:srgbClr>
-                  </a:outerShdw>
-                </a:effectLst>
-                <a:latin typeface="Segoe Condensed" pitchFamily="34" charset="0"/>
-              </a:rPr>
-              <a:t>Windows Azure Storage</a:t>
-            </a:r>
-          </a:p>
-        </p:txBody>
-      </p:sp>
-      <p:pic>
-        <p:nvPicPr>
-          <p:cNvPr id="34" name="Picture 4" descr="C:\Users\maryfj\Desktop\DVD_ART35\Artwork_Imagery\Icons - Illustrations\_XML ICONS\Database 4 blue.png"/>
-          <p:cNvPicPr>
-            <a:picLocks noChangeAspect="1" noChangeArrowheads="1"/>
-          </p:cNvPicPr>
-          <p:nvPr/>
-        </p:nvPicPr>
-        <p:blipFill>
-          <a:blip r:embed="rId3" cstate="print">
-            <a:grayscl/>
-          </a:blip>
-          <a:srcRect/>
-          <a:stretch>
-            <a:fillRect/>
-          </a:stretch>
-        </p:blipFill>
-        <p:spPr bwMode="auto">
-          <a:xfrm>
-            <a:off x="5560997" y="5624390"/>
-            <a:ext cx="945762" cy="769606"/>
-          </a:xfrm>
-          <a:prstGeom prst="rect">
-            <a:avLst/>
-          </a:prstGeom>
-          <a:noFill/>
-        </p:spPr>
-      </p:pic>
-      <p:sp>
-        <p:nvSpPr>
           <p:cNvPr id="30" name="Content Placeholder 2"/>
           <p:cNvSpPr>
             <a:spLocks noGrp="1"/>
@@ -8220,15 +5288,23 @@
             </a:r>
             <a:r>
               <a:rPr lang="vi-VN" smtClean="0"/>
-              <a:t> </a:t>
-            </a:r>
+              <a:t> cung cấp</a:t>
+            </a:r>
+            <a:endParaRPr lang="en-US" smtClean="0"/>
+          </a:p>
+          <a:p>
+            <a:pPr lvl="0"/>
             <a:r>
               <a:rPr lang="vi-VN" smtClean="0"/>
-              <a:t>cung </a:t>
-            </a:r>
+              <a:t>Bảo mật và kiểm tra dữ liệu</a:t>
+            </a:r>
+            <a:endParaRPr lang="en-US" smtClean="0"/>
+          </a:p>
+          <a:p>
+            <a:pPr lvl="0"/>
             <a:r>
               <a:rPr lang="vi-VN" smtClean="0"/>
-              <a:t>cấp</a:t>
+              <a:t>Tắc nghẽn trên đường truyền dữ liệu</a:t>
             </a:r>
             <a:endParaRPr lang="en-US" smtClean="0"/>
           </a:p>
@@ -8236,47 +5312,7 @@
             <a:pPr lvl="0"/>
             <a:r>
               <a:rPr lang="vi-VN" smtClean="0"/>
-              <a:t>Bảo mật và kiểm tra </a:t>
-            </a:r>
-            <a:r>
-              <a:rPr lang="vi-VN" smtClean="0"/>
-              <a:t>dữ </a:t>
-            </a:r>
-            <a:r>
-              <a:rPr lang="vi-VN" smtClean="0"/>
-              <a:t>liệu</a:t>
-            </a:r>
-            <a:endParaRPr lang="en-US" smtClean="0"/>
-          </a:p>
-          <a:p>
-            <a:pPr lvl="0"/>
-            <a:r>
-              <a:rPr lang="vi-VN" smtClean="0"/>
-              <a:t>Tắc nghẽn trên đường truyền </a:t>
-            </a:r>
-            <a:r>
-              <a:rPr lang="vi-VN" smtClean="0"/>
-              <a:t>dữ </a:t>
-            </a:r>
-            <a:r>
-              <a:rPr lang="vi-VN" smtClean="0"/>
-              <a:t>liệu</a:t>
-            </a:r>
-            <a:endParaRPr lang="en-US" smtClean="0"/>
-          </a:p>
-          <a:p>
-            <a:pPr lvl="0"/>
-            <a:r>
-              <a:rPr lang="vi-VN" smtClean="0"/>
-              <a:t>Nhu cầu lưu trữ </a:t>
-            </a:r>
-            <a:r>
-              <a:rPr lang="vi-VN" smtClean="0"/>
-              <a:t>người </a:t>
-            </a:r>
-            <a:r>
-              <a:rPr lang="vi-VN" smtClean="0"/>
-              <a:t>dùng</a:t>
+              <a:t>Nhu cầu lưu trữ người dùng</a:t>
             </a:r>
             <a:endParaRPr lang="en-US"/>
           </a:p>
@@ -8285,7 +5321,7 @@
     </p:spTree>
     <p:extLst>
       <p:ext uri="{BB962C8B-B14F-4D97-AF65-F5344CB8AC3E}">
-        <p14:creationId xmlns:p14="http://schemas.microsoft.com/office/powerpoint/2010/main" xmlns="" val="157625841"/>
+        <p14:creationId xmlns="" xmlns:p14="http://schemas.microsoft.com/office/powerpoint/2010/main" val="157625841"/>
       </p:ext>
     </p:extLst>
   </p:cSld>
@@ -8423,7 +5459,7 @@
     </p:spTree>
     <p:extLst>
       <p:ext uri="{BB962C8B-B14F-4D97-AF65-F5344CB8AC3E}">
-        <p14:creationId xmlns:p14="http://schemas.microsoft.com/office/powerpoint/2010/main" xmlns="" val="1842052250"/>
+        <p14:creationId xmlns="" xmlns:p14="http://schemas.microsoft.com/office/powerpoint/2010/main" val="1842052250"/>
       </p:ext>
     </p:extLst>
   </p:cSld>
@@ -8536,7 +5572,7 @@
     </p:spTree>
     <p:extLst>
       <p:ext uri="{BB962C8B-B14F-4D97-AF65-F5344CB8AC3E}">
-        <p14:creationId xmlns:p14="http://schemas.microsoft.com/office/powerpoint/2010/main" xmlns="" val="2128772033"/>
+        <p14:creationId xmlns="" xmlns:p14="http://schemas.microsoft.com/office/powerpoint/2010/main" val="2128772033"/>
       </p:ext>
     </p:extLst>
   </p:cSld>
@@ -8621,7 +5657,7 @@
           <a:blip r:embed="rId3">
             <a:extLst>
               <a:ext uri="{28A0092B-C50C-407E-A947-70E740481C1C}">
-                <a14:useLocalDpi xmlns:a14="http://schemas.microsoft.com/office/drawing/2010/main" xmlns="" val="0"/>
+                <a14:useLocalDpi xmlns="" xmlns:a14="http://schemas.microsoft.com/office/drawing/2010/main" val="0"/>
               </a:ext>
             </a:extLst>
           </a:blip>
@@ -8641,7 +5677,7 @@
           <a:noFill/>
           <a:extLst>
             <a:ext uri="{909E8E84-426E-40DD-AFC4-6F175D3DCCD1}">
-              <a14:hiddenFill xmlns:a14="http://schemas.microsoft.com/office/drawing/2010/main" xmlns="">
+              <a14:hiddenFill xmlns="" xmlns:a14="http://schemas.microsoft.com/office/drawing/2010/main">
                 <a:solidFill>
                   <a:srgbClr val="FFFFFF"/>
                 </a:solidFill>
@@ -8653,7 +5689,7 @@
     </p:spTree>
     <p:extLst>
       <p:ext uri="{BB962C8B-B14F-4D97-AF65-F5344CB8AC3E}">
-        <p14:creationId xmlns:p14="http://schemas.microsoft.com/office/powerpoint/2010/main" xmlns="" val="3737023050"/>
+        <p14:creationId xmlns="" xmlns:p14="http://schemas.microsoft.com/office/powerpoint/2010/main" val="3737023050"/>
       </p:ext>
     </p:extLst>
   </p:cSld>

--- a/Project_Management/Báo cáo khóa luận/Presentation.pptx
+++ b/Project_Management/Báo cáo khóa luận/Presentation.pptx
@@ -346,7 +346,7 @@
     </p:spTree>
     <p:extLst>
       <p:ext uri="{BB962C8B-B14F-4D97-AF65-F5344CB8AC3E}">
-        <p14:creationId xmlns="" xmlns:p14="http://schemas.microsoft.com/office/powerpoint/2010/main" val="4144106037"/>
+        <p14:creationId xmlns:p14="http://schemas.microsoft.com/office/powerpoint/2010/main" xmlns="" val="4144106037"/>
       </p:ext>
     </p:extLst>
   </p:cSld>
@@ -656,7 +656,7 @@
     </p:spTree>
     <p:extLst>
       <p:ext uri="{BB962C8B-B14F-4D97-AF65-F5344CB8AC3E}">
-        <p14:creationId xmlns="" xmlns:p14="http://schemas.microsoft.com/office/powerpoint/2010/main" val="2509398179"/>
+        <p14:creationId xmlns:p14="http://schemas.microsoft.com/office/powerpoint/2010/main" xmlns="" val="2509398179"/>
       </p:ext>
     </p:extLst>
   </p:cSld>
@@ -869,7 +869,7 @@
     </p:spTree>
     <p:extLst>
       <p:ext uri="{BB962C8B-B14F-4D97-AF65-F5344CB8AC3E}">
-        <p14:creationId xmlns="" xmlns:p14="http://schemas.microsoft.com/office/powerpoint/2010/main" val="2845516244"/>
+        <p14:creationId xmlns:p14="http://schemas.microsoft.com/office/powerpoint/2010/main" xmlns="" val="2845516244"/>
       </p:ext>
     </p:extLst>
   </p:cSld>
@@ -956,7 +956,7 @@
     </p:spTree>
     <p:extLst>
       <p:ext uri="{BB962C8B-B14F-4D97-AF65-F5344CB8AC3E}">
-        <p14:creationId xmlns="" xmlns:p14="http://schemas.microsoft.com/office/powerpoint/2010/main" val="4039217810"/>
+        <p14:creationId xmlns:p14="http://schemas.microsoft.com/office/powerpoint/2010/main" xmlns="" val="4039217810"/>
       </p:ext>
     </p:extLst>
   </p:cSld>
@@ -1041,7 +1041,7 @@
     </p:spTree>
     <p:extLst>
       <p:ext uri="{BB962C8B-B14F-4D97-AF65-F5344CB8AC3E}">
-        <p14:creationId xmlns="" xmlns:p14="http://schemas.microsoft.com/office/powerpoint/2010/main" val="2804445639"/>
+        <p14:creationId xmlns:p14="http://schemas.microsoft.com/office/powerpoint/2010/main" xmlns="" val="2804445639"/>
       </p:ext>
     </p:extLst>
   </p:cSld>
@@ -1126,7 +1126,7 @@
     </p:spTree>
     <p:extLst>
       <p:ext uri="{BB962C8B-B14F-4D97-AF65-F5344CB8AC3E}">
-        <p14:creationId xmlns="" xmlns:p14="http://schemas.microsoft.com/office/powerpoint/2010/main" val="1595051432"/>
+        <p14:creationId xmlns:p14="http://schemas.microsoft.com/office/powerpoint/2010/main" xmlns="" val="1595051432"/>
       </p:ext>
     </p:extLst>
   </p:cSld>
@@ -1213,7 +1213,7 @@
     </p:spTree>
     <p:extLst>
       <p:ext uri="{BB962C8B-B14F-4D97-AF65-F5344CB8AC3E}">
-        <p14:creationId xmlns="" xmlns:p14="http://schemas.microsoft.com/office/powerpoint/2010/main" val="4231630105"/>
+        <p14:creationId xmlns:p14="http://schemas.microsoft.com/office/powerpoint/2010/main" xmlns="" val="4231630105"/>
       </p:ext>
     </p:extLst>
   </p:cSld>
@@ -1298,7 +1298,7 @@
     </p:spTree>
     <p:extLst>
       <p:ext uri="{BB962C8B-B14F-4D97-AF65-F5344CB8AC3E}">
-        <p14:creationId xmlns="" xmlns:p14="http://schemas.microsoft.com/office/powerpoint/2010/main" val="3062717443"/>
+        <p14:creationId xmlns:p14="http://schemas.microsoft.com/office/powerpoint/2010/main" xmlns="" val="3062717443"/>
       </p:ext>
     </p:extLst>
   </p:cSld>
@@ -1383,7 +1383,7 @@
     </p:spTree>
     <p:extLst>
       <p:ext uri="{BB962C8B-B14F-4D97-AF65-F5344CB8AC3E}">
-        <p14:creationId xmlns="" xmlns:p14="http://schemas.microsoft.com/office/powerpoint/2010/main" val="46531105"/>
+        <p14:creationId xmlns:p14="http://schemas.microsoft.com/office/powerpoint/2010/main" xmlns="" val="46531105"/>
       </p:ext>
     </p:extLst>
   </p:cSld>
@@ -1470,7 +1470,7 @@
     </p:spTree>
     <p:extLst>
       <p:ext uri="{BB962C8B-B14F-4D97-AF65-F5344CB8AC3E}">
-        <p14:creationId xmlns="" xmlns:p14="http://schemas.microsoft.com/office/powerpoint/2010/main" val="1646760294"/>
+        <p14:creationId xmlns:p14="http://schemas.microsoft.com/office/powerpoint/2010/main" xmlns="" val="1646760294"/>
       </p:ext>
     </p:extLst>
   </p:cSld>
@@ -1555,7 +1555,7 @@
     </p:spTree>
     <p:extLst>
       <p:ext uri="{BB962C8B-B14F-4D97-AF65-F5344CB8AC3E}">
-        <p14:creationId xmlns="" xmlns:p14="http://schemas.microsoft.com/office/powerpoint/2010/main" val="3834132863"/>
+        <p14:creationId xmlns:p14="http://schemas.microsoft.com/office/powerpoint/2010/main" xmlns="" val="3834132863"/>
       </p:ext>
     </p:extLst>
   </p:cSld>
@@ -1575,7 +1575,7 @@
             <a:lum/>
             <a:extLst>
               <a:ext uri="{28A0092B-C50C-407E-A947-70E740481C1C}">
-                <a14:useLocalDpi xmlns="" xmlns:a14="http://schemas.microsoft.com/office/drawing/2010/main" val="0"/>
+                <a14:useLocalDpi xmlns:a14="http://schemas.microsoft.com/office/drawing/2010/main" xmlns="" val="0"/>
               </a:ext>
             </a:extLst>
           </a:blip>
@@ -1783,7 +1783,7 @@
     </p:spTree>
     <p:extLst>
       <p:ext uri="{BB962C8B-B14F-4D97-AF65-F5344CB8AC3E}">
-        <p14:creationId xmlns="" xmlns:p14="http://schemas.microsoft.com/office/powerpoint/2010/main" val="3247851305"/>
+        <p14:creationId xmlns:p14="http://schemas.microsoft.com/office/powerpoint/2010/main" xmlns="" val="3247851305"/>
       </p:ext>
     </p:extLst>
   </p:cSld>
@@ -1934,7 +1934,7 @@
     </p:spTree>
     <p:extLst>
       <p:ext uri="{BB962C8B-B14F-4D97-AF65-F5344CB8AC3E}">
-        <p14:creationId xmlns="" xmlns:p14="http://schemas.microsoft.com/office/powerpoint/2010/main" val="1020099824"/>
+        <p14:creationId xmlns:p14="http://schemas.microsoft.com/office/powerpoint/2010/main" xmlns="" val="1020099824"/>
       </p:ext>
     </p:extLst>
   </p:cSld>
@@ -2200,7 +2200,7 @@
     </p:spTree>
     <p:extLst>
       <p:ext uri="{BB962C8B-B14F-4D97-AF65-F5344CB8AC3E}">
-        <p14:creationId xmlns="" xmlns:p14="http://schemas.microsoft.com/office/powerpoint/2010/main" val="3061710331"/>
+        <p14:creationId xmlns:p14="http://schemas.microsoft.com/office/powerpoint/2010/main" xmlns="" val="3061710331"/>
       </p:ext>
     </p:extLst>
   </p:cSld>
@@ -2269,7 +2269,7 @@
     </p:spTree>
     <p:extLst>
       <p:ext uri="{BB962C8B-B14F-4D97-AF65-F5344CB8AC3E}">
-        <p14:creationId xmlns="" xmlns:p14="http://schemas.microsoft.com/office/powerpoint/2010/main" val="1815284288"/>
+        <p14:creationId xmlns:p14="http://schemas.microsoft.com/office/powerpoint/2010/main" xmlns="" val="1815284288"/>
       </p:ext>
     </p:extLst>
   </p:cSld>
@@ -2343,7 +2343,7 @@
     </p:spTree>
     <p:extLst>
       <p:ext uri="{BB962C8B-B14F-4D97-AF65-F5344CB8AC3E}">
-        <p14:creationId xmlns="" xmlns:p14="http://schemas.microsoft.com/office/powerpoint/2010/main" val="2909031574"/>
+        <p14:creationId xmlns:p14="http://schemas.microsoft.com/office/powerpoint/2010/main" xmlns="" val="2909031574"/>
       </p:ext>
     </p:extLst>
   </p:cSld>
@@ -2632,7 +2632,7 @@
     </p:spTree>
     <p:extLst>
       <p:ext uri="{BB962C8B-B14F-4D97-AF65-F5344CB8AC3E}">
-        <p14:creationId xmlns="" xmlns:p14="http://schemas.microsoft.com/office/powerpoint/2010/main" val="517179932"/>
+        <p14:creationId xmlns:p14="http://schemas.microsoft.com/office/powerpoint/2010/main" xmlns="" val="517179932"/>
       </p:ext>
     </p:extLst>
   </p:cSld>
@@ -2672,7 +2672,7 @@
     </p:spTree>
     <p:extLst>
       <p:ext uri="{BB962C8B-B14F-4D97-AF65-F5344CB8AC3E}">
-        <p14:creationId xmlns="" xmlns:p14="http://schemas.microsoft.com/office/powerpoint/2010/main" val="1461056470"/>
+        <p14:creationId xmlns:p14="http://schemas.microsoft.com/office/powerpoint/2010/main" xmlns="" val="1461056470"/>
       </p:ext>
     </p:extLst>
   </p:cSld>
@@ -3115,7 +3115,7 @@
     </p:spTree>
     <p:extLst>
       <p:ext uri="{BB962C8B-B14F-4D97-AF65-F5344CB8AC3E}">
-        <p14:creationId xmlns="" xmlns:p14="http://schemas.microsoft.com/office/powerpoint/2010/main" val="3842700467"/>
+        <p14:creationId xmlns:p14="http://schemas.microsoft.com/office/powerpoint/2010/main" xmlns="" val="3842700467"/>
       </p:ext>
     </p:extLst>
   </p:cSld>
@@ -3144,7 +3144,7 @@
           <a:blip r:embed="rId11">
             <a:extLst>
               <a:ext uri="{28A0092B-C50C-407E-A947-70E740481C1C}">
-                <a14:useLocalDpi xmlns="" xmlns:a14="http://schemas.microsoft.com/office/drawing/2010/main" val="0"/>
+                <a14:useLocalDpi xmlns:a14="http://schemas.microsoft.com/office/drawing/2010/main" xmlns="" val="0"/>
               </a:ext>
             </a:extLst>
           </a:blip>
@@ -3268,7 +3268,7 @@
     </p:spTree>
     <p:extLst>
       <p:ext uri="{BB962C8B-B14F-4D97-AF65-F5344CB8AC3E}">
-        <p14:creationId xmlns="" xmlns:p14="http://schemas.microsoft.com/office/powerpoint/2010/main" val="1605506760"/>
+        <p14:creationId xmlns:p14="http://schemas.microsoft.com/office/powerpoint/2010/main" xmlns="" val="1605506760"/>
       </p:ext>
     </p:extLst>
   </p:cSld>
@@ -3672,14 +3672,7 @@
           <a:p>
             <a:r>
               <a:rPr smtClean="0"/>
-              <a:t>Sổ liên lạc điển tử</a:t>
-            </a:r>
-            <a:br>
-              <a:rPr smtClean="0"/>
-            </a:br>
-            <a:r>
-              <a:rPr smtClean="0"/>
-              <a:t>         ứng dụng Điện toán đám mây</a:t>
+              <a:t>Nghiên cứu nền tảng điện toán đám mây, ứng dụng triển khai sổ liên lạc trực tuyến.</a:t>
             </a:r>
             <a:endParaRPr lang="en-US"/>
           </a:p>
@@ -3697,7 +3690,7 @@
         </p:nvSpPr>
         <p:spPr>
           <a:xfrm>
-            <a:off x="938244" y="4489745"/>
+            <a:off x="938244" y="4114800"/>
             <a:ext cx="11149012" cy="463255"/>
           </a:xfrm>
         </p:spPr>
@@ -3746,8 +3739,14 @@
               <a:t> </a:t>
             </a:r>
             <a:r>
-              <a:rPr lang="en-US" err="1" smtClean="0"/>
+              <a:rPr lang="en-US" smtClean="0"/>
               <a:t>Hạnh</a:t>
+            </a:r>
+          </a:p>
+          <a:p>
+            <a:r>
+              <a:rPr lang="en-US" smtClean="0"/>
+              <a:t>GVHD : Thầy Phan Trung Hiếu</a:t>
             </a:r>
             <a:endParaRPr lang="en-US"/>
           </a:p>
@@ -3808,7 +3807,7 @@
           <a:blip r:embed="rId3">
             <a:extLst>
               <a:ext uri="{28A0092B-C50C-407E-A947-70E740481C1C}">
-                <a14:useLocalDpi xmlns="" xmlns:a14="http://schemas.microsoft.com/office/drawing/2010/main" val="0"/>
+                <a14:useLocalDpi xmlns:a14="http://schemas.microsoft.com/office/drawing/2010/main" xmlns="" val="0"/>
               </a:ext>
             </a:extLst>
           </a:blip>
@@ -3828,7 +3827,7 @@
           <a:noFill/>
           <a:extLst>
             <a:ext uri="{909E8E84-426E-40DD-AFC4-6F175D3DCCD1}">
-              <a14:hiddenFill xmlns="" xmlns:a14="http://schemas.microsoft.com/office/drawing/2010/main">
+              <a14:hiddenFill xmlns:a14="http://schemas.microsoft.com/office/drawing/2010/main" xmlns="">
                 <a:solidFill>
                   <a:srgbClr val="FFFFFF"/>
                 </a:solidFill>
@@ -3840,7 +3839,7 @@
     </p:spTree>
     <p:extLst>
       <p:ext uri="{BB962C8B-B14F-4D97-AF65-F5344CB8AC3E}">
-        <p14:creationId xmlns="" xmlns:p14="http://schemas.microsoft.com/office/powerpoint/2010/main" val="3137854148"/>
+        <p14:creationId xmlns:p14="http://schemas.microsoft.com/office/powerpoint/2010/main" xmlns="" val="3137854148"/>
       </p:ext>
     </p:extLst>
   </p:cSld>
@@ -3848,7 +3847,7 @@
     <a:masterClrMapping/>
   </p:clrMapOvr>
   <mc:AlternateContent xmlns:mc="http://schemas.openxmlformats.org/markup-compatibility/2006">
-    <mc:Choice xmlns="" xmlns:p14="http://schemas.microsoft.com/office/powerpoint/2010/main" Requires="p14">
+    <mc:Choice xmlns:p14="http://schemas.microsoft.com/office/powerpoint/2010/main" xmlns="" Requires="p14">
       <p:transition spd="med" p14:dur="700">
         <p:fade/>
       </p:transition>
@@ -3970,7 +3969,7 @@
     </p:spTree>
     <p:extLst>
       <p:ext uri="{BB962C8B-B14F-4D97-AF65-F5344CB8AC3E}">
-        <p14:creationId xmlns="" xmlns:p14="http://schemas.microsoft.com/office/powerpoint/2010/main" val="213739299"/>
+        <p14:creationId xmlns:p14="http://schemas.microsoft.com/office/powerpoint/2010/main" xmlns="" val="213739299"/>
       </p:ext>
     </p:extLst>
   </p:cSld>
@@ -4102,6 +4101,13 @@
   <p:transition>
     <p:fade/>
   </p:transition>
+  <p:timing>
+    <p:tnLst>
+      <p:par>
+        <p:cTn id="1" dur="indefinite" restart="never" nodeType="tmRoot"/>
+      </p:par>
+    </p:tnLst>
+  </p:timing>
 </p:sld>
 </file>
 
@@ -4183,6 +4189,13 @@
   <p:transition>
     <p:fade/>
   </p:transition>
+  <p:timing>
+    <p:tnLst>
+      <p:par>
+        <p:cTn id="1" dur="indefinite" restart="never" nodeType="tmRoot"/>
+      </p:par>
+    </p:tnLst>
+  </p:timing>
 </p:sld>
 </file>
 
@@ -4317,6 +4330,13 @@
   <p:transition>
     <p:fade/>
   </p:transition>
+  <p:timing>
+    <p:tnLst>
+      <p:par>
+        <p:cTn id="1" dur="indefinite" restart="never" nodeType="tmRoot"/>
+      </p:par>
+    </p:tnLst>
+  </p:timing>
 </p:sld>
 </file>
 
@@ -4586,6 +4606,13 @@
   <p:transition>
     <p:fade/>
   </p:transition>
+  <p:timing>
+    <p:tnLst>
+      <p:par>
+        <p:cTn id="1" dur="indefinite" restart="never" nodeType="tmRoot"/>
+      </p:par>
+    </p:tnLst>
+  </p:timing>
 </p:sld>
 </file>
 
@@ -4681,7 +4708,7 @@
     </p:spTree>
     <p:extLst>
       <p:ext uri="{BB962C8B-B14F-4D97-AF65-F5344CB8AC3E}">
-        <p14:creationId xmlns="" xmlns:p14="http://schemas.microsoft.com/office/powerpoint/2010/main" val="1953245266"/>
+        <p14:creationId xmlns:p14="http://schemas.microsoft.com/office/powerpoint/2010/main" xmlns="" val="1953245266"/>
       </p:ext>
     </p:extLst>
   </p:cSld>
@@ -4689,7 +4716,7 @@
     <a:masterClrMapping/>
   </p:clrMapOvr>
   <mc:AlternateContent xmlns:mc="http://schemas.openxmlformats.org/markup-compatibility/2006">
-    <mc:Choice xmlns="" xmlns:p14="http://schemas.microsoft.com/office/powerpoint/2010/main" Requires="p14">
+    <mc:Choice xmlns:p14="http://schemas.microsoft.com/office/powerpoint/2010/main" xmlns="" Requires="p14">
       <p:transition spd="med" p14:dur="700">
         <p:fade/>
       </p:transition>
@@ -4820,7 +4847,7 @@
     </p:spTree>
     <p:extLst>
       <p:ext uri="{BB962C8B-B14F-4D97-AF65-F5344CB8AC3E}">
-        <p14:creationId xmlns="" xmlns:p14="http://schemas.microsoft.com/office/powerpoint/2010/main" val="105799648"/>
+        <p14:creationId xmlns:p14="http://schemas.microsoft.com/office/powerpoint/2010/main" xmlns="" val="105799648"/>
       </p:ext>
     </p:extLst>
   </p:cSld>
@@ -4828,7 +4855,7 @@
     <a:masterClrMapping/>
   </p:clrMapOvr>
   <mc:AlternateContent xmlns:mc="http://schemas.openxmlformats.org/markup-compatibility/2006">
-    <mc:Choice xmlns="" xmlns:p14="http://schemas.microsoft.com/office/powerpoint/2010/main" Requires="p14">
+    <mc:Choice xmlns:p14="http://schemas.microsoft.com/office/powerpoint/2010/main" xmlns="" Requires="p14">
       <p:transition spd="med" p14:dur="700">
         <p:fade/>
       </p:transition>
@@ -4904,7 +4931,7 @@
     </p:spTree>
     <p:extLst>
       <p:ext uri="{BB962C8B-B14F-4D97-AF65-F5344CB8AC3E}">
-        <p14:creationId xmlns="" xmlns:p14="http://schemas.microsoft.com/office/powerpoint/2010/main" val="1914767878"/>
+        <p14:creationId xmlns:p14="http://schemas.microsoft.com/office/powerpoint/2010/main" xmlns="" val="1914767878"/>
       </p:ext>
     </p:extLst>
   </p:cSld>
@@ -5044,7 +5071,7 @@
     </p:spTree>
     <p:extLst>
       <p:ext uri="{BB962C8B-B14F-4D97-AF65-F5344CB8AC3E}">
-        <p14:creationId xmlns="" xmlns:p14="http://schemas.microsoft.com/office/powerpoint/2010/main" val="621892126"/>
+        <p14:creationId xmlns:p14="http://schemas.microsoft.com/office/powerpoint/2010/main" xmlns="" val="621892126"/>
       </p:ext>
     </p:extLst>
   </p:cSld>
@@ -5197,7 +5224,7 @@
     </p:spTree>
     <p:extLst>
       <p:ext uri="{BB962C8B-B14F-4D97-AF65-F5344CB8AC3E}">
-        <p14:creationId xmlns="" xmlns:p14="http://schemas.microsoft.com/office/powerpoint/2010/main" val="2925076787"/>
+        <p14:creationId xmlns:p14="http://schemas.microsoft.com/office/powerpoint/2010/main" xmlns="" val="2925076787"/>
       </p:ext>
     </p:extLst>
   </p:cSld>
@@ -5321,7 +5348,7 @@
     </p:spTree>
     <p:extLst>
       <p:ext uri="{BB962C8B-B14F-4D97-AF65-F5344CB8AC3E}">
-        <p14:creationId xmlns="" xmlns:p14="http://schemas.microsoft.com/office/powerpoint/2010/main" val="157625841"/>
+        <p14:creationId xmlns:p14="http://schemas.microsoft.com/office/powerpoint/2010/main" xmlns="" val="157625841"/>
       </p:ext>
     </p:extLst>
   </p:cSld>
@@ -5459,7 +5486,7 @@
     </p:spTree>
     <p:extLst>
       <p:ext uri="{BB962C8B-B14F-4D97-AF65-F5344CB8AC3E}">
-        <p14:creationId xmlns="" xmlns:p14="http://schemas.microsoft.com/office/powerpoint/2010/main" val="1842052250"/>
+        <p14:creationId xmlns:p14="http://schemas.microsoft.com/office/powerpoint/2010/main" xmlns="" val="1842052250"/>
       </p:ext>
     </p:extLst>
   </p:cSld>
@@ -5572,7 +5599,7 @@
     </p:spTree>
     <p:extLst>
       <p:ext uri="{BB962C8B-B14F-4D97-AF65-F5344CB8AC3E}">
-        <p14:creationId xmlns="" xmlns:p14="http://schemas.microsoft.com/office/powerpoint/2010/main" val="2128772033"/>
+        <p14:creationId xmlns:p14="http://schemas.microsoft.com/office/powerpoint/2010/main" xmlns="" val="2128772033"/>
       </p:ext>
     </p:extLst>
   </p:cSld>
@@ -5657,7 +5684,7 @@
           <a:blip r:embed="rId3">
             <a:extLst>
               <a:ext uri="{28A0092B-C50C-407E-A947-70E740481C1C}">
-                <a14:useLocalDpi xmlns="" xmlns:a14="http://schemas.microsoft.com/office/drawing/2010/main" val="0"/>
+                <a14:useLocalDpi xmlns:a14="http://schemas.microsoft.com/office/drawing/2010/main" xmlns="" val="0"/>
               </a:ext>
             </a:extLst>
           </a:blip>
@@ -5677,7 +5704,7 @@
           <a:noFill/>
           <a:extLst>
             <a:ext uri="{909E8E84-426E-40DD-AFC4-6F175D3DCCD1}">
-              <a14:hiddenFill xmlns="" xmlns:a14="http://schemas.microsoft.com/office/drawing/2010/main">
+              <a14:hiddenFill xmlns:a14="http://schemas.microsoft.com/office/drawing/2010/main" xmlns="">
                 <a:solidFill>
                   <a:srgbClr val="FFFFFF"/>
                 </a:solidFill>
@@ -5689,7 +5716,7 @@
     </p:spTree>
     <p:extLst>
       <p:ext uri="{BB962C8B-B14F-4D97-AF65-F5344CB8AC3E}">
-        <p14:creationId xmlns="" xmlns:p14="http://schemas.microsoft.com/office/powerpoint/2010/main" val="3737023050"/>
+        <p14:creationId xmlns:p14="http://schemas.microsoft.com/office/powerpoint/2010/main" xmlns="" val="3737023050"/>
       </p:ext>
     </p:extLst>
   </p:cSld>

--- a/Project_Management/Báo cáo khóa luận/Presentation.pptx
+++ b/Project_Management/Báo cáo khóa luận/Presentation.pptx
@@ -5,28 +5,33 @@
     <p:sldMasterId id="2147483740" r:id="rId1"/>
   </p:sldMasterIdLst>
   <p:notesMasterIdLst>
-    <p:notesMasterId r:id="rId18"/>
+    <p:notesMasterId r:id="rId23"/>
   </p:notesMasterIdLst>
   <p:handoutMasterIdLst>
-    <p:handoutMasterId r:id="rId19"/>
+    <p:handoutMasterId r:id="rId24"/>
   </p:handoutMasterIdLst>
   <p:sldIdLst>
     <p:sldId id="256" r:id="rId2"/>
-    <p:sldId id="258" r:id="rId3"/>
-    <p:sldId id="267" r:id="rId4"/>
-    <p:sldId id="269" r:id="rId5"/>
-    <p:sldId id="271" r:id="rId6"/>
-    <p:sldId id="272" r:id="rId7"/>
-    <p:sldId id="291" r:id="rId8"/>
-    <p:sldId id="270" r:id="rId9"/>
-    <p:sldId id="273" r:id="rId10"/>
-    <p:sldId id="289" r:id="rId11"/>
-    <p:sldId id="294" r:id="rId12"/>
-    <p:sldId id="295" r:id="rId13"/>
-    <p:sldId id="296" r:id="rId14"/>
-    <p:sldId id="297" r:id="rId15"/>
-    <p:sldId id="298" r:id="rId16"/>
-    <p:sldId id="266" r:id="rId17"/>
+    <p:sldId id="299" r:id="rId3"/>
+    <p:sldId id="306" r:id="rId4"/>
+    <p:sldId id="305" r:id="rId5"/>
+    <p:sldId id="304" r:id="rId6"/>
+    <p:sldId id="308" r:id="rId7"/>
+    <p:sldId id="309" r:id="rId8"/>
+    <p:sldId id="310" r:id="rId9"/>
+    <p:sldId id="312" r:id="rId10"/>
+    <p:sldId id="313" r:id="rId11"/>
+    <p:sldId id="307" r:id="rId12"/>
+    <p:sldId id="314" r:id="rId13"/>
+    <p:sldId id="316" r:id="rId14"/>
+    <p:sldId id="317" r:id="rId15"/>
+    <p:sldId id="318" r:id="rId16"/>
+    <p:sldId id="320" r:id="rId17"/>
+    <p:sldId id="303" r:id="rId18"/>
+    <p:sldId id="302" r:id="rId19"/>
+    <p:sldId id="301" r:id="rId20"/>
+    <p:sldId id="300" r:id="rId21"/>
+    <p:sldId id="266" r:id="rId22"/>
   </p:sldIdLst>
   <p:sldSz cx="12188825" cy="6858000"/>
   <p:notesSz cx="6858000" cy="9144000"/>
@@ -228,7 +233,7 @@
                 <a:latin typeface="Segoe UI" pitchFamily="34" charset="0"/>
               </a:rPr>
               <a:pPr/>
-              <a:t>17/12/2011</a:t>
+              <a:t>27/12/2011</a:t>
             </a:fld>
             <a:endParaRPr lang="en-US">
               <a:latin typeface="Segoe UI" pitchFamily="34" charset="0"/>
@@ -346,7 +351,7 @@
     </p:spTree>
     <p:extLst>
       <p:ext uri="{BB962C8B-B14F-4D97-AF65-F5344CB8AC3E}">
-        <p14:creationId xmlns:p14="http://schemas.microsoft.com/office/powerpoint/2010/main" xmlns="" val="4144106037"/>
+        <p14:creationId xmlns="" xmlns:p14="http://schemas.microsoft.com/office/powerpoint/2010/main" val="4144106037"/>
       </p:ext>
     </p:extLst>
   </p:cSld>
@@ -445,7 +450,7 @@
             <a:fld id="{7C3FBCD4-166E-446F-AF18-7D4A0CF9AEF6}" type="datetimeFigureOut">
               <a:rPr lang="en-US" smtClean="0"/>
               <a:pPr/>
-              <a:t>17/12/2011</a:t>
+              <a:t>27/12/2011</a:t>
             </a:fld>
             <a:endParaRPr lang="en-US"/>
           </a:p>
@@ -656,7 +661,7 @@
     </p:spTree>
     <p:extLst>
       <p:ext uri="{BB962C8B-B14F-4D97-AF65-F5344CB8AC3E}">
-        <p14:creationId xmlns:p14="http://schemas.microsoft.com/office/powerpoint/2010/main" xmlns="" val="2509398179"/>
+        <p14:creationId xmlns="" xmlns:p14="http://schemas.microsoft.com/office/powerpoint/2010/main" val="2509398179"/>
       </p:ext>
     </p:extLst>
   </p:cSld>
@@ -869,7 +874,7 @@
     </p:spTree>
     <p:extLst>
       <p:ext uri="{BB962C8B-B14F-4D97-AF65-F5344CB8AC3E}">
-        <p14:creationId xmlns:p14="http://schemas.microsoft.com/office/powerpoint/2010/main" xmlns="" val="2845516244"/>
+        <p14:creationId xmlns="" xmlns:p14="http://schemas.microsoft.com/office/powerpoint/2010/main" val="2845516244"/>
       </p:ext>
     </p:extLst>
   </p:cSld>
@@ -921,7 +926,7 @@
         <p:spPr/>
         <p:txBody>
           <a:bodyPr>
-            <a:normAutofit lnSpcReduction="10000"/>
+            <a:normAutofit fontScale="92500"/>
           </a:bodyPr>
           <a:lstStyle/>
           <a:p>
@@ -947,7 +952,7 @@
             <a:fld id="{8B263312-38AA-4E1E-B2B5-0F8F122B24FE}" type="slidenum">
               <a:rPr lang="en-US" smtClean="0"/>
               <a:pPr/>
-              <a:t>2</a:t>
+              <a:t>9</a:t>
             </a:fld>
             <a:endParaRPr lang="en-US"/>
           </a:p>
@@ -956,7 +961,7 @@
     </p:spTree>
     <p:extLst>
       <p:ext uri="{BB962C8B-B14F-4D97-AF65-F5344CB8AC3E}">
-        <p14:creationId xmlns:p14="http://schemas.microsoft.com/office/powerpoint/2010/main" xmlns="" val="4039217810"/>
+        <p14:creationId xmlns="" xmlns:p14="http://schemas.microsoft.com/office/powerpoint/2010/main" val="4231630105"/>
       </p:ext>
     </p:extLst>
   </p:cSld>
@@ -1032,7 +1037,7 @@
             <a:fld id="{8B263312-38AA-4E1E-B2B5-0F8F122B24FE}" type="slidenum">
               <a:rPr lang="en-US" smtClean="0"/>
               <a:pPr/>
-              <a:t>3</a:t>
+              <a:t>21</a:t>
             </a:fld>
             <a:endParaRPr lang="en-US"/>
           </a:p>
@@ -1041,521 +1046,7 @@
     </p:spTree>
     <p:extLst>
       <p:ext uri="{BB962C8B-B14F-4D97-AF65-F5344CB8AC3E}">
-        <p14:creationId xmlns:p14="http://schemas.microsoft.com/office/powerpoint/2010/main" xmlns="" val="2804445639"/>
-      </p:ext>
-    </p:extLst>
-  </p:cSld>
-  <p:clrMapOvr>
-    <a:masterClrMapping/>
-  </p:clrMapOvr>
-</p:notes>
-</file>
-
-<file path=ppt/notesSlides/notesSlide4.xml><?xml version="1.0" encoding="utf-8"?>
-<p:notes xmlns:a="http://schemas.openxmlformats.org/drawingml/2006/main" xmlns:r="http://schemas.openxmlformats.org/officeDocument/2006/relationships" xmlns:p="http://schemas.openxmlformats.org/presentationml/2006/main">
-  <p:cSld>
-    <p:spTree>
-      <p:nvGrpSpPr>
-        <p:cNvPr id="1" name=""/>
-        <p:cNvGrpSpPr/>
-        <p:nvPr/>
-      </p:nvGrpSpPr>
-      <p:grpSpPr>
-        <a:xfrm>
-          <a:off x="0" y="0"/>
-          <a:ext cx="0" cy="0"/>
-          <a:chOff x="0" y="0"/>
-          <a:chExt cx="0" cy="0"/>
-        </a:xfrm>
-      </p:grpSpPr>
-      <p:sp>
-        <p:nvSpPr>
-          <p:cNvPr id="2" name="Slide Image Placeholder 1"/>
-          <p:cNvSpPr>
-            <a:spLocks noGrp="1" noRot="1" noChangeAspect="1"/>
-          </p:cNvSpPr>
-          <p:nvPr>
-            <p:ph type="sldImg"/>
-          </p:nvPr>
-        </p:nvSpPr>
-        <p:spPr/>
-      </p:sp>
-      <p:sp>
-        <p:nvSpPr>
-          <p:cNvPr id="3" name="Notes Placeholder 2"/>
-          <p:cNvSpPr>
-            <a:spLocks noGrp="1"/>
-          </p:cNvSpPr>
-          <p:nvPr>
-            <p:ph type="body" idx="1"/>
-          </p:nvPr>
-        </p:nvSpPr>
-        <p:spPr/>
-        <p:txBody>
-          <a:bodyPr/>
-          <a:lstStyle/>
-          <a:p>
-            <a:endParaRPr lang="en-US"/>
-          </a:p>
-        </p:txBody>
-      </p:sp>
-      <p:sp>
-        <p:nvSpPr>
-          <p:cNvPr id="4" name="Slide Number Placeholder 3"/>
-          <p:cNvSpPr>
-            <a:spLocks noGrp="1"/>
-          </p:cNvSpPr>
-          <p:nvPr>
-            <p:ph type="sldNum" sz="quarter" idx="10"/>
-          </p:nvPr>
-        </p:nvSpPr>
-        <p:spPr/>
-        <p:txBody>
-          <a:bodyPr/>
-          <a:lstStyle/>
-          <a:p>
-            <a:fld id="{8B263312-38AA-4E1E-B2B5-0F8F122B24FE}" type="slidenum">
-              <a:rPr lang="en-US" smtClean="0"/>
-              <a:pPr/>
-              <a:t>4</a:t>
-            </a:fld>
-            <a:endParaRPr lang="en-US"/>
-          </a:p>
-        </p:txBody>
-      </p:sp>
-    </p:spTree>
-    <p:extLst>
-      <p:ext uri="{BB962C8B-B14F-4D97-AF65-F5344CB8AC3E}">
-        <p14:creationId xmlns:p14="http://schemas.microsoft.com/office/powerpoint/2010/main" xmlns="" val="1595051432"/>
-      </p:ext>
-    </p:extLst>
-  </p:cSld>
-  <p:clrMapOvr>
-    <a:masterClrMapping/>
-  </p:clrMapOvr>
-</p:notes>
-</file>
-
-<file path=ppt/notesSlides/notesSlide5.xml><?xml version="1.0" encoding="utf-8"?>
-<p:notes xmlns:a="http://schemas.openxmlformats.org/drawingml/2006/main" xmlns:r="http://schemas.openxmlformats.org/officeDocument/2006/relationships" xmlns:p="http://schemas.openxmlformats.org/presentationml/2006/main">
-  <p:cSld>
-    <p:spTree>
-      <p:nvGrpSpPr>
-        <p:cNvPr id="1" name=""/>
-        <p:cNvGrpSpPr/>
-        <p:nvPr/>
-      </p:nvGrpSpPr>
-      <p:grpSpPr>
-        <a:xfrm>
-          <a:off x="0" y="0"/>
-          <a:ext cx="0" cy="0"/>
-          <a:chOff x="0" y="0"/>
-          <a:chExt cx="0" cy="0"/>
-        </a:xfrm>
-      </p:grpSpPr>
-      <p:sp>
-        <p:nvSpPr>
-          <p:cNvPr id="2" name="Slide Image Placeholder 1"/>
-          <p:cNvSpPr>
-            <a:spLocks noGrp="1" noRot="1" noChangeAspect="1"/>
-          </p:cNvSpPr>
-          <p:nvPr>
-            <p:ph type="sldImg"/>
-          </p:nvPr>
-        </p:nvSpPr>
-        <p:spPr/>
-      </p:sp>
-      <p:sp>
-        <p:nvSpPr>
-          <p:cNvPr id="3" name="Notes Placeholder 2"/>
-          <p:cNvSpPr>
-            <a:spLocks noGrp="1"/>
-          </p:cNvSpPr>
-          <p:nvPr>
-            <p:ph type="body" idx="1"/>
-          </p:nvPr>
-        </p:nvSpPr>
-        <p:spPr/>
-        <p:txBody>
-          <a:bodyPr>
-            <a:normAutofit fontScale="92500"/>
-          </a:bodyPr>
-          <a:lstStyle/>
-          <a:p>
-            <a:endParaRPr lang="en-US"/>
-          </a:p>
-        </p:txBody>
-      </p:sp>
-      <p:sp>
-        <p:nvSpPr>
-          <p:cNvPr id="4" name="Slide Number Placeholder 3"/>
-          <p:cNvSpPr>
-            <a:spLocks noGrp="1"/>
-          </p:cNvSpPr>
-          <p:nvPr>
-            <p:ph type="sldNum" sz="quarter" idx="10"/>
-          </p:nvPr>
-        </p:nvSpPr>
-        <p:spPr/>
-        <p:txBody>
-          <a:bodyPr/>
-          <a:lstStyle/>
-          <a:p>
-            <a:fld id="{8B263312-38AA-4E1E-B2B5-0F8F122B24FE}" type="slidenum">
-              <a:rPr lang="en-US" smtClean="0"/>
-              <a:pPr/>
-              <a:t>5</a:t>
-            </a:fld>
-            <a:endParaRPr lang="en-US"/>
-          </a:p>
-        </p:txBody>
-      </p:sp>
-    </p:spTree>
-    <p:extLst>
-      <p:ext uri="{BB962C8B-B14F-4D97-AF65-F5344CB8AC3E}">
-        <p14:creationId xmlns:p14="http://schemas.microsoft.com/office/powerpoint/2010/main" xmlns="" val="4231630105"/>
-      </p:ext>
-    </p:extLst>
-  </p:cSld>
-  <p:clrMapOvr>
-    <a:masterClrMapping/>
-  </p:clrMapOvr>
-</p:notes>
-</file>
-
-<file path=ppt/notesSlides/notesSlide6.xml><?xml version="1.0" encoding="utf-8"?>
-<p:notes xmlns:a="http://schemas.openxmlformats.org/drawingml/2006/main" xmlns:r="http://schemas.openxmlformats.org/officeDocument/2006/relationships" xmlns:p="http://schemas.openxmlformats.org/presentationml/2006/main">
-  <p:cSld>
-    <p:spTree>
-      <p:nvGrpSpPr>
-        <p:cNvPr id="1" name=""/>
-        <p:cNvGrpSpPr/>
-        <p:nvPr/>
-      </p:nvGrpSpPr>
-      <p:grpSpPr>
-        <a:xfrm>
-          <a:off x="0" y="0"/>
-          <a:ext cx="0" cy="0"/>
-          <a:chOff x="0" y="0"/>
-          <a:chExt cx="0" cy="0"/>
-        </a:xfrm>
-      </p:grpSpPr>
-      <p:sp>
-        <p:nvSpPr>
-          <p:cNvPr id="2" name="Slide Image Placeholder 1"/>
-          <p:cNvSpPr>
-            <a:spLocks noGrp="1" noRot="1" noChangeAspect="1"/>
-          </p:cNvSpPr>
-          <p:nvPr>
-            <p:ph type="sldImg"/>
-          </p:nvPr>
-        </p:nvSpPr>
-        <p:spPr/>
-      </p:sp>
-      <p:sp>
-        <p:nvSpPr>
-          <p:cNvPr id="3" name="Notes Placeholder 2"/>
-          <p:cNvSpPr>
-            <a:spLocks noGrp="1"/>
-          </p:cNvSpPr>
-          <p:nvPr>
-            <p:ph type="body" idx="1"/>
-          </p:nvPr>
-        </p:nvSpPr>
-        <p:spPr/>
-        <p:txBody>
-          <a:bodyPr/>
-          <a:lstStyle/>
-          <a:p>
-            <a:endParaRPr lang="en-US"/>
-          </a:p>
-        </p:txBody>
-      </p:sp>
-      <p:sp>
-        <p:nvSpPr>
-          <p:cNvPr id="4" name="Slide Number Placeholder 3"/>
-          <p:cNvSpPr>
-            <a:spLocks noGrp="1"/>
-          </p:cNvSpPr>
-          <p:nvPr>
-            <p:ph type="sldNum" sz="quarter" idx="10"/>
-          </p:nvPr>
-        </p:nvSpPr>
-        <p:spPr/>
-        <p:txBody>
-          <a:bodyPr/>
-          <a:lstStyle/>
-          <a:p>
-            <a:fld id="{8B263312-38AA-4E1E-B2B5-0F8F122B24FE}" type="slidenum">
-              <a:rPr lang="en-US" smtClean="0"/>
-              <a:pPr/>
-              <a:t>6</a:t>
-            </a:fld>
-            <a:endParaRPr lang="en-US"/>
-          </a:p>
-        </p:txBody>
-      </p:sp>
-    </p:spTree>
-    <p:extLst>
-      <p:ext uri="{BB962C8B-B14F-4D97-AF65-F5344CB8AC3E}">
-        <p14:creationId xmlns:p14="http://schemas.microsoft.com/office/powerpoint/2010/main" xmlns="" val="3062717443"/>
-      </p:ext>
-    </p:extLst>
-  </p:cSld>
-  <p:clrMapOvr>
-    <a:masterClrMapping/>
-  </p:clrMapOvr>
-</p:notes>
-</file>
-
-<file path=ppt/notesSlides/notesSlide7.xml><?xml version="1.0" encoding="utf-8"?>
-<p:notes xmlns:a="http://schemas.openxmlformats.org/drawingml/2006/main" xmlns:r="http://schemas.openxmlformats.org/officeDocument/2006/relationships" xmlns:p="http://schemas.openxmlformats.org/presentationml/2006/main">
-  <p:cSld>
-    <p:spTree>
-      <p:nvGrpSpPr>
-        <p:cNvPr id="1" name=""/>
-        <p:cNvGrpSpPr/>
-        <p:nvPr/>
-      </p:nvGrpSpPr>
-      <p:grpSpPr>
-        <a:xfrm>
-          <a:off x="0" y="0"/>
-          <a:ext cx="0" cy="0"/>
-          <a:chOff x="0" y="0"/>
-          <a:chExt cx="0" cy="0"/>
-        </a:xfrm>
-      </p:grpSpPr>
-      <p:sp>
-        <p:nvSpPr>
-          <p:cNvPr id="2" name="Slide Image Placeholder 1"/>
-          <p:cNvSpPr>
-            <a:spLocks noGrp="1" noRot="1" noChangeAspect="1"/>
-          </p:cNvSpPr>
-          <p:nvPr>
-            <p:ph type="sldImg"/>
-          </p:nvPr>
-        </p:nvSpPr>
-        <p:spPr/>
-      </p:sp>
-      <p:sp>
-        <p:nvSpPr>
-          <p:cNvPr id="3" name="Notes Placeholder 2"/>
-          <p:cNvSpPr>
-            <a:spLocks noGrp="1"/>
-          </p:cNvSpPr>
-          <p:nvPr>
-            <p:ph type="body" idx="1"/>
-          </p:nvPr>
-        </p:nvSpPr>
-        <p:spPr/>
-        <p:txBody>
-          <a:bodyPr/>
-          <a:lstStyle/>
-          <a:p>
-            <a:endParaRPr lang="en-US"/>
-          </a:p>
-        </p:txBody>
-      </p:sp>
-      <p:sp>
-        <p:nvSpPr>
-          <p:cNvPr id="4" name="Slide Number Placeholder 3"/>
-          <p:cNvSpPr>
-            <a:spLocks noGrp="1"/>
-          </p:cNvSpPr>
-          <p:nvPr>
-            <p:ph type="sldNum" sz="quarter" idx="10"/>
-          </p:nvPr>
-        </p:nvSpPr>
-        <p:spPr/>
-        <p:txBody>
-          <a:bodyPr/>
-          <a:lstStyle/>
-          <a:p>
-            <a:fld id="{8B263312-38AA-4E1E-B2B5-0F8F122B24FE}" type="slidenum">
-              <a:rPr lang="en-US" smtClean="0"/>
-              <a:pPr/>
-              <a:t>8</a:t>
-            </a:fld>
-            <a:endParaRPr lang="en-US"/>
-          </a:p>
-        </p:txBody>
-      </p:sp>
-    </p:spTree>
-    <p:extLst>
-      <p:ext uri="{BB962C8B-B14F-4D97-AF65-F5344CB8AC3E}">
-        <p14:creationId xmlns:p14="http://schemas.microsoft.com/office/powerpoint/2010/main" xmlns="" val="46531105"/>
-      </p:ext>
-    </p:extLst>
-  </p:cSld>
-  <p:clrMapOvr>
-    <a:masterClrMapping/>
-  </p:clrMapOvr>
-</p:notes>
-</file>
-
-<file path=ppt/notesSlides/notesSlide8.xml><?xml version="1.0" encoding="utf-8"?>
-<p:notes xmlns:a="http://schemas.openxmlformats.org/drawingml/2006/main" xmlns:r="http://schemas.openxmlformats.org/officeDocument/2006/relationships" xmlns:p="http://schemas.openxmlformats.org/presentationml/2006/main">
-  <p:cSld>
-    <p:spTree>
-      <p:nvGrpSpPr>
-        <p:cNvPr id="1" name=""/>
-        <p:cNvGrpSpPr/>
-        <p:nvPr/>
-      </p:nvGrpSpPr>
-      <p:grpSpPr>
-        <a:xfrm>
-          <a:off x="0" y="0"/>
-          <a:ext cx="0" cy="0"/>
-          <a:chOff x="0" y="0"/>
-          <a:chExt cx="0" cy="0"/>
-        </a:xfrm>
-      </p:grpSpPr>
-      <p:sp>
-        <p:nvSpPr>
-          <p:cNvPr id="2" name="Slide Image Placeholder 1"/>
-          <p:cNvSpPr>
-            <a:spLocks noGrp="1" noRot="1" noChangeAspect="1"/>
-          </p:cNvSpPr>
-          <p:nvPr>
-            <p:ph type="sldImg"/>
-          </p:nvPr>
-        </p:nvSpPr>
-        <p:spPr/>
-      </p:sp>
-      <p:sp>
-        <p:nvSpPr>
-          <p:cNvPr id="3" name="Notes Placeholder 2"/>
-          <p:cNvSpPr>
-            <a:spLocks noGrp="1"/>
-          </p:cNvSpPr>
-          <p:nvPr>
-            <p:ph type="body" idx="1"/>
-          </p:nvPr>
-        </p:nvSpPr>
-        <p:spPr/>
-        <p:txBody>
-          <a:bodyPr>
-            <a:normAutofit fontScale="92500"/>
-          </a:bodyPr>
-          <a:lstStyle/>
-          <a:p>
-            <a:endParaRPr lang="en-US"/>
-          </a:p>
-        </p:txBody>
-      </p:sp>
-      <p:sp>
-        <p:nvSpPr>
-          <p:cNvPr id="4" name="Slide Number Placeholder 3"/>
-          <p:cNvSpPr>
-            <a:spLocks noGrp="1"/>
-          </p:cNvSpPr>
-          <p:nvPr>
-            <p:ph type="sldNum" sz="quarter" idx="10"/>
-          </p:nvPr>
-        </p:nvSpPr>
-        <p:spPr/>
-        <p:txBody>
-          <a:bodyPr/>
-          <a:lstStyle/>
-          <a:p>
-            <a:fld id="{8B263312-38AA-4E1E-B2B5-0F8F122B24FE}" type="slidenum">
-              <a:rPr lang="en-US" smtClean="0"/>
-              <a:pPr/>
-              <a:t>9</a:t>
-            </a:fld>
-            <a:endParaRPr lang="en-US"/>
-          </a:p>
-        </p:txBody>
-      </p:sp>
-    </p:spTree>
-    <p:extLst>
-      <p:ext uri="{BB962C8B-B14F-4D97-AF65-F5344CB8AC3E}">
-        <p14:creationId xmlns:p14="http://schemas.microsoft.com/office/powerpoint/2010/main" xmlns="" val="1646760294"/>
-      </p:ext>
-    </p:extLst>
-  </p:cSld>
-  <p:clrMapOvr>
-    <a:masterClrMapping/>
-  </p:clrMapOvr>
-</p:notes>
-</file>
-
-<file path=ppt/notesSlides/notesSlide9.xml><?xml version="1.0" encoding="utf-8"?>
-<p:notes xmlns:a="http://schemas.openxmlformats.org/drawingml/2006/main" xmlns:r="http://schemas.openxmlformats.org/officeDocument/2006/relationships" xmlns:p="http://schemas.openxmlformats.org/presentationml/2006/main">
-  <p:cSld>
-    <p:spTree>
-      <p:nvGrpSpPr>
-        <p:cNvPr id="1" name=""/>
-        <p:cNvGrpSpPr/>
-        <p:nvPr/>
-      </p:nvGrpSpPr>
-      <p:grpSpPr>
-        <a:xfrm>
-          <a:off x="0" y="0"/>
-          <a:ext cx="0" cy="0"/>
-          <a:chOff x="0" y="0"/>
-          <a:chExt cx="0" cy="0"/>
-        </a:xfrm>
-      </p:grpSpPr>
-      <p:sp>
-        <p:nvSpPr>
-          <p:cNvPr id="2" name="Slide Image Placeholder 1"/>
-          <p:cNvSpPr>
-            <a:spLocks noGrp="1" noRot="1" noChangeAspect="1"/>
-          </p:cNvSpPr>
-          <p:nvPr>
-            <p:ph type="sldImg"/>
-          </p:nvPr>
-        </p:nvSpPr>
-        <p:spPr/>
-      </p:sp>
-      <p:sp>
-        <p:nvSpPr>
-          <p:cNvPr id="3" name="Notes Placeholder 2"/>
-          <p:cNvSpPr>
-            <a:spLocks noGrp="1"/>
-          </p:cNvSpPr>
-          <p:nvPr>
-            <p:ph type="body" idx="1"/>
-          </p:nvPr>
-        </p:nvSpPr>
-        <p:spPr/>
-        <p:txBody>
-          <a:bodyPr/>
-          <a:lstStyle/>
-          <a:p>
-            <a:endParaRPr lang="en-US"/>
-          </a:p>
-        </p:txBody>
-      </p:sp>
-      <p:sp>
-        <p:nvSpPr>
-          <p:cNvPr id="4" name="Slide Number Placeholder 3"/>
-          <p:cNvSpPr>
-            <a:spLocks noGrp="1"/>
-          </p:cNvSpPr>
-          <p:nvPr>
-            <p:ph type="sldNum" sz="quarter" idx="10"/>
-          </p:nvPr>
-        </p:nvSpPr>
-        <p:spPr/>
-        <p:txBody>
-          <a:bodyPr/>
-          <a:lstStyle/>
-          <a:p>
-            <a:fld id="{8B263312-38AA-4E1E-B2B5-0F8F122B24FE}" type="slidenum">
-              <a:rPr lang="en-US" smtClean="0"/>
-              <a:pPr/>
-              <a:t>16</a:t>
-            </a:fld>
-            <a:endParaRPr lang="en-US"/>
-          </a:p>
-        </p:txBody>
-      </p:sp>
-    </p:spTree>
-    <p:extLst>
-      <p:ext uri="{BB962C8B-B14F-4D97-AF65-F5344CB8AC3E}">
-        <p14:creationId xmlns:p14="http://schemas.microsoft.com/office/powerpoint/2010/main" xmlns="" val="3834132863"/>
+        <p14:creationId xmlns="" xmlns:p14="http://schemas.microsoft.com/office/powerpoint/2010/main" val="3834132863"/>
       </p:ext>
     </p:extLst>
   </p:cSld>
@@ -1575,7 +1066,7 @@
             <a:lum/>
             <a:extLst>
               <a:ext uri="{28A0092B-C50C-407E-A947-70E740481C1C}">
-                <a14:useLocalDpi xmlns:a14="http://schemas.microsoft.com/office/drawing/2010/main" xmlns="" val="0"/>
+                <a14:useLocalDpi xmlns="" xmlns:a14="http://schemas.microsoft.com/office/drawing/2010/main" val="0"/>
               </a:ext>
             </a:extLst>
           </a:blip>
@@ -1783,7 +1274,7 @@
     </p:spTree>
     <p:extLst>
       <p:ext uri="{BB962C8B-B14F-4D97-AF65-F5344CB8AC3E}">
-        <p14:creationId xmlns:p14="http://schemas.microsoft.com/office/powerpoint/2010/main" xmlns="" val="3247851305"/>
+        <p14:creationId xmlns="" xmlns:p14="http://schemas.microsoft.com/office/powerpoint/2010/main" val="3247851305"/>
       </p:ext>
     </p:extLst>
   </p:cSld>
@@ -1934,7 +1425,7 @@
     </p:spTree>
     <p:extLst>
       <p:ext uri="{BB962C8B-B14F-4D97-AF65-F5344CB8AC3E}">
-        <p14:creationId xmlns:p14="http://schemas.microsoft.com/office/powerpoint/2010/main" xmlns="" val="1020099824"/>
+        <p14:creationId xmlns="" xmlns:p14="http://schemas.microsoft.com/office/powerpoint/2010/main" val="1020099824"/>
       </p:ext>
     </p:extLst>
   </p:cSld>
@@ -2200,7 +1691,7 @@
     </p:spTree>
     <p:extLst>
       <p:ext uri="{BB962C8B-B14F-4D97-AF65-F5344CB8AC3E}">
-        <p14:creationId xmlns:p14="http://schemas.microsoft.com/office/powerpoint/2010/main" xmlns="" val="3061710331"/>
+        <p14:creationId xmlns="" xmlns:p14="http://schemas.microsoft.com/office/powerpoint/2010/main" val="3061710331"/>
       </p:ext>
     </p:extLst>
   </p:cSld>
@@ -2269,7 +1760,7 @@
     </p:spTree>
     <p:extLst>
       <p:ext uri="{BB962C8B-B14F-4D97-AF65-F5344CB8AC3E}">
-        <p14:creationId xmlns:p14="http://schemas.microsoft.com/office/powerpoint/2010/main" xmlns="" val="1815284288"/>
+        <p14:creationId xmlns="" xmlns:p14="http://schemas.microsoft.com/office/powerpoint/2010/main" val="1815284288"/>
       </p:ext>
     </p:extLst>
   </p:cSld>
@@ -2343,7 +1834,7 @@
     </p:spTree>
     <p:extLst>
       <p:ext uri="{BB962C8B-B14F-4D97-AF65-F5344CB8AC3E}">
-        <p14:creationId xmlns:p14="http://schemas.microsoft.com/office/powerpoint/2010/main" xmlns="" val="2909031574"/>
+        <p14:creationId xmlns="" xmlns:p14="http://schemas.microsoft.com/office/powerpoint/2010/main" val="2909031574"/>
       </p:ext>
     </p:extLst>
   </p:cSld>
@@ -2632,7 +2123,7 @@
     </p:spTree>
     <p:extLst>
       <p:ext uri="{BB962C8B-B14F-4D97-AF65-F5344CB8AC3E}">
-        <p14:creationId xmlns:p14="http://schemas.microsoft.com/office/powerpoint/2010/main" xmlns="" val="517179932"/>
+        <p14:creationId xmlns="" xmlns:p14="http://schemas.microsoft.com/office/powerpoint/2010/main" val="517179932"/>
       </p:ext>
     </p:extLst>
   </p:cSld>
@@ -2672,7 +2163,7 @@
     </p:spTree>
     <p:extLst>
       <p:ext uri="{BB962C8B-B14F-4D97-AF65-F5344CB8AC3E}">
-        <p14:creationId xmlns:p14="http://schemas.microsoft.com/office/powerpoint/2010/main" xmlns="" val="1461056470"/>
+        <p14:creationId xmlns="" xmlns:p14="http://schemas.microsoft.com/office/powerpoint/2010/main" val="1461056470"/>
       </p:ext>
     </p:extLst>
   </p:cSld>
@@ -3115,7 +2606,7 @@
     </p:spTree>
     <p:extLst>
       <p:ext uri="{BB962C8B-B14F-4D97-AF65-F5344CB8AC3E}">
-        <p14:creationId xmlns:p14="http://schemas.microsoft.com/office/powerpoint/2010/main" xmlns="" val="3842700467"/>
+        <p14:creationId xmlns="" xmlns:p14="http://schemas.microsoft.com/office/powerpoint/2010/main" val="3842700467"/>
       </p:ext>
     </p:extLst>
   </p:cSld>
@@ -3144,7 +2635,7 @@
           <a:blip r:embed="rId11">
             <a:extLst>
               <a:ext uri="{28A0092B-C50C-407E-A947-70E740481C1C}">
-                <a14:useLocalDpi xmlns:a14="http://schemas.microsoft.com/office/drawing/2010/main" xmlns="" val="0"/>
+                <a14:useLocalDpi xmlns="" xmlns:a14="http://schemas.microsoft.com/office/drawing/2010/main" val="0"/>
               </a:ext>
             </a:extLst>
           </a:blip>
@@ -3268,7 +2759,7 @@
     </p:spTree>
     <p:extLst>
       <p:ext uri="{BB962C8B-B14F-4D97-AF65-F5344CB8AC3E}">
-        <p14:creationId xmlns:p14="http://schemas.microsoft.com/office/powerpoint/2010/main" xmlns="" val="1605506760"/>
+        <p14:creationId xmlns="" xmlns:p14="http://schemas.microsoft.com/office/powerpoint/2010/main" val="1605506760"/>
       </p:ext>
     </p:extLst>
   </p:cSld>
@@ -3665,14 +3156,24 @@
             <p:ph type="ctrTitle"/>
           </p:nvPr>
         </p:nvSpPr>
-        <p:spPr/>
+        <p:spPr>
+          <a:xfrm>
+            <a:off x="938240" y="838703"/>
+            <a:ext cx="10360501" cy="1523497"/>
+          </a:xfrm>
+        </p:spPr>
         <p:txBody>
           <a:bodyPr/>
           <a:lstStyle/>
           <a:p>
+            <a:pPr algn="ctr"/>
             <a:r>
               <a:rPr smtClean="0"/>
-              <a:t>Nghiên cứu nền tảng điện toán đám mây, ứng dụng triển khai sổ liên lạc trực tuyến.</a:t>
+              <a:t>Nghiên cứu nền tảng điện toán đám mây, ứng dụng triển khai sổ liên lạc trực </a:t>
+            </a:r>
+            <a:r>
+              <a:rPr smtClean="0"/>
+              <a:t>tuyến</a:t>
             </a:r>
             <a:endParaRPr lang="en-US"/>
           </a:p>
@@ -3690,108 +3191,60 @@
         </p:nvSpPr>
         <p:spPr>
           <a:xfrm>
-            <a:off x="938244" y="4114800"/>
-            <a:ext cx="11149012" cy="463255"/>
+            <a:off x="5561012" y="4800600"/>
+            <a:ext cx="6146768" cy="1066800"/>
           </a:xfrm>
         </p:spPr>
         <p:txBody>
           <a:bodyPr/>
           <a:lstStyle/>
           <a:p>
-            <a:r>
-              <a:rPr lang="en-US" err="1" smtClean="0"/>
-              <a:t>Thực</a:t>
-            </a:r>
+            <a:pPr algn="r"/>
             <a:r>
               <a:rPr lang="en-US" smtClean="0"/>
+              <a:t> GVHD: </a:t>
+            </a:r>
+            <a:r>
+              <a:rPr lang="en-US" b="1" smtClean="0"/>
+              <a:t>Thầy Phan </a:t>
+            </a:r>
+            <a:r>
+              <a:rPr lang="en-US" b="1" smtClean="0"/>
+              <a:t>Trung </a:t>
+            </a:r>
+            <a:r>
+              <a:rPr lang="en-US" b="1" smtClean="0"/>
+              <a:t>Hiếu</a:t>
+            </a:r>
+            <a:endParaRPr lang="en-US" b="1" smtClean="0"/>
+          </a:p>
+          <a:p>
+            <a:pPr algn="r"/>
+            <a:r>
+              <a:rPr lang="en-US" smtClean="0"/>
+              <a:t>Thực hiện:   </a:t>
+            </a:r>
+            <a:r>
+              <a:rPr lang="en-US" b="1" smtClean="0"/>
+              <a:t>N</a:t>
+            </a:r>
+            <a:r>
+              <a:rPr lang="en-US" b="1" smtClean="0"/>
+              <a:t>guyễn Anh </a:t>
+            </a:r>
+            <a:r>
+              <a:rPr lang="en-US" b="1" err="1" smtClean="0"/>
+              <a:t>Duy</a:t>
+            </a:r>
+            <a:r>
+              <a:rPr lang="en-US" b="1" smtClean="0"/>
               <a:t> </a:t>
             </a:r>
             <a:r>
-              <a:rPr lang="en-US" err="1" smtClean="0"/>
-              <a:t>hiện</a:t>
-            </a:r>
-            <a:r>
-              <a:rPr lang="en-US" smtClean="0"/>
-              <a:t> : </a:t>
-            </a:r>
-            <a:r>
-              <a:rPr lang="en-US" err="1" smtClean="0"/>
-              <a:t>Anh</a:t>
-            </a:r>
-            <a:r>
-              <a:rPr lang="en-US" smtClean="0"/>
-              <a:t> </a:t>
-            </a:r>
-            <a:r>
-              <a:rPr lang="en-US" err="1" smtClean="0"/>
-              <a:t>Duy</a:t>
-            </a:r>
-            <a:r>
-              <a:rPr lang="en-US" smtClean="0"/>
-              <a:t> – </a:t>
-            </a:r>
-            <a:r>
-              <a:rPr lang="en-US" err="1" smtClean="0"/>
-              <a:t>Đức</a:t>
-            </a:r>
-            <a:r>
-              <a:rPr lang="en-US" smtClean="0"/>
-              <a:t> </a:t>
-            </a:r>
-            <a:r>
-              <a:rPr lang="en-US" smtClean="0"/>
-              <a:t>Hạnh</a:t>
-            </a:r>
-          </a:p>
-          <a:p>
-            <a:r>
-              <a:rPr lang="en-US" smtClean="0"/>
-              <a:t>GVHD : Thầy Phan Trung Hiếu</a:t>
-            </a:r>
-            <a:endParaRPr lang="en-US"/>
-          </a:p>
-          <a:p>
-            <a:r>
-              <a:rPr lang="en-US" err="1" smtClean="0"/>
-              <a:t>Đại</a:t>
-            </a:r>
-            <a:r>
-              <a:rPr lang="en-US" smtClean="0"/>
-              <a:t> </a:t>
-            </a:r>
-            <a:r>
-              <a:rPr lang="en-US" err="1" smtClean="0"/>
-              <a:t>học</a:t>
-            </a:r>
-            <a:r>
-              <a:rPr lang="en-US" smtClean="0"/>
-              <a:t> </a:t>
-            </a:r>
-            <a:r>
-              <a:rPr lang="en-US" err="1" smtClean="0"/>
-              <a:t>Công</a:t>
-            </a:r>
-            <a:r>
-              <a:rPr lang="en-US" smtClean="0"/>
-              <a:t> </a:t>
-            </a:r>
-            <a:r>
-              <a:rPr lang="en-US" err="1" smtClean="0"/>
-              <a:t>Nghệ</a:t>
-            </a:r>
-            <a:r>
-              <a:rPr lang="en-US" smtClean="0"/>
-              <a:t> </a:t>
-            </a:r>
-            <a:r>
-              <a:rPr lang="en-US" err="1" smtClean="0"/>
-              <a:t>Thông</a:t>
-            </a:r>
-            <a:r>
-              <a:rPr lang="en-US" smtClean="0"/>
-              <a:t> Tin</a:t>
-            </a:r>
-            <a:endParaRPr lang="en-US"/>
+              <a:rPr lang="en-US" b="1" smtClean="0"/>
+              <a:t>Nguyễn Đức Hạnh</a:t>
+            </a:r>
+            <a:endParaRPr lang="en-US" b="1" smtClean="0"/>
           </a:p>
         </p:txBody>
       </p:sp>
@@ -3807,7 +3260,7 @@
           <a:blip r:embed="rId3">
             <a:extLst>
               <a:ext uri="{28A0092B-C50C-407E-A947-70E740481C1C}">
-                <a14:useLocalDpi xmlns:a14="http://schemas.microsoft.com/office/drawing/2010/main" xmlns="" val="0"/>
+                <a14:useLocalDpi xmlns="" xmlns:a14="http://schemas.microsoft.com/office/drawing/2010/main" val="0"/>
               </a:ext>
             </a:extLst>
           </a:blip>
@@ -3818,8 +3271,8 @@
         </p:blipFill>
         <p:spPr bwMode="auto">
           <a:xfrm>
-            <a:off x="938245" y="5543550"/>
-            <a:ext cx="5229225" cy="800100"/>
+            <a:off x="331787" y="5543550"/>
+            <a:ext cx="4772025" cy="730146"/>
           </a:xfrm>
           <a:prstGeom prst="rect">
             <a:avLst/>
@@ -3827,7 +3280,7 @@
           <a:noFill/>
           <a:extLst>
             <a:ext uri="{909E8E84-426E-40DD-AFC4-6F175D3DCCD1}">
-              <a14:hiddenFill xmlns:a14="http://schemas.microsoft.com/office/drawing/2010/main" xmlns="">
+              <a14:hiddenFill xmlns="" xmlns:a14="http://schemas.microsoft.com/office/drawing/2010/main">
                 <a:solidFill>
                   <a:srgbClr val="FFFFFF"/>
                 </a:solidFill>
@@ -3839,7 +3292,7 @@
     </p:spTree>
     <p:extLst>
       <p:ext uri="{BB962C8B-B14F-4D97-AF65-F5344CB8AC3E}">
-        <p14:creationId xmlns:p14="http://schemas.microsoft.com/office/powerpoint/2010/main" xmlns="" val="3137854148"/>
+        <p14:creationId xmlns="" xmlns:p14="http://schemas.microsoft.com/office/powerpoint/2010/main" val="3137854148"/>
       </p:ext>
     </p:extLst>
   </p:cSld>
@@ -3847,7 +3300,7 @@
     <a:masterClrMapping/>
   </p:clrMapOvr>
   <mc:AlternateContent xmlns:mc="http://schemas.openxmlformats.org/markup-compatibility/2006">
-    <mc:Choice xmlns:p14="http://schemas.microsoft.com/office/powerpoint/2010/main" xmlns="" Requires="p14">
+    <mc:Choice xmlns="" xmlns:p14="http://schemas.microsoft.com/office/powerpoint/2010/main" Requires="p14">
       <p:transition spd="med" p14:dur="700">
         <p:fade/>
       </p:transition>
@@ -3887,7 +3340,7 @@
       </p:grpSpPr>
       <p:sp>
         <p:nvSpPr>
-          <p:cNvPr id="2" name="Title 1"/>
+          <p:cNvPr id="4" name="Title 1"/>
           <p:cNvSpPr>
             <a:spLocks noGrp="1"/>
           </p:cNvSpPr>
@@ -3895,33 +3348,10 @@
             <p:ph type="title"/>
           </p:nvPr>
         </p:nvSpPr>
-        <p:spPr/>
-        <p:txBody>
-          <a:bodyPr/>
-          <a:lstStyle/>
-          <a:p>
-            <a:r>
-              <a:rPr lang="en-US" smtClean="0"/>
-              <a:t>Kiến trúc</a:t>
-            </a:r>
-            <a:endParaRPr lang="en-US"/>
-          </a:p>
-        </p:txBody>
-      </p:sp>
-      <p:sp>
-        <p:nvSpPr>
-          <p:cNvPr id="3" name="Content Placeholder 2"/>
-          <p:cNvSpPr>
-            <a:spLocks noGrp="1"/>
-          </p:cNvSpPr>
-          <p:nvPr>
-            <p:ph idx="1"/>
-          </p:nvPr>
-        </p:nvSpPr>
         <p:spPr>
           <a:xfrm>
-            <a:off x="519113" y="1499616"/>
-            <a:ext cx="10985499" cy="3988784"/>
+            <a:off x="684212" y="1529477"/>
+            <a:ext cx="2362200" cy="457200"/>
           </a:xfrm>
         </p:spPr>
         <p:txBody>
@@ -3929,21 +3359,518 @@
           <a:lstStyle/>
           <a:p>
             <a:r>
-              <a:rPr lang="en-US" smtClean="0"/>
-              <a:t>Windows Azure gồm các thành phần ba thành phần cơ bản: dịch vụ tính toán (computer service), dịch vụ lưu trữ (storage service) và Fabric.</a:t>
-            </a:r>
-            <a:endParaRPr lang="en-US"/>
+              <a:rPr sz="3200" smtClean="0"/>
+              <a:t>Hạn chế</a:t>
+            </a:r>
+            <a:endParaRPr lang="en-US" sz="3200"/>
+          </a:p>
+        </p:txBody>
+      </p:sp>
+      <p:sp>
+        <p:nvSpPr>
+          <p:cNvPr id="5" name="Title 1"/>
+          <p:cNvSpPr txBox="1">
+            <a:spLocks/>
+          </p:cNvSpPr>
+          <p:nvPr/>
+        </p:nvSpPr>
+        <p:spPr>
+          <a:xfrm>
+            <a:off x="519113" y="456806"/>
+            <a:ext cx="11149013" cy="664797"/>
+          </a:xfrm>
+          <a:prstGeom prst="rect">
+            <a:avLst/>
+          </a:prstGeom>
+        </p:spPr>
+        <p:txBody>
+          <a:bodyPr vert="horz" wrap="square" lIns="0" tIns="0" rIns="0" bIns="0" rtlCol="0" anchor="t">
+            <a:spAutoFit/>
+          </a:bodyPr>
+          <a:lstStyle/>
+          <a:p>
+            <a:pPr marL="0" marR="0" lvl="0" indent="0" algn="l" defTabSz="1218937" rtl="0" eaLnBrk="1" fontAlgn="auto" latinLnBrk="0" hangingPunct="1">
+              <a:lnSpc>
+                <a:spcPct val="90000"/>
+              </a:lnSpc>
+              <a:spcBef>
+                <a:spcPct val="0"/>
+              </a:spcBef>
+              <a:spcAft>
+                <a:spcPts val="0"/>
+              </a:spcAft>
+              <a:buClrTx/>
+              <a:buSzTx/>
+              <a:buFontTx/>
+              <a:buNone/>
+              <a:tabLst/>
+              <a:defRPr/>
+            </a:pPr>
+            <a:r>
+              <a:rPr kumimoji="0" lang="en-US" sz="4800" b="0" i="0" u="none" strike="noStrike" kern="1200" cap="none" spc="-267" normalizeH="0" baseline="0" noProof="0" smtClean="0">
+                <a:ln w="3175">
+                  <a:noFill/>
+                </a:ln>
+                <a:gradFill flip="none" rotWithShape="1">
+                  <a:gsLst>
+                    <a:gs pos="0">
+                      <a:schemeClr val="tx1"/>
+                    </a:gs>
+                    <a:gs pos="86000">
+                      <a:schemeClr val="tx1"/>
+                    </a:gs>
+                  </a:gsLst>
+                  <a:lin ang="5400000" scaled="0"/>
+                  <a:tileRect/>
+                </a:gradFill>
+                <a:effectLst/>
+                <a:uLnTx/>
+                <a:uFillTx/>
+                <a:latin typeface="+mj-lt"/>
+                <a:ea typeface="+mn-ea"/>
+                <a:cs typeface="Arial" charset="0"/>
+              </a:rPr>
+              <a:t>3. 1. Tổng quan về điện toán đám mây</a:t>
+            </a:r>
+            <a:endParaRPr kumimoji="0" lang="en-US" sz="4800" b="0" i="0" u="none" strike="noStrike" kern="1200" cap="none" spc="-267" normalizeH="0" baseline="0" noProof="0" dirty="0" smtClean="0">
+              <a:ln w="3175">
+                <a:noFill/>
+              </a:ln>
+              <a:gradFill flip="none" rotWithShape="1">
+                <a:gsLst>
+                  <a:gs pos="0">
+                    <a:schemeClr val="tx1"/>
+                  </a:gs>
+                  <a:gs pos="86000">
+                    <a:schemeClr val="tx1"/>
+                  </a:gs>
+                </a:gsLst>
+                <a:lin ang="5400000" scaled="0"/>
+                <a:tileRect/>
+              </a:gradFill>
+              <a:effectLst/>
+              <a:uLnTx/>
+              <a:uFillTx/>
+              <a:latin typeface="+mj-lt"/>
+              <a:ea typeface="+mn-ea"/>
+              <a:cs typeface="Arial" charset="0"/>
+            </a:endParaRPr>
+          </a:p>
+        </p:txBody>
+      </p:sp>
+      <p:sp>
+        <p:nvSpPr>
+          <p:cNvPr id="6" name="Content Placeholder 2"/>
+          <p:cNvSpPr txBox="1">
+            <a:spLocks/>
+          </p:cNvSpPr>
+          <p:nvPr/>
+        </p:nvSpPr>
+        <p:spPr>
+          <a:xfrm>
+            <a:off x="682625" y="2139077"/>
+            <a:ext cx="6172200" cy="2585323"/>
+          </a:xfrm>
+          <a:prstGeom prst="rect">
+            <a:avLst/>
+          </a:prstGeom>
+        </p:spPr>
+        <p:txBody>
+          <a:bodyPr vert="horz" wrap="square" lIns="0" tIns="0" rIns="0" bIns="0" rtlCol="0">
+            <a:spAutoFit/>
+          </a:bodyPr>
+          <a:lstStyle/>
+          <a:p>
+            <a:pPr marL="533307" marR="0" lvl="0" indent="-533307" algn="l" defTabSz="1218937" rtl="0" eaLnBrk="1" fontAlgn="auto" latinLnBrk="0" hangingPunct="1">
+              <a:lnSpc>
+                <a:spcPct val="90000"/>
+              </a:lnSpc>
+              <a:spcBef>
+                <a:spcPct val="20000"/>
+              </a:spcBef>
+              <a:spcAft>
+                <a:spcPts val="0"/>
+              </a:spcAft>
+              <a:buClrTx/>
+              <a:buSzPct val="90000"/>
+              <a:buFontTx/>
+              <a:buBlip>
+                <a:blip r:embed="rId2"/>
+              </a:buBlip>
+              <a:tabLst/>
+              <a:defRPr/>
+            </a:pPr>
+            <a:r>
+              <a:rPr kumimoji="0" lang="vi-VN" sz="2800" b="0" i="0" u="none" strike="noStrike" kern="1200" cap="none" spc="0" normalizeH="0" baseline="0" noProof="0" smtClean="0">
+                <a:ln>
+                  <a:noFill/>
+                </a:ln>
+                <a:gradFill>
+                  <a:gsLst>
+                    <a:gs pos="0">
+                      <a:schemeClr val="tx1"/>
+                    </a:gs>
+                    <a:gs pos="86000">
+                      <a:schemeClr val="tx1"/>
+                    </a:gs>
+                  </a:gsLst>
+                  <a:lin ang="5400000" scaled="0"/>
+                </a:gradFill>
+                <a:effectLst/>
+                <a:uLnTx/>
+                <a:uFillTx/>
+                <a:latin typeface="+mn-lt"/>
+                <a:ea typeface="+mn-ea"/>
+                <a:cs typeface="+mn-cs"/>
+              </a:rPr>
+              <a:t>Phụ thuộc vào nh</a:t>
+            </a:r>
+            <a:r>
+              <a:rPr kumimoji="0" lang="en-US" sz="2800" b="0" i="0" u="none" strike="noStrike" kern="1200" cap="none" spc="0" normalizeH="0" baseline="0" noProof="0" smtClean="0">
+                <a:ln>
+                  <a:noFill/>
+                </a:ln>
+                <a:gradFill>
+                  <a:gsLst>
+                    <a:gs pos="0">
+                      <a:schemeClr val="tx1"/>
+                    </a:gs>
+                    <a:gs pos="86000">
+                      <a:schemeClr val="tx1"/>
+                    </a:gs>
+                  </a:gsLst>
+                  <a:lin ang="5400000" scaled="0"/>
+                </a:gradFill>
+                <a:effectLst/>
+                <a:uLnTx/>
+                <a:uFillTx/>
+                <a:latin typeface="+mn-lt"/>
+                <a:ea typeface="+mn-ea"/>
+                <a:cs typeface="+mn-cs"/>
+              </a:rPr>
+              <a:t>à</a:t>
+            </a:r>
+            <a:r>
+              <a:rPr kumimoji="0" lang="vi-VN" sz="2800" b="0" i="0" u="none" strike="noStrike" kern="1200" cap="none" spc="0" normalizeH="0" baseline="0" noProof="0" smtClean="0">
+                <a:ln>
+                  <a:noFill/>
+                </a:ln>
+                <a:gradFill>
+                  <a:gsLst>
+                    <a:gs pos="0">
+                      <a:schemeClr val="tx1"/>
+                    </a:gs>
+                    <a:gs pos="86000">
+                      <a:schemeClr val="tx1"/>
+                    </a:gs>
+                  </a:gsLst>
+                  <a:lin ang="5400000" scaled="0"/>
+                </a:gradFill>
+                <a:effectLst/>
+                <a:uLnTx/>
+                <a:uFillTx/>
+                <a:latin typeface="+mn-lt"/>
+                <a:ea typeface="+mn-ea"/>
+                <a:cs typeface="+mn-cs"/>
+              </a:rPr>
+              <a:t> cung cấp</a:t>
+            </a:r>
+            <a:endParaRPr kumimoji="0" lang="en-US" sz="2800" b="0" i="0" u="none" strike="noStrike" kern="1200" cap="none" spc="0" normalizeH="0" baseline="0" noProof="0" smtClean="0">
+              <a:ln>
+                <a:noFill/>
+              </a:ln>
+              <a:gradFill>
+                <a:gsLst>
+                  <a:gs pos="0">
+                    <a:schemeClr val="tx1"/>
+                  </a:gs>
+                  <a:gs pos="86000">
+                    <a:schemeClr val="tx1"/>
+                  </a:gs>
+                </a:gsLst>
+                <a:lin ang="5400000" scaled="0"/>
+              </a:gradFill>
+              <a:effectLst/>
+              <a:uLnTx/>
+              <a:uFillTx/>
+              <a:latin typeface="+mn-lt"/>
+              <a:ea typeface="+mn-ea"/>
+              <a:cs typeface="+mn-cs"/>
+            </a:endParaRPr>
+          </a:p>
+          <a:p>
+            <a:pPr marL="533307" marR="0" lvl="0" indent="-533307" algn="l" defTabSz="1218937" rtl="0" eaLnBrk="1" fontAlgn="auto" latinLnBrk="0" hangingPunct="1">
+              <a:lnSpc>
+                <a:spcPct val="90000"/>
+              </a:lnSpc>
+              <a:spcBef>
+                <a:spcPct val="20000"/>
+              </a:spcBef>
+              <a:spcAft>
+                <a:spcPts val="0"/>
+              </a:spcAft>
+              <a:buClrTx/>
+              <a:buSzPct val="90000"/>
+              <a:buFontTx/>
+              <a:buBlip>
+                <a:blip r:embed="rId2"/>
+              </a:buBlip>
+              <a:tabLst/>
+              <a:defRPr/>
+            </a:pPr>
+            <a:r>
+              <a:rPr kumimoji="0" lang="vi-VN" sz="2800" b="0" i="0" u="none" strike="noStrike" kern="1200" cap="none" spc="0" normalizeH="0" baseline="0" noProof="0" smtClean="0">
+                <a:ln>
+                  <a:noFill/>
+                </a:ln>
+                <a:gradFill>
+                  <a:gsLst>
+                    <a:gs pos="0">
+                      <a:schemeClr val="tx1"/>
+                    </a:gs>
+                    <a:gs pos="86000">
+                      <a:schemeClr val="tx1"/>
+                    </a:gs>
+                  </a:gsLst>
+                  <a:lin ang="5400000" scaled="0"/>
+                </a:gradFill>
+                <a:effectLst/>
+                <a:uLnTx/>
+                <a:uFillTx/>
+                <a:latin typeface="+mn-lt"/>
+                <a:ea typeface="+mn-ea"/>
+                <a:cs typeface="+mn-cs"/>
+              </a:rPr>
+              <a:t>Bảo mật và kiểm tra dữ liệu</a:t>
+            </a:r>
+            <a:endParaRPr kumimoji="0" lang="en-US" sz="2800" b="0" i="0" u="none" strike="noStrike" kern="1200" cap="none" spc="0" normalizeH="0" baseline="0" noProof="0" smtClean="0">
+              <a:ln>
+                <a:noFill/>
+              </a:ln>
+              <a:gradFill>
+                <a:gsLst>
+                  <a:gs pos="0">
+                    <a:schemeClr val="tx1"/>
+                  </a:gs>
+                  <a:gs pos="86000">
+                    <a:schemeClr val="tx1"/>
+                  </a:gs>
+                </a:gsLst>
+                <a:lin ang="5400000" scaled="0"/>
+              </a:gradFill>
+              <a:effectLst/>
+              <a:uLnTx/>
+              <a:uFillTx/>
+              <a:latin typeface="+mn-lt"/>
+              <a:ea typeface="+mn-ea"/>
+              <a:cs typeface="+mn-cs"/>
+            </a:endParaRPr>
+          </a:p>
+          <a:p>
+            <a:pPr marL="533307" marR="0" lvl="0" indent="-533307" algn="l" defTabSz="1218937" rtl="0" eaLnBrk="1" fontAlgn="auto" latinLnBrk="0" hangingPunct="1">
+              <a:lnSpc>
+                <a:spcPct val="90000"/>
+              </a:lnSpc>
+              <a:spcBef>
+                <a:spcPct val="20000"/>
+              </a:spcBef>
+              <a:spcAft>
+                <a:spcPts val="0"/>
+              </a:spcAft>
+              <a:buClrTx/>
+              <a:buSzPct val="90000"/>
+              <a:buFontTx/>
+              <a:buBlip>
+                <a:blip r:embed="rId2"/>
+              </a:buBlip>
+              <a:tabLst/>
+              <a:defRPr/>
+            </a:pPr>
+            <a:r>
+              <a:rPr kumimoji="0" lang="vi-VN" sz="2800" b="0" i="0" u="none" strike="noStrike" kern="1200" cap="none" spc="0" normalizeH="0" baseline="0" noProof="0" smtClean="0">
+                <a:ln>
+                  <a:noFill/>
+                </a:ln>
+                <a:gradFill>
+                  <a:gsLst>
+                    <a:gs pos="0">
+                      <a:schemeClr val="tx1"/>
+                    </a:gs>
+                    <a:gs pos="86000">
+                      <a:schemeClr val="tx1"/>
+                    </a:gs>
+                  </a:gsLst>
+                  <a:lin ang="5400000" scaled="0"/>
+                </a:gradFill>
+                <a:effectLst/>
+                <a:uLnTx/>
+                <a:uFillTx/>
+                <a:latin typeface="+mn-lt"/>
+                <a:ea typeface="+mn-ea"/>
+                <a:cs typeface="+mn-cs"/>
+              </a:rPr>
+              <a:t>Tắc nghẽn trên đường truyền dữ liệu</a:t>
+            </a:r>
+            <a:endParaRPr kumimoji="0" lang="en-US" sz="2800" b="0" i="0" u="none" strike="noStrike" kern="1200" cap="none" spc="0" normalizeH="0" baseline="0" noProof="0" smtClean="0">
+              <a:ln>
+                <a:noFill/>
+              </a:ln>
+              <a:gradFill>
+                <a:gsLst>
+                  <a:gs pos="0">
+                    <a:schemeClr val="tx1"/>
+                  </a:gs>
+                  <a:gs pos="86000">
+                    <a:schemeClr val="tx1"/>
+                  </a:gs>
+                </a:gsLst>
+                <a:lin ang="5400000" scaled="0"/>
+              </a:gradFill>
+              <a:effectLst/>
+              <a:uLnTx/>
+              <a:uFillTx/>
+              <a:latin typeface="+mn-lt"/>
+              <a:ea typeface="+mn-ea"/>
+              <a:cs typeface="+mn-cs"/>
+            </a:endParaRPr>
+          </a:p>
+          <a:p>
+            <a:pPr marL="533307" marR="0" lvl="0" indent="-533307" algn="l" defTabSz="1218937" rtl="0" eaLnBrk="1" fontAlgn="auto" latinLnBrk="0" hangingPunct="1">
+              <a:lnSpc>
+                <a:spcPct val="90000"/>
+              </a:lnSpc>
+              <a:spcBef>
+                <a:spcPct val="20000"/>
+              </a:spcBef>
+              <a:spcAft>
+                <a:spcPts val="0"/>
+              </a:spcAft>
+              <a:buClrTx/>
+              <a:buSzPct val="90000"/>
+              <a:buFontTx/>
+              <a:buBlip>
+                <a:blip r:embed="rId2"/>
+              </a:buBlip>
+              <a:tabLst/>
+              <a:defRPr/>
+            </a:pPr>
+            <a:r>
+              <a:rPr kumimoji="0" lang="en-US" sz="2800" b="0" i="0" u="none" strike="noStrike" kern="1200" cap="none" spc="0" normalizeH="0" baseline="0" noProof="0" smtClean="0">
+                <a:ln>
+                  <a:noFill/>
+                </a:ln>
+                <a:gradFill>
+                  <a:gsLst>
+                    <a:gs pos="0">
+                      <a:schemeClr val="tx1"/>
+                    </a:gs>
+                    <a:gs pos="86000">
+                      <a:schemeClr val="tx1"/>
+                    </a:gs>
+                  </a:gsLst>
+                  <a:lin ang="5400000" scaled="0"/>
+                </a:gradFill>
+                <a:effectLst/>
+                <a:uLnTx/>
+                <a:uFillTx/>
+                <a:latin typeface="+mn-lt"/>
+                <a:ea typeface="+mn-ea"/>
+                <a:cs typeface="+mn-cs"/>
+              </a:rPr>
+              <a:t>Phân</a:t>
+            </a:r>
+            <a:r>
+              <a:rPr lang="en-US" sz="2800" smtClean="0">
+                <a:gradFill>
+                  <a:gsLst>
+                    <a:gs pos="0">
+                      <a:schemeClr val="tx1"/>
+                    </a:gs>
+                    <a:gs pos="86000">
+                      <a:schemeClr val="tx1"/>
+                    </a:gs>
+                  </a:gsLst>
+                  <a:lin ang="5400000" scaled="0"/>
+                </a:gradFill>
+              </a:rPr>
+              <a:t> </a:t>
+            </a:r>
+            <a:r>
+              <a:rPr lang="en-US" sz="2800" smtClean="0">
+                <a:gradFill>
+                  <a:gsLst>
+                    <a:gs pos="0">
+                      <a:schemeClr val="tx1"/>
+                    </a:gs>
+                    <a:gs pos="86000">
+                      <a:schemeClr val="tx1"/>
+                    </a:gs>
+                  </a:gsLst>
+                  <a:lin ang="5400000" scaled="0"/>
+                </a:gradFill>
+              </a:rPr>
+              <a:t>mảnh dữ liệu do n</a:t>
+            </a:r>
+            <a:r>
+              <a:rPr kumimoji="0" lang="vi-VN" sz="2800" b="0" i="0" u="none" strike="noStrike" kern="1200" cap="none" spc="0" normalizeH="0" baseline="0" noProof="0" smtClean="0">
+                <a:ln>
+                  <a:noFill/>
+                </a:ln>
+                <a:gradFill>
+                  <a:gsLst>
+                    <a:gs pos="0">
+                      <a:schemeClr val="tx1"/>
+                    </a:gs>
+                    <a:gs pos="86000">
+                      <a:schemeClr val="tx1"/>
+                    </a:gs>
+                  </a:gsLst>
+                  <a:lin ang="5400000" scaled="0"/>
+                </a:gradFill>
+                <a:effectLst/>
+                <a:uLnTx/>
+                <a:uFillTx/>
+                <a:latin typeface="+mn-lt"/>
+                <a:ea typeface="+mn-ea"/>
+                <a:cs typeface="+mn-cs"/>
+              </a:rPr>
+              <a:t>hu cầu lưu trữ người dùng</a:t>
+            </a:r>
+            <a:endParaRPr kumimoji="0" lang="en-US" sz="2800" b="0" i="0" u="none" strike="noStrike" kern="1200" cap="none" spc="0" normalizeH="0" baseline="0" noProof="0">
+              <a:ln>
+                <a:noFill/>
+              </a:ln>
+              <a:gradFill>
+                <a:gsLst>
+                  <a:gs pos="0">
+                    <a:schemeClr val="tx1"/>
+                  </a:gs>
+                  <a:gs pos="86000">
+                    <a:schemeClr val="tx1"/>
+                  </a:gs>
+                </a:gsLst>
+                <a:lin ang="5400000" scaled="0"/>
+              </a:gradFill>
+              <a:effectLst/>
+              <a:uLnTx/>
+              <a:uFillTx/>
+              <a:latin typeface="+mn-lt"/>
+              <a:ea typeface="+mn-ea"/>
+              <a:cs typeface="+mn-cs"/>
+            </a:endParaRPr>
           </a:p>
         </p:txBody>
       </p:sp>
       <p:pic>
         <p:nvPicPr>
-          <p:cNvPr id="4" name="Picture 3"/>
-          <p:cNvPicPr/>
+          <p:cNvPr id="52227" name="Picture 3" descr="E:\UIT\CNTT IX\pic\Untitled-10.png"/>
+          <p:cNvPicPr>
+            <a:picLocks noChangeAspect="1" noChangeArrowheads="1"/>
+          </p:cNvPicPr>
           <p:nvPr/>
         </p:nvPicPr>
         <p:blipFill>
-          <a:blip r:embed="rId2" cstate="print"/>
+          <a:blip r:embed="rId3"/>
           <a:srcRect/>
           <a:stretch>
             <a:fillRect/>
@@ -3951,27 +3878,16 @@
         </p:blipFill>
         <p:spPr bwMode="auto">
           <a:xfrm>
-            <a:off x="2055812" y="3200400"/>
-            <a:ext cx="8034759" cy="2590800"/>
+            <a:off x="6856412" y="1600200"/>
+            <a:ext cx="4761941" cy="2895600"/>
           </a:xfrm>
           <a:prstGeom prst="rect">
             <a:avLst/>
           </a:prstGeom>
           <a:noFill/>
-          <a:ln w="9525">
-            <a:noFill/>
-            <a:miter lim="800000"/>
-            <a:headEnd/>
-            <a:tailEnd/>
-          </a:ln>
         </p:spPr>
       </p:pic>
     </p:spTree>
-    <p:extLst>
-      <p:ext uri="{BB962C8B-B14F-4D97-AF65-F5344CB8AC3E}">
-        <p14:creationId xmlns:p14="http://schemas.microsoft.com/office/powerpoint/2010/main" xmlns="" val="213739299"/>
-      </p:ext>
-    </p:extLst>
   </p:cSld>
   <p:clrMapOvr>
     <a:masterClrMapping/>
@@ -3990,6 +3906,369 @@
 </file>
 
 <file path=ppt/slides/slide11.xml><?xml version="1.0" encoding="utf-8"?>
+<p:sld xmlns:a="http://schemas.openxmlformats.org/drawingml/2006/main" xmlns:r="http://schemas.openxmlformats.org/officeDocument/2006/relationships" xmlns:p="http://schemas.openxmlformats.org/presentationml/2006/main">
+  <p:cSld>
+    <p:spTree>
+      <p:nvGrpSpPr>
+        <p:cNvPr id="1" name=""/>
+        <p:cNvGrpSpPr/>
+        <p:nvPr/>
+      </p:nvGrpSpPr>
+      <p:grpSpPr>
+        <a:xfrm>
+          <a:off x="0" y="0"/>
+          <a:ext cx="0" cy="0"/>
+          <a:chOff x="0" y="0"/>
+          <a:chExt cx="0" cy="0"/>
+        </a:xfrm>
+      </p:grpSpPr>
+      <p:pic>
+        <p:nvPicPr>
+          <p:cNvPr id="4097" name="Picture 1" descr="E:\UIT\CNTT IX\pic\7217.Windows-Azure-logo-v_6556EF52.png"/>
+          <p:cNvPicPr>
+            <a:picLocks noChangeAspect="1" noChangeArrowheads="1"/>
+          </p:cNvPicPr>
+          <p:nvPr/>
+        </p:nvPicPr>
+        <p:blipFill>
+          <a:blip r:embed="rId2"/>
+          <a:srcRect/>
+          <a:stretch>
+            <a:fillRect/>
+          </a:stretch>
+        </p:blipFill>
+        <p:spPr bwMode="auto">
+          <a:xfrm>
+            <a:off x="1903412" y="1371600"/>
+            <a:ext cx="8612187" cy="4007013"/>
+          </a:xfrm>
+          <a:prstGeom prst="rect">
+            <a:avLst/>
+          </a:prstGeom>
+          <a:noFill/>
+        </p:spPr>
+      </p:pic>
+      <p:sp>
+        <p:nvSpPr>
+          <p:cNvPr id="9" name="Title 8"/>
+          <p:cNvSpPr>
+            <a:spLocks noGrp="1"/>
+          </p:cNvSpPr>
+          <p:nvPr>
+            <p:ph type="title"/>
+          </p:nvPr>
+        </p:nvSpPr>
+        <p:spPr/>
+        <p:txBody>
+          <a:bodyPr/>
+          <a:lstStyle/>
+          <a:p>
+            <a:endParaRPr lang="en-US"/>
+          </a:p>
+        </p:txBody>
+      </p:sp>
+    </p:spTree>
+  </p:cSld>
+  <p:clrMapOvr>
+    <a:masterClrMapping/>
+  </p:clrMapOvr>
+  <p:transition>
+    <p:fade/>
+  </p:transition>
+  <p:timing>
+    <p:tnLst>
+      <p:par>
+        <p:cTn id="1" dur="indefinite" restart="never" nodeType="tmRoot"/>
+      </p:par>
+    </p:tnLst>
+  </p:timing>
+</p:sld>
+</file>
+
+<file path=ppt/slides/slide12.xml><?xml version="1.0" encoding="utf-8"?>
+<p:sld xmlns:a="http://schemas.openxmlformats.org/drawingml/2006/main" xmlns:r="http://schemas.openxmlformats.org/officeDocument/2006/relationships" xmlns:p="http://schemas.openxmlformats.org/presentationml/2006/main">
+  <p:cSld>
+    <p:spTree>
+      <p:nvGrpSpPr>
+        <p:cNvPr id="1" name=""/>
+        <p:cNvGrpSpPr/>
+        <p:nvPr/>
+      </p:nvGrpSpPr>
+      <p:grpSpPr>
+        <a:xfrm>
+          <a:off x="0" y="0"/>
+          <a:ext cx="0" cy="0"/>
+          <a:chOff x="0" y="0"/>
+          <a:chExt cx="0" cy="0"/>
+        </a:xfrm>
+      </p:grpSpPr>
+      <p:sp>
+        <p:nvSpPr>
+          <p:cNvPr id="4" name="Title 1"/>
+          <p:cNvSpPr>
+            <a:spLocks noGrp="1"/>
+          </p:cNvSpPr>
+          <p:nvPr>
+            <p:ph type="title"/>
+          </p:nvPr>
+        </p:nvSpPr>
+        <p:spPr>
+          <a:xfrm>
+            <a:off x="519113" y="456806"/>
+            <a:ext cx="11149013" cy="664797"/>
+          </a:xfrm>
+        </p:spPr>
+        <p:txBody>
+          <a:bodyPr/>
+          <a:lstStyle/>
+          <a:p>
+            <a:r>
+              <a:rPr smtClean="0"/>
+              <a:t>3. 2. Tổng quan về Windows Azure</a:t>
+            </a:r>
+            <a:endParaRPr lang="en-US"/>
+          </a:p>
+        </p:txBody>
+      </p:sp>
+      <p:sp>
+        <p:nvSpPr>
+          <p:cNvPr id="6" name="Content Placeholder 2"/>
+          <p:cNvSpPr>
+            <a:spLocks noGrp="1"/>
+          </p:cNvSpPr>
+          <p:nvPr>
+            <p:ph idx="1"/>
+          </p:nvPr>
+        </p:nvSpPr>
+        <p:spPr>
+          <a:xfrm>
+            <a:off x="684212" y="1524001"/>
+            <a:ext cx="11049000" cy="775597"/>
+          </a:xfrm>
+        </p:spPr>
+        <p:txBody>
+          <a:bodyPr/>
+          <a:lstStyle/>
+          <a:p>
+            <a:pPr lvl="0"/>
+            <a:r>
+              <a:rPr lang="en-US" sz="2800" smtClean="0"/>
+              <a:t>Windows </a:t>
+            </a:r>
+            <a:r>
+              <a:rPr lang="vi-VN" sz="2800" smtClean="0"/>
+              <a:t>Azure </a:t>
+            </a:r>
+            <a:r>
+              <a:rPr lang="vi-VN" sz="2800" smtClean="0"/>
+              <a:t>là một hệ điều hành dùng để chạy các ứng dụng Windows và lưu dữ liệu của nó trên </a:t>
+            </a:r>
+            <a:r>
+              <a:rPr lang="vi-VN" sz="2800" smtClean="0"/>
+              <a:t>đám </a:t>
+            </a:r>
+            <a:r>
+              <a:rPr lang="vi-VN" sz="2800" smtClean="0"/>
+              <a:t>mây</a:t>
+            </a:r>
+            <a:r>
+              <a:rPr lang="en-US" sz="2800" smtClean="0"/>
+              <a:t>.</a:t>
+            </a:r>
+            <a:endParaRPr lang="en-US" sz="2800" smtClean="0"/>
+          </a:p>
+        </p:txBody>
+      </p:sp>
+      <p:pic>
+        <p:nvPicPr>
+          <p:cNvPr id="9" name="Picture 8"/>
+          <p:cNvPicPr/>
+          <p:nvPr/>
+        </p:nvPicPr>
+        <p:blipFill>
+          <a:blip r:embed="rId2" cstate="print"/>
+          <a:srcRect/>
+          <a:stretch>
+            <a:fillRect/>
+          </a:stretch>
+        </p:blipFill>
+        <p:spPr bwMode="auto">
+          <a:xfrm>
+            <a:off x="3503612" y="2514600"/>
+            <a:ext cx="4745925" cy="4038600"/>
+          </a:xfrm>
+          <a:prstGeom prst="rect">
+            <a:avLst/>
+          </a:prstGeom>
+          <a:noFill/>
+          <a:ln w="9525">
+            <a:noFill/>
+            <a:miter lim="800000"/>
+            <a:headEnd/>
+            <a:tailEnd/>
+          </a:ln>
+        </p:spPr>
+      </p:pic>
+      <p:pic>
+        <p:nvPicPr>
+          <p:cNvPr id="10" name="Picture 9"/>
+          <p:cNvPicPr/>
+          <p:nvPr/>
+        </p:nvPicPr>
+        <p:blipFill>
+          <a:blip r:embed="rId3" cstate="print"/>
+          <a:srcRect/>
+          <a:stretch>
+            <a:fillRect/>
+          </a:stretch>
+        </p:blipFill>
+        <p:spPr bwMode="auto">
+          <a:xfrm>
+            <a:off x="2589212" y="3200400"/>
+            <a:ext cx="6853177" cy="2209800"/>
+          </a:xfrm>
+          <a:prstGeom prst="rect">
+            <a:avLst/>
+          </a:prstGeom>
+          <a:noFill/>
+          <a:ln w="9525">
+            <a:noFill/>
+            <a:miter lim="800000"/>
+            <a:headEnd/>
+            <a:tailEnd/>
+          </a:ln>
+        </p:spPr>
+      </p:pic>
+    </p:spTree>
+  </p:cSld>
+  <p:clrMapOvr>
+    <a:masterClrMapping/>
+  </p:clrMapOvr>
+  <p:transition>
+    <p:fade/>
+  </p:transition>
+  <p:timing>
+    <p:tnLst>
+      <p:par>
+        <p:cTn id="1" dur="indefinite" restart="never" nodeType="tmRoot">
+          <p:childTnLst>
+            <p:seq concurrent="1" nextAc="seek">
+              <p:cTn id="2" dur="indefinite" nodeType="mainSeq">
+                <p:childTnLst>
+                  <p:par>
+                    <p:cTn id="3" fill="hold">
+                      <p:stCondLst>
+                        <p:cond delay="indefinite"/>
+                      </p:stCondLst>
+                      <p:childTnLst>
+                        <p:par>
+                          <p:cTn id="4" fill="hold">
+                            <p:stCondLst>
+                              <p:cond delay="0"/>
+                            </p:stCondLst>
+                            <p:childTnLst>
+                              <p:par>
+                                <p:cTn id="5" presetID="3" presetClass="exit" presetSubtype="10" fill="hold" nodeType="clickEffect">
+                                  <p:stCondLst>
+                                    <p:cond delay="0"/>
+                                  </p:stCondLst>
+                                  <p:childTnLst>
+                                    <p:animEffect transition="out" filter="blinds(horizontal)">
+                                      <p:cBhvr>
+                                        <p:cTn id="6" dur="500"/>
+                                        <p:tgtEl>
+                                          <p:spTgt spid="9"/>
+                                        </p:tgtEl>
+                                      </p:cBhvr>
+                                    </p:animEffect>
+                                    <p:set>
+                                      <p:cBhvr>
+                                        <p:cTn id="7" dur="1" fill="hold">
+                                          <p:stCondLst>
+                                            <p:cond delay="499"/>
+                                          </p:stCondLst>
+                                        </p:cTn>
+                                        <p:tgtEl>
+                                          <p:spTgt spid="9"/>
+                                        </p:tgtEl>
+                                        <p:attrNameLst>
+                                          <p:attrName>style.visibility</p:attrName>
+                                        </p:attrNameLst>
+                                      </p:cBhvr>
+                                      <p:to>
+                                        <p:strVal val="hidden"/>
+                                      </p:to>
+                                    </p:set>
+                                  </p:childTnLst>
+                                </p:cTn>
+                              </p:par>
+                              <p:par>
+                                <p:cTn id="8" presetID="5" presetClass="entr" presetSubtype="10" fill="hold" nodeType="withEffect">
+                                  <p:stCondLst>
+                                    <p:cond delay="0"/>
+                                  </p:stCondLst>
+                                  <p:childTnLst>
+                                    <p:set>
+                                      <p:cBhvr>
+                                        <p:cTn id="9" dur="1" fill="hold">
+                                          <p:stCondLst>
+                                            <p:cond delay="0"/>
+                                          </p:stCondLst>
+                                        </p:cTn>
+                                        <p:tgtEl>
+                                          <p:spTgt spid="10"/>
+                                        </p:tgtEl>
+                                        <p:attrNameLst>
+                                          <p:attrName>style.visibility</p:attrName>
+                                        </p:attrNameLst>
+                                      </p:cBhvr>
+                                      <p:to>
+                                        <p:strVal val="visible"/>
+                                      </p:to>
+                                    </p:set>
+                                    <p:animEffect transition="in" filter="checkerboard(across)">
+                                      <p:cBhvr>
+                                        <p:cTn id="10" dur="500"/>
+                                        <p:tgtEl>
+                                          <p:spTgt spid="10"/>
+                                        </p:tgtEl>
+                                      </p:cBhvr>
+                                    </p:animEffect>
+                                  </p:childTnLst>
+                                </p:cTn>
+                              </p:par>
+                            </p:childTnLst>
+                          </p:cTn>
+                        </p:par>
+                      </p:childTnLst>
+                    </p:cTn>
+                  </p:par>
+                </p:childTnLst>
+              </p:cTn>
+              <p:prevCondLst>
+                <p:cond evt="onPrev" delay="0">
+                  <p:tgtEl>
+                    <p:sldTgt/>
+                  </p:tgtEl>
+                </p:cond>
+              </p:prevCondLst>
+              <p:nextCondLst>
+                <p:cond evt="onNext" delay="0">
+                  <p:tgtEl>
+                    <p:sldTgt/>
+                  </p:tgtEl>
+                </p:cond>
+              </p:nextCondLst>
+            </p:seq>
+          </p:childTnLst>
+        </p:cTn>
+      </p:par>
+    </p:tnLst>
+  </p:timing>
+</p:sld>
+</file>
+
+<file path=ppt/slides/slide13.xml><?xml version="1.0" encoding="utf-8"?>
 <p:sld xmlns:a="http://schemas.openxmlformats.org/drawingml/2006/main" xmlns:r="http://schemas.openxmlformats.org/officeDocument/2006/relationships" xmlns:p="http://schemas.openxmlformats.org/presentationml/2006/main">
   <p:cSld>
     <p:spTree>
@@ -4111,235 +4390,6 @@
 </p:sld>
 </file>
 
-<file path=ppt/slides/slide12.xml><?xml version="1.0" encoding="utf-8"?>
-<p:sld xmlns:a="http://schemas.openxmlformats.org/drawingml/2006/main" xmlns:r="http://schemas.openxmlformats.org/officeDocument/2006/relationships" xmlns:p="http://schemas.openxmlformats.org/presentationml/2006/main">
-  <p:cSld>
-    <p:spTree>
-      <p:nvGrpSpPr>
-        <p:cNvPr id="1" name=""/>
-        <p:cNvGrpSpPr/>
-        <p:nvPr/>
-      </p:nvGrpSpPr>
-      <p:grpSpPr>
-        <a:xfrm>
-          <a:off x="0" y="0"/>
-          <a:ext cx="0" cy="0"/>
-          <a:chOff x="0" y="0"/>
-          <a:chExt cx="0" cy="0"/>
-        </a:xfrm>
-      </p:grpSpPr>
-      <p:sp>
-        <p:nvSpPr>
-          <p:cNvPr id="2" name="Title 1"/>
-          <p:cNvSpPr>
-            <a:spLocks noGrp="1"/>
-          </p:cNvSpPr>
-          <p:nvPr>
-            <p:ph type="title"/>
-          </p:nvPr>
-        </p:nvSpPr>
-        <p:spPr/>
-        <p:txBody>
-          <a:bodyPr/>
-          <a:lstStyle/>
-          <a:p>
-            <a:r>
-              <a:rPr smtClean="0"/>
-              <a:t>Storage</a:t>
-            </a:r>
-            <a:endParaRPr lang="en-US"/>
-          </a:p>
-        </p:txBody>
-      </p:sp>
-      <p:pic>
-        <p:nvPicPr>
-          <p:cNvPr id="4" name="Picture 3"/>
-          <p:cNvPicPr/>
-          <p:nvPr/>
-        </p:nvPicPr>
-        <p:blipFill>
-          <a:blip r:embed="rId2" cstate="print"/>
-          <a:srcRect/>
-          <a:stretch>
-            <a:fillRect/>
-          </a:stretch>
-        </p:blipFill>
-        <p:spPr bwMode="auto">
-          <a:xfrm>
-            <a:off x="2894012" y="1981200"/>
-            <a:ext cx="6354958" cy="3505200"/>
-          </a:xfrm>
-          <a:prstGeom prst="rect">
-            <a:avLst/>
-          </a:prstGeom>
-          <a:noFill/>
-          <a:ln w="9525">
-            <a:noFill/>
-            <a:miter lim="800000"/>
-            <a:headEnd/>
-            <a:tailEnd/>
-          </a:ln>
-        </p:spPr>
-      </p:pic>
-    </p:spTree>
-  </p:cSld>
-  <p:clrMapOvr>
-    <a:masterClrMapping/>
-  </p:clrMapOvr>
-  <p:transition>
-    <p:fade/>
-  </p:transition>
-  <p:timing>
-    <p:tnLst>
-      <p:par>
-        <p:cTn id="1" dur="indefinite" restart="never" nodeType="tmRoot"/>
-      </p:par>
-    </p:tnLst>
-  </p:timing>
-</p:sld>
-</file>
-
-<file path=ppt/slides/slide13.xml><?xml version="1.0" encoding="utf-8"?>
-<p:sld xmlns:a="http://schemas.openxmlformats.org/drawingml/2006/main" xmlns:r="http://schemas.openxmlformats.org/officeDocument/2006/relationships" xmlns:p="http://schemas.openxmlformats.org/presentationml/2006/main">
-  <p:cSld>
-    <p:spTree>
-      <p:nvGrpSpPr>
-        <p:cNvPr id="1" name=""/>
-        <p:cNvGrpSpPr/>
-        <p:nvPr/>
-      </p:nvGrpSpPr>
-      <p:grpSpPr>
-        <a:xfrm>
-          <a:off x="0" y="0"/>
-          <a:ext cx="0" cy="0"/>
-          <a:chOff x="0" y="0"/>
-          <a:chExt cx="0" cy="0"/>
-        </a:xfrm>
-      </p:grpSpPr>
-      <p:sp>
-        <p:nvSpPr>
-          <p:cNvPr id="2" name="Title 1"/>
-          <p:cNvSpPr>
-            <a:spLocks noGrp="1"/>
-          </p:cNvSpPr>
-          <p:nvPr>
-            <p:ph type="title"/>
-          </p:nvPr>
-        </p:nvSpPr>
-        <p:spPr/>
-        <p:txBody>
-          <a:bodyPr/>
-          <a:lstStyle/>
-          <a:p>
-            <a:r>
-              <a:rPr smtClean="0"/>
-              <a:t>Fabric</a:t>
-            </a:r>
-            <a:endParaRPr lang="en-US"/>
-          </a:p>
-        </p:txBody>
-      </p:sp>
-      <p:pic>
-        <p:nvPicPr>
-          <p:cNvPr id="4" name="Picture 3"/>
-          <p:cNvPicPr/>
-          <p:nvPr/>
-        </p:nvPicPr>
-        <p:blipFill>
-          <a:blip r:embed="rId2" cstate="print"/>
-          <a:srcRect/>
-          <a:stretch>
-            <a:fillRect/>
-          </a:stretch>
-        </p:blipFill>
-        <p:spPr bwMode="auto">
-          <a:xfrm>
-            <a:off x="3198812" y="2590800"/>
-            <a:ext cx="5364387" cy="3429000"/>
-          </a:xfrm>
-          <a:prstGeom prst="rect">
-            <a:avLst/>
-          </a:prstGeom>
-          <a:noFill/>
-          <a:ln w="9525">
-            <a:noFill/>
-            <a:miter lim="800000"/>
-            <a:headEnd/>
-            <a:tailEnd/>
-          </a:ln>
-        </p:spPr>
-      </p:pic>
-      <p:sp>
-        <p:nvSpPr>
-          <p:cNvPr id="5" name="TextBox 4"/>
-          <p:cNvSpPr txBox="1"/>
-          <p:nvPr/>
-        </p:nvSpPr>
-        <p:spPr>
-          <a:xfrm>
-            <a:off x="531812" y="1219200"/>
-            <a:ext cx="11277600" cy="984885"/>
-          </a:xfrm>
-          <a:prstGeom prst="rect">
-            <a:avLst/>
-          </a:prstGeom>
-          <a:noFill/>
-        </p:spPr>
-        <p:txBody>
-          <a:bodyPr wrap="square" lIns="0" tIns="0" rIns="0" bIns="0" rtlCol="0">
-            <a:spAutoFit/>
-          </a:bodyPr>
-          <a:lstStyle/>
-          <a:p>
-            <a:r>
-              <a:rPr lang="en-US" sz="3200" smtClean="0"/>
-              <a:t>Windows Azure Fabric chứa một một nhóm các máy, tất cả chúng được quản lý bởi một phần mềm gọi là </a:t>
-            </a:r>
-            <a:r>
-              <a:rPr lang="en-US" sz="3200" i="1" smtClean="0"/>
-              <a:t>fabric controller</a:t>
-            </a:r>
-            <a:endParaRPr lang="en-US" sz="3200" dirty="0" err="1" smtClean="0">
-              <a:gradFill>
-                <a:gsLst>
-                  <a:gs pos="0">
-                    <a:schemeClr val="tx1"/>
-                  </a:gs>
-                  <a:gs pos="86000">
-                    <a:schemeClr val="tx1"/>
-                  </a:gs>
-                </a:gsLst>
-                <a:lin ang="5400000" scaled="0"/>
-              </a:gradFill>
-              <a:effectLst>
-                <a:outerShdw blurRad="63500" algn="ctr" rotWithShape="0">
-                  <a:schemeClr val="tx1">
-                    <a:alpha val="60000"/>
-                  </a:schemeClr>
-                </a:outerShdw>
-              </a:effectLst>
-            </a:endParaRPr>
-          </a:p>
-        </p:txBody>
-      </p:sp>
-    </p:spTree>
-  </p:cSld>
-  <p:clrMapOvr>
-    <a:masterClrMapping/>
-  </p:clrMapOvr>
-  <p:transition>
-    <p:fade/>
-  </p:transition>
-  <p:timing>
-    <p:tnLst>
-      <p:par>
-        <p:cTn id="1" dur="indefinite" restart="never" nodeType="tmRoot"/>
-      </p:par>
-    </p:tnLst>
-  </p:timing>
-</p:sld>
-</file>
-
 <file path=ppt/slides/slide14.xml><?xml version="1.0" encoding="utf-8"?>
 <p:sld xmlns:a="http://schemas.openxmlformats.org/drawingml/2006/main" xmlns:r="http://schemas.openxmlformats.org/officeDocument/2006/relationships" xmlns:p="http://schemas.openxmlformats.org/presentationml/2006/main">
   <p:cSld>
@@ -4374,7 +4424,7 @@
           <a:p>
             <a:r>
               <a:rPr smtClean="0"/>
-              <a:t>SQL Azure</a:t>
+              <a:t>Storage</a:t>
             </a:r>
             <a:endParaRPr lang="en-US"/>
           </a:p>
@@ -4395,8 +4445,8 @@
         </p:blipFill>
         <p:spPr bwMode="auto">
           <a:xfrm>
-            <a:off x="2513012" y="2819400"/>
-            <a:ext cx="7349076" cy="3352800"/>
+            <a:off x="4113212" y="1524000"/>
+            <a:ext cx="7460168" cy="4114800"/>
           </a:xfrm>
           <a:prstGeom prst="rect">
             <a:avLst/>
@@ -4412,50 +4462,49 @@
       </p:pic>
       <p:sp>
         <p:nvSpPr>
-          <p:cNvPr id="5" name="TextBox 4"/>
-          <p:cNvSpPr txBox="1"/>
-          <p:nvPr/>
+          <p:cNvPr id="5" name="Content Placeholder 2"/>
+          <p:cNvSpPr>
+            <a:spLocks noGrp="1"/>
+          </p:cNvSpPr>
+          <p:nvPr>
+            <p:ph idx="1"/>
+          </p:nvPr>
         </p:nvSpPr>
         <p:spPr>
           <a:xfrm>
-            <a:off x="455612" y="1371600"/>
-            <a:ext cx="11125200" cy="984885"/>
+            <a:off x="684212" y="1524001"/>
+            <a:ext cx="1981200" cy="1809726"/>
           </a:xfrm>
-          <a:prstGeom prst="rect">
-            <a:avLst/>
-          </a:prstGeom>
-          <a:noFill/>
         </p:spPr>
         <p:txBody>
-          <a:bodyPr wrap="square" lIns="0" tIns="0" rIns="0" bIns="0" rtlCol="0">
-            <a:spAutoFit/>
-          </a:bodyPr>
+          <a:bodyPr/>
           <a:lstStyle/>
           <a:p>
-            <a:r>
-              <a:rPr lang="vi-VN" sz="3200" smtClean="0"/>
-              <a:t>SQL Azure sử dụng ngôn ngữ TSQL để tạo cơ sở dữ liệu và thao tác dữ liệu. </a:t>
-            </a:r>
-            <a:endParaRPr lang="en-US" sz="3200" dirty="0" err="1" smtClean="0">
-              <a:gradFill>
-                <a:gsLst>
-                  <a:gs pos="0">
-                    <a:schemeClr val="tx1"/>
-                  </a:gs>
-                  <a:gs pos="86000">
-                    <a:schemeClr val="tx1"/>
-                  </a:gs>
-                </a:gsLst>
-                <a:lin ang="5400000" scaled="0"/>
-              </a:gradFill>
-              <a:effectLst>
-                <a:outerShdw blurRad="63500" algn="ctr" rotWithShape="0">
-                  <a:schemeClr val="tx1">
-                    <a:alpha val="60000"/>
-                  </a:schemeClr>
-                </a:outerShdw>
-              </a:effectLst>
-            </a:endParaRPr>
+            <a:pPr lvl="0"/>
+            <a:r>
+              <a:rPr lang="en-US" sz="2800" smtClean="0"/>
+              <a:t>Blob</a:t>
+            </a:r>
+          </a:p>
+          <a:p>
+            <a:pPr lvl="0"/>
+            <a:r>
+              <a:rPr lang="en-US" sz="2800" smtClean="0"/>
+              <a:t>Table</a:t>
+            </a:r>
+          </a:p>
+          <a:p>
+            <a:pPr lvl="0"/>
+            <a:r>
+              <a:rPr lang="en-US" sz="2800" smtClean="0"/>
+              <a:t>Queue</a:t>
+            </a:r>
+          </a:p>
+          <a:p>
+            <a:pPr lvl="0">
+              <a:buNone/>
+            </a:pPr>
+            <a:endParaRPr lang="en-US" sz="2800" smtClean="0"/>
           </a:p>
         </p:txBody>
       </p:sp>
@@ -4504,97 +4553,99 @@
             <p:ph type="title"/>
           </p:nvPr>
         </p:nvSpPr>
-        <p:spPr>
-          <a:xfrm>
-            <a:off x="519113" y="456806"/>
-            <a:ext cx="11149013" cy="664797"/>
-          </a:xfrm>
-        </p:spPr>
+        <p:spPr/>
         <p:txBody>
           <a:bodyPr/>
           <a:lstStyle/>
           <a:p>
             <a:r>
               <a:rPr smtClean="0"/>
-              <a:t>Ứng dụng Sổ liên lạc điện tử</a:t>
+              <a:t>Fabric</a:t>
             </a:r>
             <a:endParaRPr lang="en-US"/>
           </a:p>
         </p:txBody>
       </p:sp>
+      <p:pic>
+        <p:nvPicPr>
+          <p:cNvPr id="4" name="Picture 3"/>
+          <p:cNvPicPr/>
+          <p:nvPr/>
+        </p:nvPicPr>
+        <p:blipFill>
+          <a:blip r:embed="rId2" cstate="print"/>
+          <a:srcRect/>
+          <a:stretch>
+            <a:fillRect/>
+          </a:stretch>
+        </p:blipFill>
+        <p:spPr bwMode="auto">
+          <a:xfrm>
+            <a:off x="3198812" y="2590800"/>
+            <a:ext cx="5867400" cy="3750534"/>
+          </a:xfrm>
+          <a:prstGeom prst="rect">
+            <a:avLst/>
+          </a:prstGeom>
+          <a:noFill/>
+          <a:ln w="9525">
+            <a:noFill/>
+            <a:miter lim="800000"/>
+            <a:headEnd/>
+            <a:tailEnd/>
+          </a:ln>
+        </p:spPr>
+      </p:pic>
       <p:sp>
         <p:nvSpPr>
-          <p:cNvPr id="3" name="Content Placeholder 2"/>
-          <p:cNvSpPr>
-            <a:spLocks noGrp="1"/>
-          </p:cNvSpPr>
-          <p:nvPr>
-            <p:ph idx="1"/>
-          </p:nvPr>
+          <p:cNvPr id="5" name="TextBox 4"/>
+          <p:cNvSpPr txBox="1"/>
+          <p:nvPr/>
         </p:nvSpPr>
         <p:spPr>
           <a:xfrm>
-            <a:off x="519113" y="1499616"/>
-            <a:ext cx="11149013" cy="4235006"/>
+            <a:off x="531812" y="1219200"/>
+            <a:ext cx="11277600" cy="984885"/>
           </a:xfrm>
+          <a:prstGeom prst="rect">
+            <a:avLst/>
+          </a:prstGeom>
+          <a:noFill/>
         </p:spPr>
         <p:txBody>
-          <a:bodyPr/>
+          <a:bodyPr wrap="square" lIns="0" tIns="0" rIns="0" bIns="0" rtlCol="0">
+            <a:spAutoFit/>
+          </a:bodyPr>
           <a:lstStyle/>
           <a:p>
-            <a:pPr lvl="0"/>
-            <a:r>
-              <a:rPr lang="en-US" smtClean="0"/>
-              <a:t>Quản lí thông tin học sinh</a:t>
-            </a:r>
-          </a:p>
-          <a:p>
-            <a:pPr lvl="0"/>
-            <a:r>
-              <a:rPr lang="en-US" smtClean="0"/>
-              <a:t>Quản lí lớp học</a:t>
-            </a:r>
-          </a:p>
-          <a:p>
-            <a:pPr lvl="0"/>
-            <a:r>
-              <a:rPr lang="en-US" smtClean="0"/>
-              <a:t>Quản lí lời nhắn khẩn đến phụ huynh</a:t>
-            </a:r>
-          </a:p>
-          <a:p>
-            <a:pPr lvl="0"/>
-            <a:r>
-              <a:rPr lang="en-US" smtClean="0"/>
-              <a:t>Phụ huynh góp ý</a:t>
-            </a:r>
-          </a:p>
-          <a:p>
-            <a:pPr lvl="0"/>
-            <a:r>
-              <a:rPr lang="en-US" smtClean="0"/>
-              <a:t>Quản lí danh mục</a:t>
-            </a:r>
-          </a:p>
-          <a:p>
-            <a:pPr lvl="0"/>
-            <a:r>
-              <a:rPr lang="en-US" smtClean="0"/>
-              <a:t>Quản lí người dùng</a:t>
-            </a:r>
-          </a:p>
-          <a:p>
-            <a:pPr lvl="0"/>
-            <a:r>
-              <a:rPr lang="en-US" smtClean="0"/>
-              <a:t>Báo cáo thống kê</a:t>
-            </a:r>
-          </a:p>
-          <a:p>
-            <a:pPr>
-              <a:buNone/>
-            </a:pPr>
-            <a:endParaRPr lang="en-US"/>
+            <a:r>
+              <a:rPr lang="en-US" sz="3200" smtClean="0"/>
+              <a:t>Windows Azure Fabric chứa một một nhóm các máy, tất cả chúng được quản lý bởi một phần mềm gọi là </a:t>
+            </a:r>
+            <a:r>
+              <a:rPr lang="en-US" sz="3200" i="1" smtClean="0"/>
+              <a:t>fabric controller</a:t>
+            </a:r>
+            <a:endParaRPr lang="en-US" sz="3200" dirty="0" err="1" smtClean="0">
+              <a:gradFill>
+                <a:gsLst>
+                  <a:gs pos="0">
+                    <a:schemeClr val="tx1"/>
+                  </a:gs>
+                  <a:gs pos="86000">
+                    <a:schemeClr val="tx1"/>
+                  </a:gs>
+                </a:gsLst>
+                <a:lin ang="5400000" scaled="0"/>
+              </a:gradFill>
+              <a:effectLst>
+                <a:outerShdw blurRad="63500" algn="ctr" rotWithShape="0">
+                  <a:schemeClr val="tx1">
+                    <a:alpha val="60000"/>
+                  </a:schemeClr>
+                </a:outerShdw>
+              </a:effectLst>
+            </a:endParaRPr>
           </a:p>
         </p:txBody>
       </p:sp>
@@ -4635,14 +4686,37 @@
       </p:grpSpPr>
       <p:sp>
         <p:nvSpPr>
-          <p:cNvPr id="6" name="TextBox 5"/>
+          <p:cNvPr id="2" name="Title 1"/>
+          <p:cNvSpPr>
+            <a:spLocks noGrp="1"/>
+          </p:cNvSpPr>
+          <p:nvPr>
+            <p:ph type="title"/>
+          </p:nvPr>
+        </p:nvSpPr>
+        <p:spPr/>
+        <p:txBody>
+          <a:bodyPr/>
+          <a:lstStyle/>
+          <a:p>
+            <a:r>
+              <a:rPr smtClean="0"/>
+              <a:t>SQL Azure</a:t>
+            </a:r>
+            <a:endParaRPr lang="en-US"/>
+          </a:p>
+        </p:txBody>
+      </p:sp>
+      <p:sp>
+        <p:nvSpPr>
+          <p:cNvPr id="5" name="TextBox 4"/>
           <p:cNvSpPr txBox="1"/>
           <p:nvPr/>
         </p:nvSpPr>
         <p:spPr>
           <a:xfrm>
-            <a:off x="3567567" y="2133600"/>
-            <a:ext cx="5041445" cy="1692771"/>
+            <a:off x="608012" y="1295400"/>
+            <a:ext cx="11125200" cy="861774"/>
           </a:xfrm>
           <a:prstGeom prst="rect">
             <a:avLst/>
@@ -4650,37 +4724,16 @@
           <a:noFill/>
         </p:spPr>
         <p:txBody>
-          <a:bodyPr wrap="none" lIns="0" tIns="0" rIns="0" bIns="0" rtlCol="0">
+          <a:bodyPr wrap="square" lIns="0" tIns="0" rIns="0" bIns="0" rtlCol="0">
             <a:spAutoFit/>
           </a:bodyPr>
           <a:lstStyle/>
           <a:p>
             <a:r>
-              <a:rPr lang="en-US" sz="11000" smtClean="0">
-                <a:gradFill>
-                  <a:gsLst>
-                    <a:gs pos="0">
-                      <a:schemeClr val="tx1"/>
-                    </a:gs>
-                    <a:gs pos="86000">
-                      <a:schemeClr val="tx1"/>
-                    </a:gs>
-                  </a:gsLst>
-                  <a:lin ang="5400000" scaled="0"/>
-                </a:gradFill>
-                <a:effectLst>
-                  <a:outerShdw blurRad="63500" algn="ctr" rotWithShape="0">
-                    <a:schemeClr val="tx1">
-                      <a:alpha val="60000"/>
-                    </a:schemeClr>
-                  </a:outerShdw>
-                </a:effectLst>
-                <a:latin typeface="Calibri" pitchFamily="34" charset="0"/>
-                <a:cs typeface="Calibri" pitchFamily="34" charset="0"/>
-              </a:rPr>
-              <a:t>THE END</a:t>
-            </a:r>
-            <a:endParaRPr lang="en-US" sz="11000" dirty="0" err="1" smtClean="0">
+              <a:rPr lang="vi-VN" sz="2800" smtClean="0"/>
+              <a:t>SQL Azure sử dụng ngôn ngữ TSQL để tạo cơ sở dữ liệu và thao tác dữ liệu. </a:t>
+            </a:r>
+            <a:endParaRPr lang="en-US" sz="2800" dirty="0" err="1" smtClean="0">
               <a:gradFill>
                 <a:gsLst>
                   <a:gs pos="0">
@@ -4699,34 +4752,316 @@
                   </a:schemeClr>
                 </a:outerShdw>
               </a:effectLst>
-              <a:latin typeface="Calibri" pitchFamily="34" charset="0"/>
-              <a:cs typeface="Calibri" pitchFamily="34" charset="0"/>
             </a:endParaRPr>
           </a:p>
         </p:txBody>
       </p:sp>
+      <p:pic>
+        <p:nvPicPr>
+          <p:cNvPr id="16386" name="Picture 2" descr="C:\Users\ADMIN\Downloads\SQL-Azure_rgb (1).png"/>
+          <p:cNvPicPr>
+            <a:picLocks noChangeAspect="1" noChangeArrowheads="1"/>
+          </p:cNvPicPr>
+          <p:nvPr/>
+        </p:nvPicPr>
+        <p:blipFill>
+          <a:blip r:embed="rId2"/>
+          <a:srcRect/>
+          <a:stretch>
+            <a:fillRect/>
+          </a:stretch>
+        </p:blipFill>
+        <p:spPr bwMode="auto">
+          <a:xfrm>
+            <a:off x="912812" y="2743200"/>
+            <a:ext cx="4171950" cy="1285875"/>
+          </a:xfrm>
+          <a:prstGeom prst="rect">
+            <a:avLst/>
+          </a:prstGeom>
+          <a:noFill/>
+        </p:spPr>
+      </p:pic>
+      <p:pic>
+        <p:nvPicPr>
+          <p:cNvPr id="55298" name="Picture 2" descr="E:\UIT\CNTT IX\pic\Untitled-15.png"/>
+          <p:cNvPicPr>
+            <a:picLocks noChangeAspect="1" noChangeArrowheads="1"/>
+          </p:cNvPicPr>
+          <p:nvPr/>
+        </p:nvPicPr>
+        <p:blipFill>
+          <a:blip r:embed="rId3"/>
+          <a:srcRect/>
+          <a:stretch>
+            <a:fillRect/>
+          </a:stretch>
+        </p:blipFill>
+        <p:spPr bwMode="auto">
+          <a:xfrm>
+            <a:off x="6856412" y="2895600"/>
+            <a:ext cx="4038600" cy="1026125"/>
+          </a:xfrm>
+          <a:prstGeom prst="rect">
+            <a:avLst/>
+          </a:prstGeom>
+          <a:noFill/>
+        </p:spPr>
+      </p:pic>
     </p:spTree>
-    <p:extLst>
-      <p:ext uri="{BB962C8B-B14F-4D97-AF65-F5344CB8AC3E}">
-        <p14:creationId xmlns:p14="http://schemas.microsoft.com/office/powerpoint/2010/main" xmlns="" val="1953245266"/>
-      </p:ext>
-    </p:extLst>
   </p:cSld>
   <p:clrMapOvr>
     <a:masterClrMapping/>
   </p:clrMapOvr>
-  <mc:AlternateContent xmlns:mc="http://schemas.openxmlformats.org/markup-compatibility/2006">
-    <mc:Choice xmlns:p14="http://schemas.microsoft.com/office/powerpoint/2010/main" xmlns="" Requires="p14">
-      <p:transition spd="med" p14:dur="700">
-        <p:fade/>
-      </p:transition>
-    </mc:Choice>
-    <mc:Fallback>
-      <p:transition spd="med">
-        <p:fade/>
-      </p:transition>
-    </mc:Fallback>
-  </mc:AlternateContent>
+  <p:transition>
+    <p:fade/>
+  </p:transition>
+  <p:timing>
+    <p:tnLst>
+      <p:par>
+        <p:cTn id="1" dur="indefinite" restart="never" nodeType="tmRoot"/>
+      </p:par>
+    </p:tnLst>
+  </p:timing>
+</p:sld>
+</file>
+
+<file path=ppt/slides/slide17.xml><?xml version="1.0" encoding="utf-8"?>
+<p:sld xmlns:a="http://schemas.openxmlformats.org/drawingml/2006/main" xmlns:r="http://schemas.openxmlformats.org/officeDocument/2006/relationships" xmlns:p="http://schemas.openxmlformats.org/presentationml/2006/main">
+  <p:cSld>
+    <p:spTree>
+      <p:nvGrpSpPr>
+        <p:cNvPr id="1" name=""/>
+        <p:cNvGrpSpPr/>
+        <p:nvPr/>
+      </p:nvGrpSpPr>
+      <p:grpSpPr>
+        <a:xfrm>
+          <a:off x="0" y="0"/>
+          <a:ext cx="0" cy="0"/>
+          <a:chOff x="0" y="0"/>
+          <a:chExt cx="0" cy="0"/>
+        </a:xfrm>
+      </p:grpSpPr>
+      <p:sp>
+        <p:nvSpPr>
+          <p:cNvPr id="4" name="Title 1"/>
+          <p:cNvSpPr>
+            <a:spLocks noGrp="1"/>
+          </p:cNvSpPr>
+          <p:nvPr>
+            <p:ph type="title"/>
+          </p:nvPr>
+        </p:nvSpPr>
+        <p:spPr>
+          <a:xfrm>
+            <a:off x="519113" y="456806"/>
+            <a:ext cx="11149013" cy="664797"/>
+          </a:xfrm>
+        </p:spPr>
+        <p:txBody>
+          <a:bodyPr/>
+          <a:lstStyle/>
+          <a:p>
+            <a:r>
+              <a:rPr smtClean="0"/>
+              <a:t>4. Ứng dụng sổ liên lạc trực tuyến</a:t>
+            </a:r>
+            <a:endParaRPr lang="en-US"/>
+          </a:p>
+        </p:txBody>
+      </p:sp>
+      <p:sp>
+        <p:nvSpPr>
+          <p:cNvPr id="6" name="Content Placeholder 5"/>
+          <p:cNvSpPr>
+            <a:spLocks noGrp="1"/>
+          </p:cNvSpPr>
+          <p:nvPr>
+            <p:ph idx="1"/>
+          </p:nvPr>
+        </p:nvSpPr>
+        <p:spPr/>
+        <p:txBody>
+          <a:bodyPr/>
+          <a:lstStyle/>
+          <a:p>
+            <a:endParaRPr lang="en-US"/>
+          </a:p>
+        </p:txBody>
+      </p:sp>
+    </p:spTree>
+  </p:cSld>
+  <p:clrMapOvr>
+    <a:masterClrMapping/>
+  </p:clrMapOvr>
+  <p:transition>
+    <p:fade/>
+  </p:transition>
+  <p:timing>
+    <p:tnLst>
+      <p:par>
+        <p:cTn id="1" dur="indefinite" restart="never" nodeType="tmRoot"/>
+      </p:par>
+    </p:tnLst>
+  </p:timing>
+</p:sld>
+</file>
+
+<file path=ppt/slides/slide18.xml><?xml version="1.0" encoding="utf-8"?>
+<p:sld xmlns:a="http://schemas.openxmlformats.org/drawingml/2006/main" xmlns:r="http://schemas.openxmlformats.org/officeDocument/2006/relationships" xmlns:p="http://schemas.openxmlformats.org/presentationml/2006/main">
+  <p:cSld>
+    <p:spTree>
+      <p:nvGrpSpPr>
+        <p:cNvPr id="1" name=""/>
+        <p:cNvGrpSpPr/>
+        <p:nvPr/>
+      </p:nvGrpSpPr>
+      <p:grpSpPr>
+        <a:xfrm>
+          <a:off x="0" y="0"/>
+          <a:ext cx="0" cy="0"/>
+          <a:chOff x="0" y="0"/>
+          <a:chExt cx="0" cy="0"/>
+        </a:xfrm>
+      </p:grpSpPr>
+      <p:sp>
+        <p:nvSpPr>
+          <p:cNvPr id="4" name="Title 1"/>
+          <p:cNvSpPr>
+            <a:spLocks noGrp="1"/>
+          </p:cNvSpPr>
+          <p:nvPr>
+            <p:ph type="title"/>
+          </p:nvPr>
+        </p:nvSpPr>
+        <p:spPr>
+          <a:xfrm>
+            <a:off x="519113" y="456806"/>
+            <a:ext cx="11149013" cy="664797"/>
+          </a:xfrm>
+        </p:spPr>
+        <p:txBody>
+          <a:bodyPr/>
+          <a:lstStyle/>
+          <a:p>
+            <a:r>
+              <a:rPr smtClean="0"/>
+              <a:t>5. Hiện thực hệ thống</a:t>
+            </a:r>
+            <a:endParaRPr lang="en-US"/>
+          </a:p>
+        </p:txBody>
+      </p:sp>
+      <p:sp>
+        <p:nvSpPr>
+          <p:cNvPr id="6" name="Content Placeholder 5"/>
+          <p:cNvSpPr>
+            <a:spLocks noGrp="1"/>
+          </p:cNvSpPr>
+          <p:nvPr>
+            <p:ph idx="1"/>
+          </p:nvPr>
+        </p:nvSpPr>
+        <p:spPr/>
+        <p:txBody>
+          <a:bodyPr/>
+          <a:lstStyle/>
+          <a:p>
+            <a:endParaRPr lang="en-US"/>
+          </a:p>
+        </p:txBody>
+      </p:sp>
+    </p:spTree>
+  </p:cSld>
+  <p:clrMapOvr>
+    <a:masterClrMapping/>
+  </p:clrMapOvr>
+  <p:transition>
+    <p:fade/>
+  </p:transition>
+  <p:timing>
+    <p:tnLst>
+      <p:par>
+        <p:cTn id="1" dur="indefinite" restart="never" nodeType="tmRoot"/>
+      </p:par>
+    </p:tnLst>
+  </p:timing>
+</p:sld>
+</file>
+
+<file path=ppt/slides/slide19.xml><?xml version="1.0" encoding="utf-8"?>
+<p:sld xmlns:a="http://schemas.openxmlformats.org/drawingml/2006/main" xmlns:r="http://schemas.openxmlformats.org/officeDocument/2006/relationships" xmlns:p="http://schemas.openxmlformats.org/presentationml/2006/main">
+  <p:cSld>
+    <p:spTree>
+      <p:nvGrpSpPr>
+        <p:cNvPr id="1" name=""/>
+        <p:cNvGrpSpPr/>
+        <p:nvPr/>
+      </p:nvGrpSpPr>
+      <p:grpSpPr>
+        <a:xfrm>
+          <a:off x="0" y="0"/>
+          <a:ext cx="0" cy="0"/>
+          <a:chOff x="0" y="0"/>
+          <a:chExt cx="0" cy="0"/>
+        </a:xfrm>
+      </p:grpSpPr>
+      <p:sp>
+        <p:nvSpPr>
+          <p:cNvPr id="4" name="Title 1"/>
+          <p:cNvSpPr>
+            <a:spLocks noGrp="1"/>
+          </p:cNvSpPr>
+          <p:nvPr>
+            <p:ph type="title"/>
+          </p:nvPr>
+        </p:nvSpPr>
+        <p:spPr>
+          <a:xfrm>
+            <a:off x="519113" y="456806"/>
+            <a:ext cx="11149013" cy="664797"/>
+          </a:xfrm>
+        </p:spPr>
+        <p:txBody>
+          <a:bodyPr/>
+          <a:lstStyle/>
+          <a:p>
+            <a:r>
+              <a:rPr smtClean="0"/>
+              <a:t>6. Kết luận và hướng phát triển</a:t>
+            </a:r>
+            <a:endParaRPr lang="en-US"/>
+          </a:p>
+        </p:txBody>
+      </p:sp>
+      <p:sp>
+        <p:nvSpPr>
+          <p:cNvPr id="6" name="Content Placeholder 5"/>
+          <p:cNvSpPr>
+            <a:spLocks noGrp="1"/>
+          </p:cNvSpPr>
+          <p:nvPr>
+            <p:ph idx="1"/>
+          </p:nvPr>
+        </p:nvSpPr>
+        <p:spPr/>
+        <p:txBody>
+          <a:bodyPr/>
+          <a:lstStyle/>
+          <a:p>
+            <a:endParaRPr lang="en-US"/>
+          </a:p>
+        </p:txBody>
+      </p:sp>
+    </p:spTree>
+  </p:cSld>
+  <p:clrMapOvr>
+    <a:masterClrMapping/>
+  </p:clrMapOvr>
+  <p:transition>
+    <p:fade/>
+  </p:transition>
   <p:timing>
     <p:tnLst>
       <p:par>
@@ -4771,7 +5106,7 @@
           <a:p>
             <a:r>
               <a:rPr smtClean="0"/>
-              <a:t>Mục tiêu</a:t>
+              <a:t>Nội dung trình bày</a:t>
             </a:r>
             <a:endParaRPr lang="en-US"/>
           </a:p>
@@ -4790,64 +5125,261 @@
         <p:spPr>
           <a:xfrm>
             <a:off x="519113" y="1499616"/>
-            <a:ext cx="11149013" cy="2960811"/>
+            <a:ext cx="11149013" cy="2757678"/>
           </a:xfrm>
         </p:spPr>
         <p:txBody>
           <a:bodyPr/>
           <a:lstStyle/>
           <a:p>
+            <a:pPr>
+              <a:buFont typeface="+mj-lt"/>
+              <a:buAutoNum type="arabicPeriod"/>
+            </a:pPr>
             <a:r>
               <a:rPr lang="en-US" sz="2800" smtClean="0"/>
-              <a:t>Tìm hiểu về điện toán đám mây</a:t>
-            </a:r>
-          </a:p>
-          <a:p>
-            <a:pPr lvl="1"/>
-            <a:r>
-              <a:rPr lang="en-US" sz="2400" smtClean="0"/>
-              <a:t>Kiến trúc tổng quan</a:t>
-            </a:r>
-          </a:p>
-          <a:p>
-            <a:pPr lvl="1"/>
-            <a:r>
-              <a:rPr lang="en-US" sz="2400" smtClean="0"/>
-              <a:t>Lợi ích mà điện toán đám mây mang lại</a:t>
-            </a:r>
-          </a:p>
-          <a:p>
-            <a:pPr lvl="1"/>
-            <a:r>
-              <a:rPr lang="en-US" sz="2400" smtClean="0"/>
-              <a:t>Cách thức vận hành</a:t>
-            </a:r>
-          </a:p>
-          <a:p>
-            <a:pPr lvl="1"/>
-            <a:r>
-              <a:rPr lang="en-US" sz="2400" smtClean="0"/>
-              <a:t>DNS</a:t>
-            </a:r>
-          </a:p>
-          <a:p>
+              <a:t>Đặt vấn đề</a:t>
+            </a:r>
+            <a:endParaRPr lang="en-US" sz="2800" smtClean="0"/>
+          </a:p>
+          <a:p>
+            <a:pPr>
+              <a:buFont typeface="+mj-lt"/>
+              <a:buAutoNum type="arabicPeriod"/>
+            </a:pPr>
             <a:r>
               <a:rPr lang="en-US" sz="2800" smtClean="0"/>
-              <a:t>Tìm hiểu các dịch vụ của điện toán đám mây</a:t>
-            </a:r>
-          </a:p>
-          <a:p>
+              <a:t>Mục tiêu và phạm vi khóa luận</a:t>
+            </a:r>
+            <a:endParaRPr lang="en-US" sz="2800" smtClean="0"/>
+          </a:p>
+          <a:p>
+            <a:pPr>
+              <a:buFont typeface="+mj-lt"/>
+              <a:buAutoNum type="arabicPeriod"/>
+            </a:pPr>
             <a:r>
               <a:rPr lang="en-US" sz="2800" smtClean="0"/>
-              <a:t>Triển khai ứng dụng sổ liên lạc điện tử trên nền Windows Azure</a:t>
-            </a:r>
+              <a:t>Tổng quan về Điện toán đám mây và Windows Azure</a:t>
+            </a:r>
+          </a:p>
+          <a:p>
+            <a:pPr>
+              <a:buFont typeface="+mj-lt"/>
+              <a:buAutoNum type="arabicPeriod"/>
+            </a:pPr>
+            <a:r>
+              <a:rPr lang="en-US" sz="2800" smtClean="0"/>
+              <a:t>Ứng dụng sổ liên lạc trực tuyến</a:t>
+            </a:r>
+          </a:p>
+          <a:p>
+            <a:pPr>
+              <a:buFont typeface="+mj-lt"/>
+              <a:buAutoNum type="arabicPeriod"/>
+            </a:pPr>
+            <a:r>
+              <a:rPr lang="en-US" sz="2800" smtClean="0"/>
+              <a:t>Hiện thực hệ thống </a:t>
+            </a:r>
+          </a:p>
+          <a:p>
+            <a:pPr>
+              <a:buFont typeface="+mj-lt"/>
+              <a:buAutoNum type="arabicPeriod"/>
+            </a:pPr>
+            <a:r>
+              <a:rPr lang="en-US" sz="2800" smtClean="0"/>
+              <a:t>Kết luận và hướng phát triển</a:t>
+            </a:r>
+            <a:endParaRPr lang="en-US" sz="2800" smtClean="0"/>
+          </a:p>
+        </p:txBody>
+      </p:sp>
+    </p:spTree>
+  </p:cSld>
+  <p:clrMapOvr>
+    <a:masterClrMapping/>
+  </p:clrMapOvr>
+  <p:transition>
+    <p:fade/>
+  </p:transition>
+  <p:timing>
+    <p:tnLst>
+      <p:par>
+        <p:cTn id="1" dur="indefinite" restart="never" nodeType="tmRoot"/>
+      </p:par>
+    </p:tnLst>
+  </p:timing>
+</p:sld>
+</file>
+
+<file path=ppt/slides/slide20.xml><?xml version="1.0" encoding="utf-8"?>
+<p:sld xmlns:a="http://schemas.openxmlformats.org/drawingml/2006/main" xmlns:r="http://schemas.openxmlformats.org/officeDocument/2006/relationships" xmlns:p="http://schemas.openxmlformats.org/presentationml/2006/main">
+  <p:cSld>
+    <p:spTree>
+      <p:nvGrpSpPr>
+        <p:cNvPr id="1" name=""/>
+        <p:cNvGrpSpPr/>
+        <p:nvPr/>
+      </p:nvGrpSpPr>
+      <p:grpSpPr>
+        <a:xfrm>
+          <a:off x="0" y="0"/>
+          <a:ext cx="0" cy="0"/>
+          <a:chOff x="0" y="0"/>
+          <a:chExt cx="0" cy="0"/>
+        </a:xfrm>
+      </p:grpSpPr>
+      <p:sp>
+        <p:nvSpPr>
+          <p:cNvPr id="2" name="Title 1"/>
+          <p:cNvSpPr>
+            <a:spLocks noGrp="1"/>
+          </p:cNvSpPr>
+          <p:nvPr>
+            <p:ph type="title"/>
+          </p:nvPr>
+        </p:nvSpPr>
+        <p:spPr/>
+        <p:txBody>
+          <a:bodyPr/>
+          <a:lstStyle/>
+          <a:p>
+            <a:endParaRPr lang="en-US"/>
+          </a:p>
+        </p:txBody>
+      </p:sp>
+      <p:sp>
+        <p:nvSpPr>
+          <p:cNvPr id="3" name="Content Placeholder 2"/>
+          <p:cNvSpPr>
+            <a:spLocks noGrp="1"/>
+          </p:cNvSpPr>
+          <p:nvPr>
+            <p:ph idx="1"/>
+          </p:nvPr>
+        </p:nvSpPr>
+        <p:spPr/>
+        <p:txBody>
+          <a:bodyPr/>
+          <a:lstStyle/>
+          <a:p>
+            <a:endParaRPr lang="en-US"/>
+          </a:p>
+        </p:txBody>
+      </p:sp>
+    </p:spTree>
+  </p:cSld>
+  <p:clrMapOvr>
+    <a:masterClrMapping/>
+  </p:clrMapOvr>
+  <p:transition>
+    <p:fade/>
+  </p:transition>
+  <p:timing>
+    <p:tnLst>
+      <p:par>
+        <p:cTn id="1" dur="indefinite" restart="never" nodeType="tmRoot"/>
+      </p:par>
+    </p:tnLst>
+  </p:timing>
+</p:sld>
+</file>
+
+<file path=ppt/slides/slide21.xml><?xml version="1.0" encoding="utf-8"?>
+<p:sld xmlns:a="http://schemas.openxmlformats.org/drawingml/2006/main" xmlns:r="http://schemas.openxmlformats.org/officeDocument/2006/relationships" xmlns:p="http://schemas.openxmlformats.org/presentationml/2006/main">
+  <p:cSld>
+    <p:spTree>
+      <p:nvGrpSpPr>
+        <p:cNvPr id="1" name=""/>
+        <p:cNvGrpSpPr/>
+        <p:nvPr/>
+      </p:nvGrpSpPr>
+      <p:grpSpPr>
+        <a:xfrm>
+          <a:off x="0" y="0"/>
+          <a:ext cx="0" cy="0"/>
+          <a:chOff x="0" y="0"/>
+          <a:chExt cx="0" cy="0"/>
+        </a:xfrm>
+      </p:grpSpPr>
+      <p:sp>
+        <p:nvSpPr>
+          <p:cNvPr id="6" name="TextBox 5"/>
+          <p:cNvSpPr txBox="1"/>
+          <p:nvPr/>
+        </p:nvSpPr>
+        <p:spPr>
+          <a:xfrm>
+            <a:off x="3567567" y="2133600"/>
+            <a:ext cx="5041445" cy="1692771"/>
+          </a:xfrm>
+          <a:prstGeom prst="rect">
+            <a:avLst/>
+          </a:prstGeom>
+          <a:noFill/>
+        </p:spPr>
+        <p:txBody>
+          <a:bodyPr wrap="none" lIns="0" tIns="0" rIns="0" bIns="0" rtlCol="0">
+            <a:spAutoFit/>
+          </a:bodyPr>
+          <a:lstStyle/>
+          <a:p>
+            <a:r>
+              <a:rPr lang="en-US" sz="11000" smtClean="0">
+                <a:gradFill>
+                  <a:gsLst>
+                    <a:gs pos="0">
+                      <a:schemeClr val="tx1"/>
+                    </a:gs>
+                    <a:gs pos="86000">
+                      <a:schemeClr val="tx1"/>
+                    </a:gs>
+                  </a:gsLst>
+                  <a:lin ang="5400000" scaled="0"/>
+                </a:gradFill>
+                <a:effectLst>
+                  <a:outerShdw blurRad="63500" algn="ctr" rotWithShape="0">
+                    <a:schemeClr val="tx1">
+                      <a:alpha val="60000"/>
+                    </a:schemeClr>
+                  </a:outerShdw>
+                </a:effectLst>
+                <a:latin typeface="Calibri" pitchFamily="34" charset="0"/>
+                <a:cs typeface="Calibri" pitchFamily="34" charset="0"/>
+              </a:rPr>
+              <a:t>THE END</a:t>
+            </a:r>
+            <a:endParaRPr lang="en-US" sz="11000" dirty="0" err="1" smtClean="0">
+              <a:gradFill>
+                <a:gsLst>
+                  <a:gs pos="0">
+                    <a:schemeClr val="tx1"/>
+                  </a:gs>
+                  <a:gs pos="86000">
+                    <a:schemeClr val="tx1"/>
+                  </a:gs>
+                </a:gsLst>
+                <a:lin ang="5400000" scaled="0"/>
+              </a:gradFill>
+              <a:effectLst>
+                <a:outerShdw blurRad="63500" algn="ctr" rotWithShape="0">
+                  <a:schemeClr val="tx1">
+                    <a:alpha val="60000"/>
+                  </a:schemeClr>
+                </a:outerShdw>
+              </a:effectLst>
+              <a:latin typeface="Calibri" pitchFamily="34" charset="0"/>
+              <a:cs typeface="Calibri" pitchFamily="34" charset="0"/>
+            </a:endParaRPr>
           </a:p>
         </p:txBody>
       </p:sp>
     </p:spTree>
     <p:extLst>
       <p:ext uri="{BB962C8B-B14F-4D97-AF65-F5344CB8AC3E}">
-        <p14:creationId xmlns:p14="http://schemas.microsoft.com/office/powerpoint/2010/main" xmlns="" val="105799648"/>
+        <p14:creationId xmlns="" xmlns:p14="http://schemas.microsoft.com/office/powerpoint/2010/main" val="1953245266"/>
       </p:ext>
     </p:extLst>
   </p:cSld>
@@ -4855,7 +5387,7 @@
     <a:masterClrMapping/>
   </p:clrMapOvr>
   <mc:AlternateContent xmlns:mc="http://schemas.openxmlformats.org/markup-compatibility/2006">
-    <mc:Choice xmlns:p14="http://schemas.microsoft.com/office/powerpoint/2010/main" xmlns="" Requires="p14">
+    <mc:Choice xmlns="" xmlns:p14="http://schemas.microsoft.com/office/powerpoint/2010/main" Requires="p14">
       <p:transition spd="med" p14:dur="700">
         <p:fade/>
       </p:transition>
@@ -4895,7 +5427,79 @@
       </p:grpSpPr>
       <p:sp>
         <p:nvSpPr>
-          <p:cNvPr id="4" name="Title 3"/>
+          <p:cNvPr id="37" name="Cloud 36"/>
+          <p:cNvSpPr/>
+          <p:nvPr/>
+        </p:nvSpPr>
+        <p:spPr bwMode="auto">
+          <a:xfrm>
+            <a:off x="4494212" y="1676400"/>
+            <a:ext cx="3124200" cy="3200400"/>
+          </a:xfrm>
+          <a:prstGeom prst="cloud">
+            <a:avLst/>
+          </a:prstGeom>
+          <a:ln>
+            <a:headEnd type="none" w="med" len="med"/>
+            <a:tailEnd type="none" w="med" len="med"/>
+          </a:ln>
+          <a:effectLst>
+            <a:innerShdw blurRad="127000" dir="11220000">
+              <a:prstClr val="black">
+                <a:alpha val="50000"/>
+              </a:prstClr>
+            </a:innerShdw>
+          </a:effectLst>
+          <a:scene3d>
+            <a:camera prst="orthographicFront">
+              <a:rot lat="0" lon="0" rev="0"/>
+            </a:camera>
+            <a:lightRig rig="threePt" dir="tl"/>
+          </a:scene3d>
+          <a:sp3d prstMaterial="matte"/>
+        </p:spPr>
+        <p:style>
+          <a:lnRef idx="0">
+            <a:schemeClr val="accent1"/>
+          </a:lnRef>
+          <a:fillRef idx="3">
+            <a:schemeClr val="accent1"/>
+          </a:fillRef>
+          <a:effectRef idx="3">
+            <a:schemeClr val="accent1"/>
+          </a:effectRef>
+          <a:fontRef idx="minor">
+            <a:schemeClr val="lt1"/>
+          </a:fontRef>
+        </p:style>
+        <p:txBody>
+          <a:bodyPr vert="horz" wrap="square" lIns="91436" tIns="45718" rIns="91436" bIns="45718" numCol="1" rtlCol="0" anchor="ctr" anchorCtr="0" compatLnSpc="1">
+            <a:prstTxWarp prst="textNoShape">
+              <a:avLst/>
+            </a:prstTxWarp>
+          </a:bodyPr>
+          <a:lstStyle/>
+          <a:p>
+            <a:pPr algn="ctr" defTabSz="914099"/>
+            <a:endParaRPr lang="en-US" sz="2400" spc="-50" dirty="0" smtClean="0">
+              <a:gradFill>
+                <a:gsLst>
+                  <a:gs pos="0">
+                    <a:srgbClr val="000000"/>
+                  </a:gs>
+                  <a:gs pos="100000">
+                    <a:srgbClr val="000000"/>
+                  </a:gs>
+                </a:gsLst>
+                <a:lin ang="5400000" scaled="0"/>
+              </a:gradFill>
+            </a:endParaRPr>
+          </a:p>
+        </p:txBody>
+      </p:sp>
+      <p:sp>
+        <p:nvSpPr>
+          <p:cNvPr id="4" name="Title 1"/>
           <p:cNvSpPr>
             <a:spLocks noGrp="1"/>
           </p:cNvSpPr>
@@ -4905,8 +5509,8 @@
         </p:nvSpPr>
         <p:spPr>
           <a:xfrm>
-            <a:off x="519113" y="2238007"/>
-            <a:ext cx="11149013" cy="1994392"/>
+            <a:off x="519113" y="456806"/>
+            <a:ext cx="11149013" cy="664797"/>
           </a:xfrm>
         </p:spPr>
         <p:txBody>
@@ -4914,26 +5518,1112 @@
           <a:lstStyle/>
           <a:p>
             <a:r>
-              <a:rPr lang="en-US" smtClean="0"/>
-              <a:t>Tổng quan </a:t>
-            </a:r>
-            <a:br>
-              <a:rPr lang="en-US" smtClean="0"/>
-            </a:br>
-            <a:r>
-              <a:rPr lang="en-US" smtClean="0"/>
-              <a:t>Điện toán đám mây</a:t>
+              <a:rPr smtClean="0"/>
+              <a:t>1. Đặt vấn đề</a:t>
             </a:r>
             <a:endParaRPr lang="en-US"/>
           </a:p>
         </p:txBody>
       </p:sp>
+      <p:pic>
+        <p:nvPicPr>
+          <p:cNvPr id="1029" name="Picture 5" descr="E:\UIT\CNTT IX\pic\Plus__Orange.png"/>
+          <p:cNvPicPr>
+            <a:picLocks noChangeAspect="1" noChangeArrowheads="1"/>
+          </p:cNvPicPr>
+          <p:nvPr/>
+        </p:nvPicPr>
+        <p:blipFill>
+          <a:blip r:embed="rId2"/>
+          <a:srcRect/>
+          <a:stretch>
+            <a:fillRect/>
+          </a:stretch>
+        </p:blipFill>
+        <p:spPr bwMode="auto">
+          <a:xfrm>
+            <a:off x="3656012" y="2971800"/>
+            <a:ext cx="685800" cy="685800"/>
+          </a:xfrm>
+          <a:prstGeom prst="rect">
+            <a:avLst/>
+          </a:prstGeom>
+          <a:noFill/>
+        </p:spPr>
+      </p:pic>
+      <p:grpSp>
+        <p:nvGrpSpPr>
+          <p:cNvPr id="42" name="Group 41"/>
+          <p:cNvGrpSpPr/>
+          <p:nvPr/>
+        </p:nvGrpSpPr>
+        <p:grpSpPr>
+          <a:xfrm>
+            <a:off x="912812" y="1600200"/>
+            <a:ext cx="2627322" cy="3722132"/>
+            <a:chOff x="912812" y="1600200"/>
+            <a:chExt cx="2627322" cy="3722132"/>
+          </a:xfrm>
+        </p:grpSpPr>
+        <p:grpSp>
+          <p:nvGrpSpPr>
+            <p:cNvPr id="41" name="Group 40"/>
+            <p:cNvGrpSpPr/>
+            <p:nvPr/>
+          </p:nvGrpSpPr>
+          <p:grpSpPr>
+            <a:xfrm>
+              <a:off x="1446212" y="1981200"/>
+              <a:ext cx="1524000" cy="2590800"/>
+              <a:chOff x="1446212" y="1981200"/>
+              <a:chExt cx="1524000" cy="2590800"/>
+            </a:xfrm>
+          </p:grpSpPr>
+          <p:pic>
+            <p:nvPicPr>
+              <p:cNvPr id="1026" name="Picture 2" descr="E:\UIT\CNTT IX\pic\tech.png"/>
+              <p:cNvPicPr>
+                <a:picLocks noChangeAspect="1" noChangeArrowheads="1"/>
+              </p:cNvPicPr>
+              <p:nvPr/>
+            </p:nvPicPr>
+            <p:blipFill>
+              <a:blip r:embed="rId3"/>
+              <a:srcRect/>
+              <a:stretch>
+                <a:fillRect/>
+              </a:stretch>
+            </p:blipFill>
+            <p:spPr bwMode="auto">
+              <a:xfrm>
+                <a:off x="2208212" y="1981200"/>
+                <a:ext cx="762000" cy="762000"/>
+              </a:xfrm>
+              <a:prstGeom prst="rect">
+                <a:avLst/>
+              </a:prstGeom>
+              <a:noFill/>
+            </p:spPr>
+          </p:pic>
+          <p:pic>
+            <p:nvPicPr>
+              <p:cNvPr id="8" name="Picture 2" descr="E:\UIT\CNTT IX\pic\tech.png"/>
+              <p:cNvPicPr>
+                <a:picLocks noChangeAspect="1" noChangeArrowheads="1"/>
+              </p:cNvPicPr>
+              <p:nvPr/>
+            </p:nvPicPr>
+            <p:blipFill>
+              <a:blip r:embed="rId3"/>
+              <a:srcRect/>
+              <a:stretch>
+                <a:fillRect/>
+              </a:stretch>
+            </p:blipFill>
+            <p:spPr bwMode="auto">
+              <a:xfrm>
+                <a:off x="2208212" y="2895600"/>
+                <a:ext cx="762000" cy="762000"/>
+              </a:xfrm>
+              <a:prstGeom prst="rect">
+                <a:avLst/>
+              </a:prstGeom>
+              <a:noFill/>
+            </p:spPr>
+          </p:pic>
+          <p:pic>
+            <p:nvPicPr>
+              <p:cNvPr id="9" name="Picture 2" descr="E:\UIT\CNTT IX\pic\tech.png"/>
+              <p:cNvPicPr>
+                <a:picLocks noChangeAspect="1" noChangeArrowheads="1"/>
+              </p:cNvPicPr>
+              <p:nvPr/>
+            </p:nvPicPr>
+            <p:blipFill>
+              <a:blip r:embed="rId3"/>
+              <a:srcRect/>
+              <a:stretch>
+                <a:fillRect/>
+              </a:stretch>
+            </p:blipFill>
+            <p:spPr bwMode="auto">
+              <a:xfrm>
+                <a:off x="2208212" y="3810000"/>
+                <a:ext cx="762000" cy="762000"/>
+              </a:xfrm>
+              <a:prstGeom prst="rect">
+                <a:avLst/>
+              </a:prstGeom>
+              <a:noFill/>
+            </p:spPr>
+          </p:pic>
+          <p:pic>
+            <p:nvPicPr>
+              <p:cNvPr id="10" name="Picture 2" descr="E:\UIT\CNTT IX\pic\tech.png"/>
+              <p:cNvPicPr>
+                <a:picLocks noChangeAspect="1" noChangeArrowheads="1"/>
+              </p:cNvPicPr>
+              <p:nvPr/>
+            </p:nvPicPr>
+            <p:blipFill>
+              <a:blip r:embed="rId3"/>
+              <a:srcRect/>
+              <a:stretch>
+                <a:fillRect/>
+              </a:stretch>
+            </p:blipFill>
+            <p:spPr bwMode="auto">
+              <a:xfrm>
+                <a:off x="1446212" y="1981200"/>
+                <a:ext cx="762000" cy="762000"/>
+              </a:xfrm>
+              <a:prstGeom prst="rect">
+                <a:avLst/>
+              </a:prstGeom>
+              <a:noFill/>
+            </p:spPr>
+          </p:pic>
+          <p:pic>
+            <p:nvPicPr>
+              <p:cNvPr id="11" name="Picture 2" descr="E:\UIT\CNTT IX\pic\tech.png"/>
+              <p:cNvPicPr>
+                <a:picLocks noChangeAspect="1" noChangeArrowheads="1"/>
+              </p:cNvPicPr>
+              <p:nvPr/>
+            </p:nvPicPr>
+            <p:blipFill>
+              <a:blip r:embed="rId3"/>
+              <a:srcRect/>
+              <a:stretch>
+                <a:fillRect/>
+              </a:stretch>
+            </p:blipFill>
+            <p:spPr bwMode="auto">
+              <a:xfrm>
+                <a:off x="1446212" y="2895600"/>
+                <a:ext cx="762000" cy="762000"/>
+              </a:xfrm>
+              <a:prstGeom prst="rect">
+                <a:avLst/>
+              </a:prstGeom>
+              <a:noFill/>
+            </p:spPr>
+          </p:pic>
+          <p:pic>
+            <p:nvPicPr>
+              <p:cNvPr id="12" name="Picture 2" descr="E:\UIT\CNTT IX\pic\tech.png"/>
+              <p:cNvPicPr>
+                <a:picLocks noChangeAspect="1" noChangeArrowheads="1"/>
+              </p:cNvPicPr>
+              <p:nvPr/>
+            </p:nvPicPr>
+            <p:blipFill>
+              <a:blip r:embed="rId3"/>
+              <a:srcRect/>
+              <a:stretch>
+                <a:fillRect/>
+              </a:stretch>
+            </p:blipFill>
+            <p:spPr bwMode="auto">
+              <a:xfrm>
+                <a:off x="1446212" y="3810000"/>
+                <a:ext cx="762000" cy="762000"/>
+              </a:xfrm>
+              <a:prstGeom prst="rect">
+                <a:avLst/>
+              </a:prstGeom>
+              <a:noFill/>
+            </p:spPr>
+          </p:pic>
+        </p:grpSp>
+        <p:sp>
+          <p:nvSpPr>
+            <p:cNvPr id="13" name="TextBox 12"/>
+            <p:cNvSpPr txBox="1"/>
+            <p:nvPr/>
+          </p:nvSpPr>
+          <p:spPr>
+            <a:xfrm>
+              <a:off x="912812" y="4953000"/>
+              <a:ext cx="2627322" cy="369332"/>
+            </a:xfrm>
+            <a:prstGeom prst="rect">
+              <a:avLst/>
+            </a:prstGeom>
+            <a:noFill/>
+          </p:spPr>
+          <p:txBody>
+            <a:bodyPr wrap="none" lIns="0" tIns="0" rIns="0" bIns="0" rtlCol="0">
+              <a:spAutoFit/>
+            </a:bodyPr>
+            <a:lstStyle/>
+            <a:p>
+              <a:r>
+                <a:rPr lang="en-US" smtClean="0">
+                  <a:gradFill>
+                    <a:gsLst>
+                      <a:gs pos="0">
+                        <a:schemeClr val="tx1"/>
+                      </a:gs>
+                      <a:gs pos="86000">
+                        <a:schemeClr val="tx1"/>
+                      </a:gs>
+                    </a:gsLst>
+                    <a:lin ang="5400000" scaled="0"/>
+                  </a:gradFill>
+                  <a:effectLst>
+                    <a:outerShdw blurRad="63500" algn="ctr" rotWithShape="0">
+                      <a:schemeClr val="tx1">
+                        <a:alpha val="60000"/>
+                      </a:schemeClr>
+                    </a:outerShdw>
+                  </a:effectLst>
+                </a:rPr>
+                <a:t>Dữ liệu khách hàng</a:t>
+              </a:r>
+              <a:endParaRPr lang="en-US" dirty="0" err="1" smtClean="0">
+                <a:gradFill>
+                  <a:gsLst>
+                    <a:gs pos="0">
+                      <a:schemeClr val="tx1"/>
+                    </a:gs>
+                    <a:gs pos="86000">
+                      <a:schemeClr val="tx1"/>
+                    </a:gs>
+                  </a:gsLst>
+                  <a:lin ang="5400000" scaled="0"/>
+                </a:gradFill>
+                <a:effectLst>
+                  <a:outerShdw blurRad="63500" algn="ctr" rotWithShape="0">
+                    <a:schemeClr val="tx1">
+                      <a:alpha val="60000"/>
+                    </a:schemeClr>
+                  </a:outerShdw>
+                </a:effectLst>
+              </a:endParaRPr>
+            </a:p>
+          </p:txBody>
+        </p:sp>
+        <p:sp>
+          <p:nvSpPr>
+            <p:cNvPr id="23" name="Rectangle 22"/>
+            <p:cNvSpPr/>
+            <p:nvPr/>
+          </p:nvSpPr>
+          <p:spPr bwMode="auto">
+            <a:xfrm>
+              <a:off x="1217612" y="1600200"/>
+              <a:ext cx="2057400" cy="3200400"/>
+            </a:xfrm>
+            <a:prstGeom prst="rect">
+              <a:avLst/>
+            </a:prstGeom>
+            <a:noFill/>
+            <a:ln>
+              <a:solidFill>
+                <a:srgbClr val="FFFFFF"/>
+              </a:solidFill>
+              <a:headEnd type="none" w="med" len="med"/>
+              <a:tailEnd type="none" w="med" len="med"/>
+            </a:ln>
+            <a:effectLst>
+              <a:innerShdw blurRad="127000" dir="11220000">
+                <a:prstClr val="black">
+                  <a:alpha val="50000"/>
+                </a:prstClr>
+              </a:innerShdw>
+            </a:effectLst>
+            <a:scene3d>
+              <a:camera prst="orthographicFront">
+                <a:rot lat="0" lon="0" rev="0"/>
+              </a:camera>
+              <a:lightRig rig="threePt" dir="tl"/>
+            </a:scene3d>
+            <a:sp3d prstMaterial="matte"/>
+          </p:spPr>
+          <p:style>
+            <a:lnRef idx="0">
+              <a:schemeClr val="accent1"/>
+            </a:lnRef>
+            <a:fillRef idx="3">
+              <a:schemeClr val="accent1"/>
+            </a:fillRef>
+            <a:effectRef idx="3">
+              <a:schemeClr val="accent1"/>
+            </a:effectRef>
+            <a:fontRef idx="minor">
+              <a:schemeClr val="lt1"/>
+            </a:fontRef>
+          </p:style>
+          <p:txBody>
+            <a:bodyPr vert="horz" wrap="square" lIns="91436" tIns="45718" rIns="91436" bIns="45718" numCol="1" rtlCol="0" anchor="ctr" anchorCtr="0" compatLnSpc="1">
+              <a:prstTxWarp prst="textNoShape">
+                <a:avLst/>
+              </a:prstTxWarp>
+            </a:bodyPr>
+            <a:lstStyle/>
+            <a:p>
+              <a:pPr algn="ctr" defTabSz="914099"/>
+              <a:endParaRPr lang="en-US" sz="2400" spc="-50" dirty="0" smtClean="0">
+                <a:gradFill>
+                  <a:gsLst>
+                    <a:gs pos="0">
+                      <a:srgbClr val="000000"/>
+                    </a:gs>
+                    <a:gs pos="100000">
+                      <a:srgbClr val="000000"/>
+                    </a:gs>
+                  </a:gsLst>
+                  <a:lin ang="5400000" scaled="0"/>
+                </a:gradFill>
+              </a:endParaRPr>
+            </a:p>
+          </p:txBody>
+        </p:sp>
+      </p:grpSp>
+      <p:sp>
+        <p:nvSpPr>
+          <p:cNvPr id="24" name="Rectangle 23"/>
+          <p:cNvSpPr/>
+          <p:nvPr/>
+        </p:nvSpPr>
+        <p:spPr bwMode="auto">
+          <a:xfrm>
+            <a:off x="5027612" y="1600200"/>
+            <a:ext cx="2057400" cy="3200400"/>
+          </a:xfrm>
+          <a:prstGeom prst="rect">
+            <a:avLst/>
+          </a:prstGeom>
+          <a:noFill/>
+          <a:ln>
+            <a:solidFill>
+              <a:srgbClr val="FFFFFF"/>
+            </a:solidFill>
+            <a:headEnd type="none" w="med" len="med"/>
+            <a:tailEnd type="none" w="med" len="med"/>
+          </a:ln>
+          <a:effectLst>
+            <a:innerShdw blurRad="127000" dir="11220000">
+              <a:prstClr val="black">
+                <a:alpha val="50000"/>
+              </a:prstClr>
+            </a:innerShdw>
+          </a:effectLst>
+          <a:scene3d>
+            <a:camera prst="orthographicFront">
+              <a:rot lat="0" lon="0" rev="0"/>
+            </a:camera>
+            <a:lightRig rig="threePt" dir="tl"/>
+          </a:scene3d>
+          <a:sp3d prstMaterial="matte"/>
+        </p:spPr>
+        <p:style>
+          <a:lnRef idx="0">
+            <a:schemeClr val="accent1"/>
+          </a:lnRef>
+          <a:fillRef idx="3">
+            <a:schemeClr val="accent1"/>
+          </a:fillRef>
+          <a:effectRef idx="3">
+            <a:schemeClr val="accent1"/>
+          </a:effectRef>
+          <a:fontRef idx="minor">
+            <a:schemeClr val="lt1"/>
+          </a:fontRef>
+        </p:style>
+        <p:txBody>
+          <a:bodyPr vert="horz" wrap="square" lIns="91436" tIns="45718" rIns="91436" bIns="45718" numCol="1" rtlCol="0" anchor="ctr" anchorCtr="0" compatLnSpc="1">
+            <a:prstTxWarp prst="textNoShape">
+              <a:avLst/>
+            </a:prstTxWarp>
+          </a:bodyPr>
+          <a:lstStyle/>
+          <a:p>
+            <a:pPr algn="ctr" defTabSz="914099"/>
+            <a:endParaRPr lang="en-US" sz="2400" spc="-50" dirty="0" smtClean="0">
+              <a:gradFill>
+                <a:gsLst>
+                  <a:gs pos="0">
+                    <a:srgbClr val="000000"/>
+                  </a:gs>
+                  <a:gs pos="100000">
+                    <a:srgbClr val="000000"/>
+                  </a:gs>
+                </a:gsLst>
+                <a:lin ang="5400000" scaled="0"/>
+              </a:gradFill>
+            </a:endParaRPr>
+          </a:p>
+        </p:txBody>
+      </p:sp>
+      <p:grpSp>
+        <p:nvGrpSpPr>
+          <p:cNvPr id="43" name="Group 42"/>
+          <p:cNvGrpSpPr/>
+          <p:nvPr/>
+        </p:nvGrpSpPr>
+        <p:grpSpPr>
+          <a:xfrm>
+            <a:off x="4646612" y="1828800"/>
+            <a:ext cx="2652201" cy="3493532"/>
+            <a:chOff x="4646612" y="1828800"/>
+            <a:chExt cx="2652201" cy="3493532"/>
+          </a:xfrm>
+        </p:grpSpPr>
+        <p:pic>
+          <p:nvPicPr>
+            <p:cNvPr id="1030" name="Picture 6" descr="C:\Users\ADMIN\Desktop\Computer-icon.png"/>
+            <p:cNvPicPr>
+              <a:picLocks noChangeAspect="1" noChangeArrowheads="1"/>
+            </p:cNvPicPr>
+            <p:nvPr/>
+          </p:nvPicPr>
+          <p:blipFill>
+            <a:blip r:embed="rId4"/>
+            <a:srcRect/>
+            <a:stretch>
+              <a:fillRect/>
+            </a:stretch>
+          </p:blipFill>
+          <p:spPr bwMode="auto">
+            <a:xfrm>
+              <a:off x="5103812" y="1981200"/>
+              <a:ext cx="838200" cy="838200"/>
+            </a:xfrm>
+            <a:prstGeom prst="rect">
+              <a:avLst/>
+            </a:prstGeom>
+            <a:noFill/>
+          </p:spPr>
+        </p:pic>
+        <p:pic>
+          <p:nvPicPr>
+            <p:cNvPr id="1033" name="Picture 9" descr="E:\UIT\CNTT IX\pic\website_hosting_server.png"/>
+            <p:cNvPicPr>
+              <a:picLocks noChangeAspect="1" noChangeArrowheads="1"/>
+            </p:cNvPicPr>
+            <p:nvPr/>
+          </p:nvPicPr>
+          <p:blipFill>
+            <a:blip r:embed="rId5"/>
+            <a:srcRect/>
+            <a:stretch>
+              <a:fillRect/>
+            </a:stretch>
+          </p:blipFill>
+          <p:spPr bwMode="auto">
+            <a:xfrm>
+              <a:off x="5789612" y="1828800"/>
+              <a:ext cx="1422400" cy="1066800"/>
+            </a:xfrm>
+            <a:prstGeom prst="rect">
+              <a:avLst/>
+            </a:prstGeom>
+            <a:noFill/>
+          </p:spPr>
+        </p:pic>
+        <p:pic>
+          <p:nvPicPr>
+            <p:cNvPr id="21" name="Picture 2" descr="E:\UIT\CNTT IX\pic\tech.png"/>
+            <p:cNvPicPr>
+              <a:picLocks noChangeAspect="1" noChangeArrowheads="1"/>
+            </p:cNvPicPr>
+            <p:nvPr/>
+          </p:nvPicPr>
+          <p:blipFill>
+            <a:blip r:embed="rId3"/>
+            <a:srcRect/>
+            <a:stretch>
+              <a:fillRect/>
+            </a:stretch>
+          </p:blipFill>
+          <p:spPr bwMode="auto">
+            <a:xfrm>
+              <a:off x="5180012" y="3429000"/>
+              <a:ext cx="762000" cy="762000"/>
+            </a:xfrm>
+            <a:prstGeom prst="rect">
+              <a:avLst/>
+            </a:prstGeom>
+            <a:noFill/>
+          </p:spPr>
+        </p:pic>
+        <p:pic>
+          <p:nvPicPr>
+            <p:cNvPr id="1034" name="Picture 10" descr="E:\UIT\CNTT IX\pic\tools.png"/>
+            <p:cNvPicPr>
+              <a:picLocks noChangeAspect="1" noChangeArrowheads="1"/>
+            </p:cNvPicPr>
+            <p:nvPr/>
+          </p:nvPicPr>
+          <p:blipFill>
+            <a:blip r:embed="rId6"/>
+            <a:srcRect/>
+            <a:stretch>
+              <a:fillRect/>
+            </a:stretch>
+          </p:blipFill>
+          <p:spPr bwMode="auto">
+            <a:xfrm>
+              <a:off x="6170612" y="3581399"/>
+              <a:ext cx="685800" cy="685801"/>
+            </a:xfrm>
+            <a:prstGeom prst="rect">
+              <a:avLst/>
+            </a:prstGeom>
+            <a:noFill/>
+          </p:spPr>
+        </p:pic>
+        <p:sp>
+          <p:nvSpPr>
+            <p:cNvPr id="25" name="TextBox 24"/>
+            <p:cNvSpPr txBox="1"/>
+            <p:nvPr/>
+          </p:nvSpPr>
+          <p:spPr>
+            <a:xfrm>
+              <a:off x="4646612" y="4953000"/>
+              <a:ext cx="2652201" cy="369332"/>
+            </a:xfrm>
+            <a:prstGeom prst="rect">
+              <a:avLst/>
+            </a:prstGeom>
+            <a:noFill/>
+          </p:spPr>
+          <p:txBody>
+            <a:bodyPr wrap="none" lIns="0" tIns="0" rIns="0" bIns="0" rtlCol="0">
+              <a:spAutoFit/>
+            </a:bodyPr>
+            <a:lstStyle/>
+            <a:p>
+              <a:r>
+                <a:rPr lang="en-US" smtClean="0">
+                  <a:gradFill>
+                    <a:gsLst>
+                      <a:gs pos="0">
+                        <a:schemeClr val="tx1"/>
+                      </a:gs>
+                      <a:gs pos="86000">
+                        <a:schemeClr val="tx1"/>
+                      </a:gs>
+                    </a:gsLst>
+                    <a:lin ang="5400000" scaled="0"/>
+                  </a:gradFill>
+                  <a:effectLst>
+                    <a:outerShdw blurRad="63500" algn="ctr" rotWithShape="0">
+                      <a:schemeClr val="tx1">
+                        <a:alpha val="60000"/>
+                      </a:schemeClr>
+                    </a:outerShdw>
+                  </a:effectLst>
+                </a:rPr>
+                <a:t>Thiết bị và nhân lực</a:t>
+              </a:r>
+              <a:endParaRPr lang="en-US" dirty="0" err="1" smtClean="0">
+                <a:gradFill>
+                  <a:gsLst>
+                    <a:gs pos="0">
+                      <a:schemeClr val="tx1"/>
+                    </a:gs>
+                    <a:gs pos="86000">
+                      <a:schemeClr val="tx1"/>
+                    </a:gs>
+                  </a:gsLst>
+                  <a:lin ang="5400000" scaled="0"/>
+                </a:gradFill>
+                <a:effectLst>
+                  <a:outerShdw blurRad="63500" algn="ctr" rotWithShape="0">
+                    <a:schemeClr val="tx1">
+                      <a:alpha val="60000"/>
+                    </a:schemeClr>
+                  </a:outerShdw>
+                </a:effectLst>
+              </a:endParaRPr>
+            </a:p>
+          </p:txBody>
+        </p:sp>
+      </p:grpSp>
+      <p:pic>
+        <p:nvPicPr>
+          <p:cNvPr id="1036" name="Picture 12" descr="E:\UIT\CNTT IX\pic\Untitled-1.png"/>
+          <p:cNvPicPr>
+            <a:picLocks noChangeAspect="1" noChangeArrowheads="1"/>
+          </p:cNvPicPr>
+          <p:nvPr/>
+        </p:nvPicPr>
+        <p:blipFill>
+          <a:blip r:embed="rId7"/>
+          <a:srcRect/>
+          <a:stretch>
+            <a:fillRect/>
+          </a:stretch>
+        </p:blipFill>
+        <p:spPr bwMode="auto">
+          <a:xfrm>
+            <a:off x="7736406" y="2968668"/>
+            <a:ext cx="948806" cy="612732"/>
+          </a:xfrm>
+          <a:prstGeom prst="rect">
+            <a:avLst/>
+          </a:prstGeom>
+          <a:noFill/>
+        </p:spPr>
+      </p:pic>
+      <p:grpSp>
+        <p:nvGrpSpPr>
+          <p:cNvPr id="44" name="Group 43"/>
+          <p:cNvGrpSpPr/>
+          <p:nvPr/>
+        </p:nvGrpSpPr>
+        <p:grpSpPr>
+          <a:xfrm>
+            <a:off x="9142412" y="1600200"/>
+            <a:ext cx="2057400" cy="3722132"/>
+            <a:chOff x="9142412" y="1600200"/>
+            <a:chExt cx="2057400" cy="3722132"/>
+          </a:xfrm>
+        </p:grpSpPr>
+        <p:pic>
+          <p:nvPicPr>
+            <p:cNvPr id="1039" name="Picture 15" descr="E:\UIT\CNTT IX\pic\Untitled-2.png"/>
+            <p:cNvPicPr>
+              <a:picLocks noChangeAspect="1" noChangeArrowheads="1"/>
+            </p:cNvPicPr>
+            <p:nvPr/>
+          </p:nvPicPr>
+          <p:blipFill>
+            <a:blip r:embed="rId8"/>
+            <a:srcRect/>
+            <a:stretch>
+              <a:fillRect/>
+            </a:stretch>
+          </p:blipFill>
+          <p:spPr bwMode="auto">
+            <a:xfrm>
+              <a:off x="9218612" y="1828800"/>
+              <a:ext cx="1796926" cy="1219200"/>
+            </a:xfrm>
+            <a:prstGeom prst="rect">
+              <a:avLst/>
+            </a:prstGeom>
+            <a:noFill/>
+          </p:spPr>
+        </p:pic>
+        <p:pic>
+          <p:nvPicPr>
+            <p:cNvPr id="1040" name="Picture 16" descr="E:\UIT\CNTT IX\pic\financni_pujcky.png"/>
+            <p:cNvPicPr>
+              <a:picLocks noChangeAspect="1" noChangeArrowheads="1"/>
+            </p:cNvPicPr>
+            <p:nvPr/>
+          </p:nvPicPr>
+          <p:blipFill>
+            <a:blip r:embed="rId9"/>
+            <a:srcRect/>
+            <a:stretch>
+              <a:fillRect/>
+            </a:stretch>
+          </p:blipFill>
+          <p:spPr bwMode="auto">
+            <a:xfrm>
+              <a:off x="9828212" y="3276600"/>
+              <a:ext cx="1143000" cy="1143000"/>
+            </a:xfrm>
+            <a:prstGeom prst="rect">
+              <a:avLst/>
+            </a:prstGeom>
+            <a:noFill/>
+          </p:spPr>
+        </p:pic>
+        <p:sp>
+          <p:nvSpPr>
+            <p:cNvPr id="33" name="Rectangle 32"/>
+            <p:cNvSpPr/>
+            <p:nvPr/>
+          </p:nvSpPr>
+          <p:spPr bwMode="auto">
+            <a:xfrm>
+              <a:off x="9142412" y="1600200"/>
+              <a:ext cx="2057400" cy="3200400"/>
+            </a:xfrm>
+            <a:prstGeom prst="rect">
+              <a:avLst/>
+            </a:prstGeom>
+            <a:noFill/>
+            <a:ln>
+              <a:solidFill>
+                <a:srgbClr val="FFFFFF"/>
+              </a:solidFill>
+              <a:headEnd type="none" w="med" len="med"/>
+              <a:tailEnd type="none" w="med" len="med"/>
+            </a:ln>
+            <a:effectLst>
+              <a:innerShdw blurRad="127000" dir="11220000">
+                <a:prstClr val="black">
+                  <a:alpha val="50000"/>
+                </a:prstClr>
+              </a:innerShdw>
+            </a:effectLst>
+            <a:scene3d>
+              <a:camera prst="orthographicFront">
+                <a:rot lat="0" lon="0" rev="0"/>
+              </a:camera>
+              <a:lightRig rig="threePt" dir="tl"/>
+            </a:scene3d>
+            <a:sp3d prstMaterial="matte"/>
+          </p:spPr>
+          <p:style>
+            <a:lnRef idx="0">
+              <a:schemeClr val="accent1"/>
+            </a:lnRef>
+            <a:fillRef idx="3">
+              <a:schemeClr val="accent1"/>
+            </a:fillRef>
+            <a:effectRef idx="3">
+              <a:schemeClr val="accent1"/>
+            </a:effectRef>
+            <a:fontRef idx="minor">
+              <a:schemeClr val="lt1"/>
+            </a:fontRef>
+          </p:style>
+          <p:txBody>
+            <a:bodyPr vert="horz" wrap="square" lIns="91436" tIns="45718" rIns="91436" bIns="45718" numCol="1" rtlCol="0" anchor="ctr" anchorCtr="0" compatLnSpc="1">
+              <a:prstTxWarp prst="textNoShape">
+                <a:avLst/>
+              </a:prstTxWarp>
+            </a:bodyPr>
+            <a:lstStyle/>
+            <a:p>
+              <a:pPr algn="ctr" defTabSz="914099"/>
+              <a:endParaRPr lang="en-US" sz="2400" spc="-50" dirty="0" smtClean="0">
+                <a:gradFill>
+                  <a:gsLst>
+                    <a:gs pos="0">
+                      <a:srgbClr val="000000"/>
+                    </a:gs>
+                    <a:gs pos="100000">
+                      <a:srgbClr val="000000"/>
+                    </a:gs>
+                  </a:gsLst>
+                  <a:lin ang="5400000" scaled="0"/>
+                </a:gradFill>
+              </a:endParaRPr>
+            </a:p>
+          </p:txBody>
+        </p:sp>
+        <p:sp>
+          <p:nvSpPr>
+            <p:cNvPr id="34" name="TextBox 33"/>
+            <p:cNvSpPr txBox="1"/>
+            <p:nvPr/>
+          </p:nvSpPr>
+          <p:spPr>
+            <a:xfrm>
+              <a:off x="9371012" y="4953000"/>
+              <a:ext cx="1226298" cy="369332"/>
+            </a:xfrm>
+            <a:prstGeom prst="rect">
+              <a:avLst/>
+            </a:prstGeom>
+            <a:noFill/>
+          </p:spPr>
+          <p:txBody>
+            <a:bodyPr wrap="none" lIns="0" tIns="0" rIns="0" bIns="0" rtlCol="0">
+              <a:spAutoFit/>
+            </a:bodyPr>
+            <a:lstStyle/>
+            <a:p>
+              <a:r>
+                <a:rPr lang="en-US" smtClean="0">
+                  <a:gradFill>
+                    <a:gsLst>
+                      <a:gs pos="0">
+                        <a:schemeClr val="tx1"/>
+                      </a:gs>
+                      <a:gs pos="86000">
+                        <a:schemeClr val="tx1"/>
+                      </a:gs>
+                    </a:gsLst>
+                    <a:lin ang="5400000" scaled="0"/>
+                  </a:gradFill>
+                  <a:effectLst>
+                    <a:outerShdw blurRad="63500" algn="ctr" rotWithShape="0">
+                      <a:schemeClr val="tx1">
+                        <a:alpha val="60000"/>
+                      </a:schemeClr>
+                    </a:outerShdw>
+                  </a:effectLst>
+                </a:rPr>
+                <a:t>Hiệu quả</a:t>
+              </a:r>
+              <a:endParaRPr lang="en-US" dirty="0" err="1" smtClean="0">
+                <a:gradFill>
+                  <a:gsLst>
+                    <a:gs pos="0">
+                      <a:schemeClr val="tx1"/>
+                    </a:gs>
+                    <a:gs pos="86000">
+                      <a:schemeClr val="tx1"/>
+                    </a:gs>
+                  </a:gsLst>
+                  <a:lin ang="5400000" scaled="0"/>
+                </a:gradFill>
+                <a:effectLst>
+                  <a:outerShdw blurRad="63500" algn="ctr" rotWithShape="0">
+                    <a:schemeClr val="tx1">
+                      <a:alpha val="60000"/>
+                    </a:schemeClr>
+                  </a:outerShdw>
+                </a:effectLst>
+              </a:endParaRPr>
+            </a:p>
+          </p:txBody>
+        </p:sp>
+      </p:grpSp>
+      <p:sp>
+        <p:nvSpPr>
+          <p:cNvPr id="35" name="Right Brace 34"/>
+          <p:cNvSpPr/>
+          <p:nvPr/>
+        </p:nvSpPr>
+        <p:spPr>
+          <a:xfrm rot="5400000">
+            <a:off x="5827712" y="342900"/>
+            <a:ext cx="609600" cy="10896600"/>
+          </a:xfrm>
+          <a:prstGeom prst="rightBrace">
+            <a:avLst/>
+          </a:prstGeom>
+          <a:ln w="12700"/>
+        </p:spPr>
+        <p:style>
+          <a:lnRef idx="1">
+            <a:schemeClr val="accent1"/>
+          </a:lnRef>
+          <a:fillRef idx="0">
+            <a:schemeClr val="accent1"/>
+          </a:fillRef>
+          <a:effectRef idx="0">
+            <a:schemeClr val="accent1"/>
+          </a:effectRef>
+          <a:fontRef idx="minor">
+            <a:schemeClr val="tx1"/>
+          </a:fontRef>
+        </p:style>
+        <p:txBody>
+          <a:bodyPr rtlCol="0" anchor="ctr"/>
+          <a:lstStyle/>
+          <a:p>
+            <a:pPr algn="ctr"/>
+            <a:endParaRPr lang="en-US"/>
+          </a:p>
+        </p:txBody>
+      </p:sp>
+      <p:sp>
+        <p:nvSpPr>
+          <p:cNvPr id="36" name="TextBox 35"/>
+          <p:cNvSpPr txBox="1"/>
+          <p:nvPr/>
+        </p:nvSpPr>
+        <p:spPr>
+          <a:xfrm>
+            <a:off x="4570412" y="6172200"/>
+            <a:ext cx="3200492" cy="369332"/>
+          </a:xfrm>
+          <a:prstGeom prst="rect">
+            <a:avLst/>
+          </a:prstGeom>
+          <a:noFill/>
+        </p:spPr>
+        <p:txBody>
+          <a:bodyPr wrap="none" lIns="0" tIns="0" rIns="0" bIns="0" rtlCol="0">
+            <a:spAutoFit/>
+          </a:bodyPr>
+          <a:lstStyle/>
+          <a:p>
+            <a:r>
+              <a:rPr lang="en-US" b="1" smtClean="0">
+                <a:gradFill>
+                  <a:gsLst>
+                    <a:gs pos="0">
+                      <a:schemeClr val="tx1"/>
+                    </a:gs>
+                    <a:gs pos="86000">
+                      <a:schemeClr val="tx1"/>
+                    </a:gs>
+                  </a:gsLst>
+                  <a:lin ang="5400000" scaled="0"/>
+                </a:gradFill>
+                <a:effectLst>
+                  <a:outerShdw blurRad="63500" algn="ctr" rotWithShape="0">
+                    <a:schemeClr val="tx1">
+                      <a:alpha val="60000"/>
+                    </a:schemeClr>
+                  </a:outerShdw>
+                </a:effectLst>
+              </a:rPr>
+              <a:t>Mô hình truyền thống</a:t>
+            </a:r>
+            <a:endParaRPr lang="en-US" b="1" dirty="0" err="1" smtClean="0">
+              <a:gradFill>
+                <a:gsLst>
+                  <a:gs pos="0">
+                    <a:schemeClr val="tx1"/>
+                  </a:gs>
+                  <a:gs pos="86000">
+                    <a:schemeClr val="tx1"/>
+                  </a:gs>
+                </a:gsLst>
+                <a:lin ang="5400000" scaled="0"/>
+              </a:gradFill>
+              <a:effectLst>
+                <a:outerShdw blurRad="63500" algn="ctr" rotWithShape="0">
+                  <a:schemeClr val="tx1">
+                    <a:alpha val="60000"/>
+                  </a:schemeClr>
+                </a:outerShdw>
+              </a:effectLst>
+            </a:endParaRPr>
+          </a:p>
+        </p:txBody>
+      </p:sp>
+      <p:sp>
+        <p:nvSpPr>
+          <p:cNvPr id="38" name="TextBox 37"/>
+          <p:cNvSpPr txBox="1"/>
+          <p:nvPr/>
+        </p:nvSpPr>
+        <p:spPr>
+          <a:xfrm>
+            <a:off x="3656012" y="6183868"/>
+            <a:ext cx="5359416" cy="369332"/>
+          </a:xfrm>
+          <a:prstGeom prst="rect">
+            <a:avLst/>
+          </a:prstGeom>
+          <a:noFill/>
+        </p:spPr>
+        <p:txBody>
+          <a:bodyPr wrap="none" lIns="0" tIns="0" rIns="0" bIns="0" rtlCol="0">
+            <a:spAutoFit/>
+          </a:bodyPr>
+          <a:lstStyle/>
+          <a:p>
+            <a:r>
+              <a:rPr lang="en-US" b="1" smtClean="0">
+                <a:gradFill>
+                  <a:gsLst>
+                    <a:gs pos="0">
+                      <a:schemeClr val="tx1"/>
+                    </a:gs>
+                    <a:gs pos="86000">
+                      <a:schemeClr val="tx1"/>
+                    </a:gs>
+                  </a:gsLst>
+                  <a:lin ang="5400000" scaled="0"/>
+                </a:gradFill>
+                <a:effectLst>
+                  <a:outerShdw blurRad="63500" algn="ctr" rotWithShape="0">
+                    <a:schemeClr val="tx1">
+                      <a:alpha val="60000"/>
+                    </a:schemeClr>
+                  </a:outerShdw>
+                </a:effectLst>
+              </a:rPr>
+              <a:t>Mô hình sử dụng điện toán đám mây</a:t>
+            </a:r>
+            <a:endParaRPr lang="en-US" b="1" dirty="0" err="1" smtClean="0">
+              <a:gradFill>
+                <a:gsLst>
+                  <a:gs pos="0">
+                    <a:schemeClr val="tx1"/>
+                  </a:gs>
+                  <a:gs pos="86000">
+                    <a:schemeClr val="tx1"/>
+                  </a:gs>
+                </a:gsLst>
+                <a:lin ang="5400000" scaled="0"/>
+              </a:gradFill>
+              <a:effectLst>
+                <a:outerShdw blurRad="63500" algn="ctr" rotWithShape="0">
+                  <a:schemeClr val="tx1">
+                    <a:alpha val="60000"/>
+                  </a:schemeClr>
+                </a:outerShdw>
+              </a:effectLst>
+            </a:endParaRPr>
+          </a:p>
+        </p:txBody>
+      </p:sp>
+      <p:grpSp>
+        <p:nvGrpSpPr>
+          <p:cNvPr id="45" name="Group 44"/>
+          <p:cNvGrpSpPr/>
+          <p:nvPr/>
+        </p:nvGrpSpPr>
+        <p:grpSpPr>
+          <a:xfrm>
+            <a:off x="9294812" y="3505200"/>
+            <a:ext cx="1752600" cy="1143000"/>
+            <a:chOff x="9294812" y="3505200"/>
+            <a:chExt cx="1752600" cy="1143000"/>
+          </a:xfrm>
+        </p:grpSpPr>
+        <p:pic>
+          <p:nvPicPr>
+            <p:cNvPr id="39" name="Picture 16" descr="E:\UIT\CNTT IX\pic\financni_pujcky.png"/>
+            <p:cNvPicPr>
+              <a:picLocks noChangeAspect="1" noChangeArrowheads="1"/>
+            </p:cNvPicPr>
+            <p:nvPr/>
+          </p:nvPicPr>
+          <p:blipFill>
+            <a:blip r:embed="rId9"/>
+            <a:srcRect/>
+            <a:stretch>
+              <a:fillRect/>
+            </a:stretch>
+          </p:blipFill>
+          <p:spPr bwMode="auto">
+            <a:xfrm>
+              <a:off x="9294812" y="3505200"/>
+              <a:ext cx="1143000" cy="1143000"/>
+            </a:xfrm>
+            <a:prstGeom prst="rect">
+              <a:avLst/>
+            </a:prstGeom>
+            <a:noFill/>
+          </p:spPr>
+        </p:pic>
+        <p:pic>
+          <p:nvPicPr>
+            <p:cNvPr id="40" name="Picture 16" descr="E:\UIT\CNTT IX\pic\financni_pujcky.png"/>
+            <p:cNvPicPr>
+              <a:picLocks noChangeAspect="1" noChangeArrowheads="1"/>
+            </p:cNvPicPr>
+            <p:nvPr/>
+          </p:nvPicPr>
+          <p:blipFill>
+            <a:blip r:embed="rId9"/>
+            <a:srcRect/>
+            <a:stretch>
+              <a:fillRect/>
+            </a:stretch>
+          </p:blipFill>
+          <p:spPr bwMode="auto">
+            <a:xfrm>
+              <a:off x="9904412" y="3505200"/>
+              <a:ext cx="1143000" cy="1143000"/>
+            </a:xfrm>
+            <a:prstGeom prst="rect">
+              <a:avLst/>
+            </a:prstGeom>
+            <a:noFill/>
+          </p:spPr>
+        </p:pic>
+      </p:grpSp>
     </p:spTree>
-    <p:extLst>
-      <p:ext uri="{BB962C8B-B14F-4D97-AF65-F5344CB8AC3E}">
-        <p14:creationId xmlns:p14="http://schemas.microsoft.com/office/powerpoint/2010/main" xmlns="" val="1914767878"/>
-      </p:ext>
-    </p:extLst>
   </p:cSld>
   <p:clrMapOvr>
     <a:masterClrMapping/>
@@ -4944,9 +6634,640 @@
   <p:timing>
     <p:tnLst>
       <p:par>
-        <p:cTn id="1" dur="indefinite" restart="never" nodeType="tmRoot"/>
+        <p:cTn id="1" dur="indefinite" restart="never" nodeType="tmRoot">
+          <p:childTnLst>
+            <p:seq concurrent="1" nextAc="seek">
+              <p:cTn id="2" dur="indefinite" nodeType="mainSeq">
+                <p:childTnLst>
+                  <p:par>
+                    <p:cTn id="3" fill="hold">
+                      <p:stCondLst>
+                        <p:cond delay="indefinite"/>
+                      </p:stCondLst>
+                      <p:childTnLst>
+                        <p:par>
+                          <p:cTn id="4" fill="hold">
+                            <p:stCondLst>
+                              <p:cond delay="0"/>
+                            </p:stCondLst>
+                            <p:childTnLst>
+                              <p:par>
+                                <p:cTn id="5" presetID="5" presetClass="entr" presetSubtype="10" fill="hold" nodeType="clickEffect">
+                                  <p:stCondLst>
+                                    <p:cond delay="0"/>
+                                  </p:stCondLst>
+                                  <p:childTnLst>
+                                    <p:set>
+                                      <p:cBhvr>
+                                        <p:cTn id="6" dur="1" fill="hold">
+                                          <p:stCondLst>
+                                            <p:cond delay="0"/>
+                                          </p:stCondLst>
+                                        </p:cTn>
+                                        <p:tgtEl>
+                                          <p:spTgt spid="42"/>
+                                        </p:tgtEl>
+                                        <p:attrNameLst>
+                                          <p:attrName>style.visibility</p:attrName>
+                                        </p:attrNameLst>
+                                      </p:cBhvr>
+                                      <p:to>
+                                        <p:strVal val="visible"/>
+                                      </p:to>
+                                    </p:set>
+                                    <p:animEffect transition="in" filter="checkerboard(across)">
+                                      <p:cBhvr>
+                                        <p:cTn id="7" dur="500"/>
+                                        <p:tgtEl>
+                                          <p:spTgt spid="42"/>
+                                        </p:tgtEl>
+                                      </p:cBhvr>
+                                    </p:animEffect>
+                                  </p:childTnLst>
+                                </p:cTn>
+                              </p:par>
+                            </p:childTnLst>
+                          </p:cTn>
+                        </p:par>
+                      </p:childTnLst>
+                    </p:cTn>
+                  </p:par>
+                  <p:par>
+                    <p:cTn id="8" fill="hold">
+                      <p:stCondLst>
+                        <p:cond delay="indefinite"/>
+                      </p:stCondLst>
+                      <p:childTnLst>
+                        <p:par>
+                          <p:cTn id="9" fill="hold">
+                            <p:stCondLst>
+                              <p:cond delay="0"/>
+                            </p:stCondLst>
+                            <p:childTnLst>
+                              <p:par>
+                                <p:cTn id="10" presetID="3" presetClass="entr" presetSubtype="10" fill="hold" nodeType="clickEffect">
+                                  <p:stCondLst>
+                                    <p:cond delay="0"/>
+                                  </p:stCondLst>
+                                  <p:childTnLst>
+                                    <p:set>
+                                      <p:cBhvr>
+                                        <p:cTn id="11" dur="1" fill="hold">
+                                          <p:stCondLst>
+                                            <p:cond delay="0"/>
+                                          </p:stCondLst>
+                                        </p:cTn>
+                                        <p:tgtEl>
+                                          <p:spTgt spid="1029"/>
+                                        </p:tgtEl>
+                                        <p:attrNameLst>
+                                          <p:attrName>style.visibility</p:attrName>
+                                        </p:attrNameLst>
+                                      </p:cBhvr>
+                                      <p:to>
+                                        <p:strVal val="visible"/>
+                                      </p:to>
+                                    </p:set>
+                                    <p:animEffect transition="in" filter="blinds(horizontal)">
+                                      <p:cBhvr>
+                                        <p:cTn id="12" dur="500"/>
+                                        <p:tgtEl>
+                                          <p:spTgt spid="1029"/>
+                                        </p:tgtEl>
+                                      </p:cBhvr>
+                                    </p:animEffect>
+                                  </p:childTnLst>
+                                </p:cTn>
+                              </p:par>
+                            </p:childTnLst>
+                          </p:cTn>
+                        </p:par>
+                      </p:childTnLst>
+                    </p:cTn>
+                  </p:par>
+                  <p:par>
+                    <p:cTn id="13" fill="hold">
+                      <p:stCondLst>
+                        <p:cond delay="indefinite"/>
+                      </p:stCondLst>
+                      <p:childTnLst>
+                        <p:par>
+                          <p:cTn id="14" fill="hold">
+                            <p:stCondLst>
+                              <p:cond delay="0"/>
+                            </p:stCondLst>
+                            <p:childTnLst>
+                              <p:par>
+                                <p:cTn id="15" presetID="5" presetClass="entr" presetSubtype="10" fill="hold" grpId="0" nodeType="clickEffect">
+                                  <p:stCondLst>
+                                    <p:cond delay="0"/>
+                                  </p:stCondLst>
+                                  <p:childTnLst>
+                                    <p:set>
+                                      <p:cBhvr>
+                                        <p:cTn id="16" dur="1" fill="hold">
+                                          <p:stCondLst>
+                                            <p:cond delay="0"/>
+                                          </p:stCondLst>
+                                        </p:cTn>
+                                        <p:tgtEl>
+                                          <p:spTgt spid="24"/>
+                                        </p:tgtEl>
+                                        <p:attrNameLst>
+                                          <p:attrName>style.visibility</p:attrName>
+                                        </p:attrNameLst>
+                                      </p:cBhvr>
+                                      <p:to>
+                                        <p:strVal val="visible"/>
+                                      </p:to>
+                                    </p:set>
+                                    <p:animEffect transition="in" filter="checkerboard(across)">
+                                      <p:cBhvr>
+                                        <p:cTn id="17" dur="500"/>
+                                        <p:tgtEl>
+                                          <p:spTgt spid="24"/>
+                                        </p:tgtEl>
+                                      </p:cBhvr>
+                                    </p:animEffect>
+                                  </p:childTnLst>
+                                </p:cTn>
+                              </p:par>
+                              <p:par>
+                                <p:cTn id="18" presetID="5" presetClass="entr" presetSubtype="10" fill="hold" nodeType="withEffect">
+                                  <p:stCondLst>
+                                    <p:cond delay="0"/>
+                                  </p:stCondLst>
+                                  <p:childTnLst>
+                                    <p:set>
+                                      <p:cBhvr>
+                                        <p:cTn id="19" dur="1" fill="hold">
+                                          <p:stCondLst>
+                                            <p:cond delay="0"/>
+                                          </p:stCondLst>
+                                        </p:cTn>
+                                        <p:tgtEl>
+                                          <p:spTgt spid="43"/>
+                                        </p:tgtEl>
+                                        <p:attrNameLst>
+                                          <p:attrName>style.visibility</p:attrName>
+                                        </p:attrNameLst>
+                                      </p:cBhvr>
+                                      <p:to>
+                                        <p:strVal val="visible"/>
+                                      </p:to>
+                                    </p:set>
+                                    <p:animEffect transition="in" filter="checkerboard(across)">
+                                      <p:cBhvr>
+                                        <p:cTn id="20" dur="500"/>
+                                        <p:tgtEl>
+                                          <p:spTgt spid="43"/>
+                                        </p:tgtEl>
+                                      </p:cBhvr>
+                                    </p:animEffect>
+                                  </p:childTnLst>
+                                </p:cTn>
+                              </p:par>
+                            </p:childTnLst>
+                          </p:cTn>
+                        </p:par>
+                      </p:childTnLst>
+                    </p:cTn>
+                  </p:par>
+                  <p:par>
+                    <p:cTn id="21" fill="hold">
+                      <p:stCondLst>
+                        <p:cond delay="indefinite"/>
+                      </p:stCondLst>
+                      <p:childTnLst>
+                        <p:par>
+                          <p:cTn id="22" fill="hold">
+                            <p:stCondLst>
+                              <p:cond delay="0"/>
+                            </p:stCondLst>
+                            <p:childTnLst>
+                              <p:par>
+                                <p:cTn id="23" presetID="3" presetClass="entr" presetSubtype="10" fill="hold" nodeType="clickEffect">
+                                  <p:stCondLst>
+                                    <p:cond delay="0"/>
+                                  </p:stCondLst>
+                                  <p:childTnLst>
+                                    <p:set>
+                                      <p:cBhvr>
+                                        <p:cTn id="24" dur="1" fill="hold">
+                                          <p:stCondLst>
+                                            <p:cond delay="0"/>
+                                          </p:stCondLst>
+                                        </p:cTn>
+                                        <p:tgtEl>
+                                          <p:spTgt spid="1036"/>
+                                        </p:tgtEl>
+                                        <p:attrNameLst>
+                                          <p:attrName>style.visibility</p:attrName>
+                                        </p:attrNameLst>
+                                      </p:cBhvr>
+                                      <p:to>
+                                        <p:strVal val="visible"/>
+                                      </p:to>
+                                    </p:set>
+                                    <p:animEffect transition="in" filter="blinds(horizontal)">
+                                      <p:cBhvr>
+                                        <p:cTn id="25" dur="500"/>
+                                        <p:tgtEl>
+                                          <p:spTgt spid="1036"/>
+                                        </p:tgtEl>
+                                      </p:cBhvr>
+                                    </p:animEffect>
+                                  </p:childTnLst>
+                                </p:cTn>
+                              </p:par>
+                            </p:childTnLst>
+                          </p:cTn>
+                        </p:par>
+                      </p:childTnLst>
+                    </p:cTn>
+                  </p:par>
+                  <p:par>
+                    <p:cTn id="26" fill="hold">
+                      <p:stCondLst>
+                        <p:cond delay="indefinite"/>
+                      </p:stCondLst>
+                      <p:childTnLst>
+                        <p:par>
+                          <p:cTn id="27" fill="hold">
+                            <p:stCondLst>
+                              <p:cond delay="0"/>
+                            </p:stCondLst>
+                            <p:childTnLst>
+                              <p:par>
+                                <p:cTn id="28" presetID="5" presetClass="entr" presetSubtype="10" fill="hold" nodeType="clickEffect">
+                                  <p:stCondLst>
+                                    <p:cond delay="0"/>
+                                  </p:stCondLst>
+                                  <p:childTnLst>
+                                    <p:set>
+                                      <p:cBhvr>
+                                        <p:cTn id="29" dur="1" fill="hold">
+                                          <p:stCondLst>
+                                            <p:cond delay="0"/>
+                                          </p:stCondLst>
+                                        </p:cTn>
+                                        <p:tgtEl>
+                                          <p:spTgt spid="44"/>
+                                        </p:tgtEl>
+                                        <p:attrNameLst>
+                                          <p:attrName>style.visibility</p:attrName>
+                                        </p:attrNameLst>
+                                      </p:cBhvr>
+                                      <p:to>
+                                        <p:strVal val="visible"/>
+                                      </p:to>
+                                    </p:set>
+                                    <p:animEffect transition="in" filter="checkerboard(across)">
+                                      <p:cBhvr>
+                                        <p:cTn id="30" dur="500"/>
+                                        <p:tgtEl>
+                                          <p:spTgt spid="44"/>
+                                        </p:tgtEl>
+                                      </p:cBhvr>
+                                    </p:animEffect>
+                                  </p:childTnLst>
+                                </p:cTn>
+                              </p:par>
+                            </p:childTnLst>
+                          </p:cTn>
+                        </p:par>
+                      </p:childTnLst>
+                    </p:cTn>
+                  </p:par>
+                  <p:par>
+                    <p:cTn id="31" fill="hold">
+                      <p:stCondLst>
+                        <p:cond delay="indefinite"/>
+                      </p:stCondLst>
+                      <p:childTnLst>
+                        <p:par>
+                          <p:cTn id="32" fill="hold">
+                            <p:stCondLst>
+                              <p:cond delay="0"/>
+                            </p:stCondLst>
+                            <p:childTnLst>
+                              <p:par>
+                                <p:cTn id="33" presetID="14" presetClass="entr" presetSubtype="10" fill="hold" grpId="0" nodeType="clickEffect">
+                                  <p:stCondLst>
+                                    <p:cond delay="0"/>
+                                  </p:stCondLst>
+                                  <p:childTnLst>
+                                    <p:set>
+                                      <p:cBhvr>
+                                        <p:cTn id="34" dur="1" fill="hold">
+                                          <p:stCondLst>
+                                            <p:cond delay="0"/>
+                                          </p:stCondLst>
+                                        </p:cTn>
+                                        <p:tgtEl>
+                                          <p:spTgt spid="36"/>
+                                        </p:tgtEl>
+                                        <p:attrNameLst>
+                                          <p:attrName>style.visibility</p:attrName>
+                                        </p:attrNameLst>
+                                      </p:cBhvr>
+                                      <p:to>
+                                        <p:strVal val="visible"/>
+                                      </p:to>
+                                    </p:set>
+                                    <p:animEffect transition="in" filter="randombar(horizontal)">
+                                      <p:cBhvr>
+                                        <p:cTn id="35" dur="500"/>
+                                        <p:tgtEl>
+                                          <p:spTgt spid="36"/>
+                                        </p:tgtEl>
+                                      </p:cBhvr>
+                                    </p:animEffect>
+                                  </p:childTnLst>
+                                </p:cTn>
+                              </p:par>
+                              <p:par>
+                                <p:cTn id="36" presetID="14" presetClass="entr" presetSubtype="10" fill="hold" grpId="0" nodeType="withEffect">
+                                  <p:stCondLst>
+                                    <p:cond delay="0"/>
+                                  </p:stCondLst>
+                                  <p:childTnLst>
+                                    <p:set>
+                                      <p:cBhvr>
+                                        <p:cTn id="37" dur="1" fill="hold">
+                                          <p:stCondLst>
+                                            <p:cond delay="0"/>
+                                          </p:stCondLst>
+                                        </p:cTn>
+                                        <p:tgtEl>
+                                          <p:spTgt spid="35"/>
+                                        </p:tgtEl>
+                                        <p:attrNameLst>
+                                          <p:attrName>style.visibility</p:attrName>
+                                        </p:attrNameLst>
+                                      </p:cBhvr>
+                                      <p:to>
+                                        <p:strVal val="visible"/>
+                                      </p:to>
+                                    </p:set>
+                                    <p:animEffect transition="in" filter="randombar(horizontal)">
+                                      <p:cBhvr>
+                                        <p:cTn id="38" dur="500"/>
+                                        <p:tgtEl>
+                                          <p:spTgt spid="35"/>
+                                        </p:tgtEl>
+                                      </p:cBhvr>
+                                    </p:animEffect>
+                                  </p:childTnLst>
+                                </p:cTn>
+                              </p:par>
+                            </p:childTnLst>
+                          </p:cTn>
+                        </p:par>
+                      </p:childTnLst>
+                    </p:cTn>
+                  </p:par>
+                  <p:par>
+                    <p:cTn id="39" fill="hold">
+                      <p:stCondLst>
+                        <p:cond delay="indefinite"/>
+                      </p:stCondLst>
+                      <p:childTnLst>
+                        <p:par>
+                          <p:cTn id="40" fill="hold">
+                            <p:stCondLst>
+                              <p:cond delay="0"/>
+                            </p:stCondLst>
+                            <p:childTnLst>
+                              <p:par>
+                                <p:cTn id="41" presetID="5" presetClass="exit" presetSubtype="10" fill="hold" grpId="1" nodeType="clickEffect">
+                                  <p:stCondLst>
+                                    <p:cond delay="0"/>
+                                  </p:stCondLst>
+                                  <p:childTnLst>
+                                    <p:animEffect transition="out" filter="checkerboard(across)">
+                                      <p:cBhvr>
+                                        <p:cTn id="42" dur="500"/>
+                                        <p:tgtEl>
+                                          <p:spTgt spid="24"/>
+                                        </p:tgtEl>
+                                      </p:cBhvr>
+                                    </p:animEffect>
+                                    <p:set>
+                                      <p:cBhvr>
+                                        <p:cTn id="43" dur="1" fill="hold">
+                                          <p:stCondLst>
+                                            <p:cond delay="499"/>
+                                          </p:stCondLst>
+                                        </p:cTn>
+                                        <p:tgtEl>
+                                          <p:spTgt spid="24"/>
+                                        </p:tgtEl>
+                                        <p:attrNameLst>
+                                          <p:attrName>style.visibility</p:attrName>
+                                        </p:attrNameLst>
+                                      </p:cBhvr>
+                                      <p:to>
+                                        <p:strVal val="hidden"/>
+                                      </p:to>
+                                    </p:set>
+                                  </p:childTnLst>
+                                </p:cTn>
+                              </p:par>
+                              <p:par>
+                                <p:cTn id="44" presetID="5" presetClass="exit" presetSubtype="10" fill="hold" grpId="1" nodeType="withEffect">
+                                  <p:stCondLst>
+                                    <p:cond delay="0"/>
+                                  </p:stCondLst>
+                                  <p:childTnLst>
+                                    <p:animEffect transition="out" filter="checkerboard(across)">
+                                      <p:cBhvr>
+                                        <p:cTn id="45" dur="500"/>
+                                        <p:tgtEl>
+                                          <p:spTgt spid="36"/>
+                                        </p:tgtEl>
+                                      </p:cBhvr>
+                                    </p:animEffect>
+                                    <p:set>
+                                      <p:cBhvr>
+                                        <p:cTn id="46" dur="1" fill="hold">
+                                          <p:stCondLst>
+                                            <p:cond delay="499"/>
+                                          </p:stCondLst>
+                                        </p:cTn>
+                                        <p:tgtEl>
+                                          <p:spTgt spid="36"/>
+                                        </p:tgtEl>
+                                        <p:attrNameLst>
+                                          <p:attrName>style.visibility</p:attrName>
+                                        </p:attrNameLst>
+                                      </p:cBhvr>
+                                      <p:to>
+                                        <p:strVal val="hidden"/>
+                                      </p:to>
+                                    </p:set>
+                                  </p:childTnLst>
+                                </p:cTn>
+                              </p:par>
+                              <p:par>
+                                <p:cTn id="47" presetID="5" presetClass="entr" presetSubtype="10" fill="hold" grpId="0" nodeType="withEffect">
+                                  <p:stCondLst>
+                                    <p:cond delay="0"/>
+                                  </p:stCondLst>
+                                  <p:childTnLst>
+                                    <p:set>
+                                      <p:cBhvr>
+                                        <p:cTn id="48" dur="1" fill="hold">
+                                          <p:stCondLst>
+                                            <p:cond delay="0"/>
+                                          </p:stCondLst>
+                                        </p:cTn>
+                                        <p:tgtEl>
+                                          <p:spTgt spid="37"/>
+                                        </p:tgtEl>
+                                        <p:attrNameLst>
+                                          <p:attrName>style.visibility</p:attrName>
+                                        </p:attrNameLst>
+                                      </p:cBhvr>
+                                      <p:to>
+                                        <p:strVal val="visible"/>
+                                      </p:to>
+                                    </p:set>
+                                    <p:animEffect transition="in" filter="checkerboard(across)">
+                                      <p:cBhvr>
+                                        <p:cTn id="49" dur="500"/>
+                                        <p:tgtEl>
+                                          <p:spTgt spid="37"/>
+                                        </p:tgtEl>
+                                      </p:cBhvr>
+                                    </p:animEffect>
+                                  </p:childTnLst>
+                                </p:cTn>
+                              </p:par>
+                              <p:par>
+                                <p:cTn id="50" presetID="5" presetClass="entr" presetSubtype="10" fill="hold" grpId="0" nodeType="withEffect">
+                                  <p:stCondLst>
+                                    <p:cond delay="0"/>
+                                  </p:stCondLst>
+                                  <p:childTnLst>
+                                    <p:set>
+                                      <p:cBhvr>
+                                        <p:cTn id="51" dur="1" fill="hold">
+                                          <p:stCondLst>
+                                            <p:cond delay="0"/>
+                                          </p:stCondLst>
+                                        </p:cTn>
+                                        <p:tgtEl>
+                                          <p:spTgt spid="38"/>
+                                        </p:tgtEl>
+                                        <p:attrNameLst>
+                                          <p:attrName>style.visibility</p:attrName>
+                                        </p:attrNameLst>
+                                      </p:cBhvr>
+                                      <p:to>
+                                        <p:strVal val="visible"/>
+                                      </p:to>
+                                    </p:set>
+                                    <p:animEffect transition="in" filter="checkerboard(across)">
+                                      <p:cBhvr>
+                                        <p:cTn id="52" dur="500"/>
+                                        <p:tgtEl>
+                                          <p:spTgt spid="38"/>
+                                        </p:tgtEl>
+                                      </p:cBhvr>
+                                    </p:animEffect>
+                                  </p:childTnLst>
+                                </p:cTn>
+                              </p:par>
+                            </p:childTnLst>
+                          </p:cTn>
+                        </p:par>
+                      </p:childTnLst>
+                    </p:cTn>
+                  </p:par>
+                  <p:par>
+                    <p:cTn id="53" fill="hold">
+                      <p:stCondLst>
+                        <p:cond delay="indefinite"/>
+                      </p:stCondLst>
+                      <p:childTnLst>
+                        <p:par>
+                          <p:cTn id="54" fill="hold">
+                            <p:stCondLst>
+                              <p:cond delay="0"/>
+                            </p:stCondLst>
+                            <p:childTnLst>
+                              <p:par>
+                                <p:cTn id="55" presetID="5" presetClass="entr" presetSubtype="10" fill="hold" nodeType="clickEffect">
+                                  <p:stCondLst>
+                                    <p:cond delay="0"/>
+                                  </p:stCondLst>
+                                  <p:childTnLst>
+                                    <p:set>
+                                      <p:cBhvr>
+                                        <p:cTn id="56" dur="1" fill="hold">
+                                          <p:stCondLst>
+                                            <p:cond delay="0"/>
+                                          </p:stCondLst>
+                                        </p:cTn>
+                                        <p:tgtEl>
+                                          <p:spTgt spid="45"/>
+                                        </p:tgtEl>
+                                        <p:attrNameLst>
+                                          <p:attrName>style.visibility</p:attrName>
+                                        </p:attrNameLst>
+                                      </p:cBhvr>
+                                      <p:to>
+                                        <p:strVal val="visible"/>
+                                      </p:to>
+                                    </p:set>
+                                    <p:animEffect transition="in" filter="checkerboard(across)">
+                                      <p:cBhvr>
+                                        <p:cTn id="57" dur="500"/>
+                                        <p:tgtEl>
+                                          <p:spTgt spid="45"/>
+                                        </p:tgtEl>
+                                      </p:cBhvr>
+                                    </p:animEffect>
+                                  </p:childTnLst>
+                                </p:cTn>
+                              </p:par>
+                            </p:childTnLst>
+                          </p:cTn>
+                        </p:par>
+                      </p:childTnLst>
+                    </p:cTn>
+                  </p:par>
+                </p:childTnLst>
+              </p:cTn>
+              <p:prevCondLst>
+                <p:cond evt="onPrev" delay="0">
+                  <p:tgtEl>
+                    <p:sldTgt/>
+                  </p:tgtEl>
+                </p:cond>
+              </p:prevCondLst>
+              <p:nextCondLst>
+                <p:cond evt="onNext" delay="0">
+                  <p:tgtEl>
+                    <p:sldTgt/>
+                  </p:tgtEl>
+                </p:cond>
+              </p:nextCondLst>
+            </p:seq>
+          </p:childTnLst>
+        </p:cTn>
       </p:par>
     </p:tnLst>
+    <p:bldLst>
+      <p:bldP spid="37" grpId="0" animBg="1"/>
+      <p:bldP spid="24" grpId="0" animBg="1"/>
+      <p:bldP spid="24" grpId="1" animBg="1"/>
+      <p:bldP spid="35" grpId="0" animBg="1"/>
+      <p:bldP spid="36" grpId="0"/>
+      <p:bldP spid="36" grpId="1"/>
+      <p:bldP spid="38" grpId="0"/>
+    </p:bldLst>
   </p:timing>
 </p:sld>
 </file>
@@ -4970,7 +7291,7 @@
       </p:grpSpPr>
       <p:sp>
         <p:nvSpPr>
-          <p:cNvPr id="3" name="Title 2"/>
+          <p:cNvPr id="4" name="Title 1"/>
           <p:cNvSpPr>
             <a:spLocks noGrp="1"/>
           </p:cNvSpPr>
@@ -4978,14 +7299,19 @@
             <p:ph type="title"/>
           </p:nvPr>
         </p:nvSpPr>
-        <p:spPr/>
+        <p:spPr>
+          <a:xfrm>
+            <a:off x="519113" y="456806"/>
+            <a:ext cx="11149013" cy="664797"/>
+          </a:xfrm>
+        </p:spPr>
         <p:txBody>
           <a:bodyPr/>
           <a:lstStyle/>
           <a:p>
             <a:r>
-              <a:rPr lang="en-US" smtClean="0"/>
-              <a:t>Khái niệm</a:t>
+              <a:rPr smtClean="0"/>
+              <a:t>2. Mục tiêu và phạm vi khóa luận</a:t>
             </a:r>
             <a:endParaRPr lang="en-US"/>
           </a:p>
@@ -4993,7 +7319,7 @@
       </p:sp>
       <p:sp>
         <p:nvSpPr>
-          <p:cNvPr id="4" name="Content Placeholder 3"/>
+          <p:cNvPr id="7" name="Content Placeholder 4"/>
           <p:cNvSpPr>
             <a:spLocks noGrp="1"/>
           </p:cNvSpPr>
@@ -5004,7 +7330,7 @@
         <p:spPr>
           <a:xfrm>
             <a:off x="519113" y="1499616"/>
-            <a:ext cx="11149013" cy="1228028"/>
+            <a:ext cx="11149013" cy="2942344"/>
           </a:xfrm>
         </p:spPr>
         <p:txBody>
@@ -5012,68 +7338,59 @@
           <a:lstStyle/>
           <a:p>
             <a:r>
-              <a:rPr lang="en-US" sz="3000" smtClean="0"/>
-              <a:t>Một số khái niệm điện toán đám mây  :</a:t>
+              <a:rPr lang="en-US" sz="2800" smtClean="0"/>
+              <a:t>Tìm hiểu về điện toán đám mây</a:t>
             </a:r>
           </a:p>
           <a:p>
             <a:pPr lvl="1"/>
             <a:r>
-              <a:rPr lang="vi-VN" sz="2400" smtClean="0"/>
-              <a:t>Wikipedia</a:t>
+              <a:rPr lang="en-US" sz="2400" smtClean="0"/>
+              <a:t>Kiến trúc tổng quan</a:t>
+            </a:r>
+          </a:p>
+          <a:p>
+            <a:pPr lvl="1"/>
+            <a:r>
+              <a:rPr lang="en-US" sz="2400" smtClean="0"/>
+              <a:t>Lợi ích mà điện toán đám mây mang lại</a:t>
+            </a:r>
+          </a:p>
+          <a:p>
+            <a:pPr lvl="1"/>
+            <a:r>
+              <a:rPr lang="en-US" sz="2400" smtClean="0"/>
+              <a:t>Cách thức vận </a:t>
+            </a:r>
+            <a:r>
+              <a:rPr lang="en-US" sz="2400" smtClean="0"/>
+              <a:t>hành</a:t>
             </a:r>
             <a:endParaRPr lang="en-US" sz="2400" smtClean="0"/>
           </a:p>
           <a:p>
-            <a:pPr lvl="1"/>
-            <a:r>
-              <a:rPr lang="vi-VN" sz="2400" smtClean="0"/>
-              <a:t>Ian Foster</a:t>
-            </a:r>
-            <a:r>
-              <a:rPr lang="en-US" sz="2400" smtClean="0"/>
-              <a:t> ( thuộc phòng thí nghiệm quốc gia Argonne - Mỹ)</a:t>
-            </a:r>
-            <a:endParaRPr lang="en-US" sz="2600" smtClean="0"/>
+            <a:r>
+              <a:rPr lang="en-US" sz="2800" smtClean="0"/>
+              <a:t>Tìm hiểu các dịch vụ của điện toán đám mây</a:t>
+            </a:r>
+          </a:p>
+          <a:p>
+            <a:r>
+              <a:rPr lang="en-US" sz="2800" smtClean="0"/>
+              <a:t>Triển khai ứng dụng sổ liên lạc điện tử trên </a:t>
+            </a:r>
+            <a:r>
+              <a:rPr lang="en-US" sz="2800" smtClean="0"/>
+              <a:t>nền tảng </a:t>
+            </a:r>
+            <a:r>
+              <a:rPr lang="en-US" sz="2800" smtClean="0"/>
+              <a:t>Windows Azure</a:t>
+            </a:r>
           </a:p>
         </p:txBody>
       </p:sp>
-      <p:pic>
-        <p:nvPicPr>
-          <p:cNvPr id="6" name="Picture 5" descr="C:\Users\Nguyen Thanh Dat\Desktop\ht-200903281400.jpg"/>
-          <p:cNvPicPr/>
-          <p:nvPr/>
-        </p:nvPicPr>
-        <p:blipFill>
-          <a:blip r:embed="rId3" cstate="print"/>
-          <a:srcRect/>
-          <a:stretch>
-            <a:fillRect/>
-          </a:stretch>
-        </p:blipFill>
-        <p:spPr bwMode="auto">
-          <a:xfrm>
-            <a:off x="3960812" y="3429000"/>
-            <a:ext cx="4114800" cy="2943128"/>
-          </a:xfrm>
-          <a:prstGeom prst="rect">
-            <a:avLst/>
-          </a:prstGeom>
-          <a:noFill/>
-          <a:ln w="9525">
-            <a:noFill/>
-            <a:miter lim="800000"/>
-            <a:headEnd/>
-            <a:tailEnd/>
-          </a:ln>
-        </p:spPr>
-      </p:pic>
     </p:spTree>
-    <p:extLst>
-      <p:ext uri="{BB962C8B-B14F-4D97-AF65-F5344CB8AC3E}">
-        <p14:creationId xmlns:p14="http://schemas.microsoft.com/office/powerpoint/2010/main" xmlns="" val="621892126"/>
-      </p:ext>
-    </p:extLst>
   </p:cSld>
   <p:clrMapOvr>
     <a:masterClrMapping/>
@@ -5110,7 +7427,7 @@
       </p:grpSpPr>
       <p:sp>
         <p:nvSpPr>
-          <p:cNvPr id="2" name="Title 1"/>
+          <p:cNvPr id="8" name="Title 7"/>
           <p:cNvSpPr>
             <a:spLocks noGrp="1"/>
           </p:cNvSpPr>
@@ -5123,110 +7440,154 @@
           <a:bodyPr/>
           <a:lstStyle/>
           <a:p>
-            <a:r>
-              <a:rPr smtClean="0"/>
-              <a:t>Ưu điểm </a:t>
-            </a:r>
             <a:endParaRPr lang="en-US"/>
           </a:p>
         </p:txBody>
       </p:sp>
-      <p:pic>
-        <p:nvPicPr>
-          <p:cNvPr id="1026" name="Picture 2" descr="C:\Users\ADMIN\Desktop\good-bad.jpg"/>
-          <p:cNvPicPr>
-            <a:picLocks noChangeAspect="1" noChangeArrowheads="1"/>
-          </p:cNvPicPr>
+      <p:sp>
+        <p:nvSpPr>
+          <p:cNvPr id="9" name="Title 3"/>
+          <p:cNvSpPr txBox="1">
+            <a:spLocks/>
+          </p:cNvSpPr>
           <p:nvPr/>
-        </p:nvPicPr>
-        <p:blipFill>
-          <a:blip r:embed="rId3"/>
-          <a:srcRect/>
-          <a:stretch>
-            <a:fillRect/>
-          </a:stretch>
-        </p:blipFill>
-        <p:spPr bwMode="auto">
+        </p:nvSpPr>
+        <p:spPr>
           <a:xfrm>
-            <a:off x="7008812" y="1447800"/>
-            <a:ext cx="4406900" cy="4394200"/>
+            <a:off x="519113" y="2238007"/>
+            <a:ext cx="11149013" cy="1828193"/>
           </a:xfrm>
           <a:prstGeom prst="rect">
             <a:avLst/>
           </a:prstGeom>
-          <a:noFill/>
-        </p:spPr>
-      </p:pic>
-      <p:sp>
-        <p:nvSpPr>
-          <p:cNvPr id="7" name="Content Placeholder 2"/>
-          <p:cNvSpPr>
-            <a:spLocks noGrp="1"/>
-          </p:cNvSpPr>
-          <p:nvPr>
-            <p:ph idx="1"/>
-          </p:nvPr>
-        </p:nvSpPr>
-        <p:spPr>
-          <a:xfrm>
-            <a:off x="519113" y="1499616"/>
-            <a:ext cx="11149013" cy="3151632"/>
-          </a:xfrm>
         </p:spPr>
         <p:txBody>
-          <a:bodyPr/>
+          <a:bodyPr vert="horz" wrap="square" lIns="0" tIns="0" rIns="0" bIns="0" rtlCol="0" anchor="t">
+            <a:spAutoFit/>
+          </a:bodyPr>
           <a:lstStyle/>
           <a:p>
-            <a:pPr lvl="0"/>
-            <a:r>
-              <a:rPr lang="en-US" smtClean="0"/>
-              <a:t>Tiết kiệm và giảm chi phí</a:t>
-            </a:r>
-          </a:p>
-          <a:p>
-            <a:pPr lvl="0"/>
-            <a:r>
-              <a:rPr lang="en-US" smtClean="0"/>
-              <a:t>Tốc độ xử lý nhanh</a:t>
-            </a:r>
-          </a:p>
-          <a:p>
-            <a:pPr lvl="0"/>
-            <a:r>
-              <a:rPr lang="en-US" smtClean="0"/>
-              <a:t>Đa phương tiện</a:t>
-            </a:r>
-          </a:p>
-          <a:p>
-            <a:pPr lvl="0"/>
-            <a:r>
-              <a:rPr lang="en-US" smtClean="0"/>
-              <a:t>Tính co giãn</a:t>
-            </a:r>
-          </a:p>
-          <a:p>
-            <a:pPr lvl="0"/>
-            <a:r>
-              <a:rPr lang="en-US" smtClean="0"/>
-              <a:t>Bảo trì và sửa chữa</a:t>
-            </a:r>
-          </a:p>
-          <a:p>
-            <a:pPr lvl="0"/>
-            <a:r>
-              <a:rPr lang="en-US" smtClean="0"/>
-              <a:t>Thống kê tài nguyên</a:t>
-            </a:r>
-            <a:endParaRPr lang="en-US"/>
+            <a:pPr marL="0" marR="0" lvl="0" indent="0" algn="ctr" defTabSz="1218937" rtl="0" eaLnBrk="1" fontAlgn="auto" latinLnBrk="0" hangingPunct="1">
+              <a:lnSpc>
+                <a:spcPct val="90000"/>
+              </a:lnSpc>
+              <a:spcBef>
+                <a:spcPct val="0"/>
+              </a:spcBef>
+              <a:spcAft>
+                <a:spcPts val="0"/>
+              </a:spcAft>
+              <a:buClrTx/>
+              <a:buSzTx/>
+              <a:buFontTx/>
+              <a:buNone/>
+              <a:tabLst/>
+              <a:defRPr/>
+            </a:pPr>
+            <a:r>
+              <a:rPr kumimoji="0" lang="en-US" sz="6600" b="0" i="0" u="none" strike="noStrike" kern="1200" cap="none" spc="-267" normalizeH="0" baseline="0" noProof="0" smtClean="0">
+                <a:ln w="3175">
+                  <a:noFill/>
+                </a:ln>
+                <a:gradFill flip="none" rotWithShape="1">
+                  <a:gsLst>
+                    <a:gs pos="0">
+                      <a:schemeClr val="tx1"/>
+                    </a:gs>
+                    <a:gs pos="86000">
+                      <a:schemeClr val="tx1"/>
+                    </a:gs>
+                  </a:gsLst>
+                  <a:lin ang="5400000" scaled="0"/>
+                  <a:tileRect/>
+                </a:gradFill>
+                <a:effectLst/>
+                <a:uLnTx/>
+                <a:uFillTx/>
+                <a:latin typeface="+mj-lt"/>
+                <a:ea typeface="+mn-ea"/>
+                <a:cs typeface="Arial" charset="0"/>
+              </a:rPr>
+              <a:t>Tổng quan </a:t>
+            </a:r>
+            <a:br>
+              <a:rPr kumimoji="0" lang="en-US" sz="6600" b="0" i="0" u="none" strike="noStrike" kern="1200" cap="none" spc="-267" normalizeH="0" baseline="0" noProof="0" smtClean="0">
+                <a:ln w="3175">
+                  <a:noFill/>
+                </a:ln>
+                <a:gradFill flip="none" rotWithShape="1">
+                  <a:gsLst>
+                    <a:gs pos="0">
+                      <a:schemeClr val="tx1"/>
+                    </a:gs>
+                    <a:gs pos="86000">
+                      <a:schemeClr val="tx1"/>
+                    </a:gs>
+                  </a:gsLst>
+                  <a:lin ang="5400000" scaled="0"/>
+                  <a:tileRect/>
+                </a:gradFill>
+                <a:effectLst/>
+                <a:uLnTx/>
+                <a:uFillTx/>
+                <a:latin typeface="+mj-lt"/>
+                <a:ea typeface="+mn-ea"/>
+                <a:cs typeface="Arial" charset="0"/>
+              </a:rPr>
+            </a:br>
+            <a:r>
+              <a:rPr kumimoji="0" lang="en-US" sz="6600" b="0" i="0" u="none" strike="noStrike" kern="1200" cap="none" spc="-267" normalizeH="0" baseline="0" noProof="0" smtClean="0">
+                <a:ln w="3175">
+                  <a:noFill/>
+                </a:ln>
+                <a:gradFill flip="none" rotWithShape="1">
+                  <a:gsLst>
+                    <a:gs pos="0">
+                      <a:schemeClr val="tx1"/>
+                    </a:gs>
+                    <a:gs pos="86000">
+                      <a:schemeClr val="tx1"/>
+                    </a:gs>
+                  </a:gsLst>
+                  <a:lin ang="5400000" scaled="0"/>
+                  <a:tileRect/>
+                </a:gradFill>
+                <a:effectLst/>
+                <a:uLnTx/>
+                <a:uFillTx/>
+                <a:latin typeface="+mj-lt"/>
+                <a:ea typeface="+mn-ea"/>
+                <a:cs typeface="Arial" charset="0"/>
+              </a:rPr>
+              <a:t>Điện toán đám mây</a:t>
+            </a:r>
+            <a:endParaRPr kumimoji="0" lang="en-US" sz="6600" b="0" i="0" u="none" strike="noStrike" kern="1200" cap="none" spc="-267" normalizeH="0" baseline="0" noProof="0">
+              <a:ln w="3175">
+                <a:noFill/>
+              </a:ln>
+              <a:gradFill flip="none" rotWithShape="1">
+                <a:gsLst>
+                  <a:gs pos="0">
+                    <a:schemeClr val="tx1"/>
+                  </a:gs>
+                  <a:gs pos="86000">
+                    <a:schemeClr val="tx1"/>
+                  </a:gs>
+                </a:gsLst>
+                <a:lin ang="5400000" scaled="0"/>
+                <a:tileRect/>
+              </a:gradFill>
+              <a:effectLst/>
+              <a:uLnTx/>
+              <a:uFillTx/>
+              <a:latin typeface="+mj-lt"/>
+              <a:ea typeface="+mn-ea"/>
+              <a:cs typeface="Arial" charset="0"/>
+            </a:endParaRPr>
           </a:p>
         </p:txBody>
       </p:sp>
     </p:spTree>
-    <p:extLst>
-      <p:ext uri="{BB962C8B-B14F-4D97-AF65-F5344CB8AC3E}">
-        <p14:creationId xmlns:p14="http://schemas.microsoft.com/office/powerpoint/2010/main" xmlns="" val="2925076787"/>
-      </p:ext>
-    </p:extLst>
   </p:cSld>
   <p:clrMapOvr>
     <a:masterClrMapping/>
@@ -5263,7 +7624,7 @@
       </p:grpSpPr>
       <p:sp>
         <p:nvSpPr>
-          <p:cNvPr id="4" name="Title 3"/>
+          <p:cNvPr id="6" name="Title 1"/>
           <p:cNvSpPr>
             <a:spLocks noGrp="1"/>
           </p:cNvSpPr>
@@ -5271,86 +7632,113 @@
             <p:ph type="title"/>
           </p:nvPr>
         </p:nvSpPr>
-        <p:spPr/>
-        <p:txBody>
-          <a:bodyPr/>
-          <a:lstStyle/>
-          <a:p>
-            <a:r>
-              <a:rPr lang="en-US" smtClean="0"/>
-              <a:t>Nhược điểm</a:t>
-            </a:r>
-            <a:endParaRPr lang="en-US"/>
-          </a:p>
-        </p:txBody>
-      </p:sp>
-      <p:sp>
-        <p:nvSpPr>
-          <p:cNvPr id="30" name="Content Placeholder 2"/>
-          <p:cNvSpPr>
-            <a:spLocks noGrp="1"/>
-          </p:cNvSpPr>
-          <p:nvPr>
-            <p:ph idx="1"/>
-          </p:nvPr>
-        </p:nvSpPr>
         <p:spPr>
           <a:xfrm>
-            <a:off x="519113" y="1499616"/>
-            <a:ext cx="11149013" cy="2068259"/>
+            <a:off x="519113" y="456806"/>
+            <a:ext cx="11149013" cy="664797"/>
           </a:xfrm>
         </p:spPr>
         <p:txBody>
           <a:bodyPr/>
           <a:lstStyle/>
           <a:p>
-            <a:pPr lvl="0"/>
-            <a:r>
-              <a:rPr lang="vi-VN" smtClean="0"/>
-              <a:t>Phụ thuộc vào nh</a:t>
-            </a:r>
-            <a:r>
-              <a:rPr lang="en-US" smtClean="0"/>
-              <a:t>à</a:t>
-            </a:r>
-            <a:r>
-              <a:rPr lang="vi-VN" smtClean="0"/>
-              <a:t> cung cấp</a:t>
-            </a:r>
-            <a:endParaRPr lang="en-US" smtClean="0"/>
-          </a:p>
-          <a:p>
-            <a:pPr lvl="0"/>
-            <a:r>
-              <a:rPr lang="vi-VN" smtClean="0"/>
-              <a:t>Bảo mật và kiểm tra dữ liệu</a:t>
-            </a:r>
-            <a:endParaRPr lang="en-US" smtClean="0"/>
-          </a:p>
-          <a:p>
-            <a:pPr lvl="0"/>
-            <a:r>
-              <a:rPr lang="vi-VN" smtClean="0"/>
-              <a:t>Tắc nghẽn trên đường truyền dữ liệu</a:t>
-            </a:r>
-            <a:endParaRPr lang="en-US" smtClean="0"/>
-          </a:p>
-          <a:p>
-            <a:pPr lvl="0"/>
-            <a:r>
-              <a:rPr lang="vi-VN" smtClean="0"/>
-              <a:t>Nhu cầu lưu trữ người dùng</a:t>
+            <a:r>
+              <a:rPr smtClean="0"/>
+              <a:t>3. 1. Tổng quan về điện toán đám mây</a:t>
             </a:r>
             <a:endParaRPr lang="en-US"/>
           </a:p>
         </p:txBody>
       </p:sp>
+      <p:sp>
+        <p:nvSpPr>
+          <p:cNvPr id="7" name="Content Placeholder 4"/>
+          <p:cNvSpPr txBox="1">
+            <a:spLocks/>
+          </p:cNvSpPr>
+          <p:nvPr/>
+        </p:nvSpPr>
+        <p:spPr>
+          <a:xfrm>
+            <a:off x="608012" y="1524000"/>
+            <a:ext cx="11048999" cy="1723549"/>
+          </a:xfrm>
+          <a:prstGeom prst="rect">
+            <a:avLst/>
+          </a:prstGeom>
+        </p:spPr>
+        <p:txBody>
+          <a:bodyPr vert="horz" wrap="square" lIns="0" tIns="0" rIns="0" bIns="0" rtlCol="0">
+            <a:spAutoFit/>
+          </a:bodyPr>
+          <a:lstStyle/>
+          <a:p>
+            <a:r>
+              <a:rPr lang="vi-VN" sz="2800" smtClean="0"/>
+              <a:t>Theo Wikipedia </a:t>
+            </a:r>
+            <a:r>
+              <a:rPr lang="vi-VN" sz="2800" baseline="30000" smtClean="0"/>
+              <a:t>1</a:t>
+            </a:r>
+            <a:r>
+              <a:rPr lang="vi-VN" sz="2800" smtClean="0"/>
+              <a:t>:  </a:t>
+            </a:r>
+            <a:endParaRPr lang="en-US" sz="2800" smtClean="0"/>
+          </a:p>
+          <a:p>
+            <a:r>
+              <a:rPr lang="vi-VN" sz="2800" i="1" smtClean="0"/>
+              <a:t> “</a:t>
+            </a:r>
+            <a:r>
+              <a:rPr lang="vi-VN" sz="2800" smtClean="0"/>
+              <a:t>Điện toán đám mây là một mô hình điện toán có khả năng co giãn linh động và các tài nguyên thường được ảo hóa để cung cấp như một dịch vụ trên mạng Internet</a:t>
+            </a:r>
+            <a:r>
+              <a:rPr lang="vi-VN" sz="2800" i="1" smtClean="0"/>
+              <a:t>”</a:t>
+            </a:r>
+            <a:r>
+              <a:rPr lang="vi-VN" sz="2800" smtClean="0"/>
+              <a:t>.</a:t>
+            </a:r>
+            <a:endParaRPr lang="en-US" sz="2800"/>
+          </a:p>
+        </p:txBody>
+      </p:sp>
+      <p:pic>
+        <p:nvPicPr>
+          <p:cNvPr id="8" name="Picture 7" descr="C:\Users\Nguyen Thanh Dat\Desktop\ht-200903281400.jpg"/>
+          <p:cNvPicPr/>
+          <p:nvPr/>
+        </p:nvPicPr>
+        <p:blipFill>
+          <a:blip r:embed="rId2" cstate="print"/>
+          <a:srcRect/>
+          <a:stretch>
+            <a:fillRect/>
+          </a:stretch>
+        </p:blipFill>
+        <p:spPr bwMode="auto">
+          <a:xfrm>
+            <a:off x="4037012" y="3429000"/>
+            <a:ext cx="4114800" cy="2943128"/>
+          </a:xfrm>
+          <a:prstGeom prst="rect">
+            <a:avLst/>
+          </a:prstGeom>
+          <a:noFill/>
+          <a:ln w="9525">
+            <a:noFill/>
+            <a:miter lim="800000"/>
+            <a:headEnd/>
+            <a:tailEnd/>
+          </a:ln>
+        </p:spPr>
+      </p:pic>
     </p:spTree>
-    <p:extLst>
-      <p:ext uri="{BB962C8B-B14F-4D97-AF65-F5344CB8AC3E}">
-        <p14:creationId xmlns:p14="http://schemas.microsoft.com/office/powerpoint/2010/main" xmlns="" val="157625841"/>
-      </p:ext>
-    </p:extLst>
   </p:cSld>
   <p:clrMapOvr>
     <a:masterClrMapping/>
@@ -5387,7 +7775,7 @@
       </p:grpSpPr>
       <p:sp>
         <p:nvSpPr>
-          <p:cNvPr id="2" name="Title 1"/>
+          <p:cNvPr id="5" name="Title 1"/>
           <p:cNvSpPr>
             <a:spLocks noGrp="1"/>
           </p:cNvSpPr>
@@ -5395,72 +7783,218 @@
             <p:ph type="title"/>
           </p:nvPr>
         </p:nvSpPr>
-        <p:spPr/>
-        <p:txBody>
-          <a:bodyPr/>
-          <a:lstStyle/>
-          <a:p>
-            <a:r>
-              <a:rPr lang="en-US" smtClean="0"/>
-              <a:t>Kiến trúc</a:t>
-            </a:r>
-            <a:endParaRPr lang="en-US"/>
-          </a:p>
-        </p:txBody>
-      </p:sp>
-      <p:sp>
-        <p:nvSpPr>
-          <p:cNvPr id="3" name="Content Placeholder 2"/>
-          <p:cNvSpPr>
-            <a:spLocks noGrp="1"/>
-          </p:cNvSpPr>
-          <p:nvPr>
-            <p:ph idx="1"/>
-          </p:nvPr>
-        </p:nvSpPr>
         <p:spPr>
           <a:xfrm>
-            <a:off x="519113" y="1499616"/>
-            <a:ext cx="10756899" cy="1853184"/>
+            <a:off x="519113" y="456806"/>
+            <a:ext cx="11149013" cy="664797"/>
           </a:xfrm>
         </p:spPr>
         <p:txBody>
           <a:bodyPr/>
           <a:lstStyle/>
           <a:p>
-            <a:pPr lvl="0"/>
-            <a:r>
-              <a:rPr lang="en-US" smtClean="0"/>
-              <a:t>Hệ thống hướng dịch vụ ( Infrastructure as Service ).</a:t>
-            </a:r>
-          </a:p>
-          <a:p>
-            <a:pPr lvl="0"/>
-            <a:r>
-              <a:rPr lang="en-US" smtClean="0"/>
-              <a:t>Nền tảng hướng dịch vụ ( Platform as Service).</a:t>
-            </a:r>
-          </a:p>
-          <a:p>
-            <a:pPr lvl="0"/>
-            <a:r>
-              <a:rPr lang="en-US" smtClean="0"/>
-              <a:t>Phần mềm hướng dịch vụ ( Software as Service).</a:t>
-            </a:r>
-          </a:p>
-          <a:p>
+            <a:r>
+              <a:rPr smtClean="0"/>
+              <a:t>3. 1. Tổng quan về điện toán đám mây</a:t>
+            </a:r>
             <a:endParaRPr lang="en-US"/>
+          </a:p>
+        </p:txBody>
+      </p:sp>
+      <p:sp>
+        <p:nvSpPr>
+          <p:cNvPr id="7" name="TextBox 6"/>
+          <p:cNvSpPr txBox="1"/>
+          <p:nvPr/>
+        </p:nvSpPr>
+        <p:spPr>
+          <a:xfrm>
+            <a:off x="760412" y="2209800"/>
+            <a:ext cx="65" cy="492443"/>
+          </a:xfrm>
+          <a:prstGeom prst="rect">
+            <a:avLst/>
+          </a:prstGeom>
+          <a:noFill/>
+        </p:spPr>
+        <p:txBody>
+          <a:bodyPr wrap="none" lIns="0" tIns="0" rIns="0" bIns="0" rtlCol="0">
+            <a:spAutoFit/>
+          </a:bodyPr>
+          <a:lstStyle/>
+          <a:p>
+            <a:endParaRPr lang="en-US" sz="3200" dirty="0" err="1" smtClean="0">
+              <a:gradFill>
+                <a:gsLst>
+                  <a:gs pos="0">
+                    <a:schemeClr val="tx1"/>
+                  </a:gs>
+                  <a:gs pos="86000">
+                    <a:schemeClr val="tx1"/>
+                  </a:gs>
+                </a:gsLst>
+                <a:lin ang="5400000" scaled="0"/>
+              </a:gradFill>
+              <a:effectLst>
+                <a:outerShdw blurRad="63500" algn="ctr" rotWithShape="0">
+                  <a:schemeClr val="tx1">
+                    <a:alpha val="60000"/>
+                  </a:schemeClr>
+                </a:outerShdw>
+              </a:effectLst>
+            </a:endParaRPr>
+          </a:p>
+        </p:txBody>
+      </p:sp>
+      <p:sp>
+        <p:nvSpPr>
+          <p:cNvPr id="11" name="Content Placeholder 4"/>
+          <p:cNvSpPr txBox="1">
+            <a:spLocks/>
+          </p:cNvSpPr>
+          <p:nvPr/>
+        </p:nvSpPr>
+        <p:spPr>
+          <a:xfrm>
+            <a:off x="608012" y="1219200"/>
+            <a:ext cx="11048999" cy="430887"/>
+          </a:xfrm>
+          <a:prstGeom prst="rect">
+            <a:avLst/>
+          </a:prstGeom>
+        </p:spPr>
+        <p:txBody>
+          <a:bodyPr vert="horz" wrap="square" lIns="0" tIns="0" rIns="0" bIns="0" rtlCol="0">
+            <a:spAutoFit/>
+          </a:bodyPr>
+          <a:lstStyle/>
+          <a:p>
+            <a:r>
+              <a:rPr lang="en-US" sz="2800" smtClean="0"/>
+              <a:t>Kiến trúc của điện toán đám mây bao gồm 3 tầng  </a:t>
+            </a:r>
+            <a:r>
+              <a:rPr lang="en-US" sz="2800" smtClean="0"/>
+              <a:t>: </a:t>
+            </a:r>
+            <a:endParaRPr lang="en-US" sz="2800" smtClean="0"/>
+          </a:p>
+        </p:txBody>
+      </p:sp>
+      <p:sp>
+        <p:nvSpPr>
+          <p:cNvPr id="12" name="Content Placeholder 4"/>
+          <p:cNvSpPr txBox="1">
+            <a:spLocks/>
+          </p:cNvSpPr>
+          <p:nvPr/>
+        </p:nvSpPr>
+        <p:spPr>
+          <a:xfrm>
+            <a:off x="684212" y="1752600"/>
+            <a:ext cx="8991600" cy="1809726"/>
+          </a:xfrm>
+          <a:prstGeom prst="rect">
+            <a:avLst/>
+          </a:prstGeom>
+        </p:spPr>
+        <p:txBody>
+          <a:bodyPr vert="horz" wrap="square" lIns="0" tIns="0" rIns="0" bIns="0" rtlCol="0">
+            <a:spAutoFit/>
+          </a:bodyPr>
+          <a:lstStyle/>
+          <a:p>
+            <a:pPr marL="533307" lvl="0" indent="-533307">
+              <a:lnSpc>
+                <a:spcPct val="90000"/>
+              </a:lnSpc>
+              <a:spcBef>
+                <a:spcPct val="20000"/>
+              </a:spcBef>
+              <a:buSzPct val="90000"/>
+              <a:buBlip>
+                <a:blip r:embed="rId2"/>
+              </a:buBlip>
+            </a:pPr>
+            <a:r>
+              <a:rPr lang="en-US" sz="2800" smtClean="0"/>
+              <a:t>Hệ </a:t>
+            </a:r>
+            <a:r>
+              <a:rPr lang="en-US" sz="2800" smtClean="0"/>
+              <a:t>thống hướng dịch vụ ( Infrastructure as Service </a:t>
+            </a:r>
+            <a:r>
+              <a:rPr lang="en-US" sz="2800" smtClean="0"/>
+              <a:t>). </a:t>
+            </a:r>
+            <a:endParaRPr lang="en-US" sz="2800" smtClean="0"/>
+          </a:p>
+          <a:p>
+            <a:pPr marL="533307" indent="-533307">
+              <a:lnSpc>
+                <a:spcPct val="90000"/>
+              </a:lnSpc>
+              <a:spcBef>
+                <a:spcPct val="20000"/>
+              </a:spcBef>
+              <a:buSzPct val="90000"/>
+              <a:buBlip>
+                <a:blip r:embed="rId2"/>
+              </a:buBlip>
+            </a:pPr>
+            <a:r>
+              <a:rPr lang="en-US" sz="2800" smtClean="0"/>
+              <a:t>Tền tảng hướng dịch vụ ( Platform as Service).</a:t>
+            </a:r>
+          </a:p>
+          <a:p>
+            <a:pPr marL="533307" indent="-533307">
+              <a:lnSpc>
+                <a:spcPct val="90000"/>
+              </a:lnSpc>
+              <a:spcBef>
+                <a:spcPct val="20000"/>
+              </a:spcBef>
+              <a:buSzPct val="90000"/>
+              <a:buBlip>
+                <a:blip r:embed="rId2"/>
+              </a:buBlip>
+            </a:pPr>
+            <a:r>
+              <a:rPr lang="en-US" sz="2800" smtClean="0"/>
+              <a:t>Phần </a:t>
+            </a:r>
+            <a:r>
+              <a:rPr lang="en-US" sz="2800" smtClean="0"/>
+              <a:t>mềm hướng dịch vụ ( Software as Service).</a:t>
+            </a:r>
+          </a:p>
+          <a:p>
+            <a:pPr marL="533307" lvl="0" indent="-533307">
+              <a:lnSpc>
+                <a:spcPct val="90000"/>
+              </a:lnSpc>
+              <a:spcBef>
+                <a:spcPct val="20000"/>
+              </a:spcBef>
+              <a:buSzPct val="90000"/>
+              <a:buBlip>
+                <a:blip r:embed="rId2"/>
+              </a:buBlip>
+            </a:pPr>
+            <a:endParaRPr lang="en-US" sz="2800" smtClean="0"/>
           </a:p>
         </p:txBody>
       </p:sp>
       <p:pic>
         <p:nvPicPr>
-          <p:cNvPr id="7" name="Picture 6"/>
+          <p:cNvPr id="15" name="Picture 14" descr="vv"/>
           <p:cNvPicPr/>
           <p:nvPr/>
         </p:nvPicPr>
         <p:blipFill>
-          <a:blip r:embed="rId2" cstate="print"/>
+          <a:blip r:embed="rId3" cstate="print"/>
           <a:srcRect/>
           <a:stretch>
             <a:fillRect/>
@@ -5468,8 +8002,8 @@
         </p:blipFill>
         <p:spPr bwMode="auto">
           <a:xfrm>
-            <a:off x="3275012" y="3352800"/>
-            <a:ext cx="5560202" cy="3124200"/>
+            <a:off x="2894012" y="3352800"/>
+            <a:ext cx="6478859" cy="3200400"/>
           </a:xfrm>
           <a:prstGeom prst="rect">
             <a:avLst/>
@@ -5484,11 +8018,6 @@
         </p:spPr>
       </p:pic>
     </p:spTree>
-    <p:extLst>
-      <p:ext uri="{BB962C8B-B14F-4D97-AF65-F5344CB8AC3E}">
-        <p14:creationId xmlns:p14="http://schemas.microsoft.com/office/powerpoint/2010/main" xmlns="" val="1842052250"/>
-      </p:ext>
-    </p:extLst>
   </p:cSld>
   <p:clrMapOvr>
     <a:masterClrMapping/>
@@ -5525,30 +8054,7 @@
       </p:grpSpPr>
       <p:sp>
         <p:nvSpPr>
-          <p:cNvPr id="2" name="Title 1"/>
-          <p:cNvSpPr>
-            <a:spLocks noGrp="1"/>
-          </p:cNvSpPr>
-          <p:nvPr>
-            <p:ph type="title"/>
-          </p:nvPr>
-        </p:nvSpPr>
-        <p:spPr/>
-        <p:txBody>
-          <a:bodyPr/>
-          <a:lstStyle/>
-          <a:p>
-            <a:r>
-              <a:rPr lang="en-US" smtClean="0"/>
-              <a:t>Hình thức triển khai</a:t>
-            </a:r>
-            <a:endParaRPr lang="en-US"/>
-          </a:p>
-        </p:txBody>
-      </p:sp>
-      <p:sp>
-        <p:nvSpPr>
-          <p:cNvPr id="3" name="Content Placeholder 2"/>
+          <p:cNvPr id="4" name="Content Placeholder 2"/>
           <p:cNvSpPr>
             <a:spLocks noGrp="1"/>
           </p:cNvSpPr>
@@ -5558,50 +8064,234 @@
         </p:nvSpPr>
         <p:spPr>
           <a:xfrm>
-            <a:off x="519113" y="1499616"/>
-            <a:ext cx="11149013" cy="2068259"/>
+            <a:off x="584199" y="1297698"/>
+            <a:ext cx="11149013" cy="2283702"/>
           </a:xfrm>
         </p:spPr>
         <p:txBody>
           <a:bodyPr/>
           <a:lstStyle/>
           <a:p>
+            <a:pPr lvl="0">
+              <a:buNone/>
+            </a:pPr>
+            <a:r>
+              <a:rPr lang="en-US" sz="2800" smtClean="0">
+                <a:solidFill>
+                  <a:srgbClr val="FFFFFF"/>
+                </a:solidFill>
+              </a:rPr>
+              <a:t>Hình thức triển khai điện toán đám mây:</a:t>
+            </a:r>
+          </a:p>
+          <a:p>
             <a:pPr lvl="0"/>
             <a:r>
-              <a:rPr lang="en-US" smtClean="0"/>
-              <a:t>Đám mây công cộng ( Public Cloud)</a:t>
+              <a:rPr lang="en-US" sz="2800" smtClean="0">
+                <a:solidFill>
+                  <a:srgbClr val="FFFFFF"/>
+                </a:solidFill>
+              </a:rPr>
+              <a:t>Đám </a:t>
+            </a:r>
+            <a:r>
+              <a:rPr lang="en-US" sz="2800" smtClean="0">
+                <a:solidFill>
+                  <a:srgbClr val="FFFFFF"/>
+                </a:solidFill>
+              </a:rPr>
+              <a:t>mây công cộng ( Public Cloud)</a:t>
             </a:r>
           </a:p>
           <a:p>
             <a:pPr lvl="0"/>
             <a:r>
-              <a:rPr lang="en-US" smtClean="0"/>
+              <a:rPr lang="en-US" sz="2800" smtClean="0">
+                <a:solidFill>
+                  <a:srgbClr val="FFFFFF"/>
+                </a:solidFill>
+              </a:rPr>
               <a:t>Đám mây cá nhân ( Private Cloud)</a:t>
             </a:r>
           </a:p>
           <a:p>
             <a:pPr lvl="0"/>
             <a:r>
-              <a:rPr lang="en-US" smtClean="0"/>
+              <a:rPr lang="en-US" sz="2800" smtClean="0">
+                <a:solidFill>
+                  <a:srgbClr val="FFFFFF"/>
+                </a:solidFill>
+              </a:rPr>
               <a:t>Đám mây lai ( Hybrid Cloud)</a:t>
             </a:r>
           </a:p>
           <a:p>
             <a:pPr lvl="0"/>
             <a:r>
-              <a:rPr lang="en-US" smtClean="0"/>
+              <a:rPr lang="en-US" sz="2800" smtClean="0">
+                <a:solidFill>
+                  <a:srgbClr val="FFFFFF"/>
+                </a:solidFill>
+              </a:rPr>
               <a:t>Đám mây cộng đồng ( Community Cloud)</a:t>
             </a:r>
-            <a:endParaRPr lang="en-US"/>
+            <a:endParaRPr lang="en-US" sz="2800">
+              <a:solidFill>
+                <a:srgbClr val="FFFFFF"/>
+              </a:solidFill>
+            </a:endParaRPr>
           </a:p>
         </p:txBody>
       </p:sp>
+      <p:sp>
+        <p:nvSpPr>
+          <p:cNvPr id="5" name="Title 1"/>
+          <p:cNvSpPr>
+            <a:spLocks noGrp="1"/>
+          </p:cNvSpPr>
+          <p:nvPr>
+            <p:ph type="title"/>
+          </p:nvPr>
+        </p:nvSpPr>
+        <p:spPr>
+          <a:xfrm>
+            <a:off x="519113" y="456806"/>
+            <a:ext cx="11149013" cy="664797"/>
+          </a:xfrm>
+        </p:spPr>
+        <p:txBody>
+          <a:bodyPr/>
+          <a:lstStyle/>
+          <a:p>
+            <a:r>
+              <a:rPr smtClean="0"/>
+              <a:t>3. 1. Tổng quan về điện toán đám mây</a:t>
+            </a:r>
+            <a:endParaRPr lang="en-US"/>
+          </a:p>
+        </p:txBody>
+      </p:sp>
+      <p:pic>
+        <p:nvPicPr>
+          <p:cNvPr id="6" name="Picture 5"/>
+          <p:cNvPicPr/>
+          <p:nvPr/>
+        </p:nvPicPr>
+        <p:blipFill>
+          <a:blip r:embed="rId2" cstate="print"/>
+          <a:srcRect/>
+          <a:stretch>
+            <a:fillRect/>
+          </a:stretch>
+        </p:blipFill>
+        <p:spPr bwMode="auto">
+          <a:xfrm>
+            <a:off x="8151812" y="1143000"/>
+            <a:ext cx="3676650" cy="2590800"/>
+          </a:xfrm>
+          <a:prstGeom prst="rect">
+            <a:avLst/>
+          </a:prstGeom>
+          <a:noFill/>
+          <a:ln w="9525">
+            <a:noFill/>
+            <a:miter lim="800000"/>
+            <a:headEnd/>
+            <a:tailEnd/>
+          </a:ln>
+        </p:spPr>
+      </p:pic>
+      <p:pic>
+        <p:nvPicPr>
+          <p:cNvPr id="7" name="Picture 6"/>
+          <p:cNvPicPr/>
+          <p:nvPr/>
+        </p:nvPicPr>
+        <p:blipFill>
+          <a:blip r:embed="rId3" cstate="print"/>
+          <a:srcRect/>
+          <a:stretch>
+            <a:fillRect/>
+          </a:stretch>
+        </p:blipFill>
+        <p:spPr bwMode="auto">
+          <a:xfrm>
+            <a:off x="8151812" y="3962400"/>
+            <a:ext cx="3657600" cy="2590800"/>
+          </a:xfrm>
+          <a:prstGeom prst="rect">
+            <a:avLst/>
+          </a:prstGeom>
+          <a:noFill/>
+          <a:ln w="9525">
+            <a:noFill/>
+            <a:miter lim="800000"/>
+            <a:headEnd/>
+            <a:tailEnd/>
+          </a:ln>
+        </p:spPr>
+      </p:pic>
+      <p:pic>
+        <p:nvPicPr>
+          <p:cNvPr id="8" name="Picture 7"/>
+          <p:cNvPicPr/>
+          <p:nvPr/>
+        </p:nvPicPr>
+        <p:blipFill>
+          <a:blip r:embed="rId4" cstate="print"/>
+          <a:srcRect/>
+          <a:stretch>
+            <a:fillRect/>
+          </a:stretch>
+        </p:blipFill>
+        <p:spPr bwMode="auto">
+          <a:xfrm>
+            <a:off x="4341812" y="3962400"/>
+            <a:ext cx="3657600" cy="2590800"/>
+          </a:xfrm>
+          <a:prstGeom prst="rect">
+            <a:avLst/>
+          </a:prstGeom>
+          <a:noFill/>
+          <a:ln w="9525">
+            <a:noFill/>
+            <a:miter lim="800000"/>
+            <a:headEnd/>
+            <a:tailEnd/>
+          </a:ln>
+        </p:spPr>
+      </p:pic>
+      <p:pic>
+        <p:nvPicPr>
+          <p:cNvPr id="9" name="Picture 8"/>
+          <p:cNvPicPr/>
+          <p:nvPr/>
+        </p:nvPicPr>
+        <p:blipFill>
+          <a:blip r:embed="rId5" cstate="print"/>
+          <a:srcRect/>
+          <a:stretch>
+            <a:fillRect/>
+          </a:stretch>
+        </p:blipFill>
+        <p:spPr bwMode="auto">
+          <a:xfrm>
+            <a:off x="531812" y="3962400"/>
+            <a:ext cx="3657600" cy="2560698"/>
+          </a:xfrm>
+          <a:prstGeom prst="rect">
+            <a:avLst/>
+          </a:prstGeom>
+          <a:noFill/>
+          <a:ln w="9525">
+            <a:noFill/>
+            <a:miter lim="800000"/>
+            <a:headEnd/>
+            <a:tailEnd/>
+          </a:ln>
+        </p:spPr>
+      </p:pic>
     </p:spTree>
-    <p:extLst>
-      <p:ext uri="{BB962C8B-B14F-4D97-AF65-F5344CB8AC3E}">
-        <p14:creationId xmlns:p14="http://schemas.microsoft.com/office/powerpoint/2010/main" xmlns="" val="2128772033"/>
-      </p:ext>
-    </p:extLst>
   </p:cSld>
   <p:clrMapOvr>
     <a:masterClrMapping/>
@@ -5612,7 +8302,242 @@
   <p:timing>
     <p:tnLst>
       <p:par>
-        <p:cTn id="1" dur="indefinite" restart="never" nodeType="tmRoot"/>
+        <p:cTn id="1" dur="indefinite" restart="never" nodeType="tmRoot">
+          <p:childTnLst>
+            <p:seq concurrent="1" nextAc="seek">
+              <p:cTn id="2" dur="indefinite" nodeType="mainSeq">
+                <p:childTnLst>
+                  <p:par>
+                    <p:cTn id="3" fill="hold">
+                      <p:stCondLst>
+                        <p:cond delay="indefinite"/>
+                      </p:stCondLst>
+                      <p:childTnLst>
+                        <p:par>
+                          <p:cTn id="4" fill="hold">
+                            <p:stCondLst>
+                              <p:cond delay="0"/>
+                            </p:stCondLst>
+                            <p:childTnLst>
+                              <p:par>
+                                <p:cTn id="5" presetID="5" presetClass="entr" presetSubtype="10" fill="hold" nodeType="clickEffect">
+                                  <p:stCondLst>
+                                    <p:cond delay="0"/>
+                                  </p:stCondLst>
+                                  <p:childTnLst>
+                                    <p:set>
+                                      <p:cBhvr>
+                                        <p:cTn id="6" dur="1" fill="hold">
+                                          <p:stCondLst>
+                                            <p:cond delay="0"/>
+                                          </p:stCondLst>
+                                        </p:cTn>
+                                        <p:tgtEl>
+                                          <p:spTgt spid="6"/>
+                                        </p:tgtEl>
+                                        <p:attrNameLst>
+                                          <p:attrName>style.visibility</p:attrName>
+                                        </p:attrNameLst>
+                                      </p:cBhvr>
+                                      <p:to>
+                                        <p:strVal val="visible"/>
+                                      </p:to>
+                                    </p:set>
+                                    <p:animEffect transition="in" filter="checkerboard(across)">
+                                      <p:cBhvr>
+                                        <p:cTn id="7" dur="500"/>
+                                        <p:tgtEl>
+                                          <p:spTgt spid="6"/>
+                                        </p:tgtEl>
+                                      </p:cBhvr>
+                                    </p:animEffect>
+                                  </p:childTnLst>
+                                </p:cTn>
+                              </p:par>
+                            </p:childTnLst>
+                          </p:cTn>
+                        </p:par>
+                      </p:childTnLst>
+                    </p:cTn>
+                  </p:par>
+                  <p:par>
+                    <p:cTn id="8" fill="hold">
+                      <p:stCondLst>
+                        <p:cond delay="indefinite"/>
+                      </p:stCondLst>
+                      <p:childTnLst>
+                        <p:par>
+                          <p:cTn id="9" fill="hold">
+                            <p:stCondLst>
+                              <p:cond delay="0"/>
+                            </p:stCondLst>
+                            <p:childTnLst>
+                              <p:par>
+                                <p:cTn id="10" presetID="5" presetClass="entr" presetSubtype="10" fill="hold" nodeType="clickEffect">
+                                  <p:stCondLst>
+                                    <p:cond delay="0"/>
+                                  </p:stCondLst>
+                                  <p:childTnLst>
+                                    <p:set>
+                                      <p:cBhvr>
+                                        <p:cTn id="11" dur="1" fill="hold">
+                                          <p:stCondLst>
+                                            <p:cond delay="0"/>
+                                          </p:stCondLst>
+                                        </p:cTn>
+                                        <p:tgtEl>
+                                          <p:spTgt spid="7"/>
+                                        </p:tgtEl>
+                                        <p:attrNameLst>
+                                          <p:attrName>style.visibility</p:attrName>
+                                        </p:attrNameLst>
+                                      </p:cBhvr>
+                                      <p:to>
+                                        <p:strVal val="visible"/>
+                                      </p:to>
+                                    </p:set>
+                                    <p:animEffect transition="in" filter="checkerboard(across)">
+                                      <p:cBhvr>
+                                        <p:cTn id="12" dur="500"/>
+                                        <p:tgtEl>
+                                          <p:spTgt spid="7"/>
+                                        </p:tgtEl>
+                                      </p:cBhvr>
+                                    </p:animEffect>
+                                  </p:childTnLst>
+                                </p:cTn>
+                              </p:par>
+                            </p:childTnLst>
+                          </p:cTn>
+                        </p:par>
+                      </p:childTnLst>
+                    </p:cTn>
+                  </p:par>
+                  <p:par>
+                    <p:cTn id="13" fill="hold">
+                      <p:stCondLst>
+                        <p:cond delay="indefinite"/>
+                      </p:stCondLst>
+                      <p:childTnLst>
+                        <p:par>
+                          <p:cTn id="14" fill="hold">
+                            <p:stCondLst>
+                              <p:cond delay="0"/>
+                            </p:stCondLst>
+                            <p:childTnLst>
+                              <p:par>
+                                <p:cTn id="15" presetID="5" presetClass="entr" presetSubtype="10" fill="hold" nodeType="clickEffect">
+                                  <p:stCondLst>
+                                    <p:cond delay="0"/>
+                                  </p:stCondLst>
+                                  <p:childTnLst>
+                                    <p:set>
+                                      <p:cBhvr>
+                                        <p:cTn id="16" dur="1" fill="hold">
+                                          <p:stCondLst>
+                                            <p:cond delay="0"/>
+                                          </p:stCondLst>
+                                        </p:cTn>
+                                        <p:tgtEl>
+                                          <p:spTgt spid="8"/>
+                                        </p:tgtEl>
+                                        <p:attrNameLst>
+                                          <p:attrName>style.visibility</p:attrName>
+                                        </p:attrNameLst>
+                                      </p:cBhvr>
+                                      <p:to>
+                                        <p:strVal val="visible"/>
+                                      </p:to>
+                                    </p:set>
+                                    <p:animEffect transition="in" filter="checkerboard(across)">
+                                      <p:cBhvr>
+                                        <p:cTn id="17" dur="500"/>
+                                        <p:tgtEl>
+                                          <p:spTgt spid="8"/>
+                                        </p:tgtEl>
+                                      </p:cBhvr>
+                                    </p:animEffect>
+                                  </p:childTnLst>
+                                </p:cTn>
+                              </p:par>
+                            </p:childTnLst>
+                          </p:cTn>
+                        </p:par>
+                      </p:childTnLst>
+                    </p:cTn>
+                  </p:par>
+                  <p:par>
+                    <p:cTn id="18" fill="hold">
+                      <p:stCondLst>
+                        <p:cond delay="indefinite"/>
+                      </p:stCondLst>
+                      <p:childTnLst>
+                        <p:par>
+                          <p:cTn id="19" fill="hold">
+                            <p:stCondLst>
+                              <p:cond delay="0"/>
+                            </p:stCondLst>
+                            <p:childTnLst>
+                              <p:par>
+                                <p:cTn id="20" presetID="5" presetClass="entr" presetSubtype="10" fill="hold" nodeType="clickEffect">
+                                  <p:stCondLst>
+                                    <p:cond delay="0"/>
+                                  </p:stCondLst>
+                                  <p:childTnLst>
+                                    <p:set>
+                                      <p:cBhvr>
+                                        <p:cTn id="21" dur="1" fill="hold">
+                                          <p:stCondLst>
+                                            <p:cond delay="0"/>
+                                          </p:stCondLst>
+                                        </p:cTn>
+                                        <p:tgtEl>
+                                          <p:spTgt spid="9"/>
+                                        </p:tgtEl>
+                                        <p:attrNameLst>
+                                          <p:attrName>style.visibility</p:attrName>
+                                        </p:attrNameLst>
+                                      </p:cBhvr>
+                                      <p:to>
+                                        <p:strVal val="visible"/>
+                                      </p:to>
+                                    </p:set>
+                                    <p:animEffect transition="in" filter="checkerboard(across)">
+                                      <p:cBhvr>
+                                        <p:cTn id="22" dur="500"/>
+                                        <p:tgtEl>
+                                          <p:spTgt spid="9"/>
+                                        </p:tgtEl>
+                                      </p:cBhvr>
+                                    </p:animEffect>
+                                  </p:childTnLst>
+                                </p:cTn>
+                              </p:par>
+                            </p:childTnLst>
+                          </p:cTn>
+                        </p:par>
+                      </p:childTnLst>
+                    </p:cTn>
+                  </p:par>
+                </p:childTnLst>
+              </p:cTn>
+              <p:prevCondLst>
+                <p:cond evt="onPrev" delay="0">
+                  <p:tgtEl>
+                    <p:sldTgt/>
+                  </p:tgtEl>
+                </p:cond>
+              </p:prevCondLst>
+              <p:nextCondLst>
+                <p:cond evt="onNext" delay="0">
+                  <p:tgtEl>
+                    <p:sldTgt/>
+                  </p:tgtEl>
+                </p:cond>
+              </p:nextCondLst>
+            </p:seq>
+          </p:childTnLst>
+        </p:cTn>
       </p:par>
     </p:tnLst>
   </p:timing>
@@ -5638,7 +8563,700 @@
       </p:grpSpPr>
       <p:sp>
         <p:nvSpPr>
-          <p:cNvPr id="6" name="Title 3"/>
+          <p:cNvPr id="7" name="Content Placeholder 2"/>
+          <p:cNvSpPr>
+            <a:spLocks noGrp="1"/>
+          </p:cNvSpPr>
+          <p:nvPr>
+            <p:ph idx="1"/>
+          </p:nvPr>
+        </p:nvSpPr>
+        <p:spPr>
+          <a:xfrm>
+            <a:off x="671513" y="2350516"/>
+            <a:ext cx="4737099" cy="2757678"/>
+          </a:xfrm>
+        </p:spPr>
+        <p:txBody>
+          <a:bodyPr/>
+          <a:lstStyle/>
+          <a:p>
+            <a:pPr lvl="0"/>
+            <a:r>
+              <a:rPr lang="en-US" sz="2800" smtClean="0"/>
+              <a:t>Tiết kiệm và giảm chi phí</a:t>
+            </a:r>
+          </a:p>
+          <a:p>
+            <a:pPr lvl="0"/>
+            <a:r>
+              <a:rPr lang="en-US" sz="2800" smtClean="0"/>
+              <a:t>Tốc độ xử lý nhanh</a:t>
+            </a:r>
+          </a:p>
+          <a:p>
+            <a:pPr lvl="0"/>
+            <a:r>
+              <a:rPr lang="en-US" sz="2800" smtClean="0"/>
+              <a:t>Đa phương tiện</a:t>
+            </a:r>
+          </a:p>
+          <a:p>
+            <a:pPr lvl="0"/>
+            <a:r>
+              <a:rPr lang="en-US" sz="2800" smtClean="0"/>
+              <a:t>Tính co giãn</a:t>
+            </a:r>
+          </a:p>
+          <a:p>
+            <a:pPr lvl="0"/>
+            <a:r>
+              <a:rPr lang="en-US" sz="2800" smtClean="0"/>
+              <a:t>Bảo trì và sửa chữa</a:t>
+            </a:r>
+          </a:p>
+          <a:p>
+            <a:pPr lvl="0"/>
+            <a:r>
+              <a:rPr lang="en-US" sz="2800" smtClean="0"/>
+              <a:t>Thống kê tài nguyên</a:t>
+            </a:r>
+            <a:endParaRPr lang="en-US" sz="2800"/>
+          </a:p>
+        </p:txBody>
+      </p:sp>
+      <p:sp>
+        <p:nvSpPr>
+          <p:cNvPr id="5" name="Title 1"/>
+          <p:cNvSpPr txBox="1">
+            <a:spLocks/>
+          </p:cNvSpPr>
+          <p:nvPr/>
+        </p:nvSpPr>
+        <p:spPr>
+          <a:xfrm>
+            <a:off x="519113" y="456806"/>
+            <a:ext cx="11149013" cy="664797"/>
+          </a:xfrm>
+          <a:prstGeom prst="rect">
+            <a:avLst/>
+          </a:prstGeom>
+        </p:spPr>
+        <p:txBody>
+          <a:bodyPr vert="horz" wrap="square" lIns="0" tIns="0" rIns="0" bIns="0" rtlCol="0" anchor="t">
+            <a:spAutoFit/>
+          </a:bodyPr>
+          <a:lstStyle/>
+          <a:p>
+            <a:pPr marL="0" marR="0" lvl="0" indent="0" algn="l" defTabSz="1218937" rtl="0" eaLnBrk="1" fontAlgn="auto" latinLnBrk="0" hangingPunct="1">
+              <a:lnSpc>
+                <a:spcPct val="90000"/>
+              </a:lnSpc>
+              <a:spcBef>
+                <a:spcPct val="0"/>
+              </a:spcBef>
+              <a:spcAft>
+                <a:spcPts val="0"/>
+              </a:spcAft>
+              <a:buClrTx/>
+              <a:buSzTx/>
+              <a:buFontTx/>
+              <a:buNone/>
+              <a:tabLst/>
+              <a:defRPr/>
+            </a:pPr>
+            <a:r>
+              <a:rPr kumimoji="0" lang="en-US" sz="4800" b="0" i="0" u="none" strike="noStrike" kern="1200" cap="none" spc="-267" normalizeH="0" baseline="0" noProof="0" smtClean="0">
+                <a:ln w="3175">
+                  <a:noFill/>
+                </a:ln>
+                <a:gradFill flip="none" rotWithShape="1">
+                  <a:gsLst>
+                    <a:gs pos="0">
+                      <a:schemeClr val="tx1"/>
+                    </a:gs>
+                    <a:gs pos="86000">
+                      <a:schemeClr val="tx1"/>
+                    </a:gs>
+                  </a:gsLst>
+                  <a:lin ang="5400000" scaled="0"/>
+                  <a:tileRect/>
+                </a:gradFill>
+                <a:effectLst/>
+                <a:uLnTx/>
+                <a:uFillTx/>
+                <a:latin typeface="+mj-lt"/>
+                <a:ea typeface="+mn-ea"/>
+                <a:cs typeface="Arial" charset="0"/>
+              </a:rPr>
+              <a:t>3. 1. Tổng quan về điện toán đám mây</a:t>
+            </a:r>
+            <a:endParaRPr kumimoji="0" lang="en-US" sz="4800" b="0" i="0" u="none" strike="noStrike" kern="1200" cap="none" spc="-267" normalizeH="0" baseline="0" noProof="0" dirty="0" smtClean="0">
+              <a:ln w="3175">
+                <a:noFill/>
+              </a:ln>
+              <a:gradFill flip="none" rotWithShape="1">
+                <a:gsLst>
+                  <a:gs pos="0">
+                    <a:schemeClr val="tx1"/>
+                  </a:gs>
+                  <a:gs pos="86000">
+                    <a:schemeClr val="tx1"/>
+                  </a:gs>
+                </a:gsLst>
+                <a:lin ang="5400000" scaled="0"/>
+                <a:tileRect/>
+              </a:gradFill>
+              <a:effectLst/>
+              <a:uLnTx/>
+              <a:uFillTx/>
+              <a:latin typeface="+mj-lt"/>
+              <a:ea typeface="+mn-ea"/>
+              <a:cs typeface="Arial" charset="0"/>
+            </a:endParaRPr>
+          </a:p>
+        </p:txBody>
+      </p:sp>
+      <p:sp>
+        <p:nvSpPr>
+          <p:cNvPr id="8" name="Title 1"/>
+          <p:cNvSpPr txBox="1">
+            <a:spLocks/>
+          </p:cNvSpPr>
+          <p:nvPr/>
+        </p:nvSpPr>
+        <p:spPr>
+          <a:xfrm>
+            <a:off x="760412" y="1676400"/>
+            <a:ext cx="2362200" cy="457200"/>
+          </a:xfrm>
+          <a:prstGeom prst="rect">
+            <a:avLst/>
+          </a:prstGeom>
+        </p:spPr>
+        <p:txBody>
+          <a:bodyPr vert="horz" wrap="square" lIns="0" tIns="0" rIns="0" bIns="0" rtlCol="0" anchor="t">
+            <a:spAutoFit/>
+          </a:bodyPr>
+          <a:lstStyle/>
+          <a:p>
+            <a:pPr marL="0" marR="0" lvl="0" indent="0" algn="l" defTabSz="1218937" rtl="0" eaLnBrk="1" fontAlgn="auto" latinLnBrk="0" hangingPunct="1">
+              <a:lnSpc>
+                <a:spcPct val="90000"/>
+              </a:lnSpc>
+              <a:spcBef>
+                <a:spcPct val="0"/>
+              </a:spcBef>
+              <a:spcAft>
+                <a:spcPts val="0"/>
+              </a:spcAft>
+              <a:buClrTx/>
+              <a:buSzTx/>
+              <a:buFontTx/>
+              <a:buNone/>
+              <a:tabLst/>
+              <a:defRPr/>
+            </a:pPr>
+            <a:r>
+              <a:rPr kumimoji="0" lang="en-US" sz="3200" b="0" i="0" u="none" strike="noStrike" kern="1200" cap="none" spc="-267" normalizeH="0" baseline="0" noProof="0" smtClean="0">
+                <a:ln w="3175">
+                  <a:noFill/>
+                </a:ln>
+                <a:gradFill flip="none" rotWithShape="1">
+                  <a:gsLst>
+                    <a:gs pos="0">
+                      <a:schemeClr val="tx1"/>
+                    </a:gs>
+                    <a:gs pos="86000">
+                      <a:schemeClr val="tx1"/>
+                    </a:gs>
+                  </a:gsLst>
+                  <a:lin ang="5400000" scaled="0"/>
+                  <a:tileRect/>
+                </a:gradFill>
+                <a:effectLst/>
+                <a:uLnTx/>
+                <a:uFillTx/>
+                <a:latin typeface="+mj-lt"/>
+                <a:ea typeface="+mn-ea"/>
+                <a:cs typeface="Arial" charset="0"/>
+              </a:rPr>
+              <a:t>Ưu điểm </a:t>
+            </a:r>
+            <a:endParaRPr kumimoji="0" lang="en-US" sz="3200" b="0" i="0" u="none" strike="noStrike" kern="1200" cap="none" spc="-267" normalizeH="0" baseline="0" noProof="0">
+              <a:ln w="3175">
+                <a:noFill/>
+              </a:ln>
+              <a:gradFill flip="none" rotWithShape="1">
+                <a:gsLst>
+                  <a:gs pos="0">
+                    <a:schemeClr val="tx1"/>
+                  </a:gs>
+                  <a:gs pos="86000">
+                    <a:schemeClr val="tx1"/>
+                  </a:gs>
+                </a:gsLst>
+                <a:lin ang="5400000" scaled="0"/>
+                <a:tileRect/>
+              </a:gradFill>
+              <a:effectLst/>
+              <a:uLnTx/>
+              <a:uFillTx/>
+              <a:latin typeface="+mj-lt"/>
+              <a:ea typeface="+mn-ea"/>
+              <a:cs typeface="Arial" charset="0"/>
+            </a:endParaRPr>
+          </a:p>
+        </p:txBody>
+      </p:sp>
+      <p:grpSp>
+        <p:nvGrpSpPr>
+          <p:cNvPr id="9" name="Group 8"/>
+          <p:cNvGrpSpPr/>
+          <p:nvPr/>
+        </p:nvGrpSpPr>
+        <p:grpSpPr>
+          <a:xfrm>
+            <a:off x="6704012" y="1981200"/>
+            <a:ext cx="2652201" cy="3493532"/>
+            <a:chOff x="4646612" y="1828800"/>
+            <a:chExt cx="2652201" cy="3493532"/>
+          </a:xfrm>
+        </p:grpSpPr>
+        <p:pic>
+          <p:nvPicPr>
+            <p:cNvPr id="10" name="Picture 6" descr="C:\Users\ADMIN\Desktop\Computer-icon.png"/>
+            <p:cNvPicPr>
+              <a:picLocks noChangeAspect="1" noChangeArrowheads="1"/>
+            </p:cNvPicPr>
+            <p:nvPr/>
+          </p:nvPicPr>
+          <p:blipFill>
+            <a:blip r:embed="rId3"/>
+            <a:srcRect/>
+            <a:stretch>
+              <a:fillRect/>
+            </a:stretch>
+          </p:blipFill>
+          <p:spPr bwMode="auto">
+            <a:xfrm>
+              <a:off x="5103812" y="1981200"/>
+              <a:ext cx="838200" cy="838200"/>
+            </a:xfrm>
+            <a:prstGeom prst="rect">
+              <a:avLst/>
+            </a:prstGeom>
+            <a:noFill/>
+          </p:spPr>
+        </p:pic>
+        <p:pic>
+          <p:nvPicPr>
+            <p:cNvPr id="11" name="Picture 9" descr="E:\UIT\CNTT IX\pic\website_hosting_server.png"/>
+            <p:cNvPicPr>
+              <a:picLocks noChangeAspect="1" noChangeArrowheads="1"/>
+            </p:cNvPicPr>
+            <p:nvPr/>
+          </p:nvPicPr>
+          <p:blipFill>
+            <a:blip r:embed="rId4"/>
+            <a:srcRect/>
+            <a:stretch>
+              <a:fillRect/>
+            </a:stretch>
+          </p:blipFill>
+          <p:spPr bwMode="auto">
+            <a:xfrm>
+              <a:off x="5789612" y="1828800"/>
+              <a:ext cx="1422400" cy="1066800"/>
+            </a:xfrm>
+            <a:prstGeom prst="rect">
+              <a:avLst/>
+            </a:prstGeom>
+            <a:noFill/>
+          </p:spPr>
+        </p:pic>
+        <p:pic>
+          <p:nvPicPr>
+            <p:cNvPr id="12" name="Picture 2" descr="E:\UIT\CNTT IX\pic\tech.png"/>
+            <p:cNvPicPr>
+              <a:picLocks noChangeAspect="1" noChangeArrowheads="1"/>
+            </p:cNvPicPr>
+            <p:nvPr/>
+          </p:nvPicPr>
+          <p:blipFill>
+            <a:blip r:embed="rId5"/>
+            <a:srcRect/>
+            <a:stretch>
+              <a:fillRect/>
+            </a:stretch>
+          </p:blipFill>
+          <p:spPr bwMode="auto">
+            <a:xfrm>
+              <a:off x="5180012" y="3429000"/>
+              <a:ext cx="762000" cy="762000"/>
+            </a:xfrm>
+            <a:prstGeom prst="rect">
+              <a:avLst/>
+            </a:prstGeom>
+            <a:noFill/>
+          </p:spPr>
+        </p:pic>
+        <p:pic>
+          <p:nvPicPr>
+            <p:cNvPr id="13" name="Picture 10" descr="E:\UIT\CNTT IX\pic\tools.png"/>
+            <p:cNvPicPr>
+              <a:picLocks noChangeAspect="1" noChangeArrowheads="1"/>
+            </p:cNvPicPr>
+            <p:nvPr/>
+          </p:nvPicPr>
+          <p:blipFill>
+            <a:blip r:embed="rId6"/>
+            <a:srcRect/>
+            <a:stretch>
+              <a:fillRect/>
+            </a:stretch>
+          </p:blipFill>
+          <p:spPr bwMode="auto">
+            <a:xfrm>
+              <a:off x="6170612" y="3581399"/>
+              <a:ext cx="685800" cy="685801"/>
+            </a:xfrm>
+            <a:prstGeom prst="rect">
+              <a:avLst/>
+            </a:prstGeom>
+            <a:noFill/>
+          </p:spPr>
+        </p:pic>
+        <p:sp>
+          <p:nvSpPr>
+            <p:cNvPr id="14" name="TextBox 13"/>
+            <p:cNvSpPr txBox="1"/>
+            <p:nvPr/>
+          </p:nvSpPr>
+          <p:spPr>
+            <a:xfrm>
+              <a:off x="4646612" y="4953000"/>
+              <a:ext cx="2652201" cy="369332"/>
+            </a:xfrm>
+            <a:prstGeom prst="rect">
+              <a:avLst/>
+            </a:prstGeom>
+            <a:noFill/>
+          </p:spPr>
+          <p:txBody>
+            <a:bodyPr wrap="none" lIns="0" tIns="0" rIns="0" bIns="0" rtlCol="0">
+              <a:spAutoFit/>
+            </a:bodyPr>
+            <a:lstStyle/>
+            <a:p>
+              <a:r>
+                <a:rPr lang="en-US" smtClean="0">
+                  <a:gradFill>
+                    <a:gsLst>
+                      <a:gs pos="0">
+                        <a:schemeClr val="tx1"/>
+                      </a:gs>
+                      <a:gs pos="86000">
+                        <a:schemeClr val="tx1"/>
+                      </a:gs>
+                    </a:gsLst>
+                    <a:lin ang="5400000" scaled="0"/>
+                  </a:gradFill>
+                  <a:effectLst>
+                    <a:outerShdw blurRad="63500" algn="ctr" rotWithShape="0">
+                      <a:schemeClr val="tx1">
+                        <a:alpha val="60000"/>
+                      </a:schemeClr>
+                    </a:outerShdw>
+                  </a:effectLst>
+                </a:rPr>
+                <a:t>Thiết bị và nhân lực</a:t>
+              </a:r>
+              <a:endParaRPr lang="en-US" dirty="0" err="1" smtClean="0">
+                <a:gradFill>
+                  <a:gsLst>
+                    <a:gs pos="0">
+                      <a:schemeClr val="tx1"/>
+                    </a:gs>
+                    <a:gs pos="86000">
+                      <a:schemeClr val="tx1"/>
+                    </a:gs>
+                  </a:gsLst>
+                  <a:lin ang="5400000" scaled="0"/>
+                </a:gradFill>
+                <a:effectLst>
+                  <a:outerShdw blurRad="63500" algn="ctr" rotWithShape="0">
+                    <a:schemeClr val="tx1">
+                      <a:alpha val="60000"/>
+                    </a:schemeClr>
+                  </a:outerShdw>
+                </a:effectLst>
+              </a:endParaRPr>
+            </a:p>
+          </p:txBody>
+        </p:sp>
+      </p:grpSp>
+      <p:pic>
+        <p:nvPicPr>
+          <p:cNvPr id="51203" name="Picture 3" descr="E:\UIT\CNTT IX\pic\website_hosting_server.png"/>
+          <p:cNvPicPr>
+            <a:picLocks noChangeAspect="1" noChangeArrowheads="1"/>
+          </p:cNvPicPr>
+          <p:nvPr/>
+        </p:nvPicPr>
+        <p:blipFill>
+          <a:blip r:embed="rId4"/>
+          <a:srcRect/>
+          <a:stretch>
+            <a:fillRect/>
+          </a:stretch>
+        </p:blipFill>
+        <p:spPr bwMode="auto">
+          <a:xfrm>
+            <a:off x="6246812" y="1295400"/>
+            <a:ext cx="4876800" cy="3657600"/>
+          </a:xfrm>
+          <a:prstGeom prst="rect">
+            <a:avLst/>
+          </a:prstGeom>
+          <a:noFill/>
+        </p:spPr>
+      </p:pic>
+      <p:grpSp>
+        <p:nvGrpSpPr>
+          <p:cNvPr id="18" name="Group 17"/>
+          <p:cNvGrpSpPr/>
+          <p:nvPr/>
+        </p:nvGrpSpPr>
+        <p:grpSpPr>
+          <a:xfrm>
+            <a:off x="7085012" y="2209800"/>
+            <a:ext cx="2971800" cy="1905000"/>
+            <a:chOff x="2970212" y="4038600"/>
+            <a:chExt cx="2971800" cy="1905000"/>
+          </a:xfrm>
+        </p:grpSpPr>
+        <p:pic>
+          <p:nvPicPr>
+            <p:cNvPr id="51204" name="Picture 4" descr="E:\UIT\CNTT IX\pic\r-mobile.png"/>
+            <p:cNvPicPr>
+              <a:picLocks noChangeAspect="1" noChangeArrowheads="1"/>
+            </p:cNvPicPr>
+            <p:nvPr/>
+          </p:nvPicPr>
+          <p:blipFill>
+            <a:blip r:embed="rId7"/>
+            <a:srcRect/>
+            <a:stretch>
+              <a:fillRect/>
+            </a:stretch>
+          </p:blipFill>
+          <p:spPr bwMode="auto">
+            <a:xfrm>
+              <a:off x="5256212" y="4495800"/>
+              <a:ext cx="685800" cy="1318299"/>
+            </a:xfrm>
+            <a:prstGeom prst="rect">
+              <a:avLst/>
+            </a:prstGeom>
+            <a:noFill/>
+          </p:spPr>
+        </p:pic>
+        <p:pic>
+          <p:nvPicPr>
+            <p:cNvPr id="51205" name="Picture 5" descr="C:\Users\ADMIN\Desktop\Computer-icon.png"/>
+            <p:cNvPicPr>
+              <a:picLocks noChangeAspect="1" noChangeArrowheads="1"/>
+            </p:cNvPicPr>
+            <p:nvPr/>
+          </p:nvPicPr>
+          <p:blipFill>
+            <a:blip r:embed="rId3"/>
+            <a:srcRect/>
+            <a:stretch>
+              <a:fillRect/>
+            </a:stretch>
+          </p:blipFill>
+          <p:spPr bwMode="auto">
+            <a:xfrm>
+              <a:off x="2970212" y="4038600"/>
+              <a:ext cx="1905000" cy="1905000"/>
+            </a:xfrm>
+            <a:prstGeom prst="rect">
+              <a:avLst/>
+            </a:prstGeom>
+            <a:noFill/>
+          </p:spPr>
+        </p:pic>
+      </p:grpSp>
+      <p:grpSp>
+        <p:nvGrpSpPr>
+          <p:cNvPr id="28" name="Group 27"/>
+          <p:cNvGrpSpPr/>
+          <p:nvPr/>
+        </p:nvGrpSpPr>
+        <p:grpSpPr>
+          <a:xfrm>
+            <a:off x="7313612" y="2362200"/>
+            <a:ext cx="2449286" cy="2057400"/>
+            <a:chOff x="4214812" y="3657600"/>
+            <a:chExt cx="2449286" cy="2057400"/>
+          </a:xfrm>
+        </p:grpSpPr>
+        <p:sp>
+          <p:nvSpPr>
+            <p:cNvPr id="20" name="Cloud 19"/>
+            <p:cNvSpPr/>
+            <p:nvPr/>
+          </p:nvSpPr>
+          <p:spPr bwMode="auto">
+            <a:xfrm>
+              <a:off x="4214812" y="3657600"/>
+              <a:ext cx="2449286" cy="2057400"/>
+            </a:xfrm>
+            <a:prstGeom prst="cloud">
+              <a:avLst/>
+            </a:prstGeom>
+            <a:ln>
+              <a:headEnd type="none" w="med" len="med"/>
+              <a:tailEnd type="none" w="med" len="med"/>
+            </a:ln>
+            <a:effectLst>
+              <a:innerShdw blurRad="127000" dir="11220000">
+                <a:prstClr val="black">
+                  <a:alpha val="50000"/>
+                </a:prstClr>
+              </a:innerShdw>
+            </a:effectLst>
+            <a:scene3d>
+              <a:camera prst="orthographicFront">
+                <a:rot lat="0" lon="0" rev="0"/>
+              </a:camera>
+              <a:lightRig rig="threePt" dir="tl"/>
+            </a:scene3d>
+            <a:sp3d prstMaterial="matte"/>
+          </p:spPr>
+          <p:style>
+            <a:lnRef idx="0">
+              <a:schemeClr val="accent1"/>
+            </a:lnRef>
+            <a:fillRef idx="3">
+              <a:schemeClr val="accent1"/>
+            </a:fillRef>
+            <a:effectRef idx="3">
+              <a:schemeClr val="accent1"/>
+            </a:effectRef>
+            <a:fontRef idx="minor">
+              <a:schemeClr val="lt1"/>
+            </a:fontRef>
+          </p:style>
+          <p:txBody>
+            <a:bodyPr vert="horz" wrap="square" lIns="91436" tIns="45718" rIns="91436" bIns="45718" numCol="1" rtlCol="0" anchor="ctr" anchorCtr="0" compatLnSpc="1">
+              <a:prstTxWarp prst="textNoShape">
+                <a:avLst/>
+              </a:prstTxWarp>
+            </a:bodyPr>
+            <a:lstStyle/>
+            <a:p>
+              <a:pPr algn="ctr" defTabSz="914099"/>
+              <a:endParaRPr lang="en-US" sz="2400" spc="-50" dirty="0" smtClean="0">
+                <a:gradFill>
+                  <a:gsLst>
+                    <a:gs pos="0">
+                      <a:srgbClr val="000000"/>
+                    </a:gs>
+                    <a:gs pos="100000">
+                      <a:srgbClr val="000000"/>
+                    </a:gs>
+                  </a:gsLst>
+                  <a:lin ang="5400000" scaled="0"/>
+                </a:gradFill>
+              </a:endParaRPr>
+            </a:p>
+          </p:txBody>
+        </p:sp>
+        <p:pic>
+          <p:nvPicPr>
+            <p:cNvPr id="51206" name="Picture 6" descr="E:\UIT\CNTT IX\pic\Database Inactive Hot.png"/>
+            <p:cNvPicPr>
+              <a:picLocks noChangeAspect="1" noChangeArrowheads="1"/>
+            </p:cNvPicPr>
+            <p:nvPr/>
+          </p:nvPicPr>
+          <p:blipFill>
+            <a:blip r:embed="rId8"/>
+            <a:srcRect/>
+            <a:stretch>
+              <a:fillRect/>
+            </a:stretch>
+          </p:blipFill>
+          <p:spPr bwMode="auto">
+            <a:xfrm>
+              <a:off x="4722812" y="4191000"/>
+              <a:ext cx="990600" cy="990600"/>
+            </a:xfrm>
+            <a:prstGeom prst="rect">
+              <a:avLst/>
+            </a:prstGeom>
+            <a:noFill/>
+          </p:spPr>
+        </p:pic>
+        <p:pic>
+          <p:nvPicPr>
+            <p:cNvPr id="22" name="Picture 6" descr="E:\UIT\CNTT IX\pic\Database Inactive Hot.png"/>
+            <p:cNvPicPr>
+              <a:picLocks noChangeAspect="1" noChangeArrowheads="1"/>
+            </p:cNvPicPr>
+            <p:nvPr/>
+          </p:nvPicPr>
+          <p:blipFill>
+            <a:blip r:embed="rId8"/>
+            <a:srcRect/>
+            <a:stretch>
+              <a:fillRect/>
+            </a:stretch>
+          </p:blipFill>
+          <p:spPr bwMode="auto">
+            <a:xfrm>
+              <a:off x="5256212" y="4038600"/>
+              <a:ext cx="914400" cy="914400"/>
+            </a:xfrm>
+            <a:prstGeom prst="rect">
+              <a:avLst/>
+            </a:prstGeom>
+            <a:noFill/>
+          </p:spPr>
+        </p:pic>
+      </p:grpSp>
+      <p:pic>
+        <p:nvPicPr>
+          <p:cNvPr id="51207" name="Picture 7" descr="E:\UIT\CNTT IX\pic\Untitled-7.png"/>
+          <p:cNvPicPr>
+            <a:picLocks noChangeAspect="1" noChangeArrowheads="1"/>
+          </p:cNvPicPr>
+          <p:nvPr/>
+        </p:nvPicPr>
+        <p:blipFill>
+          <a:blip r:embed="rId9"/>
+          <a:srcRect/>
+          <a:stretch>
+            <a:fillRect/>
+          </a:stretch>
+        </p:blipFill>
+        <p:spPr bwMode="auto">
+          <a:xfrm>
+            <a:off x="6932612" y="1447800"/>
+            <a:ext cx="2868172" cy="4495800"/>
+          </a:xfrm>
+          <a:prstGeom prst="rect">
+            <a:avLst/>
+          </a:prstGeom>
+          <a:noFill/>
+        </p:spPr>
+      </p:pic>
+      <p:sp>
+        <p:nvSpPr>
+          <p:cNvPr id="24" name="Title 23"/>
           <p:cNvSpPr>
             <a:spLocks noGrp="1"/>
           </p:cNvSpPr>
@@ -5646,77 +9264,158 @@
             <p:ph type="title"/>
           </p:nvPr>
         </p:nvSpPr>
-        <p:spPr>
-          <a:xfrm>
-            <a:off x="519113" y="2238007"/>
-            <a:ext cx="11149013" cy="1994392"/>
-          </a:xfrm>
-        </p:spPr>
+        <p:spPr/>
         <p:txBody>
           <a:bodyPr/>
           <a:lstStyle/>
           <a:p>
-            <a:pPr algn="ctr"/>
-            <a:r>
-              <a:rPr lang="en-US" sz="7200" smtClean="0"/>
-              <a:t>Tổng quan </a:t>
-            </a:r>
-            <a:br>
-              <a:rPr lang="en-US" sz="7200" smtClean="0"/>
-            </a:br>
-            <a:r>
-              <a:rPr lang="en-US" sz="7200" smtClean="0"/>
-              <a:t>Windows Azure</a:t>
-            </a:r>
-            <a:endParaRPr lang="en-US" sz="7200"/>
+            <a:endParaRPr lang="en-US"/>
           </a:p>
         </p:txBody>
       </p:sp>
-      <p:pic>
-        <p:nvPicPr>
-          <p:cNvPr id="7" name="Picture 6" descr="C:\Users\wwegner\Desktop\WinAzure_rgb.png"/>
-          <p:cNvPicPr>
-            <a:picLocks noChangeAspect="1" noChangeArrowheads="1"/>
-          </p:cNvPicPr>
+      <p:grpSp>
+        <p:nvGrpSpPr>
+          <p:cNvPr id="29" name="Group 28"/>
+          <p:cNvGrpSpPr/>
           <p:nvPr/>
-        </p:nvPicPr>
-        <p:blipFill>
-          <a:blip r:embed="rId3">
-            <a:extLst>
-              <a:ext uri="{28A0092B-C50C-407E-A947-70E740481C1C}">
-                <a14:useLocalDpi xmlns:a14="http://schemas.microsoft.com/office/drawing/2010/main" xmlns="" val="0"/>
-              </a:ext>
-            </a:extLst>
-          </a:blip>
-          <a:srcRect/>
-          <a:stretch>
-            <a:fillRect/>
-          </a:stretch>
-        </p:blipFill>
-        <p:spPr bwMode="auto">
+        </p:nvGrpSpPr>
+        <p:grpSpPr>
           <a:xfrm>
-            <a:off x="938245" y="5543550"/>
-            <a:ext cx="5229225" cy="800100"/>
+            <a:off x="6627812" y="2133600"/>
+            <a:ext cx="3937000" cy="3124200"/>
+            <a:chOff x="9244012" y="4038600"/>
+            <a:chExt cx="3937000" cy="3124200"/>
           </a:xfrm>
-          <a:prstGeom prst="rect">
-            <a:avLst/>
-          </a:prstGeom>
-          <a:noFill/>
-          <a:extLst>
-            <a:ext uri="{909E8E84-426E-40DD-AFC4-6F175D3DCCD1}">
-              <a14:hiddenFill xmlns:a14="http://schemas.microsoft.com/office/drawing/2010/main" xmlns="">
-                <a:solidFill>
-                  <a:srgbClr val="FFFFFF"/>
-                </a:solidFill>
-              </a14:hiddenFill>
-            </a:ext>
-          </a:extLst>
-        </p:spPr>
-      </p:pic>
+        </p:grpSpPr>
+        <p:sp>
+          <p:nvSpPr>
+            <p:cNvPr id="25" name="Cloud 24"/>
+            <p:cNvSpPr/>
+            <p:nvPr/>
+          </p:nvSpPr>
+          <p:spPr bwMode="auto">
+            <a:xfrm>
+              <a:off x="9244012" y="4038600"/>
+              <a:ext cx="3937000" cy="3124200"/>
+            </a:xfrm>
+            <a:prstGeom prst="cloud">
+              <a:avLst/>
+            </a:prstGeom>
+            <a:ln>
+              <a:headEnd type="none" w="med" len="med"/>
+              <a:tailEnd type="none" w="med" len="med"/>
+            </a:ln>
+            <a:effectLst>
+              <a:innerShdw blurRad="127000" dir="11220000">
+                <a:prstClr val="black">
+                  <a:alpha val="50000"/>
+                </a:prstClr>
+              </a:innerShdw>
+            </a:effectLst>
+            <a:scene3d>
+              <a:camera prst="orthographicFront">
+                <a:rot lat="0" lon="0" rev="0"/>
+              </a:camera>
+              <a:lightRig rig="threePt" dir="tl"/>
+            </a:scene3d>
+            <a:sp3d prstMaterial="matte"/>
+          </p:spPr>
+          <p:style>
+            <a:lnRef idx="0">
+              <a:schemeClr val="accent1"/>
+            </a:lnRef>
+            <a:fillRef idx="3">
+              <a:schemeClr val="accent1"/>
+            </a:fillRef>
+            <a:effectRef idx="3">
+              <a:schemeClr val="accent1"/>
+            </a:effectRef>
+            <a:fontRef idx="minor">
+              <a:schemeClr val="lt1"/>
+            </a:fontRef>
+          </p:style>
+          <p:txBody>
+            <a:bodyPr vert="horz" wrap="square" lIns="91436" tIns="45718" rIns="91436" bIns="45718" numCol="1" rtlCol="0" anchor="ctr" anchorCtr="0" compatLnSpc="1">
+              <a:prstTxWarp prst="textNoShape">
+                <a:avLst/>
+              </a:prstTxWarp>
+            </a:bodyPr>
+            <a:lstStyle/>
+            <a:p>
+              <a:pPr algn="ctr" defTabSz="914099"/>
+              <a:endParaRPr lang="en-US" sz="2400" spc="-50" dirty="0" smtClean="0">
+                <a:gradFill>
+                  <a:gsLst>
+                    <a:gs pos="0">
+                      <a:srgbClr val="000000"/>
+                    </a:gs>
+                    <a:gs pos="100000">
+                      <a:srgbClr val="000000"/>
+                    </a:gs>
+                  </a:gsLst>
+                  <a:lin ang="5400000" scaled="0"/>
+                </a:gradFill>
+              </a:endParaRPr>
+            </a:p>
+          </p:txBody>
+        </p:sp>
+        <p:pic>
+          <p:nvPicPr>
+            <p:cNvPr id="26" name="Picture 6" descr="E:\UIT\CNTT IX\pic\Database Inactive Hot.png"/>
+            <p:cNvPicPr>
+              <a:picLocks noChangeAspect="1" noChangeArrowheads="1"/>
+            </p:cNvPicPr>
+            <p:nvPr/>
+          </p:nvPicPr>
+          <p:blipFill>
+            <a:blip r:embed="rId8"/>
+            <a:srcRect/>
+            <a:stretch>
+              <a:fillRect/>
+            </a:stretch>
+          </p:blipFill>
+          <p:spPr bwMode="auto">
+            <a:xfrm>
+              <a:off x="10596527" y="4495800"/>
+              <a:ext cx="1592298" cy="1592298"/>
+            </a:xfrm>
+            <a:prstGeom prst="rect">
+              <a:avLst/>
+            </a:prstGeom>
+            <a:noFill/>
+          </p:spPr>
+        </p:pic>
+        <p:pic>
+          <p:nvPicPr>
+            <p:cNvPr id="27" name="Picture 6" descr="E:\UIT\CNTT IX\pic\Database Inactive Hot.png"/>
+            <p:cNvPicPr>
+              <a:picLocks noChangeAspect="1" noChangeArrowheads="1"/>
+            </p:cNvPicPr>
+            <p:nvPr/>
+          </p:nvPicPr>
+          <p:blipFill>
+            <a:blip r:embed="rId8"/>
+            <a:srcRect/>
+            <a:stretch>
+              <a:fillRect/>
+            </a:stretch>
+          </p:blipFill>
+          <p:spPr bwMode="auto">
+            <a:xfrm>
+              <a:off x="10133012" y="4953000"/>
+              <a:ext cx="1469813" cy="1469813"/>
+            </a:xfrm>
+            <a:prstGeom prst="rect">
+              <a:avLst/>
+            </a:prstGeom>
+            <a:noFill/>
+          </p:spPr>
+        </p:pic>
+      </p:grpSp>
     </p:spTree>
     <p:extLst>
       <p:ext uri="{BB962C8B-B14F-4D97-AF65-F5344CB8AC3E}">
-        <p14:creationId xmlns:p14="http://schemas.microsoft.com/office/powerpoint/2010/main" xmlns="" val="3737023050"/>
+        <p14:creationId xmlns="" xmlns:p14="http://schemas.microsoft.com/office/powerpoint/2010/main" val="2925076787"/>
       </p:ext>
     </p:extLst>
   </p:cSld>
@@ -5729,9 +9428,806 @@
   <p:timing>
     <p:tnLst>
       <p:par>
-        <p:cTn id="1" dur="indefinite" restart="never" nodeType="tmRoot"/>
+        <p:cTn id="1" dur="indefinite" restart="never" nodeType="tmRoot">
+          <p:childTnLst>
+            <p:seq concurrent="1" nextAc="seek">
+              <p:cTn id="2" dur="indefinite" nodeType="mainSeq">
+                <p:childTnLst>
+                  <p:par>
+                    <p:cTn id="3" fill="hold">
+                      <p:stCondLst>
+                        <p:cond delay="indefinite"/>
+                      </p:stCondLst>
+                      <p:childTnLst>
+                        <p:par>
+                          <p:cTn id="4" fill="hold">
+                            <p:stCondLst>
+                              <p:cond delay="0"/>
+                            </p:stCondLst>
+                            <p:childTnLst>
+                              <p:par>
+                                <p:cTn id="5" presetID="1" presetClass="entr" presetSubtype="0" fill="hold" grpId="0" nodeType="clickEffect">
+                                  <p:stCondLst>
+                                    <p:cond delay="0"/>
+                                  </p:stCondLst>
+                                  <p:childTnLst>
+                                    <p:set>
+                                      <p:cBhvr>
+                                        <p:cTn id="6" dur="1" fill="hold">
+                                          <p:stCondLst>
+                                            <p:cond delay="0"/>
+                                          </p:stCondLst>
+                                        </p:cTn>
+                                        <p:tgtEl>
+                                          <p:spTgt spid="8"/>
+                                        </p:tgtEl>
+                                        <p:attrNameLst>
+                                          <p:attrName>style.visibility</p:attrName>
+                                        </p:attrNameLst>
+                                      </p:cBhvr>
+                                      <p:to>
+                                        <p:strVal val="visible"/>
+                                      </p:to>
+                                    </p:set>
+                                  </p:childTnLst>
+                                </p:cTn>
+                              </p:par>
+                              <p:par>
+                                <p:cTn id="7" presetID="1" presetClass="entr" presetSubtype="0" fill="hold" grpId="0" nodeType="withEffect">
+                                  <p:stCondLst>
+                                    <p:cond delay="0"/>
+                                  </p:stCondLst>
+                                  <p:childTnLst>
+                                    <p:set>
+                                      <p:cBhvr>
+                                        <p:cTn id="8" dur="1" fill="hold">
+                                          <p:stCondLst>
+                                            <p:cond delay="0"/>
+                                          </p:stCondLst>
+                                        </p:cTn>
+                                        <p:tgtEl>
+                                          <p:spTgt spid="7">
+                                            <p:txEl>
+                                              <p:pRg st="0" end="0"/>
+                                            </p:txEl>
+                                          </p:spTgt>
+                                        </p:tgtEl>
+                                        <p:attrNameLst>
+                                          <p:attrName>style.visibility</p:attrName>
+                                        </p:attrNameLst>
+                                      </p:cBhvr>
+                                      <p:to>
+                                        <p:strVal val="visible"/>
+                                      </p:to>
+                                    </p:set>
+                                  </p:childTnLst>
+                                </p:cTn>
+                              </p:par>
+                              <p:par>
+                                <p:cTn id="9" presetID="1" presetClass="entr" presetSubtype="0" fill="hold" grpId="0" nodeType="withEffect">
+                                  <p:stCondLst>
+                                    <p:cond delay="0"/>
+                                  </p:stCondLst>
+                                  <p:childTnLst>
+                                    <p:set>
+                                      <p:cBhvr>
+                                        <p:cTn id="10" dur="1" fill="hold">
+                                          <p:stCondLst>
+                                            <p:cond delay="0"/>
+                                          </p:stCondLst>
+                                        </p:cTn>
+                                        <p:tgtEl>
+                                          <p:spTgt spid="7">
+                                            <p:txEl>
+                                              <p:pRg st="1" end="1"/>
+                                            </p:txEl>
+                                          </p:spTgt>
+                                        </p:tgtEl>
+                                        <p:attrNameLst>
+                                          <p:attrName>style.visibility</p:attrName>
+                                        </p:attrNameLst>
+                                      </p:cBhvr>
+                                      <p:to>
+                                        <p:strVal val="visible"/>
+                                      </p:to>
+                                    </p:set>
+                                  </p:childTnLst>
+                                </p:cTn>
+                              </p:par>
+                              <p:par>
+                                <p:cTn id="11" presetID="1" presetClass="entr" presetSubtype="0" fill="hold" grpId="0" nodeType="withEffect">
+                                  <p:stCondLst>
+                                    <p:cond delay="0"/>
+                                  </p:stCondLst>
+                                  <p:childTnLst>
+                                    <p:set>
+                                      <p:cBhvr>
+                                        <p:cTn id="12" dur="1" fill="hold">
+                                          <p:stCondLst>
+                                            <p:cond delay="0"/>
+                                          </p:stCondLst>
+                                        </p:cTn>
+                                        <p:tgtEl>
+                                          <p:spTgt spid="7">
+                                            <p:txEl>
+                                              <p:pRg st="2" end="2"/>
+                                            </p:txEl>
+                                          </p:spTgt>
+                                        </p:tgtEl>
+                                        <p:attrNameLst>
+                                          <p:attrName>style.visibility</p:attrName>
+                                        </p:attrNameLst>
+                                      </p:cBhvr>
+                                      <p:to>
+                                        <p:strVal val="visible"/>
+                                      </p:to>
+                                    </p:set>
+                                  </p:childTnLst>
+                                </p:cTn>
+                              </p:par>
+                              <p:par>
+                                <p:cTn id="13" presetID="1" presetClass="entr" presetSubtype="0" fill="hold" grpId="0" nodeType="withEffect">
+                                  <p:stCondLst>
+                                    <p:cond delay="0"/>
+                                  </p:stCondLst>
+                                  <p:childTnLst>
+                                    <p:set>
+                                      <p:cBhvr>
+                                        <p:cTn id="14" dur="1" fill="hold">
+                                          <p:stCondLst>
+                                            <p:cond delay="0"/>
+                                          </p:stCondLst>
+                                        </p:cTn>
+                                        <p:tgtEl>
+                                          <p:spTgt spid="7">
+                                            <p:txEl>
+                                              <p:pRg st="3" end="3"/>
+                                            </p:txEl>
+                                          </p:spTgt>
+                                        </p:tgtEl>
+                                        <p:attrNameLst>
+                                          <p:attrName>style.visibility</p:attrName>
+                                        </p:attrNameLst>
+                                      </p:cBhvr>
+                                      <p:to>
+                                        <p:strVal val="visible"/>
+                                      </p:to>
+                                    </p:set>
+                                  </p:childTnLst>
+                                </p:cTn>
+                              </p:par>
+                              <p:par>
+                                <p:cTn id="15" presetID="1" presetClass="entr" presetSubtype="0" fill="hold" grpId="0" nodeType="withEffect">
+                                  <p:stCondLst>
+                                    <p:cond delay="0"/>
+                                  </p:stCondLst>
+                                  <p:childTnLst>
+                                    <p:set>
+                                      <p:cBhvr>
+                                        <p:cTn id="16" dur="1" fill="hold">
+                                          <p:stCondLst>
+                                            <p:cond delay="0"/>
+                                          </p:stCondLst>
+                                        </p:cTn>
+                                        <p:tgtEl>
+                                          <p:spTgt spid="7">
+                                            <p:txEl>
+                                              <p:pRg st="4" end="4"/>
+                                            </p:txEl>
+                                          </p:spTgt>
+                                        </p:tgtEl>
+                                        <p:attrNameLst>
+                                          <p:attrName>style.visibility</p:attrName>
+                                        </p:attrNameLst>
+                                      </p:cBhvr>
+                                      <p:to>
+                                        <p:strVal val="visible"/>
+                                      </p:to>
+                                    </p:set>
+                                  </p:childTnLst>
+                                </p:cTn>
+                              </p:par>
+                              <p:par>
+                                <p:cTn id="17" presetID="1" presetClass="entr" presetSubtype="0" fill="hold" grpId="0" nodeType="withEffect">
+                                  <p:stCondLst>
+                                    <p:cond delay="0"/>
+                                  </p:stCondLst>
+                                  <p:childTnLst>
+                                    <p:set>
+                                      <p:cBhvr>
+                                        <p:cTn id="18" dur="1" fill="hold">
+                                          <p:stCondLst>
+                                            <p:cond delay="0"/>
+                                          </p:stCondLst>
+                                        </p:cTn>
+                                        <p:tgtEl>
+                                          <p:spTgt spid="7">
+                                            <p:txEl>
+                                              <p:pRg st="5" end="5"/>
+                                            </p:txEl>
+                                          </p:spTgt>
+                                        </p:tgtEl>
+                                        <p:attrNameLst>
+                                          <p:attrName>style.visibility</p:attrName>
+                                        </p:attrNameLst>
+                                      </p:cBhvr>
+                                      <p:to>
+                                        <p:strVal val="visible"/>
+                                      </p:to>
+                                    </p:set>
+                                  </p:childTnLst>
+                                </p:cTn>
+                              </p:par>
+                            </p:childTnLst>
+                          </p:cTn>
+                        </p:par>
+                      </p:childTnLst>
+                    </p:cTn>
+                  </p:par>
+                  <p:par>
+                    <p:cTn id="19" fill="hold">
+                      <p:stCondLst>
+                        <p:cond delay="indefinite"/>
+                      </p:stCondLst>
+                      <p:childTnLst>
+                        <p:par>
+                          <p:cTn id="20" fill="hold">
+                            <p:stCondLst>
+                              <p:cond delay="0"/>
+                            </p:stCondLst>
+                            <p:childTnLst>
+                              <p:par>
+                                <p:cTn id="21" presetID="5" presetClass="entr" presetSubtype="10" fill="hold" nodeType="clickEffect">
+                                  <p:stCondLst>
+                                    <p:cond delay="0"/>
+                                  </p:stCondLst>
+                                  <p:childTnLst>
+                                    <p:set>
+                                      <p:cBhvr>
+                                        <p:cTn id="22" dur="1" fill="hold">
+                                          <p:stCondLst>
+                                            <p:cond delay="0"/>
+                                          </p:stCondLst>
+                                        </p:cTn>
+                                        <p:tgtEl>
+                                          <p:spTgt spid="9"/>
+                                        </p:tgtEl>
+                                        <p:attrNameLst>
+                                          <p:attrName>style.visibility</p:attrName>
+                                        </p:attrNameLst>
+                                      </p:cBhvr>
+                                      <p:to>
+                                        <p:strVal val="visible"/>
+                                      </p:to>
+                                    </p:set>
+                                    <p:animEffect transition="in" filter="checkerboard(across)">
+                                      <p:cBhvr>
+                                        <p:cTn id="23" dur="500"/>
+                                        <p:tgtEl>
+                                          <p:spTgt spid="9"/>
+                                        </p:tgtEl>
+                                      </p:cBhvr>
+                                    </p:animEffect>
+                                  </p:childTnLst>
+                                </p:cTn>
+                              </p:par>
+                            </p:childTnLst>
+                          </p:cTn>
+                        </p:par>
+                      </p:childTnLst>
+                    </p:cTn>
+                  </p:par>
+                  <p:par>
+                    <p:cTn id="24" fill="hold">
+                      <p:stCondLst>
+                        <p:cond delay="indefinite"/>
+                      </p:stCondLst>
+                      <p:childTnLst>
+                        <p:par>
+                          <p:cTn id="25" fill="hold">
+                            <p:stCondLst>
+                              <p:cond delay="0"/>
+                            </p:stCondLst>
+                            <p:childTnLst>
+                              <p:par>
+                                <p:cTn id="26" presetID="3" presetClass="exit" presetSubtype="10" fill="hold" nodeType="clickEffect">
+                                  <p:stCondLst>
+                                    <p:cond delay="0"/>
+                                  </p:stCondLst>
+                                  <p:childTnLst>
+                                    <p:animEffect transition="out" filter="blinds(horizontal)">
+                                      <p:cBhvr>
+                                        <p:cTn id="27" dur="500"/>
+                                        <p:tgtEl>
+                                          <p:spTgt spid="9"/>
+                                        </p:tgtEl>
+                                      </p:cBhvr>
+                                    </p:animEffect>
+                                    <p:set>
+                                      <p:cBhvr>
+                                        <p:cTn id="28" dur="1" fill="hold">
+                                          <p:stCondLst>
+                                            <p:cond delay="499"/>
+                                          </p:stCondLst>
+                                        </p:cTn>
+                                        <p:tgtEl>
+                                          <p:spTgt spid="9"/>
+                                        </p:tgtEl>
+                                        <p:attrNameLst>
+                                          <p:attrName>style.visibility</p:attrName>
+                                        </p:attrNameLst>
+                                      </p:cBhvr>
+                                      <p:to>
+                                        <p:strVal val="hidden"/>
+                                      </p:to>
+                                    </p:set>
+                                  </p:childTnLst>
+                                </p:cTn>
+                              </p:par>
+                              <p:par>
+                                <p:cTn id="29" presetID="5" presetClass="entr" presetSubtype="10" fill="hold" nodeType="withEffect">
+                                  <p:stCondLst>
+                                    <p:cond delay="0"/>
+                                  </p:stCondLst>
+                                  <p:childTnLst>
+                                    <p:set>
+                                      <p:cBhvr>
+                                        <p:cTn id="30" dur="1" fill="hold">
+                                          <p:stCondLst>
+                                            <p:cond delay="0"/>
+                                          </p:stCondLst>
+                                        </p:cTn>
+                                        <p:tgtEl>
+                                          <p:spTgt spid="51203"/>
+                                        </p:tgtEl>
+                                        <p:attrNameLst>
+                                          <p:attrName>style.visibility</p:attrName>
+                                        </p:attrNameLst>
+                                      </p:cBhvr>
+                                      <p:to>
+                                        <p:strVal val="visible"/>
+                                      </p:to>
+                                    </p:set>
+                                    <p:animEffect transition="in" filter="checkerboard(across)">
+                                      <p:cBhvr>
+                                        <p:cTn id="31" dur="500"/>
+                                        <p:tgtEl>
+                                          <p:spTgt spid="51203"/>
+                                        </p:tgtEl>
+                                      </p:cBhvr>
+                                    </p:animEffect>
+                                  </p:childTnLst>
+                                </p:cTn>
+                              </p:par>
+                            </p:childTnLst>
+                          </p:cTn>
+                        </p:par>
+                      </p:childTnLst>
+                    </p:cTn>
+                  </p:par>
+                  <p:par>
+                    <p:cTn id="32" fill="hold">
+                      <p:stCondLst>
+                        <p:cond delay="indefinite"/>
+                      </p:stCondLst>
+                      <p:childTnLst>
+                        <p:par>
+                          <p:cTn id="33" fill="hold">
+                            <p:stCondLst>
+                              <p:cond delay="0"/>
+                            </p:stCondLst>
+                            <p:childTnLst>
+                              <p:par>
+                                <p:cTn id="34" presetID="3" presetClass="exit" presetSubtype="10" fill="hold" nodeType="clickEffect">
+                                  <p:stCondLst>
+                                    <p:cond delay="0"/>
+                                  </p:stCondLst>
+                                  <p:childTnLst>
+                                    <p:animEffect transition="out" filter="blinds(horizontal)">
+                                      <p:cBhvr>
+                                        <p:cTn id="35" dur="500"/>
+                                        <p:tgtEl>
+                                          <p:spTgt spid="51203"/>
+                                        </p:tgtEl>
+                                      </p:cBhvr>
+                                    </p:animEffect>
+                                    <p:set>
+                                      <p:cBhvr>
+                                        <p:cTn id="36" dur="1" fill="hold">
+                                          <p:stCondLst>
+                                            <p:cond delay="499"/>
+                                          </p:stCondLst>
+                                        </p:cTn>
+                                        <p:tgtEl>
+                                          <p:spTgt spid="51203"/>
+                                        </p:tgtEl>
+                                        <p:attrNameLst>
+                                          <p:attrName>style.visibility</p:attrName>
+                                        </p:attrNameLst>
+                                      </p:cBhvr>
+                                      <p:to>
+                                        <p:strVal val="hidden"/>
+                                      </p:to>
+                                    </p:set>
+                                  </p:childTnLst>
+                                </p:cTn>
+                              </p:par>
+                              <p:par>
+                                <p:cTn id="37" presetID="5" presetClass="entr" presetSubtype="10" fill="hold" nodeType="withEffect">
+                                  <p:stCondLst>
+                                    <p:cond delay="0"/>
+                                  </p:stCondLst>
+                                  <p:childTnLst>
+                                    <p:set>
+                                      <p:cBhvr>
+                                        <p:cTn id="38" dur="1" fill="hold">
+                                          <p:stCondLst>
+                                            <p:cond delay="0"/>
+                                          </p:stCondLst>
+                                        </p:cTn>
+                                        <p:tgtEl>
+                                          <p:spTgt spid="18"/>
+                                        </p:tgtEl>
+                                        <p:attrNameLst>
+                                          <p:attrName>style.visibility</p:attrName>
+                                        </p:attrNameLst>
+                                      </p:cBhvr>
+                                      <p:to>
+                                        <p:strVal val="visible"/>
+                                      </p:to>
+                                    </p:set>
+                                    <p:animEffect transition="in" filter="checkerboard(across)">
+                                      <p:cBhvr>
+                                        <p:cTn id="39" dur="500"/>
+                                        <p:tgtEl>
+                                          <p:spTgt spid="18"/>
+                                        </p:tgtEl>
+                                      </p:cBhvr>
+                                    </p:animEffect>
+                                  </p:childTnLst>
+                                </p:cTn>
+                              </p:par>
+                            </p:childTnLst>
+                          </p:cTn>
+                        </p:par>
+                      </p:childTnLst>
+                    </p:cTn>
+                  </p:par>
+                  <p:par>
+                    <p:cTn id="40" fill="hold">
+                      <p:stCondLst>
+                        <p:cond delay="indefinite"/>
+                      </p:stCondLst>
+                      <p:childTnLst>
+                        <p:par>
+                          <p:cTn id="41" fill="hold">
+                            <p:stCondLst>
+                              <p:cond delay="0"/>
+                            </p:stCondLst>
+                            <p:childTnLst>
+                              <p:par>
+                                <p:cTn id="42" presetID="3" presetClass="exit" presetSubtype="10" fill="hold" nodeType="clickEffect">
+                                  <p:stCondLst>
+                                    <p:cond delay="0"/>
+                                  </p:stCondLst>
+                                  <p:childTnLst>
+                                    <p:animEffect transition="out" filter="blinds(horizontal)">
+                                      <p:cBhvr>
+                                        <p:cTn id="43" dur="500"/>
+                                        <p:tgtEl>
+                                          <p:spTgt spid="18"/>
+                                        </p:tgtEl>
+                                      </p:cBhvr>
+                                    </p:animEffect>
+                                    <p:set>
+                                      <p:cBhvr>
+                                        <p:cTn id="44" dur="1" fill="hold">
+                                          <p:stCondLst>
+                                            <p:cond delay="499"/>
+                                          </p:stCondLst>
+                                        </p:cTn>
+                                        <p:tgtEl>
+                                          <p:spTgt spid="18"/>
+                                        </p:tgtEl>
+                                        <p:attrNameLst>
+                                          <p:attrName>style.visibility</p:attrName>
+                                        </p:attrNameLst>
+                                      </p:cBhvr>
+                                      <p:to>
+                                        <p:strVal val="hidden"/>
+                                      </p:to>
+                                    </p:set>
+                                  </p:childTnLst>
+                                </p:cTn>
+                              </p:par>
+                              <p:par>
+                                <p:cTn id="45" presetID="5" presetClass="entr" presetSubtype="10" fill="hold" nodeType="withEffect">
+                                  <p:stCondLst>
+                                    <p:cond delay="0"/>
+                                  </p:stCondLst>
+                                  <p:childTnLst>
+                                    <p:set>
+                                      <p:cBhvr>
+                                        <p:cTn id="46" dur="1" fill="hold">
+                                          <p:stCondLst>
+                                            <p:cond delay="0"/>
+                                          </p:stCondLst>
+                                        </p:cTn>
+                                        <p:tgtEl>
+                                          <p:spTgt spid="28"/>
+                                        </p:tgtEl>
+                                        <p:attrNameLst>
+                                          <p:attrName>style.visibility</p:attrName>
+                                        </p:attrNameLst>
+                                      </p:cBhvr>
+                                      <p:to>
+                                        <p:strVal val="visible"/>
+                                      </p:to>
+                                    </p:set>
+                                    <p:animEffect transition="in" filter="checkerboard(across)">
+                                      <p:cBhvr>
+                                        <p:cTn id="47" dur="500"/>
+                                        <p:tgtEl>
+                                          <p:spTgt spid="28"/>
+                                        </p:tgtEl>
+                                      </p:cBhvr>
+                                    </p:animEffect>
+                                  </p:childTnLst>
+                                </p:cTn>
+                              </p:par>
+                            </p:childTnLst>
+                          </p:cTn>
+                        </p:par>
+                      </p:childTnLst>
+                    </p:cTn>
+                  </p:par>
+                  <p:par>
+                    <p:cTn id="48" fill="hold">
+                      <p:stCondLst>
+                        <p:cond delay="indefinite"/>
+                      </p:stCondLst>
+                      <p:childTnLst>
+                        <p:par>
+                          <p:cTn id="49" fill="hold">
+                            <p:stCondLst>
+                              <p:cond delay="0"/>
+                            </p:stCondLst>
+                            <p:childTnLst>
+                              <p:par>
+                                <p:cTn id="50" presetID="55" presetClass="entr" presetSubtype="0" fill="hold" nodeType="clickEffect">
+                                  <p:stCondLst>
+                                    <p:cond delay="0"/>
+                                  </p:stCondLst>
+                                  <p:childTnLst>
+                                    <p:set>
+                                      <p:cBhvr>
+                                        <p:cTn id="51" dur="1" fill="hold">
+                                          <p:stCondLst>
+                                            <p:cond delay="0"/>
+                                          </p:stCondLst>
+                                        </p:cTn>
+                                        <p:tgtEl>
+                                          <p:spTgt spid="29"/>
+                                        </p:tgtEl>
+                                        <p:attrNameLst>
+                                          <p:attrName>style.visibility</p:attrName>
+                                        </p:attrNameLst>
+                                      </p:cBhvr>
+                                      <p:to>
+                                        <p:strVal val="visible"/>
+                                      </p:to>
+                                    </p:set>
+                                    <p:anim calcmode="lin" valueType="num">
+                                      <p:cBhvr>
+                                        <p:cTn id="52" dur="1000" fill="hold"/>
+                                        <p:tgtEl>
+                                          <p:spTgt spid="29"/>
+                                        </p:tgtEl>
+                                        <p:attrNameLst>
+                                          <p:attrName>ppt_w</p:attrName>
+                                        </p:attrNameLst>
+                                      </p:cBhvr>
+                                      <p:tavLst>
+                                        <p:tav tm="0">
+                                          <p:val>
+                                            <p:strVal val="#ppt_w*0.70"/>
+                                          </p:val>
+                                        </p:tav>
+                                        <p:tav tm="100000">
+                                          <p:val>
+                                            <p:strVal val="#ppt_w"/>
+                                          </p:val>
+                                        </p:tav>
+                                      </p:tavLst>
+                                    </p:anim>
+                                    <p:anim calcmode="lin" valueType="num">
+                                      <p:cBhvr>
+                                        <p:cTn id="53" dur="1000" fill="hold"/>
+                                        <p:tgtEl>
+                                          <p:spTgt spid="29"/>
+                                        </p:tgtEl>
+                                        <p:attrNameLst>
+                                          <p:attrName>ppt_h</p:attrName>
+                                        </p:attrNameLst>
+                                      </p:cBhvr>
+                                      <p:tavLst>
+                                        <p:tav tm="0">
+                                          <p:val>
+                                            <p:strVal val="#ppt_h"/>
+                                          </p:val>
+                                        </p:tav>
+                                        <p:tav tm="100000">
+                                          <p:val>
+                                            <p:strVal val="#ppt_h"/>
+                                          </p:val>
+                                        </p:tav>
+                                      </p:tavLst>
+                                    </p:anim>
+                                    <p:animEffect transition="in" filter="fade">
+                                      <p:cBhvr>
+                                        <p:cTn id="54" dur="1000"/>
+                                        <p:tgtEl>
+                                          <p:spTgt spid="29"/>
+                                        </p:tgtEl>
+                                      </p:cBhvr>
+                                    </p:animEffect>
+                                  </p:childTnLst>
+                                </p:cTn>
+                              </p:par>
+                            </p:childTnLst>
+                          </p:cTn>
+                        </p:par>
+                      </p:childTnLst>
+                    </p:cTn>
+                  </p:par>
+                  <p:par>
+                    <p:cTn id="55" fill="hold">
+                      <p:stCondLst>
+                        <p:cond delay="indefinite"/>
+                      </p:stCondLst>
+                      <p:childTnLst>
+                        <p:par>
+                          <p:cTn id="56" fill="hold">
+                            <p:stCondLst>
+                              <p:cond delay="0"/>
+                            </p:stCondLst>
+                            <p:childTnLst>
+                              <p:par>
+                                <p:cTn id="57" presetID="3" presetClass="exit" presetSubtype="10" fill="hold" nodeType="clickEffect">
+                                  <p:stCondLst>
+                                    <p:cond delay="0"/>
+                                  </p:stCondLst>
+                                  <p:childTnLst>
+                                    <p:animEffect transition="out" filter="blinds(horizontal)">
+                                      <p:cBhvr>
+                                        <p:cTn id="58" dur="500"/>
+                                        <p:tgtEl>
+                                          <p:spTgt spid="29"/>
+                                        </p:tgtEl>
+                                      </p:cBhvr>
+                                    </p:animEffect>
+                                    <p:set>
+                                      <p:cBhvr>
+                                        <p:cTn id="59" dur="1" fill="hold">
+                                          <p:stCondLst>
+                                            <p:cond delay="499"/>
+                                          </p:stCondLst>
+                                        </p:cTn>
+                                        <p:tgtEl>
+                                          <p:spTgt spid="29"/>
+                                        </p:tgtEl>
+                                        <p:attrNameLst>
+                                          <p:attrName>style.visibility</p:attrName>
+                                        </p:attrNameLst>
+                                      </p:cBhvr>
+                                      <p:to>
+                                        <p:strVal val="hidden"/>
+                                      </p:to>
+                                    </p:set>
+                                  </p:childTnLst>
+                                </p:cTn>
+                              </p:par>
+                              <p:par>
+                                <p:cTn id="60" presetID="3" presetClass="exit" presetSubtype="10" fill="hold" nodeType="withEffect">
+                                  <p:stCondLst>
+                                    <p:cond delay="0"/>
+                                  </p:stCondLst>
+                                  <p:childTnLst>
+                                    <p:animEffect transition="out" filter="blinds(horizontal)">
+                                      <p:cBhvr>
+                                        <p:cTn id="61" dur="500"/>
+                                        <p:tgtEl>
+                                          <p:spTgt spid="28"/>
+                                        </p:tgtEl>
+                                      </p:cBhvr>
+                                    </p:animEffect>
+                                    <p:set>
+                                      <p:cBhvr>
+                                        <p:cTn id="62" dur="1" fill="hold">
+                                          <p:stCondLst>
+                                            <p:cond delay="499"/>
+                                          </p:stCondLst>
+                                        </p:cTn>
+                                        <p:tgtEl>
+                                          <p:spTgt spid="28"/>
+                                        </p:tgtEl>
+                                        <p:attrNameLst>
+                                          <p:attrName>style.visibility</p:attrName>
+                                        </p:attrNameLst>
+                                      </p:cBhvr>
+                                      <p:to>
+                                        <p:strVal val="hidden"/>
+                                      </p:to>
+                                    </p:set>
+                                  </p:childTnLst>
+                                </p:cTn>
+                              </p:par>
+                              <p:par>
+                                <p:cTn id="63" presetID="5" presetClass="entr" presetSubtype="10" fill="hold" nodeType="withEffect">
+                                  <p:stCondLst>
+                                    <p:cond delay="0"/>
+                                  </p:stCondLst>
+                                  <p:childTnLst>
+                                    <p:set>
+                                      <p:cBhvr>
+                                        <p:cTn id="64" dur="1" fill="hold">
+                                          <p:stCondLst>
+                                            <p:cond delay="0"/>
+                                          </p:stCondLst>
+                                        </p:cTn>
+                                        <p:tgtEl>
+                                          <p:spTgt spid="51207"/>
+                                        </p:tgtEl>
+                                        <p:attrNameLst>
+                                          <p:attrName>style.visibility</p:attrName>
+                                        </p:attrNameLst>
+                                      </p:cBhvr>
+                                      <p:to>
+                                        <p:strVal val="visible"/>
+                                      </p:to>
+                                    </p:set>
+                                    <p:animEffect transition="in" filter="checkerboard(across)">
+                                      <p:cBhvr>
+                                        <p:cTn id="65" dur="500"/>
+                                        <p:tgtEl>
+                                          <p:spTgt spid="51207"/>
+                                        </p:tgtEl>
+                                      </p:cBhvr>
+                                    </p:animEffect>
+                                  </p:childTnLst>
+                                </p:cTn>
+                              </p:par>
+                            </p:childTnLst>
+                          </p:cTn>
+                        </p:par>
+                      </p:childTnLst>
+                    </p:cTn>
+                  </p:par>
+                </p:childTnLst>
+              </p:cTn>
+              <p:prevCondLst>
+                <p:cond evt="onPrev" delay="0">
+                  <p:tgtEl>
+                    <p:sldTgt/>
+                  </p:tgtEl>
+                </p:cond>
+              </p:prevCondLst>
+              <p:nextCondLst>
+                <p:cond evt="onNext" delay="0">
+                  <p:tgtEl>
+                    <p:sldTgt/>
+                  </p:tgtEl>
+                </p:cond>
+              </p:nextCondLst>
+            </p:seq>
+          </p:childTnLst>
+        </p:cTn>
       </p:par>
     </p:tnLst>
+    <p:bldLst>
+      <p:bldP spid="7" grpId="0" uiExpand="1" build="p"/>
+      <p:bldP spid="8" grpId="0"/>
+    </p:bldLst>
   </p:timing>
 </p:sld>
 </file>

--- a/Project_Management/Báo cáo khóa luận/Presentation.pptx
+++ b/Project_Management/Báo cáo khóa luận/Presentation.pptx
@@ -5,10 +5,10 @@
     <p:sldMasterId id="2147483740" r:id="rId1"/>
   </p:sldMasterIdLst>
   <p:notesMasterIdLst>
-    <p:notesMasterId r:id="rId23"/>
+    <p:notesMasterId r:id="rId24"/>
   </p:notesMasterIdLst>
   <p:handoutMasterIdLst>
-    <p:handoutMasterId r:id="rId24"/>
+    <p:handoutMasterId r:id="rId25"/>
   </p:handoutMasterIdLst>
   <p:sldIdLst>
     <p:sldId id="256" r:id="rId2"/>
@@ -28,10 +28,11 @@
     <p:sldId id="318" r:id="rId16"/>
     <p:sldId id="320" r:id="rId17"/>
     <p:sldId id="303" r:id="rId18"/>
-    <p:sldId id="302" r:id="rId19"/>
-    <p:sldId id="301" r:id="rId20"/>
-    <p:sldId id="300" r:id="rId21"/>
-    <p:sldId id="266" r:id="rId22"/>
+    <p:sldId id="321" r:id="rId19"/>
+    <p:sldId id="302" r:id="rId20"/>
+    <p:sldId id="301" r:id="rId21"/>
+    <p:sldId id="300" r:id="rId22"/>
+    <p:sldId id="266" r:id="rId23"/>
   </p:sldIdLst>
   <p:sldSz cx="12188825" cy="6858000"/>
   <p:notesSz cx="6858000" cy="9144000"/>
@@ -351,7 +352,7 @@
     </p:spTree>
     <p:extLst>
       <p:ext uri="{BB962C8B-B14F-4D97-AF65-F5344CB8AC3E}">
-        <p14:creationId xmlns="" xmlns:p14="http://schemas.microsoft.com/office/powerpoint/2010/main" val="4144106037"/>
+        <p14:creationId xmlns:p14="http://schemas.microsoft.com/office/powerpoint/2010/main" xmlns="" val="4144106037"/>
       </p:ext>
     </p:extLst>
   </p:cSld>
@@ -661,7 +662,7 @@
     </p:spTree>
     <p:extLst>
       <p:ext uri="{BB962C8B-B14F-4D97-AF65-F5344CB8AC3E}">
-        <p14:creationId xmlns="" xmlns:p14="http://schemas.microsoft.com/office/powerpoint/2010/main" val="2509398179"/>
+        <p14:creationId xmlns:p14="http://schemas.microsoft.com/office/powerpoint/2010/main" xmlns="" val="2509398179"/>
       </p:ext>
     </p:extLst>
   </p:cSld>
@@ -874,7 +875,7 @@
     </p:spTree>
     <p:extLst>
       <p:ext uri="{BB962C8B-B14F-4D97-AF65-F5344CB8AC3E}">
-        <p14:creationId xmlns="" xmlns:p14="http://schemas.microsoft.com/office/powerpoint/2010/main" val="2845516244"/>
+        <p14:creationId xmlns:p14="http://schemas.microsoft.com/office/powerpoint/2010/main" xmlns="" val="2845516244"/>
       </p:ext>
     </p:extLst>
   </p:cSld>
@@ -961,7 +962,7 @@
     </p:spTree>
     <p:extLst>
       <p:ext uri="{BB962C8B-B14F-4D97-AF65-F5344CB8AC3E}">
-        <p14:creationId xmlns="" xmlns:p14="http://schemas.microsoft.com/office/powerpoint/2010/main" val="4231630105"/>
+        <p14:creationId xmlns:p14="http://schemas.microsoft.com/office/powerpoint/2010/main" xmlns="" val="4231630105"/>
       </p:ext>
     </p:extLst>
   </p:cSld>
@@ -1037,7 +1038,7 @@
             <a:fld id="{8B263312-38AA-4E1E-B2B5-0F8F122B24FE}" type="slidenum">
               <a:rPr lang="en-US" smtClean="0"/>
               <a:pPr/>
-              <a:t>21</a:t>
+              <a:t>22</a:t>
             </a:fld>
             <a:endParaRPr lang="en-US"/>
           </a:p>
@@ -1046,7 +1047,7 @@
     </p:spTree>
     <p:extLst>
       <p:ext uri="{BB962C8B-B14F-4D97-AF65-F5344CB8AC3E}">
-        <p14:creationId xmlns="" xmlns:p14="http://schemas.microsoft.com/office/powerpoint/2010/main" val="3834132863"/>
+        <p14:creationId xmlns:p14="http://schemas.microsoft.com/office/powerpoint/2010/main" xmlns="" val="3834132863"/>
       </p:ext>
     </p:extLst>
   </p:cSld>
@@ -1066,7 +1067,7 @@
             <a:lum/>
             <a:extLst>
               <a:ext uri="{28A0092B-C50C-407E-A947-70E740481C1C}">
-                <a14:useLocalDpi xmlns="" xmlns:a14="http://schemas.microsoft.com/office/drawing/2010/main" val="0"/>
+                <a14:useLocalDpi xmlns:a14="http://schemas.microsoft.com/office/drawing/2010/main" xmlns="" val="0"/>
               </a:ext>
             </a:extLst>
           </a:blip>
@@ -1274,7 +1275,7 @@
     </p:spTree>
     <p:extLst>
       <p:ext uri="{BB962C8B-B14F-4D97-AF65-F5344CB8AC3E}">
-        <p14:creationId xmlns="" xmlns:p14="http://schemas.microsoft.com/office/powerpoint/2010/main" val="3247851305"/>
+        <p14:creationId xmlns:p14="http://schemas.microsoft.com/office/powerpoint/2010/main" xmlns="" val="3247851305"/>
       </p:ext>
     </p:extLst>
   </p:cSld>
@@ -1425,7 +1426,7 @@
     </p:spTree>
     <p:extLst>
       <p:ext uri="{BB962C8B-B14F-4D97-AF65-F5344CB8AC3E}">
-        <p14:creationId xmlns="" xmlns:p14="http://schemas.microsoft.com/office/powerpoint/2010/main" val="1020099824"/>
+        <p14:creationId xmlns:p14="http://schemas.microsoft.com/office/powerpoint/2010/main" xmlns="" val="1020099824"/>
       </p:ext>
     </p:extLst>
   </p:cSld>
@@ -1691,7 +1692,7 @@
     </p:spTree>
     <p:extLst>
       <p:ext uri="{BB962C8B-B14F-4D97-AF65-F5344CB8AC3E}">
-        <p14:creationId xmlns="" xmlns:p14="http://schemas.microsoft.com/office/powerpoint/2010/main" val="3061710331"/>
+        <p14:creationId xmlns:p14="http://schemas.microsoft.com/office/powerpoint/2010/main" xmlns="" val="3061710331"/>
       </p:ext>
     </p:extLst>
   </p:cSld>
@@ -1760,7 +1761,7 @@
     </p:spTree>
     <p:extLst>
       <p:ext uri="{BB962C8B-B14F-4D97-AF65-F5344CB8AC3E}">
-        <p14:creationId xmlns="" xmlns:p14="http://schemas.microsoft.com/office/powerpoint/2010/main" val="1815284288"/>
+        <p14:creationId xmlns:p14="http://schemas.microsoft.com/office/powerpoint/2010/main" xmlns="" val="1815284288"/>
       </p:ext>
     </p:extLst>
   </p:cSld>
@@ -1834,7 +1835,7 @@
     </p:spTree>
     <p:extLst>
       <p:ext uri="{BB962C8B-B14F-4D97-AF65-F5344CB8AC3E}">
-        <p14:creationId xmlns="" xmlns:p14="http://schemas.microsoft.com/office/powerpoint/2010/main" val="2909031574"/>
+        <p14:creationId xmlns:p14="http://schemas.microsoft.com/office/powerpoint/2010/main" xmlns="" val="2909031574"/>
       </p:ext>
     </p:extLst>
   </p:cSld>
@@ -2123,7 +2124,7 @@
     </p:spTree>
     <p:extLst>
       <p:ext uri="{BB962C8B-B14F-4D97-AF65-F5344CB8AC3E}">
-        <p14:creationId xmlns="" xmlns:p14="http://schemas.microsoft.com/office/powerpoint/2010/main" val="517179932"/>
+        <p14:creationId xmlns:p14="http://schemas.microsoft.com/office/powerpoint/2010/main" xmlns="" val="517179932"/>
       </p:ext>
     </p:extLst>
   </p:cSld>
@@ -2163,7 +2164,7 @@
     </p:spTree>
     <p:extLst>
       <p:ext uri="{BB962C8B-B14F-4D97-AF65-F5344CB8AC3E}">
-        <p14:creationId xmlns="" xmlns:p14="http://schemas.microsoft.com/office/powerpoint/2010/main" val="1461056470"/>
+        <p14:creationId xmlns:p14="http://schemas.microsoft.com/office/powerpoint/2010/main" xmlns="" val="1461056470"/>
       </p:ext>
     </p:extLst>
   </p:cSld>
@@ -2606,7 +2607,7 @@
     </p:spTree>
     <p:extLst>
       <p:ext uri="{BB962C8B-B14F-4D97-AF65-F5344CB8AC3E}">
-        <p14:creationId xmlns="" xmlns:p14="http://schemas.microsoft.com/office/powerpoint/2010/main" val="3842700467"/>
+        <p14:creationId xmlns:p14="http://schemas.microsoft.com/office/powerpoint/2010/main" xmlns="" val="3842700467"/>
       </p:ext>
     </p:extLst>
   </p:cSld>
@@ -2635,7 +2636,7 @@
           <a:blip r:embed="rId11">
             <a:extLst>
               <a:ext uri="{28A0092B-C50C-407E-A947-70E740481C1C}">
-                <a14:useLocalDpi xmlns="" xmlns:a14="http://schemas.microsoft.com/office/drawing/2010/main" val="0"/>
+                <a14:useLocalDpi xmlns:a14="http://schemas.microsoft.com/office/drawing/2010/main" xmlns="" val="0"/>
               </a:ext>
             </a:extLst>
           </a:blip>
@@ -2759,7 +2760,7 @@
     </p:spTree>
     <p:extLst>
       <p:ext uri="{BB962C8B-B14F-4D97-AF65-F5344CB8AC3E}">
-        <p14:creationId xmlns="" xmlns:p14="http://schemas.microsoft.com/office/powerpoint/2010/main" val="1605506760"/>
+        <p14:creationId xmlns:p14="http://schemas.microsoft.com/office/powerpoint/2010/main" xmlns="" val="1605506760"/>
       </p:ext>
     </p:extLst>
   </p:cSld>
@@ -3169,11 +3170,7 @@
             <a:pPr algn="ctr"/>
             <a:r>
               <a:rPr smtClean="0"/>
-              <a:t>Nghiên cứu nền tảng điện toán đám mây, ứng dụng triển khai sổ liên lạc trực </a:t>
-            </a:r>
-            <a:r>
-              <a:rPr smtClean="0"/>
-              <a:t>tuyến</a:t>
+              <a:t>Nghiên cứu nền tảng điện toán đám mây, ứng dụng triển khai sổ liên lạc trực tuyến</a:t>
             </a:r>
             <a:endParaRPr lang="en-US"/>
           </a:p>
@@ -3206,17 +3203,8 @@
             </a:r>
             <a:r>
               <a:rPr lang="en-US" b="1" smtClean="0"/>
-              <a:t>Thầy Phan </a:t>
-            </a:r>
-            <a:r>
-              <a:rPr lang="en-US" b="1" smtClean="0"/>
-              <a:t>Trung </a:t>
-            </a:r>
-            <a:r>
-              <a:rPr lang="en-US" b="1" smtClean="0"/>
-              <a:t>Hiếu</a:t>
-            </a:r>
-            <a:endParaRPr lang="en-US" b="1" smtClean="0"/>
+              <a:t>Thầy Phan Trung Hiếu</a:t>
+            </a:r>
           </a:p>
           <a:p>
             <a:pPr algn="r"/>
@@ -3226,11 +3214,7 @@
             </a:r>
             <a:r>
               <a:rPr lang="en-US" b="1" smtClean="0"/>
-              <a:t>N</a:t>
-            </a:r>
-            <a:r>
-              <a:rPr lang="en-US" b="1" smtClean="0"/>
-              <a:t>guyễn Anh </a:t>
+              <a:t>Nguyễn Anh </a:t>
             </a:r>
             <a:r>
               <a:rPr lang="en-US" b="1" err="1" smtClean="0"/>
@@ -3238,13 +3222,8 @@
             </a:r>
             <a:r>
               <a:rPr lang="en-US" b="1" smtClean="0"/>
-              <a:t> </a:t>
-            </a:r>
-            <a:r>
-              <a:rPr lang="en-US" b="1" smtClean="0"/>
-              <a:t>Nguyễn Đức Hạnh</a:t>
-            </a:r>
-            <a:endParaRPr lang="en-US" b="1" smtClean="0"/>
+              <a:t> Nguyễn Đức Hạnh</a:t>
+            </a:r>
           </a:p>
         </p:txBody>
       </p:sp>
@@ -3260,7 +3239,7 @@
           <a:blip r:embed="rId3">
             <a:extLst>
               <a:ext uri="{28A0092B-C50C-407E-A947-70E740481C1C}">
-                <a14:useLocalDpi xmlns="" xmlns:a14="http://schemas.microsoft.com/office/drawing/2010/main" val="0"/>
+                <a14:useLocalDpi xmlns:a14="http://schemas.microsoft.com/office/drawing/2010/main" xmlns="" val="0"/>
               </a:ext>
             </a:extLst>
           </a:blip>
@@ -3280,7 +3259,7 @@
           <a:noFill/>
           <a:extLst>
             <a:ext uri="{909E8E84-426E-40DD-AFC4-6F175D3DCCD1}">
-              <a14:hiddenFill xmlns="" xmlns:a14="http://schemas.microsoft.com/office/drawing/2010/main">
+              <a14:hiddenFill xmlns:a14="http://schemas.microsoft.com/office/drawing/2010/main" xmlns="">
                 <a:solidFill>
                   <a:srgbClr val="FFFFFF"/>
                 </a:solidFill>
@@ -3292,7 +3271,7 @@
     </p:spTree>
     <p:extLst>
       <p:ext uri="{BB962C8B-B14F-4D97-AF65-F5344CB8AC3E}">
-        <p14:creationId xmlns="" xmlns:p14="http://schemas.microsoft.com/office/powerpoint/2010/main" val="3137854148"/>
+        <p14:creationId xmlns:p14="http://schemas.microsoft.com/office/powerpoint/2010/main" xmlns="" val="3137854148"/>
       </p:ext>
     </p:extLst>
   </p:cSld>
@@ -3300,7 +3279,7 @@
     <a:masterClrMapping/>
   </p:clrMapOvr>
   <mc:AlternateContent xmlns:mc="http://schemas.openxmlformats.org/markup-compatibility/2006">
-    <mc:Choice xmlns="" xmlns:p14="http://schemas.microsoft.com/office/powerpoint/2010/main" Requires="p14">
+    <mc:Choice xmlns:p14="http://schemas.microsoft.com/office/powerpoint/2010/main" xmlns="" Requires="p14">
       <p:transition spd="med" p14:dur="700">
         <p:fade/>
       </p:transition>
@@ -3793,23 +3772,7 @@
                   <a:lin ang="5400000" scaled="0"/>
                 </a:gradFill>
               </a:rPr>
-              <a:t> </a:t>
-            </a:r>
-            <a:r>
-              <a:rPr lang="en-US" sz="2800" smtClean="0">
-                <a:gradFill>
-                  <a:gsLst>
-                    <a:gs pos="0">
-                      <a:schemeClr val="tx1"/>
-                    </a:gs>
-                    <a:gs pos="86000">
-                      <a:schemeClr val="tx1"/>
-                    </a:gs>
-                  </a:gsLst>
-                  <a:lin ang="5400000" scaled="0"/>
-                </a:gradFill>
-              </a:rPr>
-              <a:t>mảnh dữ liệu do n</a:t>
+              <a:t> mảnh dữ liệu do n</a:t>
             </a:r>
             <a:r>
               <a:rPr kumimoji="0" lang="vi-VN" sz="2800" b="0" i="0" u="none" strike="noStrike" kern="1200" cap="none" spc="0" normalizeH="0" baseline="0" noProof="0" smtClean="0">
@@ -4057,25 +4020,12 @@
             </a:r>
             <a:r>
               <a:rPr lang="vi-VN" sz="2800" smtClean="0"/>
-              <a:t>Azure </a:t>
-            </a:r>
-            <a:r>
-              <a:rPr lang="vi-VN" sz="2800" smtClean="0"/>
-              <a:t>là một hệ điều hành dùng để chạy các ứng dụng Windows và lưu dữ liệu của nó trên </a:t>
-            </a:r>
-            <a:r>
-              <a:rPr lang="vi-VN" sz="2800" smtClean="0"/>
-              <a:t>đám </a:t>
-            </a:r>
-            <a:r>
-              <a:rPr lang="vi-VN" sz="2800" smtClean="0"/>
-              <a:t>mây</a:t>
+              <a:t>Azure là một hệ điều hành dùng để chạy các ứng dụng Windows và lưu dữ liệu của nó trên đám mây</a:t>
             </a:r>
             <a:r>
               <a:rPr lang="en-US" sz="2800" smtClean="0"/>
               <a:t>.</a:t>
             </a:r>
-            <a:endParaRPr lang="en-US" sz="2800" smtClean="0"/>
           </a:p>
         </p:txBody>
       </p:sp>
@@ -4845,6 +4795,78 @@
       </p:grpSpPr>
       <p:sp>
         <p:nvSpPr>
+          <p:cNvPr id="33" name="Cloud 32"/>
+          <p:cNvSpPr/>
+          <p:nvPr/>
+        </p:nvSpPr>
+        <p:spPr bwMode="auto">
+          <a:xfrm>
+            <a:off x="4951412" y="2286000"/>
+            <a:ext cx="2514600" cy="2057400"/>
+          </a:xfrm>
+          <a:prstGeom prst="cloud">
+            <a:avLst/>
+          </a:prstGeom>
+          <a:ln>
+            <a:headEnd type="none" w="med" len="med"/>
+            <a:tailEnd type="none" w="med" len="med"/>
+          </a:ln>
+          <a:effectLst>
+            <a:innerShdw blurRad="127000" dir="11220000">
+              <a:prstClr val="black">
+                <a:alpha val="50000"/>
+              </a:prstClr>
+            </a:innerShdw>
+          </a:effectLst>
+          <a:scene3d>
+            <a:camera prst="orthographicFront">
+              <a:rot lat="0" lon="0" rev="0"/>
+            </a:camera>
+            <a:lightRig rig="threePt" dir="tl"/>
+          </a:scene3d>
+          <a:sp3d prstMaterial="matte"/>
+        </p:spPr>
+        <p:style>
+          <a:lnRef idx="0">
+            <a:schemeClr val="accent1"/>
+          </a:lnRef>
+          <a:fillRef idx="3">
+            <a:schemeClr val="accent1"/>
+          </a:fillRef>
+          <a:effectRef idx="3">
+            <a:schemeClr val="accent1"/>
+          </a:effectRef>
+          <a:fontRef idx="minor">
+            <a:schemeClr val="lt1"/>
+          </a:fontRef>
+        </p:style>
+        <p:txBody>
+          <a:bodyPr vert="horz" wrap="square" lIns="91436" tIns="45718" rIns="91436" bIns="45718" numCol="1" rtlCol="0" anchor="ctr" anchorCtr="0" compatLnSpc="1">
+            <a:prstTxWarp prst="textNoShape">
+              <a:avLst/>
+            </a:prstTxWarp>
+          </a:bodyPr>
+          <a:lstStyle/>
+          <a:p>
+            <a:pPr algn="ctr" defTabSz="914099"/>
+            <a:endParaRPr lang="en-US" sz="2400" spc="-50" dirty="0" smtClean="0">
+              <a:gradFill>
+                <a:gsLst>
+                  <a:gs pos="0">
+                    <a:srgbClr val="000000"/>
+                  </a:gs>
+                  <a:gs pos="100000">
+                    <a:srgbClr val="000000"/>
+                  </a:gs>
+                </a:gsLst>
+                <a:lin ang="5400000" scaled="0"/>
+              </a:gradFill>
+            </a:endParaRPr>
+          </a:p>
+        </p:txBody>
+      </p:sp>
+      <p:sp>
+        <p:nvSpPr>
           <p:cNvPr id="4" name="Title 1"/>
           <p:cNvSpPr>
             <a:spLocks noGrp="1"/>
@@ -4871,25 +4893,1264 @@
           </a:p>
         </p:txBody>
       </p:sp>
-      <p:sp>
-        <p:nvSpPr>
-          <p:cNvPr id="6" name="Content Placeholder 5"/>
-          <p:cNvSpPr>
-            <a:spLocks noGrp="1"/>
-          </p:cNvSpPr>
-          <p:nvPr>
-            <p:ph idx="1"/>
-          </p:nvPr>
-        </p:nvSpPr>
-        <p:spPr/>
-        <p:txBody>
-          <a:bodyPr/>
-          <a:lstStyle/>
-          <a:p>
-            <a:endParaRPr lang="en-US"/>
-          </a:p>
-        </p:txBody>
-      </p:sp>
+      <p:cxnSp>
+        <p:nvCxnSpPr>
+          <p:cNvPr id="10" name="Straight Arrow Connector 9"/>
+          <p:cNvCxnSpPr/>
+          <p:nvPr/>
+        </p:nvCxnSpPr>
+        <p:spPr>
+          <a:xfrm>
+            <a:off x="4113212" y="3048000"/>
+            <a:ext cx="914400" cy="1588"/>
+          </a:xfrm>
+          <a:prstGeom prst="straightConnector1">
+            <a:avLst/>
+          </a:prstGeom>
+          <a:ln w="57150">
+            <a:tailEnd type="arrow"/>
+          </a:ln>
+        </p:spPr>
+        <p:style>
+          <a:lnRef idx="1">
+            <a:schemeClr val="accent1"/>
+          </a:lnRef>
+          <a:fillRef idx="0">
+            <a:schemeClr val="accent1"/>
+          </a:fillRef>
+          <a:effectRef idx="0">
+            <a:schemeClr val="accent1"/>
+          </a:effectRef>
+          <a:fontRef idx="minor">
+            <a:schemeClr val="tx1"/>
+          </a:fontRef>
+        </p:style>
+      </p:cxnSp>
+      <p:cxnSp>
+        <p:nvCxnSpPr>
+          <p:cNvPr id="11" name="Straight Arrow Connector 10"/>
+          <p:cNvCxnSpPr/>
+          <p:nvPr/>
+        </p:nvCxnSpPr>
+        <p:spPr>
+          <a:xfrm>
+            <a:off x="7694612" y="3046412"/>
+            <a:ext cx="914400" cy="1588"/>
+          </a:xfrm>
+          <a:prstGeom prst="straightConnector1">
+            <a:avLst/>
+          </a:prstGeom>
+          <a:ln w="57150">
+            <a:tailEnd type="arrow"/>
+          </a:ln>
+        </p:spPr>
+        <p:style>
+          <a:lnRef idx="1">
+            <a:schemeClr val="accent1"/>
+          </a:lnRef>
+          <a:fillRef idx="0">
+            <a:schemeClr val="accent1"/>
+          </a:fillRef>
+          <a:effectRef idx="0">
+            <a:schemeClr val="accent1"/>
+          </a:effectRef>
+          <a:fontRef idx="minor">
+            <a:schemeClr val="tx1"/>
+          </a:fontRef>
+        </p:style>
+      </p:cxnSp>
+      <p:grpSp>
+        <p:nvGrpSpPr>
+          <p:cNvPr id="27" name="Group 26"/>
+          <p:cNvGrpSpPr/>
+          <p:nvPr/>
+        </p:nvGrpSpPr>
+        <p:grpSpPr>
+          <a:xfrm>
+            <a:off x="836612" y="1676400"/>
+            <a:ext cx="2895600" cy="3341132"/>
+            <a:chOff x="836612" y="1676400"/>
+            <a:chExt cx="2895600" cy="3341132"/>
+          </a:xfrm>
+        </p:grpSpPr>
+        <p:pic>
+          <p:nvPicPr>
+            <p:cNvPr id="1026" name="Picture 2" descr="E:\UIT\CNTT IX\pic\School.png"/>
+            <p:cNvPicPr>
+              <a:picLocks noChangeAspect="1" noChangeArrowheads="1"/>
+            </p:cNvPicPr>
+            <p:nvPr/>
+          </p:nvPicPr>
+          <p:blipFill>
+            <a:blip r:embed="rId2"/>
+            <a:srcRect/>
+            <a:stretch>
+              <a:fillRect/>
+            </a:stretch>
+          </p:blipFill>
+          <p:spPr bwMode="auto">
+            <a:xfrm>
+              <a:off x="836612" y="1676400"/>
+              <a:ext cx="2895600" cy="2895600"/>
+            </a:xfrm>
+            <a:prstGeom prst="rect">
+              <a:avLst/>
+            </a:prstGeom>
+            <a:noFill/>
+          </p:spPr>
+        </p:pic>
+        <p:sp>
+          <p:nvSpPr>
+            <p:cNvPr id="12" name="TextBox 11"/>
+            <p:cNvSpPr txBox="1"/>
+            <p:nvPr/>
+          </p:nvSpPr>
+          <p:spPr>
+            <a:xfrm>
+              <a:off x="1370012" y="4648200"/>
+              <a:ext cx="1547411" cy="369332"/>
+            </a:xfrm>
+            <a:prstGeom prst="rect">
+              <a:avLst/>
+            </a:prstGeom>
+            <a:noFill/>
+          </p:spPr>
+          <p:txBody>
+            <a:bodyPr wrap="none" lIns="0" tIns="0" rIns="0" bIns="0" rtlCol="0">
+              <a:spAutoFit/>
+            </a:bodyPr>
+            <a:lstStyle/>
+            <a:p>
+              <a:r>
+                <a:rPr lang="en-US" smtClean="0">
+                  <a:gradFill>
+                    <a:gsLst>
+                      <a:gs pos="0">
+                        <a:schemeClr val="tx1"/>
+                      </a:gs>
+                      <a:gs pos="86000">
+                        <a:schemeClr val="tx1"/>
+                      </a:gs>
+                    </a:gsLst>
+                    <a:lin ang="5400000" scaled="0"/>
+                  </a:gradFill>
+                  <a:effectLst>
+                    <a:outerShdw blurRad="63500" algn="ctr" rotWithShape="0">
+                      <a:schemeClr val="tx1">
+                        <a:alpha val="60000"/>
+                      </a:schemeClr>
+                    </a:outerShdw>
+                  </a:effectLst>
+                </a:rPr>
+                <a:t>Trường học</a:t>
+              </a:r>
+              <a:endParaRPr lang="en-US" dirty="0" err="1" smtClean="0">
+                <a:gradFill>
+                  <a:gsLst>
+                    <a:gs pos="0">
+                      <a:schemeClr val="tx1"/>
+                    </a:gs>
+                    <a:gs pos="86000">
+                      <a:schemeClr val="tx1"/>
+                    </a:gs>
+                  </a:gsLst>
+                  <a:lin ang="5400000" scaled="0"/>
+                </a:gradFill>
+                <a:effectLst>
+                  <a:outerShdw blurRad="63500" algn="ctr" rotWithShape="0">
+                    <a:schemeClr val="tx1">
+                      <a:alpha val="60000"/>
+                    </a:schemeClr>
+                  </a:outerShdw>
+                </a:effectLst>
+              </a:endParaRPr>
+            </a:p>
+          </p:txBody>
+        </p:sp>
+      </p:grpSp>
+      <p:grpSp>
+        <p:nvGrpSpPr>
+          <p:cNvPr id="29" name="Group 28"/>
+          <p:cNvGrpSpPr/>
+          <p:nvPr/>
+        </p:nvGrpSpPr>
+        <p:grpSpPr>
+          <a:xfrm>
+            <a:off x="5332412" y="1992868"/>
+            <a:ext cx="1905000" cy="2960132"/>
+            <a:chOff x="5256212" y="2057400"/>
+            <a:chExt cx="1905000" cy="2960132"/>
+          </a:xfrm>
+        </p:grpSpPr>
+        <p:pic>
+          <p:nvPicPr>
+            <p:cNvPr id="1028" name="Picture 4" descr="E:\UIT\CNTT IX\pic\LAVC_Portal_Menu_Student.png"/>
+            <p:cNvPicPr>
+              <a:picLocks noChangeAspect="1" noChangeArrowheads="1"/>
+            </p:cNvPicPr>
+            <p:nvPr/>
+          </p:nvPicPr>
+          <p:blipFill>
+            <a:blip r:embed="rId3"/>
+            <a:srcRect/>
+            <a:stretch>
+              <a:fillRect/>
+            </a:stretch>
+          </p:blipFill>
+          <p:spPr bwMode="auto">
+            <a:xfrm>
+              <a:off x="5256212" y="2057400"/>
+              <a:ext cx="1905000" cy="1905000"/>
+            </a:xfrm>
+            <a:prstGeom prst="rect">
+              <a:avLst/>
+            </a:prstGeom>
+            <a:noFill/>
+          </p:spPr>
+        </p:pic>
+        <p:sp>
+          <p:nvSpPr>
+            <p:cNvPr id="13" name="TextBox 12"/>
+            <p:cNvSpPr txBox="1"/>
+            <p:nvPr/>
+          </p:nvSpPr>
+          <p:spPr>
+            <a:xfrm>
+              <a:off x="5561012" y="4648200"/>
+              <a:ext cx="1181414" cy="369332"/>
+            </a:xfrm>
+            <a:prstGeom prst="rect">
+              <a:avLst/>
+            </a:prstGeom>
+            <a:noFill/>
+          </p:spPr>
+          <p:txBody>
+            <a:bodyPr wrap="none" lIns="0" tIns="0" rIns="0" bIns="0" rtlCol="0">
+              <a:spAutoFit/>
+            </a:bodyPr>
+            <a:lstStyle/>
+            <a:p>
+              <a:r>
+                <a:rPr lang="en-US" smtClean="0">
+                  <a:gradFill>
+                    <a:gsLst>
+                      <a:gs pos="0">
+                        <a:schemeClr val="tx1"/>
+                      </a:gs>
+                      <a:gs pos="86000">
+                        <a:schemeClr val="tx1"/>
+                      </a:gs>
+                    </a:gsLst>
+                    <a:lin ang="5400000" scaled="0"/>
+                  </a:gradFill>
+                  <a:effectLst>
+                    <a:outerShdw blurRad="63500" algn="ctr" rotWithShape="0">
+                      <a:schemeClr val="tx1">
+                        <a:alpha val="60000"/>
+                      </a:schemeClr>
+                    </a:outerShdw>
+                  </a:effectLst>
+                </a:rPr>
+                <a:t>Học sinh</a:t>
+              </a:r>
+              <a:endParaRPr lang="en-US" dirty="0" err="1" smtClean="0">
+                <a:gradFill>
+                  <a:gsLst>
+                    <a:gs pos="0">
+                      <a:schemeClr val="tx1"/>
+                    </a:gs>
+                    <a:gs pos="86000">
+                      <a:schemeClr val="tx1"/>
+                    </a:gs>
+                  </a:gsLst>
+                  <a:lin ang="5400000" scaled="0"/>
+                </a:gradFill>
+                <a:effectLst>
+                  <a:outerShdw blurRad="63500" algn="ctr" rotWithShape="0">
+                    <a:schemeClr val="tx1">
+                      <a:alpha val="60000"/>
+                    </a:schemeClr>
+                  </a:outerShdw>
+                </a:effectLst>
+              </a:endParaRPr>
+            </a:p>
+          </p:txBody>
+        </p:sp>
+      </p:grpSp>
+      <p:grpSp>
+        <p:nvGrpSpPr>
+          <p:cNvPr id="28" name="Group 27"/>
+          <p:cNvGrpSpPr/>
+          <p:nvPr/>
+        </p:nvGrpSpPr>
+        <p:grpSpPr>
+          <a:xfrm>
+            <a:off x="8913812" y="1905000"/>
+            <a:ext cx="2209800" cy="3112532"/>
+            <a:chOff x="8913812" y="1905000"/>
+            <a:chExt cx="2209800" cy="3112532"/>
+          </a:xfrm>
+        </p:grpSpPr>
+        <p:pic>
+          <p:nvPicPr>
+            <p:cNvPr id="1027" name="Picture 3" descr="E:\UIT\CNTT IX\pic\Family.png"/>
+            <p:cNvPicPr>
+              <a:picLocks noChangeAspect="1" noChangeArrowheads="1"/>
+            </p:cNvPicPr>
+            <p:nvPr/>
+          </p:nvPicPr>
+          <p:blipFill>
+            <a:blip r:embed="rId4"/>
+            <a:srcRect/>
+            <a:stretch>
+              <a:fillRect/>
+            </a:stretch>
+          </p:blipFill>
+          <p:spPr bwMode="auto">
+            <a:xfrm>
+              <a:off x="8913812" y="1905000"/>
+              <a:ext cx="2209800" cy="2209800"/>
+            </a:xfrm>
+            <a:prstGeom prst="rect">
+              <a:avLst/>
+            </a:prstGeom>
+            <a:noFill/>
+          </p:spPr>
+        </p:pic>
+        <p:sp>
+          <p:nvSpPr>
+            <p:cNvPr id="14" name="TextBox 13"/>
+            <p:cNvSpPr txBox="1"/>
+            <p:nvPr/>
+          </p:nvSpPr>
+          <p:spPr>
+            <a:xfrm>
+              <a:off x="9218612" y="4648200"/>
+              <a:ext cx="1455527" cy="369332"/>
+            </a:xfrm>
+            <a:prstGeom prst="rect">
+              <a:avLst/>
+            </a:prstGeom>
+            <a:noFill/>
+          </p:spPr>
+          <p:txBody>
+            <a:bodyPr wrap="none" lIns="0" tIns="0" rIns="0" bIns="0" rtlCol="0">
+              <a:spAutoFit/>
+            </a:bodyPr>
+            <a:lstStyle/>
+            <a:p>
+              <a:r>
+                <a:rPr lang="en-US" smtClean="0">
+                  <a:gradFill>
+                    <a:gsLst>
+                      <a:gs pos="0">
+                        <a:schemeClr val="tx1"/>
+                      </a:gs>
+                      <a:gs pos="86000">
+                        <a:schemeClr val="tx1"/>
+                      </a:gs>
+                    </a:gsLst>
+                    <a:lin ang="5400000" scaled="0"/>
+                  </a:gradFill>
+                  <a:effectLst>
+                    <a:outerShdw blurRad="63500" algn="ctr" rotWithShape="0">
+                      <a:schemeClr val="tx1">
+                        <a:alpha val="60000"/>
+                      </a:schemeClr>
+                    </a:outerShdw>
+                  </a:effectLst>
+                </a:rPr>
+                <a:t>Phụ huynh</a:t>
+              </a:r>
+              <a:endParaRPr lang="en-US" dirty="0" err="1" smtClean="0">
+                <a:gradFill>
+                  <a:gsLst>
+                    <a:gs pos="0">
+                      <a:schemeClr val="tx1"/>
+                    </a:gs>
+                    <a:gs pos="86000">
+                      <a:schemeClr val="tx1"/>
+                    </a:gs>
+                  </a:gsLst>
+                  <a:lin ang="5400000" scaled="0"/>
+                </a:gradFill>
+                <a:effectLst>
+                  <a:outerShdw blurRad="63500" algn="ctr" rotWithShape="0">
+                    <a:schemeClr val="tx1">
+                      <a:alpha val="60000"/>
+                    </a:schemeClr>
+                  </a:outerShdw>
+                </a:effectLst>
+              </a:endParaRPr>
+            </a:p>
+          </p:txBody>
+        </p:sp>
+      </p:grpSp>
+      <p:cxnSp>
+        <p:nvCxnSpPr>
+          <p:cNvPr id="17" name="Straight Arrow Connector 16"/>
+          <p:cNvCxnSpPr/>
+          <p:nvPr/>
+        </p:nvCxnSpPr>
+        <p:spPr>
+          <a:xfrm rot="10800000" flipV="1">
+            <a:off x="7618412" y="3429000"/>
+            <a:ext cx="914400" cy="1588"/>
+          </a:xfrm>
+          <a:prstGeom prst="straightConnector1">
+            <a:avLst/>
+          </a:prstGeom>
+          <a:ln w="57150">
+            <a:tailEnd type="arrow"/>
+          </a:ln>
+        </p:spPr>
+        <p:style>
+          <a:lnRef idx="1">
+            <a:schemeClr val="accent1"/>
+          </a:lnRef>
+          <a:fillRef idx="0">
+            <a:schemeClr val="accent1"/>
+          </a:fillRef>
+          <a:effectRef idx="0">
+            <a:schemeClr val="accent1"/>
+          </a:effectRef>
+          <a:fontRef idx="minor">
+            <a:schemeClr val="tx1"/>
+          </a:fontRef>
+        </p:style>
+      </p:cxnSp>
+      <p:cxnSp>
+        <p:nvCxnSpPr>
+          <p:cNvPr id="20" name="Straight Arrow Connector 19"/>
+          <p:cNvCxnSpPr/>
+          <p:nvPr/>
+        </p:nvCxnSpPr>
+        <p:spPr>
+          <a:xfrm rot="10800000" flipV="1">
+            <a:off x="4113212" y="3429000"/>
+            <a:ext cx="914400" cy="1588"/>
+          </a:xfrm>
+          <a:prstGeom prst="straightConnector1">
+            <a:avLst/>
+          </a:prstGeom>
+          <a:ln w="57150">
+            <a:tailEnd type="arrow"/>
+          </a:ln>
+        </p:spPr>
+        <p:style>
+          <a:lnRef idx="1">
+            <a:schemeClr val="accent1"/>
+          </a:lnRef>
+          <a:fillRef idx="0">
+            <a:schemeClr val="accent1"/>
+          </a:fillRef>
+          <a:effectRef idx="0">
+            <a:schemeClr val="accent1"/>
+          </a:effectRef>
+          <a:fontRef idx="minor">
+            <a:schemeClr val="tx1"/>
+          </a:fontRef>
+        </p:style>
+      </p:cxnSp>
+      <p:grpSp>
+        <p:nvGrpSpPr>
+          <p:cNvPr id="32" name="Group 31"/>
+          <p:cNvGrpSpPr/>
+          <p:nvPr/>
+        </p:nvGrpSpPr>
+        <p:grpSpPr>
+          <a:xfrm>
+            <a:off x="5408612" y="2514600"/>
+            <a:ext cx="1676400" cy="2426732"/>
+            <a:chOff x="7161212" y="3733800"/>
+            <a:chExt cx="1676400" cy="2426732"/>
+          </a:xfrm>
+        </p:grpSpPr>
+        <p:pic>
+          <p:nvPicPr>
+            <p:cNvPr id="1029" name="Picture 5" descr="E:\UIT\CNTT IX\pic\Network Connection Internet.png"/>
+            <p:cNvPicPr>
+              <a:picLocks noChangeAspect="1" noChangeArrowheads="1"/>
+            </p:cNvPicPr>
+            <p:nvPr/>
+          </p:nvPicPr>
+          <p:blipFill>
+            <a:blip r:embed="rId5"/>
+            <a:srcRect/>
+            <a:stretch>
+              <a:fillRect/>
+            </a:stretch>
+          </p:blipFill>
+          <p:spPr bwMode="auto">
+            <a:xfrm>
+              <a:off x="7161212" y="3733800"/>
+              <a:ext cx="1676400" cy="1676400"/>
+            </a:xfrm>
+            <a:prstGeom prst="rect">
+              <a:avLst/>
+            </a:prstGeom>
+            <a:noFill/>
+          </p:spPr>
+        </p:pic>
+        <p:sp>
+          <p:nvSpPr>
+            <p:cNvPr id="31" name="TextBox 30"/>
+            <p:cNvSpPr txBox="1"/>
+            <p:nvPr/>
+          </p:nvSpPr>
+          <p:spPr>
+            <a:xfrm>
+              <a:off x="7389812" y="5791200"/>
+              <a:ext cx="1064587" cy="369332"/>
+            </a:xfrm>
+            <a:prstGeom prst="rect">
+              <a:avLst/>
+            </a:prstGeom>
+            <a:noFill/>
+          </p:spPr>
+          <p:txBody>
+            <a:bodyPr wrap="none" lIns="0" tIns="0" rIns="0" bIns="0" rtlCol="0">
+              <a:spAutoFit/>
+            </a:bodyPr>
+            <a:lstStyle/>
+            <a:p>
+              <a:r>
+                <a:rPr lang="en-US" smtClean="0">
+                  <a:gradFill>
+                    <a:gsLst>
+                      <a:gs pos="0">
+                        <a:schemeClr val="tx1"/>
+                      </a:gs>
+                      <a:gs pos="86000">
+                        <a:schemeClr val="tx1"/>
+                      </a:gs>
+                    </a:gsLst>
+                    <a:lin ang="5400000" scaled="0"/>
+                  </a:gradFill>
+                  <a:effectLst>
+                    <a:outerShdw blurRad="63500" algn="ctr" rotWithShape="0">
+                      <a:schemeClr val="tx1">
+                        <a:alpha val="60000"/>
+                      </a:schemeClr>
+                    </a:outerShdw>
+                  </a:effectLst>
+                </a:rPr>
+                <a:t>Internet</a:t>
+              </a:r>
+              <a:endParaRPr lang="en-US" dirty="0" err="1" smtClean="0">
+                <a:gradFill>
+                  <a:gsLst>
+                    <a:gs pos="0">
+                      <a:schemeClr val="tx1"/>
+                    </a:gs>
+                    <a:gs pos="86000">
+                      <a:schemeClr val="tx1"/>
+                    </a:gs>
+                  </a:gsLst>
+                  <a:lin ang="5400000" scaled="0"/>
+                </a:gradFill>
+                <a:effectLst>
+                  <a:outerShdw blurRad="63500" algn="ctr" rotWithShape="0">
+                    <a:schemeClr val="tx1">
+                      <a:alpha val="60000"/>
+                    </a:schemeClr>
+                  </a:outerShdw>
+                </a:effectLst>
+              </a:endParaRPr>
+            </a:p>
+          </p:txBody>
+        </p:sp>
+      </p:grpSp>
+      <p:cxnSp>
+        <p:nvCxnSpPr>
+          <p:cNvPr id="37" name="Straight Arrow Connector 36"/>
+          <p:cNvCxnSpPr/>
+          <p:nvPr/>
+        </p:nvCxnSpPr>
+        <p:spPr>
+          <a:xfrm rot="10800000" flipV="1">
+            <a:off x="3351212" y="5257800"/>
+            <a:ext cx="2667000" cy="533400"/>
+          </a:xfrm>
+          <a:prstGeom prst="straightConnector1">
+            <a:avLst/>
+          </a:prstGeom>
+          <a:ln w="38100">
+            <a:tailEnd type="arrow"/>
+          </a:ln>
+        </p:spPr>
+        <p:style>
+          <a:lnRef idx="1">
+            <a:schemeClr val="accent1"/>
+          </a:lnRef>
+          <a:fillRef idx="0">
+            <a:schemeClr val="accent1"/>
+          </a:fillRef>
+          <a:effectRef idx="0">
+            <a:schemeClr val="accent1"/>
+          </a:effectRef>
+          <a:fontRef idx="minor">
+            <a:schemeClr val="tx1"/>
+          </a:fontRef>
+        </p:style>
+      </p:cxnSp>
+      <p:cxnSp>
+        <p:nvCxnSpPr>
+          <p:cNvPr id="38" name="Straight Arrow Connector 37"/>
+          <p:cNvCxnSpPr/>
+          <p:nvPr/>
+        </p:nvCxnSpPr>
+        <p:spPr>
+          <a:xfrm>
+            <a:off x="6170612" y="5257800"/>
+            <a:ext cx="2743200" cy="457200"/>
+          </a:xfrm>
+          <a:prstGeom prst="straightConnector1">
+            <a:avLst/>
+          </a:prstGeom>
+          <a:ln w="38100">
+            <a:tailEnd type="arrow"/>
+          </a:ln>
+        </p:spPr>
+        <p:style>
+          <a:lnRef idx="1">
+            <a:schemeClr val="accent1"/>
+          </a:lnRef>
+          <a:fillRef idx="0">
+            <a:schemeClr val="accent1"/>
+          </a:fillRef>
+          <a:effectRef idx="0">
+            <a:schemeClr val="accent1"/>
+          </a:effectRef>
+          <a:fontRef idx="minor">
+            <a:schemeClr val="tx1"/>
+          </a:fontRef>
+        </p:style>
+      </p:cxnSp>
+      <p:cxnSp>
+        <p:nvCxnSpPr>
+          <p:cNvPr id="41" name="Straight Arrow Connector 40"/>
+          <p:cNvCxnSpPr/>
+          <p:nvPr/>
+        </p:nvCxnSpPr>
+        <p:spPr>
+          <a:xfrm rot="5400000">
+            <a:off x="5788818" y="5562600"/>
+            <a:ext cx="609600" cy="1588"/>
+          </a:xfrm>
+          <a:prstGeom prst="straightConnector1">
+            <a:avLst/>
+          </a:prstGeom>
+          <a:ln w="38100">
+            <a:tailEnd type="arrow"/>
+          </a:ln>
+        </p:spPr>
+        <p:style>
+          <a:lnRef idx="1">
+            <a:schemeClr val="accent1"/>
+          </a:lnRef>
+          <a:fillRef idx="0">
+            <a:schemeClr val="accent1"/>
+          </a:fillRef>
+          <a:effectRef idx="0">
+            <a:schemeClr val="accent1"/>
+          </a:effectRef>
+          <a:fontRef idx="minor">
+            <a:schemeClr val="tx1"/>
+          </a:fontRef>
+        </p:style>
+      </p:cxnSp>
+      <p:grpSp>
+        <p:nvGrpSpPr>
+          <p:cNvPr id="65" name="Group 64"/>
+          <p:cNvGrpSpPr/>
+          <p:nvPr/>
+        </p:nvGrpSpPr>
+        <p:grpSpPr>
+          <a:xfrm>
+            <a:off x="8990012" y="5867400"/>
+            <a:ext cx="1800861" cy="685800"/>
+            <a:chOff x="8990012" y="5867400"/>
+            <a:chExt cx="1800861" cy="685800"/>
+          </a:xfrm>
+        </p:grpSpPr>
+        <p:pic>
+          <p:nvPicPr>
+            <p:cNvPr id="1031" name="Picture 7" descr="E:\UIT\CNTT IX\pic\tools.png"/>
+            <p:cNvPicPr>
+              <a:picLocks noChangeAspect="1" noChangeArrowheads="1"/>
+            </p:cNvPicPr>
+            <p:nvPr/>
+          </p:nvPicPr>
+          <p:blipFill>
+            <a:blip r:embed="rId6"/>
+            <a:srcRect/>
+            <a:stretch>
+              <a:fillRect/>
+            </a:stretch>
+          </p:blipFill>
+          <p:spPr bwMode="auto">
+            <a:xfrm>
+              <a:off x="8990012" y="5867400"/>
+              <a:ext cx="609599" cy="609600"/>
+            </a:xfrm>
+            <a:prstGeom prst="rect">
+              <a:avLst/>
+            </a:prstGeom>
+            <a:noFill/>
+          </p:spPr>
+        </p:pic>
+        <p:sp>
+          <p:nvSpPr>
+            <p:cNvPr id="60" name="TextBox 59"/>
+            <p:cNvSpPr txBox="1"/>
+            <p:nvPr/>
+          </p:nvSpPr>
+          <p:spPr>
+            <a:xfrm>
+              <a:off x="9904412" y="6183868"/>
+              <a:ext cx="886461" cy="369332"/>
+            </a:xfrm>
+            <a:prstGeom prst="rect">
+              <a:avLst/>
+            </a:prstGeom>
+            <a:noFill/>
+          </p:spPr>
+          <p:txBody>
+            <a:bodyPr wrap="none" lIns="0" tIns="0" rIns="0" bIns="0" rtlCol="0">
+              <a:spAutoFit/>
+            </a:bodyPr>
+            <a:lstStyle/>
+            <a:p>
+              <a:r>
+                <a:rPr lang="en-US" smtClean="0">
+                  <a:gradFill>
+                    <a:gsLst>
+                      <a:gs pos="0">
+                        <a:schemeClr val="tx1"/>
+                      </a:gs>
+                      <a:gs pos="86000">
+                        <a:schemeClr val="tx1"/>
+                      </a:gs>
+                    </a:gsLst>
+                    <a:lin ang="5400000" scaled="0"/>
+                  </a:gradFill>
+                  <a:effectLst>
+                    <a:outerShdw blurRad="63500" algn="ctr" rotWithShape="0">
+                      <a:schemeClr val="tx1">
+                        <a:alpha val="60000"/>
+                      </a:schemeClr>
+                    </a:outerShdw>
+                  </a:effectLst>
+                </a:rPr>
+                <a:t>Bảo trì</a:t>
+              </a:r>
+              <a:endParaRPr lang="en-US" dirty="0" err="1" smtClean="0">
+                <a:gradFill>
+                  <a:gsLst>
+                    <a:gs pos="0">
+                      <a:schemeClr val="tx1"/>
+                    </a:gs>
+                    <a:gs pos="86000">
+                      <a:schemeClr val="tx1"/>
+                    </a:gs>
+                  </a:gsLst>
+                  <a:lin ang="5400000" scaled="0"/>
+                </a:gradFill>
+                <a:effectLst>
+                  <a:outerShdw blurRad="63500" algn="ctr" rotWithShape="0">
+                    <a:schemeClr val="tx1">
+                      <a:alpha val="60000"/>
+                    </a:schemeClr>
+                  </a:outerShdw>
+                </a:effectLst>
+              </a:endParaRPr>
+            </a:p>
+          </p:txBody>
+        </p:sp>
+      </p:grpSp>
+      <p:grpSp>
+        <p:nvGrpSpPr>
+          <p:cNvPr id="66" name="Group 65"/>
+          <p:cNvGrpSpPr/>
+          <p:nvPr/>
+        </p:nvGrpSpPr>
+        <p:grpSpPr>
+          <a:xfrm>
+            <a:off x="1979612" y="5562600"/>
+            <a:ext cx="3021091" cy="914400"/>
+            <a:chOff x="912812" y="5562600"/>
+            <a:chExt cx="3021091" cy="914400"/>
+          </a:xfrm>
+        </p:grpSpPr>
+        <p:pic>
+          <p:nvPicPr>
+            <p:cNvPr id="44" name="Picture 2" descr="E:\UIT\CNTT IX\pic\tech.png"/>
+            <p:cNvPicPr>
+              <a:picLocks noChangeAspect="1" noChangeArrowheads="1"/>
+            </p:cNvPicPr>
+            <p:nvPr/>
+          </p:nvPicPr>
+          <p:blipFill>
+            <a:blip r:embed="rId7"/>
+            <a:srcRect/>
+            <a:stretch>
+              <a:fillRect/>
+            </a:stretch>
+          </p:blipFill>
+          <p:spPr bwMode="auto">
+            <a:xfrm>
+              <a:off x="1370012" y="5562600"/>
+              <a:ext cx="381000" cy="381000"/>
+            </a:xfrm>
+            <a:prstGeom prst="rect">
+              <a:avLst/>
+            </a:prstGeom>
+            <a:noFill/>
+          </p:spPr>
+        </p:pic>
+        <p:grpSp>
+          <p:nvGrpSpPr>
+            <p:cNvPr id="63" name="Group 62"/>
+            <p:cNvGrpSpPr/>
+            <p:nvPr/>
+          </p:nvGrpSpPr>
+          <p:grpSpPr>
+            <a:xfrm>
+              <a:off x="912812" y="5638800"/>
+              <a:ext cx="3021091" cy="838200"/>
+              <a:chOff x="1903412" y="5715000"/>
+              <a:chExt cx="3021091" cy="838200"/>
+            </a:xfrm>
+          </p:grpSpPr>
+          <p:grpSp>
+            <p:nvGrpSpPr>
+              <p:cNvPr id="54" name="Group 53"/>
+              <p:cNvGrpSpPr/>
+              <p:nvPr/>
+            </p:nvGrpSpPr>
+            <p:grpSpPr>
+              <a:xfrm>
+                <a:off x="1903412" y="5715000"/>
+                <a:ext cx="1219200" cy="838200"/>
+                <a:chOff x="1903412" y="5715000"/>
+                <a:chExt cx="1219200" cy="838200"/>
+              </a:xfrm>
+            </p:grpSpPr>
+            <p:pic>
+              <p:nvPicPr>
+                <p:cNvPr id="45" name="Picture 2" descr="E:\UIT\CNTT IX\pic\tech.png"/>
+                <p:cNvPicPr>
+                  <a:picLocks noChangeAspect="1" noChangeArrowheads="1"/>
+                </p:cNvPicPr>
+                <p:nvPr/>
+              </p:nvPicPr>
+              <p:blipFill>
+                <a:blip r:embed="rId7"/>
+                <a:srcRect/>
+                <a:stretch>
+                  <a:fillRect/>
+                </a:stretch>
+              </p:blipFill>
+              <p:spPr bwMode="auto">
+                <a:xfrm>
+                  <a:off x="2132012" y="5715000"/>
+                  <a:ext cx="381000" cy="381000"/>
+                </a:xfrm>
+                <a:prstGeom prst="rect">
+                  <a:avLst/>
+                </a:prstGeom>
+                <a:noFill/>
+              </p:spPr>
+            </p:pic>
+            <p:pic>
+              <p:nvPicPr>
+                <p:cNvPr id="46" name="Picture 2" descr="E:\UIT\CNTT IX\pic\tech.png"/>
+                <p:cNvPicPr>
+                  <a:picLocks noChangeAspect="1" noChangeArrowheads="1"/>
+                </p:cNvPicPr>
+                <p:nvPr/>
+              </p:nvPicPr>
+              <p:blipFill>
+                <a:blip r:embed="rId7"/>
+                <a:srcRect/>
+                <a:stretch>
+                  <a:fillRect/>
+                </a:stretch>
+              </p:blipFill>
+              <p:spPr bwMode="auto">
+                <a:xfrm>
+                  <a:off x="2360612" y="5943600"/>
+                  <a:ext cx="381000" cy="381000"/>
+                </a:xfrm>
+                <a:prstGeom prst="rect">
+                  <a:avLst/>
+                </a:prstGeom>
+                <a:noFill/>
+              </p:spPr>
+            </p:pic>
+            <p:pic>
+              <p:nvPicPr>
+                <p:cNvPr id="47" name="Picture 2" descr="E:\UIT\CNTT IX\pic\tech.png"/>
+                <p:cNvPicPr>
+                  <a:picLocks noChangeAspect="1" noChangeArrowheads="1"/>
+                </p:cNvPicPr>
+                <p:nvPr/>
+              </p:nvPicPr>
+              <p:blipFill>
+                <a:blip r:embed="rId7"/>
+                <a:srcRect/>
+                <a:stretch>
+                  <a:fillRect/>
+                </a:stretch>
+              </p:blipFill>
+              <p:spPr bwMode="auto">
+                <a:xfrm>
+                  <a:off x="2589212" y="5791200"/>
+                  <a:ext cx="381000" cy="381000"/>
+                </a:xfrm>
+                <a:prstGeom prst="rect">
+                  <a:avLst/>
+                </a:prstGeom>
+                <a:noFill/>
+              </p:spPr>
+            </p:pic>
+            <p:pic>
+              <p:nvPicPr>
+                <p:cNvPr id="48" name="Picture 2" descr="E:\UIT\CNTT IX\pic\tech.png"/>
+                <p:cNvPicPr>
+                  <a:picLocks noChangeAspect="1" noChangeArrowheads="1"/>
+                </p:cNvPicPr>
+                <p:nvPr/>
+              </p:nvPicPr>
+              <p:blipFill>
+                <a:blip r:embed="rId7"/>
+                <a:srcRect/>
+                <a:stretch>
+                  <a:fillRect/>
+                </a:stretch>
+              </p:blipFill>
+              <p:spPr bwMode="auto">
+                <a:xfrm>
+                  <a:off x="1979612" y="5943600"/>
+                  <a:ext cx="381000" cy="381000"/>
+                </a:xfrm>
+                <a:prstGeom prst="rect">
+                  <a:avLst/>
+                </a:prstGeom>
+                <a:noFill/>
+              </p:spPr>
+            </p:pic>
+            <p:pic>
+              <p:nvPicPr>
+                <p:cNvPr id="49" name="Picture 2" descr="E:\UIT\CNTT IX\pic\tech.png"/>
+                <p:cNvPicPr>
+                  <a:picLocks noChangeAspect="1" noChangeArrowheads="1"/>
+                </p:cNvPicPr>
+                <p:nvPr/>
+              </p:nvPicPr>
+              <p:blipFill>
+                <a:blip r:embed="rId7"/>
+                <a:srcRect/>
+                <a:stretch>
+                  <a:fillRect/>
+                </a:stretch>
+              </p:blipFill>
+              <p:spPr bwMode="auto">
+                <a:xfrm>
+                  <a:off x="2665412" y="6096000"/>
+                  <a:ext cx="381000" cy="381000"/>
+                </a:xfrm>
+                <a:prstGeom prst="rect">
+                  <a:avLst/>
+                </a:prstGeom>
+                <a:noFill/>
+              </p:spPr>
+            </p:pic>
+            <p:pic>
+              <p:nvPicPr>
+                <p:cNvPr id="50" name="Picture 2" descr="E:\UIT\CNTT IX\pic\tech.png"/>
+                <p:cNvPicPr>
+                  <a:picLocks noChangeAspect="1" noChangeArrowheads="1"/>
+                </p:cNvPicPr>
+                <p:nvPr/>
+              </p:nvPicPr>
+              <p:blipFill>
+                <a:blip r:embed="rId7"/>
+                <a:srcRect/>
+                <a:stretch>
+                  <a:fillRect/>
+                </a:stretch>
+              </p:blipFill>
+              <p:spPr bwMode="auto">
+                <a:xfrm>
+                  <a:off x="2360612" y="6172200"/>
+                  <a:ext cx="381000" cy="381000"/>
+                </a:xfrm>
+                <a:prstGeom prst="rect">
+                  <a:avLst/>
+                </a:prstGeom>
+                <a:noFill/>
+              </p:spPr>
+            </p:pic>
+            <p:pic>
+              <p:nvPicPr>
+                <p:cNvPr id="51" name="Picture 2" descr="E:\UIT\CNTT IX\pic\tech.png"/>
+                <p:cNvPicPr>
+                  <a:picLocks noChangeAspect="1" noChangeArrowheads="1"/>
+                </p:cNvPicPr>
+                <p:nvPr/>
+              </p:nvPicPr>
+              <p:blipFill>
+                <a:blip r:embed="rId7"/>
+                <a:srcRect/>
+                <a:stretch>
+                  <a:fillRect/>
+                </a:stretch>
+              </p:blipFill>
+              <p:spPr bwMode="auto">
+                <a:xfrm>
+                  <a:off x="2132012" y="6096000"/>
+                  <a:ext cx="381000" cy="381000"/>
+                </a:xfrm>
+                <a:prstGeom prst="rect">
+                  <a:avLst/>
+                </a:prstGeom>
+                <a:noFill/>
+              </p:spPr>
+            </p:pic>
+            <p:pic>
+              <p:nvPicPr>
+                <p:cNvPr id="52" name="Picture 2" descr="E:\UIT\CNTT IX\pic\tech.png"/>
+                <p:cNvPicPr>
+                  <a:picLocks noChangeAspect="1" noChangeArrowheads="1"/>
+                </p:cNvPicPr>
+                <p:nvPr/>
+              </p:nvPicPr>
+              <p:blipFill>
+                <a:blip r:embed="rId7"/>
+                <a:srcRect/>
+                <a:stretch>
+                  <a:fillRect/>
+                </a:stretch>
+              </p:blipFill>
+              <p:spPr bwMode="auto">
+                <a:xfrm>
+                  <a:off x="1903412" y="6172200"/>
+                  <a:ext cx="381000" cy="381000"/>
+                </a:xfrm>
+                <a:prstGeom prst="rect">
+                  <a:avLst/>
+                </a:prstGeom>
+                <a:noFill/>
+              </p:spPr>
+            </p:pic>
+            <p:pic>
+              <p:nvPicPr>
+                <p:cNvPr id="53" name="Picture 2" descr="E:\UIT\CNTT IX\pic\tech.png"/>
+                <p:cNvPicPr>
+                  <a:picLocks noChangeAspect="1" noChangeArrowheads="1"/>
+                </p:cNvPicPr>
+                <p:nvPr/>
+              </p:nvPicPr>
+              <p:blipFill>
+                <a:blip r:embed="rId7"/>
+                <a:srcRect/>
+                <a:stretch>
+                  <a:fillRect/>
+                </a:stretch>
+              </p:blipFill>
+              <p:spPr bwMode="auto">
+                <a:xfrm>
+                  <a:off x="2741612" y="6172200"/>
+                  <a:ext cx="381000" cy="381000"/>
+                </a:xfrm>
+                <a:prstGeom prst="rect">
+                  <a:avLst/>
+                </a:prstGeom>
+                <a:noFill/>
+              </p:spPr>
+            </p:pic>
+          </p:grpSp>
+          <p:sp>
+            <p:nvSpPr>
+              <p:cNvPr id="62" name="TextBox 61"/>
+              <p:cNvSpPr txBox="1"/>
+              <p:nvPr/>
+            </p:nvSpPr>
+            <p:spPr>
+              <a:xfrm>
+                <a:off x="3275012" y="6172200"/>
+                <a:ext cx="1649491" cy="369332"/>
+              </a:xfrm>
+              <a:prstGeom prst="rect">
+                <a:avLst/>
+              </a:prstGeom>
+              <a:noFill/>
+            </p:spPr>
+            <p:txBody>
+              <a:bodyPr wrap="none" lIns="0" tIns="0" rIns="0" bIns="0" rtlCol="0">
+                <a:spAutoFit/>
+              </a:bodyPr>
+              <a:lstStyle/>
+              <a:p>
+                <a:r>
+                  <a:rPr lang="en-US" smtClean="0">
+                    <a:gradFill>
+                      <a:gsLst>
+                        <a:gs pos="0">
+                          <a:schemeClr val="tx1"/>
+                        </a:gs>
+                        <a:gs pos="86000">
+                          <a:schemeClr val="tx1"/>
+                        </a:gs>
+                      </a:gsLst>
+                      <a:lin ang="5400000" scaled="0"/>
+                    </a:gradFill>
+                    <a:effectLst>
+                      <a:outerShdw blurRad="63500" algn="ctr" rotWithShape="0">
+                        <a:schemeClr val="tx1">
+                          <a:alpha val="60000"/>
+                        </a:schemeClr>
+                      </a:outerShdw>
+                    </a:effectLst>
+                  </a:rPr>
+                  <a:t>Người dùng</a:t>
+                </a:r>
+                <a:endParaRPr lang="en-US" dirty="0" err="1" smtClean="0">
+                  <a:gradFill>
+                    <a:gsLst>
+                      <a:gs pos="0">
+                        <a:schemeClr val="tx1"/>
+                      </a:gs>
+                      <a:gs pos="86000">
+                        <a:schemeClr val="tx1"/>
+                      </a:gs>
+                    </a:gsLst>
+                    <a:lin ang="5400000" scaled="0"/>
+                  </a:gradFill>
+                  <a:effectLst>
+                    <a:outerShdw blurRad="63500" algn="ctr" rotWithShape="0">
+                      <a:schemeClr val="tx1">
+                        <a:alpha val="60000"/>
+                      </a:schemeClr>
+                    </a:outerShdw>
+                  </a:effectLst>
+                </a:endParaRPr>
+              </a:p>
+            </p:txBody>
+          </p:sp>
+        </p:grpSp>
+      </p:grpSp>
+      <p:grpSp>
+        <p:nvGrpSpPr>
+          <p:cNvPr id="64" name="Group 63"/>
+          <p:cNvGrpSpPr/>
+          <p:nvPr/>
+        </p:nvGrpSpPr>
+        <p:grpSpPr>
+          <a:xfrm>
+            <a:off x="5713412" y="5943600"/>
+            <a:ext cx="2616789" cy="762000"/>
+            <a:chOff x="5713412" y="5943600"/>
+            <a:chExt cx="2616789" cy="762000"/>
+          </a:xfrm>
+        </p:grpSpPr>
+        <p:pic>
+          <p:nvPicPr>
+            <p:cNvPr id="1030" name="Picture 6" descr="E:\UIT\CNTT IX\pic\financni_pujcky.png"/>
+            <p:cNvPicPr>
+              <a:picLocks noChangeAspect="1" noChangeArrowheads="1"/>
+            </p:cNvPicPr>
+            <p:nvPr/>
+          </p:nvPicPr>
+          <p:blipFill>
+            <a:blip r:embed="rId8"/>
+            <a:srcRect/>
+            <a:stretch>
+              <a:fillRect/>
+            </a:stretch>
+          </p:blipFill>
+          <p:spPr bwMode="auto">
+            <a:xfrm>
+              <a:off x="5713412" y="5943600"/>
+              <a:ext cx="762000" cy="762000"/>
+            </a:xfrm>
+            <a:prstGeom prst="rect">
+              <a:avLst/>
+            </a:prstGeom>
+            <a:noFill/>
+          </p:spPr>
+        </p:pic>
+        <p:sp>
+          <p:nvSpPr>
+            <p:cNvPr id="61" name="TextBox 60"/>
+            <p:cNvSpPr txBox="1"/>
+            <p:nvPr/>
+          </p:nvSpPr>
+          <p:spPr>
+            <a:xfrm>
+              <a:off x="6627812" y="6172200"/>
+              <a:ext cx="1702389" cy="369332"/>
+            </a:xfrm>
+            <a:prstGeom prst="rect">
+              <a:avLst/>
+            </a:prstGeom>
+            <a:noFill/>
+          </p:spPr>
+          <p:txBody>
+            <a:bodyPr wrap="none" lIns="0" tIns="0" rIns="0" bIns="0" rtlCol="0">
+              <a:spAutoFit/>
+            </a:bodyPr>
+            <a:lstStyle/>
+            <a:p>
+              <a:r>
+                <a:rPr lang="en-US" smtClean="0">
+                  <a:gradFill>
+                    <a:gsLst>
+                      <a:gs pos="0">
+                        <a:schemeClr val="tx1"/>
+                      </a:gs>
+                      <a:gs pos="86000">
+                        <a:schemeClr val="tx1"/>
+                      </a:gs>
+                    </a:gsLst>
+                    <a:lin ang="5400000" scaled="0"/>
+                  </a:gradFill>
+                  <a:effectLst>
+                    <a:outerShdw blurRad="63500" algn="ctr" rotWithShape="0">
+                      <a:schemeClr val="tx1">
+                        <a:alpha val="60000"/>
+                      </a:schemeClr>
+                    </a:outerShdw>
+                  </a:effectLst>
+                </a:rPr>
+                <a:t>Giảm chi phí</a:t>
+              </a:r>
+              <a:endParaRPr lang="en-US" dirty="0" err="1" smtClean="0">
+                <a:gradFill>
+                  <a:gsLst>
+                    <a:gs pos="0">
+                      <a:schemeClr val="tx1"/>
+                    </a:gs>
+                    <a:gs pos="86000">
+                      <a:schemeClr val="tx1"/>
+                    </a:gs>
+                  </a:gsLst>
+                  <a:lin ang="5400000" scaled="0"/>
+                </a:gradFill>
+                <a:effectLst>
+                  <a:outerShdw blurRad="63500" algn="ctr" rotWithShape="0">
+                    <a:schemeClr val="tx1">
+                      <a:alpha val="60000"/>
+                    </a:schemeClr>
+                  </a:outerShdw>
+                </a:effectLst>
+              </a:endParaRPr>
+            </a:p>
+          </p:txBody>
+        </p:sp>
+      </p:grpSp>
     </p:spTree>
   </p:cSld>
   <p:clrMapOvr>
@@ -4901,9 +6162,811 @@
   <p:timing>
     <p:tnLst>
       <p:par>
-        <p:cTn id="1" dur="indefinite" restart="never" nodeType="tmRoot"/>
+        <p:cTn id="1" dur="indefinite" restart="never" nodeType="tmRoot">
+          <p:childTnLst>
+            <p:seq concurrent="1" nextAc="seek">
+              <p:cTn id="2" dur="indefinite" nodeType="mainSeq">
+                <p:childTnLst>
+                  <p:par>
+                    <p:cTn id="3" fill="hold">
+                      <p:stCondLst>
+                        <p:cond delay="indefinite"/>
+                      </p:stCondLst>
+                      <p:childTnLst>
+                        <p:par>
+                          <p:cTn id="4" fill="hold">
+                            <p:stCondLst>
+                              <p:cond delay="0"/>
+                            </p:stCondLst>
+                            <p:childTnLst>
+                              <p:par>
+                                <p:cTn id="5" presetID="5" presetClass="entr" presetSubtype="10" fill="hold" nodeType="clickEffect">
+                                  <p:stCondLst>
+                                    <p:cond delay="0"/>
+                                  </p:stCondLst>
+                                  <p:childTnLst>
+                                    <p:set>
+                                      <p:cBhvr>
+                                        <p:cTn id="6" dur="1" fill="hold">
+                                          <p:stCondLst>
+                                            <p:cond delay="0"/>
+                                          </p:stCondLst>
+                                        </p:cTn>
+                                        <p:tgtEl>
+                                          <p:spTgt spid="27"/>
+                                        </p:tgtEl>
+                                        <p:attrNameLst>
+                                          <p:attrName>style.visibility</p:attrName>
+                                        </p:attrNameLst>
+                                      </p:cBhvr>
+                                      <p:to>
+                                        <p:strVal val="visible"/>
+                                      </p:to>
+                                    </p:set>
+                                    <p:animEffect transition="in" filter="checkerboard(across)">
+                                      <p:cBhvr>
+                                        <p:cTn id="7" dur="500"/>
+                                        <p:tgtEl>
+                                          <p:spTgt spid="27"/>
+                                        </p:tgtEl>
+                                      </p:cBhvr>
+                                    </p:animEffect>
+                                  </p:childTnLst>
+                                </p:cTn>
+                              </p:par>
+                            </p:childTnLst>
+                          </p:cTn>
+                        </p:par>
+                      </p:childTnLst>
+                    </p:cTn>
+                  </p:par>
+                  <p:par>
+                    <p:cTn id="8" fill="hold">
+                      <p:stCondLst>
+                        <p:cond delay="indefinite"/>
+                      </p:stCondLst>
+                      <p:childTnLst>
+                        <p:par>
+                          <p:cTn id="9" fill="hold">
+                            <p:stCondLst>
+                              <p:cond delay="0"/>
+                            </p:stCondLst>
+                            <p:childTnLst>
+                              <p:par>
+                                <p:cTn id="10" presetID="5" presetClass="entr" presetSubtype="10" fill="hold" nodeType="clickEffect">
+                                  <p:stCondLst>
+                                    <p:cond delay="0"/>
+                                  </p:stCondLst>
+                                  <p:childTnLst>
+                                    <p:set>
+                                      <p:cBhvr>
+                                        <p:cTn id="11" dur="1" fill="hold">
+                                          <p:stCondLst>
+                                            <p:cond delay="0"/>
+                                          </p:stCondLst>
+                                        </p:cTn>
+                                        <p:tgtEl>
+                                          <p:spTgt spid="28"/>
+                                        </p:tgtEl>
+                                        <p:attrNameLst>
+                                          <p:attrName>style.visibility</p:attrName>
+                                        </p:attrNameLst>
+                                      </p:cBhvr>
+                                      <p:to>
+                                        <p:strVal val="visible"/>
+                                      </p:to>
+                                    </p:set>
+                                    <p:animEffect transition="in" filter="checkerboard(across)">
+                                      <p:cBhvr>
+                                        <p:cTn id="12" dur="500"/>
+                                        <p:tgtEl>
+                                          <p:spTgt spid="28"/>
+                                        </p:tgtEl>
+                                      </p:cBhvr>
+                                    </p:animEffect>
+                                  </p:childTnLst>
+                                </p:cTn>
+                              </p:par>
+                            </p:childTnLst>
+                          </p:cTn>
+                        </p:par>
+                      </p:childTnLst>
+                    </p:cTn>
+                  </p:par>
+                  <p:par>
+                    <p:cTn id="13" fill="hold">
+                      <p:stCondLst>
+                        <p:cond delay="indefinite"/>
+                      </p:stCondLst>
+                      <p:childTnLst>
+                        <p:par>
+                          <p:cTn id="14" fill="hold">
+                            <p:stCondLst>
+                              <p:cond delay="0"/>
+                            </p:stCondLst>
+                            <p:childTnLst>
+                              <p:par>
+                                <p:cTn id="15" presetID="5" presetClass="entr" presetSubtype="10" fill="hold" nodeType="clickEffect">
+                                  <p:stCondLst>
+                                    <p:cond delay="0"/>
+                                  </p:stCondLst>
+                                  <p:childTnLst>
+                                    <p:set>
+                                      <p:cBhvr>
+                                        <p:cTn id="16" dur="1" fill="hold">
+                                          <p:stCondLst>
+                                            <p:cond delay="0"/>
+                                          </p:stCondLst>
+                                        </p:cTn>
+                                        <p:tgtEl>
+                                          <p:spTgt spid="29"/>
+                                        </p:tgtEl>
+                                        <p:attrNameLst>
+                                          <p:attrName>style.visibility</p:attrName>
+                                        </p:attrNameLst>
+                                      </p:cBhvr>
+                                      <p:to>
+                                        <p:strVal val="visible"/>
+                                      </p:to>
+                                    </p:set>
+                                    <p:animEffect transition="in" filter="checkerboard(across)">
+                                      <p:cBhvr>
+                                        <p:cTn id="17" dur="500"/>
+                                        <p:tgtEl>
+                                          <p:spTgt spid="29"/>
+                                        </p:tgtEl>
+                                      </p:cBhvr>
+                                    </p:animEffect>
+                                  </p:childTnLst>
+                                </p:cTn>
+                              </p:par>
+                            </p:childTnLst>
+                          </p:cTn>
+                        </p:par>
+                      </p:childTnLst>
+                    </p:cTn>
+                  </p:par>
+                  <p:par>
+                    <p:cTn id="18" fill="hold">
+                      <p:stCondLst>
+                        <p:cond delay="indefinite"/>
+                      </p:stCondLst>
+                      <p:childTnLst>
+                        <p:par>
+                          <p:cTn id="19" fill="hold">
+                            <p:stCondLst>
+                              <p:cond delay="0"/>
+                            </p:stCondLst>
+                            <p:childTnLst>
+                              <p:par>
+                                <p:cTn id="20" presetID="5" presetClass="entr" presetSubtype="10" fill="hold" nodeType="clickEffect">
+                                  <p:stCondLst>
+                                    <p:cond delay="0"/>
+                                  </p:stCondLst>
+                                  <p:childTnLst>
+                                    <p:set>
+                                      <p:cBhvr>
+                                        <p:cTn id="21" dur="1" fill="hold">
+                                          <p:stCondLst>
+                                            <p:cond delay="0"/>
+                                          </p:stCondLst>
+                                        </p:cTn>
+                                        <p:tgtEl>
+                                          <p:spTgt spid="10"/>
+                                        </p:tgtEl>
+                                        <p:attrNameLst>
+                                          <p:attrName>style.visibility</p:attrName>
+                                        </p:attrNameLst>
+                                      </p:cBhvr>
+                                      <p:to>
+                                        <p:strVal val="visible"/>
+                                      </p:to>
+                                    </p:set>
+                                    <p:animEffect transition="in" filter="checkerboard(across)">
+                                      <p:cBhvr>
+                                        <p:cTn id="22" dur="500"/>
+                                        <p:tgtEl>
+                                          <p:spTgt spid="10"/>
+                                        </p:tgtEl>
+                                      </p:cBhvr>
+                                    </p:animEffect>
+                                  </p:childTnLst>
+                                </p:cTn>
+                              </p:par>
+                            </p:childTnLst>
+                          </p:cTn>
+                        </p:par>
+                      </p:childTnLst>
+                    </p:cTn>
+                  </p:par>
+                  <p:par>
+                    <p:cTn id="23" fill="hold">
+                      <p:stCondLst>
+                        <p:cond delay="indefinite"/>
+                      </p:stCondLst>
+                      <p:childTnLst>
+                        <p:par>
+                          <p:cTn id="24" fill="hold">
+                            <p:stCondLst>
+                              <p:cond delay="0"/>
+                            </p:stCondLst>
+                            <p:childTnLst>
+                              <p:par>
+                                <p:cTn id="25" presetID="5" presetClass="entr" presetSubtype="10" fill="hold" nodeType="clickEffect">
+                                  <p:stCondLst>
+                                    <p:cond delay="0"/>
+                                  </p:stCondLst>
+                                  <p:childTnLst>
+                                    <p:set>
+                                      <p:cBhvr>
+                                        <p:cTn id="26" dur="1" fill="hold">
+                                          <p:stCondLst>
+                                            <p:cond delay="0"/>
+                                          </p:stCondLst>
+                                        </p:cTn>
+                                        <p:tgtEl>
+                                          <p:spTgt spid="11"/>
+                                        </p:tgtEl>
+                                        <p:attrNameLst>
+                                          <p:attrName>style.visibility</p:attrName>
+                                        </p:attrNameLst>
+                                      </p:cBhvr>
+                                      <p:to>
+                                        <p:strVal val="visible"/>
+                                      </p:to>
+                                    </p:set>
+                                    <p:animEffect transition="in" filter="checkerboard(across)">
+                                      <p:cBhvr>
+                                        <p:cTn id="27" dur="500"/>
+                                        <p:tgtEl>
+                                          <p:spTgt spid="11"/>
+                                        </p:tgtEl>
+                                      </p:cBhvr>
+                                    </p:animEffect>
+                                  </p:childTnLst>
+                                </p:cTn>
+                              </p:par>
+                            </p:childTnLst>
+                          </p:cTn>
+                        </p:par>
+                      </p:childTnLst>
+                    </p:cTn>
+                  </p:par>
+                  <p:par>
+                    <p:cTn id="28" fill="hold">
+                      <p:stCondLst>
+                        <p:cond delay="indefinite"/>
+                      </p:stCondLst>
+                      <p:childTnLst>
+                        <p:par>
+                          <p:cTn id="29" fill="hold">
+                            <p:stCondLst>
+                              <p:cond delay="0"/>
+                            </p:stCondLst>
+                            <p:childTnLst>
+                              <p:par>
+                                <p:cTn id="30" presetID="5" presetClass="entr" presetSubtype="10" fill="hold" nodeType="clickEffect">
+                                  <p:stCondLst>
+                                    <p:cond delay="0"/>
+                                  </p:stCondLst>
+                                  <p:childTnLst>
+                                    <p:set>
+                                      <p:cBhvr>
+                                        <p:cTn id="31" dur="1" fill="hold">
+                                          <p:stCondLst>
+                                            <p:cond delay="0"/>
+                                          </p:stCondLst>
+                                        </p:cTn>
+                                        <p:tgtEl>
+                                          <p:spTgt spid="17"/>
+                                        </p:tgtEl>
+                                        <p:attrNameLst>
+                                          <p:attrName>style.visibility</p:attrName>
+                                        </p:attrNameLst>
+                                      </p:cBhvr>
+                                      <p:to>
+                                        <p:strVal val="visible"/>
+                                      </p:to>
+                                    </p:set>
+                                    <p:animEffect transition="in" filter="checkerboard(across)">
+                                      <p:cBhvr>
+                                        <p:cTn id="32" dur="500"/>
+                                        <p:tgtEl>
+                                          <p:spTgt spid="17"/>
+                                        </p:tgtEl>
+                                      </p:cBhvr>
+                                    </p:animEffect>
+                                  </p:childTnLst>
+                                </p:cTn>
+                              </p:par>
+                            </p:childTnLst>
+                          </p:cTn>
+                        </p:par>
+                      </p:childTnLst>
+                    </p:cTn>
+                  </p:par>
+                  <p:par>
+                    <p:cTn id="33" fill="hold">
+                      <p:stCondLst>
+                        <p:cond delay="indefinite"/>
+                      </p:stCondLst>
+                      <p:childTnLst>
+                        <p:par>
+                          <p:cTn id="34" fill="hold">
+                            <p:stCondLst>
+                              <p:cond delay="0"/>
+                            </p:stCondLst>
+                            <p:childTnLst>
+                              <p:par>
+                                <p:cTn id="35" presetID="5" presetClass="entr" presetSubtype="10" fill="hold" nodeType="clickEffect">
+                                  <p:stCondLst>
+                                    <p:cond delay="0"/>
+                                  </p:stCondLst>
+                                  <p:childTnLst>
+                                    <p:set>
+                                      <p:cBhvr>
+                                        <p:cTn id="36" dur="1" fill="hold">
+                                          <p:stCondLst>
+                                            <p:cond delay="0"/>
+                                          </p:stCondLst>
+                                        </p:cTn>
+                                        <p:tgtEl>
+                                          <p:spTgt spid="20"/>
+                                        </p:tgtEl>
+                                        <p:attrNameLst>
+                                          <p:attrName>style.visibility</p:attrName>
+                                        </p:attrNameLst>
+                                      </p:cBhvr>
+                                      <p:to>
+                                        <p:strVal val="visible"/>
+                                      </p:to>
+                                    </p:set>
+                                    <p:animEffect transition="in" filter="checkerboard(across)">
+                                      <p:cBhvr>
+                                        <p:cTn id="37" dur="500"/>
+                                        <p:tgtEl>
+                                          <p:spTgt spid="20"/>
+                                        </p:tgtEl>
+                                      </p:cBhvr>
+                                    </p:animEffect>
+                                  </p:childTnLst>
+                                </p:cTn>
+                              </p:par>
+                            </p:childTnLst>
+                          </p:cTn>
+                        </p:par>
+                      </p:childTnLst>
+                    </p:cTn>
+                  </p:par>
+                  <p:par>
+                    <p:cTn id="38" fill="hold">
+                      <p:stCondLst>
+                        <p:cond delay="indefinite"/>
+                      </p:stCondLst>
+                      <p:childTnLst>
+                        <p:par>
+                          <p:cTn id="39" fill="hold">
+                            <p:stCondLst>
+                              <p:cond delay="0"/>
+                            </p:stCondLst>
+                            <p:childTnLst>
+                              <p:par>
+                                <p:cTn id="40" presetID="18" presetClass="exit" presetSubtype="12" fill="hold" nodeType="clickEffect">
+                                  <p:stCondLst>
+                                    <p:cond delay="0"/>
+                                  </p:stCondLst>
+                                  <p:childTnLst>
+                                    <p:animEffect transition="out" filter="strips(downLeft)">
+                                      <p:cBhvr>
+                                        <p:cTn id="41" dur="500"/>
+                                        <p:tgtEl>
+                                          <p:spTgt spid="29"/>
+                                        </p:tgtEl>
+                                      </p:cBhvr>
+                                    </p:animEffect>
+                                    <p:set>
+                                      <p:cBhvr>
+                                        <p:cTn id="42" dur="1" fill="hold">
+                                          <p:stCondLst>
+                                            <p:cond delay="499"/>
+                                          </p:stCondLst>
+                                        </p:cTn>
+                                        <p:tgtEl>
+                                          <p:spTgt spid="29"/>
+                                        </p:tgtEl>
+                                        <p:attrNameLst>
+                                          <p:attrName>style.visibility</p:attrName>
+                                        </p:attrNameLst>
+                                      </p:cBhvr>
+                                      <p:to>
+                                        <p:strVal val="hidden"/>
+                                      </p:to>
+                                    </p:set>
+                                  </p:childTnLst>
+                                </p:cTn>
+                              </p:par>
+                              <p:par>
+                                <p:cTn id="43" presetID="5" presetClass="entr" presetSubtype="10" fill="hold" nodeType="withEffect">
+                                  <p:stCondLst>
+                                    <p:cond delay="0"/>
+                                  </p:stCondLst>
+                                  <p:childTnLst>
+                                    <p:set>
+                                      <p:cBhvr>
+                                        <p:cTn id="44" dur="1" fill="hold">
+                                          <p:stCondLst>
+                                            <p:cond delay="0"/>
+                                          </p:stCondLst>
+                                        </p:cTn>
+                                        <p:tgtEl>
+                                          <p:spTgt spid="32"/>
+                                        </p:tgtEl>
+                                        <p:attrNameLst>
+                                          <p:attrName>style.visibility</p:attrName>
+                                        </p:attrNameLst>
+                                      </p:cBhvr>
+                                      <p:to>
+                                        <p:strVal val="visible"/>
+                                      </p:to>
+                                    </p:set>
+                                    <p:animEffect transition="in" filter="checkerboard(across)">
+                                      <p:cBhvr>
+                                        <p:cTn id="45" dur="500"/>
+                                        <p:tgtEl>
+                                          <p:spTgt spid="32"/>
+                                        </p:tgtEl>
+                                      </p:cBhvr>
+                                    </p:animEffect>
+                                  </p:childTnLst>
+                                </p:cTn>
+                              </p:par>
+                            </p:childTnLst>
+                          </p:cTn>
+                        </p:par>
+                      </p:childTnLst>
+                    </p:cTn>
+                  </p:par>
+                  <p:par>
+                    <p:cTn id="46" fill="hold">
+                      <p:stCondLst>
+                        <p:cond delay="indefinite"/>
+                      </p:stCondLst>
+                      <p:childTnLst>
+                        <p:par>
+                          <p:cTn id="47" fill="hold">
+                            <p:stCondLst>
+                              <p:cond delay="0"/>
+                            </p:stCondLst>
+                            <p:childTnLst>
+                              <p:par>
+                                <p:cTn id="48" presetID="14" presetClass="entr" presetSubtype="10" fill="hold" grpId="0" nodeType="clickEffect">
+                                  <p:stCondLst>
+                                    <p:cond delay="0"/>
+                                  </p:stCondLst>
+                                  <p:childTnLst>
+                                    <p:set>
+                                      <p:cBhvr>
+                                        <p:cTn id="49" dur="1" fill="hold">
+                                          <p:stCondLst>
+                                            <p:cond delay="0"/>
+                                          </p:stCondLst>
+                                        </p:cTn>
+                                        <p:tgtEl>
+                                          <p:spTgt spid="33"/>
+                                        </p:tgtEl>
+                                        <p:attrNameLst>
+                                          <p:attrName>style.visibility</p:attrName>
+                                        </p:attrNameLst>
+                                      </p:cBhvr>
+                                      <p:to>
+                                        <p:strVal val="visible"/>
+                                      </p:to>
+                                    </p:set>
+                                    <p:animEffect transition="in" filter="randombar(horizontal)">
+                                      <p:cBhvr>
+                                        <p:cTn id="50" dur="500"/>
+                                        <p:tgtEl>
+                                          <p:spTgt spid="33"/>
+                                        </p:tgtEl>
+                                      </p:cBhvr>
+                                    </p:animEffect>
+                                  </p:childTnLst>
+                                </p:cTn>
+                              </p:par>
+                            </p:childTnLst>
+                          </p:cTn>
+                        </p:par>
+                      </p:childTnLst>
+                    </p:cTn>
+                  </p:par>
+                  <p:par>
+                    <p:cTn id="51" fill="hold">
+                      <p:stCondLst>
+                        <p:cond delay="indefinite"/>
+                      </p:stCondLst>
+                      <p:childTnLst>
+                        <p:par>
+                          <p:cTn id="52" fill="hold">
+                            <p:stCondLst>
+                              <p:cond delay="0"/>
+                            </p:stCondLst>
+                            <p:childTnLst>
+                              <p:par>
+                                <p:cTn id="53" presetID="5" presetClass="entr" presetSubtype="10" fill="hold" nodeType="clickEffect">
+                                  <p:stCondLst>
+                                    <p:cond delay="0"/>
+                                  </p:stCondLst>
+                                  <p:childTnLst>
+                                    <p:set>
+                                      <p:cBhvr>
+                                        <p:cTn id="54" dur="1" fill="hold">
+                                          <p:stCondLst>
+                                            <p:cond delay="0"/>
+                                          </p:stCondLst>
+                                        </p:cTn>
+                                        <p:tgtEl>
+                                          <p:spTgt spid="37"/>
+                                        </p:tgtEl>
+                                        <p:attrNameLst>
+                                          <p:attrName>style.visibility</p:attrName>
+                                        </p:attrNameLst>
+                                      </p:cBhvr>
+                                      <p:to>
+                                        <p:strVal val="visible"/>
+                                      </p:to>
+                                    </p:set>
+                                    <p:animEffect transition="in" filter="checkerboard(across)">
+                                      <p:cBhvr>
+                                        <p:cTn id="55" dur="500"/>
+                                        <p:tgtEl>
+                                          <p:spTgt spid="37"/>
+                                        </p:tgtEl>
+                                      </p:cBhvr>
+                                    </p:animEffect>
+                                  </p:childTnLst>
+                                </p:cTn>
+                              </p:par>
+                              <p:par>
+                                <p:cTn id="56" presetID="5" presetClass="entr" presetSubtype="10" fill="hold" nodeType="withEffect">
+                                  <p:stCondLst>
+                                    <p:cond delay="0"/>
+                                  </p:stCondLst>
+                                  <p:childTnLst>
+                                    <p:set>
+                                      <p:cBhvr>
+                                        <p:cTn id="57" dur="1" fill="hold">
+                                          <p:stCondLst>
+                                            <p:cond delay="0"/>
+                                          </p:stCondLst>
+                                        </p:cTn>
+                                        <p:tgtEl>
+                                          <p:spTgt spid="66"/>
+                                        </p:tgtEl>
+                                        <p:attrNameLst>
+                                          <p:attrName>style.visibility</p:attrName>
+                                        </p:attrNameLst>
+                                      </p:cBhvr>
+                                      <p:to>
+                                        <p:strVal val="visible"/>
+                                      </p:to>
+                                    </p:set>
+                                    <p:animEffect transition="in" filter="checkerboard(across)">
+                                      <p:cBhvr>
+                                        <p:cTn id="58" dur="500"/>
+                                        <p:tgtEl>
+                                          <p:spTgt spid="66"/>
+                                        </p:tgtEl>
+                                      </p:cBhvr>
+                                    </p:animEffect>
+                                  </p:childTnLst>
+                                </p:cTn>
+                              </p:par>
+                            </p:childTnLst>
+                          </p:cTn>
+                        </p:par>
+                      </p:childTnLst>
+                    </p:cTn>
+                  </p:par>
+                  <p:par>
+                    <p:cTn id="59" fill="hold">
+                      <p:stCondLst>
+                        <p:cond delay="indefinite"/>
+                      </p:stCondLst>
+                      <p:childTnLst>
+                        <p:par>
+                          <p:cTn id="60" fill="hold">
+                            <p:stCondLst>
+                              <p:cond delay="0"/>
+                            </p:stCondLst>
+                            <p:childTnLst>
+                              <p:par>
+                                <p:cTn id="61" presetID="5" presetClass="entr" presetSubtype="10" fill="hold" nodeType="clickEffect">
+                                  <p:stCondLst>
+                                    <p:cond delay="0"/>
+                                  </p:stCondLst>
+                                  <p:childTnLst>
+                                    <p:set>
+                                      <p:cBhvr>
+                                        <p:cTn id="62" dur="1" fill="hold">
+                                          <p:stCondLst>
+                                            <p:cond delay="0"/>
+                                          </p:stCondLst>
+                                        </p:cTn>
+                                        <p:tgtEl>
+                                          <p:spTgt spid="41"/>
+                                        </p:tgtEl>
+                                        <p:attrNameLst>
+                                          <p:attrName>style.visibility</p:attrName>
+                                        </p:attrNameLst>
+                                      </p:cBhvr>
+                                      <p:to>
+                                        <p:strVal val="visible"/>
+                                      </p:to>
+                                    </p:set>
+                                    <p:animEffect transition="in" filter="checkerboard(across)">
+                                      <p:cBhvr>
+                                        <p:cTn id="63" dur="500"/>
+                                        <p:tgtEl>
+                                          <p:spTgt spid="41"/>
+                                        </p:tgtEl>
+                                      </p:cBhvr>
+                                    </p:animEffect>
+                                  </p:childTnLst>
+                                </p:cTn>
+                              </p:par>
+                              <p:par>
+                                <p:cTn id="64" presetID="5" presetClass="entr" presetSubtype="10" fill="hold" nodeType="withEffect">
+                                  <p:stCondLst>
+                                    <p:cond delay="0"/>
+                                  </p:stCondLst>
+                                  <p:childTnLst>
+                                    <p:set>
+                                      <p:cBhvr>
+                                        <p:cTn id="65" dur="1" fill="hold">
+                                          <p:stCondLst>
+                                            <p:cond delay="0"/>
+                                          </p:stCondLst>
+                                        </p:cTn>
+                                        <p:tgtEl>
+                                          <p:spTgt spid="64"/>
+                                        </p:tgtEl>
+                                        <p:attrNameLst>
+                                          <p:attrName>style.visibility</p:attrName>
+                                        </p:attrNameLst>
+                                      </p:cBhvr>
+                                      <p:to>
+                                        <p:strVal val="visible"/>
+                                      </p:to>
+                                    </p:set>
+                                    <p:animEffect transition="in" filter="checkerboard(across)">
+                                      <p:cBhvr>
+                                        <p:cTn id="66" dur="500"/>
+                                        <p:tgtEl>
+                                          <p:spTgt spid="64"/>
+                                        </p:tgtEl>
+                                      </p:cBhvr>
+                                    </p:animEffect>
+                                  </p:childTnLst>
+                                </p:cTn>
+                              </p:par>
+                            </p:childTnLst>
+                          </p:cTn>
+                        </p:par>
+                      </p:childTnLst>
+                    </p:cTn>
+                  </p:par>
+                  <p:par>
+                    <p:cTn id="67" fill="hold">
+                      <p:stCondLst>
+                        <p:cond delay="indefinite"/>
+                      </p:stCondLst>
+                      <p:childTnLst>
+                        <p:par>
+                          <p:cTn id="68" fill="hold">
+                            <p:stCondLst>
+                              <p:cond delay="0"/>
+                            </p:stCondLst>
+                            <p:childTnLst>
+                              <p:par>
+                                <p:cTn id="69" presetID="5" presetClass="entr" presetSubtype="10" fill="hold" nodeType="clickEffect">
+                                  <p:stCondLst>
+                                    <p:cond delay="0"/>
+                                  </p:stCondLst>
+                                  <p:childTnLst>
+                                    <p:set>
+                                      <p:cBhvr>
+                                        <p:cTn id="70" dur="1" fill="hold">
+                                          <p:stCondLst>
+                                            <p:cond delay="0"/>
+                                          </p:stCondLst>
+                                        </p:cTn>
+                                        <p:tgtEl>
+                                          <p:spTgt spid="38"/>
+                                        </p:tgtEl>
+                                        <p:attrNameLst>
+                                          <p:attrName>style.visibility</p:attrName>
+                                        </p:attrNameLst>
+                                      </p:cBhvr>
+                                      <p:to>
+                                        <p:strVal val="visible"/>
+                                      </p:to>
+                                    </p:set>
+                                    <p:animEffect transition="in" filter="checkerboard(across)">
+                                      <p:cBhvr>
+                                        <p:cTn id="71" dur="500"/>
+                                        <p:tgtEl>
+                                          <p:spTgt spid="38"/>
+                                        </p:tgtEl>
+                                      </p:cBhvr>
+                                    </p:animEffect>
+                                  </p:childTnLst>
+                                </p:cTn>
+                              </p:par>
+                              <p:par>
+                                <p:cTn id="72" presetID="5" presetClass="entr" presetSubtype="10" fill="hold" nodeType="withEffect">
+                                  <p:stCondLst>
+                                    <p:cond delay="0"/>
+                                  </p:stCondLst>
+                                  <p:childTnLst>
+                                    <p:set>
+                                      <p:cBhvr>
+                                        <p:cTn id="73" dur="1" fill="hold">
+                                          <p:stCondLst>
+                                            <p:cond delay="0"/>
+                                          </p:stCondLst>
+                                        </p:cTn>
+                                        <p:tgtEl>
+                                          <p:spTgt spid="65"/>
+                                        </p:tgtEl>
+                                        <p:attrNameLst>
+                                          <p:attrName>style.visibility</p:attrName>
+                                        </p:attrNameLst>
+                                      </p:cBhvr>
+                                      <p:to>
+                                        <p:strVal val="visible"/>
+                                      </p:to>
+                                    </p:set>
+                                    <p:animEffect transition="in" filter="checkerboard(across)">
+                                      <p:cBhvr>
+                                        <p:cTn id="74" dur="500"/>
+                                        <p:tgtEl>
+                                          <p:spTgt spid="65"/>
+                                        </p:tgtEl>
+                                      </p:cBhvr>
+                                    </p:animEffect>
+                                  </p:childTnLst>
+                                </p:cTn>
+                              </p:par>
+                            </p:childTnLst>
+                          </p:cTn>
+                        </p:par>
+                      </p:childTnLst>
+                    </p:cTn>
+                  </p:par>
+                </p:childTnLst>
+              </p:cTn>
+              <p:prevCondLst>
+                <p:cond evt="onPrev" delay="0">
+                  <p:tgtEl>
+                    <p:sldTgt/>
+                  </p:tgtEl>
+                </p:cond>
+              </p:prevCondLst>
+              <p:nextCondLst>
+                <p:cond evt="onNext" delay="0">
+                  <p:tgtEl>
+                    <p:sldTgt/>
+                  </p:tgtEl>
+                </p:cond>
+              </p:nextCondLst>
+            </p:seq>
+          </p:childTnLst>
+        </p:cTn>
       </p:par>
     </p:tnLst>
+    <p:bldLst>
+      <p:bldP spid="33" grpId="0" animBg="1"/>
+    </p:bldLst>
   </p:timing>
 </p:sld>
 </file>
@@ -4947,31 +7010,1500 @@
           <a:p>
             <a:r>
               <a:rPr smtClean="0"/>
-              <a:t>5. Hiện thực hệ thống</a:t>
+              <a:t>4. Ứng dụng sổ liên lạc trực tuyến</a:t>
             </a:r>
             <a:endParaRPr lang="en-US"/>
           </a:p>
         </p:txBody>
       </p:sp>
-      <p:sp>
-        <p:nvSpPr>
-          <p:cNvPr id="6" name="Content Placeholder 5"/>
-          <p:cNvSpPr>
-            <a:spLocks noGrp="1"/>
-          </p:cNvSpPr>
-          <p:nvPr>
-            <p:ph idx="1"/>
-          </p:nvPr>
-        </p:nvSpPr>
-        <p:spPr/>
-        <p:txBody>
-          <a:bodyPr/>
-          <a:lstStyle/>
-          <a:p>
-            <a:endParaRPr lang="en-US"/>
-          </a:p>
-        </p:txBody>
-      </p:sp>
+      <p:grpSp>
+        <p:nvGrpSpPr>
+          <p:cNvPr id="55" name="Group 54"/>
+          <p:cNvGrpSpPr/>
+          <p:nvPr/>
+        </p:nvGrpSpPr>
+        <p:grpSpPr>
+          <a:xfrm>
+            <a:off x="760412" y="1524000"/>
+            <a:ext cx="3886200" cy="533400"/>
+            <a:chOff x="760412" y="1524000"/>
+            <a:chExt cx="3886200" cy="533400"/>
+          </a:xfrm>
+        </p:grpSpPr>
+        <p:sp>
+          <p:nvSpPr>
+            <p:cNvPr id="6" name="TextBox 5"/>
+            <p:cNvSpPr txBox="1"/>
+            <p:nvPr/>
+          </p:nvSpPr>
+          <p:spPr>
+            <a:xfrm>
+              <a:off x="1598612" y="1676400"/>
+              <a:ext cx="3048000" cy="369332"/>
+            </a:xfrm>
+            <a:prstGeom prst="rect">
+              <a:avLst/>
+            </a:prstGeom>
+            <a:noFill/>
+          </p:spPr>
+          <p:txBody>
+            <a:bodyPr wrap="square" lIns="0" tIns="0" rIns="0" bIns="0" rtlCol="0">
+              <a:spAutoFit/>
+            </a:bodyPr>
+            <a:lstStyle/>
+            <a:p>
+              <a:r>
+                <a:rPr lang="en-US" smtClean="0">
+                  <a:gradFill>
+                    <a:gsLst>
+                      <a:gs pos="0">
+                        <a:schemeClr val="tx1"/>
+                      </a:gs>
+                      <a:gs pos="86000">
+                        <a:schemeClr val="tx1"/>
+                      </a:gs>
+                    </a:gsLst>
+                    <a:lin ang="5400000" scaled="0"/>
+                  </a:gradFill>
+                  <a:effectLst>
+                    <a:outerShdw blurRad="63500" algn="ctr" rotWithShape="0">
+                      <a:schemeClr val="tx1">
+                        <a:alpha val="60000"/>
+                      </a:schemeClr>
+                    </a:outerShdw>
+                  </a:effectLst>
+                </a:rPr>
+                <a:t>Sổ liên lạc trực tuyến</a:t>
+              </a:r>
+              <a:endParaRPr lang="en-US" dirty="0" err="1" smtClean="0">
+                <a:gradFill>
+                  <a:gsLst>
+                    <a:gs pos="0">
+                      <a:schemeClr val="tx1"/>
+                    </a:gs>
+                    <a:gs pos="86000">
+                      <a:schemeClr val="tx1"/>
+                    </a:gs>
+                  </a:gsLst>
+                  <a:lin ang="5400000" scaled="0"/>
+                </a:gradFill>
+                <a:effectLst>
+                  <a:outerShdw blurRad="63500" algn="ctr" rotWithShape="0">
+                    <a:schemeClr val="tx1">
+                      <a:alpha val="60000"/>
+                    </a:schemeClr>
+                  </a:outerShdw>
+                </a:effectLst>
+              </a:endParaRPr>
+            </a:p>
+          </p:txBody>
+        </p:sp>
+        <p:pic>
+          <p:nvPicPr>
+            <p:cNvPr id="2053" name="Picture 5" descr="E:\UIT\CNTT IX\pic\1211794746.png"/>
+            <p:cNvPicPr>
+              <a:picLocks noChangeAspect="1" noChangeArrowheads="1"/>
+            </p:cNvPicPr>
+            <p:nvPr/>
+          </p:nvPicPr>
+          <p:blipFill>
+            <a:blip r:embed="rId2"/>
+            <a:srcRect/>
+            <a:stretch>
+              <a:fillRect/>
+            </a:stretch>
+          </p:blipFill>
+          <p:spPr bwMode="auto">
+            <a:xfrm>
+              <a:off x="760412" y="1524000"/>
+              <a:ext cx="533400" cy="533400"/>
+            </a:xfrm>
+            <a:prstGeom prst="rect">
+              <a:avLst/>
+            </a:prstGeom>
+            <a:noFill/>
+          </p:spPr>
+        </p:pic>
+      </p:grpSp>
+      <p:grpSp>
+        <p:nvGrpSpPr>
+          <p:cNvPr id="56" name="Group 55"/>
+          <p:cNvGrpSpPr/>
+          <p:nvPr/>
+        </p:nvGrpSpPr>
+        <p:grpSpPr>
+          <a:xfrm>
+            <a:off x="836612" y="2057400"/>
+            <a:ext cx="6477000" cy="914400"/>
+            <a:chOff x="836612" y="2057400"/>
+            <a:chExt cx="6477000" cy="914400"/>
+          </a:xfrm>
+        </p:grpSpPr>
+        <p:sp>
+          <p:nvSpPr>
+            <p:cNvPr id="13" name="TextBox 12"/>
+            <p:cNvSpPr txBox="1"/>
+            <p:nvPr/>
+          </p:nvSpPr>
+          <p:spPr>
+            <a:xfrm>
+              <a:off x="2360612" y="2514600"/>
+              <a:ext cx="4953000" cy="369332"/>
+            </a:xfrm>
+            <a:prstGeom prst="rect">
+              <a:avLst/>
+            </a:prstGeom>
+            <a:noFill/>
+          </p:spPr>
+          <p:txBody>
+            <a:bodyPr wrap="square" lIns="0" tIns="0" rIns="0" bIns="0" rtlCol="0">
+              <a:spAutoFit/>
+            </a:bodyPr>
+            <a:lstStyle/>
+            <a:p>
+              <a:r>
+                <a:rPr lang="en-US" smtClean="0">
+                  <a:gradFill>
+                    <a:gsLst>
+                      <a:gs pos="0">
+                        <a:schemeClr val="tx1"/>
+                      </a:gs>
+                      <a:gs pos="86000">
+                        <a:schemeClr val="tx1"/>
+                      </a:gs>
+                    </a:gsLst>
+                    <a:lin ang="5400000" scaled="0"/>
+                  </a:gradFill>
+                  <a:effectLst>
+                    <a:outerShdw blurRad="63500" algn="ctr" rotWithShape="0">
+                      <a:schemeClr val="tx1">
+                        <a:alpha val="60000"/>
+                      </a:schemeClr>
+                    </a:outerShdw>
+                  </a:effectLst>
+                </a:rPr>
+                <a:t>Quản lý danh mục</a:t>
+              </a:r>
+              <a:endParaRPr lang="en-US" dirty="0" err="1" smtClean="0">
+                <a:gradFill>
+                  <a:gsLst>
+                    <a:gs pos="0">
+                      <a:schemeClr val="tx1"/>
+                    </a:gs>
+                    <a:gs pos="86000">
+                      <a:schemeClr val="tx1"/>
+                    </a:gs>
+                  </a:gsLst>
+                  <a:lin ang="5400000" scaled="0"/>
+                </a:gradFill>
+                <a:effectLst>
+                  <a:outerShdw blurRad="63500" algn="ctr" rotWithShape="0">
+                    <a:schemeClr val="tx1">
+                      <a:alpha val="60000"/>
+                    </a:schemeClr>
+                  </a:outerShdw>
+                </a:effectLst>
+              </a:endParaRPr>
+            </a:p>
+          </p:txBody>
+        </p:sp>
+        <p:pic>
+          <p:nvPicPr>
+            <p:cNvPr id="2054" name="Picture 6" descr="E:\UIT\CNTT IX\pic\200712721572423477802.png"/>
+            <p:cNvPicPr>
+              <a:picLocks noChangeAspect="1" noChangeArrowheads="1"/>
+            </p:cNvPicPr>
+            <p:nvPr/>
+          </p:nvPicPr>
+          <p:blipFill>
+            <a:blip r:embed="rId3"/>
+            <a:srcRect/>
+            <a:stretch>
+              <a:fillRect/>
+            </a:stretch>
+          </p:blipFill>
+          <p:spPr bwMode="auto">
+            <a:xfrm>
+              <a:off x="1674812" y="2438400"/>
+              <a:ext cx="533400" cy="533400"/>
+            </a:xfrm>
+            <a:prstGeom prst="rect">
+              <a:avLst/>
+            </a:prstGeom>
+            <a:noFill/>
+          </p:spPr>
+        </p:pic>
+        <p:cxnSp>
+          <p:nvCxnSpPr>
+            <p:cNvPr id="27" name="Straight Connector 26"/>
+            <p:cNvCxnSpPr/>
+            <p:nvPr/>
+          </p:nvCxnSpPr>
+          <p:spPr>
+            <a:xfrm rot="5400000">
+              <a:off x="761206" y="2285206"/>
+              <a:ext cx="457200" cy="1588"/>
+            </a:xfrm>
+            <a:prstGeom prst="line">
+              <a:avLst/>
+            </a:prstGeom>
+            <a:ln w="38100"/>
+          </p:spPr>
+          <p:style>
+            <a:lnRef idx="1">
+              <a:schemeClr val="accent1"/>
+            </a:lnRef>
+            <a:fillRef idx="0">
+              <a:schemeClr val="accent1"/>
+            </a:fillRef>
+            <a:effectRef idx="0">
+              <a:schemeClr val="accent1"/>
+            </a:effectRef>
+            <a:fontRef idx="minor">
+              <a:schemeClr val="tx1"/>
+            </a:fontRef>
+          </p:style>
+        </p:cxnSp>
+        <p:pic>
+          <p:nvPicPr>
+            <p:cNvPr id="2055" name="Picture 7" descr="E:\UIT\CNTT IX\pic\124352-matte-white-square-icon-alphanumeric-plus-sign-simple.png"/>
+            <p:cNvPicPr>
+              <a:picLocks noChangeAspect="1" noChangeArrowheads="1"/>
+            </p:cNvPicPr>
+            <p:nvPr/>
+          </p:nvPicPr>
+          <p:blipFill>
+            <a:blip r:embed="rId4"/>
+            <a:srcRect/>
+            <a:stretch>
+              <a:fillRect/>
+            </a:stretch>
+          </p:blipFill>
+          <p:spPr bwMode="auto">
+            <a:xfrm>
+              <a:off x="836612" y="2590800"/>
+              <a:ext cx="304800" cy="304800"/>
+            </a:xfrm>
+            <a:prstGeom prst="rect">
+              <a:avLst/>
+            </a:prstGeom>
+            <a:noFill/>
+          </p:spPr>
+        </p:pic>
+        <p:cxnSp>
+          <p:nvCxnSpPr>
+            <p:cNvPr id="47" name="Straight Connector 46"/>
+            <p:cNvCxnSpPr/>
+            <p:nvPr/>
+          </p:nvCxnSpPr>
+          <p:spPr>
+            <a:xfrm rot="10800000">
+              <a:off x="1141412" y="2741612"/>
+              <a:ext cx="457200" cy="1588"/>
+            </a:xfrm>
+            <a:prstGeom prst="line">
+              <a:avLst/>
+            </a:prstGeom>
+            <a:ln w="38100"/>
+          </p:spPr>
+          <p:style>
+            <a:lnRef idx="1">
+              <a:schemeClr val="accent1"/>
+            </a:lnRef>
+            <a:fillRef idx="0">
+              <a:schemeClr val="accent1"/>
+            </a:fillRef>
+            <a:effectRef idx="0">
+              <a:schemeClr val="accent1"/>
+            </a:effectRef>
+            <a:fontRef idx="minor">
+              <a:schemeClr val="tx1"/>
+            </a:fontRef>
+          </p:style>
+        </p:cxnSp>
+      </p:grpSp>
+      <p:grpSp>
+        <p:nvGrpSpPr>
+          <p:cNvPr id="57" name="Group 56"/>
+          <p:cNvGrpSpPr/>
+          <p:nvPr/>
+        </p:nvGrpSpPr>
+        <p:grpSpPr>
+          <a:xfrm>
+            <a:off x="836612" y="2895600"/>
+            <a:ext cx="6477000" cy="609600"/>
+            <a:chOff x="836612" y="2895600"/>
+            <a:chExt cx="6477000" cy="609600"/>
+          </a:xfrm>
+        </p:grpSpPr>
+        <p:sp>
+          <p:nvSpPr>
+            <p:cNvPr id="9" name="TextBox 8"/>
+            <p:cNvSpPr txBox="1"/>
+            <p:nvPr/>
+          </p:nvSpPr>
+          <p:spPr>
+            <a:xfrm>
+              <a:off x="2360612" y="3048000"/>
+              <a:ext cx="4953000" cy="369332"/>
+            </a:xfrm>
+            <a:prstGeom prst="rect">
+              <a:avLst/>
+            </a:prstGeom>
+            <a:noFill/>
+          </p:spPr>
+          <p:txBody>
+            <a:bodyPr wrap="square" lIns="0" tIns="0" rIns="0" bIns="0" rtlCol="0">
+              <a:spAutoFit/>
+            </a:bodyPr>
+            <a:lstStyle/>
+            <a:p>
+              <a:r>
+                <a:rPr lang="en-US" smtClean="0">
+                  <a:gradFill>
+                    <a:gsLst>
+                      <a:gs pos="0">
+                        <a:schemeClr val="tx1"/>
+                      </a:gs>
+                      <a:gs pos="86000">
+                        <a:schemeClr val="tx1"/>
+                      </a:gs>
+                    </a:gsLst>
+                    <a:lin ang="5400000" scaled="0"/>
+                  </a:gradFill>
+                  <a:effectLst>
+                    <a:outerShdw blurRad="63500" algn="ctr" rotWithShape="0">
+                      <a:schemeClr val="tx1">
+                        <a:alpha val="60000"/>
+                      </a:schemeClr>
+                    </a:outerShdw>
+                  </a:effectLst>
+                </a:rPr>
+                <a:t>Quản lý thông tin học sinh</a:t>
+              </a:r>
+              <a:endParaRPr lang="en-US" dirty="0" err="1" smtClean="0">
+                <a:gradFill>
+                  <a:gsLst>
+                    <a:gs pos="0">
+                      <a:schemeClr val="tx1"/>
+                    </a:gs>
+                    <a:gs pos="86000">
+                      <a:schemeClr val="tx1"/>
+                    </a:gs>
+                  </a:gsLst>
+                  <a:lin ang="5400000" scaled="0"/>
+                </a:gradFill>
+                <a:effectLst>
+                  <a:outerShdw blurRad="63500" algn="ctr" rotWithShape="0">
+                    <a:schemeClr val="tx1">
+                      <a:alpha val="60000"/>
+                    </a:schemeClr>
+                  </a:outerShdw>
+                </a:effectLst>
+              </a:endParaRPr>
+            </a:p>
+          </p:txBody>
+        </p:sp>
+        <p:pic>
+          <p:nvPicPr>
+            <p:cNvPr id="18" name="Picture 6" descr="E:\UIT\CNTT IX\pic\200712721572423477802.png"/>
+            <p:cNvPicPr>
+              <a:picLocks noChangeAspect="1" noChangeArrowheads="1"/>
+            </p:cNvPicPr>
+            <p:nvPr/>
+          </p:nvPicPr>
+          <p:blipFill>
+            <a:blip r:embed="rId3"/>
+            <a:srcRect/>
+            <a:stretch>
+              <a:fillRect/>
+            </a:stretch>
+          </p:blipFill>
+          <p:spPr bwMode="auto">
+            <a:xfrm>
+              <a:off x="1674812" y="2971800"/>
+              <a:ext cx="533400" cy="533400"/>
+            </a:xfrm>
+            <a:prstGeom prst="rect">
+              <a:avLst/>
+            </a:prstGeom>
+            <a:noFill/>
+          </p:spPr>
+        </p:pic>
+        <p:pic>
+          <p:nvPicPr>
+            <p:cNvPr id="30" name="Picture 7" descr="E:\UIT\CNTT IX\pic\124352-matte-white-square-icon-alphanumeric-plus-sign-simple.png"/>
+            <p:cNvPicPr>
+              <a:picLocks noChangeAspect="1" noChangeArrowheads="1"/>
+            </p:cNvPicPr>
+            <p:nvPr/>
+          </p:nvPicPr>
+          <p:blipFill>
+            <a:blip r:embed="rId4"/>
+            <a:srcRect/>
+            <a:stretch>
+              <a:fillRect/>
+            </a:stretch>
+          </p:blipFill>
+          <p:spPr bwMode="auto">
+            <a:xfrm>
+              <a:off x="836612" y="3124200"/>
+              <a:ext cx="304800" cy="304800"/>
+            </a:xfrm>
+            <a:prstGeom prst="rect">
+              <a:avLst/>
+            </a:prstGeom>
+            <a:noFill/>
+          </p:spPr>
+        </p:pic>
+        <p:cxnSp>
+          <p:nvCxnSpPr>
+            <p:cNvPr id="37" name="Straight Connector 36"/>
+            <p:cNvCxnSpPr/>
+            <p:nvPr/>
+          </p:nvCxnSpPr>
+          <p:spPr>
+            <a:xfrm rot="5400000">
+              <a:off x="874712" y="3009106"/>
+              <a:ext cx="228600" cy="1588"/>
+            </a:xfrm>
+            <a:prstGeom prst="line">
+              <a:avLst/>
+            </a:prstGeom>
+            <a:ln w="38100"/>
+          </p:spPr>
+          <p:style>
+            <a:lnRef idx="1">
+              <a:schemeClr val="accent1"/>
+            </a:lnRef>
+            <a:fillRef idx="0">
+              <a:schemeClr val="accent1"/>
+            </a:fillRef>
+            <a:effectRef idx="0">
+              <a:schemeClr val="accent1"/>
+            </a:effectRef>
+            <a:fontRef idx="minor">
+              <a:schemeClr val="tx1"/>
+            </a:fontRef>
+          </p:style>
+        </p:cxnSp>
+        <p:cxnSp>
+          <p:nvCxnSpPr>
+            <p:cNvPr id="49" name="Straight Connector 48"/>
+            <p:cNvCxnSpPr/>
+            <p:nvPr/>
+          </p:nvCxnSpPr>
+          <p:spPr>
+            <a:xfrm rot="10800000">
+              <a:off x="1141412" y="3275012"/>
+              <a:ext cx="457200" cy="1588"/>
+            </a:xfrm>
+            <a:prstGeom prst="line">
+              <a:avLst/>
+            </a:prstGeom>
+            <a:ln w="38100"/>
+          </p:spPr>
+          <p:style>
+            <a:lnRef idx="1">
+              <a:schemeClr val="accent1"/>
+            </a:lnRef>
+            <a:fillRef idx="0">
+              <a:schemeClr val="accent1"/>
+            </a:fillRef>
+            <a:effectRef idx="0">
+              <a:schemeClr val="accent1"/>
+            </a:effectRef>
+            <a:fontRef idx="minor">
+              <a:schemeClr val="tx1"/>
+            </a:fontRef>
+          </p:style>
+        </p:cxnSp>
+      </p:grpSp>
+      <p:grpSp>
+        <p:nvGrpSpPr>
+          <p:cNvPr id="58" name="Group 57"/>
+          <p:cNvGrpSpPr/>
+          <p:nvPr/>
+        </p:nvGrpSpPr>
+        <p:grpSpPr>
+          <a:xfrm>
+            <a:off x="836612" y="3429000"/>
+            <a:ext cx="6477000" cy="609600"/>
+            <a:chOff x="836612" y="3429000"/>
+            <a:chExt cx="6477000" cy="609600"/>
+          </a:xfrm>
+        </p:grpSpPr>
+        <p:sp>
+          <p:nvSpPr>
+            <p:cNvPr id="10" name="TextBox 9"/>
+            <p:cNvSpPr txBox="1"/>
+            <p:nvPr/>
+          </p:nvSpPr>
+          <p:spPr>
+            <a:xfrm>
+              <a:off x="2360612" y="3581400"/>
+              <a:ext cx="4953000" cy="369332"/>
+            </a:xfrm>
+            <a:prstGeom prst="rect">
+              <a:avLst/>
+            </a:prstGeom>
+            <a:noFill/>
+          </p:spPr>
+          <p:txBody>
+            <a:bodyPr wrap="square" lIns="0" tIns="0" rIns="0" bIns="0" rtlCol="0">
+              <a:spAutoFit/>
+            </a:bodyPr>
+            <a:lstStyle/>
+            <a:p>
+              <a:r>
+                <a:rPr lang="en-US" smtClean="0">
+                  <a:gradFill>
+                    <a:gsLst>
+                      <a:gs pos="0">
+                        <a:schemeClr val="tx1"/>
+                      </a:gs>
+                      <a:gs pos="86000">
+                        <a:schemeClr val="tx1"/>
+                      </a:gs>
+                    </a:gsLst>
+                    <a:lin ang="5400000" scaled="0"/>
+                  </a:gradFill>
+                  <a:effectLst>
+                    <a:outerShdw blurRad="63500" algn="ctr" rotWithShape="0">
+                      <a:schemeClr val="tx1">
+                        <a:alpha val="60000"/>
+                      </a:schemeClr>
+                    </a:outerShdw>
+                  </a:effectLst>
+                </a:rPr>
+                <a:t>Quản lý lớp học</a:t>
+              </a:r>
+              <a:endParaRPr lang="en-US" dirty="0" err="1" smtClean="0">
+                <a:gradFill>
+                  <a:gsLst>
+                    <a:gs pos="0">
+                      <a:schemeClr val="tx1"/>
+                    </a:gs>
+                    <a:gs pos="86000">
+                      <a:schemeClr val="tx1"/>
+                    </a:gs>
+                  </a:gsLst>
+                  <a:lin ang="5400000" scaled="0"/>
+                </a:gradFill>
+                <a:effectLst>
+                  <a:outerShdw blurRad="63500" algn="ctr" rotWithShape="0">
+                    <a:schemeClr val="tx1">
+                      <a:alpha val="60000"/>
+                    </a:schemeClr>
+                  </a:outerShdw>
+                </a:effectLst>
+              </a:endParaRPr>
+            </a:p>
+          </p:txBody>
+        </p:sp>
+        <p:pic>
+          <p:nvPicPr>
+            <p:cNvPr id="19" name="Picture 6" descr="E:\UIT\CNTT IX\pic\200712721572423477802.png"/>
+            <p:cNvPicPr>
+              <a:picLocks noChangeAspect="1" noChangeArrowheads="1"/>
+            </p:cNvPicPr>
+            <p:nvPr/>
+          </p:nvPicPr>
+          <p:blipFill>
+            <a:blip r:embed="rId3"/>
+            <a:srcRect/>
+            <a:stretch>
+              <a:fillRect/>
+            </a:stretch>
+          </p:blipFill>
+          <p:spPr bwMode="auto">
+            <a:xfrm>
+              <a:off x="1674812" y="3505200"/>
+              <a:ext cx="533400" cy="533400"/>
+            </a:xfrm>
+            <a:prstGeom prst="rect">
+              <a:avLst/>
+            </a:prstGeom>
+            <a:noFill/>
+          </p:spPr>
+        </p:pic>
+        <p:pic>
+          <p:nvPicPr>
+            <p:cNvPr id="31" name="Picture 7" descr="E:\UIT\CNTT IX\pic\124352-matte-white-square-icon-alphanumeric-plus-sign-simple.png"/>
+            <p:cNvPicPr>
+              <a:picLocks noChangeAspect="1" noChangeArrowheads="1"/>
+            </p:cNvPicPr>
+            <p:nvPr/>
+          </p:nvPicPr>
+          <p:blipFill>
+            <a:blip r:embed="rId4"/>
+            <a:srcRect/>
+            <a:stretch>
+              <a:fillRect/>
+            </a:stretch>
+          </p:blipFill>
+          <p:spPr bwMode="auto">
+            <a:xfrm>
+              <a:off x="836612" y="3657600"/>
+              <a:ext cx="304800" cy="304800"/>
+            </a:xfrm>
+            <a:prstGeom prst="rect">
+              <a:avLst/>
+            </a:prstGeom>
+            <a:noFill/>
+          </p:spPr>
+        </p:pic>
+        <p:cxnSp>
+          <p:nvCxnSpPr>
+            <p:cNvPr id="40" name="Straight Connector 39"/>
+            <p:cNvCxnSpPr/>
+            <p:nvPr/>
+          </p:nvCxnSpPr>
+          <p:spPr>
+            <a:xfrm rot="5400000">
+              <a:off x="873918" y="3542506"/>
+              <a:ext cx="228600" cy="1588"/>
+            </a:xfrm>
+            <a:prstGeom prst="line">
+              <a:avLst/>
+            </a:prstGeom>
+            <a:ln w="38100"/>
+          </p:spPr>
+          <p:style>
+            <a:lnRef idx="1">
+              <a:schemeClr val="accent1"/>
+            </a:lnRef>
+            <a:fillRef idx="0">
+              <a:schemeClr val="accent1"/>
+            </a:fillRef>
+            <a:effectRef idx="0">
+              <a:schemeClr val="accent1"/>
+            </a:effectRef>
+            <a:fontRef idx="minor">
+              <a:schemeClr val="tx1"/>
+            </a:fontRef>
+          </p:style>
+        </p:cxnSp>
+        <p:cxnSp>
+          <p:nvCxnSpPr>
+            <p:cNvPr id="50" name="Straight Connector 49"/>
+            <p:cNvCxnSpPr/>
+            <p:nvPr/>
+          </p:nvCxnSpPr>
+          <p:spPr>
+            <a:xfrm rot="10800000">
+              <a:off x="1141412" y="3810000"/>
+              <a:ext cx="457200" cy="1588"/>
+            </a:xfrm>
+            <a:prstGeom prst="line">
+              <a:avLst/>
+            </a:prstGeom>
+            <a:ln w="38100"/>
+          </p:spPr>
+          <p:style>
+            <a:lnRef idx="1">
+              <a:schemeClr val="accent1"/>
+            </a:lnRef>
+            <a:fillRef idx="0">
+              <a:schemeClr val="accent1"/>
+            </a:fillRef>
+            <a:effectRef idx="0">
+              <a:schemeClr val="accent1"/>
+            </a:effectRef>
+            <a:fontRef idx="minor">
+              <a:schemeClr val="tx1"/>
+            </a:fontRef>
+          </p:style>
+        </p:cxnSp>
+      </p:grpSp>
+      <p:grpSp>
+        <p:nvGrpSpPr>
+          <p:cNvPr id="59" name="Group 58"/>
+          <p:cNvGrpSpPr/>
+          <p:nvPr/>
+        </p:nvGrpSpPr>
+        <p:grpSpPr>
+          <a:xfrm>
+            <a:off x="836612" y="3962400"/>
+            <a:ext cx="7086600" cy="609600"/>
+            <a:chOff x="836612" y="3962400"/>
+            <a:chExt cx="7086600" cy="609600"/>
+          </a:xfrm>
+        </p:grpSpPr>
+        <p:sp>
+          <p:nvSpPr>
+            <p:cNvPr id="11" name="TextBox 10"/>
+            <p:cNvSpPr txBox="1"/>
+            <p:nvPr/>
+          </p:nvSpPr>
+          <p:spPr>
+            <a:xfrm>
+              <a:off x="2360612" y="4126468"/>
+              <a:ext cx="5562600" cy="369332"/>
+            </a:xfrm>
+            <a:prstGeom prst="rect">
+              <a:avLst/>
+            </a:prstGeom>
+            <a:noFill/>
+          </p:spPr>
+          <p:txBody>
+            <a:bodyPr wrap="square" lIns="0" tIns="0" rIns="0" bIns="0" rtlCol="0">
+              <a:spAutoFit/>
+            </a:bodyPr>
+            <a:lstStyle/>
+            <a:p>
+              <a:r>
+                <a:rPr lang="en-US" smtClean="0">
+                  <a:gradFill>
+                    <a:gsLst>
+                      <a:gs pos="0">
+                        <a:schemeClr val="tx1"/>
+                      </a:gs>
+                      <a:gs pos="86000">
+                        <a:schemeClr val="tx1"/>
+                      </a:gs>
+                    </a:gsLst>
+                    <a:lin ang="5400000" scaled="0"/>
+                  </a:gradFill>
+                  <a:effectLst>
+                    <a:outerShdw blurRad="63500" algn="ctr" rotWithShape="0">
+                      <a:schemeClr val="tx1">
+                        <a:alpha val="60000"/>
+                      </a:schemeClr>
+                    </a:outerShdw>
+                  </a:effectLst>
+                </a:rPr>
+                <a:t>Quản lý lời nhắn khẩn đến phụ huynh</a:t>
+              </a:r>
+              <a:endParaRPr lang="en-US" dirty="0" err="1" smtClean="0">
+                <a:gradFill>
+                  <a:gsLst>
+                    <a:gs pos="0">
+                      <a:schemeClr val="tx1"/>
+                    </a:gs>
+                    <a:gs pos="86000">
+                      <a:schemeClr val="tx1"/>
+                    </a:gs>
+                  </a:gsLst>
+                  <a:lin ang="5400000" scaled="0"/>
+                </a:gradFill>
+                <a:effectLst>
+                  <a:outerShdw blurRad="63500" algn="ctr" rotWithShape="0">
+                    <a:schemeClr val="tx1">
+                      <a:alpha val="60000"/>
+                    </a:schemeClr>
+                  </a:outerShdw>
+                </a:effectLst>
+              </a:endParaRPr>
+            </a:p>
+          </p:txBody>
+        </p:sp>
+        <p:pic>
+          <p:nvPicPr>
+            <p:cNvPr id="20" name="Picture 6" descr="E:\UIT\CNTT IX\pic\200712721572423477802.png"/>
+            <p:cNvPicPr>
+              <a:picLocks noChangeAspect="1" noChangeArrowheads="1"/>
+            </p:cNvPicPr>
+            <p:nvPr/>
+          </p:nvPicPr>
+          <p:blipFill>
+            <a:blip r:embed="rId3"/>
+            <a:srcRect/>
+            <a:stretch>
+              <a:fillRect/>
+            </a:stretch>
+          </p:blipFill>
+          <p:spPr bwMode="auto">
+            <a:xfrm>
+              <a:off x="1674812" y="4038600"/>
+              <a:ext cx="533400" cy="533400"/>
+            </a:xfrm>
+            <a:prstGeom prst="rect">
+              <a:avLst/>
+            </a:prstGeom>
+            <a:noFill/>
+          </p:spPr>
+        </p:pic>
+        <p:pic>
+          <p:nvPicPr>
+            <p:cNvPr id="32" name="Picture 7" descr="E:\UIT\CNTT IX\pic\124352-matte-white-square-icon-alphanumeric-plus-sign-simple.png"/>
+            <p:cNvPicPr>
+              <a:picLocks noChangeAspect="1" noChangeArrowheads="1"/>
+            </p:cNvPicPr>
+            <p:nvPr/>
+          </p:nvPicPr>
+          <p:blipFill>
+            <a:blip r:embed="rId4"/>
+            <a:srcRect/>
+            <a:stretch>
+              <a:fillRect/>
+            </a:stretch>
+          </p:blipFill>
+          <p:spPr bwMode="auto">
+            <a:xfrm>
+              <a:off x="836612" y="4191000"/>
+              <a:ext cx="304800" cy="304800"/>
+            </a:xfrm>
+            <a:prstGeom prst="rect">
+              <a:avLst/>
+            </a:prstGeom>
+            <a:noFill/>
+          </p:spPr>
+        </p:pic>
+        <p:cxnSp>
+          <p:nvCxnSpPr>
+            <p:cNvPr id="41" name="Straight Connector 40"/>
+            <p:cNvCxnSpPr/>
+            <p:nvPr/>
+          </p:nvCxnSpPr>
+          <p:spPr>
+            <a:xfrm rot="5400000">
+              <a:off x="875506" y="4075906"/>
+              <a:ext cx="228600" cy="1588"/>
+            </a:xfrm>
+            <a:prstGeom prst="line">
+              <a:avLst/>
+            </a:prstGeom>
+            <a:ln w="38100"/>
+          </p:spPr>
+          <p:style>
+            <a:lnRef idx="1">
+              <a:schemeClr val="accent1"/>
+            </a:lnRef>
+            <a:fillRef idx="0">
+              <a:schemeClr val="accent1"/>
+            </a:fillRef>
+            <a:effectRef idx="0">
+              <a:schemeClr val="accent1"/>
+            </a:effectRef>
+            <a:fontRef idx="minor">
+              <a:schemeClr val="tx1"/>
+            </a:fontRef>
+          </p:style>
+        </p:cxnSp>
+        <p:cxnSp>
+          <p:nvCxnSpPr>
+            <p:cNvPr id="51" name="Straight Connector 50"/>
+            <p:cNvCxnSpPr/>
+            <p:nvPr/>
+          </p:nvCxnSpPr>
+          <p:spPr>
+            <a:xfrm rot="10800000">
+              <a:off x="1141412" y="4341812"/>
+              <a:ext cx="457200" cy="1588"/>
+            </a:xfrm>
+            <a:prstGeom prst="line">
+              <a:avLst/>
+            </a:prstGeom>
+            <a:ln w="38100"/>
+          </p:spPr>
+          <p:style>
+            <a:lnRef idx="1">
+              <a:schemeClr val="accent1"/>
+            </a:lnRef>
+            <a:fillRef idx="0">
+              <a:schemeClr val="accent1"/>
+            </a:fillRef>
+            <a:effectRef idx="0">
+              <a:schemeClr val="accent1"/>
+            </a:effectRef>
+            <a:fontRef idx="minor">
+              <a:schemeClr val="tx1"/>
+            </a:fontRef>
+          </p:style>
+        </p:cxnSp>
+      </p:grpSp>
+      <p:grpSp>
+        <p:nvGrpSpPr>
+          <p:cNvPr id="60" name="Group 59"/>
+          <p:cNvGrpSpPr/>
+          <p:nvPr/>
+        </p:nvGrpSpPr>
+        <p:grpSpPr>
+          <a:xfrm>
+            <a:off x="836612" y="4495800"/>
+            <a:ext cx="6477000" cy="609600"/>
+            <a:chOff x="836612" y="4495800"/>
+            <a:chExt cx="6477000" cy="609600"/>
+          </a:xfrm>
+        </p:grpSpPr>
+        <p:sp>
+          <p:nvSpPr>
+            <p:cNvPr id="12" name="TextBox 11"/>
+            <p:cNvSpPr txBox="1"/>
+            <p:nvPr/>
+          </p:nvSpPr>
+          <p:spPr>
+            <a:xfrm>
+              <a:off x="2360612" y="4659868"/>
+              <a:ext cx="4953000" cy="369332"/>
+            </a:xfrm>
+            <a:prstGeom prst="rect">
+              <a:avLst/>
+            </a:prstGeom>
+            <a:noFill/>
+          </p:spPr>
+          <p:txBody>
+            <a:bodyPr wrap="square" lIns="0" tIns="0" rIns="0" bIns="0" rtlCol="0">
+              <a:spAutoFit/>
+            </a:bodyPr>
+            <a:lstStyle/>
+            <a:p>
+              <a:r>
+                <a:rPr lang="en-US" smtClean="0">
+                  <a:gradFill>
+                    <a:gsLst>
+                      <a:gs pos="0">
+                        <a:schemeClr val="tx1"/>
+                      </a:gs>
+                      <a:gs pos="86000">
+                        <a:schemeClr val="tx1"/>
+                      </a:gs>
+                    </a:gsLst>
+                    <a:lin ang="5400000" scaled="0"/>
+                  </a:gradFill>
+                  <a:effectLst>
+                    <a:outerShdw blurRad="63500" algn="ctr" rotWithShape="0">
+                      <a:schemeClr val="tx1">
+                        <a:alpha val="60000"/>
+                      </a:schemeClr>
+                    </a:outerShdw>
+                  </a:effectLst>
+                </a:rPr>
+                <a:t>Quản lý góp ý của phụ huynh</a:t>
+              </a:r>
+              <a:endParaRPr lang="en-US" dirty="0" err="1" smtClean="0">
+                <a:gradFill>
+                  <a:gsLst>
+                    <a:gs pos="0">
+                      <a:schemeClr val="tx1"/>
+                    </a:gs>
+                    <a:gs pos="86000">
+                      <a:schemeClr val="tx1"/>
+                    </a:gs>
+                  </a:gsLst>
+                  <a:lin ang="5400000" scaled="0"/>
+                </a:gradFill>
+                <a:effectLst>
+                  <a:outerShdw blurRad="63500" algn="ctr" rotWithShape="0">
+                    <a:schemeClr val="tx1">
+                      <a:alpha val="60000"/>
+                    </a:schemeClr>
+                  </a:outerShdw>
+                </a:effectLst>
+              </a:endParaRPr>
+            </a:p>
+          </p:txBody>
+        </p:sp>
+        <p:pic>
+          <p:nvPicPr>
+            <p:cNvPr id="21" name="Picture 6" descr="E:\UIT\CNTT IX\pic\200712721572423477802.png"/>
+            <p:cNvPicPr>
+              <a:picLocks noChangeAspect="1" noChangeArrowheads="1"/>
+            </p:cNvPicPr>
+            <p:nvPr/>
+          </p:nvPicPr>
+          <p:blipFill>
+            <a:blip r:embed="rId3"/>
+            <a:srcRect/>
+            <a:stretch>
+              <a:fillRect/>
+            </a:stretch>
+          </p:blipFill>
+          <p:spPr bwMode="auto">
+            <a:xfrm>
+              <a:off x="1674812" y="4572000"/>
+              <a:ext cx="533400" cy="533400"/>
+            </a:xfrm>
+            <a:prstGeom prst="rect">
+              <a:avLst/>
+            </a:prstGeom>
+            <a:noFill/>
+          </p:spPr>
+        </p:pic>
+        <p:pic>
+          <p:nvPicPr>
+            <p:cNvPr id="33" name="Picture 7" descr="E:\UIT\CNTT IX\pic\124352-matte-white-square-icon-alphanumeric-plus-sign-simple.png"/>
+            <p:cNvPicPr>
+              <a:picLocks noChangeAspect="1" noChangeArrowheads="1"/>
+            </p:cNvPicPr>
+            <p:nvPr/>
+          </p:nvPicPr>
+          <p:blipFill>
+            <a:blip r:embed="rId4"/>
+            <a:srcRect/>
+            <a:stretch>
+              <a:fillRect/>
+            </a:stretch>
+          </p:blipFill>
+          <p:spPr bwMode="auto">
+            <a:xfrm>
+              <a:off x="836612" y="4724400"/>
+              <a:ext cx="304800" cy="304800"/>
+            </a:xfrm>
+            <a:prstGeom prst="rect">
+              <a:avLst/>
+            </a:prstGeom>
+            <a:noFill/>
+          </p:spPr>
+        </p:pic>
+        <p:cxnSp>
+          <p:nvCxnSpPr>
+            <p:cNvPr id="42" name="Straight Connector 41"/>
+            <p:cNvCxnSpPr/>
+            <p:nvPr/>
+          </p:nvCxnSpPr>
+          <p:spPr>
+            <a:xfrm rot="5400000">
+              <a:off x="875506" y="4609306"/>
+              <a:ext cx="228600" cy="1588"/>
+            </a:xfrm>
+            <a:prstGeom prst="line">
+              <a:avLst/>
+            </a:prstGeom>
+            <a:ln w="38100"/>
+          </p:spPr>
+          <p:style>
+            <a:lnRef idx="1">
+              <a:schemeClr val="accent1"/>
+            </a:lnRef>
+            <a:fillRef idx="0">
+              <a:schemeClr val="accent1"/>
+            </a:fillRef>
+            <a:effectRef idx="0">
+              <a:schemeClr val="accent1"/>
+            </a:effectRef>
+            <a:fontRef idx="minor">
+              <a:schemeClr val="tx1"/>
+            </a:fontRef>
+          </p:style>
+        </p:cxnSp>
+        <p:cxnSp>
+          <p:nvCxnSpPr>
+            <p:cNvPr id="52" name="Straight Connector 51"/>
+            <p:cNvCxnSpPr/>
+            <p:nvPr/>
+          </p:nvCxnSpPr>
+          <p:spPr>
+            <a:xfrm rot="10800000">
+              <a:off x="1141412" y="4875212"/>
+              <a:ext cx="457200" cy="1588"/>
+            </a:xfrm>
+            <a:prstGeom prst="line">
+              <a:avLst/>
+            </a:prstGeom>
+            <a:ln w="38100"/>
+          </p:spPr>
+          <p:style>
+            <a:lnRef idx="1">
+              <a:schemeClr val="accent1"/>
+            </a:lnRef>
+            <a:fillRef idx="0">
+              <a:schemeClr val="accent1"/>
+            </a:fillRef>
+            <a:effectRef idx="0">
+              <a:schemeClr val="accent1"/>
+            </a:effectRef>
+            <a:fontRef idx="minor">
+              <a:schemeClr val="tx1"/>
+            </a:fontRef>
+          </p:style>
+        </p:cxnSp>
+      </p:grpSp>
+      <p:grpSp>
+        <p:nvGrpSpPr>
+          <p:cNvPr id="61" name="Group 60"/>
+          <p:cNvGrpSpPr/>
+          <p:nvPr/>
+        </p:nvGrpSpPr>
+        <p:grpSpPr>
+          <a:xfrm>
+            <a:off x="836612" y="5029200"/>
+            <a:ext cx="6477000" cy="609600"/>
+            <a:chOff x="836612" y="5029200"/>
+            <a:chExt cx="6477000" cy="609600"/>
+          </a:xfrm>
+        </p:grpSpPr>
+        <p:sp>
+          <p:nvSpPr>
+            <p:cNvPr id="14" name="TextBox 13"/>
+            <p:cNvSpPr txBox="1"/>
+            <p:nvPr/>
+          </p:nvSpPr>
+          <p:spPr>
+            <a:xfrm>
+              <a:off x="2360612" y="5193268"/>
+              <a:ext cx="4953000" cy="369332"/>
+            </a:xfrm>
+            <a:prstGeom prst="rect">
+              <a:avLst/>
+            </a:prstGeom>
+            <a:noFill/>
+          </p:spPr>
+          <p:txBody>
+            <a:bodyPr wrap="square" lIns="0" tIns="0" rIns="0" bIns="0" rtlCol="0">
+              <a:spAutoFit/>
+            </a:bodyPr>
+            <a:lstStyle/>
+            <a:p>
+              <a:r>
+                <a:rPr lang="en-US" smtClean="0">
+                  <a:gradFill>
+                    <a:gsLst>
+                      <a:gs pos="0">
+                        <a:schemeClr val="tx1"/>
+                      </a:gs>
+                      <a:gs pos="86000">
+                        <a:schemeClr val="tx1"/>
+                      </a:gs>
+                    </a:gsLst>
+                    <a:lin ang="5400000" scaled="0"/>
+                  </a:gradFill>
+                  <a:effectLst>
+                    <a:outerShdw blurRad="63500" algn="ctr" rotWithShape="0">
+                      <a:schemeClr val="tx1">
+                        <a:alpha val="60000"/>
+                      </a:schemeClr>
+                    </a:outerShdw>
+                  </a:effectLst>
+                </a:rPr>
+                <a:t>Quảng lý người dùng</a:t>
+              </a:r>
+              <a:endParaRPr lang="en-US" dirty="0" err="1" smtClean="0">
+                <a:gradFill>
+                  <a:gsLst>
+                    <a:gs pos="0">
+                      <a:schemeClr val="tx1"/>
+                    </a:gs>
+                    <a:gs pos="86000">
+                      <a:schemeClr val="tx1"/>
+                    </a:gs>
+                  </a:gsLst>
+                  <a:lin ang="5400000" scaled="0"/>
+                </a:gradFill>
+                <a:effectLst>
+                  <a:outerShdw blurRad="63500" algn="ctr" rotWithShape="0">
+                    <a:schemeClr val="tx1">
+                      <a:alpha val="60000"/>
+                    </a:schemeClr>
+                  </a:outerShdw>
+                </a:effectLst>
+              </a:endParaRPr>
+            </a:p>
+          </p:txBody>
+        </p:sp>
+        <p:pic>
+          <p:nvPicPr>
+            <p:cNvPr id="22" name="Picture 6" descr="E:\UIT\CNTT IX\pic\200712721572423477802.png"/>
+            <p:cNvPicPr>
+              <a:picLocks noChangeAspect="1" noChangeArrowheads="1"/>
+            </p:cNvPicPr>
+            <p:nvPr/>
+          </p:nvPicPr>
+          <p:blipFill>
+            <a:blip r:embed="rId3"/>
+            <a:srcRect/>
+            <a:stretch>
+              <a:fillRect/>
+            </a:stretch>
+          </p:blipFill>
+          <p:spPr bwMode="auto">
+            <a:xfrm>
+              <a:off x="1674812" y="5105400"/>
+              <a:ext cx="533400" cy="533400"/>
+            </a:xfrm>
+            <a:prstGeom prst="rect">
+              <a:avLst/>
+            </a:prstGeom>
+            <a:noFill/>
+          </p:spPr>
+        </p:pic>
+        <p:pic>
+          <p:nvPicPr>
+            <p:cNvPr id="34" name="Picture 7" descr="E:\UIT\CNTT IX\pic\124352-matte-white-square-icon-alphanumeric-plus-sign-simple.png"/>
+            <p:cNvPicPr>
+              <a:picLocks noChangeAspect="1" noChangeArrowheads="1"/>
+            </p:cNvPicPr>
+            <p:nvPr/>
+          </p:nvPicPr>
+          <p:blipFill>
+            <a:blip r:embed="rId4"/>
+            <a:srcRect/>
+            <a:stretch>
+              <a:fillRect/>
+            </a:stretch>
+          </p:blipFill>
+          <p:spPr bwMode="auto">
+            <a:xfrm>
+              <a:off x="836612" y="5257800"/>
+              <a:ext cx="304800" cy="304800"/>
+            </a:xfrm>
+            <a:prstGeom prst="rect">
+              <a:avLst/>
+            </a:prstGeom>
+            <a:noFill/>
+          </p:spPr>
+        </p:pic>
+        <p:cxnSp>
+          <p:nvCxnSpPr>
+            <p:cNvPr id="43" name="Straight Connector 42"/>
+            <p:cNvCxnSpPr/>
+            <p:nvPr/>
+          </p:nvCxnSpPr>
+          <p:spPr>
+            <a:xfrm rot="5400000">
+              <a:off x="875506" y="5142706"/>
+              <a:ext cx="228600" cy="1588"/>
+            </a:xfrm>
+            <a:prstGeom prst="line">
+              <a:avLst/>
+            </a:prstGeom>
+            <a:ln w="38100"/>
+          </p:spPr>
+          <p:style>
+            <a:lnRef idx="1">
+              <a:schemeClr val="accent1"/>
+            </a:lnRef>
+            <a:fillRef idx="0">
+              <a:schemeClr val="accent1"/>
+            </a:fillRef>
+            <a:effectRef idx="0">
+              <a:schemeClr val="accent1"/>
+            </a:effectRef>
+            <a:fontRef idx="minor">
+              <a:schemeClr val="tx1"/>
+            </a:fontRef>
+          </p:style>
+        </p:cxnSp>
+        <p:cxnSp>
+          <p:nvCxnSpPr>
+            <p:cNvPr id="53" name="Straight Connector 52"/>
+            <p:cNvCxnSpPr/>
+            <p:nvPr/>
+          </p:nvCxnSpPr>
+          <p:spPr>
+            <a:xfrm rot="10800000">
+              <a:off x="1141412" y="5408612"/>
+              <a:ext cx="457200" cy="1588"/>
+            </a:xfrm>
+            <a:prstGeom prst="line">
+              <a:avLst/>
+            </a:prstGeom>
+            <a:ln w="38100"/>
+          </p:spPr>
+          <p:style>
+            <a:lnRef idx="1">
+              <a:schemeClr val="accent1"/>
+            </a:lnRef>
+            <a:fillRef idx="0">
+              <a:schemeClr val="accent1"/>
+            </a:fillRef>
+            <a:effectRef idx="0">
+              <a:schemeClr val="accent1"/>
+            </a:effectRef>
+            <a:fontRef idx="minor">
+              <a:schemeClr val="tx1"/>
+            </a:fontRef>
+          </p:style>
+        </p:cxnSp>
+      </p:grpSp>
+      <p:grpSp>
+        <p:nvGrpSpPr>
+          <p:cNvPr id="62" name="Group 61"/>
+          <p:cNvGrpSpPr/>
+          <p:nvPr/>
+        </p:nvGrpSpPr>
+        <p:grpSpPr>
+          <a:xfrm>
+            <a:off x="836612" y="5562600"/>
+            <a:ext cx="6477000" cy="609600"/>
+            <a:chOff x="836612" y="5562600"/>
+            <a:chExt cx="6477000" cy="609600"/>
+          </a:xfrm>
+        </p:grpSpPr>
+        <p:sp>
+          <p:nvSpPr>
+            <p:cNvPr id="15" name="TextBox 14"/>
+            <p:cNvSpPr txBox="1"/>
+            <p:nvPr/>
+          </p:nvSpPr>
+          <p:spPr>
+            <a:xfrm>
+              <a:off x="2360612" y="5726668"/>
+              <a:ext cx="4953000" cy="369332"/>
+            </a:xfrm>
+            <a:prstGeom prst="rect">
+              <a:avLst/>
+            </a:prstGeom>
+            <a:noFill/>
+          </p:spPr>
+          <p:txBody>
+            <a:bodyPr wrap="square" lIns="0" tIns="0" rIns="0" bIns="0" rtlCol="0">
+              <a:spAutoFit/>
+            </a:bodyPr>
+            <a:lstStyle/>
+            <a:p>
+              <a:r>
+                <a:rPr lang="en-US" smtClean="0">
+                  <a:gradFill>
+                    <a:gsLst>
+                      <a:gs pos="0">
+                        <a:schemeClr val="tx1"/>
+                      </a:gs>
+                      <a:gs pos="86000">
+                        <a:schemeClr val="tx1"/>
+                      </a:gs>
+                    </a:gsLst>
+                    <a:lin ang="5400000" scaled="0"/>
+                  </a:gradFill>
+                  <a:effectLst>
+                    <a:outerShdw blurRad="63500" algn="ctr" rotWithShape="0">
+                      <a:schemeClr val="tx1">
+                        <a:alpha val="60000"/>
+                      </a:schemeClr>
+                    </a:outerShdw>
+                  </a:effectLst>
+                </a:rPr>
+                <a:t>Báo cáo thống kê</a:t>
+              </a:r>
+              <a:endParaRPr lang="en-US" dirty="0" err="1" smtClean="0">
+                <a:gradFill>
+                  <a:gsLst>
+                    <a:gs pos="0">
+                      <a:schemeClr val="tx1"/>
+                    </a:gs>
+                    <a:gs pos="86000">
+                      <a:schemeClr val="tx1"/>
+                    </a:gs>
+                  </a:gsLst>
+                  <a:lin ang="5400000" scaled="0"/>
+                </a:gradFill>
+                <a:effectLst>
+                  <a:outerShdw blurRad="63500" algn="ctr" rotWithShape="0">
+                    <a:schemeClr val="tx1">
+                      <a:alpha val="60000"/>
+                    </a:schemeClr>
+                  </a:outerShdw>
+                </a:effectLst>
+              </a:endParaRPr>
+            </a:p>
+          </p:txBody>
+        </p:sp>
+        <p:pic>
+          <p:nvPicPr>
+            <p:cNvPr id="23" name="Picture 6" descr="E:\UIT\CNTT IX\pic\200712721572423477802.png"/>
+            <p:cNvPicPr>
+              <a:picLocks noChangeAspect="1" noChangeArrowheads="1"/>
+            </p:cNvPicPr>
+            <p:nvPr/>
+          </p:nvPicPr>
+          <p:blipFill>
+            <a:blip r:embed="rId3"/>
+            <a:srcRect/>
+            <a:stretch>
+              <a:fillRect/>
+            </a:stretch>
+          </p:blipFill>
+          <p:spPr bwMode="auto">
+            <a:xfrm>
+              <a:off x="1674812" y="5638800"/>
+              <a:ext cx="533400" cy="533400"/>
+            </a:xfrm>
+            <a:prstGeom prst="rect">
+              <a:avLst/>
+            </a:prstGeom>
+            <a:noFill/>
+          </p:spPr>
+        </p:pic>
+        <p:pic>
+          <p:nvPicPr>
+            <p:cNvPr id="35" name="Picture 7" descr="E:\UIT\CNTT IX\pic\124352-matte-white-square-icon-alphanumeric-plus-sign-simple.png"/>
+            <p:cNvPicPr>
+              <a:picLocks noChangeAspect="1" noChangeArrowheads="1"/>
+            </p:cNvPicPr>
+            <p:nvPr/>
+          </p:nvPicPr>
+          <p:blipFill>
+            <a:blip r:embed="rId4"/>
+            <a:srcRect/>
+            <a:stretch>
+              <a:fillRect/>
+            </a:stretch>
+          </p:blipFill>
+          <p:spPr bwMode="auto">
+            <a:xfrm>
+              <a:off x="836612" y="5791200"/>
+              <a:ext cx="304800" cy="304800"/>
+            </a:xfrm>
+            <a:prstGeom prst="rect">
+              <a:avLst/>
+            </a:prstGeom>
+            <a:noFill/>
+          </p:spPr>
+        </p:pic>
+        <p:cxnSp>
+          <p:nvCxnSpPr>
+            <p:cNvPr id="44" name="Straight Connector 43"/>
+            <p:cNvCxnSpPr/>
+            <p:nvPr/>
+          </p:nvCxnSpPr>
+          <p:spPr>
+            <a:xfrm rot="5400000">
+              <a:off x="875506" y="5676106"/>
+              <a:ext cx="228600" cy="1588"/>
+            </a:xfrm>
+            <a:prstGeom prst="line">
+              <a:avLst/>
+            </a:prstGeom>
+            <a:ln w="38100"/>
+          </p:spPr>
+          <p:style>
+            <a:lnRef idx="1">
+              <a:schemeClr val="accent1"/>
+            </a:lnRef>
+            <a:fillRef idx="0">
+              <a:schemeClr val="accent1"/>
+            </a:fillRef>
+            <a:effectRef idx="0">
+              <a:schemeClr val="accent1"/>
+            </a:effectRef>
+            <a:fontRef idx="minor">
+              <a:schemeClr val="tx1"/>
+            </a:fontRef>
+          </p:style>
+        </p:cxnSp>
+        <p:cxnSp>
+          <p:nvCxnSpPr>
+            <p:cNvPr id="54" name="Straight Connector 53"/>
+            <p:cNvCxnSpPr/>
+            <p:nvPr/>
+          </p:nvCxnSpPr>
+          <p:spPr>
+            <a:xfrm rot="10800000">
+              <a:off x="1141412" y="5942012"/>
+              <a:ext cx="457200" cy="1588"/>
+            </a:xfrm>
+            <a:prstGeom prst="line">
+              <a:avLst/>
+            </a:prstGeom>
+            <a:ln w="38100"/>
+          </p:spPr>
+          <p:style>
+            <a:lnRef idx="1">
+              <a:schemeClr val="accent1"/>
+            </a:lnRef>
+            <a:fillRef idx="0">
+              <a:schemeClr val="accent1"/>
+            </a:fillRef>
+            <a:effectRef idx="0">
+              <a:schemeClr val="accent1"/>
+            </a:effectRef>
+            <a:fontRef idx="minor">
+              <a:schemeClr val="tx1"/>
+            </a:fontRef>
+          </p:style>
+        </p:cxnSp>
+      </p:grpSp>
     </p:spTree>
   </p:cSld>
   <p:clrMapOvr>
@@ -4983,7 +8515,454 @@
   <p:timing>
     <p:tnLst>
       <p:par>
-        <p:cTn id="1" dur="indefinite" restart="never" nodeType="tmRoot"/>
+        <p:cTn id="1" dur="indefinite" restart="never" nodeType="tmRoot">
+          <p:childTnLst>
+            <p:seq concurrent="1" nextAc="seek">
+              <p:cTn id="2" dur="indefinite" nodeType="mainSeq">
+                <p:childTnLst>
+                  <p:par>
+                    <p:cTn id="3" fill="hold">
+                      <p:stCondLst>
+                        <p:cond delay="indefinite"/>
+                      </p:stCondLst>
+                      <p:childTnLst>
+                        <p:par>
+                          <p:cTn id="4" fill="hold">
+                            <p:stCondLst>
+                              <p:cond delay="0"/>
+                            </p:stCondLst>
+                            <p:childTnLst>
+                              <p:par>
+                                <p:cTn id="5" presetID="5" presetClass="entr" presetSubtype="10" fill="hold" nodeType="clickEffect">
+                                  <p:stCondLst>
+                                    <p:cond delay="0"/>
+                                  </p:stCondLst>
+                                  <p:childTnLst>
+                                    <p:set>
+                                      <p:cBhvr>
+                                        <p:cTn id="6" dur="1" fill="hold">
+                                          <p:stCondLst>
+                                            <p:cond delay="0"/>
+                                          </p:stCondLst>
+                                        </p:cTn>
+                                        <p:tgtEl>
+                                          <p:spTgt spid="55"/>
+                                        </p:tgtEl>
+                                        <p:attrNameLst>
+                                          <p:attrName>style.visibility</p:attrName>
+                                        </p:attrNameLst>
+                                      </p:cBhvr>
+                                      <p:to>
+                                        <p:strVal val="visible"/>
+                                      </p:to>
+                                    </p:set>
+                                    <p:animEffect transition="in" filter="checkerboard(across)">
+                                      <p:cBhvr>
+                                        <p:cTn id="7" dur="500"/>
+                                        <p:tgtEl>
+                                          <p:spTgt spid="55"/>
+                                        </p:tgtEl>
+                                      </p:cBhvr>
+                                    </p:animEffect>
+                                  </p:childTnLst>
+                                </p:cTn>
+                              </p:par>
+                            </p:childTnLst>
+                          </p:cTn>
+                        </p:par>
+                      </p:childTnLst>
+                    </p:cTn>
+                  </p:par>
+                  <p:par>
+                    <p:cTn id="8" fill="hold">
+                      <p:stCondLst>
+                        <p:cond delay="indefinite"/>
+                      </p:stCondLst>
+                      <p:childTnLst>
+                        <p:par>
+                          <p:cTn id="9" fill="hold">
+                            <p:stCondLst>
+                              <p:cond delay="0"/>
+                            </p:stCondLst>
+                            <p:childTnLst>
+                              <p:par>
+                                <p:cTn id="10" presetID="5" presetClass="entr" presetSubtype="10" fill="hold" nodeType="clickEffect">
+                                  <p:stCondLst>
+                                    <p:cond delay="0"/>
+                                  </p:stCondLst>
+                                  <p:childTnLst>
+                                    <p:set>
+                                      <p:cBhvr>
+                                        <p:cTn id="11" dur="1" fill="hold">
+                                          <p:stCondLst>
+                                            <p:cond delay="0"/>
+                                          </p:stCondLst>
+                                        </p:cTn>
+                                        <p:tgtEl>
+                                          <p:spTgt spid="56"/>
+                                        </p:tgtEl>
+                                        <p:attrNameLst>
+                                          <p:attrName>style.visibility</p:attrName>
+                                        </p:attrNameLst>
+                                      </p:cBhvr>
+                                      <p:to>
+                                        <p:strVal val="visible"/>
+                                      </p:to>
+                                    </p:set>
+                                    <p:animEffect transition="in" filter="checkerboard(across)">
+                                      <p:cBhvr>
+                                        <p:cTn id="12" dur="500"/>
+                                        <p:tgtEl>
+                                          <p:spTgt spid="56"/>
+                                        </p:tgtEl>
+                                      </p:cBhvr>
+                                    </p:animEffect>
+                                  </p:childTnLst>
+                                </p:cTn>
+                              </p:par>
+                            </p:childTnLst>
+                          </p:cTn>
+                        </p:par>
+                      </p:childTnLst>
+                    </p:cTn>
+                  </p:par>
+                  <p:par>
+                    <p:cTn id="13" fill="hold">
+                      <p:stCondLst>
+                        <p:cond delay="indefinite"/>
+                      </p:stCondLst>
+                      <p:childTnLst>
+                        <p:par>
+                          <p:cTn id="14" fill="hold">
+                            <p:stCondLst>
+                              <p:cond delay="0"/>
+                            </p:stCondLst>
+                            <p:childTnLst>
+                              <p:par>
+                                <p:cTn id="15" presetID="5" presetClass="entr" presetSubtype="10" fill="hold" nodeType="clickEffect">
+                                  <p:stCondLst>
+                                    <p:cond delay="0"/>
+                                  </p:stCondLst>
+                                  <p:childTnLst>
+                                    <p:set>
+                                      <p:cBhvr>
+                                        <p:cTn id="16" dur="1" fill="hold">
+                                          <p:stCondLst>
+                                            <p:cond delay="0"/>
+                                          </p:stCondLst>
+                                        </p:cTn>
+                                        <p:tgtEl>
+                                          <p:spTgt spid="57"/>
+                                        </p:tgtEl>
+                                        <p:attrNameLst>
+                                          <p:attrName>style.visibility</p:attrName>
+                                        </p:attrNameLst>
+                                      </p:cBhvr>
+                                      <p:to>
+                                        <p:strVal val="visible"/>
+                                      </p:to>
+                                    </p:set>
+                                    <p:animEffect transition="in" filter="checkerboard(across)">
+                                      <p:cBhvr>
+                                        <p:cTn id="17" dur="500"/>
+                                        <p:tgtEl>
+                                          <p:spTgt spid="57"/>
+                                        </p:tgtEl>
+                                      </p:cBhvr>
+                                    </p:animEffect>
+                                  </p:childTnLst>
+                                </p:cTn>
+                              </p:par>
+                            </p:childTnLst>
+                          </p:cTn>
+                        </p:par>
+                      </p:childTnLst>
+                    </p:cTn>
+                  </p:par>
+                  <p:par>
+                    <p:cTn id="18" fill="hold">
+                      <p:stCondLst>
+                        <p:cond delay="indefinite"/>
+                      </p:stCondLst>
+                      <p:childTnLst>
+                        <p:par>
+                          <p:cTn id="19" fill="hold">
+                            <p:stCondLst>
+                              <p:cond delay="0"/>
+                            </p:stCondLst>
+                            <p:childTnLst>
+                              <p:par>
+                                <p:cTn id="20" presetID="5" presetClass="entr" presetSubtype="10" fill="hold" nodeType="clickEffect">
+                                  <p:stCondLst>
+                                    <p:cond delay="0"/>
+                                  </p:stCondLst>
+                                  <p:childTnLst>
+                                    <p:set>
+                                      <p:cBhvr>
+                                        <p:cTn id="21" dur="1" fill="hold">
+                                          <p:stCondLst>
+                                            <p:cond delay="0"/>
+                                          </p:stCondLst>
+                                        </p:cTn>
+                                        <p:tgtEl>
+                                          <p:spTgt spid="58"/>
+                                        </p:tgtEl>
+                                        <p:attrNameLst>
+                                          <p:attrName>style.visibility</p:attrName>
+                                        </p:attrNameLst>
+                                      </p:cBhvr>
+                                      <p:to>
+                                        <p:strVal val="visible"/>
+                                      </p:to>
+                                    </p:set>
+                                    <p:animEffect transition="in" filter="checkerboard(across)">
+                                      <p:cBhvr>
+                                        <p:cTn id="22" dur="500"/>
+                                        <p:tgtEl>
+                                          <p:spTgt spid="58"/>
+                                        </p:tgtEl>
+                                      </p:cBhvr>
+                                    </p:animEffect>
+                                  </p:childTnLst>
+                                </p:cTn>
+                              </p:par>
+                            </p:childTnLst>
+                          </p:cTn>
+                        </p:par>
+                      </p:childTnLst>
+                    </p:cTn>
+                  </p:par>
+                  <p:par>
+                    <p:cTn id="23" fill="hold">
+                      <p:stCondLst>
+                        <p:cond delay="indefinite"/>
+                      </p:stCondLst>
+                      <p:childTnLst>
+                        <p:par>
+                          <p:cTn id="24" fill="hold">
+                            <p:stCondLst>
+                              <p:cond delay="0"/>
+                            </p:stCondLst>
+                            <p:childTnLst>
+                              <p:par>
+                                <p:cTn id="25" presetID="5" presetClass="entr" presetSubtype="10" fill="hold" nodeType="clickEffect">
+                                  <p:stCondLst>
+                                    <p:cond delay="0"/>
+                                  </p:stCondLst>
+                                  <p:childTnLst>
+                                    <p:set>
+                                      <p:cBhvr>
+                                        <p:cTn id="26" dur="1" fill="hold">
+                                          <p:stCondLst>
+                                            <p:cond delay="0"/>
+                                          </p:stCondLst>
+                                        </p:cTn>
+                                        <p:tgtEl>
+                                          <p:spTgt spid="59"/>
+                                        </p:tgtEl>
+                                        <p:attrNameLst>
+                                          <p:attrName>style.visibility</p:attrName>
+                                        </p:attrNameLst>
+                                      </p:cBhvr>
+                                      <p:to>
+                                        <p:strVal val="visible"/>
+                                      </p:to>
+                                    </p:set>
+                                    <p:animEffect transition="in" filter="checkerboard(across)">
+                                      <p:cBhvr>
+                                        <p:cTn id="27" dur="500"/>
+                                        <p:tgtEl>
+                                          <p:spTgt spid="59"/>
+                                        </p:tgtEl>
+                                      </p:cBhvr>
+                                    </p:animEffect>
+                                  </p:childTnLst>
+                                </p:cTn>
+                              </p:par>
+                            </p:childTnLst>
+                          </p:cTn>
+                        </p:par>
+                      </p:childTnLst>
+                    </p:cTn>
+                  </p:par>
+                  <p:par>
+                    <p:cTn id="28" fill="hold">
+                      <p:stCondLst>
+                        <p:cond delay="indefinite"/>
+                      </p:stCondLst>
+                      <p:childTnLst>
+                        <p:par>
+                          <p:cTn id="29" fill="hold">
+                            <p:stCondLst>
+                              <p:cond delay="0"/>
+                            </p:stCondLst>
+                            <p:childTnLst>
+                              <p:par>
+                                <p:cTn id="30" presetID="5" presetClass="entr" presetSubtype="10" fill="hold" nodeType="clickEffect">
+                                  <p:stCondLst>
+                                    <p:cond delay="0"/>
+                                  </p:stCondLst>
+                                  <p:childTnLst>
+                                    <p:set>
+                                      <p:cBhvr>
+                                        <p:cTn id="31" dur="1" fill="hold">
+                                          <p:stCondLst>
+                                            <p:cond delay="0"/>
+                                          </p:stCondLst>
+                                        </p:cTn>
+                                        <p:tgtEl>
+                                          <p:spTgt spid="60"/>
+                                        </p:tgtEl>
+                                        <p:attrNameLst>
+                                          <p:attrName>style.visibility</p:attrName>
+                                        </p:attrNameLst>
+                                      </p:cBhvr>
+                                      <p:to>
+                                        <p:strVal val="visible"/>
+                                      </p:to>
+                                    </p:set>
+                                    <p:animEffect transition="in" filter="checkerboard(across)">
+                                      <p:cBhvr>
+                                        <p:cTn id="32" dur="500"/>
+                                        <p:tgtEl>
+                                          <p:spTgt spid="60"/>
+                                        </p:tgtEl>
+                                      </p:cBhvr>
+                                    </p:animEffect>
+                                  </p:childTnLst>
+                                </p:cTn>
+                              </p:par>
+                            </p:childTnLst>
+                          </p:cTn>
+                        </p:par>
+                      </p:childTnLst>
+                    </p:cTn>
+                  </p:par>
+                  <p:par>
+                    <p:cTn id="33" fill="hold">
+                      <p:stCondLst>
+                        <p:cond delay="indefinite"/>
+                      </p:stCondLst>
+                      <p:childTnLst>
+                        <p:par>
+                          <p:cTn id="34" fill="hold">
+                            <p:stCondLst>
+                              <p:cond delay="0"/>
+                            </p:stCondLst>
+                            <p:childTnLst>
+                              <p:par>
+                                <p:cTn id="35" presetID="5" presetClass="entr" presetSubtype="10" fill="hold" nodeType="clickEffect">
+                                  <p:stCondLst>
+                                    <p:cond delay="0"/>
+                                  </p:stCondLst>
+                                  <p:childTnLst>
+                                    <p:set>
+                                      <p:cBhvr>
+                                        <p:cTn id="36" dur="1" fill="hold">
+                                          <p:stCondLst>
+                                            <p:cond delay="0"/>
+                                          </p:stCondLst>
+                                        </p:cTn>
+                                        <p:tgtEl>
+                                          <p:spTgt spid="61"/>
+                                        </p:tgtEl>
+                                        <p:attrNameLst>
+                                          <p:attrName>style.visibility</p:attrName>
+                                        </p:attrNameLst>
+                                      </p:cBhvr>
+                                      <p:to>
+                                        <p:strVal val="visible"/>
+                                      </p:to>
+                                    </p:set>
+                                    <p:animEffect transition="in" filter="checkerboard(across)">
+                                      <p:cBhvr>
+                                        <p:cTn id="37" dur="500"/>
+                                        <p:tgtEl>
+                                          <p:spTgt spid="61"/>
+                                        </p:tgtEl>
+                                      </p:cBhvr>
+                                    </p:animEffect>
+                                  </p:childTnLst>
+                                </p:cTn>
+                              </p:par>
+                            </p:childTnLst>
+                          </p:cTn>
+                        </p:par>
+                      </p:childTnLst>
+                    </p:cTn>
+                  </p:par>
+                  <p:par>
+                    <p:cTn id="38" fill="hold">
+                      <p:stCondLst>
+                        <p:cond delay="indefinite"/>
+                      </p:stCondLst>
+                      <p:childTnLst>
+                        <p:par>
+                          <p:cTn id="39" fill="hold">
+                            <p:stCondLst>
+                              <p:cond delay="0"/>
+                            </p:stCondLst>
+                            <p:childTnLst>
+                              <p:par>
+                                <p:cTn id="40" presetID="5" presetClass="entr" presetSubtype="10" fill="hold" nodeType="clickEffect">
+                                  <p:stCondLst>
+                                    <p:cond delay="0"/>
+                                  </p:stCondLst>
+                                  <p:childTnLst>
+                                    <p:set>
+                                      <p:cBhvr>
+                                        <p:cTn id="41" dur="1" fill="hold">
+                                          <p:stCondLst>
+                                            <p:cond delay="0"/>
+                                          </p:stCondLst>
+                                        </p:cTn>
+                                        <p:tgtEl>
+                                          <p:spTgt spid="62"/>
+                                        </p:tgtEl>
+                                        <p:attrNameLst>
+                                          <p:attrName>style.visibility</p:attrName>
+                                        </p:attrNameLst>
+                                      </p:cBhvr>
+                                      <p:to>
+                                        <p:strVal val="visible"/>
+                                      </p:to>
+                                    </p:set>
+                                    <p:animEffect transition="in" filter="checkerboard(across)">
+                                      <p:cBhvr>
+                                        <p:cTn id="42" dur="500"/>
+                                        <p:tgtEl>
+                                          <p:spTgt spid="62"/>
+                                        </p:tgtEl>
+                                      </p:cBhvr>
+                                    </p:animEffect>
+                                  </p:childTnLst>
+                                </p:cTn>
+                              </p:par>
+                            </p:childTnLst>
+                          </p:cTn>
+                        </p:par>
+                      </p:childTnLst>
+                    </p:cTn>
+                  </p:par>
+                </p:childTnLst>
+              </p:cTn>
+              <p:prevCondLst>
+                <p:cond evt="onPrev" delay="0">
+                  <p:tgtEl>
+                    <p:sldTgt/>
+                  </p:tgtEl>
+                </p:cond>
+              </p:prevCondLst>
+              <p:nextCondLst>
+                <p:cond evt="onNext" delay="0">
+                  <p:tgtEl>
+                    <p:sldTgt/>
+                  </p:tgtEl>
+                </p:cond>
+              </p:nextCondLst>
+            </p:seq>
+          </p:childTnLst>
+        </p:cTn>
       </p:par>
     </p:tnLst>
   </p:timing>
@@ -5029,7 +9008,7 @@
           <a:p>
             <a:r>
               <a:rPr smtClean="0"/>
-              <a:t>6. Kết luận và hướng phát triển</a:t>
+              <a:t>5. Hiện thực hệ thống</a:t>
             </a:r>
             <a:endParaRPr lang="en-US"/>
           </a:p>
@@ -5045,12 +9024,110 @@
             <p:ph idx="1"/>
           </p:nvPr>
         </p:nvSpPr>
-        <p:spPr/>
+        <p:spPr>
+          <a:xfrm>
+            <a:off x="519113" y="1499616"/>
+            <a:ext cx="11149013" cy="3693319"/>
+          </a:xfrm>
+        </p:spPr>
         <p:txBody>
           <a:bodyPr/>
           <a:lstStyle/>
           <a:p>
-            <a:endParaRPr lang="en-US"/>
+            <a:r>
+              <a:rPr lang="en-US" smtClean="0"/>
+              <a:t>Công cụ phát triển: </a:t>
+            </a:r>
+            <a:r>
+              <a:rPr lang="en-US" b="1" smtClean="0"/>
+              <a:t>Visual Studio 2010.</a:t>
+            </a:r>
+          </a:p>
+          <a:p>
+            <a:r>
+              <a:rPr lang="en-US" smtClean="0"/>
+              <a:t>Trình quản lý cơ sở dữ liệu: </a:t>
+            </a:r>
+            <a:r>
+              <a:rPr lang="en-US" b="1" smtClean="0"/>
+              <a:t>Microsoft SQL Server 2008.</a:t>
+            </a:r>
+          </a:p>
+          <a:p>
+            <a:r>
+              <a:rPr lang="en-US" smtClean="0"/>
+              <a:t>Ngôn ngữ phát triển: </a:t>
+            </a:r>
+            <a:r>
+              <a:rPr lang="en-US" b="1" smtClean="0"/>
+              <a:t>ASP.NET/C#.</a:t>
+            </a:r>
+          </a:p>
+          <a:p>
+            <a:r>
+              <a:rPr lang="en-US" smtClean="0"/>
+              <a:t>Môi trường ứng dụng: </a:t>
+            </a:r>
+            <a:r>
+              <a:rPr lang="en-US" b="1" smtClean="0"/>
+              <a:t>Web Application.</a:t>
+            </a:r>
+          </a:p>
+          <a:p>
+            <a:r>
+              <a:rPr lang="en-US" smtClean="0"/>
+              <a:t>Công nghệ: </a:t>
+            </a:r>
+            <a:r>
+              <a:rPr lang="en-US" b="1" smtClean="0"/>
+              <a:t>Điện toán đám mây.</a:t>
+            </a:r>
+          </a:p>
+          <a:p>
+            <a:r>
+              <a:rPr lang="en-US" smtClean="0">
+                <a:latin typeface="Segoe UI (Body)"/>
+              </a:rPr>
+              <a:t>Quản lý code: </a:t>
+            </a:r>
+            <a:r>
+              <a:rPr lang="en-US" b="1" smtClean="0">
+                <a:latin typeface="Segoe UI (Body)"/>
+                <a:cs typeface="Times New Roman" pitchFamily="18" charset="0"/>
+              </a:rPr>
+              <a:t>Tortoise </a:t>
+            </a:r>
+            <a:r>
+              <a:rPr lang="en-US" b="1" smtClean="0">
+                <a:latin typeface="Segoe UI (Body)"/>
+                <a:cs typeface="Times New Roman" pitchFamily="18" charset="0"/>
+              </a:rPr>
+              <a:t>SVN</a:t>
+            </a:r>
+            <a:r>
+              <a:rPr lang="en-US" b="1" smtClean="0">
+                <a:latin typeface="Segoe UI (Body)"/>
+                <a:cs typeface="Times New Roman" pitchFamily="18" charset="0"/>
+              </a:rPr>
+              <a:t>.</a:t>
+            </a:r>
+          </a:p>
+          <a:p>
+            <a:r>
+              <a:rPr lang="en-US" smtClean="0">
+                <a:latin typeface="Times New Roman" pitchFamily="18" charset="0"/>
+                <a:cs typeface="Times New Roman" pitchFamily="18" charset="0"/>
+              </a:rPr>
+              <a:t>Quy trình phát triển ứng dụng: </a:t>
+            </a:r>
+            <a:r>
+              <a:rPr lang="en-US" b="1" smtClean="0">
+                <a:latin typeface="Times New Roman" pitchFamily="18" charset="0"/>
+                <a:cs typeface="Times New Roman" pitchFamily="18" charset="0"/>
+              </a:rPr>
+              <a:t>WaterFall.</a:t>
+            </a:r>
+            <a:endParaRPr lang="en-US" b="1"/>
           </a:p>
         </p:txBody>
       </p:sp>
@@ -5140,7 +9217,6 @@
               <a:rPr lang="en-US" sz="2800" smtClean="0"/>
               <a:t>Đặt vấn đề</a:t>
             </a:r>
-            <a:endParaRPr lang="en-US" sz="2800" smtClean="0"/>
           </a:p>
           <a:p>
             <a:pPr>
@@ -5151,7 +9227,6 @@
               <a:rPr lang="en-US" sz="2800" smtClean="0"/>
               <a:t>Mục tiêu và phạm vi khóa luận</a:t>
             </a:r>
-            <a:endParaRPr lang="en-US" sz="2800" smtClean="0"/>
           </a:p>
           <a:p>
             <a:pPr>
@@ -5192,7 +9267,6 @@
               <a:rPr lang="en-US" sz="2800" smtClean="0"/>
               <a:t>Kết luận và hướng phát triển</a:t>
             </a:r>
-            <a:endParaRPr lang="en-US" sz="2800" smtClean="0"/>
           </a:p>
         </p:txBody>
       </p:sp>
@@ -5215,6 +9289,88 @@
 </file>
 
 <file path=ppt/slides/slide20.xml><?xml version="1.0" encoding="utf-8"?>
+<p:sld xmlns:a="http://schemas.openxmlformats.org/drawingml/2006/main" xmlns:r="http://schemas.openxmlformats.org/officeDocument/2006/relationships" xmlns:p="http://schemas.openxmlformats.org/presentationml/2006/main">
+  <p:cSld>
+    <p:spTree>
+      <p:nvGrpSpPr>
+        <p:cNvPr id="1" name=""/>
+        <p:cNvGrpSpPr/>
+        <p:nvPr/>
+      </p:nvGrpSpPr>
+      <p:grpSpPr>
+        <a:xfrm>
+          <a:off x="0" y="0"/>
+          <a:ext cx="0" cy="0"/>
+          <a:chOff x="0" y="0"/>
+          <a:chExt cx="0" cy="0"/>
+        </a:xfrm>
+      </p:grpSpPr>
+      <p:sp>
+        <p:nvSpPr>
+          <p:cNvPr id="4" name="Title 1"/>
+          <p:cNvSpPr>
+            <a:spLocks noGrp="1"/>
+          </p:cNvSpPr>
+          <p:nvPr>
+            <p:ph type="title"/>
+          </p:nvPr>
+        </p:nvSpPr>
+        <p:spPr>
+          <a:xfrm>
+            <a:off x="519113" y="456806"/>
+            <a:ext cx="11149013" cy="664797"/>
+          </a:xfrm>
+        </p:spPr>
+        <p:txBody>
+          <a:bodyPr/>
+          <a:lstStyle/>
+          <a:p>
+            <a:r>
+              <a:rPr smtClean="0"/>
+              <a:t>6. Kết luận và hướng phát triển</a:t>
+            </a:r>
+            <a:endParaRPr lang="en-US"/>
+          </a:p>
+        </p:txBody>
+      </p:sp>
+      <p:sp>
+        <p:nvSpPr>
+          <p:cNvPr id="6" name="Content Placeholder 5"/>
+          <p:cNvSpPr>
+            <a:spLocks noGrp="1"/>
+          </p:cNvSpPr>
+          <p:nvPr>
+            <p:ph idx="1"/>
+          </p:nvPr>
+        </p:nvSpPr>
+        <p:spPr/>
+        <p:txBody>
+          <a:bodyPr/>
+          <a:lstStyle/>
+          <a:p>
+            <a:endParaRPr lang="en-US"/>
+          </a:p>
+        </p:txBody>
+      </p:sp>
+    </p:spTree>
+  </p:cSld>
+  <p:clrMapOvr>
+    <a:masterClrMapping/>
+  </p:clrMapOvr>
+  <p:transition>
+    <p:fade/>
+  </p:transition>
+  <p:timing>
+    <p:tnLst>
+      <p:par>
+        <p:cTn id="1" dur="indefinite" restart="never" nodeType="tmRoot"/>
+      </p:par>
+    </p:tnLst>
+  </p:timing>
+</p:sld>
+</file>
+
+<file path=ppt/slides/slide21.xml><?xml version="1.0" encoding="utf-8"?>
 <p:sld xmlns:a="http://schemas.openxmlformats.org/drawingml/2006/main" xmlns:r="http://schemas.openxmlformats.org/officeDocument/2006/relationships" xmlns:p="http://schemas.openxmlformats.org/presentationml/2006/main">
   <p:cSld>
     <p:spTree>
@@ -5287,7 +9443,7 @@
 </p:sld>
 </file>
 
-<file path=ppt/slides/slide21.xml><?xml version="1.0" encoding="utf-8"?>
+<file path=ppt/slides/slide22.xml><?xml version="1.0" encoding="utf-8"?>
 <p:sld xmlns:a="http://schemas.openxmlformats.org/drawingml/2006/main" xmlns:r="http://schemas.openxmlformats.org/officeDocument/2006/relationships" xmlns:p="http://schemas.openxmlformats.org/presentationml/2006/main">
   <p:cSld>
     <p:spTree>
@@ -5379,7 +9535,7 @@
     </p:spTree>
     <p:extLst>
       <p:ext uri="{BB962C8B-B14F-4D97-AF65-F5344CB8AC3E}">
-        <p14:creationId xmlns="" xmlns:p14="http://schemas.microsoft.com/office/powerpoint/2010/main" val="1953245266"/>
+        <p14:creationId xmlns:p14="http://schemas.microsoft.com/office/powerpoint/2010/main" xmlns="" val="1953245266"/>
       </p:ext>
     </p:extLst>
   </p:cSld>
@@ -5387,7 +9543,7 @@
     <a:masterClrMapping/>
   </p:clrMapOvr>
   <mc:AlternateContent xmlns:mc="http://schemas.openxmlformats.org/markup-compatibility/2006">
-    <mc:Choice xmlns="" xmlns:p14="http://schemas.microsoft.com/office/powerpoint/2010/main" Requires="p14">
+    <mc:Choice xmlns:p14="http://schemas.microsoft.com/office/powerpoint/2010/main" xmlns="" Requires="p14">
       <p:transition spd="med" p14:dur="700">
         <p:fade/>
       </p:transition>
@@ -7360,13 +11516,8 @@
             <a:pPr lvl="1"/>
             <a:r>
               <a:rPr lang="en-US" sz="2400" smtClean="0"/>
-              <a:t>Cách thức vận </a:t>
-            </a:r>
-            <a:r>
-              <a:rPr lang="en-US" sz="2400" smtClean="0"/>
-              <a:t>hành</a:t>
-            </a:r>
-            <a:endParaRPr lang="en-US" sz="2400" smtClean="0"/>
+              <a:t>Cách thức vận hành</a:t>
+            </a:r>
           </a:p>
           <a:p>
             <a:r>
@@ -7377,15 +11528,7 @@
           <a:p>
             <a:r>
               <a:rPr lang="en-US" sz="2800" smtClean="0"/>
-              <a:t>Triển khai ứng dụng sổ liên lạc điện tử trên </a:t>
-            </a:r>
-            <a:r>
-              <a:rPr lang="en-US" sz="2800" smtClean="0"/>
-              <a:t>nền tảng </a:t>
-            </a:r>
-            <a:r>
-              <a:rPr lang="en-US" sz="2800" smtClean="0"/>
-              <a:t>Windows Azure</a:t>
+              <a:t>Triển khai ứng dụng sổ liên lạc điện tử trên nền tảng Windows Azure</a:t>
             </a:r>
           </a:p>
         </p:txBody>
@@ -7871,13 +12014,8 @@
           <a:p>
             <a:r>
               <a:rPr lang="en-US" sz="2800" smtClean="0"/>
-              <a:t>Kiến trúc của điện toán đám mây bao gồm 3 tầng  </a:t>
-            </a:r>
-            <a:r>
-              <a:rPr lang="en-US" sz="2800" smtClean="0"/>
-              <a:t>: </a:t>
-            </a:r>
-            <a:endParaRPr lang="en-US" sz="2800" smtClean="0"/>
+              <a:t>Kiến trúc của điện toán đám mây bao gồm 3 tầng  : </a:t>
+            </a:r>
           </a:p>
         </p:txBody>
       </p:sp>
@@ -7918,17 +12056,8 @@
             </a:pPr>
             <a:r>
               <a:rPr lang="en-US" sz="2800" smtClean="0"/>
-              <a:t>Hệ </a:t>
-            </a:r>
-            <a:r>
-              <a:rPr lang="en-US" sz="2800" smtClean="0"/>
-              <a:t>thống hướng dịch vụ ( Infrastructure as Service </a:t>
-            </a:r>
-            <a:r>
-              <a:rPr lang="en-US" sz="2800" smtClean="0"/>
-              <a:t>). </a:t>
-            </a:r>
-            <a:endParaRPr lang="en-US" sz="2800" smtClean="0"/>
+              <a:t>Hệ thống hướng dịch vụ ( Infrastructure as Service ). </a:t>
+            </a:r>
           </a:p>
           <a:p>
             <a:pPr marL="533307" indent="-533307">
@@ -7963,11 +12092,7 @@
             </a:pPr>
             <a:r>
               <a:rPr lang="en-US" sz="2800" smtClean="0"/>
-              <a:t>Phần </a:t>
-            </a:r>
-            <a:r>
-              <a:rPr lang="en-US" sz="2800" smtClean="0"/>
-              <a:t>mềm hướng dịch vụ ( Software as Service).</a:t>
+              <a:t>Phần mềm hướng dịch vụ ( Software as Service).</a:t>
             </a:r>
           </a:p>
           <a:p>
@@ -8092,15 +12217,7 @@
                   <a:srgbClr val="FFFFFF"/>
                 </a:solidFill>
               </a:rPr>
-              <a:t>Đám </a:t>
-            </a:r>
-            <a:r>
-              <a:rPr lang="en-US" sz="2800" smtClean="0">
-                <a:solidFill>
-                  <a:srgbClr val="FFFFFF"/>
-                </a:solidFill>
-              </a:rPr>
-              <a:t>mây công cộng ( Public Cloud)</a:t>
+              <a:t>Đám mây công cộng ( Public Cloud)</a:t>
             </a:r>
           </a:p>
           <a:p>
@@ -9415,7 +13532,7 @@
     </p:spTree>
     <p:extLst>
       <p:ext uri="{BB962C8B-B14F-4D97-AF65-F5344CB8AC3E}">
-        <p14:creationId xmlns="" xmlns:p14="http://schemas.microsoft.com/office/powerpoint/2010/main" val="2925076787"/>
+        <p14:creationId xmlns:p14="http://schemas.microsoft.com/office/powerpoint/2010/main" xmlns="" val="2925076787"/>
       </p:ext>
     </p:extLst>
   </p:cSld>

--- a/Project_Management/Báo cáo khóa luận/Presentation.pptx
+++ b/Project_Management/Báo cáo khóa luận/Presentation.pptx
@@ -234,7 +234,7 @@
                 <a:latin typeface="Segoe UI" pitchFamily="34" charset="0"/>
               </a:rPr>
               <a:pPr/>
-              <a:t>27/12/2011</a:t>
+              <a:t>29/12/2011</a:t>
             </a:fld>
             <a:endParaRPr lang="en-US">
               <a:latin typeface="Segoe UI" pitchFamily="34" charset="0"/>
@@ -352,7 +352,7 @@
     </p:spTree>
     <p:extLst>
       <p:ext uri="{BB962C8B-B14F-4D97-AF65-F5344CB8AC3E}">
-        <p14:creationId xmlns:p14="http://schemas.microsoft.com/office/powerpoint/2010/main" xmlns="" val="4144106037"/>
+        <p14:creationId xmlns="" xmlns:p14="http://schemas.microsoft.com/office/powerpoint/2010/main" val="4144106037"/>
       </p:ext>
     </p:extLst>
   </p:cSld>
@@ -451,7 +451,7 @@
             <a:fld id="{7C3FBCD4-166E-446F-AF18-7D4A0CF9AEF6}" type="datetimeFigureOut">
               <a:rPr lang="en-US" smtClean="0"/>
               <a:pPr/>
-              <a:t>27/12/2011</a:t>
+              <a:t>29/12/2011</a:t>
             </a:fld>
             <a:endParaRPr lang="en-US"/>
           </a:p>
@@ -662,7 +662,7 @@
     </p:spTree>
     <p:extLst>
       <p:ext uri="{BB962C8B-B14F-4D97-AF65-F5344CB8AC3E}">
-        <p14:creationId xmlns:p14="http://schemas.microsoft.com/office/powerpoint/2010/main" xmlns="" val="2509398179"/>
+        <p14:creationId xmlns="" xmlns:p14="http://schemas.microsoft.com/office/powerpoint/2010/main" val="2509398179"/>
       </p:ext>
     </p:extLst>
   </p:cSld>
@@ -875,7 +875,7 @@
     </p:spTree>
     <p:extLst>
       <p:ext uri="{BB962C8B-B14F-4D97-AF65-F5344CB8AC3E}">
-        <p14:creationId xmlns:p14="http://schemas.microsoft.com/office/powerpoint/2010/main" xmlns="" val="2845516244"/>
+        <p14:creationId xmlns="" xmlns:p14="http://schemas.microsoft.com/office/powerpoint/2010/main" val="2845516244"/>
       </p:ext>
     </p:extLst>
   </p:cSld>
@@ -962,7 +962,7 @@
     </p:spTree>
     <p:extLst>
       <p:ext uri="{BB962C8B-B14F-4D97-AF65-F5344CB8AC3E}">
-        <p14:creationId xmlns:p14="http://schemas.microsoft.com/office/powerpoint/2010/main" xmlns="" val="4231630105"/>
+        <p14:creationId xmlns="" xmlns:p14="http://schemas.microsoft.com/office/powerpoint/2010/main" val="4231630105"/>
       </p:ext>
     </p:extLst>
   </p:cSld>
@@ -1047,7 +1047,7 @@
     </p:spTree>
     <p:extLst>
       <p:ext uri="{BB962C8B-B14F-4D97-AF65-F5344CB8AC3E}">
-        <p14:creationId xmlns:p14="http://schemas.microsoft.com/office/powerpoint/2010/main" xmlns="" val="3834132863"/>
+        <p14:creationId xmlns="" xmlns:p14="http://schemas.microsoft.com/office/powerpoint/2010/main" val="3834132863"/>
       </p:ext>
     </p:extLst>
   </p:cSld>
@@ -1067,7 +1067,7 @@
             <a:lum/>
             <a:extLst>
               <a:ext uri="{28A0092B-C50C-407E-A947-70E740481C1C}">
-                <a14:useLocalDpi xmlns:a14="http://schemas.microsoft.com/office/drawing/2010/main" xmlns="" val="0"/>
+                <a14:useLocalDpi xmlns="" xmlns:a14="http://schemas.microsoft.com/office/drawing/2010/main" val="0"/>
               </a:ext>
             </a:extLst>
           </a:blip>
@@ -1275,7 +1275,7 @@
     </p:spTree>
     <p:extLst>
       <p:ext uri="{BB962C8B-B14F-4D97-AF65-F5344CB8AC3E}">
-        <p14:creationId xmlns:p14="http://schemas.microsoft.com/office/powerpoint/2010/main" xmlns="" val="3247851305"/>
+        <p14:creationId xmlns="" xmlns:p14="http://schemas.microsoft.com/office/powerpoint/2010/main" val="3247851305"/>
       </p:ext>
     </p:extLst>
   </p:cSld>
@@ -1426,7 +1426,7 @@
     </p:spTree>
     <p:extLst>
       <p:ext uri="{BB962C8B-B14F-4D97-AF65-F5344CB8AC3E}">
-        <p14:creationId xmlns:p14="http://schemas.microsoft.com/office/powerpoint/2010/main" xmlns="" val="1020099824"/>
+        <p14:creationId xmlns="" xmlns:p14="http://schemas.microsoft.com/office/powerpoint/2010/main" val="1020099824"/>
       </p:ext>
     </p:extLst>
   </p:cSld>
@@ -1692,7 +1692,7 @@
     </p:spTree>
     <p:extLst>
       <p:ext uri="{BB962C8B-B14F-4D97-AF65-F5344CB8AC3E}">
-        <p14:creationId xmlns:p14="http://schemas.microsoft.com/office/powerpoint/2010/main" xmlns="" val="3061710331"/>
+        <p14:creationId xmlns="" xmlns:p14="http://schemas.microsoft.com/office/powerpoint/2010/main" val="3061710331"/>
       </p:ext>
     </p:extLst>
   </p:cSld>
@@ -1761,7 +1761,7 @@
     </p:spTree>
     <p:extLst>
       <p:ext uri="{BB962C8B-B14F-4D97-AF65-F5344CB8AC3E}">
-        <p14:creationId xmlns:p14="http://schemas.microsoft.com/office/powerpoint/2010/main" xmlns="" val="1815284288"/>
+        <p14:creationId xmlns="" xmlns:p14="http://schemas.microsoft.com/office/powerpoint/2010/main" val="1815284288"/>
       </p:ext>
     </p:extLst>
   </p:cSld>
@@ -1835,7 +1835,7 @@
     </p:spTree>
     <p:extLst>
       <p:ext uri="{BB962C8B-B14F-4D97-AF65-F5344CB8AC3E}">
-        <p14:creationId xmlns:p14="http://schemas.microsoft.com/office/powerpoint/2010/main" xmlns="" val="2909031574"/>
+        <p14:creationId xmlns="" xmlns:p14="http://schemas.microsoft.com/office/powerpoint/2010/main" val="2909031574"/>
       </p:ext>
     </p:extLst>
   </p:cSld>
@@ -2124,7 +2124,7 @@
     </p:spTree>
     <p:extLst>
       <p:ext uri="{BB962C8B-B14F-4D97-AF65-F5344CB8AC3E}">
-        <p14:creationId xmlns:p14="http://schemas.microsoft.com/office/powerpoint/2010/main" xmlns="" val="517179932"/>
+        <p14:creationId xmlns="" xmlns:p14="http://schemas.microsoft.com/office/powerpoint/2010/main" val="517179932"/>
       </p:ext>
     </p:extLst>
   </p:cSld>
@@ -2164,7 +2164,7 @@
     </p:spTree>
     <p:extLst>
       <p:ext uri="{BB962C8B-B14F-4D97-AF65-F5344CB8AC3E}">
-        <p14:creationId xmlns:p14="http://schemas.microsoft.com/office/powerpoint/2010/main" xmlns="" val="1461056470"/>
+        <p14:creationId xmlns="" xmlns:p14="http://schemas.microsoft.com/office/powerpoint/2010/main" val="1461056470"/>
       </p:ext>
     </p:extLst>
   </p:cSld>
@@ -2607,7 +2607,7 @@
     </p:spTree>
     <p:extLst>
       <p:ext uri="{BB962C8B-B14F-4D97-AF65-F5344CB8AC3E}">
-        <p14:creationId xmlns:p14="http://schemas.microsoft.com/office/powerpoint/2010/main" xmlns="" val="3842700467"/>
+        <p14:creationId xmlns="" xmlns:p14="http://schemas.microsoft.com/office/powerpoint/2010/main" val="3842700467"/>
       </p:ext>
     </p:extLst>
   </p:cSld>
@@ -2636,7 +2636,7 @@
           <a:blip r:embed="rId11">
             <a:extLst>
               <a:ext uri="{28A0092B-C50C-407E-A947-70E740481C1C}">
-                <a14:useLocalDpi xmlns:a14="http://schemas.microsoft.com/office/drawing/2010/main" xmlns="" val="0"/>
+                <a14:useLocalDpi xmlns="" xmlns:a14="http://schemas.microsoft.com/office/drawing/2010/main" val="0"/>
               </a:ext>
             </a:extLst>
           </a:blip>
@@ -2760,7 +2760,7 @@
     </p:spTree>
     <p:extLst>
       <p:ext uri="{BB962C8B-B14F-4D97-AF65-F5344CB8AC3E}">
-        <p14:creationId xmlns:p14="http://schemas.microsoft.com/office/powerpoint/2010/main" xmlns="" val="1605506760"/>
+        <p14:creationId xmlns="" xmlns:p14="http://schemas.microsoft.com/office/powerpoint/2010/main" val="1605506760"/>
       </p:ext>
     </p:extLst>
   </p:cSld>
@@ -3239,7 +3239,7 @@
           <a:blip r:embed="rId3">
             <a:extLst>
               <a:ext uri="{28A0092B-C50C-407E-A947-70E740481C1C}">
-                <a14:useLocalDpi xmlns:a14="http://schemas.microsoft.com/office/drawing/2010/main" xmlns="" val="0"/>
+                <a14:useLocalDpi xmlns="" xmlns:a14="http://schemas.microsoft.com/office/drawing/2010/main" val="0"/>
               </a:ext>
             </a:extLst>
           </a:blip>
@@ -3259,7 +3259,7 @@
           <a:noFill/>
           <a:extLst>
             <a:ext uri="{909E8E84-426E-40DD-AFC4-6F175D3DCCD1}">
-              <a14:hiddenFill xmlns:a14="http://schemas.microsoft.com/office/drawing/2010/main" xmlns="">
+              <a14:hiddenFill xmlns="" xmlns:a14="http://schemas.microsoft.com/office/drawing/2010/main">
                 <a:solidFill>
                   <a:srgbClr val="FFFFFF"/>
                 </a:solidFill>
@@ -3271,7 +3271,7 @@
     </p:spTree>
     <p:extLst>
       <p:ext uri="{BB962C8B-B14F-4D97-AF65-F5344CB8AC3E}">
-        <p14:creationId xmlns:p14="http://schemas.microsoft.com/office/powerpoint/2010/main" xmlns="" val="3137854148"/>
+        <p14:creationId xmlns="" xmlns:p14="http://schemas.microsoft.com/office/powerpoint/2010/main" val="3137854148"/>
       </p:ext>
     </p:extLst>
   </p:cSld>
@@ -3279,7 +3279,7 @@
     <a:masterClrMapping/>
   </p:clrMapOvr>
   <mc:AlternateContent xmlns:mc="http://schemas.openxmlformats.org/markup-compatibility/2006">
-    <mc:Choice xmlns:p14="http://schemas.microsoft.com/office/powerpoint/2010/main" xmlns="" Requires="p14">
+    <mc:Choice xmlns="" xmlns:p14="http://schemas.microsoft.com/office/powerpoint/2010/main" Requires="p14">
       <p:transition spd="med" p14:dur="700">
         <p:fade/>
       </p:transition>
@@ -3448,7 +3448,7 @@
         <p:spPr>
           <a:xfrm>
             <a:off x="682625" y="2139077"/>
-            <a:ext cx="6172200" cy="2585323"/>
+            <a:ext cx="6172200" cy="3748719"/>
           </a:xfrm>
           <a:prstGeom prst="rect">
             <a:avLst/>
@@ -3598,7 +3598,7 @@
               <a:defRPr/>
             </a:pPr>
             <a:r>
-              <a:rPr kumimoji="0" lang="vi-VN" sz="2800" b="0" i="0" u="none" strike="noStrike" kern="1200" cap="none" spc="0" normalizeH="0" baseline="0" noProof="0" smtClean="0">
+              <a:rPr kumimoji="0" lang="en-US" sz="2800" b="0" i="0" u="none" strike="noStrike" kern="1200" cap="none" spc="0" normalizeH="0" baseline="0" noProof="0" smtClean="0">
                 <a:ln>
                   <a:noFill/>
                 </a:ln>
@@ -3620,7 +3620,32 @@
                 <a:ea typeface="+mn-ea"/>
                 <a:cs typeface="+mn-cs"/>
               </a:rPr>
-              <a:t>Bảo mật và kiểm tra dữ liệu</a:t>
+              <a:t>Quan điểm</a:t>
+            </a:r>
+            <a:r>
+              <a:rPr kumimoji="0" lang="en-US" sz="2800" b="0" i="0" u="none" strike="noStrike" kern="1200" cap="none" spc="0" normalizeH="0" noProof="0" smtClean="0">
+                <a:ln>
+                  <a:noFill/>
+                </a:ln>
+                <a:gradFill>
+                  <a:gsLst>
+                    <a:gs pos="0">
+                      <a:schemeClr val="tx1"/>
+                    </a:gs>
+                    <a:gs pos="86000">
+                      <a:schemeClr val="tx1"/>
+                    </a:gs>
+                  </a:gsLst>
+                  <a:lin ang="5400000" scaled="0"/>
+                </a:gradFill>
+                <a:effectLst/>
+                <a:uLnTx/>
+                <a:uFillTx/>
+                <a:latin typeface="+mn-lt"/>
+                <a:ea typeface="+mn-ea"/>
+                <a:cs typeface="+mn-cs"/>
+              </a:rPr>
+              <a:t> của người dùng về bảo mật dữ liệu khi chuyển giao cho nhà cung cấp.</a:t>
             </a:r>
             <a:endParaRPr kumimoji="0" lang="en-US" sz="2800" b="0" i="0" u="none" strike="noStrike" kern="1200" cap="none" spc="0" normalizeH="0" baseline="0" noProof="0" smtClean="0">
               <a:ln>
@@ -3666,7 +3691,7 @@
               <a:defRPr/>
             </a:pPr>
             <a:r>
-              <a:rPr kumimoji="0" lang="vi-VN" sz="2800" b="0" i="0" u="none" strike="noStrike" kern="1200" cap="none" spc="0" normalizeH="0" baseline="0" noProof="0" smtClean="0">
+              <a:rPr kumimoji="0" lang="en-US" sz="2800" b="0" i="0" u="none" strike="noStrike" kern="1200" cap="none" spc="0" normalizeH="0" baseline="0" noProof="0" smtClean="0">
                 <a:ln>
                   <a:noFill/>
                 </a:ln>
@@ -3688,7 +3713,32 @@
                 <a:ea typeface="+mn-ea"/>
                 <a:cs typeface="+mn-cs"/>
               </a:rPr>
-              <a:t>Tắc nghẽn trên đường truyền dữ liệu</a:t>
+              <a:t>Giá</a:t>
+            </a:r>
+            <a:r>
+              <a:rPr kumimoji="0" lang="en-US" sz="2800" b="0" i="0" u="none" strike="noStrike" kern="1200" cap="none" spc="0" normalizeH="0" noProof="0" smtClean="0">
+                <a:ln>
+                  <a:noFill/>
+                </a:ln>
+                <a:gradFill>
+                  <a:gsLst>
+                    <a:gs pos="0">
+                      <a:schemeClr val="tx1"/>
+                    </a:gs>
+                    <a:gs pos="86000">
+                      <a:schemeClr val="tx1"/>
+                    </a:gs>
+                  </a:gsLst>
+                  <a:lin ang="5400000" scaled="0"/>
+                </a:gradFill>
+                <a:effectLst/>
+                <a:uLnTx/>
+                <a:uFillTx/>
+                <a:latin typeface="+mn-lt"/>
+                <a:ea typeface="+mn-ea"/>
+                <a:cs typeface="+mn-cs"/>
+              </a:rPr>
+              <a:t> thành để nghiên cứu và phát triển ngay từ đầu là khá cao đối với nhà cung cấp.</a:t>
             </a:r>
             <a:endParaRPr kumimoji="0" lang="en-US" sz="2800" b="0" i="0" u="none" strike="noStrike" kern="1200" cap="none" spc="0" normalizeH="0" baseline="0" noProof="0" smtClean="0">
               <a:ln>
@@ -3841,7 +3891,7 @@
         </p:blipFill>
         <p:spPr bwMode="auto">
           <a:xfrm>
-            <a:off x="6856412" y="1600200"/>
+            <a:off x="6932612" y="2133600"/>
             <a:ext cx="4761941" cy="2895600"/>
           </a:xfrm>
           <a:prstGeom prst="rect">
@@ -9095,21 +9145,7 @@
                 <a:latin typeface="Segoe UI (Body)"/>
                 <a:cs typeface="Times New Roman" pitchFamily="18" charset="0"/>
               </a:rPr>
-              <a:t>Tortoise </a:t>
-            </a:r>
-            <a:r>
-              <a:rPr lang="en-US" b="1" smtClean="0">
-                <a:latin typeface="Segoe UI (Body)"/>
-                <a:cs typeface="Times New Roman" pitchFamily="18" charset="0"/>
-              </a:rPr>
-              <a:t>SVN</a:t>
-            </a:r>
-            <a:r>
-              <a:rPr lang="en-US" b="1" smtClean="0">
-                <a:latin typeface="Segoe UI (Body)"/>
-                <a:cs typeface="Times New Roman" pitchFamily="18" charset="0"/>
-              </a:rPr>
-              <a:t>.</a:t>
+              <a:t>Tortoise SVN.</a:t>
             </a:r>
           </a:p>
           <a:p>
@@ -9535,7 +9571,7 @@
     </p:spTree>
     <p:extLst>
       <p:ext uri="{BB962C8B-B14F-4D97-AF65-F5344CB8AC3E}">
-        <p14:creationId xmlns:p14="http://schemas.microsoft.com/office/powerpoint/2010/main" xmlns="" val="1953245266"/>
+        <p14:creationId xmlns="" xmlns:p14="http://schemas.microsoft.com/office/powerpoint/2010/main" val="1953245266"/>
       </p:ext>
     </p:extLst>
   </p:cSld>
@@ -9543,7 +9579,7 @@
     <a:masterClrMapping/>
   </p:clrMapOvr>
   <mc:AlternateContent xmlns:mc="http://schemas.openxmlformats.org/markup-compatibility/2006">
-    <mc:Choice xmlns:p14="http://schemas.microsoft.com/office/powerpoint/2010/main" xmlns="" Requires="p14">
+    <mc:Choice xmlns="" xmlns:p14="http://schemas.microsoft.com/office/powerpoint/2010/main" Requires="p14">
       <p:transition spd="med" p14:dur="700">
         <p:fade/>
       </p:transition>
@@ -13532,7 +13568,7 @@
     </p:spTree>
     <p:extLst>
       <p:ext uri="{BB962C8B-B14F-4D97-AF65-F5344CB8AC3E}">
-        <p14:creationId xmlns:p14="http://schemas.microsoft.com/office/powerpoint/2010/main" xmlns="" val="2925076787"/>
+        <p14:creationId xmlns="" xmlns:p14="http://schemas.microsoft.com/office/powerpoint/2010/main" val="2925076787"/>
       </p:ext>
     </p:extLst>
   </p:cSld>

--- a/Project_Management/Báo cáo khóa luận/Presentation.pptx
+++ b/Project_Management/Báo cáo khóa luận/Presentation.pptx
@@ -5,10 +5,10 @@
     <p:sldMasterId id="2147483740" r:id="rId1"/>
   </p:sldMasterIdLst>
   <p:notesMasterIdLst>
-    <p:notesMasterId r:id="rId26"/>
+    <p:notesMasterId r:id="rId27"/>
   </p:notesMasterIdLst>
   <p:handoutMasterIdLst>
-    <p:handoutMasterId r:id="rId27"/>
+    <p:handoutMasterId r:id="rId28"/>
   </p:handoutMasterIdLst>
   <p:sldIdLst>
     <p:sldId id="256" r:id="rId2"/>
@@ -34,7 +34,8 @@
     <p:sldId id="323" r:id="rId22"/>
     <p:sldId id="302" r:id="rId23"/>
     <p:sldId id="301" r:id="rId24"/>
-    <p:sldId id="266" r:id="rId25"/>
+    <p:sldId id="325" r:id="rId25"/>
+    <p:sldId id="266" r:id="rId26"/>
   </p:sldIdLst>
   <p:sldSz cx="12188825" cy="6858000"/>
   <p:notesSz cx="6858000" cy="9144000"/>
@@ -236,7 +237,7 @@
                 <a:latin typeface="Segoe UI" pitchFamily="34" charset="0"/>
               </a:rPr>
               <a:pPr/>
-              <a:t>06/01/2012</a:t>
+              <a:t>11/02/2012</a:t>
             </a:fld>
             <a:endParaRPr lang="en-US">
               <a:latin typeface="Segoe UI" pitchFamily="34" charset="0"/>
@@ -354,7 +355,7 @@
     </p:spTree>
     <p:extLst>
       <p:ext uri="{BB962C8B-B14F-4D97-AF65-F5344CB8AC3E}">
-        <p14:creationId xmlns:p14="http://schemas.microsoft.com/office/powerpoint/2010/main" xmlns="" val="4144106037"/>
+        <p14:creationId xmlns="" xmlns:p14="http://schemas.microsoft.com/office/powerpoint/2010/main" val="4144106037"/>
       </p:ext>
     </p:extLst>
   </p:cSld>
@@ -453,7 +454,7 @@
             <a:fld id="{7C3FBCD4-166E-446F-AF18-7D4A0CF9AEF6}" type="datetimeFigureOut">
               <a:rPr lang="en-US" smtClean="0"/>
               <a:pPr/>
-              <a:t>06/01/2012</a:t>
+              <a:t>11/02/2012</a:t>
             </a:fld>
             <a:endParaRPr lang="en-US"/>
           </a:p>
@@ -664,7 +665,7 @@
     </p:spTree>
     <p:extLst>
       <p:ext uri="{BB962C8B-B14F-4D97-AF65-F5344CB8AC3E}">
-        <p14:creationId xmlns:p14="http://schemas.microsoft.com/office/powerpoint/2010/main" xmlns="" val="2509398179"/>
+        <p14:creationId xmlns="" xmlns:p14="http://schemas.microsoft.com/office/powerpoint/2010/main" val="2509398179"/>
       </p:ext>
     </p:extLst>
   </p:cSld>
@@ -877,7 +878,7 @@
     </p:spTree>
     <p:extLst>
       <p:ext uri="{BB962C8B-B14F-4D97-AF65-F5344CB8AC3E}">
-        <p14:creationId xmlns:p14="http://schemas.microsoft.com/office/powerpoint/2010/main" xmlns="" val="2845516244"/>
+        <p14:creationId xmlns="" xmlns:p14="http://schemas.microsoft.com/office/powerpoint/2010/main" val="2845516244"/>
       </p:ext>
     </p:extLst>
   </p:cSld>
@@ -964,7 +965,7 @@
     </p:spTree>
     <p:extLst>
       <p:ext uri="{BB962C8B-B14F-4D97-AF65-F5344CB8AC3E}">
-        <p14:creationId xmlns:p14="http://schemas.microsoft.com/office/powerpoint/2010/main" xmlns="" val="4231630105"/>
+        <p14:creationId xmlns="" xmlns:p14="http://schemas.microsoft.com/office/powerpoint/2010/main" val="4231630105"/>
       </p:ext>
     </p:extLst>
   </p:cSld>
@@ -1040,7 +1041,7 @@
             <a:fld id="{8B263312-38AA-4E1E-B2B5-0F8F122B24FE}" type="slidenum">
               <a:rPr lang="en-US" smtClean="0"/>
               <a:pPr/>
-              <a:t>24</a:t>
+              <a:t>25</a:t>
             </a:fld>
             <a:endParaRPr lang="en-US"/>
           </a:p>
@@ -1049,7 +1050,7 @@
     </p:spTree>
     <p:extLst>
       <p:ext uri="{BB962C8B-B14F-4D97-AF65-F5344CB8AC3E}">
-        <p14:creationId xmlns:p14="http://schemas.microsoft.com/office/powerpoint/2010/main" xmlns="" val="3834132863"/>
+        <p14:creationId xmlns="" xmlns:p14="http://schemas.microsoft.com/office/powerpoint/2010/main" val="3834132863"/>
       </p:ext>
     </p:extLst>
   </p:cSld>
@@ -1069,7 +1070,7 @@
             <a:lum/>
             <a:extLst>
               <a:ext uri="{28A0092B-C50C-407E-A947-70E740481C1C}">
-                <a14:useLocalDpi xmlns:a14="http://schemas.microsoft.com/office/drawing/2010/main" xmlns="" val="0"/>
+                <a14:useLocalDpi xmlns="" xmlns:a14="http://schemas.microsoft.com/office/drawing/2010/main" val="0"/>
               </a:ext>
             </a:extLst>
           </a:blip>
@@ -1277,7 +1278,7 @@
     </p:spTree>
     <p:extLst>
       <p:ext uri="{BB962C8B-B14F-4D97-AF65-F5344CB8AC3E}">
-        <p14:creationId xmlns:p14="http://schemas.microsoft.com/office/powerpoint/2010/main" xmlns="" val="3247851305"/>
+        <p14:creationId xmlns="" xmlns:p14="http://schemas.microsoft.com/office/powerpoint/2010/main" val="3247851305"/>
       </p:ext>
     </p:extLst>
   </p:cSld>
@@ -1428,7 +1429,7 @@
     </p:spTree>
     <p:extLst>
       <p:ext uri="{BB962C8B-B14F-4D97-AF65-F5344CB8AC3E}">
-        <p14:creationId xmlns:p14="http://schemas.microsoft.com/office/powerpoint/2010/main" xmlns="" val="1020099824"/>
+        <p14:creationId xmlns="" xmlns:p14="http://schemas.microsoft.com/office/powerpoint/2010/main" val="1020099824"/>
       </p:ext>
     </p:extLst>
   </p:cSld>
@@ -1694,7 +1695,7 @@
     </p:spTree>
     <p:extLst>
       <p:ext uri="{BB962C8B-B14F-4D97-AF65-F5344CB8AC3E}">
-        <p14:creationId xmlns:p14="http://schemas.microsoft.com/office/powerpoint/2010/main" xmlns="" val="3061710331"/>
+        <p14:creationId xmlns="" xmlns:p14="http://schemas.microsoft.com/office/powerpoint/2010/main" val="3061710331"/>
       </p:ext>
     </p:extLst>
   </p:cSld>
@@ -1763,7 +1764,7 @@
     </p:spTree>
     <p:extLst>
       <p:ext uri="{BB962C8B-B14F-4D97-AF65-F5344CB8AC3E}">
-        <p14:creationId xmlns:p14="http://schemas.microsoft.com/office/powerpoint/2010/main" xmlns="" val="1815284288"/>
+        <p14:creationId xmlns="" xmlns:p14="http://schemas.microsoft.com/office/powerpoint/2010/main" val="1815284288"/>
       </p:ext>
     </p:extLst>
   </p:cSld>
@@ -1837,7 +1838,7 @@
     </p:spTree>
     <p:extLst>
       <p:ext uri="{BB962C8B-B14F-4D97-AF65-F5344CB8AC3E}">
-        <p14:creationId xmlns:p14="http://schemas.microsoft.com/office/powerpoint/2010/main" xmlns="" val="2909031574"/>
+        <p14:creationId xmlns="" xmlns:p14="http://schemas.microsoft.com/office/powerpoint/2010/main" val="2909031574"/>
       </p:ext>
     </p:extLst>
   </p:cSld>
@@ -2126,7 +2127,7 @@
     </p:spTree>
     <p:extLst>
       <p:ext uri="{BB962C8B-B14F-4D97-AF65-F5344CB8AC3E}">
-        <p14:creationId xmlns:p14="http://schemas.microsoft.com/office/powerpoint/2010/main" xmlns="" val="517179932"/>
+        <p14:creationId xmlns="" xmlns:p14="http://schemas.microsoft.com/office/powerpoint/2010/main" val="517179932"/>
       </p:ext>
     </p:extLst>
   </p:cSld>
@@ -2166,7 +2167,7 @@
     </p:spTree>
     <p:extLst>
       <p:ext uri="{BB962C8B-B14F-4D97-AF65-F5344CB8AC3E}">
-        <p14:creationId xmlns:p14="http://schemas.microsoft.com/office/powerpoint/2010/main" xmlns="" val="1461056470"/>
+        <p14:creationId xmlns="" xmlns:p14="http://schemas.microsoft.com/office/powerpoint/2010/main" val="1461056470"/>
       </p:ext>
     </p:extLst>
   </p:cSld>
@@ -2609,7 +2610,7 @@
     </p:spTree>
     <p:extLst>
       <p:ext uri="{BB962C8B-B14F-4D97-AF65-F5344CB8AC3E}">
-        <p14:creationId xmlns:p14="http://schemas.microsoft.com/office/powerpoint/2010/main" xmlns="" val="3842700467"/>
+        <p14:creationId xmlns="" xmlns:p14="http://schemas.microsoft.com/office/powerpoint/2010/main" val="3842700467"/>
       </p:ext>
     </p:extLst>
   </p:cSld>
@@ -2638,7 +2639,7 @@
           <a:blip r:embed="rId11">
             <a:extLst>
               <a:ext uri="{28A0092B-C50C-407E-A947-70E740481C1C}">
-                <a14:useLocalDpi xmlns:a14="http://schemas.microsoft.com/office/drawing/2010/main" xmlns="" val="0"/>
+                <a14:useLocalDpi xmlns="" xmlns:a14="http://schemas.microsoft.com/office/drawing/2010/main" val="0"/>
               </a:ext>
             </a:extLst>
           </a:blip>
@@ -2762,7 +2763,7 @@
     </p:spTree>
     <p:extLst>
       <p:ext uri="{BB962C8B-B14F-4D97-AF65-F5344CB8AC3E}">
-        <p14:creationId xmlns:p14="http://schemas.microsoft.com/office/powerpoint/2010/main" xmlns="" val="1605506760"/>
+        <p14:creationId xmlns="" xmlns:p14="http://schemas.microsoft.com/office/powerpoint/2010/main" val="1605506760"/>
       </p:ext>
     </p:extLst>
   </p:cSld>
@@ -3248,7 +3249,7 @@
           <a:blip r:embed="rId3">
             <a:extLst>
               <a:ext uri="{28A0092B-C50C-407E-A947-70E740481C1C}">
-                <a14:useLocalDpi xmlns:a14="http://schemas.microsoft.com/office/drawing/2010/main" xmlns="" val="0"/>
+                <a14:useLocalDpi xmlns="" xmlns:a14="http://schemas.microsoft.com/office/drawing/2010/main" val="0"/>
               </a:ext>
             </a:extLst>
           </a:blip>
@@ -3268,7 +3269,7 @@
           <a:noFill/>
           <a:extLst>
             <a:ext uri="{909E8E84-426E-40DD-AFC4-6F175D3DCCD1}">
-              <a14:hiddenFill xmlns:a14="http://schemas.microsoft.com/office/drawing/2010/main" xmlns="">
+              <a14:hiddenFill xmlns="" xmlns:a14="http://schemas.microsoft.com/office/drawing/2010/main">
                 <a:solidFill>
                   <a:srgbClr val="FFFFFF"/>
                 </a:solidFill>
@@ -3280,7 +3281,7 @@
     </p:spTree>
     <p:extLst>
       <p:ext uri="{BB962C8B-B14F-4D97-AF65-F5344CB8AC3E}">
-        <p14:creationId xmlns:p14="http://schemas.microsoft.com/office/powerpoint/2010/main" xmlns="" val="3137854148"/>
+        <p14:creationId xmlns="" xmlns:p14="http://schemas.microsoft.com/office/powerpoint/2010/main" val="3137854148"/>
       </p:ext>
     </p:extLst>
   </p:cSld>
@@ -3288,7 +3289,7 @@
     <a:masterClrMapping/>
   </p:clrMapOvr>
   <mc:AlternateContent xmlns:mc="http://schemas.openxmlformats.org/markup-compatibility/2006">
-    <mc:Choice xmlns:p14="http://schemas.microsoft.com/office/powerpoint/2010/main" xmlns="" Requires="p14">
+    <mc:Choice xmlns="" xmlns:p14="http://schemas.microsoft.com/office/powerpoint/2010/main" Requires="p14">
       <p:transition spd="med" p14:dur="700">
         <p:fade/>
       </p:transition>
@@ -3457,7 +3458,7 @@
         <p:spPr>
           <a:xfrm>
             <a:off x="682625" y="2139077"/>
-            <a:ext cx="6172200" cy="3360920"/>
+            <a:ext cx="6172200" cy="3834896"/>
           </a:xfrm>
           <a:prstGeom prst="rect">
             <a:avLst/>
@@ -5670,7 +5671,65 @@
                   <a:lin ang="5400000" scaled="0"/>
                 </a:gradFill>
               </a:rPr>
-              <a:t> liệu nhà cung cấp</a:t>
+              <a:t> liệu nhà cung </a:t>
+            </a:r>
+            <a:r>
+              <a:rPr lang="en-US" sz="2800" smtClean="0">
+                <a:gradFill>
+                  <a:gsLst>
+                    <a:gs pos="0">
+                      <a:schemeClr val="tx1"/>
+                    </a:gs>
+                    <a:gs pos="86000">
+                      <a:schemeClr val="tx1"/>
+                    </a:gs>
+                  </a:gsLst>
+                  <a:lin ang="5400000" scaled="0"/>
+                </a:gradFill>
+              </a:rPr>
+              <a:t>cấp</a:t>
+            </a:r>
+          </a:p>
+          <a:p>
+            <a:pPr marL="533307" marR="0" lvl="0" indent="-533307" algn="just" defTabSz="1218937" rtl="0" eaLnBrk="1" fontAlgn="auto" latinLnBrk="0" hangingPunct="1">
+              <a:lnSpc>
+                <a:spcPct val="90000"/>
+              </a:lnSpc>
+              <a:spcBef>
+                <a:spcPct val="20000"/>
+              </a:spcBef>
+              <a:spcAft>
+                <a:spcPts val="0"/>
+              </a:spcAft>
+              <a:buClrTx/>
+              <a:buSzPct val="90000"/>
+              <a:tabLst/>
+              <a:defRPr/>
+            </a:pPr>
+            <a:r>
+              <a:rPr kumimoji="0" lang="en-US" sz="2800" b="0" i="0" u="none" strike="noStrike" kern="1200" cap="none" spc="0" normalizeH="0" baseline="0" noProof="0" smtClean="0">
+                <a:ln>
+                  <a:noFill/>
+                </a:ln>
+                <a:gradFill>
+                  <a:gsLst>
+                    <a:gs pos="0">
+                      <a:schemeClr val="tx1"/>
+                    </a:gs>
+                    <a:gs pos="86000">
+                      <a:schemeClr val="tx1"/>
+                    </a:gs>
+                  </a:gsLst>
+                  <a:lin ang="5400000" scaled="0"/>
+                </a:gradFill>
+                <a:effectLst/>
+                <a:uLnTx/>
+                <a:uFillTx/>
+                <a:latin typeface="+mn-lt"/>
+                <a:ea typeface="+mn-ea"/>
+                <a:cs typeface="+mn-cs"/>
+              </a:rPr>
+              <a:t>(Nguồn)</a:t>
             </a:r>
             <a:endParaRPr kumimoji="0" lang="en-US" sz="2800" b="0" i="0" u="none" strike="noStrike" kern="1200" cap="none" spc="0" normalizeH="0" baseline="0" noProof="0" dirty="0">
               <a:ln>
@@ -15950,6 +16009,79 @@
       </p:grpSpPr>
       <p:sp>
         <p:nvSpPr>
+          <p:cNvPr id="2" name="Title 1"/>
+          <p:cNvSpPr>
+            <a:spLocks noGrp="1"/>
+          </p:cNvSpPr>
+          <p:nvPr>
+            <p:ph type="title"/>
+          </p:nvPr>
+        </p:nvSpPr>
+        <p:spPr/>
+        <p:txBody>
+          <a:bodyPr/>
+          <a:lstStyle/>
+          <a:p>
+            <a:endParaRPr lang="en-US"/>
+          </a:p>
+        </p:txBody>
+      </p:sp>
+      <p:sp>
+        <p:nvSpPr>
+          <p:cNvPr id="3" name="Content Placeholder 2"/>
+          <p:cNvSpPr>
+            <a:spLocks noGrp="1"/>
+          </p:cNvSpPr>
+          <p:nvPr>
+            <p:ph idx="1"/>
+          </p:nvPr>
+        </p:nvSpPr>
+        <p:spPr/>
+        <p:txBody>
+          <a:bodyPr/>
+          <a:lstStyle/>
+          <a:p>
+            <a:endParaRPr lang="en-US"/>
+          </a:p>
+        </p:txBody>
+      </p:sp>
+    </p:spTree>
+  </p:cSld>
+  <p:clrMapOvr>
+    <a:masterClrMapping/>
+  </p:clrMapOvr>
+  <p:transition>
+    <p:fade/>
+  </p:transition>
+  <p:timing>
+    <p:tnLst>
+      <p:par>
+        <p:cTn id="1" dur="indefinite" restart="never" nodeType="tmRoot"/>
+      </p:par>
+    </p:tnLst>
+  </p:timing>
+</p:sld>
+</file>
+
+<file path=ppt/slides/slide25.xml><?xml version="1.0" encoding="utf-8"?>
+<p:sld xmlns:a="http://schemas.openxmlformats.org/drawingml/2006/main" xmlns:r="http://schemas.openxmlformats.org/officeDocument/2006/relationships" xmlns:p="http://schemas.openxmlformats.org/presentationml/2006/main">
+  <p:cSld>
+    <p:spTree>
+      <p:nvGrpSpPr>
+        <p:cNvPr id="1" name=""/>
+        <p:cNvGrpSpPr/>
+        <p:nvPr/>
+      </p:nvGrpSpPr>
+      <p:grpSpPr>
+        <a:xfrm>
+          <a:off x="0" y="0"/>
+          <a:ext cx="0" cy="0"/>
+          <a:chOff x="0" y="0"/>
+          <a:chExt cx="0" cy="0"/>
+        </a:xfrm>
+      </p:grpSpPr>
+      <p:sp>
+        <p:nvSpPr>
           <p:cNvPr id="6" name="TextBox 5"/>
           <p:cNvSpPr txBox="1"/>
           <p:nvPr/>
@@ -16023,7 +16155,7 @@
     </p:spTree>
     <p:extLst>
       <p:ext uri="{BB962C8B-B14F-4D97-AF65-F5344CB8AC3E}">
-        <p14:creationId xmlns:p14="http://schemas.microsoft.com/office/powerpoint/2010/main" xmlns="" val="1953245266"/>
+        <p14:creationId xmlns="" xmlns:p14="http://schemas.microsoft.com/office/powerpoint/2010/main" val="1953245266"/>
       </p:ext>
     </p:extLst>
   </p:cSld>
@@ -16031,7 +16163,7 @@
     <a:masterClrMapping/>
   </p:clrMapOvr>
   <mc:AlternateContent xmlns:mc="http://schemas.openxmlformats.org/markup-compatibility/2006">
-    <mc:Choice xmlns:p14="http://schemas.microsoft.com/office/powerpoint/2010/main" xmlns="" Requires="p14">
+    <mc:Choice xmlns="" xmlns:p14="http://schemas.microsoft.com/office/powerpoint/2010/main" Requires="p14">
       <p:transition spd="med" p14:dur="700">
         <p:fade/>
       </p:transition>
@@ -20657,7 +20789,7 @@
     </p:spTree>
     <p:extLst>
       <p:ext uri="{BB962C8B-B14F-4D97-AF65-F5344CB8AC3E}">
-        <p14:creationId xmlns:p14="http://schemas.microsoft.com/office/powerpoint/2010/main" xmlns="" val="2925076787"/>
+        <p14:creationId xmlns="" xmlns:p14="http://schemas.microsoft.com/office/powerpoint/2010/main" val="2925076787"/>
       </p:ext>
     </p:extLst>
   </p:cSld>

--- a/Project_Management/Báo cáo khóa luận/Presentation.pptx
+++ b/Project_Management/Báo cáo khóa luận/Presentation.pptx
@@ -237,7 +237,7 @@
                 <a:latin typeface="Segoe UI" pitchFamily="34" charset="0"/>
               </a:rPr>
               <a:pPr/>
-              <a:t>11/02/2012</a:t>
+              <a:t>17/02/2012</a:t>
             </a:fld>
             <a:endParaRPr lang="en-US">
               <a:latin typeface="Segoe UI" pitchFamily="34" charset="0"/>
@@ -355,7 +355,7 @@
     </p:spTree>
     <p:extLst>
       <p:ext uri="{BB962C8B-B14F-4D97-AF65-F5344CB8AC3E}">
-        <p14:creationId xmlns="" xmlns:p14="http://schemas.microsoft.com/office/powerpoint/2010/main" val="4144106037"/>
+        <p14:creationId xmlns:p14="http://schemas.microsoft.com/office/powerpoint/2010/main" xmlns="" val="4144106037"/>
       </p:ext>
     </p:extLst>
   </p:cSld>
@@ -454,7 +454,7 @@
             <a:fld id="{7C3FBCD4-166E-446F-AF18-7D4A0CF9AEF6}" type="datetimeFigureOut">
               <a:rPr lang="en-US" smtClean="0"/>
               <a:pPr/>
-              <a:t>11/02/2012</a:t>
+              <a:t>17/02/2012</a:t>
             </a:fld>
             <a:endParaRPr lang="en-US"/>
           </a:p>
@@ -665,7 +665,7 @@
     </p:spTree>
     <p:extLst>
       <p:ext uri="{BB962C8B-B14F-4D97-AF65-F5344CB8AC3E}">
-        <p14:creationId xmlns="" xmlns:p14="http://schemas.microsoft.com/office/powerpoint/2010/main" val="2509398179"/>
+        <p14:creationId xmlns:p14="http://schemas.microsoft.com/office/powerpoint/2010/main" xmlns="" val="2509398179"/>
       </p:ext>
     </p:extLst>
   </p:cSld>
@@ -878,7 +878,7 @@
     </p:spTree>
     <p:extLst>
       <p:ext uri="{BB962C8B-B14F-4D97-AF65-F5344CB8AC3E}">
-        <p14:creationId xmlns="" xmlns:p14="http://schemas.microsoft.com/office/powerpoint/2010/main" val="2845516244"/>
+        <p14:creationId xmlns:p14="http://schemas.microsoft.com/office/powerpoint/2010/main" xmlns="" val="2845516244"/>
       </p:ext>
     </p:extLst>
   </p:cSld>
@@ -965,7 +965,7 @@
     </p:spTree>
     <p:extLst>
       <p:ext uri="{BB962C8B-B14F-4D97-AF65-F5344CB8AC3E}">
-        <p14:creationId xmlns="" xmlns:p14="http://schemas.microsoft.com/office/powerpoint/2010/main" val="4231630105"/>
+        <p14:creationId xmlns:p14="http://schemas.microsoft.com/office/powerpoint/2010/main" xmlns="" val="4231630105"/>
       </p:ext>
     </p:extLst>
   </p:cSld>
@@ -1050,7 +1050,7 @@
     </p:spTree>
     <p:extLst>
       <p:ext uri="{BB962C8B-B14F-4D97-AF65-F5344CB8AC3E}">
-        <p14:creationId xmlns="" xmlns:p14="http://schemas.microsoft.com/office/powerpoint/2010/main" val="3834132863"/>
+        <p14:creationId xmlns:p14="http://schemas.microsoft.com/office/powerpoint/2010/main" xmlns="" val="3834132863"/>
       </p:ext>
     </p:extLst>
   </p:cSld>
@@ -1070,7 +1070,7 @@
             <a:lum/>
             <a:extLst>
               <a:ext uri="{28A0092B-C50C-407E-A947-70E740481C1C}">
-                <a14:useLocalDpi xmlns="" xmlns:a14="http://schemas.microsoft.com/office/drawing/2010/main" val="0"/>
+                <a14:useLocalDpi xmlns:a14="http://schemas.microsoft.com/office/drawing/2010/main" xmlns="" val="0"/>
               </a:ext>
             </a:extLst>
           </a:blip>
@@ -1278,7 +1278,7 @@
     </p:spTree>
     <p:extLst>
       <p:ext uri="{BB962C8B-B14F-4D97-AF65-F5344CB8AC3E}">
-        <p14:creationId xmlns="" xmlns:p14="http://schemas.microsoft.com/office/powerpoint/2010/main" val="3247851305"/>
+        <p14:creationId xmlns:p14="http://schemas.microsoft.com/office/powerpoint/2010/main" xmlns="" val="3247851305"/>
       </p:ext>
     </p:extLst>
   </p:cSld>
@@ -1429,7 +1429,7 @@
     </p:spTree>
     <p:extLst>
       <p:ext uri="{BB962C8B-B14F-4D97-AF65-F5344CB8AC3E}">
-        <p14:creationId xmlns="" xmlns:p14="http://schemas.microsoft.com/office/powerpoint/2010/main" val="1020099824"/>
+        <p14:creationId xmlns:p14="http://schemas.microsoft.com/office/powerpoint/2010/main" xmlns="" val="1020099824"/>
       </p:ext>
     </p:extLst>
   </p:cSld>
@@ -1695,7 +1695,7 @@
     </p:spTree>
     <p:extLst>
       <p:ext uri="{BB962C8B-B14F-4D97-AF65-F5344CB8AC3E}">
-        <p14:creationId xmlns="" xmlns:p14="http://schemas.microsoft.com/office/powerpoint/2010/main" val="3061710331"/>
+        <p14:creationId xmlns:p14="http://schemas.microsoft.com/office/powerpoint/2010/main" xmlns="" val="3061710331"/>
       </p:ext>
     </p:extLst>
   </p:cSld>
@@ -1764,7 +1764,7 @@
     </p:spTree>
     <p:extLst>
       <p:ext uri="{BB962C8B-B14F-4D97-AF65-F5344CB8AC3E}">
-        <p14:creationId xmlns="" xmlns:p14="http://schemas.microsoft.com/office/powerpoint/2010/main" val="1815284288"/>
+        <p14:creationId xmlns:p14="http://schemas.microsoft.com/office/powerpoint/2010/main" xmlns="" val="1815284288"/>
       </p:ext>
     </p:extLst>
   </p:cSld>
@@ -1838,7 +1838,7 @@
     </p:spTree>
     <p:extLst>
       <p:ext uri="{BB962C8B-B14F-4D97-AF65-F5344CB8AC3E}">
-        <p14:creationId xmlns="" xmlns:p14="http://schemas.microsoft.com/office/powerpoint/2010/main" val="2909031574"/>
+        <p14:creationId xmlns:p14="http://schemas.microsoft.com/office/powerpoint/2010/main" xmlns="" val="2909031574"/>
       </p:ext>
     </p:extLst>
   </p:cSld>
@@ -2127,7 +2127,7 @@
     </p:spTree>
     <p:extLst>
       <p:ext uri="{BB962C8B-B14F-4D97-AF65-F5344CB8AC3E}">
-        <p14:creationId xmlns="" xmlns:p14="http://schemas.microsoft.com/office/powerpoint/2010/main" val="517179932"/>
+        <p14:creationId xmlns:p14="http://schemas.microsoft.com/office/powerpoint/2010/main" xmlns="" val="517179932"/>
       </p:ext>
     </p:extLst>
   </p:cSld>
@@ -2167,7 +2167,7 @@
     </p:spTree>
     <p:extLst>
       <p:ext uri="{BB962C8B-B14F-4D97-AF65-F5344CB8AC3E}">
-        <p14:creationId xmlns="" xmlns:p14="http://schemas.microsoft.com/office/powerpoint/2010/main" val="1461056470"/>
+        <p14:creationId xmlns:p14="http://schemas.microsoft.com/office/powerpoint/2010/main" xmlns="" val="1461056470"/>
       </p:ext>
     </p:extLst>
   </p:cSld>
@@ -2610,7 +2610,7 @@
     </p:spTree>
     <p:extLst>
       <p:ext uri="{BB962C8B-B14F-4D97-AF65-F5344CB8AC3E}">
-        <p14:creationId xmlns="" xmlns:p14="http://schemas.microsoft.com/office/powerpoint/2010/main" val="3842700467"/>
+        <p14:creationId xmlns:p14="http://schemas.microsoft.com/office/powerpoint/2010/main" xmlns="" val="3842700467"/>
       </p:ext>
     </p:extLst>
   </p:cSld>
@@ -2639,7 +2639,7 @@
           <a:blip r:embed="rId11">
             <a:extLst>
               <a:ext uri="{28A0092B-C50C-407E-A947-70E740481C1C}">
-                <a14:useLocalDpi xmlns="" xmlns:a14="http://schemas.microsoft.com/office/drawing/2010/main" val="0"/>
+                <a14:useLocalDpi xmlns:a14="http://schemas.microsoft.com/office/drawing/2010/main" xmlns="" val="0"/>
               </a:ext>
             </a:extLst>
           </a:blip>
@@ -2763,7 +2763,7 @@
     </p:spTree>
     <p:extLst>
       <p:ext uri="{BB962C8B-B14F-4D97-AF65-F5344CB8AC3E}">
-        <p14:creationId xmlns="" xmlns:p14="http://schemas.microsoft.com/office/powerpoint/2010/main" val="1605506760"/>
+        <p14:creationId xmlns:p14="http://schemas.microsoft.com/office/powerpoint/2010/main" xmlns="" val="1605506760"/>
       </p:ext>
     </p:extLst>
   </p:cSld>
@@ -3249,7 +3249,7 @@
           <a:blip r:embed="rId3">
             <a:extLst>
               <a:ext uri="{28A0092B-C50C-407E-A947-70E740481C1C}">
-                <a14:useLocalDpi xmlns="" xmlns:a14="http://schemas.microsoft.com/office/drawing/2010/main" val="0"/>
+                <a14:useLocalDpi xmlns:a14="http://schemas.microsoft.com/office/drawing/2010/main" xmlns="" val="0"/>
               </a:ext>
             </a:extLst>
           </a:blip>
@@ -3269,7 +3269,7 @@
           <a:noFill/>
           <a:extLst>
             <a:ext uri="{909E8E84-426E-40DD-AFC4-6F175D3DCCD1}">
-              <a14:hiddenFill xmlns="" xmlns:a14="http://schemas.microsoft.com/office/drawing/2010/main">
+              <a14:hiddenFill xmlns:a14="http://schemas.microsoft.com/office/drawing/2010/main" xmlns="">
                 <a:solidFill>
                   <a:srgbClr val="FFFFFF"/>
                 </a:solidFill>
@@ -3281,7 +3281,7 @@
     </p:spTree>
     <p:extLst>
       <p:ext uri="{BB962C8B-B14F-4D97-AF65-F5344CB8AC3E}">
-        <p14:creationId xmlns="" xmlns:p14="http://schemas.microsoft.com/office/powerpoint/2010/main" val="3137854148"/>
+        <p14:creationId xmlns:p14="http://schemas.microsoft.com/office/powerpoint/2010/main" xmlns="" val="3137854148"/>
       </p:ext>
     </p:extLst>
   </p:cSld>
@@ -3289,7 +3289,7 @@
     <a:masterClrMapping/>
   </p:clrMapOvr>
   <mc:AlternateContent xmlns:mc="http://schemas.openxmlformats.org/markup-compatibility/2006">
-    <mc:Choice xmlns="" xmlns:p14="http://schemas.microsoft.com/office/powerpoint/2010/main" Requires="p14">
+    <mc:Choice xmlns:p14="http://schemas.microsoft.com/office/powerpoint/2010/main" xmlns="" Requires="p14">
       <p:transition spd="med" p14:dur="700">
         <p:fade/>
       </p:transition>
@@ -3458,7 +3458,7 @@
         <p:spPr>
           <a:xfrm>
             <a:off x="682625" y="2139077"/>
-            <a:ext cx="6172200" cy="3834896"/>
+            <a:ext cx="6172200" cy="3360920"/>
           </a:xfrm>
           <a:prstGeom prst="rect">
             <a:avLst/>
@@ -5671,88 +5671,8 @@
                   <a:lin ang="5400000" scaled="0"/>
                 </a:gradFill>
               </a:rPr>
-              <a:t> liệu nhà cung </a:t>
-            </a:r>
-            <a:r>
-              <a:rPr lang="en-US" sz="2800" smtClean="0">
-                <a:gradFill>
-                  <a:gsLst>
-                    <a:gs pos="0">
-                      <a:schemeClr val="tx1"/>
-                    </a:gs>
-                    <a:gs pos="86000">
-                      <a:schemeClr val="tx1"/>
-                    </a:gs>
-                  </a:gsLst>
-                  <a:lin ang="5400000" scaled="0"/>
-                </a:gradFill>
-              </a:rPr>
-              <a:t>cấp</a:t>
-            </a:r>
-          </a:p>
-          <a:p>
-            <a:pPr marL="533307" marR="0" lvl="0" indent="-533307" algn="just" defTabSz="1218937" rtl="0" eaLnBrk="1" fontAlgn="auto" latinLnBrk="0" hangingPunct="1">
-              <a:lnSpc>
-                <a:spcPct val="90000"/>
-              </a:lnSpc>
-              <a:spcBef>
-                <a:spcPct val="20000"/>
-              </a:spcBef>
-              <a:spcAft>
-                <a:spcPts val="0"/>
-              </a:spcAft>
-              <a:buClrTx/>
-              <a:buSzPct val="90000"/>
-              <a:tabLst/>
-              <a:defRPr/>
-            </a:pPr>
-            <a:r>
-              <a:rPr kumimoji="0" lang="en-US" sz="2800" b="0" i="0" u="none" strike="noStrike" kern="1200" cap="none" spc="0" normalizeH="0" baseline="0" noProof="0" smtClean="0">
-                <a:ln>
-                  <a:noFill/>
-                </a:ln>
-                <a:gradFill>
-                  <a:gsLst>
-                    <a:gs pos="0">
-                      <a:schemeClr val="tx1"/>
-                    </a:gs>
-                    <a:gs pos="86000">
-                      <a:schemeClr val="tx1"/>
-                    </a:gs>
-                  </a:gsLst>
-                  <a:lin ang="5400000" scaled="0"/>
-                </a:gradFill>
-                <a:effectLst/>
-                <a:uLnTx/>
-                <a:uFillTx/>
-                <a:latin typeface="+mn-lt"/>
-                <a:ea typeface="+mn-ea"/>
-                <a:cs typeface="+mn-cs"/>
-              </a:rPr>
-              <a:t>(Nguồn)</a:t>
-            </a:r>
-            <a:endParaRPr kumimoji="0" lang="en-US" sz="2800" b="0" i="0" u="none" strike="noStrike" kern="1200" cap="none" spc="0" normalizeH="0" baseline="0" noProof="0" dirty="0">
-              <a:ln>
-                <a:noFill/>
-              </a:ln>
-              <a:gradFill>
-                <a:gsLst>
-                  <a:gs pos="0">
-                    <a:schemeClr val="tx1"/>
-                  </a:gs>
-                  <a:gs pos="86000">
-                    <a:schemeClr val="tx1"/>
-                  </a:gs>
-                </a:gsLst>
-                <a:lin ang="5400000" scaled="0"/>
-              </a:gradFill>
-              <a:effectLst/>
-              <a:uLnTx/>
-              <a:uFillTx/>
-              <a:latin typeface="+mn-lt"/>
-              <a:ea typeface="+mn-ea"/>
-              <a:cs typeface="+mn-cs"/>
-            </a:endParaRPr>
+              <a:t> liệu nhà cung cấp</a:t>
+            </a:r>
           </a:p>
         </p:txBody>
       </p:sp>
@@ -16022,6 +15942,10 @@
           <a:bodyPr/>
           <a:lstStyle/>
           <a:p>
+            <a:r>
+              <a:rPr smtClean="0"/>
+              <a:t>Tài liệu tham khảo</a:t>
+            </a:r>
             <a:endParaRPr lang="en-US"/>
           </a:p>
         </p:txBody>
@@ -16036,10 +15960,94 @@
             <p:ph idx="1"/>
           </p:nvPr>
         </p:nvSpPr>
-        <p:spPr/>
+        <p:spPr>
+          <a:xfrm>
+            <a:off x="519113" y="1499616"/>
+            <a:ext cx="11149013" cy="4038029"/>
+          </a:xfrm>
+        </p:spPr>
         <p:txBody>
           <a:bodyPr/>
           <a:lstStyle/>
+          <a:p>
+            <a:r>
+              <a:rPr lang="en-US" smtClean="0"/>
+              <a:t>Roger </a:t>
+            </a:r>
+            <a:r>
+              <a:rPr lang="en-US" smtClean="0"/>
+              <a:t>Jennings. </a:t>
+            </a:r>
+            <a:r>
+              <a:rPr lang="en-US" i="1" smtClean="0"/>
+              <a:t>“Cloud Computing with the Windows® Azure™ Platform”.</a:t>
+            </a:r>
+            <a:r>
+              <a:rPr lang="en-US" smtClean="0"/>
+              <a:t> 2009</a:t>
+            </a:r>
+          </a:p>
+          <a:p>
+            <a:r>
+              <a:rPr lang="en-US" smtClean="0"/>
+              <a:t>Tejaswi </a:t>
+            </a:r>
+            <a:r>
+              <a:rPr lang="en-US" smtClean="0"/>
+              <a:t>Redkar. </a:t>
+            </a:r>
+            <a:r>
+              <a:rPr lang="en-US" i="1" smtClean="0"/>
+              <a:t>“Apress Windows Azure Platform”</a:t>
+            </a:r>
+            <a:r>
+              <a:rPr lang="en-US" smtClean="0"/>
+              <a:t>. 2009</a:t>
+            </a:r>
+          </a:p>
+          <a:p>
+            <a:r>
+              <a:rPr lang="en-US" smtClean="0"/>
+              <a:t>Chris </a:t>
+            </a:r>
+            <a:r>
+              <a:rPr lang="en-US" smtClean="0"/>
+              <a:t>Hay, Brian H.Prince. </a:t>
+            </a:r>
+            <a:r>
+              <a:rPr lang="en-US" i="1" smtClean="0"/>
+              <a:t>“Azure In Action”.</a:t>
+            </a:r>
+            <a:r>
+              <a:rPr lang="en-US" smtClean="0"/>
+              <a:t> 2009</a:t>
+            </a:r>
+          </a:p>
+          <a:p>
+            <a:r>
+              <a:rPr lang="en-US" smtClean="0"/>
+              <a:t>http</a:t>
+            </a:r>
+            <a:r>
+              <a:rPr lang="en-US" smtClean="0"/>
+              <a:t>://www.drvcloud.com/myblog/?p=75</a:t>
+            </a:r>
+            <a:r>
+              <a:rPr lang="en-US" smtClean="0"/>
+              <a:t> </a:t>
+            </a:r>
+            <a:endParaRPr lang="en-US" smtClean="0"/>
+          </a:p>
+          <a:p>
+            <a:r>
+              <a:rPr lang="en-US" smtClean="0"/>
+              <a:t>http</a:t>
+            </a:r>
+            <a:r>
+              <a:rPr lang="en-US" smtClean="0"/>
+              <a:t>://www.itnewsafrica.com/2011/04/cloud-vs-hosted-services/ </a:t>
+            </a:r>
+          </a:p>
           <a:p>
             <a:endParaRPr lang="en-US"/>
           </a:p>
@@ -16155,7 +16163,7 @@
     </p:spTree>
     <p:extLst>
       <p:ext uri="{BB962C8B-B14F-4D97-AF65-F5344CB8AC3E}">
-        <p14:creationId xmlns="" xmlns:p14="http://schemas.microsoft.com/office/powerpoint/2010/main" val="1953245266"/>
+        <p14:creationId xmlns:p14="http://schemas.microsoft.com/office/powerpoint/2010/main" xmlns="" val="1953245266"/>
       </p:ext>
     </p:extLst>
   </p:cSld>
@@ -16163,7 +16171,7 @@
     <a:masterClrMapping/>
   </p:clrMapOvr>
   <mc:AlternateContent xmlns:mc="http://schemas.openxmlformats.org/markup-compatibility/2006">
-    <mc:Choice xmlns="" xmlns:p14="http://schemas.microsoft.com/office/powerpoint/2010/main" Requires="p14">
+    <mc:Choice xmlns:p14="http://schemas.microsoft.com/office/powerpoint/2010/main" xmlns="" Requires="p14">
       <p:transition spd="med" p14:dur="700">
         <p:fade/>
       </p:transition>
@@ -20789,7 +20797,7 @@
     </p:spTree>
     <p:extLst>
       <p:ext uri="{BB962C8B-B14F-4D97-AF65-F5344CB8AC3E}">
-        <p14:creationId xmlns="" xmlns:p14="http://schemas.microsoft.com/office/powerpoint/2010/main" val="2925076787"/>
+        <p14:creationId xmlns:p14="http://schemas.microsoft.com/office/powerpoint/2010/main" xmlns="" val="2925076787"/>
       </p:ext>
     </p:extLst>
   </p:cSld>

--- a/Project_Management/Báo cáo khóa luận/Presentation.pptx
+++ b/Project_Management/Báo cáo khóa luận/Presentation.pptx
@@ -237,7 +237,7 @@
                 <a:latin typeface="Segoe UI" pitchFamily="34" charset="0"/>
               </a:rPr>
               <a:pPr/>
-              <a:t>17/02/2012</a:t>
+              <a:t>26/02/2012</a:t>
             </a:fld>
             <a:endParaRPr lang="en-US">
               <a:latin typeface="Segoe UI" pitchFamily="34" charset="0"/>
@@ -355,7 +355,7 @@
     </p:spTree>
     <p:extLst>
       <p:ext uri="{BB962C8B-B14F-4D97-AF65-F5344CB8AC3E}">
-        <p14:creationId xmlns:p14="http://schemas.microsoft.com/office/powerpoint/2010/main" xmlns="" val="4144106037"/>
+        <p14:creationId xmlns="" xmlns:p14="http://schemas.microsoft.com/office/powerpoint/2010/main" val="4144106037"/>
       </p:ext>
     </p:extLst>
   </p:cSld>
@@ -454,7 +454,7 @@
             <a:fld id="{7C3FBCD4-166E-446F-AF18-7D4A0CF9AEF6}" type="datetimeFigureOut">
               <a:rPr lang="en-US" smtClean="0"/>
               <a:pPr/>
-              <a:t>17/02/2012</a:t>
+              <a:t>26/02/2012</a:t>
             </a:fld>
             <a:endParaRPr lang="en-US"/>
           </a:p>
@@ -665,7 +665,7 @@
     </p:spTree>
     <p:extLst>
       <p:ext uri="{BB962C8B-B14F-4D97-AF65-F5344CB8AC3E}">
-        <p14:creationId xmlns:p14="http://schemas.microsoft.com/office/powerpoint/2010/main" xmlns="" val="2509398179"/>
+        <p14:creationId xmlns="" xmlns:p14="http://schemas.microsoft.com/office/powerpoint/2010/main" val="2509398179"/>
       </p:ext>
     </p:extLst>
   </p:cSld>
@@ -878,7 +878,7 @@
     </p:spTree>
     <p:extLst>
       <p:ext uri="{BB962C8B-B14F-4D97-AF65-F5344CB8AC3E}">
-        <p14:creationId xmlns:p14="http://schemas.microsoft.com/office/powerpoint/2010/main" xmlns="" val="2845516244"/>
+        <p14:creationId xmlns="" xmlns:p14="http://schemas.microsoft.com/office/powerpoint/2010/main" val="2845516244"/>
       </p:ext>
     </p:extLst>
   </p:cSld>
@@ -889,6 +889,872 @@
 </file>
 
 <file path=ppt/notesSlides/notesSlide2.xml><?xml version="1.0" encoding="utf-8"?>
+<p:notes xmlns:a="http://schemas.openxmlformats.org/drawingml/2006/main" xmlns:r="http://schemas.openxmlformats.org/officeDocument/2006/relationships" xmlns:p="http://schemas.openxmlformats.org/presentationml/2006/main">
+  <p:cSld>
+    <p:spTree>
+      <p:nvGrpSpPr>
+        <p:cNvPr id="1" name=""/>
+        <p:cNvGrpSpPr/>
+        <p:nvPr/>
+      </p:nvGrpSpPr>
+      <p:grpSpPr>
+        <a:xfrm>
+          <a:off x="0" y="0"/>
+          <a:ext cx="0" cy="0"/>
+          <a:chOff x="0" y="0"/>
+          <a:chExt cx="0" cy="0"/>
+        </a:xfrm>
+      </p:grpSpPr>
+      <p:sp>
+        <p:nvSpPr>
+          <p:cNvPr id="2" name="Slide Image Placeholder 1"/>
+          <p:cNvSpPr>
+            <a:spLocks noGrp="1" noRot="1" noChangeAspect="1"/>
+          </p:cNvSpPr>
+          <p:nvPr>
+            <p:ph type="sldImg"/>
+          </p:nvPr>
+        </p:nvSpPr>
+        <p:spPr/>
+      </p:sp>
+      <p:sp>
+        <p:nvSpPr>
+          <p:cNvPr id="3" name="Notes Placeholder 2"/>
+          <p:cNvSpPr>
+            <a:spLocks noGrp="1"/>
+          </p:cNvSpPr>
+          <p:nvPr>
+            <p:ph type="body" idx="1"/>
+          </p:nvPr>
+        </p:nvSpPr>
+        <p:spPr/>
+        <p:txBody>
+          <a:bodyPr>
+            <a:normAutofit/>
+          </a:bodyPr>
+          <a:lstStyle/>
+          <a:p>
+            <a:r>
+              <a:rPr lang="en-US" smtClean="0"/>
+              <a:t>Bài</a:t>
+            </a:r>
+            <a:r>
+              <a:rPr lang="en-US" baseline="0" smtClean="0"/>
+              <a:t> toán đặt ra : </a:t>
+            </a:r>
+          </a:p>
+          <a:p>
+            <a:r>
+              <a:rPr lang="en-US" baseline="0" smtClean="0"/>
+              <a:t>      Hầu hết các công ty hiện nay đều đặt việc quản lý, phân tích dữ liệu khách hàng, dữ liệu kinh doanh lên hàng đầu. </a:t>
+            </a:r>
+          </a:p>
+          <a:p>
+            <a:r>
+              <a:rPr lang="en-US" baseline="0" smtClean="0"/>
+              <a:t>Giải pháp truyền thống : tận dụng sức mạnh của công nghệ thông tin, các công ty sẽ xây dựng, sử dụng các dịch vụ phù hợp với mình trong việc quản lý dữ liệu. Họ cần phải đầu tư thiết bị, cơ sở hạ tầng,đầu tư đội ngũ nhân lực bảo trì cơ sở hạ tầng phần mềm trong suốt quá trình hoạt động.</a:t>
+            </a:r>
+          </a:p>
+          <a:p>
+            <a:pPr>
+              <a:buFont typeface="Symbol"/>
+              <a:buChar char="Þ"/>
+            </a:pPr>
+            <a:r>
+              <a:rPr lang="en-US" baseline="0" smtClean="0"/>
+              <a:t>Một phần vốn đáng lẽ dùng cho kinh doanh thì lại phải đầu tư vào cơ sở hạ tầng để phục vụ cho việc quản lý -&gt; lợi nhuận sẽ thấp xuống</a:t>
+            </a:r>
+          </a:p>
+          <a:p>
+            <a:pPr>
+              <a:buFont typeface="Symbol"/>
+              <a:buChar char="Þ"/>
+            </a:pPr>
+            <a:r>
+              <a:rPr lang="en-US" baseline="0" smtClean="0"/>
+              <a:t>Một vấn đề rất dễ xảy ra trong quá trình kinh doanh là sau khi đầu tư, nếu cty có tình hình kinh doanh khó khăn dẫn đến phá sản, vậy đội ngũ bảo trì, cơ sở hạ tầng, tài nguyên hệ thống sẽ rất lãng phí.</a:t>
+            </a:r>
+          </a:p>
+          <a:p>
+            <a:pPr>
+              <a:buFont typeface="Symbol"/>
+              <a:buNone/>
+            </a:pPr>
+            <a:endParaRPr lang="en-US" baseline="0" smtClean="0"/>
+          </a:p>
+          <a:p>
+            <a:pPr>
+              <a:buFont typeface="Symbol"/>
+              <a:buNone/>
+            </a:pPr>
+            <a:r>
+              <a:rPr lang="en-US" baseline="0" smtClean="0"/>
+              <a:t>Giải pháp:</a:t>
+            </a:r>
+          </a:p>
+          <a:p>
+            <a:pPr>
+              <a:buFont typeface="Symbol"/>
+              <a:buNone/>
+            </a:pPr>
+            <a:endParaRPr lang="en-US" baseline="0" smtClean="0"/>
+          </a:p>
+          <a:p>
+            <a:pPr>
+              <a:buFont typeface="Symbol"/>
+              <a:buNone/>
+            </a:pPr>
+            <a:r>
+              <a:rPr lang="en-US" baseline="0" smtClean="0"/>
+              <a:t>Điện toán đám mây ra đời, những dịch vụ về hạ tầng, phần mềm sẽ được ảo hóa cung cấp tùy theo nhu cầu của người dùng. Khi có nhu cầu người dùng sẽ thuê dịch vụ của ncc, ngược lại khi ko có nhu cầu người dùng sẽ ngừng việc thuê mà ko fai hao tổn bất cứ chi phí nào. Cviệc bảo trì cũng sẽ do chính ncc đảm nhận. Khi đó chi phí thay vì dùng cho việc xây dựng cshtang sẽ chuyển qua kinh doanh -&gt; mang lại lợi nhuân lớn hơn.</a:t>
+            </a:r>
+            <a:endParaRPr lang="en-US"/>
+          </a:p>
+        </p:txBody>
+      </p:sp>
+      <p:sp>
+        <p:nvSpPr>
+          <p:cNvPr id="4" name="Slide Number Placeholder 3"/>
+          <p:cNvSpPr>
+            <a:spLocks noGrp="1"/>
+          </p:cNvSpPr>
+          <p:nvPr>
+            <p:ph type="sldNum" sz="quarter" idx="10"/>
+          </p:nvPr>
+        </p:nvSpPr>
+        <p:spPr/>
+        <p:txBody>
+          <a:bodyPr/>
+          <a:lstStyle/>
+          <a:p>
+            <a:fld id="{8B263312-38AA-4E1E-B2B5-0F8F122B24FE}" type="slidenum">
+              <a:rPr lang="en-US" smtClean="0"/>
+              <a:pPr/>
+              <a:t>3</a:t>
+            </a:fld>
+            <a:endParaRPr lang="en-US"/>
+          </a:p>
+        </p:txBody>
+      </p:sp>
+    </p:spTree>
+  </p:cSld>
+  <p:clrMapOvr>
+    <a:masterClrMapping/>
+  </p:clrMapOvr>
+</p:notes>
+</file>
+
+<file path=ppt/notesSlides/notesSlide3.xml><?xml version="1.0" encoding="utf-8"?>
+<p:notes xmlns:a="http://schemas.openxmlformats.org/drawingml/2006/main" xmlns:r="http://schemas.openxmlformats.org/officeDocument/2006/relationships" xmlns:p="http://schemas.openxmlformats.org/presentationml/2006/main">
+  <p:cSld>
+    <p:spTree>
+      <p:nvGrpSpPr>
+        <p:cNvPr id="1" name=""/>
+        <p:cNvGrpSpPr/>
+        <p:nvPr/>
+      </p:nvGrpSpPr>
+      <p:grpSpPr>
+        <a:xfrm>
+          <a:off x="0" y="0"/>
+          <a:ext cx="0" cy="0"/>
+          <a:chOff x="0" y="0"/>
+          <a:chExt cx="0" cy="0"/>
+        </a:xfrm>
+      </p:grpSpPr>
+      <p:sp>
+        <p:nvSpPr>
+          <p:cNvPr id="2" name="Slide Image Placeholder 1"/>
+          <p:cNvSpPr>
+            <a:spLocks noGrp="1" noRot="1" noChangeAspect="1"/>
+          </p:cNvSpPr>
+          <p:nvPr>
+            <p:ph type="sldImg"/>
+          </p:nvPr>
+        </p:nvSpPr>
+        <p:spPr/>
+      </p:sp>
+      <p:sp>
+        <p:nvSpPr>
+          <p:cNvPr id="3" name="Notes Placeholder 2"/>
+          <p:cNvSpPr>
+            <a:spLocks noGrp="1"/>
+          </p:cNvSpPr>
+          <p:nvPr>
+            <p:ph type="body" idx="1"/>
+          </p:nvPr>
+        </p:nvSpPr>
+        <p:spPr/>
+        <p:txBody>
+          <a:bodyPr>
+            <a:normAutofit/>
+          </a:bodyPr>
+          <a:lstStyle/>
+          <a:p>
+            <a:r>
+              <a:rPr lang="en-US" smtClean="0"/>
+              <a:t>Hiện</a:t>
+            </a:r>
+            <a:r>
+              <a:rPr lang="en-US" baseline="0" smtClean="0"/>
+              <a:t> có một số khái niệm khác nhau về điện toán đám mây ( Ian Foster, Wiki ) nhưng nhìn chung nó đều diễn đạt 1 ý chung ( đ/n wiki).</a:t>
+            </a:r>
+            <a:endParaRPr lang="en-US"/>
+          </a:p>
+        </p:txBody>
+      </p:sp>
+      <p:sp>
+        <p:nvSpPr>
+          <p:cNvPr id="4" name="Slide Number Placeholder 3"/>
+          <p:cNvSpPr>
+            <a:spLocks noGrp="1"/>
+          </p:cNvSpPr>
+          <p:nvPr>
+            <p:ph type="sldNum" sz="quarter" idx="10"/>
+          </p:nvPr>
+        </p:nvSpPr>
+        <p:spPr/>
+        <p:txBody>
+          <a:bodyPr/>
+          <a:lstStyle/>
+          <a:p>
+            <a:fld id="{8B263312-38AA-4E1E-B2B5-0F8F122B24FE}" type="slidenum">
+              <a:rPr lang="en-US" smtClean="0"/>
+              <a:pPr/>
+              <a:t>6</a:t>
+            </a:fld>
+            <a:endParaRPr lang="en-US"/>
+          </a:p>
+        </p:txBody>
+      </p:sp>
+    </p:spTree>
+  </p:cSld>
+  <p:clrMapOvr>
+    <a:masterClrMapping/>
+  </p:clrMapOvr>
+</p:notes>
+</file>
+
+<file path=ppt/notesSlides/notesSlide4.xml><?xml version="1.0" encoding="utf-8"?>
+<p:notes xmlns:a="http://schemas.openxmlformats.org/drawingml/2006/main" xmlns:r="http://schemas.openxmlformats.org/officeDocument/2006/relationships" xmlns:p="http://schemas.openxmlformats.org/presentationml/2006/main">
+  <p:cSld>
+    <p:spTree>
+      <p:nvGrpSpPr>
+        <p:cNvPr id="1" name=""/>
+        <p:cNvGrpSpPr/>
+        <p:nvPr/>
+      </p:nvGrpSpPr>
+      <p:grpSpPr>
+        <a:xfrm>
+          <a:off x="0" y="0"/>
+          <a:ext cx="0" cy="0"/>
+          <a:chOff x="0" y="0"/>
+          <a:chExt cx="0" cy="0"/>
+        </a:xfrm>
+      </p:grpSpPr>
+      <p:sp>
+        <p:nvSpPr>
+          <p:cNvPr id="2" name="Slide Image Placeholder 1"/>
+          <p:cNvSpPr>
+            <a:spLocks noGrp="1" noRot="1" noChangeAspect="1"/>
+          </p:cNvSpPr>
+          <p:nvPr>
+            <p:ph type="sldImg"/>
+          </p:nvPr>
+        </p:nvSpPr>
+        <p:spPr/>
+      </p:sp>
+      <p:sp>
+        <p:nvSpPr>
+          <p:cNvPr id="3" name="Notes Placeholder 2"/>
+          <p:cNvSpPr>
+            <a:spLocks noGrp="1"/>
+          </p:cNvSpPr>
+          <p:nvPr>
+            <p:ph type="body" idx="1"/>
+          </p:nvPr>
+        </p:nvSpPr>
+        <p:spPr/>
+        <p:txBody>
+          <a:bodyPr>
+            <a:normAutofit/>
+          </a:bodyPr>
+          <a:lstStyle/>
+          <a:p>
+            <a:r>
+              <a:rPr lang="en-US" smtClean="0"/>
+              <a:t>IaaS</a:t>
+            </a:r>
+            <a:r>
+              <a:rPr lang="en-US" baseline="0" smtClean="0"/>
+              <a:t> : Amazon Web Services</a:t>
+            </a:r>
+          </a:p>
+          <a:p>
+            <a:r>
+              <a:rPr lang="en-US" baseline="0" smtClean="0"/>
+              <a:t>PaaS: </a:t>
+            </a:r>
+            <a:r>
+              <a:rPr lang="en-US" sz="1200" b="0" i="0" kern="1200" smtClean="0">
+                <a:solidFill>
+                  <a:schemeClr val="tx1"/>
+                </a:solidFill>
+                <a:latin typeface="Segoe UI" pitchFamily="34" charset="0"/>
+                <a:ea typeface="+mn-ea"/>
+                <a:cs typeface="+mn-cs"/>
+              </a:rPr>
+              <a:t>Examples of PaaS solutions today include:</a:t>
+            </a:r>
+            <a:r>
+              <a:rPr lang="en-US" smtClean="0"/>
+              <a:t/>
+            </a:r>
+            <a:br>
+              <a:rPr lang="en-US" smtClean="0"/>
+            </a:br>
+            <a:r>
+              <a:rPr lang="en-US" sz="1200" b="0" i="0" u="none" strike="noStrike" kern="1200" smtClean="0">
+                <a:solidFill>
+                  <a:schemeClr val="tx1"/>
+                </a:solidFill>
+                <a:latin typeface="Segoe UI" pitchFamily="34" charset="0"/>
+                <a:ea typeface="+mn-ea"/>
+                <a:cs typeface="+mn-cs"/>
+                <a:hlinkClick r:id="rId3"/>
+              </a:rPr>
+              <a:t>AppEngine </a:t>
+            </a:r>
+            <a:r>
+              <a:rPr lang="en-US" sz="1200" b="0" i="0" kern="1200" smtClean="0">
+                <a:solidFill>
+                  <a:schemeClr val="tx1"/>
+                </a:solidFill>
+                <a:latin typeface="Segoe UI" pitchFamily="34" charset="0"/>
+                <a:ea typeface="+mn-ea"/>
+                <a:cs typeface="+mn-cs"/>
+              </a:rPr>
+              <a:t>from Google: based on Python and Django</a:t>
+            </a:r>
+          </a:p>
+          <a:p>
+            <a:r>
+              <a:rPr lang="en-US" sz="1200" b="0" i="0" u="none" strike="noStrike" kern="1200" smtClean="0">
+                <a:solidFill>
+                  <a:schemeClr val="tx1"/>
+                </a:solidFill>
+                <a:latin typeface="Segoe UI" pitchFamily="34" charset="0"/>
+                <a:ea typeface="+mn-ea"/>
+                <a:cs typeface="+mn-cs"/>
+                <a:hlinkClick r:id="rId4"/>
+              </a:rPr>
+              <a:t>Force.com</a:t>
+            </a:r>
+            <a:r>
+              <a:rPr lang="en-US" sz="1200" b="0" i="0" kern="1200" smtClean="0">
+                <a:solidFill>
+                  <a:schemeClr val="tx1"/>
+                </a:solidFill>
+                <a:latin typeface="Segoe UI" pitchFamily="34" charset="0"/>
+                <a:ea typeface="+mn-ea"/>
+                <a:cs typeface="+mn-cs"/>
+              </a:rPr>
+              <a:t> from SalesForce: based on the SalesForce SaaS infrastructure and Apex language</a:t>
+            </a:r>
+          </a:p>
+          <a:p>
+            <a:r>
+              <a:rPr lang="en-US" sz="1200" b="0" i="0" u="none" strike="noStrike" kern="1200" smtClean="0">
+                <a:solidFill>
+                  <a:schemeClr val="tx1"/>
+                </a:solidFill>
+                <a:latin typeface="Segoe UI" pitchFamily="34" charset="0"/>
+                <a:ea typeface="+mn-ea"/>
+                <a:cs typeface="+mn-cs"/>
+                <a:hlinkClick r:id="rId5"/>
+              </a:rPr>
+              <a:t>Bungee Connect</a:t>
+            </a:r>
+            <a:r>
+              <a:rPr lang="en-US" sz="1200" b="0" i="0" kern="1200" smtClean="0">
+                <a:solidFill>
+                  <a:schemeClr val="tx1"/>
+                </a:solidFill>
+                <a:latin typeface="Segoe UI" pitchFamily="34" charset="0"/>
+                <a:ea typeface="+mn-ea"/>
+                <a:cs typeface="+mn-cs"/>
+              </a:rPr>
+              <a:t>: visual development studio based on Java</a:t>
+            </a:r>
+          </a:p>
+          <a:p>
+            <a:r>
+              <a:rPr lang="en-US" sz="1200" b="0" i="0" u="none" strike="noStrike" kern="1200" smtClean="0">
+                <a:solidFill>
+                  <a:schemeClr val="tx1"/>
+                </a:solidFill>
+                <a:latin typeface="Segoe UI" pitchFamily="34" charset="0"/>
+                <a:ea typeface="+mn-ea"/>
+                <a:cs typeface="+mn-cs"/>
+                <a:hlinkClick r:id="rId6"/>
+              </a:rPr>
+              <a:t>LongJump</a:t>
+            </a:r>
+            <a:r>
+              <a:rPr lang="en-US" sz="1200" b="0" i="0" kern="1200" smtClean="0">
+                <a:solidFill>
+                  <a:schemeClr val="tx1"/>
+                </a:solidFill>
+                <a:latin typeface="Segoe UI" pitchFamily="34" charset="0"/>
+                <a:ea typeface="+mn-ea"/>
+                <a:cs typeface="+mn-cs"/>
+              </a:rPr>
+              <a:t>: based on Java/Eclipse</a:t>
+            </a:r>
+          </a:p>
+          <a:p>
+            <a:r>
+              <a:rPr lang="en-US" sz="1200" b="0" i="0" u="none" strike="noStrike" kern="1200" smtClean="0">
+                <a:solidFill>
+                  <a:schemeClr val="tx1"/>
+                </a:solidFill>
+                <a:latin typeface="Segoe UI" pitchFamily="34" charset="0"/>
+                <a:ea typeface="+mn-ea"/>
+                <a:cs typeface="+mn-cs"/>
+                <a:hlinkClick r:id="rId7"/>
+              </a:rPr>
+              <a:t>WaveMaker</a:t>
+            </a:r>
+            <a:r>
+              <a:rPr lang="en-US" sz="1200" b="0" i="0" kern="1200" smtClean="0">
+                <a:solidFill>
+                  <a:schemeClr val="tx1"/>
+                </a:solidFill>
+                <a:latin typeface="Segoe UI" pitchFamily="34" charset="0"/>
+                <a:ea typeface="+mn-ea"/>
+                <a:cs typeface="+mn-cs"/>
+              </a:rPr>
+              <a:t>: visual development studio based on Java and hosted on Amazon EC2</a:t>
+            </a:r>
+          </a:p>
+          <a:p>
+            <a:r>
+              <a:rPr lang="en-US" sz="1200" b="0" i="0" kern="1200" smtClean="0">
+                <a:solidFill>
+                  <a:schemeClr val="tx1"/>
+                </a:solidFill>
+                <a:latin typeface="Segoe UI" pitchFamily="34" charset="0"/>
+                <a:ea typeface="+mn-ea"/>
+                <a:cs typeface="+mn-cs"/>
+              </a:rPr>
+              <a:t>SaaS:</a:t>
+            </a:r>
+          </a:p>
+          <a:p>
+            <a:pPr lvl="0"/>
+            <a:r>
+              <a:rPr lang="en-US" sz="1200" kern="1200" smtClean="0">
+                <a:solidFill>
+                  <a:schemeClr val="tx1"/>
+                </a:solidFill>
+                <a:latin typeface="Segoe UI" pitchFamily="34" charset="0"/>
+                <a:ea typeface="+mn-ea"/>
+                <a:cs typeface="+mn-cs"/>
+              </a:rPr>
+              <a:t>Quản lí quan hệ khách hàng (Customer Relationship Management, viết tắt là CRM). Đây là một phương pháp giúp các doanh nghiệp tiếp cận và giao tiếp với khách hàng một cách có hệ thống và hiệu quả, quản lý các thông tin của khách hàng như thông tin về tài khoản, nhu cầu, liên lạcv.vv... nhằm phục vụ khách hàng tốt hơn.</a:t>
+            </a:r>
+          </a:p>
+          <a:p>
+            <a:pPr lvl="0"/>
+            <a:r>
+              <a:rPr lang="en-US" sz="1200" kern="1200" smtClean="0">
+                <a:solidFill>
+                  <a:schemeClr val="tx1"/>
+                </a:solidFill>
+                <a:latin typeface="Segoe UI" pitchFamily="34" charset="0"/>
+                <a:ea typeface="+mn-ea"/>
+                <a:cs typeface="+mn-cs"/>
+              </a:rPr>
+              <a:t>Dịch vụ hội thảo trực tuyến ( Video Conferencing ) </a:t>
+            </a:r>
+          </a:p>
+          <a:p>
+            <a:pPr lvl="0"/>
+            <a:r>
+              <a:rPr lang="en-US" sz="1200" kern="1200" smtClean="0">
+                <a:solidFill>
+                  <a:schemeClr val="tx1"/>
+                </a:solidFill>
+                <a:latin typeface="Segoe UI" pitchFamily="34" charset="0"/>
+                <a:ea typeface="+mn-ea"/>
+                <a:cs typeface="+mn-cs"/>
+              </a:rPr>
+              <a:t>Kế toán </a:t>
+            </a:r>
+          </a:p>
+          <a:p>
+            <a:endParaRPr lang="en-US" sz="1200" b="0" i="0" kern="1200" smtClean="0">
+              <a:solidFill>
+                <a:schemeClr val="tx1"/>
+              </a:solidFill>
+              <a:latin typeface="Segoe UI" pitchFamily="34" charset="0"/>
+              <a:ea typeface="+mn-ea"/>
+              <a:cs typeface="+mn-cs"/>
+            </a:endParaRPr>
+          </a:p>
+          <a:p>
+            <a:endParaRPr lang="en-US" baseline="0" smtClean="0"/>
+          </a:p>
+          <a:p>
+            <a:endParaRPr lang="en-US" baseline="0" smtClean="0"/>
+          </a:p>
+          <a:p>
+            <a:endParaRPr lang="en-US"/>
+          </a:p>
+        </p:txBody>
+      </p:sp>
+      <p:sp>
+        <p:nvSpPr>
+          <p:cNvPr id="4" name="Slide Number Placeholder 3"/>
+          <p:cNvSpPr>
+            <a:spLocks noGrp="1"/>
+          </p:cNvSpPr>
+          <p:nvPr>
+            <p:ph type="sldNum" sz="quarter" idx="10"/>
+          </p:nvPr>
+        </p:nvSpPr>
+        <p:spPr/>
+        <p:txBody>
+          <a:bodyPr/>
+          <a:lstStyle/>
+          <a:p>
+            <a:fld id="{8B263312-38AA-4E1E-B2B5-0F8F122B24FE}" type="slidenum">
+              <a:rPr lang="en-US" smtClean="0"/>
+              <a:pPr/>
+              <a:t>7</a:t>
+            </a:fld>
+            <a:endParaRPr lang="en-US"/>
+          </a:p>
+        </p:txBody>
+      </p:sp>
+    </p:spTree>
+  </p:cSld>
+  <p:clrMapOvr>
+    <a:masterClrMapping/>
+  </p:clrMapOvr>
+</p:notes>
+</file>
+
+<file path=ppt/notesSlides/notesSlide5.xml><?xml version="1.0" encoding="utf-8"?>
+<p:notes xmlns:a="http://schemas.openxmlformats.org/drawingml/2006/main" xmlns:r="http://schemas.openxmlformats.org/officeDocument/2006/relationships" xmlns:p="http://schemas.openxmlformats.org/presentationml/2006/main">
+  <p:cSld>
+    <p:spTree>
+      <p:nvGrpSpPr>
+        <p:cNvPr id="1" name=""/>
+        <p:cNvGrpSpPr/>
+        <p:nvPr/>
+      </p:nvGrpSpPr>
+      <p:grpSpPr>
+        <a:xfrm>
+          <a:off x="0" y="0"/>
+          <a:ext cx="0" cy="0"/>
+          <a:chOff x="0" y="0"/>
+          <a:chExt cx="0" cy="0"/>
+        </a:xfrm>
+      </p:grpSpPr>
+      <p:sp>
+        <p:nvSpPr>
+          <p:cNvPr id="2" name="Slide Image Placeholder 1"/>
+          <p:cNvSpPr>
+            <a:spLocks noGrp="1" noRot="1" noChangeAspect="1"/>
+          </p:cNvSpPr>
+          <p:nvPr>
+            <p:ph type="sldImg"/>
+          </p:nvPr>
+        </p:nvSpPr>
+        <p:spPr/>
+      </p:sp>
+      <p:sp>
+        <p:nvSpPr>
+          <p:cNvPr id="3" name="Notes Placeholder 2"/>
+          <p:cNvSpPr>
+            <a:spLocks noGrp="1"/>
+          </p:cNvSpPr>
+          <p:nvPr>
+            <p:ph type="body" idx="1"/>
+          </p:nvPr>
+        </p:nvSpPr>
+        <p:spPr/>
+        <p:txBody>
+          <a:bodyPr>
+            <a:normAutofit/>
+          </a:bodyPr>
+          <a:lstStyle/>
+          <a:p>
+            <a:r>
+              <a:rPr lang="en-US" smtClean="0"/>
+              <a:t>Đám</a:t>
+            </a:r>
+            <a:r>
+              <a:rPr lang="en-US" baseline="0" smtClean="0"/>
+              <a:t> mây công cộng :</a:t>
+            </a:r>
+            <a:r>
+              <a:rPr lang="en-US" sz="1200" kern="1200" baseline="0" smtClean="0">
+                <a:solidFill>
+                  <a:schemeClr val="tx1"/>
+                </a:solidFill>
+                <a:latin typeface="Segoe UI" pitchFamily="34" charset="0"/>
+                <a:ea typeface="+mn-ea"/>
+                <a:cs typeface="+mn-cs"/>
+              </a:rPr>
+              <a:t> l</a:t>
+            </a:r>
+            <a:r>
+              <a:rPr lang="vi-VN" sz="1200" kern="1200" smtClean="0">
+                <a:solidFill>
+                  <a:schemeClr val="tx1"/>
+                </a:solidFill>
+                <a:latin typeface="Segoe UI" pitchFamily="34" charset="0"/>
+                <a:ea typeface="+mn-ea"/>
+                <a:cs typeface="+mn-cs"/>
+              </a:rPr>
+              <a:t>à các dịch vụ điện toán đám mây được một bên thứ ba cung cấp. Chúng tồn tại ngoài tường lửa công ty và được lưu trữ đầy đủ và được nhà cung cấp đám mây quản lý</a:t>
+            </a:r>
+            <a:r>
+              <a:rPr lang="en-US" sz="1200" kern="1200" smtClean="0">
+                <a:solidFill>
+                  <a:schemeClr val="tx1"/>
+                </a:solidFill>
+                <a:latin typeface="Segoe UI" pitchFamily="34" charset="0"/>
+                <a:ea typeface="+mn-ea"/>
+                <a:cs typeface="+mn-cs"/>
+              </a:rPr>
+              <a:t>.</a:t>
+            </a:r>
+          </a:p>
+          <a:p>
+            <a:r>
+              <a:rPr lang="en-US" sz="1200" kern="1200" smtClean="0">
+                <a:solidFill>
+                  <a:schemeClr val="tx1"/>
+                </a:solidFill>
+                <a:latin typeface="Segoe UI" pitchFamily="34" charset="0"/>
+                <a:ea typeface="+mn-ea"/>
+                <a:cs typeface="+mn-cs"/>
+              </a:rPr>
+              <a:t>Đám</a:t>
+            </a:r>
+            <a:r>
+              <a:rPr lang="en-US" sz="1200" kern="1200" baseline="0" smtClean="0">
+                <a:solidFill>
+                  <a:schemeClr val="tx1"/>
+                </a:solidFill>
+                <a:latin typeface="Segoe UI" pitchFamily="34" charset="0"/>
+                <a:ea typeface="+mn-ea"/>
+                <a:cs typeface="+mn-cs"/>
+              </a:rPr>
+              <a:t> mây cá nhân : l</a:t>
+            </a:r>
+            <a:r>
+              <a:rPr lang="vi-VN" sz="1200" kern="1200" smtClean="0">
+                <a:solidFill>
+                  <a:schemeClr val="tx1"/>
+                </a:solidFill>
+                <a:latin typeface="Segoe UI" pitchFamily="34" charset="0"/>
+                <a:ea typeface="+mn-ea"/>
+                <a:cs typeface="+mn-cs"/>
+              </a:rPr>
+              <a:t>à các dịch vụ đám mây được cung cấp trong doanh nghiệp. Những đám mây này tồn tại bên trong tường lửa công ty và chúng được doanh nghiệp quản lý.</a:t>
+            </a:r>
+            <a:endParaRPr lang="en-US" sz="1200" kern="1200" smtClean="0">
+              <a:solidFill>
+                <a:schemeClr val="tx1"/>
+              </a:solidFill>
+              <a:latin typeface="Segoe UI" pitchFamily="34" charset="0"/>
+              <a:ea typeface="+mn-ea"/>
+              <a:cs typeface="+mn-cs"/>
+            </a:endParaRPr>
+          </a:p>
+          <a:p>
+            <a:r>
+              <a:rPr lang="en-US" sz="1200" kern="1200" smtClean="0">
+                <a:solidFill>
+                  <a:schemeClr val="tx1"/>
+                </a:solidFill>
+                <a:latin typeface="Segoe UI" pitchFamily="34" charset="0"/>
+                <a:ea typeface="+mn-ea"/>
+                <a:cs typeface="+mn-cs"/>
+              </a:rPr>
+              <a:t>Đám</a:t>
+            </a:r>
+            <a:r>
+              <a:rPr lang="en-US" sz="1200" kern="1200" baseline="0" smtClean="0">
+                <a:solidFill>
+                  <a:schemeClr val="tx1"/>
+                </a:solidFill>
+                <a:latin typeface="Segoe UI" pitchFamily="34" charset="0"/>
+                <a:ea typeface="+mn-ea"/>
+                <a:cs typeface="+mn-cs"/>
+              </a:rPr>
+              <a:t> mây lai: l</a:t>
+            </a:r>
+            <a:r>
+              <a:rPr lang="vi-VN" sz="1200" kern="1200" smtClean="0">
+                <a:solidFill>
+                  <a:schemeClr val="tx1"/>
+                </a:solidFill>
+                <a:latin typeface="Segoe UI" pitchFamily="34" charset="0"/>
+                <a:ea typeface="+mn-ea"/>
+                <a:cs typeface="+mn-cs"/>
+              </a:rPr>
+              <a:t>à một sự kết hợp của các đám mây công cộng và </a:t>
+            </a:r>
+            <a:r>
+              <a:rPr lang="en-US" sz="1200" kern="1200" smtClean="0">
+                <a:solidFill>
+                  <a:schemeClr val="tx1"/>
+                </a:solidFill>
+                <a:latin typeface="Segoe UI" pitchFamily="34" charset="0"/>
+                <a:ea typeface="+mn-ea"/>
+                <a:cs typeface="+mn-cs"/>
+              </a:rPr>
+              <a:t>cá nhân</a:t>
+            </a:r>
+            <a:r>
+              <a:rPr lang="vi-VN" sz="1200" kern="1200" smtClean="0">
+                <a:solidFill>
+                  <a:schemeClr val="tx1"/>
+                </a:solidFill>
+                <a:latin typeface="Segoe UI" pitchFamily="34" charset="0"/>
+                <a:ea typeface="+mn-ea"/>
+                <a:cs typeface="+mn-cs"/>
+              </a:rPr>
+              <a:t>. Những đám mây này thường do doanh nghiệp tạo ra và các trách nhiệm quản lý sẽ được phân chia giữa doanh nghiệp và nhà cung cấp đám mây công cộng</a:t>
+            </a:r>
+            <a:endParaRPr lang="en-US" sz="1200" kern="1200" smtClean="0">
+              <a:solidFill>
+                <a:schemeClr val="tx1"/>
+              </a:solidFill>
+              <a:latin typeface="Segoe UI" pitchFamily="34" charset="0"/>
+              <a:ea typeface="+mn-ea"/>
+              <a:cs typeface="+mn-cs"/>
+            </a:endParaRPr>
+          </a:p>
+          <a:p>
+            <a:r>
+              <a:rPr lang="en-US" sz="1200" kern="1200" smtClean="0">
+                <a:solidFill>
+                  <a:schemeClr val="tx1"/>
+                </a:solidFill>
+                <a:latin typeface="Segoe UI" pitchFamily="34" charset="0"/>
+                <a:ea typeface="+mn-ea"/>
+                <a:cs typeface="+mn-cs"/>
+              </a:rPr>
+              <a:t>Đám</a:t>
+            </a:r>
+            <a:r>
+              <a:rPr lang="en-US" sz="1200" kern="1200" baseline="0" smtClean="0">
+                <a:solidFill>
+                  <a:schemeClr val="tx1"/>
+                </a:solidFill>
+                <a:latin typeface="Segoe UI" pitchFamily="34" charset="0"/>
+                <a:ea typeface="+mn-ea"/>
+                <a:cs typeface="+mn-cs"/>
+              </a:rPr>
+              <a:t> mây cộng đồng: l</a:t>
+            </a:r>
+            <a:r>
+              <a:rPr lang="vi-VN" sz="1200" kern="1200" smtClean="0">
+                <a:solidFill>
+                  <a:schemeClr val="tx1"/>
+                </a:solidFill>
+                <a:latin typeface="Segoe UI" pitchFamily="34" charset="0"/>
+                <a:ea typeface="+mn-ea"/>
+                <a:cs typeface="+mn-cs"/>
+              </a:rPr>
+              <a:t>à các đám mây được chia sẻ bởi một số tổ chức và hỗ trợ một cộng đồng cụ thể có mối quan tâm chung (ví dụ</a:t>
+            </a:r>
+            <a:r>
+              <a:rPr lang="en-US" sz="1200" kern="1200" smtClean="0">
+                <a:solidFill>
+                  <a:schemeClr val="tx1"/>
+                </a:solidFill>
+                <a:latin typeface="Segoe UI" pitchFamily="34" charset="0"/>
+                <a:ea typeface="+mn-ea"/>
+                <a:cs typeface="+mn-cs"/>
+              </a:rPr>
+              <a:t> như </a:t>
+            </a:r>
+            <a:r>
+              <a:rPr lang="vi-VN" sz="1200" kern="1200" smtClean="0">
+                <a:solidFill>
+                  <a:schemeClr val="tx1"/>
+                </a:solidFill>
+                <a:latin typeface="Segoe UI" pitchFamily="34" charset="0"/>
+                <a:ea typeface="+mn-ea"/>
+                <a:cs typeface="+mn-cs"/>
+              </a:rPr>
+              <a:t>chung sứ mệnh, yêu cầu an ninh, chính sách</a:t>
+            </a:r>
+            <a:r>
+              <a:rPr lang="en-US" sz="1200" kern="1200" smtClean="0">
+                <a:solidFill>
+                  <a:schemeClr val="tx1"/>
+                </a:solidFill>
+                <a:latin typeface="Segoe UI" pitchFamily="34" charset="0"/>
+                <a:ea typeface="+mn-ea"/>
+                <a:cs typeface="+mn-cs"/>
+              </a:rPr>
+              <a:t>, v.v.</a:t>
+            </a:r>
+            <a:r>
+              <a:rPr lang="vi-VN" sz="1200" kern="1200" smtClean="0">
+                <a:solidFill>
+                  <a:schemeClr val="tx1"/>
+                </a:solidFill>
+                <a:latin typeface="Segoe UI" pitchFamily="34" charset="0"/>
+                <a:ea typeface="+mn-ea"/>
+                <a:cs typeface="+mn-cs"/>
+              </a:rPr>
+              <a:t>.. ). Nó có thể được quản lý bởi các tổ chức hoặc một bên thứ ba</a:t>
+            </a:r>
+            <a:endParaRPr lang="en-US"/>
+          </a:p>
+        </p:txBody>
+      </p:sp>
+      <p:sp>
+        <p:nvSpPr>
+          <p:cNvPr id="4" name="Slide Number Placeholder 3"/>
+          <p:cNvSpPr>
+            <a:spLocks noGrp="1"/>
+          </p:cNvSpPr>
+          <p:nvPr>
+            <p:ph type="sldNum" sz="quarter" idx="10"/>
+          </p:nvPr>
+        </p:nvSpPr>
+        <p:spPr/>
+        <p:txBody>
+          <a:bodyPr/>
+          <a:lstStyle/>
+          <a:p>
+            <a:fld id="{8B263312-38AA-4E1E-B2B5-0F8F122B24FE}" type="slidenum">
+              <a:rPr lang="en-US" smtClean="0"/>
+              <a:pPr/>
+              <a:t>8</a:t>
+            </a:fld>
+            <a:endParaRPr lang="en-US"/>
+          </a:p>
+        </p:txBody>
+      </p:sp>
+    </p:spTree>
+  </p:cSld>
+  <p:clrMapOvr>
+    <a:masterClrMapping/>
+  </p:clrMapOvr>
+</p:notes>
+</file>
+
+<file path=ppt/notesSlides/notesSlide6.xml><?xml version="1.0" encoding="utf-8"?>
 <p:notes xmlns:a="http://schemas.openxmlformats.org/drawingml/2006/main" xmlns:r="http://schemas.openxmlformats.org/officeDocument/2006/relationships" xmlns:p="http://schemas.openxmlformats.org/presentationml/2006/main">
   <p:cSld>
     <p:spTree>
@@ -965,7 +1831,7 @@
     </p:spTree>
     <p:extLst>
       <p:ext uri="{BB962C8B-B14F-4D97-AF65-F5344CB8AC3E}">
-        <p14:creationId xmlns:p14="http://schemas.microsoft.com/office/powerpoint/2010/main" xmlns="" val="4231630105"/>
+        <p14:creationId xmlns="" xmlns:p14="http://schemas.microsoft.com/office/powerpoint/2010/main" val="4231630105"/>
       </p:ext>
     </p:extLst>
   </p:cSld>
@@ -975,7 +1841,7 @@
 </p:notes>
 </file>
 
-<file path=ppt/notesSlides/notesSlide3.xml><?xml version="1.0" encoding="utf-8"?>
+<file path=ppt/notesSlides/notesSlide7.xml><?xml version="1.0" encoding="utf-8"?>
 <p:notes xmlns:a="http://schemas.openxmlformats.org/drawingml/2006/main" xmlns:r="http://schemas.openxmlformats.org/officeDocument/2006/relationships" xmlns:p="http://schemas.openxmlformats.org/presentationml/2006/main">
   <p:cSld>
     <p:spTree>
@@ -1050,7 +1916,7 @@
     </p:spTree>
     <p:extLst>
       <p:ext uri="{BB962C8B-B14F-4D97-AF65-F5344CB8AC3E}">
-        <p14:creationId xmlns:p14="http://schemas.microsoft.com/office/powerpoint/2010/main" xmlns="" val="3834132863"/>
+        <p14:creationId xmlns="" xmlns:p14="http://schemas.microsoft.com/office/powerpoint/2010/main" val="3834132863"/>
       </p:ext>
     </p:extLst>
   </p:cSld>
@@ -1070,7 +1936,7 @@
             <a:lum/>
             <a:extLst>
               <a:ext uri="{28A0092B-C50C-407E-A947-70E740481C1C}">
-                <a14:useLocalDpi xmlns:a14="http://schemas.microsoft.com/office/drawing/2010/main" xmlns="" val="0"/>
+                <a14:useLocalDpi xmlns="" xmlns:a14="http://schemas.microsoft.com/office/drawing/2010/main" val="0"/>
               </a:ext>
             </a:extLst>
           </a:blip>
@@ -1278,7 +2144,7 @@
     </p:spTree>
     <p:extLst>
       <p:ext uri="{BB962C8B-B14F-4D97-AF65-F5344CB8AC3E}">
-        <p14:creationId xmlns:p14="http://schemas.microsoft.com/office/powerpoint/2010/main" xmlns="" val="3247851305"/>
+        <p14:creationId xmlns="" xmlns:p14="http://schemas.microsoft.com/office/powerpoint/2010/main" val="3247851305"/>
       </p:ext>
     </p:extLst>
   </p:cSld>
@@ -1429,7 +2295,7 @@
     </p:spTree>
     <p:extLst>
       <p:ext uri="{BB962C8B-B14F-4D97-AF65-F5344CB8AC3E}">
-        <p14:creationId xmlns:p14="http://schemas.microsoft.com/office/powerpoint/2010/main" xmlns="" val="1020099824"/>
+        <p14:creationId xmlns="" xmlns:p14="http://schemas.microsoft.com/office/powerpoint/2010/main" val="1020099824"/>
       </p:ext>
     </p:extLst>
   </p:cSld>
@@ -1695,7 +2561,7 @@
     </p:spTree>
     <p:extLst>
       <p:ext uri="{BB962C8B-B14F-4D97-AF65-F5344CB8AC3E}">
-        <p14:creationId xmlns:p14="http://schemas.microsoft.com/office/powerpoint/2010/main" xmlns="" val="3061710331"/>
+        <p14:creationId xmlns="" xmlns:p14="http://schemas.microsoft.com/office/powerpoint/2010/main" val="3061710331"/>
       </p:ext>
     </p:extLst>
   </p:cSld>
@@ -1764,7 +2630,7 @@
     </p:spTree>
     <p:extLst>
       <p:ext uri="{BB962C8B-B14F-4D97-AF65-F5344CB8AC3E}">
-        <p14:creationId xmlns:p14="http://schemas.microsoft.com/office/powerpoint/2010/main" xmlns="" val="1815284288"/>
+        <p14:creationId xmlns="" xmlns:p14="http://schemas.microsoft.com/office/powerpoint/2010/main" val="1815284288"/>
       </p:ext>
     </p:extLst>
   </p:cSld>
@@ -1838,7 +2704,7 @@
     </p:spTree>
     <p:extLst>
       <p:ext uri="{BB962C8B-B14F-4D97-AF65-F5344CB8AC3E}">
-        <p14:creationId xmlns:p14="http://schemas.microsoft.com/office/powerpoint/2010/main" xmlns="" val="2909031574"/>
+        <p14:creationId xmlns="" xmlns:p14="http://schemas.microsoft.com/office/powerpoint/2010/main" val="2909031574"/>
       </p:ext>
     </p:extLst>
   </p:cSld>
@@ -2127,7 +2993,7 @@
     </p:spTree>
     <p:extLst>
       <p:ext uri="{BB962C8B-B14F-4D97-AF65-F5344CB8AC3E}">
-        <p14:creationId xmlns:p14="http://schemas.microsoft.com/office/powerpoint/2010/main" xmlns="" val="517179932"/>
+        <p14:creationId xmlns="" xmlns:p14="http://schemas.microsoft.com/office/powerpoint/2010/main" val="517179932"/>
       </p:ext>
     </p:extLst>
   </p:cSld>
@@ -2167,7 +3033,7 @@
     </p:spTree>
     <p:extLst>
       <p:ext uri="{BB962C8B-B14F-4D97-AF65-F5344CB8AC3E}">
-        <p14:creationId xmlns:p14="http://schemas.microsoft.com/office/powerpoint/2010/main" xmlns="" val="1461056470"/>
+        <p14:creationId xmlns="" xmlns:p14="http://schemas.microsoft.com/office/powerpoint/2010/main" val="1461056470"/>
       </p:ext>
     </p:extLst>
   </p:cSld>
@@ -2610,7 +3476,7 @@
     </p:spTree>
     <p:extLst>
       <p:ext uri="{BB962C8B-B14F-4D97-AF65-F5344CB8AC3E}">
-        <p14:creationId xmlns:p14="http://schemas.microsoft.com/office/powerpoint/2010/main" xmlns="" val="3842700467"/>
+        <p14:creationId xmlns="" xmlns:p14="http://schemas.microsoft.com/office/powerpoint/2010/main" val="3842700467"/>
       </p:ext>
     </p:extLst>
   </p:cSld>
@@ -2639,7 +3505,7 @@
           <a:blip r:embed="rId11">
             <a:extLst>
               <a:ext uri="{28A0092B-C50C-407E-A947-70E740481C1C}">
-                <a14:useLocalDpi xmlns:a14="http://schemas.microsoft.com/office/drawing/2010/main" xmlns="" val="0"/>
+                <a14:useLocalDpi xmlns="" xmlns:a14="http://schemas.microsoft.com/office/drawing/2010/main" val="0"/>
               </a:ext>
             </a:extLst>
           </a:blip>
@@ -2763,7 +3629,7 @@
     </p:spTree>
     <p:extLst>
       <p:ext uri="{BB962C8B-B14F-4D97-AF65-F5344CB8AC3E}">
-        <p14:creationId xmlns:p14="http://schemas.microsoft.com/office/powerpoint/2010/main" xmlns="" val="1605506760"/>
+        <p14:creationId xmlns="" xmlns:p14="http://schemas.microsoft.com/office/powerpoint/2010/main" val="1605506760"/>
       </p:ext>
     </p:extLst>
   </p:cSld>
@@ -3249,7 +4115,7 @@
           <a:blip r:embed="rId3">
             <a:extLst>
               <a:ext uri="{28A0092B-C50C-407E-A947-70E740481C1C}">
-                <a14:useLocalDpi xmlns:a14="http://schemas.microsoft.com/office/drawing/2010/main" xmlns="" val="0"/>
+                <a14:useLocalDpi xmlns="" xmlns:a14="http://schemas.microsoft.com/office/drawing/2010/main" val="0"/>
               </a:ext>
             </a:extLst>
           </a:blip>
@@ -3269,7 +4135,7 @@
           <a:noFill/>
           <a:extLst>
             <a:ext uri="{909E8E84-426E-40DD-AFC4-6F175D3DCCD1}">
-              <a14:hiddenFill xmlns:a14="http://schemas.microsoft.com/office/drawing/2010/main" xmlns="">
+              <a14:hiddenFill xmlns="" xmlns:a14="http://schemas.microsoft.com/office/drawing/2010/main">
                 <a:solidFill>
                   <a:srgbClr val="FFFFFF"/>
                 </a:solidFill>
@@ -3281,7 +4147,7 @@
     </p:spTree>
     <p:extLst>
       <p:ext uri="{BB962C8B-B14F-4D97-AF65-F5344CB8AC3E}">
-        <p14:creationId xmlns:p14="http://schemas.microsoft.com/office/powerpoint/2010/main" xmlns="" val="3137854148"/>
+        <p14:creationId xmlns="" xmlns:p14="http://schemas.microsoft.com/office/powerpoint/2010/main" val="3137854148"/>
       </p:ext>
     </p:extLst>
   </p:cSld>
@@ -3289,7 +4155,7 @@
     <a:masterClrMapping/>
   </p:clrMapOvr>
   <mc:AlternateContent xmlns:mc="http://schemas.openxmlformats.org/markup-compatibility/2006">
-    <mc:Choice xmlns:p14="http://schemas.microsoft.com/office/powerpoint/2010/main" xmlns="" Requires="p14">
+    <mc:Choice xmlns="" xmlns:p14="http://schemas.microsoft.com/office/powerpoint/2010/main" Requires="p14">
       <p:transition spd="med" p14:dur="700">
         <p:fade/>
       </p:transition>
@@ -15972,11 +16838,7 @@
           <a:p>
             <a:r>
               <a:rPr lang="en-US" smtClean="0"/>
-              <a:t>Roger </a:t>
-            </a:r>
-            <a:r>
-              <a:rPr lang="en-US" smtClean="0"/>
-              <a:t>Jennings. </a:t>
+              <a:t>Roger Jennings. </a:t>
             </a:r>
             <a:r>
               <a:rPr lang="en-US" i="1" smtClean="0"/>
@@ -15990,11 +16852,7 @@
           <a:p>
             <a:r>
               <a:rPr lang="en-US" smtClean="0"/>
-              <a:t>Tejaswi </a:t>
-            </a:r>
-            <a:r>
-              <a:rPr lang="en-US" smtClean="0"/>
-              <a:t>Redkar. </a:t>
+              <a:t>Tejaswi Redkar. </a:t>
             </a:r>
             <a:r>
               <a:rPr lang="en-US" i="1" smtClean="0"/>
@@ -16008,11 +16866,7 @@
           <a:p>
             <a:r>
               <a:rPr lang="en-US" smtClean="0"/>
-              <a:t>Chris </a:t>
-            </a:r>
-            <a:r>
-              <a:rPr lang="en-US" smtClean="0"/>
-              <a:t>Hay, Brian H.Prince. </a:t>
+              <a:t>Chris Hay, Brian H.Prince. </a:t>
             </a:r>
             <a:r>
               <a:rPr lang="en-US" i="1" smtClean="0"/>
@@ -16026,26 +16880,13 @@
           <a:p>
             <a:r>
               <a:rPr lang="en-US" smtClean="0"/>
-              <a:t>http</a:t>
-            </a:r>
-            <a:r>
-              <a:rPr lang="en-US" smtClean="0"/>
-              <a:t>://www.drvcloud.com/myblog/?p=75</a:t>
-            </a:r>
-            <a:r>
-              <a:rPr lang="en-US" smtClean="0"/>
-              <a:t> </a:t>
-            </a:r>
-            <a:endParaRPr lang="en-US" smtClean="0"/>
+              <a:t>http://www.drvcloud.com/myblog/?p=75 </a:t>
+            </a:r>
           </a:p>
           <a:p>
             <a:r>
               <a:rPr lang="en-US" smtClean="0"/>
-              <a:t>http</a:t>
-            </a:r>
-            <a:r>
-              <a:rPr lang="en-US" smtClean="0"/>
-              <a:t>://www.itnewsafrica.com/2011/04/cloud-vs-hosted-services/ </a:t>
+              <a:t>http://www.itnewsafrica.com/2011/04/cloud-vs-hosted-services/ </a:t>
             </a:r>
           </a:p>
           <a:p>
@@ -16163,7 +17004,7 @@
     </p:spTree>
     <p:extLst>
       <p:ext uri="{BB962C8B-B14F-4D97-AF65-F5344CB8AC3E}">
-        <p14:creationId xmlns:p14="http://schemas.microsoft.com/office/powerpoint/2010/main" xmlns="" val="1953245266"/>
+        <p14:creationId xmlns="" xmlns:p14="http://schemas.microsoft.com/office/powerpoint/2010/main" val="1953245266"/>
       </p:ext>
     </p:extLst>
   </p:cSld>
@@ -16171,7 +17012,7 @@
     <a:masterClrMapping/>
   </p:clrMapOvr>
   <mc:AlternateContent xmlns:mc="http://schemas.openxmlformats.org/markup-compatibility/2006">
-    <mc:Choice xmlns:p14="http://schemas.microsoft.com/office/powerpoint/2010/main" xmlns="" Requires="p14">
+    <mc:Choice xmlns="" xmlns:p14="http://schemas.microsoft.com/office/powerpoint/2010/main" Requires="p14">
       <p:transition spd="med" p14:dur="700">
         <p:fade/>
       </p:transition>
@@ -16318,7 +17159,7 @@
           <p:nvPr/>
         </p:nvPicPr>
         <p:blipFill>
-          <a:blip r:embed="rId2"/>
+          <a:blip r:embed="rId3"/>
           <a:srcRect/>
           <a:stretch>
             <a:fillRect/>
@@ -16372,7 +17213,7 @@
               <p:nvPr/>
             </p:nvPicPr>
             <p:blipFill>
-              <a:blip r:embed="rId3"/>
+              <a:blip r:embed="rId4"/>
               <a:srcRect/>
               <a:stretch>
                 <a:fillRect/>
@@ -16398,7 +17239,7 @@
               <p:nvPr/>
             </p:nvPicPr>
             <p:blipFill>
-              <a:blip r:embed="rId3"/>
+              <a:blip r:embed="rId4"/>
               <a:srcRect/>
               <a:stretch>
                 <a:fillRect/>
@@ -16424,7 +17265,7 @@
               <p:nvPr/>
             </p:nvPicPr>
             <p:blipFill>
-              <a:blip r:embed="rId3"/>
+              <a:blip r:embed="rId4"/>
               <a:srcRect/>
               <a:stretch>
                 <a:fillRect/>
@@ -16450,7 +17291,7 @@
               <p:nvPr/>
             </p:nvPicPr>
             <p:blipFill>
-              <a:blip r:embed="rId3"/>
+              <a:blip r:embed="rId4"/>
               <a:srcRect/>
               <a:stretch>
                 <a:fillRect/>
@@ -16476,7 +17317,7 @@
               <p:nvPr/>
             </p:nvPicPr>
             <p:blipFill>
-              <a:blip r:embed="rId3"/>
+              <a:blip r:embed="rId4"/>
               <a:srcRect/>
               <a:stretch>
                 <a:fillRect/>
@@ -16502,7 +17343,7 @@
               <p:nvPr/>
             </p:nvPicPr>
             <p:blipFill>
-              <a:blip r:embed="rId3"/>
+              <a:blip r:embed="rId4"/>
               <a:srcRect/>
               <a:stretch>
                 <a:fillRect/>
@@ -16764,7 +17605,7 @@
             <p:nvPr/>
           </p:nvPicPr>
           <p:blipFill>
-            <a:blip r:embed="rId4"/>
+            <a:blip r:embed="rId5"/>
             <a:srcRect/>
             <a:stretch>
               <a:fillRect/>
@@ -16790,7 +17631,7 @@
             <p:nvPr/>
           </p:nvPicPr>
           <p:blipFill>
-            <a:blip r:embed="rId5"/>
+            <a:blip r:embed="rId6"/>
             <a:srcRect/>
             <a:stretch>
               <a:fillRect/>
@@ -16816,7 +17657,7 @@
             <p:nvPr/>
           </p:nvPicPr>
           <p:blipFill>
-            <a:blip r:embed="rId3"/>
+            <a:blip r:embed="rId4"/>
             <a:srcRect/>
             <a:stretch>
               <a:fillRect/>
@@ -16842,7 +17683,7 @@
             <p:nvPr/>
           </p:nvPicPr>
           <p:blipFill>
-            <a:blip r:embed="rId6"/>
+            <a:blip r:embed="rId7"/>
             <a:srcRect/>
             <a:stretch>
               <a:fillRect/>
@@ -16937,7 +17778,7 @@
           <p:nvPr/>
         </p:nvPicPr>
         <p:blipFill>
-          <a:blip r:embed="rId7"/>
+          <a:blip r:embed="rId8"/>
           <a:srcRect/>
           <a:stretch>
             <a:fillRect/>
@@ -16977,7 +17818,7 @@
             <p:nvPr/>
           </p:nvPicPr>
           <p:blipFill>
-            <a:blip r:embed="rId8"/>
+            <a:blip r:embed="rId9"/>
             <a:srcRect/>
             <a:stretch>
               <a:fillRect/>
@@ -17003,7 +17844,7 @@
             <p:nvPr/>
           </p:nvPicPr>
           <p:blipFill>
-            <a:blip r:embed="rId9"/>
+            <a:blip r:embed="rId10"/>
             <a:srcRect/>
             <a:stretch>
               <a:fillRect/>
@@ -17363,7 +18204,7 @@
             <p:nvPr/>
           </p:nvPicPr>
           <p:blipFill>
-            <a:blip r:embed="rId9"/>
+            <a:blip r:embed="rId10"/>
             <a:srcRect/>
             <a:stretch>
               <a:fillRect/>
@@ -17389,7 +18230,7 @@
             <p:nvPr/>
           </p:nvPicPr>
           <p:blipFill>
-            <a:blip r:embed="rId9"/>
+            <a:blip r:embed="rId10"/>
             <a:srcRect/>
             <a:stretch>
               <a:fillRect/>
@@ -18480,7 +19321,7 @@
           <p:nvPr/>
         </p:nvPicPr>
         <p:blipFill>
-          <a:blip r:embed="rId2" cstate="print"/>
+          <a:blip r:embed="rId3" cstate="print"/>
           <a:srcRect/>
           <a:stretch>
             <a:fillRect/>
@@ -18749,7 +19590,7 @@
               </a:spcBef>
               <a:buSzPct val="90000"/>
               <a:buBlip>
-                <a:blip r:embed="rId2"/>
+                <a:blip r:embed="rId3"/>
               </a:buBlip>
             </a:pPr>
             <a:r>
@@ -18803,7 +19644,7 @@
               </a:spcBef>
               <a:buSzPct val="90000"/>
               <a:buBlip>
-                <a:blip r:embed="rId2"/>
+                <a:blip r:embed="rId3"/>
               </a:buBlip>
             </a:pPr>
             <a:r>
@@ -18857,7 +19698,7 @@
               </a:spcBef>
               <a:buSzPct val="90000"/>
               <a:buBlip>
-                <a:blip r:embed="rId2"/>
+                <a:blip r:embed="rId3"/>
               </a:buBlip>
             </a:pPr>
             <a:r>
@@ -18911,7 +19752,7 @@
               </a:spcBef>
               <a:buSzPct val="90000"/>
               <a:buBlip>
-                <a:blip r:embed="rId2"/>
+                <a:blip r:embed="rId3"/>
               </a:buBlip>
             </a:pPr>
             <a:endParaRPr lang="en-US" sz="2800" dirty="0" smtClean="0"/>
@@ -18925,7 +19766,7 @@
           <p:nvPr/>
         </p:nvPicPr>
         <p:blipFill>
-          <a:blip r:embed="rId3" cstate="print"/>
+          <a:blip r:embed="rId4" cstate="print"/>
           <a:srcRect/>
           <a:stretch>
             <a:fillRect/>
@@ -19429,7 +20270,7 @@
           <p:nvPr/>
         </p:nvPicPr>
         <p:blipFill>
-          <a:blip r:embed="rId2" cstate="print"/>
+          <a:blip r:embed="rId3" cstate="print"/>
           <a:srcRect/>
           <a:stretch>
             <a:fillRect/>
@@ -19459,7 +20300,7 @@
           <p:nvPr/>
         </p:nvPicPr>
         <p:blipFill>
-          <a:blip r:embed="rId3" cstate="print"/>
+          <a:blip r:embed="rId4" cstate="print"/>
           <a:srcRect/>
           <a:stretch>
             <a:fillRect/>
@@ -19489,7 +20330,7 @@
           <p:nvPr/>
         </p:nvPicPr>
         <p:blipFill>
-          <a:blip r:embed="rId4" cstate="print"/>
+          <a:blip r:embed="rId5" cstate="print"/>
           <a:srcRect/>
           <a:stretch>
             <a:fillRect/>
@@ -19519,7 +20360,7 @@
           <p:nvPr/>
         </p:nvPicPr>
         <p:blipFill>
-          <a:blip r:embed="rId5" cstate="print"/>
+          <a:blip r:embed="rId6" cstate="print"/>
           <a:srcRect/>
           <a:stretch>
             <a:fillRect/>
@@ -20797,7 +21638,7 @@
     </p:spTree>
     <p:extLst>
       <p:ext uri="{BB962C8B-B14F-4D97-AF65-F5344CB8AC3E}">
-        <p14:creationId xmlns:p14="http://schemas.microsoft.com/office/powerpoint/2010/main" xmlns="" val="2925076787"/>
+        <p14:creationId xmlns="" xmlns:p14="http://schemas.microsoft.com/office/powerpoint/2010/main" val="2925076787"/>
       </p:ext>
     </p:extLst>
   </p:cSld>

--- a/Project_Management/Báo cáo khóa luận/Presentation.pptx
+++ b/Project_Management/Báo cáo khóa luận/Presentation.pptx
@@ -237,7 +237,7 @@
                 <a:latin typeface="Segoe UI" pitchFamily="34" charset="0"/>
               </a:rPr>
               <a:pPr/>
-              <a:t>26/02/2012</a:t>
+              <a:t>2/28/2012</a:t>
             </a:fld>
             <a:endParaRPr lang="en-US">
               <a:latin typeface="Segoe UI" pitchFamily="34" charset="0"/>
@@ -355,7 +355,7 @@
     </p:spTree>
     <p:extLst>
       <p:ext uri="{BB962C8B-B14F-4D97-AF65-F5344CB8AC3E}">
-        <p14:creationId xmlns="" xmlns:p14="http://schemas.microsoft.com/office/powerpoint/2010/main" val="4144106037"/>
+        <p14:creationId xmlns:p14="http://schemas.microsoft.com/office/powerpoint/2010/main" xmlns="" val="4144106037"/>
       </p:ext>
     </p:extLst>
   </p:cSld>
@@ -454,7 +454,7 @@
             <a:fld id="{7C3FBCD4-166E-446F-AF18-7D4A0CF9AEF6}" type="datetimeFigureOut">
               <a:rPr lang="en-US" smtClean="0"/>
               <a:pPr/>
-              <a:t>26/02/2012</a:t>
+              <a:t>2/28/2012</a:t>
             </a:fld>
             <a:endParaRPr lang="en-US"/>
           </a:p>
@@ -665,7 +665,7 @@
     </p:spTree>
     <p:extLst>
       <p:ext uri="{BB962C8B-B14F-4D97-AF65-F5344CB8AC3E}">
-        <p14:creationId xmlns="" xmlns:p14="http://schemas.microsoft.com/office/powerpoint/2010/main" val="2509398179"/>
+        <p14:creationId xmlns:p14="http://schemas.microsoft.com/office/powerpoint/2010/main" xmlns="" val="2509398179"/>
       </p:ext>
     </p:extLst>
   </p:cSld>
@@ -878,7 +878,7 @@
     </p:spTree>
     <p:extLst>
       <p:ext uri="{BB962C8B-B14F-4D97-AF65-F5344CB8AC3E}">
-        <p14:creationId xmlns="" xmlns:p14="http://schemas.microsoft.com/office/powerpoint/2010/main" val="2845516244"/>
+        <p14:creationId xmlns:p14="http://schemas.microsoft.com/office/powerpoint/2010/main" xmlns="" val="2845516244"/>
       </p:ext>
     </p:extLst>
   </p:cSld>
@@ -935,24 +935,740 @@
           <a:lstStyle/>
           <a:p>
             <a:r>
-              <a:rPr lang="en-US" smtClean="0"/>
+              <a:rPr lang="en-US" dirty="0" err="1" smtClean="0"/>
               <a:t>Bài</a:t>
             </a:r>
             <a:r>
-              <a:rPr lang="en-US" baseline="0" smtClean="0"/>
-              <a:t> toán đặt ra : </a:t>
+              <a:rPr lang="en-US" baseline="0" dirty="0" smtClean="0"/>
+              <a:t> </a:t>
+            </a:r>
+            <a:r>
+              <a:rPr lang="en-US" baseline="0" dirty="0" err="1" smtClean="0"/>
+              <a:t>toán</a:t>
+            </a:r>
+            <a:r>
+              <a:rPr lang="en-US" baseline="0" dirty="0" smtClean="0"/>
+              <a:t> </a:t>
+            </a:r>
+            <a:r>
+              <a:rPr lang="en-US" baseline="0" dirty="0" err="1" smtClean="0"/>
+              <a:t>đặt</a:t>
+            </a:r>
+            <a:r>
+              <a:rPr lang="en-US" baseline="0" dirty="0" smtClean="0"/>
+              <a:t> </a:t>
+            </a:r>
+            <a:r>
+              <a:rPr lang="en-US" baseline="0" dirty="0" err="1" smtClean="0"/>
+              <a:t>ra</a:t>
+            </a:r>
+            <a:r>
+              <a:rPr lang="en-US" baseline="0" dirty="0" smtClean="0"/>
+              <a:t> : </a:t>
             </a:r>
           </a:p>
           <a:p>
             <a:r>
-              <a:rPr lang="en-US" baseline="0" smtClean="0"/>
-              <a:t>      Hầu hết các công ty hiện nay đều đặt việc quản lý, phân tích dữ liệu khách hàng, dữ liệu kinh doanh lên hàng đầu. </a:t>
+              <a:rPr lang="en-US" baseline="0" dirty="0" smtClean="0"/>
+              <a:t>      </a:t>
+            </a:r>
+            <a:r>
+              <a:rPr lang="en-US" baseline="0" dirty="0" err="1" smtClean="0"/>
+              <a:t>Hầu</a:t>
+            </a:r>
+            <a:r>
+              <a:rPr lang="en-US" baseline="0" dirty="0" smtClean="0"/>
+              <a:t> </a:t>
+            </a:r>
+            <a:r>
+              <a:rPr lang="en-US" baseline="0" dirty="0" err="1" smtClean="0"/>
+              <a:t>hết</a:t>
+            </a:r>
+            <a:r>
+              <a:rPr lang="en-US" baseline="0" dirty="0" smtClean="0"/>
+              <a:t> </a:t>
+            </a:r>
+            <a:r>
+              <a:rPr lang="en-US" baseline="0" dirty="0" err="1" smtClean="0"/>
+              <a:t>các</a:t>
+            </a:r>
+            <a:r>
+              <a:rPr lang="en-US" baseline="0" dirty="0" smtClean="0"/>
+              <a:t> </a:t>
+            </a:r>
+            <a:r>
+              <a:rPr lang="en-US" baseline="0" dirty="0" err="1" smtClean="0"/>
+              <a:t>công</a:t>
+            </a:r>
+            <a:r>
+              <a:rPr lang="en-US" baseline="0" dirty="0" smtClean="0"/>
+              <a:t> </a:t>
+            </a:r>
+            <a:r>
+              <a:rPr lang="en-US" baseline="0" dirty="0" err="1" smtClean="0"/>
+              <a:t>ty</a:t>
+            </a:r>
+            <a:r>
+              <a:rPr lang="en-US" baseline="0" dirty="0" smtClean="0"/>
+              <a:t> </a:t>
+            </a:r>
+            <a:r>
+              <a:rPr lang="en-US" baseline="0" dirty="0" err="1" smtClean="0"/>
+              <a:t>hiện</a:t>
+            </a:r>
+            <a:r>
+              <a:rPr lang="en-US" baseline="0" dirty="0" smtClean="0"/>
+              <a:t> nay </a:t>
+            </a:r>
+            <a:r>
+              <a:rPr lang="en-US" baseline="0" dirty="0" err="1" smtClean="0"/>
+              <a:t>đều</a:t>
+            </a:r>
+            <a:r>
+              <a:rPr lang="en-US" baseline="0" dirty="0" smtClean="0"/>
+              <a:t> </a:t>
+            </a:r>
+            <a:r>
+              <a:rPr lang="en-US" baseline="0" dirty="0" err="1" smtClean="0"/>
+              <a:t>đặt</a:t>
+            </a:r>
+            <a:r>
+              <a:rPr lang="en-US" baseline="0" dirty="0" smtClean="0"/>
+              <a:t> </a:t>
+            </a:r>
+            <a:r>
+              <a:rPr lang="en-US" baseline="0" dirty="0" err="1" smtClean="0"/>
+              <a:t>việc</a:t>
+            </a:r>
+            <a:r>
+              <a:rPr lang="en-US" baseline="0" dirty="0" smtClean="0"/>
+              <a:t> </a:t>
+            </a:r>
+            <a:r>
+              <a:rPr lang="en-US" baseline="0" dirty="0" err="1" smtClean="0"/>
+              <a:t>quản</a:t>
+            </a:r>
+            <a:r>
+              <a:rPr lang="en-US" baseline="0" dirty="0" smtClean="0"/>
+              <a:t> </a:t>
+            </a:r>
+            <a:r>
+              <a:rPr lang="en-US" baseline="0" dirty="0" err="1" smtClean="0"/>
+              <a:t>lý</a:t>
+            </a:r>
+            <a:r>
+              <a:rPr lang="en-US" baseline="0" dirty="0" smtClean="0"/>
+              <a:t>, </a:t>
+            </a:r>
+            <a:r>
+              <a:rPr lang="en-US" baseline="0" dirty="0" err="1" smtClean="0"/>
+              <a:t>phân</a:t>
+            </a:r>
+            <a:r>
+              <a:rPr lang="en-US" baseline="0" dirty="0" smtClean="0"/>
+              <a:t> </a:t>
+            </a:r>
+            <a:r>
+              <a:rPr lang="en-US" baseline="0" dirty="0" err="1" smtClean="0"/>
+              <a:t>tích</a:t>
+            </a:r>
+            <a:r>
+              <a:rPr lang="en-US" baseline="0" dirty="0" smtClean="0"/>
+              <a:t> </a:t>
+            </a:r>
+            <a:r>
+              <a:rPr lang="en-US" baseline="0" dirty="0" err="1" smtClean="0"/>
+              <a:t>dữ</a:t>
+            </a:r>
+            <a:r>
+              <a:rPr lang="en-US" baseline="0" dirty="0" smtClean="0"/>
+              <a:t> </a:t>
+            </a:r>
+            <a:r>
+              <a:rPr lang="en-US" baseline="0" dirty="0" err="1" smtClean="0"/>
+              <a:t>liệu</a:t>
+            </a:r>
+            <a:r>
+              <a:rPr lang="en-US" baseline="0" dirty="0" smtClean="0"/>
+              <a:t> </a:t>
+            </a:r>
+            <a:r>
+              <a:rPr lang="en-US" baseline="0" dirty="0" err="1" smtClean="0"/>
+              <a:t>khách</a:t>
+            </a:r>
+            <a:r>
+              <a:rPr lang="en-US" baseline="0" dirty="0" smtClean="0"/>
+              <a:t> </a:t>
+            </a:r>
+            <a:r>
+              <a:rPr lang="en-US" baseline="0" dirty="0" err="1" smtClean="0"/>
+              <a:t>hàng</a:t>
+            </a:r>
+            <a:r>
+              <a:rPr lang="en-US" baseline="0" dirty="0" smtClean="0"/>
+              <a:t>, </a:t>
+            </a:r>
+            <a:r>
+              <a:rPr lang="en-US" baseline="0" dirty="0" err="1" smtClean="0"/>
+              <a:t>dữ</a:t>
+            </a:r>
+            <a:r>
+              <a:rPr lang="en-US" baseline="0" dirty="0" smtClean="0"/>
+              <a:t> </a:t>
+            </a:r>
+            <a:r>
+              <a:rPr lang="en-US" baseline="0" dirty="0" err="1" smtClean="0"/>
+              <a:t>liệu</a:t>
+            </a:r>
+            <a:r>
+              <a:rPr lang="en-US" baseline="0" dirty="0" smtClean="0"/>
+              <a:t> </a:t>
+            </a:r>
+            <a:r>
+              <a:rPr lang="en-US" baseline="0" dirty="0" err="1" smtClean="0"/>
+              <a:t>kinh</a:t>
+            </a:r>
+            <a:r>
+              <a:rPr lang="en-US" baseline="0" dirty="0" smtClean="0"/>
+              <a:t> </a:t>
+            </a:r>
+            <a:r>
+              <a:rPr lang="en-US" baseline="0" dirty="0" err="1" smtClean="0"/>
+              <a:t>doanh</a:t>
+            </a:r>
+            <a:r>
+              <a:rPr lang="en-US" baseline="0" dirty="0" smtClean="0"/>
+              <a:t> </a:t>
+            </a:r>
+            <a:r>
+              <a:rPr lang="en-US" baseline="0" dirty="0" err="1" smtClean="0"/>
+              <a:t>lên</a:t>
+            </a:r>
+            <a:r>
+              <a:rPr lang="en-US" baseline="0" dirty="0" smtClean="0"/>
+              <a:t> </a:t>
+            </a:r>
+            <a:r>
+              <a:rPr lang="en-US" baseline="0" dirty="0" err="1" smtClean="0"/>
+              <a:t>hàng</a:t>
+            </a:r>
+            <a:r>
+              <a:rPr lang="en-US" baseline="0" dirty="0" smtClean="0"/>
+              <a:t> </a:t>
+            </a:r>
+            <a:r>
+              <a:rPr lang="en-US" baseline="0" dirty="0" err="1" smtClean="0"/>
+              <a:t>đầu</a:t>
+            </a:r>
+            <a:r>
+              <a:rPr lang="en-US" baseline="0" dirty="0" smtClean="0"/>
+              <a:t>. </a:t>
             </a:r>
           </a:p>
           <a:p>
             <a:r>
-              <a:rPr lang="en-US" baseline="0" smtClean="0"/>
-              <a:t>Giải pháp truyền thống : tận dụng sức mạnh của công nghệ thông tin, các công ty sẽ xây dựng, sử dụng các dịch vụ phù hợp với mình trong việc quản lý dữ liệu. Họ cần phải đầu tư thiết bị, cơ sở hạ tầng,đầu tư đội ngũ nhân lực bảo trì cơ sở hạ tầng phần mềm trong suốt quá trình hoạt động.</a:t>
+              <a:rPr lang="en-US" baseline="0" dirty="0" err="1" smtClean="0"/>
+              <a:t>Giải</a:t>
+            </a:r>
+            <a:r>
+              <a:rPr lang="en-US" baseline="0" dirty="0" smtClean="0"/>
+              <a:t> </a:t>
+            </a:r>
+            <a:r>
+              <a:rPr lang="en-US" baseline="0" dirty="0" err="1" smtClean="0"/>
+              <a:t>pháp</a:t>
+            </a:r>
+            <a:r>
+              <a:rPr lang="en-US" baseline="0" dirty="0" smtClean="0"/>
+              <a:t> </a:t>
+            </a:r>
+            <a:r>
+              <a:rPr lang="en-US" baseline="0" dirty="0" err="1" smtClean="0"/>
+              <a:t>truyền</a:t>
+            </a:r>
+            <a:r>
+              <a:rPr lang="en-US" baseline="0" dirty="0" smtClean="0"/>
+              <a:t> </a:t>
+            </a:r>
+            <a:r>
+              <a:rPr lang="en-US" baseline="0" dirty="0" err="1" smtClean="0"/>
+              <a:t>thống</a:t>
+            </a:r>
+            <a:r>
+              <a:rPr lang="en-US" baseline="0" dirty="0" smtClean="0"/>
+              <a:t> : </a:t>
+            </a:r>
+            <a:r>
+              <a:rPr lang="en-US" baseline="0" dirty="0" err="1" smtClean="0"/>
+              <a:t>tận</a:t>
+            </a:r>
+            <a:r>
+              <a:rPr lang="en-US" baseline="0" dirty="0" smtClean="0"/>
+              <a:t> </a:t>
+            </a:r>
+            <a:r>
+              <a:rPr lang="en-US" baseline="0" dirty="0" err="1" smtClean="0"/>
+              <a:t>dụng</a:t>
+            </a:r>
+            <a:r>
+              <a:rPr lang="en-US" baseline="0" dirty="0" smtClean="0"/>
+              <a:t> </a:t>
+            </a:r>
+            <a:r>
+              <a:rPr lang="en-US" baseline="0" dirty="0" err="1" smtClean="0"/>
+              <a:t>sức</a:t>
+            </a:r>
+            <a:r>
+              <a:rPr lang="en-US" baseline="0" dirty="0" smtClean="0"/>
+              <a:t> </a:t>
+            </a:r>
+            <a:r>
+              <a:rPr lang="en-US" baseline="0" dirty="0" err="1" smtClean="0"/>
+              <a:t>mạnh</a:t>
+            </a:r>
+            <a:r>
+              <a:rPr lang="en-US" baseline="0" dirty="0" smtClean="0"/>
+              <a:t> </a:t>
+            </a:r>
+            <a:r>
+              <a:rPr lang="en-US" baseline="0" dirty="0" err="1" smtClean="0"/>
+              <a:t>của</a:t>
+            </a:r>
+            <a:r>
+              <a:rPr lang="en-US" baseline="0" dirty="0" smtClean="0"/>
+              <a:t> </a:t>
+            </a:r>
+            <a:r>
+              <a:rPr lang="en-US" baseline="0" dirty="0" err="1" smtClean="0"/>
+              <a:t>công</a:t>
+            </a:r>
+            <a:r>
+              <a:rPr lang="en-US" baseline="0" dirty="0" smtClean="0"/>
+              <a:t> </a:t>
+            </a:r>
+            <a:r>
+              <a:rPr lang="en-US" baseline="0" dirty="0" err="1" smtClean="0"/>
+              <a:t>nghệ</a:t>
+            </a:r>
+            <a:r>
+              <a:rPr lang="en-US" baseline="0" dirty="0" smtClean="0"/>
+              <a:t> </a:t>
+            </a:r>
+            <a:r>
+              <a:rPr lang="en-US" baseline="0" dirty="0" err="1" smtClean="0"/>
+              <a:t>thông</a:t>
+            </a:r>
+            <a:r>
+              <a:rPr lang="en-US" baseline="0" dirty="0" smtClean="0"/>
+              <a:t> tin, </a:t>
+            </a:r>
+            <a:r>
+              <a:rPr lang="en-US" baseline="0" dirty="0" err="1" smtClean="0"/>
+              <a:t>các</a:t>
+            </a:r>
+            <a:r>
+              <a:rPr lang="en-US" baseline="0" dirty="0" smtClean="0"/>
+              <a:t> </a:t>
+            </a:r>
+            <a:r>
+              <a:rPr lang="en-US" baseline="0" dirty="0" err="1" smtClean="0"/>
+              <a:t>công</a:t>
+            </a:r>
+            <a:r>
+              <a:rPr lang="en-US" baseline="0" dirty="0" smtClean="0"/>
+              <a:t> </a:t>
+            </a:r>
+            <a:r>
+              <a:rPr lang="en-US" baseline="0" dirty="0" err="1" smtClean="0"/>
+              <a:t>ty</a:t>
+            </a:r>
+            <a:r>
+              <a:rPr lang="en-US" baseline="0" dirty="0" smtClean="0"/>
+              <a:t> </a:t>
+            </a:r>
+            <a:r>
+              <a:rPr lang="en-US" baseline="0" dirty="0" err="1" smtClean="0"/>
+              <a:t>sẽ</a:t>
+            </a:r>
+            <a:r>
+              <a:rPr lang="en-US" baseline="0" dirty="0" smtClean="0"/>
+              <a:t> </a:t>
+            </a:r>
+            <a:r>
+              <a:rPr lang="en-US" baseline="0" dirty="0" err="1" smtClean="0"/>
+              <a:t>xây</a:t>
+            </a:r>
+            <a:r>
+              <a:rPr lang="en-US" baseline="0" dirty="0" smtClean="0"/>
+              <a:t> </a:t>
+            </a:r>
+            <a:r>
+              <a:rPr lang="en-US" baseline="0" dirty="0" err="1" smtClean="0"/>
+              <a:t>dựng</a:t>
+            </a:r>
+            <a:r>
+              <a:rPr lang="en-US" baseline="0" dirty="0" smtClean="0"/>
+              <a:t>, </a:t>
+            </a:r>
+            <a:r>
+              <a:rPr lang="en-US" baseline="0" dirty="0" err="1" smtClean="0"/>
+              <a:t>sử</a:t>
+            </a:r>
+            <a:r>
+              <a:rPr lang="en-US" baseline="0" dirty="0" smtClean="0"/>
+              <a:t> </a:t>
+            </a:r>
+            <a:r>
+              <a:rPr lang="en-US" baseline="0" dirty="0" err="1" smtClean="0"/>
+              <a:t>dụng</a:t>
+            </a:r>
+            <a:r>
+              <a:rPr lang="en-US" baseline="0" dirty="0" smtClean="0"/>
+              <a:t> </a:t>
+            </a:r>
+            <a:r>
+              <a:rPr lang="en-US" baseline="0" dirty="0" err="1" smtClean="0"/>
+              <a:t>các</a:t>
+            </a:r>
+            <a:r>
+              <a:rPr lang="en-US" baseline="0" dirty="0" smtClean="0"/>
+              <a:t> </a:t>
+            </a:r>
+            <a:r>
+              <a:rPr lang="en-US" baseline="0" dirty="0" err="1" smtClean="0"/>
+              <a:t>dịch</a:t>
+            </a:r>
+            <a:r>
+              <a:rPr lang="en-US" baseline="0" dirty="0" smtClean="0"/>
+              <a:t> </a:t>
+            </a:r>
+            <a:r>
+              <a:rPr lang="en-US" baseline="0" dirty="0" err="1" smtClean="0"/>
+              <a:t>vụ</a:t>
+            </a:r>
+            <a:r>
+              <a:rPr lang="en-US" baseline="0" dirty="0" smtClean="0"/>
+              <a:t> </a:t>
+            </a:r>
+            <a:r>
+              <a:rPr lang="en-US" baseline="0" dirty="0" err="1" smtClean="0"/>
+              <a:t>phù</a:t>
+            </a:r>
+            <a:r>
+              <a:rPr lang="en-US" baseline="0" dirty="0" smtClean="0"/>
+              <a:t> </a:t>
+            </a:r>
+            <a:r>
+              <a:rPr lang="en-US" baseline="0" dirty="0" err="1" smtClean="0"/>
+              <a:t>hợp</a:t>
+            </a:r>
+            <a:r>
+              <a:rPr lang="en-US" baseline="0" dirty="0" smtClean="0"/>
+              <a:t> </a:t>
+            </a:r>
+            <a:r>
+              <a:rPr lang="en-US" baseline="0" dirty="0" err="1" smtClean="0"/>
+              <a:t>với</a:t>
+            </a:r>
+            <a:r>
+              <a:rPr lang="en-US" baseline="0" dirty="0" smtClean="0"/>
+              <a:t> </a:t>
+            </a:r>
+            <a:r>
+              <a:rPr lang="en-US" baseline="0" dirty="0" err="1" smtClean="0"/>
+              <a:t>mình</a:t>
+            </a:r>
+            <a:r>
+              <a:rPr lang="en-US" baseline="0" dirty="0" smtClean="0"/>
+              <a:t> </a:t>
+            </a:r>
+            <a:r>
+              <a:rPr lang="en-US" baseline="0" dirty="0" err="1" smtClean="0"/>
+              <a:t>trong</a:t>
+            </a:r>
+            <a:r>
+              <a:rPr lang="en-US" baseline="0" dirty="0" smtClean="0"/>
+              <a:t> </a:t>
+            </a:r>
+            <a:r>
+              <a:rPr lang="en-US" baseline="0" dirty="0" err="1" smtClean="0"/>
+              <a:t>việc</a:t>
+            </a:r>
+            <a:r>
+              <a:rPr lang="en-US" baseline="0" dirty="0" smtClean="0"/>
+              <a:t> </a:t>
+            </a:r>
+            <a:r>
+              <a:rPr lang="en-US" baseline="0" dirty="0" err="1" smtClean="0"/>
+              <a:t>quản</a:t>
+            </a:r>
+            <a:r>
+              <a:rPr lang="en-US" baseline="0" dirty="0" smtClean="0"/>
+              <a:t> </a:t>
+            </a:r>
+            <a:r>
+              <a:rPr lang="en-US" baseline="0" dirty="0" err="1" smtClean="0"/>
+              <a:t>lý</a:t>
+            </a:r>
+            <a:r>
+              <a:rPr lang="en-US" baseline="0" dirty="0" smtClean="0"/>
+              <a:t> </a:t>
+            </a:r>
+            <a:r>
+              <a:rPr lang="en-US" baseline="0" dirty="0" err="1" smtClean="0"/>
+              <a:t>dữ</a:t>
+            </a:r>
+            <a:r>
+              <a:rPr lang="en-US" baseline="0" dirty="0" smtClean="0"/>
+              <a:t> </a:t>
+            </a:r>
+            <a:r>
+              <a:rPr lang="en-US" baseline="0" dirty="0" err="1" smtClean="0"/>
+              <a:t>liệu</a:t>
+            </a:r>
+            <a:r>
+              <a:rPr lang="en-US" baseline="0" dirty="0" smtClean="0"/>
+              <a:t>. </a:t>
+            </a:r>
+            <a:r>
+              <a:rPr lang="en-US" baseline="0" dirty="0" err="1" smtClean="0"/>
+              <a:t>Họ</a:t>
+            </a:r>
+            <a:r>
+              <a:rPr lang="en-US" baseline="0" dirty="0" smtClean="0"/>
+              <a:t> </a:t>
+            </a:r>
+            <a:r>
+              <a:rPr lang="en-US" baseline="0" dirty="0" err="1" smtClean="0"/>
+              <a:t>cần</a:t>
+            </a:r>
+            <a:r>
+              <a:rPr lang="en-US" baseline="0" dirty="0" smtClean="0"/>
+              <a:t> </a:t>
+            </a:r>
+            <a:r>
+              <a:rPr lang="en-US" baseline="0" dirty="0" err="1" smtClean="0"/>
+              <a:t>phải</a:t>
+            </a:r>
+            <a:r>
+              <a:rPr lang="en-US" baseline="0" dirty="0" smtClean="0"/>
+              <a:t> </a:t>
+            </a:r>
+            <a:r>
+              <a:rPr lang="en-US" baseline="0" dirty="0" err="1" smtClean="0"/>
+              <a:t>đầu</a:t>
+            </a:r>
+            <a:r>
+              <a:rPr lang="en-US" baseline="0" dirty="0" smtClean="0"/>
+              <a:t> </a:t>
+            </a:r>
+            <a:r>
+              <a:rPr lang="en-US" baseline="0" dirty="0" err="1" smtClean="0"/>
+              <a:t>tư</a:t>
+            </a:r>
+            <a:r>
+              <a:rPr lang="en-US" baseline="0" dirty="0" smtClean="0"/>
+              <a:t> </a:t>
+            </a:r>
+            <a:r>
+              <a:rPr lang="en-US" baseline="0" dirty="0" err="1" smtClean="0"/>
+              <a:t>thiết</a:t>
+            </a:r>
+            <a:r>
+              <a:rPr lang="en-US" baseline="0" dirty="0" smtClean="0"/>
+              <a:t> </a:t>
+            </a:r>
+            <a:r>
+              <a:rPr lang="en-US" baseline="0" dirty="0" err="1" smtClean="0"/>
+              <a:t>bị</a:t>
+            </a:r>
+            <a:r>
+              <a:rPr lang="en-US" baseline="0" dirty="0" smtClean="0"/>
+              <a:t>, </a:t>
+            </a:r>
+            <a:r>
+              <a:rPr lang="en-US" baseline="0" dirty="0" err="1" smtClean="0"/>
+              <a:t>cơ</a:t>
+            </a:r>
+            <a:r>
+              <a:rPr lang="en-US" baseline="0" dirty="0" smtClean="0"/>
+              <a:t> </a:t>
+            </a:r>
+            <a:r>
+              <a:rPr lang="en-US" baseline="0" dirty="0" err="1" smtClean="0"/>
+              <a:t>sở</a:t>
+            </a:r>
+            <a:r>
+              <a:rPr lang="en-US" baseline="0" dirty="0" smtClean="0"/>
+              <a:t> </a:t>
+            </a:r>
+            <a:r>
+              <a:rPr lang="en-US" baseline="0" dirty="0" err="1" smtClean="0"/>
+              <a:t>hạ</a:t>
+            </a:r>
+            <a:r>
+              <a:rPr lang="en-US" baseline="0" dirty="0" smtClean="0"/>
+              <a:t> </a:t>
+            </a:r>
+            <a:r>
+              <a:rPr lang="en-US" baseline="0" dirty="0" err="1" smtClean="0"/>
+              <a:t>tầng,đầu</a:t>
+            </a:r>
+            <a:r>
+              <a:rPr lang="en-US" baseline="0" dirty="0" smtClean="0"/>
+              <a:t> </a:t>
+            </a:r>
+            <a:r>
+              <a:rPr lang="en-US" baseline="0" dirty="0" err="1" smtClean="0"/>
+              <a:t>tư</a:t>
+            </a:r>
+            <a:r>
+              <a:rPr lang="en-US" baseline="0" dirty="0" smtClean="0"/>
+              <a:t> </a:t>
+            </a:r>
+            <a:r>
+              <a:rPr lang="en-US" baseline="0" dirty="0" err="1" smtClean="0"/>
+              <a:t>đội</a:t>
+            </a:r>
+            <a:r>
+              <a:rPr lang="en-US" baseline="0" dirty="0" smtClean="0"/>
+              <a:t> </a:t>
+            </a:r>
+            <a:r>
+              <a:rPr lang="en-US" baseline="0" dirty="0" err="1" smtClean="0"/>
+              <a:t>ngũ</a:t>
+            </a:r>
+            <a:r>
+              <a:rPr lang="en-US" baseline="0" dirty="0" smtClean="0"/>
+              <a:t> </a:t>
+            </a:r>
+            <a:r>
+              <a:rPr lang="en-US" baseline="0" dirty="0" err="1" smtClean="0"/>
+              <a:t>nhân</a:t>
+            </a:r>
+            <a:r>
+              <a:rPr lang="en-US" baseline="0" dirty="0" smtClean="0"/>
+              <a:t> </a:t>
+            </a:r>
+            <a:r>
+              <a:rPr lang="en-US" baseline="0" dirty="0" err="1" smtClean="0"/>
+              <a:t>lực</a:t>
+            </a:r>
+            <a:r>
+              <a:rPr lang="en-US" baseline="0" dirty="0" smtClean="0"/>
+              <a:t> </a:t>
+            </a:r>
+            <a:r>
+              <a:rPr lang="en-US" baseline="0" dirty="0" err="1" smtClean="0"/>
+              <a:t>bảo</a:t>
+            </a:r>
+            <a:r>
+              <a:rPr lang="en-US" baseline="0" dirty="0" smtClean="0"/>
+              <a:t> </a:t>
+            </a:r>
+            <a:r>
+              <a:rPr lang="en-US" baseline="0" dirty="0" err="1" smtClean="0"/>
+              <a:t>trì</a:t>
+            </a:r>
+            <a:r>
+              <a:rPr lang="en-US" baseline="0" dirty="0" smtClean="0"/>
+              <a:t> </a:t>
+            </a:r>
+            <a:r>
+              <a:rPr lang="en-US" baseline="0" dirty="0" err="1" smtClean="0"/>
+              <a:t>cơ</a:t>
+            </a:r>
+            <a:r>
+              <a:rPr lang="en-US" baseline="0" dirty="0" smtClean="0"/>
+              <a:t> </a:t>
+            </a:r>
+            <a:r>
+              <a:rPr lang="en-US" baseline="0" dirty="0" err="1" smtClean="0"/>
+              <a:t>sở</a:t>
+            </a:r>
+            <a:r>
+              <a:rPr lang="en-US" baseline="0" dirty="0" smtClean="0"/>
+              <a:t> </a:t>
+            </a:r>
+            <a:r>
+              <a:rPr lang="en-US" baseline="0" dirty="0" err="1" smtClean="0"/>
+              <a:t>hạ</a:t>
+            </a:r>
+            <a:r>
+              <a:rPr lang="en-US" baseline="0" dirty="0" smtClean="0"/>
+              <a:t> </a:t>
+            </a:r>
+            <a:r>
+              <a:rPr lang="en-US" baseline="0" dirty="0" err="1" smtClean="0"/>
+              <a:t>tầng</a:t>
+            </a:r>
+            <a:r>
+              <a:rPr lang="en-US" baseline="0" dirty="0" smtClean="0"/>
+              <a:t> </a:t>
+            </a:r>
+            <a:r>
+              <a:rPr lang="en-US" baseline="0" dirty="0" err="1" smtClean="0"/>
+              <a:t>phần</a:t>
+            </a:r>
+            <a:r>
+              <a:rPr lang="en-US" baseline="0" dirty="0" smtClean="0"/>
+              <a:t> </a:t>
+            </a:r>
+            <a:r>
+              <a:rPr lang="en-US" baseline="0" dirty="0" err="1" smtClean="0"/>
+              <a:t>mềm</a:t>
+            </a:r>
+            <a:r>
+              <a:rPr lang="en-US" baseline="0" dirty="0" smtClean="0"/>
+              <a:t> </a:t>
+            </a:r>
+            <a:r>
+              <a:rPr lang="en-US" baseline="0" dirty="0" err="1" smtClean="0"/>
+              <a:t>trong</a:t>
+            </a:r>
+            <a:r>
+              <a:rPr lang="en-US" baseline="0" dirty="0" smtClean="0"/>
+              <a:t> </a:t>
+            </a:r>
+            <a:r>
+              <a:rPr lang="en-US" baseline="0" dirty="0" err="1" smtClean="0"/>
+              <a:t>suốt</a:t>
+            </a:r>
+            <a:r>
+              <a:rPr lang="en-US" baseline="0" dirty="0" smtClean="0"/>
+              <a:t> </a:t>
+            </a:r>
+            <a:r>
+              <a:rPr lang="en-US" baseline="0" dirty="0" err="1" smtClean="0"/>
+              <a:t>quá</a:t>
+            </a:r>
+            <a:r>
+              <a:rPr lang="en-US" baseline="0" dirty="0" smtClean="0"/>
+              <a:t> </a:t>
+            </a:r>
+            <a:r>
+              <a:rPr lang="en-US" baseline="0" dirty="0" err="1" smtClean="0"/>
+              <a:t>trình</a:t>
+            </a:r>
+            <a:r>
+              <a:rPr lang="en-US" baseline="0" dirty="0" smtClean="0"/>
+              <a:t> </a:t>
+            </a:r>
+            <a:r>
+              <a:rPr lang="en-US" baseline="0" dirty="0" err="1" smtClean="0"/>
+              <a:t>hoạt</a:t>
+            </a:r>
+            <a:r>
+              <a:rPr lang="en-US" baseline="0" dirty="0" smtClean="0"/>
+              <a:t> </a:t>
+            </a:r>
+            <a:r>
+              <a:rPr lang="en-US" baseline="0" dirty="0" err="1" smtClean="0"/>
+              <a:t>động</a:t>
+            </a:r>
+            <a:r>
+              <a:rPr lang="en-US" baseline="0" dirty="0" smtClean="0"/>
+              <a:t>.</a:t>
             </a:r>
           </a:p>
           <a:p>
@@ -961,9 +1677,250 @@
               <a:buChar char="Þ"/>
             </a:pPr>
             <a:r>
-              <a:rPr lang="en-US" baseline="0" smtClean="0"/>
-              <a:t>Một phần vốn đáng lẽ dùng cho kinh doanh thì lại phải đầu tư vào cơ sở hạ tầng để phục vụ cho việc quản lý -&gt; lợi nhuận sẽ thấp xuống</a:t>
-            </a:r>
+              <a:rPr lang="en-US" baseline="0" dirty="0" err="1" smtClean="0"/>
+              <a:t>Một</a:t>
+            </a:r>
+            <a:r>
+              <a:rPr lang="en-US" baseline="0" dirty="0" smtClean="0"/>
+              <a:t> </a:t>
+            </a:r>
+            <a:r>
+              <a:rPr lang="en-US" baseline="0" dirty="0" err="1" smtClean="0"/>
+              <a:t>phần</a:t>
+            </a:r>
+            <a:r>
+              <a:rPr lang="en-US" baseline="0" dirty="0" smtClean="0"/>
+              <a:t> </a:t>
+            </a:r>
+            <a:r>
+              <a:rPr lang="en-US" baseline="0" dirty="0" err="1" smtClean="0"/>
+              <a:t>vốn</a:t>
+            </a:r>
+            <a:r>
+              <a:rPr lang="en-US" baseline="0" dirty="0" smtClean="0"/>
+              <a:t> </a:t>
+            </a:r>
+            <a:r>
+              <a:rPr lang="en-US" baseline="0" dirty="0" err="1" smtClean="0"/>
+              <a:t>đáng</a:t>
+            </a:r>
+            <a:r>
+              <a:rPr lang="en-US" baseline="0" dirty="0" smtClean="0"/>
+              <a:t> </a:t>
+            </a:r>
+            <a:r>
+              <a:rPr lang="en-US" baseline="0" dirty="0" err="1" smtClean="0"/>
+              <a:t>lẽ</a:t>
+            </a:r>
+            <a:r>
+              <a:rPr lang="en-US" baseline="0" dirty="0" smtClean="0"/>
+              <a:t> </a:t>
+            </a:r>
+            <a:r>
+              <a:rPr lang="en-US" baseline="0" dirty="0" err="1" smtClean="0"/>
+              <a:t>dùng</a:t>
+            </a:r>
+            <a:r>
+              <a:rPr lang="en-US" baseline="0" dirty="0" smtClean="0"/>
+              <a:t> </a:t>
+            </a:r>
+            <a:r>
+              <a:rPr lang="en-US" baseline="0" dirty="0" err="1" smtClean="0"/>
+              <a:t>cho</a:t>
+            </a:r>
+            <a:r>
+              <a:rPr lang="en-US" baseline="0" dirty="0" smtClean="0"/>
+              <a:t> </a:t>
+            </a:r>
+            <a:r>
+              <a:rPr lang="en-US" baseline="0" dirty="0" err="1" smtClean="0"/>
+              <a:t>kinh</a:t>
+            </a:r>
+            <a:r>
+              <a:rPr lang="en-US" baseline="0" dirty="0" smtClean="0"/>
+              <a:t> </a:t>
+            </a:r>
+            <a:r>
+              <a:rPr lang="en-US" baseline="0" dirty="0" err="1" smtClean="0"/>
+              <a:t>doanh</a:t>
+            </a:r>
+            <a:r>
+              <a:rPr lang="en-US" baseline="0" dirty="0" smtClean="0"/>
+              <a:t> </a:t>
+            </a:r>
+            <a:r>
+              <a:rPr lang="en-US" baseline="0" dirty="0" err="1" smtClean="0"/>
+              <a:t>thì</a:t>
+            </a:r>
+            <a:r>
+              <a:rPr lang="en-US" baseline="0" dirty="0" smtClean="0"/>
+              <a:t> </a:t>
+            </a:r>
+            <a:r>
+              <a:rPr lang="en-US" baseline="0" dirty="0" err="1" smtClean="0"/>
+              <a:t>lại</a:t>
+            </a:r>
+            <a:r>
+              <a:rPr lang="en-US" baseline="0" dirty="0" smtClean="0"/>
+              <a:t> </a:t>
+            </a:r>
+            <a:r>
+              <a:rPr lang="en-US" baseline="0" dirty="0" err="1" smtClean="0"/>
+              <a:t>phải</a:t>
+            </a:r>
+            <a:r>
+              <a:rPr lang="en-US" baseline="0" dirty="0" smtClean="0"/>
+              <a:t> </a:t>
+            </a:r>
+            <a:r>
+              <a:rPr lang="en-US" baseline="0" dirty="0" err="1" smtClean="0"/>
+              <a:t>đầu</a:t>
+            </a:r>
+            <a:r>
+              <a:rPr lang="en-US" baseline="0" dirty="0" smtClean="0"/>
+              <a:t> </a:t>
+            </a:r>
+            <a:r>
+              <a:rPr lang="en-US" baseline="0" dirty="0" err="1" smtClean="0"/>
+              <a:t>tư</a:t>
+            </a:r>
+            <a:r>
+              <a:rPr lang="en-US" baseline="0" dirty="0" smtClean="0"/>
+              <a:t> </a:t>
+            </a:r>
+            <a:r>
+              <a:rPr lang="en-US" baseline="0" dirty="0" err="1" smtClean="0"/>
+              <a:t>vào</a:t>
+            </a:r>
+            <a:r>
+              <a:rPr lang="en-US" baseline="0" dirty="0" smtClean="0"/>
+              <a:t> </a:t>
+            </a:r>
+            <a:r>
+              <a:rPr lang="en-US" baseline="0" dirty="0" err="1" smtClean="0"/>
+              <a:t>cơ</a:t>
+            </a:r>
+            <a:r>
+              <a:rPr lang="en-US" baseline="0" dirty="0" smtClean="0"/>
+              <a:t> </a:t>
+            </a:r>
+            <a:r>
+              <a:rPr lang="en-US" baseline="0" dirty="0" err="1" smtClean="0"/>
+              <a:t>sở</a:t>
+            </a:r>
+            <a:r>
+              <a:rPr lang="en-US" baseline="0" dirty="0" smtClean="0"/>
+              <a:t> </a:t>
+            </a:r>
+            <a:r>
+              <a:rPr lang="en-US" baseline="0" dirty="0" err="1" smtClean="0"/>
+              <a:t>hạ</a:t>
+            </a:r>
+            <a:r>
+              <a:rPr lang="en-US" baseline="0" dirty="0" smtClean="0"/>
+              <a:t> </a:t>
+            </a:r>
+            <a:r>
+              <a:rPr lang="en-US" baseline="0" dirty="0" err="1" smtClean="0"/>
+              <a:t>tầng</a:t>
+            </a:r>
+            <a:r>
+              <a:rPr lang="en-US" baseline="0" dirty="0" smtClean="0"/>
+              <a:t> </a:t>
+            </a:r>
+            <a:r>
+              <a:rPr lang="en-US" baseline="0" dirty="0" err="1" smtClean="0"/>
+              <a:t>để</a:t>
+            </a:r>
+            <a:r>
+              <a:rPr lang="en-US" baseline="0" dirty="0" smtClean="0"/>
+              <a:t> </a:t>
+            </a:r>
+            <a:r>
+              <a:rPr lang="en-US" baseline="0" dirty="0" err="1" smtClean="0"/>
+              <a:t>phục</a:t>
+            </a:r>
+            <a:r>
+              <a:rPr lang="en-US" baseline="0" dirty="0" smtClean="0"/>
+              <a:t> </a:t>
+            </a:r>
+            <a:r>
+              <a:rPr lang="en-US" baseline="0" dirty="0" err="1" smtClean="0"/>
+              <a:t>vụ</a:t>
+            </a:r>
+            <a:r>
+              <a:rPr lang="en-US" baseline="0" dirty="0" smtClean="0"/>
+              <a:t> </a:t>
+            </a:r>
+            <a:r>
+              <a:rPr lang="en-US" baseline="0" dirty="0" err="1" smtClean="0"/>
+              <a:t>cho</a:t>
+            </a:r>
+            <a:r>
+              <a:rPr lang="en-US" baseline="0" dirty="0" smtClean="0"/>
+              <a:t> </a:t>
+            </a:r>
+            <a:r>
+              <a:rPr lang="en-US" baseline="0" dirty="0" err="1" smtClean="0"/>
+              <a:t>việc</a:t>
+            </a:r>
+            <a:r>
+              <a:rPr lang="en-US" baseline="0" dirty="0" smtClean="0"/>
+              <a:t> </a:t>
+            </a:r>
+            <a:r>
+              <a:rPr lang="en-US" baseline="0" dirty="0" err="1" smtClean="0"/>
+              <a:t>quản</a:t>
+            </a:r>
+            <a:r>
+              <a:rPr lang="en-US" baseline="0" dirty="0" smtClean="0"/>
+              <a:t> </a:t>
+            </a:r>
+            <a:r>
+              <a:rPr lang="en-US" baseline="0" dirty="0" err="1" smtClean="0"/>
+              <a:t>lý</a:t>
+            </a:r>
+            <a:r>
+              <a:rPr lang="en-US" baseline="0" dirty="0" smtClean="0"/>
+              <a:t> -&gt; </a:t>
+            </a:r>
+            <a:r>
+              <a:rPr lang="en-US" baseline="0" dirty="0" err="1" smtClean="0"/>
+              <a:t>lợi</a:t>
+            </a:r>
+            <a:r>
+              <a:rPr lang="en-US" baseline="0" dirty="0" smtClean="0"/>
+              <a:t> </a:t>
+            </a:r>
+            <a:r>
+              <a:rPr lang="en-US" baseline="0" dirty="0" err="1" smtClean="0"/>
+              <a:t>nhuận</a:t>
+            </a:r>
+            <a:r>
+              <a:rPr lang="en-US" baseline="0" dirty="0" smtClean="0"/>
+              <a:t> </a:t>
+            </a:r>
+            <a:r>
+              <a:rPr lang="en-US" baseline="0" dirty="0" err="1" smtClean="0"/>
+              <a:t>sẽ</a:t>
+            </a:r>
+            <a:r>
+              <a:rPr lang="en-US" baseline="0" dirty="0" smtClean="0"/>
+              <a:t> </a:t>
+            </a:r>
+            <a:r>
+              <a:rPr lang="en-US" baseline="0" dirty="0" err="1" smtClean="0"/>
+              <a:t>thấp</a:t>
+            </a:r>
+            <a:r>
+              <a:rPr lang="en-US" baseline="0" dirty="0" smtClean="0"/>
+              <a:t> </a:t>
+            </a:r>
+            <a:r>
+              <a:rPr lang="en-US" baseline="0" dirty="0" err="1" smtClean="0"/>
+              <a:t>xuống</a:t>
+            </a:r>
+            <a:endParaRPr lang="en-US" baseline="0" dirty="0" smtClean="0"/>
           </a:p>
           <a:p>
             <a:pPr>
@@ -971,8 +1928,380 @@
               <a:buChar char="Þ"/>
             </a:pPr>
             <a:r>
-              <a:rPr lang="en-US" baseline="0" smtClean="0"/>
-              <a:t>Một vấn đề rất dễ xảy ra trong quá trình kinh doanh là sau khi đầu tư, nếu cty có tình hình kinh doanh khó khăn dẫn đến phá sản, vậy đội ngũ bảo trì, cơ sở hạ tầng, tài nguyên hệ thống sẽ rất lãng phí.</a:t>
+              <a:rPr lang="en-US" baseline="0" dirty="0" err="1" smtClean="0"/>
+              <a:t>Một</a:t>
+            </a:r>
+            <a:r>
+              <a:rPr lang="en-US" baseline="0" dirty="0" smtClean="0"/>
+              <a:t> </a:t>
+            </a:r>
+            <a:r>
+              <a:rPr lang="en-US" baseline="0" dirty="0" err="1" smtClean="0"/>
+              <a:t>vấn</a:t>
+            </a:r>
+            <a:r>
+              <a:rPr lang="en-US" baseline="0" dirty="0" smtClean="0"/>
+              <a:t> </a:t>
+            </a:r>
+            <a:r>
+              <a:rPr lang="en-US" baseline="0" dirty="0" err="1" smtClean="0"/>
+              <a:t>đề</a:t>
+            </a:r>
+            <a:r>
+              <a:rPr lang="en-US" baseline="0" dirty="0" smtClean="0"/>
+              <a:t> </a:t>
+            </a:r>
+            <a:r>
+              <a:rPr lang="en-US" baseline="0" dirty="0" err="1" smtClean="0"/>
+              <a:t>rất</a:t>
+            </a:r>
+            <a:r>
+              <a:rPr lang="en-US" baseline="0" dirty="0" smtClean="0"/>
+              <a:t> </a:t>
+            </a:r>
+            <a:r>
+              <a:rPr lang="en-US" baseline="0" dirty="0" err="1" smtClean="0"/>
+              <a:t>dễ</a:t>
+            </a:r>
+            <a:r>
+              <a:rPr lang="en-US" baseline="0" dirty="0" smtClean="0"/>
+              <a:t> </a:t>
+            </a:r>
+            <a:r>
+              <a:rPr lang="en-US" baseline="0" dirty="0" err="1" smtClean="0"/>
+              <a:t>xảy</a:t>
+            </a:r>
+            <a:r>
+              <a:rPr lang="en-US" baseline="0" dirty="0" smtClean="0"/>
+              <a:t> </a:t>
+            </a:r>
+            <a:r>
+              <a:rPr lang="en-US" baseline="0" dirty="0" err="1" smtClean="0"/>
+              <a:t>ra</a:t>
+            </a:r>
+            <a:r>
+              <a:rPr lang="en-US" baseline="0" dirty="0" smtClean="0"/>
+              <a:t> </a:t>
+            </a:r>
+            <a:r>
+              <a:rPr lang="en-US" baseline="0" dirty="0" err="1" smtClean="0"/>
+              <a:t>trong</a:t>
+            </a:r>
+            <a:r>
+              <a:rPr lang="en-US" baseline="0" dirty="0" smtClean="0"/>
+              <a:t> </a:t>
+            </a:r>
+            <a:r>
+              <a:rPr lang="en-US" baseline="0" dirty="0" err="1" smtClean="0"/>
+              <a:t>quá</a:t>
+            </a:r>
+            <a:r>
+              <a:rPr lang="en-US" baseline="0" dirty="0" smtClean="0"/>
+              <a:t> </a:t>
+            </a:r>
+            <a:r>
+              <a:rPr lang="en-US" baseline="0" dirty="0" err="1" smtClean="0"/>
+              <a:t>trình</a:t>
+            </a:r>
+            <a:r>
+              <a:rPr lang="en-US" baseline="0" dirty="0" smtClean="0"/>
+              <a:t> </a:t>
+            </a:r>
+            <a:r>
+              <a:rPr lang="en-US" baseline="0" dirty="0" err="1" smtClean="0"/>
+              <a:t>kinh</a:t>
+            </a:r>
+            <a:r>
+              <a:rPr lang="en-US" baseline="0" dirty="0" smtClean="0"/>
+              <a:t> </a:t>
+            </a:r>
+            <a:r>
+              <a:rPr lang="en-US" baseline="0" dirty="0" err="1" smtClean="0"/>
+              <a:t>doanh</a:t>
+            </a:r>
+            <a:r>
+              <a:rPr lang="en-US" baseline="0" dirty="0" smtClean="0"/>
+              <a:t> </a:t>
+            </a:r>
+            <a:r>
+              <a:rPr lang="en-US" baseline="0" dirty="0" err="1" smtClean="0"/>
+              <a:t>là</a:t>
+            </a:r>
+            <a:r>
+              <a:rPr lang="en-US" baseline="0" dirty="0" smtClean="0"/>
+              <a:t> </a:t>
+            </a:r>
+            <a:r>
+              <a:rPr lang="en-US" baseline="0" dirty="0" err="1" smtClean="0"/>
+              <a:t>sau</a:t>
+            </a:r>
+            <a:r>
+              <a:rPr lang="en-US" baseline="0" dirty="0" smtClean="0"/>
+              <a:t> </a:t>
+            </a:r>
+            <a:r>
+              <a:rPr lang="en-US" baseline="0" dirty="0" err="1" smtClean="0"/>
+              <a:t>khi</a:t>
+            </a:r>
+            <a:r>
+              <a:rPr lang="en-US" baseline="0" dirty="0" smtClean="0"/>
+              <a:t> </a:t>
+            </a:r>
+            <a:r>
+              <a:rPr lang="en-US" baseline="0" dirty="0" err="1" smtClean="0"/>
+              <a:t>đầu</a:t>
+            </a:r>
+            <a:r>
+              <a:rPr lang="en-US" baseline="0" dirty="0" smtClean="0"/>
+              <a:t> </a:t>
+            </a:r>
+            <a:r>
+              <a:rPr lang="en-US" baseline="0" dirty="0" err="1" smtClean="0"/>
+              <a:t>tư</a:t>
+            </a:r>
+            <a:r>
+              <a:rPr lang="en-US" baseline="0" dirty="0" smtClean="0"/>
+              <a:t>, </a:t>
+            </a:r>
+            <a:r>
+              <a:rPr lang="en-US" baseline="0" dirty="0" err="1" smtClean="0"/>
+              <a:t>nếu</a:t>
+            </a:r>
+            <a:r>
+              <a:rPr lang="en-US" baseline="0" dirty="0" smtClean="0"/>
+              <a:t> </a:t>
+            </a:r>
+            <a:r>
+              <a:rPr lang="en-US" baseline="0" dirty="0" err="1" smtClean="0"/>
+              <a:t>cty</a:t>
+            </a:r>
+            <a:r>
+              <a:rPr lang="en-US" baseline="0" dirty="0" smtClean="0"/>
+              <a:t> </a:t>
+            </a:r>
+            <a:r>
+              <a:rPr lang="en-US" baseline="0" dirty="0" err="1" smtClean="0"/>
+              <a:t>có</a:t>
+            </a:r>
+            <a:r>
+              <a:rPr lang="en-US" baseline="0" dirty="0" smtClean="0"/>
+              <a:t> </a:t>
+            </a:r>
+            <a:r>
+              <a:rPr lang="en-US" baseline="0" dirty="0" err="1" smtClean="0"/>
+              <a:t>tình</a:t>
+            </a:r>
+            <a:r>
+              <a:rPr lang="en-US" baseline="0" dirty="0" smtClean="0"/>
+              <a:t> </a:t>
+            </a:r>
+            <a:r>
+              <a:rPr lang="en-US" baseline="0" dirty="0" err="1" smtClean="0"/>
+              <a:t>hình</a:t>
+            </a:r>
+            <a:r>
+              <a:rPr lang="en-US" baseline="0" dirty="0" smtClean="0"/>
+              <a:t> </a:t>
+            </a:r>
+            <a:r>
+              <a:rPr lang="en-US" baseline="0" dirty="0" err="1" smtClean="0"/>
+              <a:t>kinh</a:t>
+            </a:r>
+            <a:r>
+              <a:rPr lang="en-US" baseline="0" dirty="0" smtClean="0"/>
+              <a:t> </a:t>
+            </a:r>
+            <a:r>
+              <a:rPr lang="en-US" baseline="0" dirty="0" err="1" smtClean="0"/>
+              <a:t>doanh</a:t>
+            </a:r>
+            <a:r>
+              <a:rPr lang="en-US" baseline="0" dirty="0" smtClean="0"/>
+              <a:t> </a:t>
+            </a:r>
+            <a:r>
+              <a:rPr lang="en-US" baseline="0" dirty="0" err="1" smtClean="0"/>
+              <a:t>khó</a:t>
+            </a:r>
+            <a:r>
+              <a:rPr lang="en-US" baseline="0" dirty="0" smtClean="0"/>
+              <a:t> </a:t>
+            </a:r>
+            <a:r>
+              <a:rPr lang="en-US" baseline="0" dirty="0" err="1" smtClean="0"/>
+              <a:t>khăn</a:t>
+            </a:r>
+            <a:r>
+              <a:rPr lang="en-US" baseline="0" dirty="0" smtClean="0"/>
+              <a:t> </a:t>
+            </a:r>
+            <a:r>
+              <a:rPr lang="en-US" baseline="0" dirty="0" err="1" smtClean="0"/>
+              <a:t>dẫn</a:t>
+            </a:r>
+            <a:r>
+              <a:rPr lang="en-US" baseline="0" dirty="0" smtClean="0"/>
+              <a:t> </a:t>
+            </a:r>
+            <a:r>
+              <a:rPr lang="en-US" baseline="0" dirty="0" err="1" smtClean="0"/>
+              <a:t>đến</a:t>
+            </a:r>
+            <a:r>
+              <a:rPr lang="en-US" baseline="0" dirty="0" smtClean="0"/>
+              <a:t> </a:t>
+            </a:r>
+            <a:r>
+              <a:rPr lang="en-US" baseline="0" dirty="0" err="1" smtClean="0"/>
+              <a:t>phá</a:t>
+            </a:r>
+            <a:r>
+              <a:rPr lang="en-US" baseline="0" dirty="0" smtClean="0"/>
+              <a:t> </a:t>
+            </a:r>
+            <a:r>
+              <a:rPr lang="en-US" baseline="0" dirty="0" err="1" smtClean="0"/>
+              <a:t>sản</a:t>
+            </a:r>
+            <a:r>
+              <a:rPr lang="en-US" baseline="0" dirty="0" smtClean="0"/>
+              <a:t>, </a:t>
+            </a:r>
+            <a:r>
+              <a:rPr lang="en-US" baseline="0" dirty="0" err="1" smtClean="0"/>
+              <a:t>vậy</a:t>
+            </a:r>
+            <a:r>
+              <a:rPr lang="en-US" baseline="0" dirty="0" smtClean="0"/>
+              <a:t> </a:t>
+            </a:r>
+            <a:r>
+              <a:rPr lang="en-US" baseline="0" dirty="0" err="1" smtClean="0"/>
+              <a:t>đội</a:t>
+            </a:r>
+            <a:r>
+              <a:rPr lang="en-US" baseline="0" dirty="0" smtClean="0"/>
+              <a:t> </a:t>
+            </a:r>
+            <a:r>
+              <a:rPr lang="en-US" baseline="0" dirty="0" err="1" smtClean="0"/>
+              <a:t>ngũ</a:t>
+            </a:r>
+            <a:r>
+              <a:rPr lang="en-US" baseline="0" dirty="0" smtClean="0"/>
+              <a:t> </a:t>
+            </a:r>
+            <a:r>
+              <a:rPr lang="en-US" baseline="0" dirty="0" err="1" smtClean="0"/>
+              <a:t>bảo</a:t>
+            </a:r>
+            <a:r>
+              <a:rPr lang="en-US" baseline="0" dirty="0" smtClean="0"/>
+              <a:t> </a:t>
+            </a:r>
+            <a:r>
+              <a:rPr lang="en-US" baseline="0" dirty="0" err="1" smtClean="0"/>
+              <a:t>trì</a:t>
+            </a:r>
+            <a:r>
+              <a:rPr lang="en-US" baseline="0" dirty="0" smtClean="0"/>
+              <a:t>, </a:t>
+            </a:r>
+            <a:r>
+              <a:rPr lang="en-US" baseline="0" dirty="0" err="1" smtClean="0"/>
+              <a:t>cơ</a:t>
+            </a:r>
+            <a:r>
+              <a:rPr lang="en-US" baseline="0" dirty="0" smtClean="0"/>
+              <a:t> </a:t>
+            </a:r>
+            <a:r>
+              <a:rPr lang="en-US" baseline="0" dirty="0" err="1" smtClean="0"/>
+              <a:t>sở</a:t>
+            </a:r>
+            <a:r>
+              <a:rPr lang="en-US" baseline="0" dirty="0" smtClean="0"/>
+              <a:t> </a:t>
+            </a:r>
+            <a:r>
+              <a:rPr lang="en-US" baseline="0" dirty="0" err="1" smtClean="0"/>
+              <a:t>hạ</a:t>
+            </a:r>
+            <a:r>
+              <a:rPr lang="en-US" baseline="0" dirty="0" smtClean="0"/>
+              <a:t> </a:t>
+            </a:r>
+            <a:r>
+              <a:rPr lang="en-US" baseline="0" dirty="0" err="1" smtClean="0"/>
+              <a:t>tầng</a:t>
+            </a:r>
+            <a:r>
+              <a:rPr lang="en-US" baseline="0" dirty="0" smtClean="0"/>
+              <a:t>, </a:t>
+            </a:r>
+            <a:r>
+              <a:rPr lang="en-US" baseline="0" dirty="0" err="1" smtClean="0"/>
+              <a:t>tài</a:t>
+            </a:r>
+            <a:r>
+              <a:rPr lang="en-US" baseline="0" dirty="0" smtClean="0"/>
+              <a:t> </a:t>
+            </a:r>
+            <a:r>
+              <a:rPr lang="en-US" baseline="0" dirty="0" err="1" smtClean="0"/>
+              <a:t>nguyên</a:t>
+            </a:r>
+            <a:r>
+              <a:rPr lang="en-US" baseline="0" dirty="0" smtClean="0"/>
+              <a:t> </a:t>
+            </a:r>
+            <a:r>
+              <a:rPr lang="en-US" baseline="0" dirty="0" err="1" smtClean="0"/>
+              <a:t>hệ</a:t>
+            </a:r>
+            <a:r>
+              <a:rPr lang="en-US" baseline="0" dirty="0" smtClean="0"/>
+              <a:t> </a:t>
+            </a:r>
+            <a:r>
+              <a:rPr lang="en-US" baseline="0" dirty="0" err="1" smtClean="0"/>
+              <a:t>thống</a:t>
+            </a:r>
+            <a:r>
+              <a:rPr lang="en-US" baseline="0" dirty="0" smtClean="0"/>
+              <a:t> </a:t>
+            </a:r>
+            <a:r>
+              <a:rPr lang="en-US" baseline="0" dirty="0" err="1" smtClean="0"/>
+              <a:t>sẽ</a:t>
+            </a:r>
+            <a:r>
+              <a:rPr lang="en-US" baseline="0" dirty="0" smtClean="0"/>
+              <a:t> </a:t>
+            </a:r>
+            <a:r>
+              <a:rPr lang="en-US" baseline="0" dirty="0" err="1" smtClean="0"/>
+              <a:t>rất</a:t>
+            </a:r>
+            <a:r>
+              <a:rPr lang="en-US" baseline="0" dirty="0" smtClean="0"/>
+              <a:t> </a:t>
+            </a:r>
+            <a:r>
+              <a:rPr lang="en-US" baseline="0" dirty="0" err="1" smtClean="0"/>
+              <a:t>lãng</a:t>
+            </a:r>
+            <a:r>
+              <a:rPr lang="en-US" baseline="0" dirty="0" smtClean="0"/>
+              <a:t> </a:t>
+            </a:r>
+            <a:r>
+              <a:rPr lang="en-US" baseline="0" dirty="0" err="1" smtClean="0"/>
+              <a:t>phí</a:t>
+            </a:r>
+            <a:r>
+              <a:rPr lang="en-US" baseline="0" dirty="0" smtClean="0"/>
+              <a:t>.</a:t>
             </a:r>
           </a:p>
           <a:p>
@@ -980,7 +2309,7 @@
               <a:buFont typeface="Symbol"/>
               <a:buNone/>
             </a:pPr>
-            <a:endParaRPr lang="en-US" baseline="0" smtClean="0"/>
+            <a:endParaRPr lang="en-US" baseline="0" dirty="0" smtClean="0"/>
           </a:p>
           <a:p>
             <a:pPr>
@@ -988,8 +2317,20 @@
               <a:buNone/>
             </a:pPr>
             <a:r>
-              <a:rPr lang="en-US" baseline="0" smtClean="0"/>
-              <a:t>Giải pháp:</a:t>
+              <a:rPr lang="en-US" baseline="0" dirty="0" err="1" smtClean="0"/>
+              <a:t>Giải</a:t>
+            </a:r>
+            <a:r>
+              <a:rPr lang="en-US" baseline="0" dirty="0" smtClean="0"/>
+              <a:t> </a:t>
+            </a:r>
+            <a:r>
+              <a:rPr lang="en-US" baseline="0" dirty="0" err="1" smtClean="0"/>
+              <a:t>pháp</a:t>
+            </a:r>
+            <a:r>
+              <a:rPr lang="en-US" baseline="0" dirty="0" smtClean="0"/>
+              <a:t>:</a:t>
             </a:r>
           </a:p>
           <a:p>
@@ -997,7 +2338,7 @@
               <a:buFont typeface="Symbol"/>
               <a:buNone/>
             </a:pPr>
-            <a:endParaRPr lang="en-US" baseline="0" smtClean="0"/>
+            <a:endParaRPr lang="en-US" baseline="0" dirty="0" smtClean="0"/>
           </a:p>
           <a:p>
             <a:pPr>
@@ -1005,10 +2346,734 @@
               <a:buNone/>
             </a:pPr>
             <a:r>
-              <a:rPr lang="en-US" baseline="0" smtClean="0"/>
-              <a:t>Điện toán đám mây ra đời, những dịch vụ về hạ tầng, phần mềm sẽ được ảo hóa cung cấp tùy theo nhu cầu của người dùng. Khi có nhu cầu người dùng sẽ thuê dịch vụ của ncc, ngược lại khi ko có nhu cầu người dùng sẽ ngừng việc thuê mà ko fai hao tổn bất cứ chi phí nào. Cviệc bảo trì cũng sẽ do chính ncc đảm nhận. Khi đó chi phí thay vì dùng cho việc xây dựng cshtang sẽ chuyển qua kinh doanh -&gt; mang lại lợi nhuân lớn hơn.</a:t>
-            </a:r>
-            <a:endParaRPr lang="en-US"/>
+              <a:rPr lang="en-US" baseline="0" dirty="0" err="1" smtClean="0"/>
+              <a:t>Điện</a:t>
+            </a:r>
+            <a:r>
+              <a:rPr lang="en-US" baseline="0" dirty="0" smtClean="0"/>
+              <a:t> </a:t>
+            </a:r>
+            <a:r>
+              <a:rPr lang="en-US" baseline="0" dirty="0" err="1" smtClean="0"/>
+              <a:t>toán</a:t>
+            </a:r>
+            <a:r>
+              <a:rPr lang="en-US" baseline="0" dirty="0" smtClean="0"/>
+              <a:t> </a:t>
+            </a:r>
+            <a:r>
+              <a:rPr lang="en-US" baseline="0" dirty="0" err="1" smtClean="0"/>
+              <a:t>đám</a:t>
+            </a:r>
+            <a:r>
+              <a:rPr lang="en-US" baseline="0" dirty="0" smtClean="0"/>
+              <a:t> </a:t>
+            </a:r>
+            <a:r>
+              <a:rPr lang="en-US" baseline="0" dirty="0" err="1" smtClean="0"/>
+              <a:t>mây</a:t>
+            </a:r>
+            <a:r>
+              <a:rPr lang="en-US" baseline="0" dirty="0" smtClean="0"/>
+              <a:t> </a:t>
+            </a:r>
+            <a:r>
+              <a:rPr lang="en-US" baseline="0" dirty="0" err="1" smtClean="0"/>
+              <a:t>ra</a:t>
+            </a:r>
+            <a:r>
+              <a:rPr lang="en-US" baseline="0" dirty="0" smtClean="0"/>
+              <a:t> </a:t>
+            </a:r>
+            <a:r>
+              <a:rPr lang="en-US" baseline="0" dirty="0" err="1" smtClean="0"/>
+              <a:t>đời</a:t>
+            </a:r>
+            <a:r>
+              <a:rPr lang="en-US" baseline="0" dirty="0" smtClean="0"/>
+              <a:t>, </a:t>
+            </a:r>
+            <a:r>
+              <a:rPr lang="en-US" baseline="0" dirty="0" err="1" smtClean="0"/>
+              <a:t>những</a:t>
+            </a:r>
+            <a:r>
+              <a:rPr lang="en-US" baseline="0" dirty="0" smtClean="0"/>
+              <a:t> </a:t>
+            </a:r>
+            <a:r>
+              <a:rPr lang="en-US" baseline="0" dirty="0" err="1" smtClean="0"/>
+              <a:t>dịch</a:t>
+            </a:r>
+            <a:r>
+              <a:rPr lang="en-US" baseline="0" dirty="0" smtClean="0"/>
+              <a:t> </a:t>
+            </a:r>
+            <a:r>
+              <a:rPr lang="en-US" baseline="0" dirty="0" err="1" smtClean="0"/>
+              <a:t>vụ</a:t>
+            </a:r>
+            <a:r>
+              <a:rPr lang="en-US" baseline="0" dirty="0" smtClean="0"/>
+              <a:t> </a:t>
+            </a:r>
+            <a:r>
+              <a:rPr lang="en-US" baseline="0" dirty="0" err="1" smtClean="0"/>
+              <a:t>về</a:t>
+            </a:r>
+            <a:r>
+              <a:rPr lang="en-US" baseline="0" dirty="0" smtClean="0"/>
+              <a:t> </a:t>
+            </a:r>
+            <a:r>
+              <a:rPr lang="en-US" baseline="0" dirty="0" err="1" smtClean="0"/>
+              <a:t>hạ</a:t>
+            </a:r>
+            <a:r>
+              <a:rPr lang="en-US" baseline="0" dirty="0" smtClean="0"/>
+              <a:t> </a:t>
+            </a:r>
+            <a:r>
+              <a:rPr lang="en-US" baseline="0" dirty="0" err="1" smtClean="0"/>
+              <a:t>tầng</a:t>
+            </a:r>
+            <a:r>
+              <a:rPr lang="en-US" baseline="0" dirty="0" smtClean="0"/>
+              <a:t>, </a:t>
+            </a:r>
+            <a:r>
+              <a:rPr lang="en-US" baseline="0" dirty="0" err="1" smtClean="0"/>
+              <a:t>phần</a:t>
+            </a:r>
+            <a:r>
+              <a:rPr lang="en-US" baseline="0" dirty="0" smtClean="0"/>
+              <a:t> </a:t>
+            </a:r>
+            <a:r>
+              <a:rPr lang="en-US" baseline="0" dirty="0" err="1" smtClean="0"/>
+              <a:t>mềm</a:t>
+            </a:r>
+            <a:r>
+              <a:rPr lang="en-US" baseline="0" dirty="0" smtClean="0"/>
+              <a:t> </a:t>
+            </a:r>
+            <a:r>
+              <a:rPr lang="en-US" baseline="0" dirty="0" err="1" smtClean="0"/>
+              <a:t>sẽ</a:t>
+            </a:r>
+            <a:r>
+              <a:rPr lang="en-US" baseline="0" dirty="0" smtClean="0"/>
+              <a:t> </a:t>
+            </a:r>
+            <a:r>
+              <a:rPr lang="en-US" baseline="0" dirty="0" err="1" smtClean="0"/>
+              <a:t>được</a:t>
+            </a:r>
+            <a:r>
+              <a:rPr lang="en-US" baseline="0" dirty="0" smtClean="0"/>
+              <a:t> </a:t>
+            </a:r>
+            <a:r>
+              <a:rPr lang="en-US" baseline="0" dirty="0" err="1" smtClean="0"/>
+              <a:t>ảo</a:t>
+            </a:r>
+            <a:r>
+              <a:rPr lang="en-US" baseline="0" dirty="0" smtClean="0"/>
+              <a:t> </a:t>
+            </a:r>
+            <a:r>
+              <a:rPr lang="en-US" baseline="0" dirty="0" err="1" smtClean="0"/>
+              <a:t>hóa</a:t>
+            </a:r>
+            <a:r>
+              <a:rPr lang="en-US" baseline="0" dirty="0" smtClean="0"/>
+              <a:t> </a:t>
+            </a:r>
+            <a:r>
+              <a:rPr lang="en-US" baseline="0" dirty="0" err="1" smtClean="0"/>
+              <a:t>cung</a:t>
+            </a:r>
+            <a:r>
+              <a:rPr lang="en-US" baseline="0" dirty="0" smtClean="0"/>
+              <a:t> </a:t>
+            </a:r>
+            <a:r>
+              <a:rPr lang="en-US" baseline="0" dirty="0" err="1" smtClean="0"/>
+              <a:t>cấp</a:t>
+            </a:r>
+            <a:r>
+              <a:rPr lang="en-US" baseline="0" dirty="0" smtClean="0"/>
+              <a:t> </a:t>
+            </a:r>
+            <a:r>
+              <a:rPr lang="en-US" baseline="0" dirty="0" err="1" smtClean="0"/>
+              <a:t>tùy</a:t>
+            </a:r>
+            <a:r>
+              <a:rPr lang="en-US" baseline="0" dirty="0" smtClean="0"/>
+              <a:t> </a:t>
+            </a:r>
+            <a:r>
+              <a:rPr lang="en-US" baseline="0" dirty="0" err="1" smtClean="0"/>
+              <a:t>theo</a:t>
+            </a:r>
+            <a:r>
+              <a:rPr lang="en-US" baseline="0" dirty="0" smtClean="0"/>
+              <a:t> </a:t>
+            </a:r>
+            <a:r>
+              <a:rPr lang="en-US" baseline="0" dirty="0" err="1" smtClean="0"/>
+              <a:t>nhu</a:t>
+            </a:r>
+            <a:r>
+              <a:rPr lang="en-US" baseline="0" dirty="0" smtClean="0"/>
+              <a:t> </a:t>
+            </a:r>
+            <a:r>
+              <a:rPr lang="en-US" baseline="0" dirty="0" err="1" smtClean="0"/>
+              <a:t>cầu</a:t>
+            </a:r>
+            <a:r>
+              <a:rPr lang="en-US" baseline="0" dirty="0" smtClean="0"/>
+              <a:t> </a:t>
+            </a:r>
+            <a:r>
+              <a:rPr lang="en-US" baseline="0" dirty="0" err="1" smtClean="0"/>
+              <a:t>của</a:t>
+            </a:r>
+            <a:r>
+              <a:rPr lang="en-US" baseline="0" dirty="0" smtClean="0"/>
+              <a:t> </a:t>
+            </a:r>
+            <a:r>
+              <a:rPr lang="en-US" baseline="0" dirty="0" err="1" smtClean="0"/>
+              <a:t>người</a:t>
+            </a:r>
+            <a:r>
+              <a:rPr lang="en-US" baseline="0" dirty="0" smtClean="0"/>
+              <a:t> </a:t>
+            </a:r>
+            <a:r>
+              <a:rPr lang="en-US" baseline="0" dirty="0" err="1" smtClean="0"/>
+              <a:t>dùng</a:t>
+            </a:r>
+            <a:r>
+              <a:rPr lang="en-US" baseline="0" dirty="0" smtClean="0"/>
+              <a:t>. </a:t>
+            </a:r>
+            <a:r>
+              <a:rPr lang="en-US" baseline="0" dirty="0" err="1" smtClean="0"/>
+              <a:t>Khi</a:t>
+            </a:r>
+            <a:r>
+              <a:rPr lang="en-US" baseline="0" dirty="0" smtClean="0"/>
+              <a:t> </a:t>
+            </a:r>
+            <a:r>
+              <a:rPr lang="en-US" baseline="0" dirty="0" err="1" smtClean="0"/>
+              <a:t>có</a:t>
+            </a:r>
+            <a:r>
+              <a:rPr lang="en-US" baseline="0" dirty="0" smtClean="0"/>
+              <a:t> </a:t>
+            </a:r>
+            <a:r>
+              <a:rPr lang="en-US" baseline="0" dirty="0" err="1" smtClean="0"/>
+              <a:t>nhu</a:t>
+            </a:r>
+            <a:r>
+              <a:rPr lang="en-US" baseline="0" dirty="0" smtClean="0"/>
+              <a:t> </a:t>
+            </a:r>
+            <a:r>
+              <a:rPr lang="en-US" baseline="0" dirty="0" err="1" smtClean="0"/>
+              <a:t>cầu</a:t>
+            </a:r>
+            <a:r>
+              <a:rPr lang="en-US" baseline="0" dirty="0" smtClean="0"/>
+              <a:t> </a:t>
+            </a:r>
+            <a:r>
+              <a:rPr lang="en-US" baseline="0" dirty="0" err="1" smtClean="0"/>
+              <a:t>người</a:t>
+            </a:r>
+            <a:r>
+              <a:rPr lang="en-US" baseline="0" dirty="0" smtClean="0"/>
+              <a:t> </a:t>
+            </a:r>
+            <a:r>
+              <a:rPr lang="en-US" baseline="0" dirty="0" err="1" smtClean="0"/>
+              <a:t>dùng</a:t>
+            </a:r>
+            <a:r>
+              <a:rPr lang="en-US" baseline="0" dirty="0" smtClean="0"/>
+              <a:t> </a:t>
+            </a:r>
+            <a:r>
+              <a:rPr lang="en-US" baseline="0" dirty="0" err="1" smtClean="0"/>
+              <a:t>sẽ</a:t>
+            </a:r>
+            <a:r>
+              <a:rPr lang="en-US" baseline="0" dirty="0" smtClean="0"/>
+              <a:t> </a:t>
+            </a:r>
+            <a:r>
+              <a:rPr lang="en-US" baseline="0" dirty="0" err="1" smtClean="0"/>
+              <a:t>thuê</a:t>
+            </a:r>
+            <a:r>
+              <a:rPr lang="en-US" baseline="0" dirty="0" smtClean="0"/>
+              <a:t> </a:t>
+            </a:r>
+            <a:r>
+              <a:rPr lang="en-US" baseline="0" dirty="0" err="1" smtClean="0"/>
+              <a:t>dịch</a:t>
+            </a:r>
+            <a:r>
+              <a:rPr lang="en-US" baseline="0" dirty="0" smtClean="0"/>
+              <a:t> </a:t>
+            </a:r>
+            <a:r>
+              <a:rPr lang="en-US" baseline="0" dirty="0" err="1" smtClean="0"/>
+              <a:t>vụ</a:t>
+            </a:r>
+            <a:r>
+              <a:rPr lang="en-US" baseline="0" dirty="0" smtClean="0"/>
+              <a:t> </a:t>
+            </a:r>
+            <a:r>
+              <a:rPr lang="en-US" baseline="0" dirty="0" err="1" smtClean="0"/>
+              <a:t>của</a:t>
+            </a:r>
+            <a:r>
+              <a:rPr lang="en-US" baseline="0" dirty="0" smtClean="0"/>
+              <a:t> </a:t>
+            </a:r>
+            <a:r>
+              <a:rPr lang="en-US" baseline="0" dirty="0" err="1" smtClean="0"/>
+              <a:t>ncc</a:t>
+            </a:r>
+            <a:r>
+              <a:rPr lang="en-US" baseline="0" dirty="0" smtClean="0"/>
+              <a:t>, </a:t>
+            </a:r>
+            <a:r>
+              <a:rPr lang="en-US" baseline="0" dirty="0" err="1" smtClean="0"/>
+              <a:t>ngược</a:t>
+            </a:r>
+            <a:r>
+              <a:rPr lang="en-US" baseline="0" dirty="0" smtClean="0"/>
+              <a:t> </a:t>
+            </a:r>
+            <a:r>
+              <a:rPr lang="en-US" baseline="0" dirty="0" err="1" smtClean="0"/>
+              <a:t>lại</a:t>
+            </a:r>
+            <a:r>
+              <a:rPr lang="en-US" baseline="0" dirty="0" smtClean="0"/>
+              <a:t> </a:t>
+            </a:r>
+            <a:r>
+              <a:rPr lang="en-US" baseline="0" dirty="0" err="1" smtClean="0"/>
+              <a:t>khi</a:t>
+            </a:r>
+            <a:r>
+              <a:rPr lang="en-US" baseline="0" dirty="0" smtClean="0"/>
+              <a:t> </a:t>
+            </a:r>
+            <a:r>
+              <a:rPr lang="en-US" baseline="0" dirty="0" err="1" smtClean="0"/>
+              <a:t>ko</a:t>
+            </a:r>
+            <a:r>
+              <a:rPr lang="en-US" baseline="0" dirty="0" smtClean="0"/>
+              <a:t> </a:t>
+            </a:r>
+            <a:r>
+              <a:rPr lang="en-US" baseline="0" dirty="0" err="1" smtClean="0"/>
+              <a:t>có</a:t>
+            </a:r>
+            <a:r>
+              <a:rPr lang="en-US" baseline="0" dirty="0" smtClean="0"/>
+              <a:t> </a:t>
+            </a:r>
+            <a:r>
+              <a:rPr lang="en-US" baseline="0" dirty="0" err="1" smtClean="0"/>
+              <a:t>nhu</a:t>
+            </a:r>
+            <a:r>
+              <a:rPr lang="en-US" baseline="0" dirty="0" smtClean="0"/>
+              <a:t> </a:t>
+            </a:r>
+            <a:r>
+              <a:rPr lang="en-US" baseline="0" dirty="0" err="1" smtClean="0"/>
+              <a:t>cầu</a:t>
+            </a:r>
+            <a:r>
+              <a:rPr lang="en-US" baseline="0" dirty="0" smtClean="0"/>
+              <a:t> </a:t>
+            </a:r>
+            <a:r>
+              <a:rPr lang="en-US" baseline="0" dirty="0" err="1" smtClean="0"/>
+              <a:t>người</a:t>
+            </a:r>
+            <a:r>
+              <a:rPr lang="en-US" baseline="0" dirty="0" smtClean="0"/>
+              <a:t> </a:t>
+            </a:r>
+            <a:r>
+              <a:rPr lang="en-US" baseline="0" dirty="0" err="1" smtClean="0"/>
+              <a:t>dùng</a:t>
+            </a:r>
+            <a:r>
+              <a:rPr lang="en-US" baseline="0" dirty="0" smtClean="0"/>
+              <a:t> </a:t>
+            </a:r>
+            <a:r>
+              <a:rPr lang="en-US" baseline="0" dirty="0" err="1" smtClean="0"/>
+              <a:t>sẽ</a:t>
+            </a:r>
+            <a:r>
+              <a:rPr lang="en-US" baseline="0" dirty="0" smtClean="0"/>
+              <a:t> </a:t>
+            </a:r>
+            <a:r>
+              <a:rPr lang="en-US" baseline="0" dirty="0" err="1" smtClean="0"/>
+              <a:t>ngừng</a:t>
+            </a:r>
+            <a:r>
+              <a:rPr lang="en-US" baseline="0" dirty="0" smtClean="0"/>
+              <a:t> </a:t>
+            </a:r>
+            <a:r>
+              <a:rPr lang="en-US" baseline="0" dirty="0" err="1" smtClean="0"/>
+              <a:t>việc</a:t>
+            </a:r>
+            <a:r>
+              <a:rPr lang="en-US" baseline="0" dirty="0" smtClean="0"/>
+              <a:t> </a:t>
+            </a:r>
+            <a:r>
+              <a:rPr lang="en-US" baseline="0" dirty="0" err="1" smtClean="0"/>
+              <a:t>thuê</a:t>
+            </a:r>
+            <a:r>
+              <a:rPr lang="en-US" baseline="0" dirty="0" smtClean="0"/>
+              <a:t> </a:t>
+            </a:r>
+            <a:r>
+              <a:rPr lang="en-US" baseline="0" dirty="0" err="1" smtClean="0"/>
+              <a:t>mà</a:t>
+            </a:r>
+            <a:r>
+              <a:rPr lang="en-US" baseline="0" dirty="0" smtClean="0"/>
+              <a:t> </a:t>
+            </a:r>
+            <a:r>
+              <a:rPr lang="en-US" baseline="0" dirty="0" err="1" smtClean="0"/>
+              <a:t>ko</a:t>
+            </a:r>
+            <a:r>
+              <a:rPr lang="en-US" baseline="0" dirty="0" smtClean="0"/>
+              <a:t> </a:t>
+            </a:r>
+            <a:r>
+              <a:rPr lang="en-US" baseline="0" dirty="0" err="1" smtClean="0"/>
+              <a:t>fai</a:t>
+            </a:r>
+            <a:r>
+              <a:rPr lang="en-US" baseline="0" dirty="0" smtClean="0"/>
+              <a:t> </a:t>
+            </a:r>
+            <a:r>
+              <a:rPr lang="en-US" baseline="0" dirty="0" err="1" smtClean="0"/>
+              <a:t>hao</a:t>
+            </a:r>
+            <a:r>
+              <a:rPr lang="en-US" baseline="0" dirty="0" smtClean="0"/>
+              <a:t> </a:t>
+            </a:r>
+            <a:r>
+              <a:rPr lang="en-US" baseline="0" dirty="0" err="1" smtClean="0"/>
+              <a:t>tổn</a:t>
+            </a:r>
+            <a:r>
+              <a:rPr lang="en-US" baseline="0" dirty="0" smtClean="0"/>
+              <a:t> </a:t>
+            </a:r>
+            <a:r>
+              <a:rPr lang="en-US" baseline="0" dirty="0" err="1" smtClean="0"/>
+              <a:t>bất</a:t>
+            </a:r>
+            <a:r>
+              <a:rPr lang="en-US" baseline="0" dirty="0" smtClean="0"/>
+              <a:t> </a:t>
+            </a:r>
+            <a:r>
+              <a:rPr lang="en-US" baseline="0" dirty="0" err="1" smtClean="0"/>
+              <a:t>cứ</a:t>
+            </a:r>
+            <a:r>
+              <a:rPr lang="en-US" baseline="0" dirty="0" smtClean="0"/>
+              <a:t> chi </a:t>
+            </a:r>
+            <a:r>
+              <a:rPr lang="en-US" baseline="0" dirty="0" err="1" smtClean="0"/>
+              <a:t>phí</a:t>
+            </a:r>
+            <a:r>
+              <a:rPr lang="en-US" baseline="0" dirty="0" smtClean="0"/>
+              <a:t> </a:t>
+            </a:r>
+            <a:r>
+              <a:rPr lang="en-US" baseline="0" dirty="0" err="1" smtClean="0"/>
+              <a:t>nào</a:t>
+            </a:r>
+            <a:r>
+              <a:rPr lang="en-US" baseline="0" dirty="0" smtClean="0"/>
+              <a:t>. </a:t>
+            </a:r>
+            <a:r>
+              <a:rPr lang="en-US" baseline="0" dirty="0" err="1" smtClean="0"/>
+              <a:t>Cviệc</a:t>
+            </a:r>
+            <a:r>
+              <a:rPr lang="en-US" baseline="0" dirty="0" smtClean="0"/>
+              <a:t> </a:t>
+            </a:r>
+            <a:r>
+              <a:rPr lang="en-US" baseline="0" dirty="0" err="1" smtClean="0"/>
+              <a:t>bảo</a:t>
+            </a:r>
+            <a:r>
+              <a:rPr lang="en-US" baseline="0" dirty="0" smtClean="0"/>
+              <a:t> </a:t>
+            </a:r>
+            <a:r>
+              <a:rPr lang="en-US" baseline="0" dirty="0" err="1" smtClean="0"/>
+              <a:t>trì</a:t>
+            </a:r>
+            <a:r>
+              <a:rPr lang="en-US" baseline="0" dirty="0" smtClean="0"/>
+              <a:t> </a:t>
+            </a:r>
+            <a:r>
+              <a:rPr lang="en-US" baseline="0" dirty="0" err="1" smtClean="0"/>
+              <a:t>cũng</a:t>
+            </a:r>
+            <a:r>
+              <a:rPr lang="en-US" baseline="0" dirty="0" smtClean="0"/>
+              <a:t> </a:t>
+            </a:r>
+            <a:r>
+              <a:rPr lang="en-US" baseline="0" dirty="0" err="1" smtClean="0"/>
+              <a:t>sẽ</a:t>
+            </a:r>
+            <a:r>
+              <a:rPr lang="en-US" baseline="0" dirty="0" smtClean="0"/>
+              <a:t> do </a:t>
+            </a:r>
+            <a:r>
+              <a:rPr lang="en-US" baseline="0" dirty="0" err="1" smtClean="0"/>
+              <a:t>chính</a:t>
+            </a:r>
+            <a:r>
+              <a:rPr lang="en-US" baseline="0" dirty="0" smtClean="0"/>
+              <a:t> </a:t>
+            </a:r>
+            <a:r>
+              <a:rPr lang="en-US" baseline="0" dirty="0" err="1" smtClean="0"/>
+              <a:t>ncc</a:t>
+            </a:r>
+            <a:r>
+              <a:rPr lang="en-US" baseline="0" dirty="0" smtClean="0"/>
+              <a:t> </a:t>
+            </a:r>
+            <a:r>
+              <a:rPr lang="en-US" baseline="0" dirty="0" err="1" smtClean="0"/>
+              <a:t>đảm</a:t>
+            </a:r>
+            <a:r>
+              <a:rPr lang="en-US" baseline="0" dirty="0" smtClean="0"/>
+              <a:t> </a:t>
+            </a:r>
+            <a:r>
+              <a:rPr lang="en-US" baseline="0" dirty="0" err="1" smtClean="0"/>
+              <a:t>nhận</a:t>
+            </a:r>
+            <a:r>
+              <a:rPr lang="en-US" baseline="0" dirty="0" smtClean="0"/>
+              <a:t>. </a:t>
+            </a:r>
+            <a:r>
+              <a:rPr lang="en-US" baseline="0" dirty="0" err="1" smtClean="0"/>
+              <a:t>Khi</a:t>
+            </a:r>
+            <a:r>
+              <a:rPr lang="en-US" baseline="0" dirty="0" smtClean="0"/>
+              <a:t> </a:t>
+            </a:r>
+            <a:r>
+              <a:rPr lang="en-US" baseline="0" dirty="0" err="1" smtClean="0"/>
+              <a:t>đó</a:t>
+            </a:r>
+            <a:r>
+              <a:rPr lang="en-US" baseline="0" dirty="0" smtClean="0"/>
+              <a:t> chi </a:t>
+            </a:r>
+            <a:r>
+              <a:rPr lang="en-US" baseline="0" dirty="0" err="1" smtClean="0"/>
+              <a:t>phí</a:t>
+            </a:r>
+            <a:r>
+              <a:rPr lang="en-US" baseline="0" dirty="0" smtClean="0"/>
+              <a:t> </a:t>
+            </a:r>
+            <a:r>
+              <a:rPr lang="en-US" baseline="0" dirty="0" err="1" smtClean="0"/>
+              <a:t>thay</a:t>
+            </a:r>
+            <a:r>
+              <a:rPr lang="en-US" baseline="0" dirty="0" smtClean="0"/>
+              <a:t> </a:t>
+            </a:r>
+            <a:r>
+              <a:rPr lang="en-US" baseline="0" dirty="0" err="1" smtClean="0"/>
+              <a:t>vì</a:t>
+            </a:r>
+            <a:r>
+              <a:rPr lang="en-US" baseline="0" dirty="0" smtClean="0"/>
+              <a:t> </a:t>
+            </a:r>
+            <a:r>
+              <a:rPr lang="en-US" baseline="0" dirty="0" err="1" smtClean="0"/>
+              <a:t>dùng</a:t>
+            </a:r>
+            <a:r>
+              <a:rPr lang="en-US" baseline="0" dirty="0" smtClean="0"/>
+              <a:t> </a:t>
+            </a:r>
+            <a:r>
+              <a:rPr lang="en-US" baseline="0" dirty="0" err="1" smtClean="0"/>
+              <a:t>cho</a:t>
+            </a:r>
+            <a:r>
+              <a:rPr lang="en-US" baseline="0" dirty="0" smtClean="0"/>
+              <a:t> </a:t>
+            </a:r>
+            <a:r>
+              <a:rPr lang="en-US" baseline="0" dirty="0" err="1" smtClean="0"/>
+              <a:t>việc</a:t>
+            </a:r>
+            <a:r>
+              <a:rPr lang="en-US" baseline="0" dirty="0" smtClean="0"/>
+              <a:t> </a:t>
+            </a:r>
+            <a:r>
+              <a:rPr lang="en-US" baseline="0" dirty="0" err="1" smtClean="0"/>
+              <a:t>xây</a:t>
+            </a:r>
+            <a:r>
+              <a:rPr lang="en-US" baseline="0" dirty="0" smtClean="0"/>
+              <a:t> </a:t>
+            </a:r>
+            <a:r>
+              <a:rPr lang="en-US" baseline="0" dirty="0" err="1" smtClean="0"/>
+              <a:t>dựng</a:t>
+            </a:r>
+            <a:r>
+              <a:rPr lang="en-US" baseline="0" dirty="0" smtClean="0"/>
+              <a:t> </a:t>
+            </a:r>
+            <a:r>
+              <a:rPr lang="en-US" baseline="0" dirty="0" err="1" smtClean="0"/>
+              <a:t>cshtang</a:t>
+            </a:r>
+            <a:r>
+              <a:rPr lang="en-US" baseline="0" dirty="0" smtClean="0"/>
+              <a:t> </a:t>
+            </a:r>
+            <a:r>
+              <a:rPr lang="en-US" baseline="0" dirty="0" err="1" smtClean="0"/>
+              <a:t>sẽ</a:t>
+            </a:r>
+            <a:r>
+              <a:rPr lang="en-US" baseline="0" dirty="0" smtClean="0"/>
+              <a:t> </a:t>
+            </a:r>
+            <a:r>
+              <a:rPr lang="en-US" baseline="0" dirty="0" err="1" smtClean="0"/>
+              <a:t>chuyển</a:t>
+            </a:r>
+            <a:r>
+              <a:rPr lang="en-US" baseline="0" dirty="0" smtClean="0"/>
+              <a:t> qua </a:t>
+            </a:r>
+            <a:r>
+              <a:rPr lang="en-US" baseline="0" dirty="0" err="1" smtClean="0"/>
+              <a:t>kinh</a:t>
+            </a:r>
+            <a:r>
+              <a:rPr lang="en-US" baseline="0" dirty="0" smtClean="0"/>
+              <a:t> </a:t>
+            </a:r>
+            <a:r>
+              <a:rPr lang="en-US" baseline="0" dirty="0" err="1" smtClean="0"/>
+              <a:t>doanh</a:t>
+            </a:r>
+            <a:r>
+              <a:rPr lang="en-US" baseline="0" dirty="0" smtClean="0"/>
+              <a:t> -&gt; </a:t>
+            </a:r>
+            <a:r>
+              <a:rPr lang="en-US" baseline="0" dirty="0" err="1" smtClean="0"/>
+              <a:t>mang</a:t>
+            </a:r>
+            <a:r>
+              <a:rPr lang="en-US" baseline="0" dirty="0" smtClean="0"/>
+              <a:t> </a:t>
+            </a:r>
+            <a:r>
+              <a:rPr lang="en-US" baseline="0" dirty="0" err="1" smtClean="0"/>
+              <a:t>lại</a:t>
+            </a:r>
+            <a:r>
+              <a:rPr lang="en-US" baseline="0" dirty="0" smtClean="0"/>
+              <a:t> </a:t>
+            </a:r>
+            <a:r>
+              <a:rPr lang="en-US" baseline="0" dirty="0" err="1" smtClean="0"/>
+              <a:t>lợi</a:t>
+            </a:r>
+            <a:r>
+              <a:rPr lang="en-US" baseline="0" dirty="0" smtClean="0"/>
+              <a:t> </a:t>
+            </a:r>
+            <a:r>
+              <a:rPr lang="en-US" baseline="0" dirty="0" err="1" smtClean="0"/>
+              <a:t>nhuân</a:t>
+            </a:r>
+            <a:r>
+              <a:rPr lang="en-US" baseline="0" dirty="0" smtClean="0"/>
+              <a:t> </a:t>
+            </a:r>
+            <a:r>
+              <a:rPr lang="en-US" baseline="0" dirty="0" err="1" smtClean="0"/>
+              <a:t>lớn</a:t>
+            </a:r>
+            <a:r>
+              <a:rPr lang="en-US" baseline="0" dirty="0" smtClean="0"/>
+              <a:t> </a:t>
+            </a:r>
+            <a:r>
+              <a:rPr lang="en-US" baseline="0" dirty="0" err="1" smtClean="0"/>
+              <a:t>hơn</a:t>
+            </a:r>
+            <a:r>
+              <a:rPr lang="en-US" baseline="0" dirty="0" smtClean="0"/>
+              <a:t>.</a:t>
+            </a:r>
+            <a:endParaRPr lang="en-US" dirty="0"/>
           </a:p>
         </p:txBody>
       </p:sp>
@@ -1181,21 +3246,25 @@
           <a:lstStyle/>
           <a:p>
             <a:r>
-              <a:rPr lang="en-US" smtClean="0"/>
+              <a:rPr lang="en-US" dirty="0" err="1" smtClean="0"/>
               <a:t>IaaS</a:t>
             </a:r>
             <a:r>
-              <a:rPr lang="en-US" baseline="0" smtClean="0"/>
+              <a:rPr lang="en-US" baseline="0" dirty="0" smtClean="0"/>
               <a:t> : Amazon Web Services</a:t>
             </a:r>
           </a:p>
           <a:p>
             <a:r>
-              <a:rPr lang="en-US" baseline="0" smtClean="0"/>
-              <a:t>PaaS: </a:t>
-            </a:r>
-            <a:r>
-              <a:rPr lang="en-US" sz="1200" b="0" i="0" kern="1200" smtClean="0">
+              <a:rPr lang="en-US" baseline="0" dirty="0" err="1" smtClean="0"/>
+              <a:t>PaaS</a:t>
+            </a:r>
+            <a:r>
+              <a:rPr lang="en-US" baseline="0" dirty="0" smtClean="0"/>
+              <a:t>: </a:t>
+            </a:r>
+            <a:r>
+              <a:rPr lang="en-US" sz="1200" b="0" i="0" kern="1200" dirty="0" smtClean="0">
                 <a:solidFill>
                   <a:schemeClr val="tx1"/>
                 </a:solidFill>
@@ -1203,17 +3272,39 @@
                 <a:ea typeface="+mn-ea"/>
                 <a:cs typeface="+mn-cs"/>
               </a:rPr>
-              <a:t>Examples of PaaS solutions today include:</a:t>
-            </a:r>
-            <a:r>
-              <a:rPr lang="en-US" smtClean="0"/>
+              <a:t>Examples of </a:t>
+            </a:r>
+            <a:r>
+              <a:rPr lang="en-US" sz="1200" b="0" i="0" kern="1200" dirty="0" err="1" smtClean="0">
+                <a:solidFill>
+                  <a:schemeClr val="tx1"/>
+                </a:solidFill>
+                <a:latin typeface="Segoe UI" pitchFamily="34" charset="0"/>
+                <a:ea typeface="+mn-ea"/>
+                <a:cs typeface="+mn-cs"/>
+              </a:rPr>
+              <a:t>PaaS</a:t>
+            </a:r>
+            <a:r>
+              <a:rPr lang="en-US" sz="1200" b="0" i="0" kern="1200" dirty="0" smtClean="0">
+                <a:solidFill>
+                  <a:schemeClr val="tx1"/>
+                </a:solidFill>
+                <a:latin typeface="Segoe UI" pitchFamily="34" charset="0"/>
+                <a:ea typeface="+mn-ea"/>
+                <a:cs typeface="+mn-cs"/>
+              </a:rPr>
+              <a:t> solutions today include:</a:t>
+            </a:r>
+            <a:r>
+              <a:rPr lang="en-US" dirty="0" smtClean="0"/>
               <a:t/>
             </a:r>
             <a:br>
-              <a:rPr lang="en-US" smtClean="0"/>
+              <a:rPr lang="en-US" dirty="0" smtClean="0"/>
             </a:br>
             <a:r>
-              <a:rPr lang="en-US" sz="1200" b="0" i="0" u="none" strike="noStrike" kern="1200" smtClean="0">
+              <a:rPr lang="en-US" sz="1200" b="0" i="0" u="none" strike="noStrike" kern="1200" dirty="0" err="1" smtClean="0">
                 <a:solidFill>
                   <a:schemeClr val="tx1"/>
                 </a:solidFill>
@@ -1222,35 +3313,33 @@
                 <a:cs typeface="+mn-cs"/>
                 <a:hlinkClick r:id="rId3"/>
               </a:rPr>
-              <a:t>AppEngine </a:t>
-            </a:r>
-            <a:r>
-              <a:rPr lang="en-US" sz="1200" b="0" i="0" kern="1200" smtClean="0">
+              <a:t>AppEngine</a:t>
+            </a:r>
+            <a:r>
+              <a:rPr lang="en-US" sz="1200" b="0" i="0" u="none" strike="noStrike" kern="1200" dirty="0" smtClean="0">
                 <a:solidFill>
                   <a:schemeClr val="tx1"/>
                 </a:solidFill>
                 <a:latin typeface="Segoe UI" pitchFamily="34" charset="0"/>
                 <a:ea typeface="+mn-ea"/>
                 <a:cs typeface="+mn-cs"/>
-              </a:rPr>
-              <a:t>from Google: based on Python and Django</a:t>
-            </a:r>
-          </a:p>
-          <a:p>
-            <a:r>
-              <a:rPr lang="en-US" sz="1200" b="0" i="0" u="none" strike="noStrike" kern="1200" smtClean="0">
+                <a:hlinkClick r:id="rId3"/>
+              </a:rPr>
+              <a:t> </a:t>
+            </a:r>
+            <a:r>
+              <a:rPr lang="en-US" sz="1200" b="0" i="0" kern="1200" dirty="0" smtClean="0">
                 <a:solidFill>
                   <a:schemeClr val="tx1"/>
                 </a:solidFill>
                 <a:latin typeface="Segoe UI" pitchFamily="34" charset="0"/>
                 <a:ea typeface="+mn-ea"/>
                 <a:cs typeface="+mn-cs"/>
-                <a:hlinkClick r:id="rId4"/>
-              </a:rPr>
-              <a:t>Force.com</a:t>
-            </a:r>
-            <a:r>
-              <a:rPr lang="en-US" sz="1200" b="0" i="0" kern="1200" smtClean="0">
+              </a:rPr>
+              <a:t>from Google: based on Python and </a:t>
+            </a:r>
+            <a:r>
+              <a:rPr lang="en-US" sz="1200" b="0" i="0" kern="1200" dirty="0" err="1" smtClean="0">
                 <a:solidFill>
                   <a:schemeClr val="tx1"/>
                 </a:solidFill>
@@ -1258,141 +3347,9 @@
                 <a:ea typeface="+mn-ea"/>
                 <a:cs typeface="+mn-cs"/>
               </a:rPr>
-              <a:t> from SalesForce: based on the SalesForce SaaS infrastructure and Apex language</a:t>
-            </a:r>
-          </a:p>
-          <a:p>
-            <a:r>
-              <a:rPr lang="en-US" sz="1200" b="0" i="0" u="none" strike="noStrike" kern="1200" smtClean="0">
-                <a:solidFill>
-                  <a:schemeClr val="tx1"/>
-                </a:solidFill>
-                <a:latin typeface="Segoe UI" pitchFamily="34" charset="0"/>
-                <a:ea typeface="+mn-ea"/>
-                <a:cs typeface="+mn-cs"/>
-                <a:hlinkClick r:id="rId5"/>
-              </a:rPr>
-              <a:t>Bungee Connect</a:t>
-            </a:r>
-            <a:r>
-              <a:rPr lang="en-US" sz="1200" b="0" i="0" kern="1200" smtClean="0">
-                <a:solidFill>
-                  <a:schemeClr val="tx1"/>
-                </a:solidFill>
-                <a:latin typeface="Segoe UI" pitchFamily="34" charset="0"/>
-                <a:ea typeface="+mn-ea"/>
-                <a:cs typeface="+mn-cs"/>
-              </a:rPr>
-              <a:t>: visual development studio based on Java</a:t>
-            </a:r>
-          </a:p>
-          <a:p>
-            <a:r>
-              <a:rPr lang="en-US" sz="1200" b="0" i="0" u="none" strike="noStrike" kern="1200" smtClean="0">
-                <a:solidFill>
-                  <a:schemeClr val="tx1"/>
-                </a:solidFill>
-                <a:latin typeface="Segoe UI" pitchFamily="34" charset="0"/>
-                <a:ea typeface="+mn-ea"/>
-                <a:cs typeface="+mn-cs"/>
-                <a:hlinkClick r:id="rId6"/>
-              </a:rPr>
-              <a:t>LongJump</a:t>
-            </a:r>
-            <a:r>
-              <a:rPr lang="en-US" sz="1200" b="0" i="0" kern="1200" smtClean="0">
-                <a:solidFill>
-                  <a:schemeClr val="tx1"/>
-                </a:solidFill>
-                <a:latin typeface="Segoe UI" pitchFamily="34" charset="0"/>
-                <a:ea typeface="+mn-ea"/>
-                <a:cs typeface="+mn-cs"/>
-              </a:rPr>
-              <a:t>: based on Java/Eclipse</a:t>
-            </a:r>
-          </a:p>
-          <a:p>
-            <a:r>
-              <a:rPr lang="en-US" sz="1200" b="0" i="0" u="none" strike="noStrike" kern="1200" smtClean="0">
-                <a:solidFill>
-                  <a:schemeClr val="tx1"/>
-                </a:solidFill>
-                <a:latin typeface="Segoe UI" pitchFamily="34" charset="0"/>
-                <a:ea typeface="+mn-ea"/>
-                <a:cs typeface="+mn-cs"/>
-                <a:hlinkClick r:id="rId7"/>
-              </a:rPr>
-              <a:t>WaveMaker</a:t>
-            </a:r>
-            <a:r>
-              <a:rPr lang="en-US" sz="1200" b="0" i="0" kern="1200" smtClean="0">
-                <a:solidFill>
-                  <a:schemeClr val="tx1"/>
-                </a:solidFill>
-                <a:latin typeface="Segoe UI" pitchFamily="34" charset="0"/>
-                <a:ea typeface="+mn-ea"/>
-                <a:cs typeface="+mn-cs"/>
-              </a:rPr>
-              <a:t>: visual development studio based on Java and hosted on Amazon EC2</a:t>
-            </a:r>
-          </a:p>
-          <a:p>
-            <a:r>
-              <a:rPr lang="en-US" sz="1200" b="0" i="0" kern="1200" smtClean="0">
-                <a:solidFill>
-                  <a:schemeClr val="tx1"/>
-                </a:solidFill>
-                <a:latin typeface="Segoe UI" pitchFamily="34" charset="0"/>
-                <a:ea typeface="+mn-ea"/>
-                <a:cs typeface="+mn-cs"/>
-              </a:rPr>
-              <a:t>SaaS:</a:t>
-            </a:r>
-          </a:p>
-          <a:p>
-            <a:pPr lvl="0"/>
-            <a:r>
-              <a:rPr lang="en-US" sz="1200" kern="1200" smtClean="0">
-                <a:solidFill>
-                  <a:schemeClr val="tx1"/>
-                </a:solidFill>
-                <a:latin typeface="Segoe UI" pitchFamily="34" charset="0"/>
-                <a:ea typeface="+mn-ea"/>
-                <a:cs typeface="+mn-cs"/>
-              </a:rPr>
-              <a:t>Quản lí quan hệ khách hàng (Customer Relationship Management, viết tắt là CRM). Đây là một phương pháp giúp các doanh nghiệp tiếp cận và giao tiếp với khách hàng một cách có hệ thống và hiệu quả, quản lý các thông tin của khách hàng như thông tin về tài khoản, nhu cầu, liên lạcv.vv... nhằm phục vụ khách hàng tốt hơn.</a:t>
-            </a:r>
-          </a:p>
-          <a:p>
-            <a:pPr lvl="0"/>
-            <a:r>
-              <a:rPr lang="en-US" sz="1200" kern="1200" smtClean="0">
-                <a:solidFill>
-                  <a:schemeClr val="tx1"/>
-                </a:solidFill>
-                <a:latin typeface="Segoe UI" pitchFamily="34" charset="0"/>
-                <a:ea typeface="+mn-ea"/>
-                <a:cs typeface="+mn-cs"/>
-              </a:rPr>
-              <a:t>Dịch vụ hội thảo trực tuyến ( Video Conferencing ) </a:t>
-            </a:r>
-          </a:p>
-          <a:p>
-            <a:pPr lvl="0"/>
-            <a:r>
-              <a:rPr lang="en-US" sz="1200" kern="1200" smtClean="0">
-                <a:solidFill>
-                  <a:schemeClr val="tx1"/>
-                </a:solidFill>
-                <a:latin typeface="Segoe UI" pitchFamily="34" charset="0"/>
-                <a:ea typeface="+mn-ea"/>
-                <a:cs typeface="+mn-cs"/>
-              </a:rPr>
-              <a:t>Kế toán </a:t>
-            </a:r>
-          </a:p>
-          <a:p>
-            <a:endParaRPr lang="en-US" sz="1200" b="0" i="0" kern="1200" smtClean="0">
+              <a:t>Django</a:t>
+            </a:r>
+            <a:endParaRPr lang="en-US" sz="1200" b="0" i="0" kern="1200" dirty="0" smtClean="0">
               <a:solidFill>
                 <a:schemeClr val="tx1"/>
               </a:solidFill>
@@ -1402,13 +3359,1652 @@
             </a:endParaRPr>
           </a:p>
           <a:p>
-            <a:endParaRPr lang="en-US" baseline="0" smtClean="0"/>
+            <a:r>
+              <a:rPr lang="en-US" sz="1200" b="0" i="0" u="none" strike="noStrike" kern="1200" dirty="0" smtClean="0">
+                <a:solidFill>
+                  <a:schemeClr val="tx1"/>
+                </a:solidFill>
+                <a:latin typeface="Segoe UI" pitchFamily="34" charset="0"/>
+                <a:ea typeface="+mn-ea"/>
+                <a:cs typeface="+mn-cs"/>
+                <a:hlinkClick r:id="rId4"/>
+              </a:rPr>
+              <a:t>Force.com</a:t>
+            </a:r>
+            <a:r>
+              <a:rPr lang="en-US" sz="1200" b="0" i="0" kern="1200" dirty="0" smtClean="0">
+                <a:solidFill>
+                  <a:schemeClr val="tx1"/>
+                </a:solidFill>
+                <a:latin typeface="Segoe UI" pitchFamily="34" charset="0"/>
+                <a:ea typeface="+mn-ea"/>
+                <a:cs typeface="+mn-cs"/>
+              </a:rPr>
+              <a:t> from </a:t>
+            </a:r>
+            <a:r>
+              <a:rPr lang="en-US" sz="1200" b="0" i="0" kern="1200" dirty="0" err="1" smtClean="0">
+                <a:solidFill>
+                  <a:schemeClr val="tx1"/>
+                </a:solidFill>
+                <a:latin typeface="Segoe UI" pitchFamily="34" charset="0"/>
+                <a:ea typeface="+mn-ea"/>
+                <a:cs typeface="+mn-cs"/>
+              </a:rPr>
+              <a:t>SalesForce</a:t>
+            </a:r>
+            <a:r>
+              <a:rPr lang="en-US" sz="1200" b="0" i="0" kern="1200" dirty="0" smtClean="0">
+                <a:solidFill>
+                  <a:schemeClr val="tx1"/>
+                </a:solidFill>
+                <a:latin typeface="Segoe UI" pitchFamily="34" charset="0"/>
+                <a:ea typeface="+mn-ea"/>
+                <a:cs typeface="+mn-cs"/>
+              </a:rPr>
+              <a:t>: based on the </a:t>
+            </a:r>
+            <a:r>
+              <a:rPr lang="en-US" sz="1200" b="0" i="0" kern="1200" dirty="0" err="1" smtClean="0">
+                <a:solidFill>
+                  <a:schemeClr val="tx1"/>
+                </a:solidFill>
+                <a:latin typeface="Segoe UI" pitchFamily="34" charset="0"/>
+                <a:ea typeface="+mn-ea"/>
+                <a:cs typeface="+mn-cs"/>
+              </a:rPr>
+              <a:t>SalesForce</a:t>
+            </a:r>
+            <a:r>
+              <a:rPr lang="en-US" sz="1200" b="0" i="0" kern="1200" dirty="0" smtClean="0">
+                <a:solidFill>
+                  <a:schemeClr val="tx1"/>
+                </a:solidFill>
+                <a:latin typeface="Segoe UI" pitchFamily="34" charset="0"/>
+                <a:ea typeface="+mn-ea"/>
+                <a:cs typeface="+mn-cs"/>
+              </a:rPr>
+              <a:t> </a:t>
+            </a:r>
+            <a:r>
+              <a:rPr lang="en-US" sz="1200" b="0" i="0" kern="1200" dirty="0" err="1" smtClean="0">
+                <a:solidFill>
+                  <a:schemeClr val="tx1"/>
+                </a:solidFill>
+                <a:latin typeface="Segoe UI" pitchFamily="34" charset="0"/>
+                <a:ea typeface="+mn-ea"/>
+                <a:cs typeface="+mn-cs"/>
+              </a:rPr>
+              <a:t>SaaS</a:t>
+            </a:r>
+            <a:r>
+              <a:rPr lang="en-US" sz="1200" b="0" i="0" kern="1200" dirty="0" smtClean="0">
+                <a:solidFill>
+                  <a:schemeClr val="tx1"/>
+                </a:solidFill>
+                <a:latin typeface="Segoe UI" pitchFamily="34" charset="0"/>
+                <a:ea typeface="+mn-ea"/>
+                <a:cs typeface="+mn-cs"/>
+              </a:rPr>
+              <a:t> infrastructure and Apex language</a:t>
+            </a:r>
           </a:p>
           <a:p>
-            <a:endParaRPr lang="en-US" baseline="0" smtClean="0"/>
+            <a:r>
+              <a:rPr lang="en-US" sz="1200" b="0" i="0" u="none" strike="noStrike" kern="1200" dirty="0" smtClean="0">
+                <a:solidFill>
+                  <a:schemeClr val="tx1"/>
+                </a:solidFill>
+                <a:latin typeface="Segoe UI" pitchFamily="34" charset="0"/>
+                <a:ea typeface="+mn-ea"/>
+                <a:cs typeface="+mn-cs"/>
+                <a:hlinkClick r:id="rId5"/>
+              </a:rPr>
+              <a:t>Bungee Connect</a:t>
+            </a:r>
+            <a:r>
+              <a:rPr lang="en-US" sz="1200" b="0" i="0" kern="1200" dirty="0" smtClean="0">
+                <a:solidFill>
+                  <a:schemeClr val="tx1"/>
+                </a:solidFill>
+                <a:latin typeface="Segoe UI" pitchFamily="34" charset="0"/>
+                <a:ea typeface="+mn-ea"/>
+                <a:cs typeface="+mn-cs"/>
+              </a:rPr>
+              <a:t>: visual development studio based on Java</a:t>
+            </a:r>
           </a:p>
           <a:p>
-            <a:endParaRPr lang="en-US"/>
+            <a:r>
+              <a:rPr lang="en-US" sz="1200" b="0" i="0" u="none" strike="noStrike" kern="1200" dirty="0" err="1" smtClean="0">
+                <a:solidFill>
+                  <a:schemeClr val="tx1"/>
+                </a:solidFill>
+                <a:latin typeface="Segoe UI" pitchFamily="34" charset="0"/>
+                <a:ea typeface="+mn-ea"/>
+                <a:cs typeface="+mn-cs"/>
+                <a:hlinkClick r:id="rId6"/>
+              </a:rPr>
+              <a:t>LongJump</a:t>
+            </a:r>
+            <a:r>
+              <a:rPr lang="en-US" sz="1200" b="0" i="0" kern="1200" dirty="0" smtClean="0">
+                <a:solidFill>
+                  <a:schemeClr val="tx1"/>
+                </a:solidFill>
+                <a:latin typeface="Segoe UI" pitchFamily="34" charset="0"/>
+                <a:ea typeface="+mn-ea"/>
+                <a:cs typeface="+mn-cs"/>
+              </a:rPr>
+              <a:t>: based on Java/Eclipse</a:t>
+            </a:r>
+          </a:p>
+          <a:p>
+            <a:r>
+              <a:rPr lang="en-US" sz="1200" b="0" i="0" u="none" strike="noStrike" kern="1200" dirty="0" err="1" smtClean="0">
+                <a:solidFill>
+                  <a:schemeClr val="tx1"/>
+                </a:solidFill>
+                <a:latin typeface="Segoe UI" pitchFamily="34" charset="0"/>
+                <a:ea typeface="+mn-ea"/>
+                <a:cs typeface="+mn-cs"/>
+                <a:hlinkClick r:id="rId7"/>
+              </a:rPr>
+              <a:t>WaveMaker</a:t>
+            </a:r>
+            <a:r>
+              <a:rPr lang="en-US" sz="1200" b="0" i="0" kern="1200" dirty="0" smtClean="0">
+                <a:solidFill>
+                  <a:schemeClr val="tx1"/>
+                </a:solidFill>
+                <a:latin typeface="Segoe UI" pitchFamily="34" charset="0"/>
+                <a:ea typeface="+mn-ea"/>
+                <a:cs typeface="+mn-cs"/>
+              </a:rPr>
+              <a:t>: visual development studio based on Java and hosted on Amazon EC2</a:t>
+            </a:r>
+          </a:p>
+          <a:p>
+            <a:r>
+              <a:rPr lang="en-US" sz="1200" b="0" i="0" kern="1200" dirty="0" err="1" smtClean="0">
+                <a:solidFill>
+                  <a:schemeClr val="tx1"/>
+                </a:solidFill>
+                <a:latin typeface="Segoe UI" pitchFamily="34" charset="0"/>
+                <a:ea typeface="+mn-ea"/>
+                <a:cs typeface="+mn-cs"/>
+              </a:rPr>
+              <a:t>SaaS</a:t>
+            </a:r>
+            <a:r>
+              <a:rPr lang="en-US" sz="1200" b="0" i="0" kern="1200" dirty="0" smtClean="0">
+                <a:solidFill>
+                  <a:schemeClr val="tx1"/>
+                </a:solidFill>
+                <a:latin typeface="Segoe UI" pitchFamily="34" charset="0"/>
+                <a:ea typeface="+mn-ea"/>
+                <a:cs typeface="+mn-cs"/>
+              </a:rPr>
+              <a:t>:</a:t>
+            </a:r>
+          </a:p>
+          <a:p>
+            <a:pPr lvl="0"/>
+            <a:r>
+              <a:rPr lang="en-US" sz="1200" kern="1200" dirty="0" err="1" smtClean="0">
+                <a:solidFill>
+                  <a:schemeClr val="tx1"/>
+                </a:solidFill>
+                <a:latin typeface="Segoe UI" pitchFamily="34" charset="0"/>
+                <a:ea typeface="+mn-ea"/>
+                <a:cs typeface="+mn-cs"/>
+              </a:rPr>
+              <a:t>Quản</a:t>
+            </a:r>
+            <a:r>
+              <a:rPr lang="en-US" sz="1200" kern="1200" dirty="0" smtClean="0">
+                <a:solidFill>
+                  <a:schemeClr val="tx1"/>
+                </a:solidFill>
+                <a:latin typeface="Segoe UI" pitchFamily="34" charset="0"/>
+                <a:ea typeface="+mn-ea"/>
+                <a:cs typeface="+mn-cs"/>
+              </a:rPr>
+              <a:t> </a:t>
+            </a:r>
+            <a:r>
+              <a:rPr lang="en-US" sz="1200" kern="1200" dirty="0" err="1" smtClean="0">
+                <a:solidFill>
+                  <a:schemeClr val="tx1"/>
+                </a:solidFill>
+                <a:latin typeface="Segoe UI" pitchFamily="34" charset="0"/>
+                <a:ea typeface="+mn-ea"/>
+                <a:cs typeface="+mn-cs"/>
+              </a:rPr>
+              <a:t>lí</a:t>
+            </a:r>
+            <a:r>
+              <a:rPr lang="en-US" sz="1200" kern="1200" dirty="0" smtClean="0">
+                <a:solidFill>
+                  <a:schemeClr val="tx1"/>
+                </a:solidFill>
+                <a:latin typeface="Segoe UI" pitchFamily="34" charset="0"/>
+                <a:ea typeface="+mn-ea"/>
+                <a:cs typeface="+mn-cs"/>
+              </a:rPr>
+              <a:t> </a:t>
+            </a:r>
+            <a:r>
+              <a:rPr lang="en-US" sz="1200" kern="1200" dirty="0" err="1" smtClean="0">
+                <a:solidFill>
+                  <a:schemeClr val="tx1"/>
+                </a:solidFill>
+                <a:latin typeface="Segoe UI" pitchFamily="34" charset="0"/>
+                <a:ea typeface="+mn-ea"/>
+                <a:cs typeface="+mn-cs"/>
+              </a:rPr>
+              <a:t>quan</a:t>
+            </a:r>
+            <a:r>
+              <a:rPr lang="en-US" sz="1200" kern="1200" dirty="0" smtClean="0">
+                <a:solidFill>
+                  <a:schemeClr val="tx1"/>
+                </a:solidFill>
+                <a:latin typeface="Segoe UI" pitchFamily="34" charset="0"/>
+                <a:ea typeface="+mn-ea"/>
+                <a:cs typeface="+mn-cs"/>
+              </a:rPr>
+              <a:t> </a:t>
+            </a:r>
+            <a:r>
+              <a:rPr lang="en-US" sz="1200" kern="1200" dirty="0" err="1" smtClean="0">
+                <a:solidFill>
+                  <a:schemeClr val="tx1"/>
+                </a:solidFill>
+                <a:latin typeface="Segoe UI" pitchFamily="34" charset="0"/>
+                <a:ea typeface="+mn-ea"/>
+                <a:cs typeface="+mn-cs"/>
+              </a:rPr>
+              <a:t>hệ</a:t>
+            </a:r>
+            <a:r>
+              <a:rPr lang="en-US" sz="1200" kern="1200" dirty="0" smtClean="0">
+                <a:solidFill>
+                  <a:schemeClr val="tx1"/>
+                </a:solidFill>
+                <a:latin typeface="Segoe UI" pitchFamily="34" charset="0"/>
+                <a:ea typeface="+mn-ea"/>
+                <a:cs typeface="+mn-cs"/>
+              </a:rPr>
+              <a:t> </a:t>
+            </a:r>
+            <a:r>
+              <a:rPr lang="en-US" sz="1200" kern="1200" dirty="0" err="1" smtClean="0">
+                <a:solidFill>
+                  <a:schemeClr val="tx1"/>
+                </a:solidFill>
+                <a:latin typeface="Segoe UI" pitchFamily="34" charset="0"/>
+                <a:ea typeface="+mn-ea"/>
+                <a:cs typeface="+mn-cs"/>
+              </a:rPr>
+              <a:t>khách</a:t>
+            </a:r>
+            <a:r>
+              <a:rPr lang="en-US" sz="1200" kern="1200" dirty="0" smtClean="0">
+                <a:solidFill>
+                  <a:schemeClr val="tx1"/>
+                </a:solidFill>
+                <a:latin typeface="Segoe UI" pitchFamily="34" charset="0"/>
+                <a:ea typeface="+mn-ea"/>
+                <a:cs typeface="+mn-cs"/>
+              </a:rPr>
+              <a:t> </a:t>
+            </a:r>
+            <a:r>
+              <a:rPr lang="en-US" sz="1200" kern="1200" dirty="0" err="1" smtClean="0">
+                <a:solidFill>
+                  <a:schemeClr val="tx1"/>
+                </a:solidFill>
+                <a:latin typeface="Segoe UI" pitchFamily="34" charset="0"/>
+                <a:ea typeface="+mn-ea"/>
+                <a:cs typeface="+mn-cs"/>
+              </a:rPr>
+              <a:t>hàng</a:t>
+            </a:r>
+            <a:r>
+              <a:rPr lang="en-US" sz="1200" kern="1200" dirty="0" smtClean="0">
+                <a:solidFill>
+                  <a:schemeClr val="tx1"/>
+                </a:solidFill>
+                <a:latin typeface="Segoe UI" pitchFamily="34" charset="0"/>
+                <a:ea typeface="+mn-ea"/>
+                <a:cs typeface="+mn-cs"/>
+              </a:rPr>
+              <a:t> (Customer Relationship Management, </a:t>
+            </a:r>
+            <a:r>
+              <a:rPr lang="en-US" sz="1200" kern="1200" dirty="0" err="1" smtClean="0">
+                <a:solidFill>
+                  <a:schemeClr val="tx1"/>
+                </a:solidFill>
+                <a:latin typeface="Segoe UI" pitchFamily="34" charset="0"/>
+                <a:ea typeface="+mn-ea"/>
+                <a:cs typeface="+mn-cs"/>
+              </a:rPr>
+              <a:t>viết</a:t>
+            </a:r>
+            <a:r>
+              <a:rPr lang="en-US" sz="1200" kern="1200" dirty="0" smtClean="0">
+                <a:solidFill>
+                  <a:schemeClr val="tx1"/>
+                </a:solidFill>
+                <a:latin typeface="Segoe UI" pitchFamily="34" charset="0"/>
+                <a:ea typeface="+mn-ea"/>
+                <a:cs typeface="+mn-cs"/>
+              </a:rPr>
+              <a:t> </a:t>
+            </a:r>
+            <a:r>
+              <a:rPr lang="en-US" sz="1200" kern="1200" dirty="0" err="1" smtClean="0">
+                <a:solidFill>
+                  <a:schemeClr val="tx1"/>
+                </a:solidFill>
+                <a:latin typeface="Segoe UI" pitchFamily="34" charset="0"/>
+                <a:ea typeface="+mn-ea"/>
+                <a:cs typeface="+mn-cs"/>
+              </a:rPr>
+              <a:t>tắt</a:t>
+            </a:r>
+            <a:r>
+              <a:rPr lang="en-US" sz="1200" kern="1200" dirty="0" smtClean="0">
+                <a:solidFill>
+                  <a:schemeClr val="tx1"/>
+                </a:solidFill>
+                <a:latin typeface="Segoe UI" pitchFamily="34" charset="0"/>
+                <a:ea typeface="+mn-ea"/>
+                <a:cs typeface="+mn-cs"/>
+              </a:rPr>
+              <a:t> </a:t>
+            </a:r>
+            <a:r>
+              <a:rPr lang="en-US" sz="1200" kern="1200" dirty="0" err="1" smtClean="0">
+                <a:solidFill>
+                  <a:schemeClr val="tx1"/>
+                </a:solidFill>
+                <a:latin typeface="Segoe UI" pitchFamily="34" charset="0"/>
+                <a:ea typeface="+mn-ea"/>
+                <a:cs typeface="+mn-cs"/>
+              </a:rPr>
+              <a:t>là</a:t>
+            </a:r>
+            <a:r>
+              <a:rPr lang="en-US" sz="1200" kern="1200" dirty="0" smtClean="0">
+                <a:solidFill>
+                  <a:schemeClr val="tx1"/>
+                </a:solidFill>
+                <a:latin typeface="Segoe UI" pitchFamily="34" charset="0"/>
+                <a:ea typeface="+mn-ea"/>
+                <a:cs typeface="+mn-cs"/>
+              </a:rPr>
+              <a:t> CRM). </a:t>
+            </a:r>
+            <a:r>
+              <a:rPr lang="en-US" sz="1200" kern="1200" dirty="0" err="1" smtClean="0">
+                <a:solidFill>
+                  <a:schemeClr val="tx1"/>
+                </a:solidFill>
+                <a:latin typeface="Segoe UI" pitchFamily="34" charset="0"/>
+                <a:ea typeface="+mn-ea"/>
+                <a:cs typeface="+mn-cs"/>
+              </a:rPr>
+              <a:t>Đây</a:t>
+            </a:r>
+            <a:r>
+              <a:rPr lang="en-US" sz="1200" kern="1200" dirty="0" smtClean="0">
+                <a:solidFill>
+                  <a:schemeClr val="tx1"/>
+                </a:solidFill>
+                <a:latin typeface="Segoe UI" pitchFamily="34" charset="0"/>
+                <a:ea typeface="+mn-ea"/>
+                <a:cs typeface="+mn-cs"/>
+              </a:rPr>
+              <a:t> </a:t>
+            </a:r>
+            <a:r>
+              <a:rPr lang="en-US" sz="1200" kern="1200" dirty="0" err="1" smtClean="0">
+                <a:solidFill>
+                  <a:schemeClr val="tx1"/>
+                </a:solidFill>
+                <a:latin typeface="Segoe UI" pitchFamily="34" charset="0"/>
+                <a:ea typeface="+mn-ea"/>
+                <a:cs typeface="+mn-cs"/>
+              </a:rPr>
+              <a:t>là</a:t>
+            </a:r>
+            <a:r>
+              <a:rPr lang="en-US" sz="1200" kern="1200" dirty="0" smtClean="0">
+                <a:solidFill>
+                  <a:schemeClr val="tx1"/>
+                </a:solidFill>
+                <a:latin typeface="Segoe UI" pitchFamily="34" charset="0"/>
+                <a:ea typeface="+mn-ea"/>
+                <a:cs typeface="+mn-cs"/>
+              </a:rPr>
+              <a:t> </a:t>
+            </a:r>
+            <a:r>
+              <a:rPr lang="en-US" sz="1200" kern="1200" dirty="0" err="1" smtClean="0">
+                <a:solidFill>
+                  <a:schemeClr val="tx1"/>
+                </a:solidFill>
+                <a:latin typeface="Segoe UI" pitchFamily="34" charset="0"/>
+                <a:ea typeface="+mn-ea"/>
+                <a:cs typeface="+mn-cs"/>
+              </a:rPr>
+              <a:t>một</a:t>
+            </a:r>
+            <a:r>
+              <a:rPr lang="en-US" sz="1200" kern="1200" dirty="0" smtClean="0">
+                <a:solidFill>
+                  <a:schemeClr val="tx1"/>
+                </a:solidFill>
+                <a:latin typeface="Segoe UI" pitchFamily="34" charset="0"/>
+                <a:ea typeface="+mn-ea"/>
+                <a:cs typeface="+mn-cs"/>
+              </a:rPr>
+              <a:t> </a:t>
+            </a:r>
+            <a:r>
+              <a:rPr lang="en-US" sz="1200" kern="1200" dirty="0" err="1" smtClean="0">
+                <a:solidFill>
+                  <a:schemeClr val="tx1"/>
+                </a:solidFill>
+                <a:latin typeface="Segoe UI" pitchFamily="34" charset="0"/>
+                <a:ea typeface="+mn-ea"/>
+                <a:cs typeface="+mn-cs"/>
+              </a:rPr>
+              <a:t>phương</a:t>
+            </a:r>
+            <a:r>
+              <a:rPr lang="en-US" sz="1200" kern="1200" dirty="0" smtClean="0">
+                <a:solidFill>
+                  <a:schemeClr val="tx1"/>
+                </a:solidFill>
+                <a:latin typeface="Segoe UI" pitchFamily="34" charset="0"/>
+                <a:ea typeface="+mn-ea"/>
+                <a:cs typeface="+mn-cs"/>
+              </a:rPr>
+              <a:t> </a:t>
+            </a:r>
+            <a:r>
+              <a:rPr lang="en-US" sz="1200" kern="1200" dirty="0" err="1" smtClean="0">
+                <a:solidFill>
+                  <a:schemeClr val="tx1"/>
+                </a:solidFill>
+                <a:latin typeface="Segoe UI" pitchFamily="34" charset="0"/>
+                <a:ea typeface="+mn-ea"/>
+                <a:cs typeface="+mn-cs"/>
+              </a:rPr>
+              <a:t>pháp</a:t>
+            </a:r>
+            <a:r>
+              <a:rPr lang="en-US" sz="1200" kern="1200" dirty="0" smtClean="0">
+                <a:solidFill>
+                  <a:schemeClr val="tx1"/>
+                </a:solidFill>
+                <a:latin typeface="Segoe UI" pitchFamily="34" charset="0"/>
+                <a:ea typeface="+mn-ea"/>
+                <a:cs typeface="+mn-cs"/>
+              </a:rPr>
+              <a:t> </a:t>
+            </a:r>
+            <a:r>
+              <a:rPr lang="en-US" sz="1200" kern="1200" dirty="0" err="1" smtClean="0">
+                <a:solidFill>
+                  <a:schemeClr val="tx1"/>
+                </a:solidFill>
+                <a:latin typeface="Segoe UI" pitchFamily="34" charset="0"/>
+                <a:ea typeface="+mn-ea"/>
+                <a:cs typeface="+mn-cs"/>
+              </a:rPr>
+              <a:t>giúp</a:t>
+            </a:r>
+            <a:r>
+              <a:rPr lang="en-US" sz="1200" kern="1200" dirty="0" smtClean="0">
+                <a:solidFill>
+                  <a:schemeClr val="tx1"/>
+                </a:solidFill>
+                <a:latin typeface="Segoe UI" pitchFamily="34" charset="0"/>
+                <a:ea typeface="+mn-ea"/>
+                <a:cs typeface="+mn-cs"/>
+              </a:rPr>
+              <a:t> </a:t>
+            </a:r>
+            <a:r>
+              <a:rPr lang="en-US" sz="1200" kern="1200" dirty="0" err="1" smtClean="0">
+                <a:solidFill>
+                  <a:schemeClr val="tx1"/>
+                </a:solidFill>
+                <a:latin typeface="Segoe UI" pitchFamily="34" charset="0"/>
+                <a:ea typeface="+mn-ea"/>
+                <a:cs typeface="+mn-cs"/>
+              </a:rPr>
+              <a:t>các</a:t>
+            </a:r>
+            <a:r>
+              <a:rPr lang="en-US" sz="1200" kern="1200" dirty="0" smtClean="0">
+                <a:solidFill>
+                  <a:schemeClr val="tx1"/>
+                </a:solidFill>
+                <a:latin typeface="Segoe UI" pitchFamily="34" charset="0"/>
+                <a:ea typeface="+mn-ea"/>
+                <a:cs typeface="+mn-cs"/>
+              </a:rPr>
+              <a:t> </a:t>
+            </a:r>
+            <a:r>
+              <a:rPr lang="en-US" sz="1200" kern="1200" dirty="0" err="1" smtClean="0">
+                <a:solidFill>
+                  <a:schemeClr val="tx1"/>
+                </a:solidFill>
+                <a:latin typeface="Segoe UI" pitchFamily="34" charset="0"/>
+                <a:ea typeface="+mn-ea"/>
+                <a:cs typeface="+mn-cs"/>
+              </a:rPr>
+              <a:t>doanh</a:t>
+            </a:r>
+            <a:r>
+              <a:rPr lang="en-US" sz="1200" kern="1200" dirty="0" smtClean="0">
+                <a:solidFill>
+                  <a:schemeClr val="tx1"/>
+                </a:solidFill>
+                <a:latin typeface="Segoe UI" pitchFamily="34" charset="0"/>
+                <a:ea typeface="+mn-ea"/>
+                <a:cs typeface="+mn-cs"/>
+              </a:rPr>
+              <a:t> </a:t>
+            </a:r>
+            <a:r>
+              <a:rPr lang="en-US" sz="1200" kern="1200" dirty="0" err="1" smtClean="0">
+                <a:solidFill>
+                  <a:schemeClr val="tx1"/>
+                </a:solidFill>
+                <a:latin typeface="Segoe UI" pitchFamily="34" charset="0"/>
+                <a:ea typeface="+mn-ea"/>
+                <a:cs typeface="+mn-cs"/>
+              </a:rPr>
+              <a:t>nghiệp</a:t>
+            </a:r>
+            <a:r>
+              <a:rPr lang="en-US" sz="1200" kern="1200" dirty="0" smtClean="0">
+                <a:solidFill>
+                  <a:schemeClr val="tx1"/>
+                </a:solidFill>
+                <a:latin typeface="Segoe UI" pitchFamily="34" charset="0"/>
+                <a:ea typeface="+mn-ea"/>
+                <a:cs typeface="+mn-cs"/>
+              </a:rPr>
+              <a:t> </a:t>
+            </a:r>
+            <a:r>
+              <a:rPr lang="en-US" sz="1200" kern="1200" dirty="0" err="1" smtClean="0">
+                <a:solidFill>
+                  <a:schemeClr val="tx1"/>
+                </a:solidFill>
+                <a:latin typeface="Segoe UI" pitchFamily="34" charset="0"/>
+                <a:ea typeface="+mn-ea"/>
+                <a:cs typeface="+mn-cs"/>
+              </a:rPr>
+              <a:t>tiếp</a:t>
+            </a:r>
+            <a:r>
+              <a:rPr lang="en-US" sz="1200" kern="1200" dirty="0" smtClean="0">
+                <a:solidFill>
+                  <a:schemeClr val="tx1"/>
+                </a:solidFill>
+                <a:latin typeface="Segoe UI" pitchFamily="34" charset="0"/>
+                <a:ea typeface="+mn-ea"/>
+                <a:cs typeface="+mn-cs"/>
+              </a:rPr>
+              <a:t> </a:t>
+            </a:r>
+            <a:r>
+              <a:rPr lang="en-US" sz="1200" kern="1200" dirty="0" err="1" smtClean="0">
+                <a:solidFill>
+                  <a:schemeClr val="tx1"/>
+                </a:solidFill>
+                <a:latin typeface="Segoe UI" pitchFamily="34" charset="0"/>
+                <a:ea typeface="+mn-ea"/>
+                <a:cs typeface="+mn-cs"/>
+              </a:rPr>
+              <a:t>cận</a:t>
+            </a:r>
+            <a:r>
+              <a:rPr lang="en-US" sz="1200" kern="1200" dirty="0" smtClean="0">
+                <a:solidFill>
+                  <a:schemeClr val="tx1"/>
+                </a:solidFill>
+                <a:latin typeface="Segoe UI" pitchFamily="34" charset="0"/>
+                <a:ea typeface="+mn-ea"/>
+                <a:cs typeface="+mn-cs"/>
+              </a:rPr>
+              <a:t> </a:t>
+            </a:r>
+            <a:r>
+              <a:rPr lang="en-US" sz="1200" kern="1200" dirty="0" err="1" smtClean="0">
+                <a:solidFill>
+                  <a:schemeClr val="tx1"/>
+                </a:solidFill>
+                <a:latin typeface="Segoe UI" pitchFamily="34" charset="0"/>
+                <a:ea typeface="+mn-ea"/>
+                <a:cs typeface="+mn-cs"/>
+              </a:rPr>
+              <a:t>và</a:t>
+            </a:r>
+            <a:r>
+              <a:rPr lang="en-US" sz="1200" kern="1200" dirty="0" smtClean="0">
+                <a:solidFill>
+                  <a:schemeClr val="tx1"/>
+                </a:solidFill>
+                <a:latin typeface="Segoe UI" pitchFamily="34" charset="0"/>
+                <a:ea typeface="+mn-ea"/>
+                <a:cs typeface="+mn-cs"/>
+              </a:rPr>
+              <a:t> </a:t>
+            </a:r>
+            <a:r>
+              <a:rPr lang="en-US" sz="1200" kern="1200" dirty="0" err="1" smtClean="0">
+                <a:solidFill>
+                  <a:schemeClr val="tx1"/>
+                </a:solidFill>
+                <a:latin typeface="Segoe UI" pitchFamily="34" charset="0"/>
+                <a:ea typeface="+mn-ea"/>
+                <a:cs typeface="+mn-cs"/>
+              </a:rPr>
+              <a:t>giao</a:t>
+            </a:r>
+            <a:r>
+              <a:rPr lang="en-US" sz="1200" kern="1200" dirty="0" smtClean="0">
+                <a:solidFill>
+                  <a:schemeClr val="tx1"/>
+                </a:solidFill>
+                <a:latin typeface="Segoe UI" pitchFamily="34" charset="0"/>
+                <a:ea typeface="+mn-ea"/>
+                <a:cs typeface="+mn-cs"/>
+              </a:rPr>
+              <a:t> </a:t>
+            </a:r>
+            <a:r>
+              <a:rPr lang="en-US" sz="1200" kern="1200" dirty="0" err="1" smtClean="0">
+                <a:solidFill>
+                  <a:schemeClr val="tx1"/>
+                </a:solidFill>
+                <a:latin typeface="Segoe UI" pitchFamily="34" charset="0"/>
+                <a:ea typeface="+mn-ea"/>
+                <a:cs typeface="+mn-cs"/>
+              </a:rPr>
+              <a:t>tiếp</a:t>
+            </a:r>
+            <a:r>
+              <a:rPr lang="en-US" sz="1200" kern="1200" dirty="0" smtClean="0">
+                <a:solidFill>
+                  <a:schemeClr val="tx1"/>
+                </a:solidFill>
+                <a:latin typeface="Segoe UI" pitchFamily="34" charset="0"/>
+                <a:ea typeface="+mn-ea"/>
+                <a:cs typeface="+mn-cs"/>
+              </a:rPr>
+              <a:t> </a:t>
+            </a:r>
+            <a:r>
+              <a:rPr lang="en-US" sz="1200" kern="1200" dirty="0" err="1" smtClean="0">
+                <a:solidFill>
+                  <a:schemeClr val="tx1"/>
+                </a:solidFill>
+                <a:latin typeface="Segoe UI" pitchFamily="34" charset="0"/>
+                <a:ea typeface="+mn-ea"/>
+                <a:cs typeface="+mn-cs"/>
+              </a:rPr>
+              <a:t>với</a:t>
+            </a:r>
+            <a:r>
+              <a:rPr lang="en-US" sz="1200" kern="1200" dirty="0" smtClean="0">
+                <a:solidFill>
+                  <a:schemeClr val="tx1"/>
+                </a:solidFill>
+                <a:latin typeface="Segoe UI" pitchFamily="34" charset="0"/>
+                <a:ea typeface="+mn-ea"/>
+                <a:cs typeface="+mn-cs"/>
+              </a:rPr>
+              <a:t> </a:t>
+            </a:r>
+            <a:r>
+              <a:rPr lang="en-US" sz="1200" kern="1200" dirty="0" err="1" smtClean="0">
+                <a:solidFill>
+                  <a:schemeClr val="tx1"/>
+                </a:solidFill>
+                <a:latin typeface="Segoe UI" pitchFamily="34" charset="0"/>
+                <a:ea typeface="+mn-ea"/>
+                <a:cs typeface="+mn-cs"/>
+              </a:rPr>
+              <a:t>khách</a:t>
+            </a:r>
+            <a:r>
+              <a:rPr lang="en-US" sz="1200" kern="1200" dirty="0" smtClean="0">
+                <a:solidFill>
+                  <a:schemeClr val="tx1"/>
+                </a:solidFill>
+                <a:latin typeface="Segoe UI" pitchFamily="34" charset="0"/>
+                <a:ea typeface="+mn-ea"/>
+                <a:cs typeface="+mn-cs"/>
+              </a:rPr>
+              <a:t> </a:t>
+            </a:r>
+            <a:r>
+              <a:rPr lang="en-US" sz="1200" kern="1200" dirty="0" err="1" smtClean="0">
+                <a:solidFill>
+                  <a:schemeClr val="tx1"/>
+                </a:solidFill>
+                <a:latin typeface="Segoe UI" pitchFamily="34" charset="0"/>
+                <a:ea typeface="+mn-ea"/>
+                <a:cs typeface="+mn-cs"/>
+              </a:rPr>
+              <a:t>hàng</a:t>
+            </a:r>
+            <a:r>
+              <a:rPr lang="en-US" sz="1200" kern="1200" dirty="0" smtClean="0">
+                <a:solidFill>
+                  <a:schemeClr val="tx1"/>
+                </a:solidFill>
+                <a:latin typeface="Segoe UI" pitchFamily="34" charset="0"/>
+                <a:ea typeface="+mn-ea"/>
+                <a:cs typeface="+mn-cs"/>
+              </a:rPr>
+              <a:t> </a:t>
+            </a:r>
+            <a:r>
+              <a:rPr lang="en-US" sz="1200" kern="1200" dirty="0" err="1" smtClean="0">
+                <a:solidFill>
+                  <a:schemeClr val="tx1"/>
+                </a:solidFill>
+                <a:latin typeface="Segoe UI" pitchFamily="34" charset="0"/>
+                <a:ea typeface="+mn-ea"/>
+                <a:cs typeface="+mn-cs"/>
+              </a:rPr>
+              <a:t>một</a:t>
+            </a:r>
+            <a:r>
+              <a:rPr lang="en-US" sz="1200" kern="1200" dirty="0" smtClean="0">
+                <a:solidFill>
+                  <a:schemeClr val="tx1"/>
+                </a:solidFill>
+                <a:latin typeface="Segoe UI" pitchFamily="34" charset="0"/>
+                <a:ea typeface="+mn-ea"/>
+                <a:cs typeface="+mn-cs"/>
+              </a:rPr>
+              <a:t> </a:t>
+            </a:r>
+            <a:r>
+              <a:rPr lang="en-US" sz="1200" kern="1200" dirty="0" err="1" smtClean="0">
+                <a:solidFill>
+                  <a:schemeClr val="tx1"/>
+                </a:solidFill>
+                <a:latin typeface="Segoe UI" pitchFamily="34" charset="0"/>
+                <a:ea typeface="+mn-ea"/>
+                <a:cs typeface="+mn-cs"/>
+              </a:rPr>
+              <a:t>cách</a:t>
+            </a:r>
+            <a:r>
+              <a:rPr lang="en-US" sz="1200" kern="1200" dirty="0" smtClean="0">
+                <a:solidFill>
+                  <a:schemeClr val="tx1"/>
+                </a:solidFill>
+                <a:latin typeface="Segoe UI" pitchFamily="34" charset="0"/>
+                <a:ea typeface="+mn-ea"/>
+                <a:cs typeface="+mn-cs"/>
+              </a:rPr>
+              <a:t> </a:t>
+            </a:r>
+            <a:r>
+              <a:rPr lang="en-US" sz="1200" kern="1200" dirty="0" err="1" smtClean="0">
+                <a:solidFill>
+                  <a:schemeClr val="tx1"/>
+                </a:solidFill>
+                <a:latin typeface="Segoe UI" pitchFamily="34" charset="0"/>
+                <a:ea typeface="+mn-ea"/>
+                <a:cs typeface="+mn-cs"/>
+              </a:rPr>
+              <a:t>có</a:t>
+            </a:r>
+            <a:r>
+              <a:rPr lang="en-US" sz="1200" kern="1200" dirty="0" smtClean="0">
+                <a:solidFill>
+                  <a:schemeClr val="tx1"/>
+                </a:solidFill>
+                <a:latin typeface="Segoe UI" pitchFamily="34" charset="0"/>
+                <a:ea typeface="+mn-ea"/>
+                <a:cs typeface="+mn-cs"/>
+              </a:rPr>
+              <a:t> </a:t>
+            </a:r>
+            <a:r>
+              <a:rPr lang="en-US" sz="1200" kern="1200" dirty="0" err="1" smtClean="0">
+                <a:solidFill>
+                  <a:schemeClr val="tx1"/>
+                </a:solidFill>
+                <a:latin typeface="Segoe UI" pitchFamily="34" charset="0"/>
+                <a:ea typeface="+mn-ea"/>
+                <a:cs typeface="+mn-cs"/>
+              </a:rPr>
+              <a:t>hệ</a:t>
+            </a:r>
+            <a:r>
+              <a:rPr lang="en-US" sz="1200" kern="1200" dirty="0" smtClean="0">
+                <a:solidFill>
+                  <a:schemeClr val="tx1"/>
+                </a:solidFill>
+                <a:latin typeface="Segoe UI" pitchFamily="34" charset="0"/>
+                <a:ea typeface="+mn-ea"/>
+                <a:cs typeface="+mn-cs"/>
+              </a:rPr>
+              <a:t> </a:t>
+            </a:r>
+            <a:r>
+              <a:rPr lang="en-US" sz="1200" kern="1200" dirty="0" err="1" smtClean="0">
+                <a:solidFill>
+                  <a:schemeClr val="tx1"/>
+                </a:solidFill>
+                <a:latin typeface="Segoe UI" pitchFamily="34" charset="0"/>
+                <a:ea typeface="+mn-ea"/>
+                <a:cs typeface="+mn-cs"/>
+              </a:rPr>
+              <a:t>thống</a:t>
+            </a:r>
+            <a:r>
+              <a:rPr lang="en-US" sz="1200" kern="1200" dirty="0" smtClean="0">
+                <a:solidFill>
+                  <a:schemeClr val="tx1"/>
+                </a:solidFill>
+                <a:latin typeface="Segoe UI" pitchFamily="34" charset="0"/>
+                <a:ea typeface="+mn-ea"/>
+                <a:cs typeface="+mn-cs"/>
+              </a:rPr>
+              <a:t> </a:t>
+            </a:r>
+            <a:r>
+              <a:rPr lang="en-US" sz="1200" kern="1200" dirty="0" err="1" smtClean="0">
+                <a:solidFill>
+                  <a:schemeClr val="tx1"/>
+                </a:solidFill>
+                <a:latin typeface="Segoe UI" pitchFamily="34" charset="0"/>
+                <a:ea typeface="+mn-ea"/>
+                <a:cs typeface="+mn-cs"/>
+              </a:rPr>
+              <a:t>và</a:t>
+            </a:r>
+            <a:r>
+              <a:rPr lang="en-US" sz="1200" kern="1200" dirty="0" smtClean="0">
+                <a:solidFill>
+                  <a:schemeClr val="tx1"/>
+                </a:solidFill>
+                <a:latin typeface="Segoe UI" pitchFamily="34" charset="0"/>
+                <a:ea typeface="+mn-ea"/>
+                <a:cs typeface="+mn-cs"/>
+              </a:rPr>
+              <a:t> </a:t>
+            </a:r>
+            <a:r>
+              <a:rPr lang="en-US" sz="1200" kern="1200" dirty="0" err="1" smtClean="0">
+                <a:solidFill>
+                  <a:schemeClr val="tx1"/>
+                </a:solidFill>
+                <a:latin typeface="Segoe UI" pitchFamily="34" charset="0"/>
+                <a:ea typeface="+mn-ea"/>
+                <a:cs typeface="+mn-cs"/>
+              </a:rPr>
+              <a:t>hiệu</a:t>
+            </a:r>
+            <a:r>
+              <a:rPr lang="en-US" sz="1200" kern="1200" dirty="0" smtClean="0">
+                <a:solidFill>
+                  <a:schemeClr val="tx1"/>
+                </a:solidFill>
+                <a:latin typeface="Segoe UI" pitchFamily="34" charset="0"/>
+                <a:ea typeface="+mn-ea"/>
+                <a:cs typeface="+mn-cs"/>
+              </a:rPr>
+              <a:t> </a:t>
+            </a:r>
+            <a:r>
+              <a:rPr lang="en-US" sz="1200" kern="1200" dirty="0" err="1" smtClean="0">
+                <a:solidFill>
+                  <a:schemeClr val="tx1"/>
+                </a:solidFill>
+                <a:latin typeface="Segoe UI" pitchFamily="34" charset="0"/>
+                <a:ea typeface="+mn-ea"/>
+                <a:cs typeface="+mn-cs"/>
+              </a:rPr>
+              <a:t>quả</a:t>
+            </a:r>
+            <a:r>
+              <a:rPr lang="en-US" sz="1200" kern="1200" dirty="0" smtClean="0">
+                <a:solidFill>
+                  <a:schemeClr val="tx1"/>
+                </a:solidFill>
+                <a:latin typeface="Segoe UI" pitchFamily="34" charset="0"/>
+                <a:ea typeface="+mn-ea"/>
+                <a:cs typeface="+mn-cs"/>
+              </a:rPr>
+              <a:t>, </a:t>
+            </a:r>
+            <a:r>
+              <a:rPr lang="en-US" sz="1200" kern="1200" dirty="0" err="1" smtClean="0">
+                <a:solidFill>
+                  <a:schemeClr val="tx1"/>
+                </a:solidFill>
+                <a:latin typeface="Segoe UI" pitchFamily="34" charset="0"/>
+                <a:ea typeface="+mn-ea"/>
+                <a:cs typeface="+mn-cs"/>
+              </a:rPr>
+              <a:t>quản</a:t>
+            </a:r>
+            <a:r>
+              <a:rPr lang="en-US" sz="1200" kern="1200" dirty="0" smtClean="0">
+                <a:solidFill>
+                  <a:schemeClr val="tx1"/>
+                </a:solidFill>
+                <a:latin typeface="Segoe UI" pitchFamily="34" charset="0"/>
+                <a:ea typeface="+mn-ea"/>
+                <a:cs typeface="+mn-cs"/>
+              </a:rPr>
+              <a:t> </a:t>
+            </a:r>
+            <a:r>
+              <a:rPr lang="en-US" sz="1200" kern="1200" dirty="0" err="1" smtClean="0">
+                <a:solidFill>
+                  <a:schemeClr val="tx1"/>
+                </a:solidFill>
+                <a:latin typeface="Segoe UI" pitchFamily="34" charset="0"/>
+                <a:ea typeface="+mn-ea"/>
+                <a:cs typeface="+mn-cs"/>
+              </a:rPr>
+              <a:t>lý</a:t>
+            </a:r>
+            <a:r>
+              <a:rPr lang="en-US" sz="1200" kern="1200" dirty="0" smtClean="0">
+                <a:solidFill>
+                  <a:schemeClr val="tx1"/>
+                </a:solidFill>
+                <a:latin typeface="Segoe UI" pitchFamily="34" charset="0"/>
+                <a:ea typeface="+mn-ea"/>
+                <a:cs typeface="+mn-cs"/>
+              </a:rPr>
+              <a:t> </a:t>
+            </a:r>
+            <a:r>
+              <a:rPr lang="en-US" sz="1200" kern="1200" dirty="0" err="1" smtClean="0">
+                <a:solidFill>
+                  <a:schemeClr val="tx1"/>
+                </a:solidFill>
+                <a:latin typeface="Segoe UI" pitchFamily="34" charset="0"/>
+                <a:ea typeface="+mn-ea"/>
+                <a:cs typeface="+mn-cs"/>
+              </a:rPr>
+              <a:t>các</a:t>
+            </a:r>
+            <a:r>
+              <a:rPr lang="en-US" sz="1200" kern="1200" dirty="0" smtClean="0">
+                <a:solidFill>
+                  <a:schemeClr val="tx1"/>
+                </a:solidFill>
+                <a:latin typeface="Segoe UI" pitchFamily="34" charset="0"/>
+                <a:ea typeface="+mn-ea"/>
+                <a:cs typeface="+mn-cs"/>
+              </a:rPr>
+              <a:t> </a:t>
+            </a:r>
+            <a:r>
+              <a:rPr lang="en-US" sz="1200" kern="1200" dirty="0" err="1" smtClean="0">
+                <a:solidFill>
+                  <a:schemeClr val="tx1"/>
+                </a:solidFill>
+                <a:latin typeface="Segoe UI" pitchFamily="34" charset="0"/>
+                <a:ea typeface="+mn-ea"/>
+                <a:cs typeface="+mn-cs"/>
+              </a:rPr>
+              <a:t>thông</a:t>
+            </a:r>
+            <a:r>
+              <a:rPr lang="en-US" sz="1200" kern="1200" dirty="0" smtClean="0">
+                <a:solidFill>
+                  <a:schemeClr val="tx1"/>
+                </a:solidFill>
+                <a:latin typeface="Segoe UI" pitchFamily="34" charset="0"/>
+                <a:ea typeface="+mn-ea"/>
+                <a:cs typeface="+mn-cs"/>
+              </a:rPr>
+              <a:t> tin </a:t>
+            </a:r>
+            <a:r>
+              <a:rPr lang="en-US" sz="1200" kern="1200" dirty="0" err="1" smtClean="0">
+                <a:solidFill>
+                  <a:schemeClr val="tx1"/>
+                </a:solidFill>
+                <a:latin typeface="Segoe UI" pitchFamily="34" charset="0"/>
+                <a:ea typeface="+mn-ea"/>
+                <a:cs typeface="+mn-cs"/>
+              </a:rPr>
+              <a:t>của</a:t>
+            </a:r>
+            <a:r>
+              <a:rPr lang="en-US" sz="1200" kern="1200" dirty="0" smtClean="0">
+                <a:solidFill>
+                  <a:schemeClr val="tx1"/>
+                </a:solidFill>
+                <a:latin typeface="Segoe UI" pitchFamily="34" charset="0"/>
+                <a:ea typeface="+mn-ea"/>
+                <a:cs typeface="+mn-cs"/>
+              </a:rPr>
+              <a:t> </a:t>
+            </a:r>
+            <a:r>
+              <a:rPr lang="en-US" sz="1200" kern="1200" dirty="0" err="1" smtClean="0">
+                <a:solidFill>
+                  <a:schemeClr val="tx1"/>
+                </a:solidFill>
+                <a:latin typeface="Segoe UI" pitchFamily="34" charset="0"/>
+                <a:ea typeface="+mn-ea"/>
+                <a:cs typeface="+mn-cs"/>
+              </a:rPr>
+              <a:t>khách</a:t>
+            </a:r>
+            <a:r>
+              <a:rPr lang="en-US" sz="1200" kern="1200" dirty="0" smtClean="0">
+                <a:solidFill>
+                  <a:schemeClr val="tx1"/>
+                </a:solidFill>
+                <a:latin typeface="Segoe UI" pitchFamily="34" charset="0"/>
+                <a:ea typeface="+mn-ea"/>
+                <a:cs typeface="+mn-cs"/>
+              </a:rPr>
+              <a:t> </a:t>
+            </a:r>
+            <a:r>
+              <a:rPr lang="en-US" sz="1200" kern="1200" dirty="0" err="1" smtClean="0">
+                <a:solidFill>
+                  <a:schemeClr val="tx1"/>
+                </a:solidFill>
+                <a:latin typeface="Segoe UI" pitchFamily="34" charset="0"/>
+                <a:ea typeface="+mn-ea"/>
+                <a:cs typeface="+mn-cs"/>
+              </a:rPr>
+              <a:t>hàng</a:t>
+            </a:r>
+            <a:r>
+              <a:rPr lang="en-US" sz="1200" kern="1200" dirty="0" smtClean="0">
+                <a:solidFill>
+                  <a:schemeClr val="tx1"/>
+                </a:solidFill>
+                <a:latin typeface="Segoe UI" pitchFamily="34" charset="0"/>
+                <a:ea typeface="+mn-ea"/>
+                <a:cs typeface="+mn-cs"/>
+              </a:rPr>
+              <a:t> </a:t>
+            </a:r>
+            <a:r>
+              <a:rPr lang="en-US" sz="1200" kern="1200" dirty="0" err="1" smtClean="0">
+                <a:solidFill>
+                  <a:schemeClr val="tx1"/>
+                </a:solidFill>
+                <a:latin typeface="Segoe UI" pitchFamily="34" charset="0"/>
+                <a:ea typeface="+mn-ea"/>
+                <a:cs typeface="+mn-cs"/>
+              </a:rPr>
+              <a:t>như</a:t>
+            </a:r>
+            <a:r>
+              <a:rPr lang="en-US" sz="1200" kern="1200" dirty="0" smtClean="0">
+                <a:solidFill>
+                  <a:schemeClr val="tx1"/>
+                </a:solidFill>
+                <a:latin typeface="Segoe UI" pitchFamily="34" charset="0"/>
+                <a:ea typeface="+mn-ea"/>
+                <a:cs typeface="+mn-cs"/>
+              </a:rPr>
+              <a:t> </a:t>
+            </a:r>
+            <a:r>
+              <a:rPr lang="en-US" sz="1200" kern="1200" dirty="0" err="1" smtClean="0">
+                <a:solidFill>
+                  <a:schemeClr val="tx1"/>
+                </a:solidFill>
+                <a:latin typeface="Segoe UI" pitchFamily="34" charset="0"/>
+                <a:ea typeface="+mn-ea"/>
+                <a:cs typeface="+mn-cs"/>
+              </a:rPr>
+              <a:t>thông</a:t>
+            </a:r>
+            <a:r>
+              <a:rPr lang="en-US" sz="1200" kern="1200" dirty="0" smtClean="0">
+                <a:solidFill>
+                  <a:schemeClr val="tx1"/>
+                </a:solidFill>
+                <a:latin typeface="Segoe UI" pitchFamily="34" charset="0"/>
+                <a:ea typeface="+mn-ea"/>
+                <a:cs typeface="+mn-cs"/>
+              </a:rPr>
+              <a:t> tin </a:t>
+            </a:r>
+            <a:r>
+              <a:rPr lang="en-US" sz="1200" kern="1200" dirty="0" err="1" smtClean="0">
+                <a:solidFill>
+                  <a:schemeClr val="tx1"/>
+                </a:solidFill>
+                <a:latin typeface="Segoe UI" pitchFamily="34" charset="0"/>
+                <a:ea typeface="+mn-ea"/>
+                <a:cs typeface="+mn-cs"/>
+              </a:rPr>
+              <a:t>về</a:t>
+            </a:r>
+            <a:r>
+              <a:rPr lang="en-US" sz="1200" kern="1200" dirty="0" smtClean="0">
+                <a:solidFill>
+                  <a:schemeClr val="tx1"/>
+                </a:solidFill>
+                <a:latin typeface="Segoe UI" pitchFamily="34" charset="0"/>
+                <a:ea typeface="+mn-ea"/>
+                <a:cs typeface="+mn-cs"/>
+              </a:rPr>
+              <a:t> </a:t>
+            </a:r>
+            <a:r>
+              <a:rPr lang="en-US" sz="1200" kern="1200" dirty="0" err="1" smtClean="0">
+                <a:solidFill>
+                  <a:schemeClr val="tx1"/>
+                </a:solidFill>
+                <a:latin typeface="Segoe UI" pitchFamily="34" charset="0"/>
+                <a:ea typeface="+mn-ea"/>
+                <a:cs typeface="+mn-cs"/>
+              </a:rPr>
+              <a:t>tài</a:t>
+            </a:r>
+            <a:r>
+              <a:rPr lang="en-US" sz="1200" kern="1200" dirty="0" smtClean="0">
+                <a:solidFill>
+                  <a:schemeClr val="tx1"/>
+                </a:solidFill>
+                <a:latin typeface="Segoe UI" pitchFamily="34" charset="0"/>
+                <a:ea typeface="+mn-ea"/>
+                <a:cs typeface="+mn-cs"/>
+              </a:rPr>
+              <a:t> </a:t>
+            </a:r>
+            <a:r>
+              <a:rPr lang="en-US" sz="1200" kern="1200" dirty="0" err="1" smtClean="0">
+                <a:solidFill>
+                  <a:schemeClr val="tx1"/>
+                </a:solidFill>
+                <a:latin typeface="Segoe UI" pitchFamily="34" charset="0"/>
+                <a:ea typeface="+mn-ea"/>
+                <a:cs typeface="+mn-cs"/>
+              </a:rPr>
+              <a:t>khoản</a:t>
+            </a:r>
+            <a:r>
+              <a:rPr lang="en-US" sz="1200" kern="1200" dirty="0" smtClean="0">
+                <a:solidFill>
+                  <a:schemeClr val="tx1"/>
+                </a:solidFill>
+                <a:latin typeface="Segoe UI" pitchFamily="34" charset="0"/>
+                <a:ea typeface="+mn-ea"/>
+                <a:cs typeface="+mn-cs"/>
+              </a:rPr>
+              <a:t>, </a:t>
+            </a:r>
+            <a:r>
+              <a:rPr lang="en-US" sz="1200" kern="1200" dirty="0" err="1" smtClean="0">
+                <a:solidFill>
+                  <a:schemeClr val="tx1"/>
+                </a:solidFill>
+                <a:latin typeface="Segoe UI" pitchFamily="34" charset="0"/>
+                <a:ea typeface="+mn-ea"/>
+                <a:cs typeface="+mn-cs"/>
+              </a:rPr>
+              <a:t>nhu</a:t>
+            </a:r>
+            <a:r>
+              <a:rPr lang="en-US" sz="1200" kern="1200" dirty="0" smtClean="0">
+                <a:solidFill>
+                  <a:schemeClr val="tx1"/>
+                </a:solidFill>
+                <a:latin typeface="Segoe UI" pitchFamily="34" charset="0"/>
+                <a:ea typeface="+mn-ea"/>
+                <a:cs typeface="+mn-cs"/>
+              </a:rPr>
+              <a:t> </a:t>
+            </a:r>
+            <a:r>
+              <a:rPr lang="en-US" sz="1200" kern="1200" dirty="0" err="1" smtClean="0">
+                <a:solidFill>
+                  <a:schemeClr val="tx1"/>
+                </a:solidFill>
+                <a:latin typeface="Segoe UI" pitchFamily="34" charset="0"/>
+                <a:ea typeface="+mn-ea"/>
+                <a:cs typeface="+mn-cs"/>
+              </a:rPr>
+              <a:t>cầu</a:t>
+            </a:r>
+            <a:r>
+              <a:rPr lang="en-US" sz="1200" kern="1200" dirty="0" smtClean="0">
+                <a:solidFill>
+                  <a:schemeClr val="tx1"/>
+                </a:solidFill>
+                <a:latin typeface="Segoe UI" pitchFamily="34" charset="0"/>
+                <a:ea typeface="+mn-ea"/>
+                <a:cs typeface="+mn-cs"/>
+              </a:rPr>
+              <a:t>, </a:t>
+            </a:r>
+            <a:r>
+              <a:rPr lang="en-US" sz="1200" kern="1200" dirty="0" err="1" smtClean="0">
+                <a:solidFill>
+                  <a:schemeClr val="tx1"/>
+                </a:solidFill>
+                <a:latin typeface="Segoe UI" pitchFamily="34" charset="0"/>
+                <a:ea typeface="+mn-ea"/>
+                <a:cs typeface="+mn-cs"/>
+              </a:rPr>
+              <a:t>liên</a:t>
+            </a:r>
+            <a:r>
+              <a:rPr lang="en-US" sz="1200" kern="1200" dirty="0" smtClean="0">
+                <a:solidFill>
+                  <a:schemeClr val="tx1"/>
+                </a:solidFill>
+                <a:latin typeface="Segoe UI" pitchFamily="34" charset="0"/>
+                <a:ea typeface="+mn-ea"/>
+                <a:cs typeface="+mn-cs"/>
+              </a:rPr>
+              <a:t> </a:t>
+            </a:r>
+            <a:r>
+              <a:rPr lang="en-US" sz="1200" kern="1200" dirty="0" err="1" smtClean="0">
+                <a:solidFill>
+                  <a:schemeClr val="tx1"/>
+                </a:solidFill>
+                <a:latin typeface="Segoe UI" pitchFamily="34" charset="0"/>
+                <a:ea typeface="+mn-ea"/>
+                <a:cs typeface="+mn-cs"/>
+              </a:rPr>
+              <a:t>lạcv.vv</a:t>
+            </a:r>
+            <a:r>
+              <a:rPr lang="en-US" sz="1200" kern="1200" dirty="0" smtClean="0">
+                <a:solidFill>
+                  <a:schemeClr val="tx1"/>
+                </a:solidFill>
+                <a:latin typeface="Segoe UI" pitchFamily="34" charset="0"/>
+                <a:ea typeface="+mn-ea"/>
+                <a:cs typeface="+mn-cs"/>
+              </a:rPr>
+              <a:t>... </a:t>
+            </a:r>
+            <a:r>
+              <a:rPr lang="en-US" sz="1200" kern="1200" dirty="0" err="1" smtClean="0">
+                <a:solidFill>
+                  <a:schemeClr val="tx1"/>
+                </a:solidFill>
+                <a:latin typeface="Segoe UI" pitchFamily="34" charset="0"/>
+                <a:ea typeface="+mn-ea"/>
+                <a:cs typeface="+mn-cs"/>
+              </a:rPr>
+              <a:t>nhằm</a:t>
+            </a:r>
+            <a:r>
+              <a:rPr lang="en-US" sz="1200" kern="1200" dirty="0" smtClean="0">
+                <a:solidFill>
+                  <a:schemeClr val="tx1"/>
+                </a:solidFill>
+                <a:latin typeface="Segoe UI" pitchFamily="34" charset="0"/>
+                <a:ea typeface="+mn-ea"/>
+                <a:cs typeface="+mn-cs"/>
+              </a:rPr>
+              <a:t> </a:t>
+            </a:r>
+            <a:r>
+              <a:rPr lang="en-US" sz="1200" kern="1200" dirty="0" err="1" smtClean="0">
+                <a:solidFill>
+                  <a:schemeClr val="tx1"/>
+                </a:solidFill>
+                <a:latin typeface="Segoe UI" pitchFamily="34" charset="0"/>
+                <a:ea typeface="+mn-ea"/>
+                <a:cs typeface="+mn-cs"/>
+              </a:rPr>
+              <a:t>phục</a:t>
+            </a:r>
+            <a:r>
+              <a:rPr lang="en-US" sz="1200" kern="1200" dirty="0" smtClean="0">
+                <a:solidFill>
+                  <a:schemeClr val="tx1"/>
+                </a:solidFill>
+                <a:latin typeface="Segoe UI" pitchFamily="34" charset="0"/>
+                <a:ea typeface="+mn-ea"/>
+                <a:cs typeface="+mn-cs"/>
+              </a:rPr>
+              <a:t> </a:t>
+            </a:r>
+            <a:r>
+              <a:rPr lang="en-US" sz="1200" kern="1200" dirty="0" err="1" smtClean="0">
+                <a:solidFill>
+                  <a:schemeClr val="tx1"/>
+                </a:solidFill>
+                <a:latin typeface="Segoe UI" pitchFamily="34" charset="0"/>
+                <a:ea typeface="+mn-ea"/>
+                <a:cs typeface="+mn-cs"/>
+              </a:rPr>
+              <a:t>vụ</a:t>
+            </a:r>
+            <a:r>
+              <a:rPr lang="en-US" sz="1200" kern="1200" dirty="0" smtClean="0">
+                <a:solidFill>
+                  <a:schemeClr val="tx1"/>
+                </a:solidFill>
+                <a:latin typeface="Segoe UI" pitchFamily="34" charset="0"/>
+                <a:ea typeface="+mn-ea"/>
+                <a:cs typeface="+mn-cs"/>
+              </a:rPr>
+              <a:t> </a:t>
+            </a:r>
+            <a:r>
+              <a:rPr lang="en-US" sz="1200" kern="1200" dirty="0" err="1" smtClean="0">
+                <a:solidFill>
+                  <a:schemeClr val="tx1"/>
+                </a:solidFill>
+                <a:latin typeface="Segoe UI" pitchFamily="34" charset="0"/>
+                <a:ea typeface="+mn-ea"/>
+                <a:cs typeface="+mn-cs"/>
+              </a:rPr>
+              <a:t>khách</a:t>
+            </a:r>
+            <a:r>
+              <a:rPr lang="en-US" sz="1200" kern="1200" dirty="0" smtClean="0">
+                <a:solidFill>
+                  <a:schemeClr val="tx1"/>
+                </a:solidFill>
+                <a:latin typeface="Segoe UI" pitchFamily="34" charset="0"/>
+                <a:ea typeface="+mn-ea"/>
+                <a:cs typeface="+mn-cs"/>
+              </a:rPr>
+              <a:t> </a:t>
+            </a:r>
+            <a:r>
+              <a:rPr lang="en-US" sz="1200" kern="1200" dirty="0" err="1" smtClean="0">
+                <a:solidFill>
+                  <a:schemeClr val="tx1"/>
+                </a:solidFill>
+                <a:latin typeface="Segoe UI" pitchFamily="34" charset="0"/>
+                <a:ea typeface="+mn-ea"/>
+                <a:cs typeface="+mn-cs"/>
+              </a:rPr>
+              <a:t>hàng</a:t>
+            </a:r>
+            <a:r>
+              <a:rPr lang="en-US" sz="1200" kern="1200" dirty="0" smtClean="0">
+                <a:solidFill>
+                  <a:schemeClr val="tx1"/>
+                </a:solidFill>
+                <a:latin typeface="Segoe UI" pitchFamily="34" charset="0"/>
+                <a:ea typeface="+mn-ea"/>
+                <a:cs typeface="+mn-cs"/>
+              </a:rPr>
+              <a:t> </a:t>
+            </a:r>
+            <a:r>
+              <a:rPr lang="en-US" sz="1200" kern="1200" dirty="0" err="1" smtClean="0">
+                <a:solidFill>
+                  <a:schemeClr val="tx1"/>
+                </a:solidFill>
+                <a:latin typeface="Segoe UI" pitchFamily="34" charset="0"/>
+                <a:ea typeface="+mn-ea"/>
+                <a:cs typeface="+mn-cs"/>
+              </a:rPr>
+              <a:t>tốt</a:t>
+            </a:r>
+            <a:r>
+              <a:rPr lang="en-US" sz="1200" kern="1200" dirty="0" smtClean="0">
+                <a:solidFill>
+                  <a:schemeClr val="tx1"/>
+                </a:solidFill>
+                <a:latin typeface="Segoe UI" pitchFamily="34" charset="0"/>
+                <a:ea typeface="+mn-ea"/>
+                <a:cs typeface="+mn-cs"/>
+              </a:rPr>
+              <a:t> </a:t>
+            </a:r>
+            <a:r>
+              <a:rPr lang="en-US" sz="1200" kern="1200" dirty="0" err="1" smtClean="0">
+                <a:solidFill>
+                  <a:schemeClr val="tx1"/>
+                </a:solidFill>
+                <a:latin typeface="Segoe UI" pitchFamily="34" charset="0"/>
+                <a:ea typeface="+mn-ea"/>
+                <a:cs typeface="+mn-cs"/>
+              </a:rPr>
+              <a:t>hơn</a:t>
+            </a:r>
+            <a:r>
+              <a:rPr lang="en-US" sz="1200" kern="1200" dirty="0" smtClean="0">
+                <a:solidFill>
+                  <a:schemeClr val="tx1"/>
+                </a:solidFill>
+                <a:latin typeface="Segoe UI" pitchFamily="34" charset="0"/>
+                <a:ea typeface="+mn-ea"/>
+                <a:cs typeface="+mn-cs"/>
+              </a:rPr>
+              <a:t>.</a:t>
+            </a:r>
+          </a:p>
+          <a:p>
+            <a:pPr lvl="0"/>
+            <a:r>
+              <a:rPr lang="en-US" sz="1200" kern="1200" dirty="0" err="1" smtClean="0">
+                <a:solidFill>
+                  <a:schemeClr val="tx1"/>
+                </a:solidFill>
+                <a:latin typeface="Segoe UI" pitchFamily="34" charset="0"/>
+                <a:ea typeface="+mn-ea"/>
+                <a:cs typeface="+mn-cs"/>
+              </a:rPr>
+              <a:t>Dịch</a:t>
+            </a:r>
+            <a:r>
+              <a:rPr lang="en-US" sz="1200" kern="1200" dirty="0" smtClean="0">
+                <a:solidFill>
+                  <a:schemeClr val="tx1"/>
+                </a:solidFill>
+                <a:latin typeface="Segoe UI" pitchFamily="34" charset="0"/>
+                <a:ea typeface="+mn-ea"/>
+                <a:cs typeface="+mn-cs"/>
+              </a:rPr>
+              <a:t> </a:t>
+            </a:r>
+            <a:r>
+              <a:rPr lang="en-US" sz="1200" kern="1200" dirty="0" err="1" smtClean="0">
+                <a:solidFill>
+                  <a:schemeClr val="tx1"/>
+                </a:solidFill>
+                <a:latin typeface="Segoe UI" pitchFamily="34" charset="0"/>
+                <a:ea typeface="+mn-ea"/>
+                <a:cs typeface="+mn-cs"/>
+              </a:rPr>
+              <a:t>vụ</a:t>
+            </a:r>
+            <a:r>
+              <a:rPr lang="en-US" sz="1200" kern="1200" dirty="0" smtClean="0">
+                <a:solidFill>
+                  <a:schemeClr val="tx1"/>
+                </a:solidFill>
+                <a:latin typeface="Segoe UI" pitchFamily="34" charset="0"/>
+                <a:ea typeface="+mn-ea"/>
+                <a:cs typeface="+mn-cs"/>
+              </a:rPr>
+              <a:t> </a:t>
+            </a:r>
+            <a:r>
+              <a:rPr lang="en-US" sz="1200" kern="1200" dirty="0" err="1" smtClean="0">
+                <a:solidFill>
+                  <a:schemeClr val="tx1"/>
+                </a:solidFill>
+                <a:latin typeface="Segoe UI" pitchFamily="34" charset="0"/>
+                <a:ea typeface="+mn-ea"/>
+                <a:cs typeface="+mn-cs"/>
+              </a:rPr>
+              <a:t>hội</a:t>
+            </a:r>
+            <a:r>
+              <a:rPr lang="en-US" sz="1200" kern="1200" dirty="0" smtClean="0">
+                <a:solidFill>
+                  <a:schemeClr val="tx1"/>
+                </a:solidFill>
+                <a:latin typeface="Segoe UI" pitchFamily="34" charset="0"/>
+                <a:ea typeface="+mn-ea"/>
+                <a:cs typeface="+mn-cs"/>
+              </a:rPr>
+              <a:t> </a:t>
+            </a:r>
+            <a:r>
+              <a:rPr lang="en-US" sz="1200" kern="1200" dirty="0" err="1" smtClean="0">
+                <a:solidFill>
+                  <a:schemeClr val="tx1"/>
+                </a:solidFill>
+                <a:latin typeface="Segoe UI" pitchFamily="34" charset="0"/>
+                <a:ea typeface="+mn-ea"/>
+                <a:cs typeface="+mn-cs"/>
+              </a:rPr>
+              <a:t>thảo</a:t>
+            </a:r>
+            <a:r>
+              <a:rPr lang="en-US" sz="1200" kern="1200" dirty="0" smtClean="0">
+                <a:solidFill>
+                  <a:schemeClr val="tx1"/>
+                </a:solidFill>
+                <a:latin typeface="Segoe UI" pitchFamily="34" charset="0"/>
+                <a:ea typeface="+mn-ea"/>
+                <a:cs typeface="+mn-cs"/>
+              </a:rPr>
+              <a:t> </a:t>
+            </a:r>
+            <a:r>
+              <a:rPr lang="en-US" sz="1200" kern="1200" dirty="0" err="1" smtClean="0">
+                <a:solidFill>
+                  <a:schemeClr val="tx1"/>
+                </a:solidFill>
+                <a:latin typeface="Segoe UI" pitchFamily="34" charset="0"/>
+                <a:ea typeface="+mn-ea"/>
+                <a:cs typeface="+mn-cs"/>
+              </a:rPr>
+              <a:t>trực</a:t>
+            </a:r>
+            <a:r>
+              <a:rPr lang="en-US" sz="1200" kern="1200" dirty="0" smtClean="0">
+                <a:solidFill>
+                  <a:schemeClr val="tx1"/>
+                </a:solidFill>
+                <a:latin typeface="Segoe UI" pitchFamily="34" charset="0"/>
+                <a:ea typeface="+mn-ea"/>
+                <a:cs typeface="+mn-cs"/>
+              </a:rPr>
+              <a:t> </a:t>
+            </a:r>
+            <a:r>
+              <a:rPr lang="en-US" sz="1200" kern="1200" dirty="0" err="1" smtClean="0">
+                <a:solidFill>
+                  <a:schemeClr val="tx1"/>
+                </a:solidFill>
+                <a:latin typeface="Segoe UI" pitchFamily="34" charset="0"/>
+                <a:ea typeface="+mn-ea"/>
+                <a:cs typeface="+mn-cs"/>
+              </a:rPr>
+              <a:t>tuyến</a:t>
+            </a:r>
+            <a:r>
+              <a:rPr lang="en-US" sz="1200" kern="1200" dirty="0" smtClean="0">
+                <a:solidFill>
+                  <a:schemeClr val="tx1"/>
+                </a:solidFill>
+                <a:latin typeface="Segoe UI" pitchFamily="34" charset="0"/>
+                <a:ea typeface="+mn-ea"/>
+                <a:cs typeface="+mn-cs"/>
+              </a:rPr>
+              <a:t> ( Video Conferencing ) </a:t>
+            </a:r>
+          </a:p>
+          <a:p>
+            <a:pPr lvl="0"/>
+            <a:r>
+              <a:rPr lang="en-US" sz="1200" kern="1200" dirty="0" err="1" smtClean="0">
+                <a:solidFill>
+                  <a:schemeClr val="tx1"/>
+                </a:solidFill>
+                <a:latin typeface="Segoe UI" pitchFamily="34" charset="0"/>
+                <a:ea typeface="+mn-ea"/>
+                <a:cs typeface="+mn-cs"/>
+              </a:rPr>
+              <a:t>Kế</a:t>
+            </a:r>
+            <a:r>
+              <a:rPr lang="en-US" sz="1200" kern="1200" dirty="0" smtClean="0">
+                <a:solidFill>
+                  <a:schemeClr val="tx1"/>
+                </a:solidFill>
+                <a:latin typeface="Segoe UI" pitchFamily="34" charset="0"/>
+                <a:ea typeface="+mn-ea"/>
+                <a:cs typeface="+mn-cs"/>
+              </a:rPr>
+              <a:t> </a:t>
+            </a:r>
+            <a:r>
+              <a:rPr lang="en-US" sz="1200" kern="1200" dirty="0" err="1" smtClean="0">
+                <a:solidFill>
+                  <a:schemeClr val="tx1"/>
+                </a:solidFill>
+                <a:latin typeface="Segoe UI" pitchFamily="34" charset="0"/>
+                <a:ea typeface="+mn-ea"/>
+                <a:cs typeface="+mn-cs"/>
+              </a:rPr>
+              <a:t>toán</a:t>
+            </a:r>
+            <a:r>
+              <a:rPr lang="en-US" sz="1200" kern="1200" dirty="0" smtClean="0">
+                <a:solidFill>
+                  <a:schemeClr val="tx1"/>
+                </a:solidFill>
+                <a:latin typeface="Segoe UI" pitchFamily="34" charset="0"/>
+                <a:ea typeface="+mn-ea"/>
+                <a:cs typeface="+mn-cs"/>
+              </a:rPr>
+              <a:t> </a:t>
+            </a:r>
+          </a:p>
+          <a:p>
+            <a:endParaRPr lang="en-US" sz="1200" b="0" i="0" kern="1200" dirty="0" smtClean="0">
+              <a:solidFill>
+                <a:schemeClr val="tx1"/>
+              </a:solidFill>
+              <a:latin typeface="Segoe UI" pitchFamily="34" charset="0"/>
+              <a:ea typeface="+mn-ea"/>
+              <a:cs typeface="+mn-cs"/>
+            </a:endParaRPr>
+          </a:p>
+          <a:p>
+            <a:endParaRPr lang="en-US" baseline="0" dirty="0" smtClean="0"/>
+          </a:p>
+          <a:p>
+            <a:endParaRPr lang="en-US" baseline="0" dirty="0" smtClean="0"/>
+          </a:p>
+          <a:p>
+            <a:endParaRPr lang="en-US" dirty="0"/>
           </a:p>
         </p:txBody>
       </p:sp>
@@ -1831,7 +5427,7 @@
     </p:spTree>
     <p:extLst>
       <p:ext uri="{BB962C8B-B14F-4D97-AF65-F5344CB8AC3E}">
-        <p14:creationId xmlns="" xmlns:p14="http://schemas.microsoft.com/office/powerpoint/2010/main" val="4231630105"/>
+        <p14:creationId xmlns:p14="http://schemas.microsoft.com/office/powerpoint/2010/main" xmlns="" val="4231630105"/>
       </p:ext>
     </p:extLst>
   </p:cSld>
@@ -1916,7 +5512,7 @@
     </p:spTree>
     <p:extLst>
       <p:ext uri="{BB962C8B-B14F-4D97-AF65-F5344CB8AC3E}">
-        <p14:creationId xmlns="" xmlns:p14="http://schemas.microsoft.com/office/powerpoint/2010/main" val="3834132863"/>
+        <p14:creationId xmlns:p14="http://schemas.microsoft.com/office/powerpoint/2010/main" xmlns="" val="3834132863"/>
       </p:ext>
     </p:extLst>
   </p:cSld>
@@ -1936,7 +5532,7 @@
             <a:lum/>
             <a:extLst>
               <a:ext uri="{28A0092B-C50C-407E-A947-70E740481C1C}">
-                <a14:useLocalDpi xmlns="" xmlns:a14="http://schemas.microsoft.com/office/drawing/2010/main" val="0"/>
+                <a14:useLocalDpi xmlns:a14="http://schemas.microsoft.com/office/drawing/2010/main" xmlns="" val="0"/>
               </a:ext>
             </a:extLst>
           </a:blip>
@@ -2144,7 +5740,7 @@
     </p:spTree>
     <p:extLst>
       <p:ext uri="{BB962C8B-B14F-4D97-AF65-F5344CB8AC3E}">
-        <p14:creationId xmlns="" xmlns:p14="http://schemas.microsoft.com/office/powerpoint/2010/main" val="3247851305"/>
+        <p14:creationId xmlns:p14="http://schemas.microsoft.com/office/powerpoint/2010/main" xmlns="" val="3247851305"/>
       </p:ext>
     </p:extLst>
   </p:cSld>
@@ -2295,7 +5891,7 @@
     </p:spTree>
     <p:extLst>
       <p:ext uri="{BB962C8B-B14F-4D97-AF65-F5344CB8AC3E}">
-        <p14:creationId xmlns="" xmlns:p14="http://schemas.microsoft.com/office/powerpoint/2010/main" val="1020099824"/>
+        <p14:creationId xmlns:p14="http://schemas.microsoft.com/office/powerpoint/2010/main" xmlns="" val="1020099824"/>
       </p:ext>
     </p:extLst>
   </p:cSld>
@@ -2561,7 +6157,7 @@
     </p:spTree>
     <p:extLst>
       <p:ext uri="{BB962C8B-B14F-4D97-AF65-F5344CB8AC3E}">
-        <p14:creationId xmlns="" xmlns:p14="http://schemas.microsoft.com/office/powerpoint/2010/main" val="3061710331"/>
+        <p14:creationId xmlns:p14="http://schemas.microsoft.com/office/powerpoint/2010/main" xmlns="" val="3061710331"/>
       </p:ext>
     </p:extLst>
   </p:cSld>
@@ -2630,7 +6226,7 @@
     </p:spTree>
     <p:extLst>
       <p:ext uri="{BB962C8B-B14F-4D97-AF65-F5344CB8AC3E}">
-        <p14:creationId xmlns="" xmlns:p14="http://schemas.microsoft.com/office/powerpoint/2010/main" val="1815284288"/>
+        <p14:creationId xmlns:p14="http://schemas.microsoft.com/office/powerpoint/2010/main" xmlns="" val="1815284288"/>
       </p:ext>
     </p:extLst>
   </p:cSld>
@@ -2704,7 +6300,7 @@
     </p:spTree>
     <p:extLst>
       <p:ext uri="{BB962C8B-B14F-4D97-AF65-F5344CB8AC3E}">
-        <p14:creationId xmlns="" xmlns:p14="http://schemas.microsoft.com/office/powerpoint/2010/main" val="2909031574"/>
+        <p14:creationId xmlns:p14="http://schemas.microsoft.com/office/powerpoint/2010/main" xmlns="" val="2909031574"/>
       </p:ext>
     </p:extLst>
   </p:cSld>
@@ -2993,7 +6589,7 @@
     </p:spTree>
     <p:extLst>
       <p:ext uri="{BB962C8B-B14F-4D97-AF65-F5344CB8AC3E}">
-        <p14:creationId xmlns="" xmlns:p14="http://schemas.microsoft.com/office/powerpoint/2010/main" val="517179932"/>
+        <p14:creationId xmlns:p14="http://schemas.microsoft.com/office/powerpoint/2010/main" xmlns="" val="517179932"/>
       </p:ext>
     </p:extLst>
   </p:cSld>
@@ -3033,7 +6629,7 @@
     </p:spTree>
     <p:extLst>
       <p:ext uri="{BB962C8B-B14F-4D97-AF65-F5344CB8AC3E}">
-        <p14:creationId xmlns="" xmlns:p14="http://schemas.microsoft.com/office/powerpoint/2010/main" val="1461056470"/>
+        <p14:creationId xmlns:p14="http://schemas.microsoft.com/office/powerpoint/2010/main" xmlns="" val="1461056470"/>
       </p:ext>
     </p:extLst>
   </p:cSld>
@@ -3476,7 +7072,7 @@
     </p:spTree>
     <p:extLst>
       <p:ext uri="{BB962C8B-B14F-4D97-AF65-F5344CB8AC3E}">
-        <p14:creationId xmlns="" xmlns:p14="http://schemas.microsoft.com/office/powerpoint/2010/main" val="3842700467"/>
+        <p14:creationId xmlns:p14="http://schemas.microsoft.com/office/powerpoint/2010/main" xmlns="" val="3842700467"/>
       </p:ext>
     </p:extLst>
   </p:cSld>
@@ -3505,7 +7101,7 @@
           <a:blip r:embed="rId11">
             <a:extLst>
               <a:ext uri="{28A0092B-C50C-407E-A947-70E740481C1C}">
-                <a14:useLocalDpi xmlns="" xmlns:a14="http://schemas.microsoft.com/office/drawing/2010/main" val="0"/>
+                <a14:useLocalDpi xmlns:a14="http://schemas.microsoft.com/office/drawing/2010/main" xmlns="" val="0"/>
               </a:ext>
             </a:extLst>
           </a:blip>
@@ -3629,7 +7225,7 @@
     </p:spTree>
     <p:extLst>
       <p:ext uri="{BB962C8B-B14F-4D97-AF65-F5344CB8AC3E}">
-        <p14:creationId xmlns="" xmlns:p14="http://schemas.microsoft.com/office/powerpoint/2010/main" val="1605506760"/>
+        <p14:creationId xmlns:p14="http://schemas.microsoft.com/office/powerpoint/2010/main" xmlns="" val="1605506760"/>
       </p:ext>
     </p:extLst>
   </p:cSld>
@@ -4115,7 +7711,7 @@
           <a:blip r:embed="rId3">
             <a:extLst>
               <a:ext uri="{28A0092B-C50C-407E-A947-70E740481C1C}">
-                <a14:useLocalDpi xmlns="" xmlns:a14="http://schemas.microsoft.com/office/drawing/2010/main" val="0"/>
+                <a14:useLocalDpi xmlns:a14="http://schemas.microsoft.com/office/drawing/2010/main" xmlns="" val="0"/>
               </a:ext>
             </a:extLst>
           </a:blip>
@@ -4135,7 +7731,7 @@
           <a:noFill/>
           <a:extLst>
             <a:ext uri="{909E8E84-426E-40DD-AFC4-6F175D3DCCD1}">
-              <a14:hiddenFill xmlns="" xmlns:a14="http://schemas.microsoft.com/office/drawing/2010/main">
+              <a14:hiddenFill xmlns:a14="http://schemas.microsoft.com/office/drawing/2010/main" xmlns="">
                 <a:solidFill>
                   <a:srgbClr val="FFFFFF"/>
                 </a:solidFill>
@@ -4147,7 +7743,7 @@
     </p:spTree>
     <p:extLst>
       <p:ext uri="{BB962C8B-B14F-4D97-AF65-F5344CB8AC3E}">
-        <p14:creationId xmlns="" xmlns:p14="http://schemas.microsoft.com/office/powerpoint/2010/main" val="3137854148"/>
+        <p14:creationId xmlns:p14="http://schemas.microsoft.com/office/powerpoint/2010/main" xmlns="" val="3137854148"/>
       </p:ext>
     </p:extLst>
   </p:cSld>
@@ -4155,7 +7751,7 @@
     <a:masterClrMapping/>
   </p:clrMapOvr>
   <mc:AlternateContent xmlns:mc="http://schemas.openxmlformats.org/markup-compatibility/2006">
-    <mc:Choice xmlns="" xmlns:p14="http://schemas.microsoft.com/office/powerpoint/2010/main" Requires="p14">
+    <mc:Choice xmlns:p14="http://schemas.microsoft.com/office/powerpoint/2010/main" xmlns="" Requires="p14">
       <p:transition spd="med" p14:dur="700">
         <p:fade/>
       </p:transition>
@@ -9880,7 +13476,7 @@
             <a:lstStyle/>
             <a:p>
               <a:r>
-                <a:rPr lang="en-US" smtClean="0">
+                <a:rPr lang="en-US" dirty="0" err="1" smtClean="0">
                   <a:gradFill>
                     <a:gsLst>
                       <a:gs pos="0">
@@ -9900,9 +13496,193 @@
                     </a:outerShdw>
                   </a:effectLst>
                 </a:rPr>
-                <a:t>Quản lý danh mục</a:t>
+                <a:t>Quản</a:t>
               </a:r>
-              <a:endParaRPr lang="en-US" dirty="0" err="1" smtClean="0">
+              <a:r>
+                <a:rPr lang="en-US" dirty="0" smtClean="0">
+                  <a:gradFill>
+                    <a:gsLst>
+                      <a:gs pos="0">
+                        <a:schemeClr val="tx1"/>
+                      </a:gs>
+                      <a:gs pos="86000">
+                        <a:schemeClr val="tx1"/>
+                      </a:gs>
+                    </a:gsLst>
+                    <a:lin ang="5400000" scaled="0"/>
+                  </a:gradFill>
+                  <a:effectLst>
+                    <a:outerShdw blurRad="63500" algn="ctr" rotWithShape="0">
+                      <a:schemeClr val="tx1">
+                        <a:alpha val="60000"/>
+                      </a:schemeClr>
+                    </a:outerShdw>
+                  </a:effectLst>
+                </a:rPr>
+                <a:t> </a:t>
+              </a:r>
+              <a:r>
+                <a:rPr lang="en-US" dirty="0" err="1" smtClean="0">
+                  <a:gradFill>
+                    <a:gsLst>
+                      <a:gs pos="0">
+                        <a:schemeClr val="tx1"/>
+                      </a:gs>
+                      <a:gs pos="86000">
+                        <a:schemeClr val="tx1"/>
+                      </a:gs>
+                    </a:gsLst>
+                    <a:lin ang="5400000" scaled="0"/>
+                  </a:gradFill>
+                  <a:effectLst>
+                    <a:outerShdw blurRad="63500" algn="ctr" rotWithShape="0">
+                      <a:schemeClr val="tx1">
+                        <a:alpha val="60000"/>
+                      </a:schemeClr>
+                    </a:outerShdw>
+                  </a:effectLst>
+                </a:rPr>
+                <a:t>lý</a:t>
+              </a:r>
+              <a:r>
+                <a:rPr lang="en-US" dirty="0" smtClean="0">
+                  <a:gradFill>
+                    <a:gsLst>
+                      <a:gs pos="0">
+                        <a:schemeClr val="tx1"/>
+                      </a:gs>
+                      <a:gs pos="86000">
+                        <a:schemeClr val="tx1"/>
+                      </a:gs>
+                    </a:gsLst>
+                    <a:lin ang="5400000" scaled="0"/>
+                  </a:gradFill>
+                  <a:effectLst>
+                    <a:outerShdw blurRad="63500" algn="ctr" rotWithShape="0">
+                      <a:schemeClr val="tx1">
+                        <a:alpha val="60000"/>
+                      </a:schemeClr>
+                    </a:outerShdw>
+                  </a:effectLst>
+                </a:rPr>
+                <a:t> </a:t>
+              </a:r>
+              <a:r>
+                <a:rPr lang="en-US" dirty="0" err="1" smtClean="0">
+                  <a:gradFill>
+                    <a:gsLst>
+                      <a:gs pos="0">
+                        <a:schemeClr val="tx1"/>
+                      </a:gs>
+                      <a:gs pos="86000">
+                        <a:schemeClr val="tx1"/>
+                      </a:gs>
+                    </a:gsLst>
+                    <a:lin ang="5400000" scaled="0"/>
+                  </a:gradFill>
+                  <a:effectLst>
+                    <a:outerShdw blurRad="63500" algn="ctr" rotWithShape="0">
+                      <a:schemeClr val="tx1">
+                        <a:alpha val="60000"/>
+                      </a:schemeClr>
+                    </a:outerShdw>
+                  </a:effectLst>
+                </a:rPr>
+                <a:t>thông</a:t>
+              </a:r>
+              <a:r>
+                <a:rPr lang="en-US" dirty="0" smtClean="0">
+                  <a:gradFill>
+                    <a:gsLst>
+                      <a:gs pos="0">
+                        <a:schemeClr val="tx1"/>
+                      </a:gs>
+                      <a:gs pos="86000">
+                        <a:schemeClr val="tx1"/>
+                      </a:gs>
+                    </a:gsLst>
+                    <a:lin ang="5400000" scaled="0"/>
+                  </a:gradFill>
+                  <a:effectLst>
+                    <a:outerShdw blurRad="63500" algn="ctr" rotWithShape="0">
+                      <a:schemeClr val="tx1">
+                        <a:alpha val="60000"/>
+                      </a:schemeClr>
+                    </a:outerShdw>
+                  </a:effectLst>
+                </a:rPr>
+                <a:t> tin </a:t>
+              </a:r>
+              <a:r>
+                <a:rPr lang="en-US" dirty="0" err="1" smtClean="0">
+                  <a:gradFill>
+                    <a:gsLst>
+                      <a:gs pos="0">
+                        <a:schemeClr val="tx1"/>
+                      </a:gs>
+                      <a:gs pos="86000">
+                        <a:schemeClr val="tx1"/>
+                      </a:gs>
+                    </a:gsLst>
+                    <a:lin ang="5400000" scaled="0"/>
+                  </a:gradFill>
+                  <a:effectLst>
+                    <a:outerShdw blurRad="63500" algn="ctr" rotWithShape="0">
+                      <a:schemeClr val="tx1">
+                        <a:alpha val="60000"/>
+                      </a:schemeClr>
+                    </a:outerShdw>
+                  </a:effectLst>
+                </a:rPr>
+                <a:t>học</a:t>
+              </a:r>
+              <a:r>
+                <a:rPr lang="en-US" dirty="0" smtClean="0">
+                  <a:gradFill>
+                    <a:gsLst>
+                      <a:gs pos="0">
+                        <a:schemeClr val="tx1"/>
+                      </a:gs>
+                      <a:gs pos="86000">
+                        <a:schemeClr val="tx1"/>
+                      </a:gs>
+                    </a:gsLst>
+                    <a:lin ang="5400000" scaled="0"/>
+                  </a:gradFill>
+                  <a:effectLst>
+                    <a:outerShdw blurRad="63500" algn="ctr" rotWithShape="0">
+                      <a:schemeClr val="tx1">
+                        <a:alpha val="60000"/>
+                      </a:schemeClr>
+                    </a:outerShdw>
+                  </a:effectLst>
+                </a:rPr>
+                <a:t> </a:t>
+              </a:r>
+              <a:r>
+                <a:rPr lang="en-US" dirty="0" err="1" smtClean="0">
+                  <a:gradFill>
+                    <a:gsLst>
+                      <a:gs pos="0">
+                        <a:schemeClr val="tx1"/>
+                      </a:gs>
+                      <a:gs pos="86000">
+                        <a:schemeClr val="tx1"/>
+                      </a:gs>
+                    </a:gsLst>
+                    <a:lin ang="5400000" scaled="0"/>
+                  </a:gradFill>
+                  <a:effectLst>
+                    <a:outerShdw blurRad="63500" algn="ctr" rotWithShape="0">
+                      <a:schemeClr val="tx1">
+                        <a:alpha val="60000"/>
+                      </a:schemeClr>
+                    </a:outerShdw>
+                  </a:effectLst>
+                </a:rPr>
+                <a:t>sinh</a:t>
+              </a:r>
+              <a:endParaRPr lang="en-US" dirty="0" smtClean="0">
                 <a:gradFill>
                   <a:gsLst>
                     <a:gs pos="0">
@@ -10049,9 +13829,9 @@
         <p:grpSpPr>
           <a:xfrm>
             <a:off x="836612" y="2667000"/>
-            <a:ext cx="6477000" cy="609600"/>
+            <a:ext cx="7086600" cy="609600"/>
             <a:chOff x="836612" y="2895600"/>
-            <a:chExt cx="6477000" cy="609600"/>
+            <a:chExt cx="7086600" cy="609600"/>
           </a:xfrm>
         </p:grpSpPr>
         <p:sp>
@@ -10063,7 +13843,7 @@
           <p:spPr>
             <a:xfrm>
               <a:off x="2360612" y="3048000"/>
-              <a:ext cx="4953000" cy="369332"/>
+              <a:ext cx="5562600" cy="369332"/>
             </a:xfrm>
             <a:prstGeom prst="rect">
               <a:avLst/>
@@ -10077,7 +13857,7 @@
             <a:lstStyle/>
             <a:p>
               <a:r>
-                <a:rPr lang="en-US" smtClean="0">
+                <a:rPr lang="en-US" dirty="0" err="1" smtClean="0">
                   <a:gradFill>
                     <a:gsLst>
                       <a:gs pos="0">
@@ -10097,9 +13877,285 @@
                     </a:outerShdw>
                   </a:effectLst>
                 </a:rPr>
-                <a:t>Quản lý thông tin học sinh</a:t>
+                <a:t>Quản</a:t>
               </a:r>
-              <a:endParaRPr lang="en-US" dirty="0" err="1" smtClean="0">
+              <a:r>
+                <a:rPr lang="en-US" dirty="0" smtClean="0">
+                  <a:gradFill>
+                    <a:gsLst>
+                      <a:gs pos="0">
+                        <a:schemeClr val="tx1"/>
+                      </a:gs>
+                      <a:gs pos="86000">
+                        <a:schemeClr val="tx1"/>
+                      </a:gs>
+                    </a:gsLst>
+                    <a:lin ang="5400000" scaled="0"/>
+                  </a:gradFill>
+                  <a:effectLst>
+                    <a:outerShdw blurRad="63500" algn="ctr" rotWithShape="0">
+                      <a:schemeClr val="tx1">
+                        <a:alpha val="60000"/>
+                      </a:schemeClr>
+                    </a:outerShdw>
+                  </a:effectLst>
+                </a:rPr>
+                <a:t> </a:t>
+              </a:r>
+              <a:r>
+                <a:rPr lang="en-US" dirty="0" err="1" smtClean="0">
+                  <a:gradFill>
+                    <a:gsLst>
+                      <a:gs pos="0">
+                        <a:schemeClr val="tx1"/>
+                      </a:gs>
+                      <a:gs pos="86000">
+                        <a:schemeClr val="tx1"/>
+                      </a:gs>
+                    </a:gsLst>
+                    <a:lin ang="5400000" scaled="0"/>
+                  </a:gradFill>
+                  <a:effectLst>
+                    <a:outerShdw blurRad="63500" algn="ctr" rotWithShape="0">
+                      <a:schemeClr val="tx1">
+                        <a:alpha val="60000"/>
+                      </a:schemeClr>
+                    </a:outerShdw>
+                  </a:effectLst>
+                </a:rPr>
+                <a:t>lý</a:t>
+              </a:r>
+              <a:r>
+                <a:rPr lang="en-US" dirty="0" smtClean="0">
+                  <a:gradFill>
+                    <a:gsLst>
+                      <a:gs pos="0">
+                        <a:schemeClr val="tx1"/>
+                      </a:gs>
+                      <a:gs pos="86000">
+                        <a:schemeClr val="tx1"/>
+                      </a:gs>
+                    </a:gsLst>
+                    <a:lin ang="5400000" scaled="0"/>
+                  </a:gradFill>
+                  <a:effectLst>
+                    <a:outerShdw blurRad="63500" algn="ctr" rotWithShape="0">
+                      <a:schemeClr val="tx1">
+                        <a:alpha val="60000"/>
+                      </a:schemeClr>
+                    </a:outerShdw>
+                  </a:effectLst>
+                </a:rPr>
+                <a:t> </a:t>
+              </a:r>
+              <a:r>
+                <a:rPr lang="en-US" dirty="0" err="1" smtClean="0">
+                  <a:gradFill>
+                    <a:gsLst>
+                      <a:gs pos="0">
+                        <a:schemeClr val="tx1"/>
+                      </a:gs>
+                      <a:gs pos="86000">
+                        <a:schemeClr val="tx1"/>
+                      </a:gs>
+                    </a:gsLst>
+                    <a:lin ang="5400000" scaled="0"/>
+                  </a:gradFill>
+                  <a:effectLst>
+                    <a:outerShdw blurRad="63500" algn="ctr" rotWithShape="0">
+                      <a:schemeClr val="tx1">
+                        <a:alpha val="60000"/>
+                      </a:schemeClr>
+                    </a:outerShdw>
+                  </a:effectLst>
+                </a:rPr>
+                <a:t>thông</a:t>
+              </a:r>
+              <a:r>
+                <a:rPr lang="en-US" dirty="0" smtClean="0">
+                  <a:gradFill>
+                    <a:gsLst>
+                      <a:gs pos="0">
+                        <a:schemeClr val="tx1"/>
+                      </a:gs>
+                      <a:gs pos="86000">
+                        <a:schemeClr val="tx1"/>
+                      </a:gs>
+                    </a:gsLst>
+                    <a:lin ang="5400000" scaled="0"/>
+                  </a:gradFill>
+                  <a:effectLst>
+                    <a:outerShdw blurRad="63500" algn="ctr" rotWithShape="0">
+                      <a:schemeClr val="tx1">
+                        <a:alpha val="60000"/>
+                      </a:schemeClr>
+                    </a:outerShdw>
+                  </a:effectLst>
+                </a:rPr>
+                <a:t> </a:t>
+              </a:r>
+              <a:r>
+                <a:rPr lang="en-US" dirty="0" err="1" smtClean="0">
+                  <a:gradFill>
+                    <a:gsLst>
+                      <a:gs pos="0">
+                        <a:schemeClr val="tx1"/>
+                      </a:gs>
+                      <a:gs pos="86000">
+                        <a:schemeClr val="tx1"/>
+                      </a:gs>
+                    </a:gsLst>
+                    <a:lin ang="5400000" scaled="0"/>
+                  </a:gradFill>
+                  <a:effectLst>
+                    <a:outerShdw blurRad="63500" algn="ctr" rotWithShape="0">
+                      <a:schemeClr val="tx1">
+                        <a:alpha val="60000"/>
+                      </a:schemeClr>
+                    </a:outerShdw>
+                  </a:effectLst>
+                </a:rPr>
+                <a:t>báo</a:t>
+              </a:r>
+              <a:r>
+                <a:rPr lang="en-US" dirty="0" smtClean="0">
+                  <a:gradFill>
+                    <a:gsLst>
+                      <a:gs pos="0">
+                        <a:schemeClr val="tx1"/>
+                      </a:gs>
+                      <a:gs pos="86000">
+                        <a:schemeClr val="tx1"/>
+                      </a:gs>
+                    </a:gsLst>
+                    <a:lin ang="5400000" scaled="0"/>
+                  </a:gradFill>
+                  <a:effectLst>
+                    <a:outerShdw blurRad="63500" algn="ctr" rotWithShape="0">
+                      <a:schemeClr val="tx1">
+                        <a:alpha val="60000"/>
+                      </a:schemeClr>
+                    </a:outerShdw>
+                  </a:effectLst>
+                </a:rPr>
+                <a:t> </a:t>
+              </a:r>
+              <a:r>
+                <a:rPr lang="en-US" dirty="0" err="1" smtClean="0">
+                  <a:gradFill>
+                    <a:gsLst>
+                      <a:gs pos="0">
+                        <a:schemeClr val="tx1"/>
+                      </a:gs>
+                      <a:gs pos="86000">
+                        <a:schemeClr val="tx1"/>
+                      </a:gs>
+                    </a:gsLst>
+                    <a:lin ang="5400000" scaled="0"/>
+                  </a:gradFill>
+                  <a:effectLst>
+                    <a:outerShdw blurRad="63500" algn="ctr" rotWithShape="0">
+                      <a:schemeClr val="tx1">
+                        <a:alpha val="60000"/>
+                      </a:schemeClr>
+                    </a:outerShdw>
+                  </a:effectLst>
+                </a:rPr>
+                <a:t>đến</a:t>
+              </a:r>
+              <a:r>
+                <a:rPr lang="en-US" dirty="0" smtClean="0">
+                  <a:gradFill>
+                    <a:gsLst>
+                      <a:gs pos="0">
+                        <a:schemeClr val="tx1"/>
+                      </a:gs>
+                      <a:gs pos="86000">
+                        <a:schemeClr val="tx1"/>
+                      </a:gs>
+                    </a:gsLst>
+                    <a:lin ang="5400000" scaled="0"/>
+                  </a:gradFill>
+                  <a:effectLst>
+                    <a:outerShdw blurRad="63500" algn="ctr" rotWithShape="0">
+                      <a:schemeClr val="tx1">
+                        <a:alpha val="60000"/>
+                      </a:schemeClr>
+                    </a:outerShdw>
+                  </a:effectLst>
+                </a:rPr>
+                <a:t> </a:t>
+              </a:r>
+              <a:r>
+                <a:rPr lang="en-US" dirty="0" err="1" smtClean="0">
+                  <a:gradFill>
+                    <a:gsLst>
+                      <a:gs pos="0">
+                        <a:schemeClr val="tx1"/>
+                      </a:gs>
+                      <a:gs pos="86000">
+                        <a:schemeClr val="tx1"/>
+                      </a:gs>
+                    </a:gsLst>
+                    <a:lin ang="5400000" scaled="0"/>
+                  </a:gradFill>
+                  <a:effectLst>
+                    <a:outerShdw blurRad="63500" algn="ctr" rotWithShape="0">
+                      <a:schemeClr val="tx1">
+                        <a:alpha val="60000"/>
+                      </a:schemeClr>
+                    </a:outerShdw>
+                  </a:effectLst>
+                </a:rPr>
+                <a:t>phụ</a:t>
+              </a:r>
+              <a:r>
+                <a:rPr lang="en-US" dirty="0" smtClean="0">
+                  <a:gradFill>
+                    <a:gsLst>
+                      <a:gs pos="0">
+                        <a:schemeClr val="tx1"/>
+                      </a:gs>
+                      <a:gs pos="86000">
+                        <a:schemeClr val="tx1"/>
+                      </a:gs>
+                    </a:gsLst>
+                    <a:lin ang="5400000" scaled="0"/>
+                  </a:gradFill>
+                  <a:effectLst>
+                    <a:outerShdw blurRad="63500" algn="ctr" rotWithShape="0">
+                      <a:schemeClr val="tx1">
+                        <a:alpha val="60000"/>
+                      </a:schemeClr>
+                    </a:outerShdw>
+                  </a:effectLst>
+                </a:rPr>
+                <a:t> </a:t>
+              </a:r>
+              <a:r>
+                <a:rPr lang="en-US" dirty="0" err="1" smtClean="0">
+                  <a:gradFill>
+                    <a:gsLst>
+                      <a:gs pos="0">
+                        <a:schemeClr val="tx1"/>
+                      </a:gs>
+                      <a:gs pos="86000">
+                        <a:schemeClr val="tx1"/>
+                      </a:gs>
+                    </a:gsLst>
+                    <a:lin ang="5400000" scaled="0"/>
+                  </a:gradFill>
+                  <a:effectLst>
+                    <a:outerShdw blurRad="63500" algn="ctr" rotWithShape="0">
+                      <a:schemeClr val="tx1">
+                        <a:alpha val="60000"/>
+                      </a:schemeClr>
+                    </a:outerShdw>
+                  </a:effectLst>
+                </a:rPr>
+                <a:t>huynh</a:t>
+              </a:r>
+              <a:endParaRPr lang="en-US" dirty="0" smtClean="0">
                 <a:gradFill>
                   <a:gsLst>
                     <a:gs pos="0">
@@ -10274,7 +14330,7 @@
             <a:lstStyle/>
             <a:p>
               <a:r>
-                <a:rPr lang="en-US" smtClean="0">
+                <a:rPr lang="en-US" dirty="0" err="1" smtClean="0">
                   <a:gradFill>
                     <a:gsLst>
                       <a:gs pos="0">
@@ -10294,9 +14350,239 @@
                     </a:outerShdw>
                   </a:effectLst>
                 </a:rPr>
-                <a:t>Quản lý lớp học</a:t>
+                <a:t>Quản</a:t>
               </a:r>
-              <a:endParaRPr lang="en-US" dirty="0" err="1" smtClean="0">
+              <a:r>
+                <a:rPr lang="en-US" dirty="0" smtClean="0">
+                  <a:gradFill>
+                    <a:gsLst>
+                      <a:gs pos="0">
+                        <a:schemeClr val="tx1"/>
+                      </a:gs>
+                      <a:gs pos="86000">
+                        <a:schemeClr val="tx1"/>
+                      </a:gs>
+                    </a:gsLst>
+                    <a:lin ang="5400000" scaled="0"/>
+                  </a:gradFill>
+                  <a:effectLst>
+                    <a:outerShdw blurRad="63500" algn="ctr" rotWithShape="0">
+                      <a:schemeClr val="tx1">
+                        <a:alpha val="60000"/>
+                      </a:schemeClr>
+                    </a:outerShdw>
+                  </a:effectLst>
+                </a:rPr>
+                <a:t> </a:t>
+              </a:r>
+              <a:r>
+                <a:rPr lang="en-US" dirty="0" err="1" smtClean="0">
+                  <a:gradFill>
+                    <a:gsLst>
+                      <a:gs pos="0">
+                        <a:schemeClr val="tx1"/>
+                      </a:gs>
+                      <a:gs pos="86000">
+                        <a:schemeClr val="tx1"/>
+                      </a:gs>
+                    </a:gsLst>
+                    <a:lin ang="5400000" scaled="0"/>
+                  </a:gradFill>
+                  <a:effectLst>
+                    <a:outerShdw blurRad="63500" algn="ctr" rotWithShape="0">
+                      <a:schemeClr val="tx1">
+                        <a:alpha val="60000"/>
+                      </a:schemeClr>
+                    </a:outerShdw>
+                  </a:effectLst>
+                </a:rPr>
+                <a:t>lý</a:t>
+              </a:r>
+              <a:r>
+                <a:rPr lang="en-US" dirty="0" smtClean="0">
+                  <a:gradFill>
+                    <a:gsLst>
+                      <a:gs pos="0">
+                        <a:schemeClr val="tx1"/>
+                      </a:gs>
+                      <a:gs pos="86000">
+                        <a:schemeClr val="tx1"/>
+                      </a:gs>
+                    </a:gsLst>
+                    <a:lin ang="5400000" scaled="0"/>
+                  </a:gradFill>
+                  <a:effectLst>
+                    <a:outerShdw blurRad="63500" algn="ctr" rotWithShape="0">
+                      <a:schemeClr val="tx1">
+                        <a:alpha val="60000"/>
+                      </a:schemeClr>
+                    </a:outerShdw>
+                  </a:effectLst>
+                </a:rPr>
+                <a:t> </a:t>
+              </a:r>
+              <a:r>
+                <a:rPr lang="en-US" dirty="0" err="1" smtClean="0">
+                  <a:gradFill>
+                    <a:gsLst>
+                      <a:gs pos="0">
+                        <a:schemeClr val="tx1"/>
+                      </a:gs>
+                      <a:gs pos="86000">
+                        <a:schemeClr val="tx1"/>
+                      </a:gs>
+                    </a:gsLst>
+                    <a:lin ang="5400000" scaled="0"/>
+                  </a:gradFill>
+                  <a:effectLst>
+                    <a:outerShdw blurRad="63500" algn="ctr" rotWithShape="0">
+                      <a:schemeClr val="tx1">
+                        <a:alpha val="60000"/>
+                      </a:schemeClr>
+                    </a:outerShdw>
+                  </a:effectLst>
+                </a:rPr>
+                <a:t>góp</a:t>
+              </a:r>
+              <a:r>
+                <a:rPr lang="en-US" dirty="0" smtClean="0">
+                  <a:gradFill>
+                    <a:gsLst>
+                      <a:gs pos="0">
+                        <a:schemeClr val="tx1"/>
+                      </a:gs>
+                      <a:gs pos="86000">
+                        <a:schemeClr val="tx1"/>
+                      </a:gs>
+                    </a:gsLst>
+                    <a:lin ang="5400000" scaled="0"/>
+                  </a:gradFill>
+                  <a:effectLst>
+                    <a:outerShdw blurRad="63500" algn="ctr" rotWithShape="0">
+                      <a:schemeClr val="tx1">
+                        <a:alpha val="60000"/>
+                      </a:schemeClr>
+                    </a:outerShdw>
+                  </a:effectLst>
+                </a:rPr>
+                <a:t> ý </a:t>
+              </a:r>
+              <a:r>
+                <a:rPr lang="en-US" dirty="0" err="1" smtClean="0">
+                  <a:gradFill>
+                    <a:gsLst>
+                      <a:gs pos="0">
+                        <a:schemeClr val="tx1"/>
+                      </a:gs>
+                      <a:gs pos="86000">
+                        <a:schemeClr val="tx1"/>
+                      </a:gs>
+                    </a:gsLst>
+                    <a:lin ang="5400000" scaled="0"/>
+                  </a:gradFill>
+                  <a:effectLst>
+                    <a:outerShdw blurRad="63500" algn="ctr" rotWithShape="0">
+                      <a:schemeClr val="tx1">
+                        <a:alpha val="60000"/>
+                      </a:schemeClr>
+                    </a:outerShdw>
+                  </a:effectLst>
+                </a:rPr>
+                <a:t>của</a:t>
+              </a:r>
+              <a:r>
+                <a:rPr lang="en-US" dirty="0" smtClean="0">
+                  <a:gradFill>
+                    <a:gsLst>
+                      <a:gs pos="0">
+                        <a:schemeClr val="tx1"/>
+                      </a:gs>
+                      <a:gs pos="86000">
+                        <a:schemeClr val="tx1"/>
+                      </a:gs>
+                    </a:gsLst>
+                    <a:lin ang="5400000" scaled="0"/>
+                  </a:gradFill>
+                  <a:effectLst>
+                    <a:outerShdw blurRad="63500" algn="ctr" rotWithShape="0">
+                      <a:schemeClr val="tx1">
+                        <a:alpha val="60000"/>
+                      </a:schemeClr>
+                    </a:outerShdw>
+                  </a:effectLst>
+                </a:rPr>
+                <a:t> </a:t>
+              </a:r>
+              <a:r>
+                <a:rPr lang="en-US" dirty="0" err="1" smtClean="0">
+                  <a:gradFill>
+                    <a:gsLst>
+                      <a:gs pos="0">
+                        <a:schemeClr val="tx1"/>
+                      </a:gs>
+                      <a:gs pos="86000">
+                        <a:schemeClr val="tx1"/>
+                      </a:gs>
+                    </a:gsLst>
+                    <a:lin ang="5400000" scaled="0"/>
+                  </a:gradFill>
+                  <a:effectLst>
+                    <a:outerShdw blurRad="63500" algn="ctr" rotWithShape="0">
+                      <a:schemeClr val="tx1">
+                        <a:alpha val="60000"/>
+                      </a:schemeClr>
+                    </a:outerShdw>
+                  </a:effectLst>
+                </a:rPr>
+                <a:t>phụ</a:t>
+              </a:r>
+              <a:r>
+                <a:rPr lang="en-US" dirty="0" smtClean="0">
+                  <a:gradFill>
+                    <a:gsLst>
+                      <a:gs pos="0">
+                        <a:schemeClr val="tx1"/>
+                      </a:gs>
+                      <a:gs pos="86000">
+                        <a:schemeClr val="tx1"/>
+                      </a:gs>
+                    </a:gsLst>
+                    <a:lin ang="5400000" scaled="0"/>
+                  </a:gradFill>
+                  <a:effectLst>
+                    <a:outerShdw blurRad="63500" algn="ctr" rotWithShape="0">
+                      <a:schemeClr val="tx1">
+                        <a:alpha val="60000"/>
+                      </a:schemeClr>
+                    </a:outerShdw>
+                  </a:effectLst>
+                </a:rPr>
+                <a:t> </a:t>
+              </a:r>
+              <a:r>
+                <a:rPr lang="en-US" dirty="0" err="1" smtClean="0">
+                  <a:gradFill>
+                    <a:gsLst>
+                      <a:gs pos="0">
+                        <a:schemeClr val="tx1"/>
+                      </a:gs>
+                      <a:gs pos="86000">
+                        <a:schemeClr val="tx1"/>
+                      </a:gs>
+                    </a:gsLst>
+                    <a:lin ang="5400000" scaled="0"/>
+                  </a:gradFill>
+                  <a:effectLst>
+                    <a:outerShdw blurRad="63500" algn="ctr" rotWithShape="0">
+                      <a:schemeClr val="tx1">
+                        <a:alpha val="60000"/>
+                      </a:schemeClr>
+                    </a:outerShdw>
+                  </a:effectLst>
+                </a:rPr>
+                <a:t>huynh</a:t>
+              </a:r>
+              <a:endParaRPr lang="en-US" dirty="0" smtClean="0">
                 <a:gradFill>
                   <a:gsLst>
                     <a:gs pos="0">
@@ -10471,7 +14757,7 @@
             <a:lstStyle/>
             <a:p>
               <a:r>
-                <a:rPr lang="en-US" smtClean="0">
+                <a:rPr lang="en-US" dirty="0" err="1" smtClean="0">
                   <a:gradFill>
                     <a:gsLst>
                       <a:gs pos="0">
@@ -10491,9 +14777,147 @@
                     </a:outerShdw>
                   </a:effectLst>
                 </a:rPr>
-                <a:t>Quản lý lời nhắn khẩn đến phụ huynh</a:t>
+                <a:t>Quản</a:t>
               </a:r>
-              <a:endParaRPr lang="en-US" dirty="0" err="1" smtClean="0">
+              <a:r>
+                <a:rPr lang="en-US" dirty="0" smtClean="0">
+                  <a:gradFill>
+                    <a:gsLst>
+                      <a:gs pos="0">
+                        <a:schemeClr val="tx1"/>
+                      </a:gs>
+                      <a:gs pos="86000">
+                        <a:schemeClr val="tx1"/>
+                      </a:gs>
+                    </a:gsLst>
+                    <a:lin ang="5400000" scaled="0"/>
+                  </a:gradFill>
+                  <a:effectLst>
+                    <a:outerShdw blurRad="63500" algn="ctr" rotWithShape="0">
+                      <a:schemeClr val="tx1">
+                        <a:alpha val="60000"/>
+                      </a:schemeClr>
+                    </a:outerShdw>
+                  </a:effectLst>
+                </a:rPr>
+                <a:t> </a:t>
+              </a:r>
+              <a:r>
+                <a:rPr lang="en-US" dirty="0" err="1" smtClean="0">
+                  <a:gradFill>
+                    <a:gsLst>
+                      <a:gs pos="0">
+                        <a:schemeClr val="tx1"/>
+                      </a:gs>
+                      <a:gs pos="86000">
+                        <a:schemeClr val="tx1"/>
+                      </a:gs>
+                    </a:gsLst>
+                    <a:lin ang="5400000" scaled="0"/>
+                  </a:gradFill>
+                  <a:effectLst>
+                    <a:outerShdw blurRad="63500" algn="ctr" rotWithShape="0">
+                      <a:schemeClr val="tx1">
+                        <a:alpha val="60000"/>
+                      </a:schemeClr>
+                    </a:outerShdw>
+                  </a:effectLst>
+                </a:rPr>
+                <a:t>lý</a:t>
+              </a:r>
+              <a:r>
+                <a:rPr lang="en-US" dirty="0" smtClean="0">
+                  <a:gradFill>
+                    <a:gsLst>
+                      <a:gs pos="0">
+                        <a:schemeClr val="tx1"/>
+                      </a:gs>
+                      <a:gs pos="86000">
+                        <a:schemeClr val="tx1"/>
+                      </a:gs>
+                    </a:gsLst>
+                    <a:lin ang="5400000" scaled="0"/>
+                  </a:gradFill>
+                  <a:effectLst>
+                    <a:outerShdw blurRad="63500" algn="ctr" rotWithShape="0">
+                      <a:schemeClr val="tx1">
+                        <a:alpha val="60000"/>
+                      </a:schemeClr>
+                    </a:outerShdw>
+                  </a:effectLst>
+                </a:rPr>
+                <a:t> </a:t>
+              </a:r>
+              <a:r>
+                <a:rPr lang="en-US" dirty="0" err="1" smtClean="0">
+                  <a:gradFill>
+                    <a:gsLst>
+                      <a:gs pos="0">
+                        <a:schemeClr val="tx1"/>
+                      </a:gs>
+                      <a:gs pos="86000">
+                        <a:schemeClr val="tx1"/>
+                      </a:gs>
+                    </a:gsLst>
+                    <a:lin ang="5400000" scaled="0"/>
+                  </a:gradFill>
+                  <a:effectLst>
+                    <a:outerShdw blurRad="63500" algn="ctr" rotWithShape="0">
+                      <a:schemeClr val="tx1">
+                        <a:alpha val="60000"/>
+                      </a:schemeClr>
+                    </a:outerShdw>
+                  </a:effectLst>
+                </a:rPr>
+                <a:t>lớp</a:t>
+              </a:r>
+              <a:r>
+                <a:rPr lang="en-US" dirty="0" smtClean="0">
+                  <a:gradFill>
+                    <a:gsLst>
+                      <a:gs pos="0">
+                        <a:schemeClr val="tx1"/>
+                      </a:gs>
+                      <a:gs pos="86000">
+                        <a:schemeClr val="tx1"/>
+                      </a:gs>
+                    </a:gsLst>
+                    <a:lin ang="5400000" scaled="0"/>
+                  </a:gradFill>
+                  <a:effectLst>
+                    <a:outerShdw blurRad="63500" algn="ctr" rotWithShape="0">
+                      <a:schemeClr val="tx1">
+                        <a:alpha val="60000"/>
+                      </a:schemeClr>
+                    </a:outerShdw>
+                  </a:effectLst>
+                </a:rPr>
+                <a:t> </a:t>
+              </a:r>
+              <a:r>
+                <a:rPr lang="en-US" dirty="0" err="1" smtClean="0">
+                  <a:gradFill>
+                    <a:gsLst>
+                      <a:gs pos="0">
+                        <a:schemeClr val="tx1"/>
+                      </a:gs>
+                      <a:gs pos="86000">
+                        <a:schemeClr val="tx1"/>
+                      </a:gs>
+                    </a:gsLst>
+                    <a:lin ang="5400000" scaled="0"/>
+                  </a:gradFill>
+                  <a:effectLst>
+                    <a:outerShdw blurRad="63500" algn="ctr" rotWithShape="0">
+                      <a:schemeClr val="tx1">
+                        <a:alpha val="60000"/>
+                      </a:schemeClr>
+                    </a:outerShdw>
+                  </a:effectLst>
+                </a:rPr>
+                <a:t>học</a:t>
+              </a:r>
+              <a:endParaRPr lang="en-US" dirty="0" smtClean="0">
                 <a:gradFill>
                   <a:gsLst>
                     <a:gs pos="0">
@@ -10668,7 +15092,7 @@
             <a:lstStyle/>
             <a:p>
               <a:r>
-                <a:rPr lang="en-US" smtClean="0">
+                <a:rPr lang="en-US" dirty="0" err="1" smtClean="0">
                   <a:gradFill>
                     <a:gsLst>
                       <a:gs pos="0">
@@ -10688,9 +15112,147 @@
                     </a:outerShdw>
                   </a:effectLst>
                 </a:rPr>
-                <a:t>Quản lý góp ý của phụ huynh</a:t>
+                <a:t>Báo</a:t>
               </a:r>
-              <a:endParaRPr lang="en-US" dirty="0" err="1" smtClean="0">
+              <a:r>
+                <a:rPr lang="en-US" dirty="0" smtClean="0">
+                  <a:gradFill>
+                    <a:gsLst>
+                      <a:gs pos="0">
+                        <a:schemeClr val="tx1"/>
+                      </a:gs>
+                      <a:gs pos="86000">
+                        <a:schemeClr val="tx1"/>
+                      </a:gs>
+                    </a:gsLst>
+                    <a:lin ang="5400000" scaled="0"/>
+                  </a:gradFill>
+                  <a:effectLst>
+                    <a:outerShdw blurRad="63500" algn="ctr" rotWithShape="0">
+                      <a:schemeClr val="tx1">
+                        <a:alpha val="60000"/>
+                      </a:schemeClr>
+                    </a:outerShdw>
+                  </a:effectLst>
+                </a:rPr>
+                <a:t> </a:t>
+              </a:r>
+              <a:r>
+                <a:rPr lang="en-US" dirty="0" err="1" smtClean="0">
+                  <a:gradFill>
+                    <a:gsLst>
+                      <a:gs pos="0">
+                        <a:schemeClr val="tx1"/>
+                      </a:gs>
+                      <a:gs pos="86000">
+                        <a:schemeClr val="tx1"/>
+                      </a:gs>
+                    </a:gsLst>
+                    <a:lin ang="5400000" scaled="0"/>
+                  </a:gradFill>
+                  <a:effectLst>
+                    <a:outerShdw blurRad="63500" algn="ctr" rotWithShape="0">
+                      <a:schemeClr val="tx1">
+                        <a:alpha val="60000"/>
+                      </a:schemeClr>
+                    </a:outerShdw>
+                  </a:effectLst>
+                </a:rPr>
+                <a:t>cáo</a:t>
+              </a:r>
+              <a:r>
+                <a:rPr lang="en-US" dirty="0" smtClean="0">
+                  <a:gradFill>
+                    <a:gsLst>
+                      <a:gs pos="0">
+                        <a:schemeClr val="tx1"/>
+                      </a:gs>
+                      <a:gs pos="86000">
+                        <a:schemeClr val="tx1"/>
+                      </a:gs>
+                    </a:gsLst>
+                    <a:lin ang="5400000" scaled="0"/>
+                  </a:gradFill>
+                  <a:effectLst>
+                    <a:outerShdw blurRad="63500" algn="ctr" rotWithShape="0">
+                      <a:schemeClr val="tx1">
+                        <a:alpha val="60000"/>
+                      </a:schemeClr>
+                    </a:outerShdw>
+                  </a:effectLst>
+                </a:rPr>
+                <a:t> </a:t>
+              </a:r>
+              <a:r>
+                <a:rPr lang="en-US" dirty="0" err="1" smtClean="0">
+                  <a:gradFill>
+                    <a:gsLst>
+                      <a:gs pos="0">
+                        <a:schemeClr val="tx1"/>
+                      </a:gs>
+                      <a:gs pos="86000">
+                        <a:schemeClr val="tx1"/>
+                      </a:gs>
+                    </a:gsLst>
+                    <a:lin ang="5400000" scaled="0"/>
+                  </a:gradFill>
+                  <a:effectLst>
+                    <a:outerShdw blurRad="63500" algn="ctr" rotWithShape="0">
+                      <a:schemeClr val="tx1">
+                        <a:alpha val="60000"/>
+                      </a:schemeClr>
+                    </a:outerShdw>
+                  </a:effectLst>
+                </a:rPr>
+                <a:t>thống</a:t>
+              </a:r>
+              <a:r>
+                <a:rPr lang="en-US" dirty="0" smtClean="0">
+                  <a:gradFill>
+                    <a:gsLst>
+                      <a:gs pos="0">
+                        <a:schemeClr val="tx1"/>
+                      </a:gs>
+                      <a:gs pos="86000">
+                        <a:schemeClr val="tx1"/>
+                      </a:gs>
+                    </a:gsLst>
+                    <a:lin ang="5400000" scaled="0"/>
+                  </a:gradFill>
+                  <a:effectLst>
+                    <a:outerShdw blurRad="63500" algn="ctr" rotWithShape="0">
+                      <a:schemeClr val="tx1">
+                        <a:alpha val="60000"/>
+                      </a:schemeClr>
+                    </a:outerShdw>
+                  </a:effectLst>
+                </a:rPr>
+                <a:t> </a:t>
+              </a:r>
+              <a:r>
+                <a:rPr lang="en-US" dirty="0" err="1" smtClean="0">
+                  <a:gradFill>
+                    <a:gsLst>
+                      <a:gs pos="0">
+                        <a:schemeClr val="tx1"/>
+                      </a:gs>
+                      <a:gs pos="86000">
+                        <a:schemeClr val="tx1"/>
+                      </a:gs>
+                    </a:gsLst>
+                    <a:lin ang="5400000" scaled="0"/>
+                  </a:gradFill>
+                  <a:effectLst>
+                    <a:outerShdw blurRad="63500" algn="ctr" rotWithShape="0">
+                      <a:schemeClr val="tx1">
+                        <a:alpha val="60000"/>
+                      </a:schemeClr>
+                    </a:outerShdw>
+                  </a:effectLst>
+                </a:rPr>
+                <a:t>kê</a:t>
+              </a:r>
+              <a:endParaRPr lang="en-US" dirty="0" smtClean="0">
                 <a:gradFill>
                   <a:gsLst>
                     <a:gs pos="0">
@@ -10865,7 +15427,7 @@
             <a:lstStyle/>
             <a:p>
               <a:r>
-                <a:rPr lang="en-US" smtClean="0">
+                <a:rPr lang="en-US" dirty="0" err="1" smtClean="0">
                   <a:gradFill>
                     <a:gsLst>
                       <a:gs pos="0">
@@ -10885,9 +15447,147 @@
                     </a:outerShdw>
                   </a:effectLst>
                 </a:rPr>
-                <a:t>Quảng lý người dùng</a:t>
+                <a:t>Quản</a:t>
               </a:r>
-              <a:endParaRPr lang="en-US" dirty="0" err="1" smtClean="0">
+              <a:r>
+                <a:rPr lang="en-US" dirty="0" smtClean="0">
+                  <a:gradFill>
+                    <a:gsLst>
+                      <a:gs pos="0">
+                        <a:schemeClr val="tx1"/>
+                      </a:gs>
+                      <a:gs pos="86000">
+                        <a:schemeClr val="tx1"/>
+                      </a:gs>
+                    </a:gsLst>
+                    <a:lin ang="5400000" scaled="0"/>
+                  </a:gradFill>
+                  <a:effectLst>
+                    <a:outerShdw blurRad="63500" algn="ctr" rotWithShape="0">
+                      <a:schemeClr val="tx1">
+                        <a:alpha val="60000"/>
+                      </a:schemeClr>
+                    </a:outerShdw>
+                  </a:effectLst>
+                </a:rPr>
+                <a:t> </a:t>
+              </a:r>
+              <a:r>
+                <a:rPr lang="en-US" dirty="0" err="1" smtClean="0">
+                  <a:gradFill>
+                    <a:gsLst>
+                      <a:gs pos="0">
+                        <a:schemeClr val="tx1"/>
+                      </a:gs>
+                      <a:gs pos="86000">
+                        <a:schemeClr val="tx1"/>
+                      </a:gs>
+                    </a:gsLst>
+                    <a:lin ang="5400000" scaled="0"/>
+                  </a:gradFill>
+                  <a:effectLst>
+                    <a:outerShdw blurRad="63500" algn="ctr" rotWithShape="0">
+                      <a:schemeClr val="tx1">
+                        <a:alpha val="60000"/>
+                      </a:schemeClr>
+                    </a:outerShdw>
+                  </a:effectLst>
+                </a:rPr>
+                <a:t>lý</a:t>
+              </a:r>
+              <a:r>
+                <a:rPr lang="en-US" dirty="0" smtClean="0">
+                  <a:gradFill>
+                    <a:gsLst>
+                      <a:gs pos="0">
+                        <a:schemeClr val="tx1"/>
+                      </a:gs>
+                      <a:gs pos="86000">
+                        <a:schemeClr val="tx1"/>
+                      </a:gs>
+                    </a:gsLst>
+                    <a:lin ang="5400000" scaled="0"/>
+                  </a:gradFill>
+                  <a:effectLst>
+                    <a:outerShdw blurRad="63500" algn="ctr" rotWithShape="0">
+                      <a:schemeClr val="tx1">
+                        <a:alpha val="60000"/>
+                      </a:schemeClr>
+                    </a:outerShdw>
+                  </a:effectLst>
+                </a:rPr>
+                <a:t> </a:t>
+              </a:r>
+              <a:r>
+                <a:rPr lang="en-US" dirty="0" err="1" smtClean="0">
+                  <a:gradFill>
+                    <a:gsLst>
+                      <a:gs pos="0">
+                        <a:schemeClr val="tx1"/>
+                      </a:gs>
+                      <a:gs pos="86000">
+                        <a:schemeClr val="tx1"/>
+                      </a:gs>
+                    </a:gsLst>
+                    <a:lin ang="5400000" scaled="0"/>
+                  </a:gradFill>
+                  <a:effectLst>
+                    <a:outerShdw blurRad="63500" algn="ctr" rotWithShape="0">
+                      <a:schemeClr val="tx1">
+                        <a:alpha val="60000"/>
+                      </a:schemeClr>
+                    </a:outerShdw>
+                  </a:effectLst>
+                </a:rPr>
+                <a:t>người</a:t>
+              </a:r>
+              <a:r>
+                <a:rPr lang="en-US" dirty="0" smtClean="0">
+                  <a:gradFill>
+                    <a:gsLst>
+                      <a:gs pos="0">
+                        <a:schemeClr val="tx1"/>
+                      </a:gs>
+                      <a:gs pos="86000">
+                        <a:schemeClr val="tx1"/>
+                      </a:gs>
+                    </a:gsLst>
+                    <a:lin ang="5400000" scaled="0"/>
+                  </a:gradFill>
+                  <a:effectLst>
+                    <a:outerShdw blurRad="63500" algn="ctr" rotWithShape="0">
+                      <a:schemeClr val="tx1">
+                        <a:alpha val="60000"/>
+                      </a:schemeClr>
+                    </a:outerShdw>
+                  </a:effectLst>
+                </a:rPr>
+                <a:t> </a:t>
+              </a:r>
+              <a:r>
+                <a:rPr lang="en-US" dirty="0" err="1" smtClean="0">
+                  <a:gradFill>
+                    <a:gsLst>
+                      <a:gs pos="0">
+                        <a:schemeClr val="tx1"/>
+                      </a:gs>
+                      <a:gs pos="86000">
+                        <a:schemeClr val="tx1"/>
+                      </a:gs>
+                    </a:gsLst>
+                    <a:lin ang="5400000" scaled="0"/>
+                  </a:gradFill>
+                  <a:effectLst>
+                    <a:outerShdw blurRad="63500" algn="ctr" rotWithShape="0">
+                      <a:schemeClr val="tx1">
+                        <a:alpha val="60000"/>
+                      </a:schemeClr>
+                    </a:outerShdw>
+                  </a:effectLst>
+                </a:rPr>
+                <a:t>dùng</a:t>
+              </a:r>
+              <a:endParaRPr lang="en-US" dirty="0" smtClean="0">
                 <a:gradFill>
                   <a:gsLst>
                     <a:gs pos="0">
@@ -11062,7 +15762,7 @@
             <a:lstStyle/>
             <a:p>
               <a:r>
-                <a:rPr lang="en-US" smtClean="0">
+                <a:rPr lang="en-US" dirty="0" err="1" smtClean="0">
                   <a:gradFill>
                     <a:gsLst>
                       <a:gs pos="0">
@@ -11082,9 +15782,147 @@
                     </a:outerShdw>
                   </a:effectLst>
                 </a:rPr>
-                <a:t>Báo cáo thống kê</a:t>
+                <a:t>Quản</a:t>
               </a:r>
-              <a:endParaRPr lang="en-US" dirty="0" err="1" smtClean="0">
+              <a:r>
+                <a:rPr lang="en-US" dirty="0" smtClean="0">
+                  <a:gradFill>
+                    <a:gsLst>
+                      <a:gs pos="0">
+                        <a:schemeClr val="tx1"/>
+                      </a:gs>
+                      <a:gs pos="86000">
+                        <a:schemeClr val="tx1"/>
+                      </a:gs>
+                    </a:gsLst>
+                    <a:lin ang="5400000" scaled="0"/>
+                  </a:gradFill>
+                  <a:effectLst>
+                    <a:outerShdw blurRad="63500" algn="ctr" rotWithShape="0">
+                      <a:schemeClr val="tx1">
+                        <a:alpha val="60000"/>
+                      </a:schemeClr>
+                    </a:outerShdw>
+                  </a:effectLst>
+                </a:rPr>
+                <a:t> </a:t>
+              </a:r>
+              <a:r>
+                <a:rPr lang="en-US" dirty="0" err="1" smtClean="0">
+                  <a:gradFill>
+                    <a:gsLst>
+                      <a:gs pos="0">
+                        <a:schemeClr val="tx1"/>
+                      </a:gs>
+                      <a:gs pos="86000">
+                        <a:schemeClr val="tx1"/>
+                      </a:gs>
+                    </a:gsLst>
+                    <a:lin ang="5400000" scaled="0"/>
+                  </a:gradFill>
+                  <a:effectLst>
+                    <a:outerShdw blurRad="63500" algn="ctr" rotWithShape="0">
+                      <a:schemeClr val="tx1">
+                        <a:alpha val="60000"/>
+                      </a:schemeClr>
+                    </a:outerShdw>
+                  </a:effectLst>
+                </a:rPr>
+                <a:t>lý</a:t>
+              </a:r>
+              <a:r>
+                <a:rPr lang="en-US" dirty="0" smtClean="0">
+                  <a:gradFill>
+                    <a:gsLst>
+                      <a:gs pos="0">
+                        <a:schemeClr val="tx1"/>
+                      </a:gs>
+                      <a:gs pos="86000">
+                        <a:schemeClr val="tx1"/>
+                      </a:gs>
+                    </a:gsLst>
+                    <a:lin ang="5400000" scaled="0"/>
+                  </a:gradFill>
+                  <a:effectLst>
+                    <a:outerShdw blurRad="63500" algn="ctr" rotWithShape="0">
+                      <a:schemeClr val="tx1">
+                        <a:alpha val="60000"/>
+                      </a:schemeClr>
+                    </a:outerShdw>
+                  </a:effectLst>
+                </a:rPr>
+                <a:t> </a:t>
+              </a:r>
+              <a:r>
+                <a:rPr lang="en-US" dirty="0" err="1" smtClean="0">
+                  <a:gradFill>
+                    <a:gsLst>
+                      <a:gs pos="0">
+                        <a:schemeClr val="tx1"/>
+                      </a:gs>
+                      <a:gs pos="86000">
+                        <a:schemeClr val="tx1"/>
+                      </a:gs>
+                    </a:gsLst>
+                    <a:lin ang="5400000" scaled="0"/>
+                  </a:gradFill>
+                  <a:effectLst>
+                    <a:outerShdw blurRad="63500" algn="ctr" rotWithShape="0">
+                      <a:schemeClr val="tx1">
+                        <a:alpha val="60000"/>
+                      </a:schemeClr>
+                    </a:outerShdw>
+                  </a:effectLst>
+                </a:rPr>
+                <a:t>danh</a:t>
+              </a:r>
+              <a:r>
+                <a:rPr lang="en-US" dirty="0" smtClean="0">
+                  <a:gradFill>
+                    <a:gsLst>
+                      <a:gs pos="0">
+                        <a:schemeClr val="tx1"/>
+                      </a:gs>
+                      <a:gs pos="86000">
+                        <a:schemeClr val="tx1"/>
+                      </a:gs>
+                    </a:gsLst>
+                    <a:lin ang="5400000" scaled="0"/>
+                  </a:gradFill>
+                  <a:effectLst>
+                    <a:outerShdw blurRad="63500" algn="ctr" rotWithShape="0">
+                      <a:schemeClr val="tx1">
+                        <a:alpha val="60000"/>
+                      </a:schemeClr>
+                    </a:outerShdw>
+                  </a:effectLst>
+                </a:rPr>
+                <a:t> </a:t>
+              </a:r>
+              <a:r>
+                <a:rPr lang="en-US" dirty="0" err="1" smtClean="0">
+                  <a:gradFill>
+                    <a:gsLst>
+                      <a:gs pos="0">
+                        <a:schemeClr val="tx1"/>
+                      </a:gs>
+                      <a:gs pos="86000">
+                        <a:schemeClr val="tx1"/>
+                      </a:gs>
+                    </a:gsLst>
+                    <a:lin ang="5400000" scaled="0"/>
+                  </a:gradFill>
+                  <a:effectLst>
+                    <a:outerShdw blurRad="63500" algn="ctr" rotWithShape="0">
+                      <a:schemeClr val="tx1">
+                        <a:alpha val="60000"/>
+                      </a:schemeClr>
+                    </a:outerShdw>
+                  </a:effectLst>
+                </a:rPr>
+                <a:t>mục</a:t>
+              </a:r>
+              <a:endParaRPr lang="en-US" dirty="0" smtClean="0">
                 <a:gradFill>
                   <a:gsLst>
                     <a:gs pos="0">
@@ -11271,7 +16109,7 @@
           <p:spPr>
             <a:xfrm>
               <a:off x="1370012" y="4648200"/>
-              <a:ext cx="1823128" cy="369332"/>
+              <a:ext cx="1831142" cy="369332"/>
             </a:xfrm>
             <a:prstGeom prst="rect">
               <a:avLst/>
@@ -11285,7 +16123,7 @@
             <a:lstStyle/>
             <a:p>
               <a:r>
-                <a:rPr lang="en-US" smtClean="0">
+                <a:rPr lang="en-US" dirty="0" err="1" smtClean="0">
                   <a:gradFill>
                     <a:gsLst>
                       <a:gs pos="0">
@@ -11305,9 +16143,101 @@
                     </a:outerShdw>
                   </a:effectLst>
                 </a:rPr>
-                <a:t>Trường học C</a:t>
+                <a:t>Trường</a:t>
               </a:r>
-              <a:endParaRPr lang="en-US" dirty="0" err="1" smtClean="0">
+              <a:r>
+                <a:rPr lang="en-US" dirty="0" smtClean="0">
+                  <a:gradFill>
+                    <a:gsLst>
+                      <a:gs pos="0">
+                        <a:schemeClr val="tx1"/>
+                      </a:gs>
+                      <a:gs pos="86000">
+                        <a:schemeClr val="tx1"/>
+                      </a:gs>
+                    </a:gsLst>
+                    <a:lin ang="5400000" scaled="0"/>
+                  </a:gradFill>
+                  <a:effectLst>
+                    <a:outerShdw blurRad="63500" algn="ctr" rotWithShape="0">
+                      <a:schemeClr val="tx1">
+                        <a:alpha val="60000"/>
+                      </a:schemeClr>
+                    </a:outerShdw>
+                  </a:effectLst>
+                </a:rPr>
+                <a:t> </a:t>
+              </a:r>
+              <a:r>
+                <a:rPr lang="en-US" dirty="0" err="1" smtClean="0">
+                  <a:gradFill>
+                    <a:gsLst>
+                      <a:gs pos="0">
+                        <a:schemeClr val="tx1"/>
+                      </a:gs>
+                      <a:gs pos="86000">
+                        <a:schemeClr val="tx1"/>
+                      </a:gs>
+                    </a:gsLst>
+                    <a:lin ang="5400000" scaled="0"/>
+                  </a:gradFill>
+                  <a:effectLst>
+                    <a:outerShdw blurRad="63500" algn="ctr" rotWithShape="0">
+                      <a:schemeClr val="tx1">
+                        <a:alpha val="60000"/>
+                      </a:schemeClr>
+                    </a:outerShdw>
+                  </a:effectLst>
+                </a:rPr>
+                <a:t>học</a:t>
+              </a:r>
+              <a:r>
+                <a:rPr lang="en-US" dirty="0" smtClean="0">
+                  <a:gradFill>
+                    <a:gsLst>
+                      <a:gs pos="0">
+                        <a:schemeClr val="tx1"/>
+                      </a:gs>
+                      <a:gs pos="86000">
+                        <a:schemeClr val="tx1"/>
+                      </a:gs>
+                    </a:gsLst>
+                    <a:lin ang="5400000" scaled="0"/>
+                  </a:gradFill>
+                  <a:effectLst>
+                    <a:outerShdw blurRad="63500" algn="ctr" rotWithShape="0">
+                      <a:schemeClr val="tx1">
+                        <a:alpha val="60000"/>
+                      </a:schemeClr>
+                    </a:outerShdw>
+                  </a:effectLst>
+                </a:rPr>
+                <a:t> </a:t>
+              </a:r>
+              <a:r>
+                <a:rPr lang="en-US" dirty="0" smtClean="0">
+                  <a:gradFill>
+                    <a:gsLst>
+                      <a:gs pos="0">
+                        <a:schemeClr val="tx1"/>
+                      </a:gs>
+                      <a:gs pos="86000">
+                        <a:schemeClr val="tx1"/>
+                      </a:gs>
+                    </a:gsLst>
+                    <a:lin ang="5400000" scaled="0"/>
+                  </a:gradFill>
+                  <a:effectLst>
+                    <a:outerShdw blurRad="63500" algn="ctr" rotWithShape="0">
+                      <a:schemeClr val="tx1">
+                        <a:alpha val="60000"/>
+                      </a:schemeClr>
+                    </a:outerShdw>
+                  </a:effectLst>
+                </a:rPr>
+                <a:t>A</a:t>
+              </a:r>
+              <a:endParaRPr lang="en-US" dirty="0" smtClean="0">
                 <a:gradFill>
                   <a:gsLst>
                     <a:gs pos="0">
@@ -11448,7 +16378,7 @@
         </p:nvGrpSpPr>
         <p:grpSpPr>
           <a:xfrm>
-            <a:off x="1827212" y="1916668"/>
+            <a:off x="1446212" y="1905000"/>
             <a:ext cx="2895600" cy="3341132"/>
             <a:chOff x="836612" y="1676400"/>
             <a:chExt cx="2895600" cy="3341132"/>
@@ -11489,7 +16419,7 @@
           <p:spPr>
             <a:xfrm>
               <a:off x="1370012" y="4648200"/>
-              <a:ext cx="1831142" cy="369332"/>
+              <a:ext cx="1823128" cy="369332"/>
             </a:xfrm>
             <a:prstGeom prst="rect">
               <a:avLst/>
@@ -11503,7 +16433,7 @@
             <a:lstStyle/>
             <a:p>
               <a:r>
-                <a:rPr lang="en-US" smtClean="0">
+                <a:rPr lang="en-US" dirty="0" err="1" smtClean="0">
                   <a:gradFill>
                     <a:gsLst>
                       <a:gs pos="0">
@@ -11523,9 +16453,101 @@
                     </a:outerShdw>
                   </a:effectLst>
                 </a:rPr>
-                <a:t>Trường học A</a:t>
+                <a:t>Trường</a:t>
               </a:r>
-              <a:endParaRPr lang="en-US" dirty="0" err="1" smtClean="0">
+              <a:r>
+                <a:rPr lang="en-US" dirty="0" smtClean="0">
+                  <a:gradFill>
+                    <a:gsLst>
+                      <a:gs pos="0">
+                        <a:schemeClr val="tx1"/>
+                      </a:gs>
+                      <a:gs pos="86000">
+                        <a:schemeClr val="tx1"/>
+                      </a:gs>
+                    </a:gsLst>
+                    <a:lin ang="5400000" scaled="0"/>
+                  </a:gradFill>
+                  <a:effectLst>
+                    <a:outerShdw blurRad="63500" algn="ctr" rotWithShape="0">
+                      <a:schemeClr val="tx1">
+                        <a:alpha val="60000"/>
+                      </a:schemeClr>
+                    </a:outerShdw>
+                  </a:effectLst>
+                </a:rPr>
+                <a:t> </a:t>
+              </a:r>
+              <a:r>
+                <a:rPr lang="en-US" dirty="0" err="1" smtClean="0">
+                  <a:gradFill>
+                    <a:gsLst>
+                      <a:gs pos="0">
+                        <a:schemeClr val="tx1"/>
+                      </a:gs>
+                      <a:gs pos="86000">
+                        <a:schemeClr val="tx1"/>
+                      </a:gs>
+                    </a:gsLst>
+                    <a:lin ang="5400000" scaled="0"/>
+                  </a:gradFill>
+                  <a:effectLst>
+                    <a:outerShdw blurRad="63500" algn="ctr" rotWithShape="0">
+                      <a:schemeClr val="tx1">
+                        <a:alpha val="60000"/>
+                      </a:schemeClr>
+                    </a:outerShdw>
+                  </a:effectLst>
+                </a:rPr>
+                <a:t>học</a:t>
+              </a:r>
+              <a:r>
+                <a:rPr lang="en-US" dirty="0" smtClean="0">
+                  <a:gradFill>
+                    <a:gsLst>
+                      <a:gs pos="0">
+                        <a:schemeClr val="tx1"/>
+                      </a:gs>
+                      <a:gs pos="86000">
+                        <a:schemeClr val="tx1"/>
+                      </a:gs>
+                    </a:gsLst>
+                    <a:lin ang="5400000" scaled="0"/>
+                  </a:gradFill>
+                  <a:effectLst>
+                    <a:outerShdw blurRad="63500" algn="ctr" rotWithShape="0">
+                      <a:schemeClr val="tx1">
+                        <a:alpha val="60000"/>
+                      </a:schemeClr>
+                    </a:outerShdw>
+                  </a:effectLst>
+                </a:rPr>
+                <a:t> </a:t>
+              </a:r>
+              <a:r>
+                <a:rPr lang="en-US" dirty="0" smtClean="0">
+                  <a:gradFill>
+                    <a:gsLst>
+                      <a:gs pos="0">
+                        <a:schemeClr val="tx1"/>
+                      </a:gs>
+                      <a:gs pos="86000">
+                        <a:schemeClr val="tx1"/>
+                      </a:gs>
+                    </a:gsLst>
+                    <a:lin ang="5400000" scaled="0"/>
+                  </a:gradFill>
+                  <a:effectLst>
+                    <a:outerShdw blurRad="63500" algn="ctr" rotWithShape="0">
+                      <a:schemeClr val="tx1">
+                        <a:alpha val="60000"/>
+                      </a:schemeClr>
+                    </a:outerShdw>
+                  </a:effectLst>
+                </a:rPr>
+                <a:t>C</a:t>
+              </a:r>
+              <a:endParaRPr lang="en-US" dirty="0" smtClean="0">
                 <a:gradFill>
                   <a:gsLst>
                     <a:gs pos="0">
@@ -15509,63 +20531,258 @@
           <a:lstStyle/>
           <a:p>
             <a:r>
-              <a:rPr lang="en-US" smtClean="0"/>
-              <a:t>Công cụ phát triển: </a:t>
-            </a:r>
-            <a:r>
-              <a:rPr lang="en-US" b="1" smtClean="0"/>
+              <a:rPr lang="en-US" dirty="0" err="1" smtClean="0"/>
+              <a:t>Công</a:t>
+            </a:r>
+            <a:r>
+              <a:rPr lang="en-US" dirty="0" smtClean="0"/>
+              <a:t> </a:t>
+            </a:r>
+            <a:r>
+              <a:rPr lang="en-US" dirty="0" err="1" smtClean="0"/>
+              <a:t>cụ</a:t>
+            </a:r>
+            <a:r>
+              <a:rPr lang="en-US" dirty="0" smtClean="0"/>
+              <a:t> </a:t>
+            </a:r>
+            <a:r>
+              <a:rPr lang="en-US" dirty="0" err="1" smtClean="0"/>
+              <a:t>phát</a:t>
+            </a:r>
+            <a:r>
+              <a:rPr lang="en-US" dirty="0" smtClean="0"/>
+              <a:t> </a:t>
+            </a:r>
+            <a:r>
+              <a:rPr lang="en-US" dirty="0" err="1" smtClean="0"/>
+              <a:t>triển</a:t>
+            </a:r>
+            <a:r>
+              <a:rPr lang="en-US" dirty="0" smtClean="0"/>
+              <a:t>: </a:t>
+            </a:r>
+            <a:r>
+              <a:rPr lang="en-US" b="1" dirty="0" smtClean="0"/>
               <a:t>Visual Studio 2010.</a:t>
             </a:r>
           </a:p>
           <a:p>
             <a:r>
-              <a:rPr lang="en-US" smtClean="0"/>
-              <a:t>Trình quản lý cơ sở dữ liệu: </a:t>
-            </a:r>
-            <a:r>
-              <a:rPr lang="en-US" b="1" smtClean="0"/>
+              <a:rPr lang="en-US" dirty="0" err="1" smtClean="0"/>
+              <a:t>Trình</a:t>
+            </a:r>
+            <a:r>
+              <a:rPr lang="en-US" dirty="0" smtClean="0"/>
+              <a:t> </a:t>
+            </a:r>
+            <a:r>
+              <a:rPr lang="en-US" dirty="0" err="1" smtClean="0"/>
+              <a:t>quản</a:t>
+            </a:r>
+            <a:r>
+              <a:rPr lang="en-US" dirty="0" smtClean="0"/>
+              <a:t> </a:t>
+            </a:r>
+            <a:r>
+              <a:rPr lang="en-US" dirty="0" err="1" smtClean="0"/>
+              <a:t>lý</a:t>
+            </a:r>
+            <a:r>
+              <a:rPr lang="en-US" dirty="0" smtClean="0"/>
+              <a:t> </a:t>
+            </a:r>
+            <a:r>
+              <a:rPr lang="en-US" dirty="0" err="1" smtClean="0"/>
+              <a:t>cơ</a:t>
+            </a:r>
+            <a:r>
+              <a:rPr lang="en-US" dirty="0" smtClean="0"/>
+              <a:t> </a:t>
+            </a:r>
+            <a:r>
+              <a:rPr lang="en-US" dirty="0" err="1" smtClean="0"/>
+              <a:t>sở</a:t>
+            </a:r>
+            <a:r>
+              <a:rPr lang="en-US" dirty="0" smtClean="0"/>
+              <a:t> </a:t>
+            </a:r>
+            <a:r>
+              <a:rPr lang="en-US" dirty="0" err="1" smtClean="0"/>
+              <a:t>dữ</a:t>
+            </a:r>
+            <a:r>
+              <a:rPr lang="en-US" dirty="0" smtClean="0"/>
+              <a:t> </a:t>
+            </a:r>
+            <a:r>
+              <a:rPr lang="en-US" dirty="0" err="1" smtClean="0"/>
+              <a:t>liệu</a:t>
+            </a:r>
+            <a:r>
+              <a:rPr lang="en-US" dirty="0" smtClean="0"/>
+              <a:t>: </a:t>
+            </a:r>
+            <a:r>
+              <a:rPr lang="en-US" b="1" dirty="0" smtClean="0"/>
               <a:t>Microsoft SQL Server 2008.</a:t>
             </a:r>
           </a:p>
           <a:p>
             <a:r>
-              <a:rPr lang="en-US" smtClean="0"/>
-              <a:t>Ngôn ngữ phát triển: </a:t>
-            </a:r>
-            <a:r>
-              <a:rPr lang="en-US" b="1" smtClean="0"/>
+              <a:rPr lang="en-US" dirty="0" err="1" smtClean="0"/>
+              <a:t>Ngôn</a:t>
+            </a:r>
+            <a:r>
+              <a:rPr lang="en-US" dirty="0" smtClean="0"/>
+              <a:t> </a:t>
+            </a:r>
+            <a:r>
+              <a:rPr lang="en-US" dirty="0" err="1" smtClean="0"/>
+              <a:t>ngữ</a:t>
+            </a:r>
+            <a:r>
+              <a:rPr lang="en-US" dirty="0" smtClean="0"/>
+              <a:t> </a:t>
+            </a:r>
+            <a:r>
+              <a:rPr lang="en-US" dirty="0" err="1" smtClean="0"/>
+              <a:t>phát</a:t>
+            </a:r>
+            <a:r>
+              <a:rPr lang="en-US" dirty="0" smtClean="0"/>
+              <a:t> </a:t>
+            </a:r>
+            <a:r>
+              <a:rPr lang="en-US" dirty="0" err="1" smtClean="0"/>
+              <a:t>triển</a:t>
+            </a:r>
+            <a:r>
+              <a:rPr lang="en-US" dirty="0" smtClean="0"/>
+              <a:t>: </a:t>
+            </a:r>
+            <a:r>
+              <a:rPr lang="en-US" b="1" dirty="0" smtClean="0"/>
               <a:t>ASP.NET/C#.</a:t>
             </a:r>
           </a:p>
           <a:p>
             <a:r>
-              <a:rPr lang="en-US" smtClean="0"/>
-              <a:t>Môi trường ứng dụng: </a:t>
-            </a:r>
-            <a:r>
-              <a:rPr lang="en-US" b="1" smtClean="0"/>
+              <a:rPr lang="en-US" dirty="0" err="1" smtClean="0"/>
+              <a:t>Môi</a:t>
+            </a:r>
+            <a:r>
+              <a:rPr lang="en-US" dirty="0" smtClean="0"/>
+              <a:t> </a:t>
+            </a:r>
+            <a:r>
+              <a:rPr lang="en-US" dirty="0" err="1" smtClean="0"/>
+              <a:t>trường</a:t>
+            </a:r>
+            <a:r>
+              <a:rPr lang="en-US" dirty="0" smtClean="0"/>
+              <a:t> </a:t>
+            </a:r>
+            <a:r>
+              <a:rPr lang="en-US" dirty="0" err="1" smtClean="0"/>
+              <a:t>ứng</a:t>
+            </a:r>
+            <a:r>
+              <a:rPr lang="en-US" dirty="0" smtClean="0"/>
+              <a:t> </a:t>
+            </a:r>
+            <a:r>
+              <a:rPr lang="en-US" dirty="0" err="1" smtClean="0"/>
+              <a:t>dụng</a:t>
+            </a:r>
+            <a:r>
+              <a:rPr lang="en-US" dirty="0" smtClean="0"/>
+              <a:t>: </a:t>
+            </a:r>
+            <a:r>
+              <a:rPr lang="en-US" b="1" dirty="0" smtClean="0"/>
               <a:t>Web Application.</a:t>
             </a:r>
           </a:p>
           <a:p>
             <a:r>
-              <a:rPr lang="en-US" smtClean="0"/>
-              <a:t>Công nghệ: </a:t>
-            </a:r>
-            <a:r>
-              <a:rPr lang="en-US" b="1" smtClean="0"/>
-              <a:t>Điện toán đám mây.</a:t>
-            </a:r>
+              <a:rPr lang="en-US" dirty="0" err="1" smtClean="0"/>
+              <a:t>Công</a:t>
+            </a:r>
+            <a:r>
+              <a:rPr lang="en-US" dirty="0" smtClean="0"/>
+              <a:t> </a:t>
+            </a:r>
+            <a:r>
+              <a:rPr lang="en-US" dirty="0" err="1" smtClean="0"/>
+              <a:t>nghệ</a:t>
+            </a:r>
+            <a:r>
+              <a:rPr lang="en-US" dirty="0" smtClean="0"/>
+              <a:t>: </a:t>
+            </a:r>
+            <a:r>
+              <a:rPr lang="en-US" b="1" dirty="0" err="1" smtClean="0"/>
+              <a:t>Điện</a:t>
+            </a:r>
+            <a:r>
+              <a:rPr lang="en-US" b="1" dirty="0" smtClean="0"/>
+              <a:t> </a:t>
+            </a:r>
+            <a:r>
+              <a:rPr lang="en-US" b="1" dirty="0" err="1" smtClean="0"/>
+              <a:t>toán</a:t>
+            </a:r>
+            <a:r>
+              <a:rPr lang="en-US" b="1" dirty="0" smtClean="0"/>
+              <a:t> </a:t>
+            </a:r>
+            <a:r>
+              <a:rPr lang="en-US" b="1" dirty="0" err="1" smtClean="0"/>
+              <a:t>đám</a:t>
+            </a:r>
+            <a:r>
+              <a:rPr lang="en-US" b="1" dirty="0" smtClean="0"/>
+              <a:t> </a:t>
+            </a:r>
+            <a:r>
+              <a:rPr lang="en-US" b="1" dirty="0" err="1" smtClean="0"/>
+              <a:t>mây</a:t>
+            </a:r>
+            <a:r>
+              <a:rPr lang="en-US" b="1" dirty="0" smtClean="0"/>
+              <a:t> Windows Azure.</a:t>
+            </a:r>
+            <a:endParaRPr lang="en-US" b="1" dirty="0" smtClean="0"/>
           </a:p>
           <a:p>
             <a:r>
-              <a:rPr lang="en-US" smtClean="0">
+              <a:rPr lang="en-US" dirty="0" err="1" smtClean="0">
                 <a:latin typeface="Segoe UI (Body)"/>
               </a:rPr>
-              <a:t>Quản lý code: </a:t>
-            </a:r>
-            <a:r>
-              <a:rPr lang="en-US" b="1" smtClean="0">
+              <a:t>Quản</a:t>
+            </a:r>
+            <a:r>
+              <a:rPr lang="en-US" dirty="0" smtClean="0">
+                <a:latin typeface="Segoe UI (Body)"/>
+              </a:rPr>
+              <a:t> </a:t>
+            </a:r>
+            <a:r>
+              <a:rPr lang="en-US" dirty="0" err="1" smtClean="0">
+                <a:latin typeface="Segoe UI (Body)"/>
+              </a:rPr>
+              <a:t>lý</a:t>
+            </a:r>
+            <a:r>
+              <a:rPr lang="en-US" dirty="0" smtClean="0">
+                <a:latin typeface="Segoe UI (Body)"/>
+              </a:rPr>
+              <a:t> code: </a:t>
+            </a:r>
+            <a:r>
+              <a:rPr lang="en-US" b="1" dirty="0" smtClean="0">
                 <a:latin typeface="Segoe UI (Body)"/>
                 <a:cs typeface="Times New Roman" pitchFamily="18" charset="0"/>
               </a:rPr>
@@ -15574,20 +20791,104 @@
           </a:p>
           <a:p>
             <a:r>
-              <a:rPr lang="en-US" smtClean="0">
+              <a:rPr lang="en-US" dirty="0" err="1" smtClean="0">
                 <a:latin typeface="Times New Roman" pitchFamily="18" charset="0"/>
                 <a:cs typeface="Times New Roman" pitchFamily="18" charset="0"/>
               </a:rPr>
-              <a:t>Quy trình phát triển ứng dụng: </a:t>
-            </a:r>
-            <a:r>
-              <a:rPr lang="en-US" b="1" smtClean="0">
+              <a:t>Quy</a:t>
+            </a:r>
+            <a:r>
+              <a:rPr lang="en-US" dirty="0" smtClean="0">
                 <a:latin typeface="Times New Roman" pitchFamily="18" charset="0"/>
                 <a:cs typeface="Times New Roman" pitchFamily="18" charset="0"/>
               </a:rPr>
-              <a:t>WaterFall.</a:t>
-            </a:r>
-            <a:endParaRPr lang="en-US" b="1"/>
+              <a:t> </a:t>
+            </a:r>
+            <a:r>
+              <a:rPr lang="en-US" dirty="0" err="1" smtClean="0">
+                <a:latin typeface="Times New Roman" pitchFamily="18" charset="0"/>
+                <a:cs typeface="Times New Roman" pitchFamily="18" charset="0"/>
+              </a:rPr>
+              <a:t>trình</a:t>
+            </a:r>
+            <a:r>
+              <a:rPr lang="en-US" dirty="0" smtClean="0">
+                <a:latin typeface="Times New Roman" pitchFamily="18" charset="0"/>
+                <a:cs typeface="Times New Roman" pitchFamily="18" charset="0"/>
+              </a:rPr>
+              <a:t> </a:t>
+            </a:r>
+            <a:r>
+              <a:rPr lang="en-US" dirty="0" err="1" smtClean="0">
+                <a:latin typeface="Times New Roman" pitchFamily="18" charset="0"/>
+                <a:cs typeface="Times New Roman" pitchFamily="18" charset="0"/>
+              </a:rPr>
+              <a:t>phát</a:t>
+            </a:r>
+            <a:r>
+              <a:rPr lang="en-US" dirty="0" smtClean="0">
+                <a:latin typeface="Times New Roman" pitchFamily="18" charset="0"/>
+                <a:cs typeface="Times New Roman" pitchFamily="18" charset="0"/>
+              </a:rPr>
+              <a:t> </a:t>
+            </a:r>
+            <a:r>
+              <a:rPr lang="en-US" dirty="0" err="1" smtClean="0">
+                <a:latin typeface="Times New Roman" pitchFamily="18" charset="0"/>
+                <a:cs typeface="Times New Roman" pitchFamily="18" charset="0"/>
+              </a:rPr>
+              <a:t>triển</a:t>
+            </a:r>
+            <a:r>
+              <a:rPr lang="en-US" dirty="0" smtClean="0">
+                <a:latin typeface="Times New Roman" pitchFamily="18" charset="0"/>
+                <a:cs typeface="Times New Roman" pitchFamily="18" charset="0"/>
+              </a:rPr>
+              <a:t> </a:t>
+            </a:r>
+            <a:r>
+              <a:rPr lang="en-US" dirty="0" err="1" smtClean="0">
+                <a:latin typeface="Times New Roman" pitchFamily="18" charset="0"/>
+                <a:cs typeface="Times New Roman" pitchFamily="18" charset="0"/>
+              </a:rPr>
+              <a:t>ứng</a:t>
+            </a:r>
+            <a:r>
+              <a:rPr lang="en-US" dirty="0" smtClean="0">
+                <a:latin typeface="Times New Roman" pitchFamily="18" charset="0"/>
+                <a:cs typeface="Times New Roman" pitchFamily="18" charset="0"/>
+              </a:rPr>
+              <a:t> </a:t>
+            </a:r>
+            <a:r>
+              <a:rPr lang="en-US" dirty="0" err="1" smtClean="0">
+                <a:latin typeface="Times New Roman" pitchFamily="18" charset="0"/>
+                <a:cs typeface="Times New Roman" pitchFamily="18" charset="0"/>
+              </a:rPr>
+              <a:t>dụng</a:t>
+            </a:r>
+            <a:r>
+              <a:rPr lang="en-US" dirty="0" smtClean="0">
+                <a:latin typeface="Times New Roman" pitchFamily="18" charset="0"/>
+                <a:cs typeface="Times New Roman" pitchFamily="18" charset="0"/>
+              </a:rPr>
+              <a:t>: </a:t>
+            </a:r>
+            <a:r>
+              <a:rPr lang="en-US" b="1" dirty="0" err="1" smtClean="0">
+                <a:latin typeface="Times New Roman" pitchFamily="18" charset="0"/>
+                <a:cs typeface="Times New Roman" pitchFamily="18" charset="0"/>
+              </a:rPr>
+              <a:t>WaterFall</a:t>
+            </a:r>
+            <a:r>
+              <a:rPr lang="en-US" b="1" dirty="0" smtClean="0">
+                <a:latin typeface="Times New Roman" pitchFamily="18" charset="0"/>
+                <a:cs typeface="Times New Roman" pitchFamily="18" charset="0"/>
+              </a:rPr>
+              <a:t>.</a:t>
+            </a:r>
+            <a:endParaRPr lang="en-US" b="1" dirty="0"/>
           </a:p>
         </p:txBody>
       </p:sp>
@@ -16937,8 +22238,8 @@
         </p:nvSpPr>
         <p:spPr>
           <a:xfrm>
-            <a:off x="3567567" y="2133600"/>
-            <a:ext cx="5041445" cy="1692771"/>
+            <a:off x="3046412" y="2209800"/>
+            <a:ext cx="5911362" cy="1692771"/>
           </a:xfrm>
           <a:prstGeom prst="rect">
             <a:avLst/>
@@ -16952,7 +22253,7 @@
           <a:lstStyle/>
           <a:p>
             <a:r>
-              <a:rPr lang="en-US" sz="11000" smtClean="0">
+              <a:rPr lang="en-US" sz="11000" dirty="0" smtClean="0">
                 <a:gradFill>
                   <a:gsLst>
                     <a:gs pos="0">
@@ -16974,9 +22275,9 @@
                 <a:latin typeface="Calibri" pitchFamily="34" charset="0"/>
                 <a:cs typeface="Calibri" pitchFamily="34" charset="0"/>
               </a:rPr>
-              <a:t>THE END</a:t>
-            </a:r>
-            <a:endParaRPr lang="en-US" sz="11000" dirty="0" err="1" smtClean="0">
+              <a:t>Thank you</a:t>
+            </a:r>
+            <a:endParaRPr lang="en-US" sz="11000" dirty="0" smtClean="0">
               <a:gradFill>
                 <a:gsLst>
                   <a:gs pos="0">
@@ -17004,7 +22305,7 @@
     </p:spTree>
     <p:extLst>
       <p:ext uri="{BB962C8B-B14F-4D97-AF65-F5344CB8AC3E}">
-        <p14:creationId xmlns="" xmlns:p14="http://schemas.microsoft.com/office/powerpoint/2010/main" val="1953245266"/>
+        <p14:creationId xmlns:p14="http://schemas.microsoft.com/office/powerpoint/2010/main" xmlns="" val="1953245266"/>
       </p:ext>
     </p:extLst>
   </p:cSld>
@@ -17012,7 +22313,7 @@
     <a:masterClrMapping/>
   </p:clrMapOvr>
   <mc:AlternateContent xmlns:mc="http://schemas.openxmlformats.org/markup-compatibility/2006">
-    <mc:Choice xmlns="" xmlns:p14="http://schemas.microsoft.com/office/powerpoint/2010/main" Requires="p14">
+    <mc:Choice xmlns:p14="http://schemas.microsoft.com/office/powerpoint/2010/main" xmlns="" Requires="p14">
       <p:transition spd="med" p14:dur="700">
         <p:fade/>
       </p:transition>
@@ -21638,7 +26939,7 @@
     </p:spTree>
     <p:extLst>
       <p:ext uri="{BB962C8B-B14F-4D97-AF65-F5344CB8AC3E}">
-        <p14:creationId xmlns="" xmlns:p14="http://schemas.microsoft.com/office/powerpoint/2010/main" val="2925076787"/>
+        <p14:creationId xmlns:p14="http://schemas.microsoft.com/office/powerpoint/2010/main" xmlns="" val="2925076787"/>
       </p:ext>
     </p:extLst>
   </p:cSld>
